--- a/Presentation.pptx
+++ b/Presentation.pptx
@@ -7,13 +7,23 @@
   <p:sldIdLst>
     <p:sldId id="256" r:id="rId2"/>
     <p:sldId id="257" r:id="rId3"/>
-    <p:sldId id="263" r:id="rId4"/>
-    <p:sldId id="266" r:id="rId5"/>
-    <p:sldId id="264" r:id="rId6"/>
-    <p:sldId id="265" r:id="rId7"/>
-    <p:sldId id="260" r:id="rId8"/>
-    <p:sldId id="262" r:id="rId9"/>
-    <p:sldId id="258" r:id="rId10"/>
+    <p:sldId id="267" r:id="rId4"/>
+    <p:sldId id="268" r:id="rId5"/>
+    <p:sldId id="263" r:id="rId6"/>
+    <p:sldId id="271" r:id="rId7"/>
+    <p:sldId id="274" r:id="rId8"/>
+    <p:sldId id="275" r:id="rId9"/>
+    <p:sldId id="276" r:id="rId10"/>
+    <p:sldId id="272" r:id="rId11"/>
+    <p:sldId id="266" r:id="rId12"/>
+    <p:sldId id="273" r:id="rId13"/>
+    <p:sldId id="264" r:id="rId14"/>
+    <p:sldId id="269" r:id="rId15"/>
+    <p:sldId id="265" r:id="rId16"/>
+    <p:sldId id="260" r:id="rId17"/>
+    <p:sldId id="262" r:id="rId18"/>
+    <p:sldId id="258" r:id="rId19"/>
+    <p:sldId id="278" r:id="rId20"/>
   </p:sldIdLst>
   <p:sldSz cx="12192000" cy="6858000"/>
   <p:notesSz cx="6858000" cy="9144000"/>
@@ -112,7 +122,990 @@
       </a:defRPr>
     </a:lvl9pPr>
   </p:defaultTextStyle>
+  <p:extLst>
+    <p:ext uri="{EFAFB233-063F-42B5-8137-9DF3F51BA10A}">
+      <p15:sldGuideLst xmlns:p15="http://schemas.microsoft.com/office/powerpoint/2012/main"/>
+    </p:ext>
+  </p:extLst>
 </p:presentation>
+</file>
+
+<file path=ppt/charts/chart1.xml><?xml version="1.0" encoding="utf-8"?>
+<c:chartSpace xmlns:c="http://schemas.openxmlformats.org/drawingml/2006/chart" xmlns:a="http://schemas.openxmlformats.org/drawingml/2006/main" xmlns:r="http://schemas.openxmlformats.org/officeDocument/2006/relationships" xmlns:c16r2="http://schemas.microsoft.com/office/drawing/2015/06/chart">
+  <c:date1904 val="0"/>
+  <c:lang val="en-US"/>
+  <c:roundedCorners val="0"/>
+  <mc:AlternateContent xmlns:mc="http://schemas.openxmlformats.org/markup-compatibility/2006">
+    <mc:Choice xmlns:c14="http://schemas.microsoft.com/office/drawing/2007/8/2/chart" Requires="c14">
+      <c14:style val="102"/>
+    </mc:Choice>
+    <mc:Fallback>
+      <c:style val="2"/>
+    </mc:Fallback>
+  </mc:AlternateContent>
+  <c:chart>
+    <c:title>
+      <c:tx>
+        <c:rich>
+          <a:bodyPr rot="0" spcFirstLastPara="1" vertOverflow="ellipsis" vert="horz" wrap="square" anchor="ctr" anchorCtr="1"/>
+          <a:lstStyle/>
+          <a:p>
+            <a:pPr>
+              <a:defRPr sz="1862" b="0" i="0" u="none" strike="noStrike" kern="1200" spc="0" baseline="0">
+                <a:solidFill>
+                  <a:schemeClr val="tx1">
+                    <a:lumMod val="65000"/>
+                    <a:lumOff val="35000"/>
+                  </a:schemeClr>
+                </a:solidFill>
+                <a:latin typeface="+mn-lt"/>
+                <a:ea typeface="+mn-ea"/>
+                <a:cs typeface="+mn-cs"/>
+              </a:defRPr>
+            </a:pPr>
+            <a:r>
+              <a:rPr lang="en-US" dirty="0"/>
+              <a:t>Patient</a:t>
+            </a:r>
+            <a:r>
+              <a:rPr lang="en-US" baseline="0" dirty="0"/>
+              <a:t> and rain</a:t>
+            </a:r>
+            <a:endParaRPr lang="en-US" dirty="0"/>
+          </a:p>
+        </c:rich>
+      </c:tx>
+      <c:overlay val="0"/>
+      <c:spPr>
+        <a:noFill/>
+        <a:ln>
+          <a:noFill/>
+        </a:ln>
+        <a:effectLst/>
+      </c:spPr>
+      <c:txPr>
+        <a:bodyPr rot="0" spcFirstLastPara="1" vertOverflow="ellipsis" vert="horz" wrap="square" anchor="ctr" anchorCtr="1"/>
+        <a:lstStyle/>
+        <a:p>
+          <a:pPr>
+            <a:defRPr sz="1862" b="0" i="0" u="none" strike="noStrike" kern="1200" spc="0" baseline="0">
+              <a:solidFill>
+                <a:schemeClr val="tx1">
+                  <a:lumMod val="65000"/>
+                  <a:lumOff val="35000"/>
+                </a:schemeClr>
+              </a:solidFill>
+              <a:latin typeface="+mn-lt"/>
+              <a:ea typeface="+mn-ea"/>
+              <a:cs typeface="+mn-cs"/>
+            </a:defRPr>
+          </a:pPr>
+          <a:endParaRPr lang="en-US"/>
+        </a:p>
+      </c:txPr>
+    </c:title>
+    <c:autoTitleDeleted val="0"/>
+    <c:plotArea>
+      <c:layout/>
+      <c:barChart>
+        <c:barDir val="col"/>
+        <c:grouping val="clustered"/>
+        <c:varyColors val="0"/>
+        <c:ser>
+          <c:idx val="1"/>
+          <c:order val="0"/>
+          <c:tx>
+            <c:strRef>
+              <c:f>Sheet1!$C$1</c:f>
+              <c:strCache>
+                <c:ptCount val="1"/>
+                <c:pt idx="0">
+                  <c:v>Rain</c:v>
+                </c:pt>
+              </c:strCache>
+            </c:strRef>
+          </c:tx>
+          <c:spPr>
+            <a:solidFill>
+              <a:schemeClr val="accent2"/>
+            </a:solidFill>
+            <a:ln>
+              <a:noFill/>
+            </a:ln>
+            <a:effectLst/>
+          </c:spPr>
+          <c:invertIfNegative val="0"/>
+          <c:cat>
+            <c:strRef>
+              <c:f>Sheet1!$A$2:$A$5</c:f>
+              <c:strCache>
+                <c:ptCount val="4"/>
+                <c:pt idx="0">
+                  <c:v>June</c:v>
+                </c:pt>
+                <c:pt idx="1">
+                  <c:v>August</c:v>
+                </c:pt>
+                <c:pt idx="2">
+                  <c:v>September</c:v>
+                </c:pt>
+                <c:pt idx="3">
+                  <c:v>October</c:v>
+                </c:pt>
+              </c:strCache>
+            </c:strRef>
+          </c:cat>
+          <c:val>
+            <c:numRef>
+              <c:f>Sheet1!$C$2:$C$5</c:f>
+              <c:numCache>
+                <c:formatCode>General</c:formatCode>
+                <c:ptCount val="4"/>
+                <c:pt idx="0">
+                  <c:v>2.4</c:v>
+                </c:pt>
+                <c:pt idx="1">
+                  <c:v>2</c:v>
+                </c:pt>
+                <c:pt idx="2">
+                  <c:v>4</c:v>
+                </c:pt>
+                <c:pt idx="3">
+                  <c:v>5</c:v>
+                </c:pt>
+              </c:numCache>
+            </c:numRef>
+          </c:val>
+          <c:extLst>
+            <c:ext xmlns:c16="http://schemas.microsoft.com/office/drawing/2014/chart" uri="{C3380CC4-5D6E-409C-BE32-E72D297353CC}">
+              <c16:uniqueId val="{00000001-41A1-4383-A2A9-F0CEF9BB44DF}"/>
+            </c:ext>
+          </c:extLst>
+        </c:ser>
+        <c:dLbls>
+          <c:showLegendKey val="0"/>
+          <c:showVal val="0"/>
+          <c:showCatName val="0"/>
+          <c:showSerName val="0"/>
+          <c:showPercent val="0"/>
+          <c:showBubbleSize val="0"/>
+        </c:dLbls>
+        <c:gapWidth val="219"/>
+        <c:overlap val="-27"/>
+        <c:axId val="614788192"/>
+        <c:axId val="614791104"/>
+      </c:barChart>
+      <c:lineChart>
+        <c:grouping val="standard"/>
+        <c:varyColors val="0"/>
+        <c:ser>
+          <c:idx val="2"/>
+          <c:order val="1"/>
+          <c:tx>
+            <c:strRef>
+              <c:f>Sheet1!$D$1</c:f>
+              <c:strCache>
+                <c:ptCount val="1"/>
+                <c:pt idx="0">
+                  <c:v>Patient</c:v>
+                </c:pt>
+              </c:strCache>
+            </c:strRef>
+          </c:tx>
+          <c:spPr>
+            <a:ln w="28575" cap="rnd">
+              <a:solidFill>
+                <a:schemeClr val="accent3"/>
+              </a:solidFill>
+              <a:round/>
+            </a:ln>
+            <a:effectLst/>
+          </c:spPr>
+          <c:marker>
+            <c:symbol val="none"/>
+          </c:marker>
+          <c:cat>
+            <c:strRef>
+              <c:f>Sheet1!$A$2:$A$5</c:f>
+              <c:strCache>
+                <c:ptCount val="4"/>
+                <c:pt idx="0">
+                  <c:v>June</c:v>
+                </c:pt>
+                <c:pt idx="1">
+                  <c:v>August</c:v>
+                </c:pt>
+                <c:pt idx="2">
+                  <c:v>September</c:v>
+                </c:pt>
+                <c:pt idx="3">
+                  <c:v>October</c:v>
+                </c:pt>
+              </c:strCache>
+            </c:strRef>
+          </c:cat>
+          <c:val>
+            <c:numRef>
+              <c:f>Sheet1!$D$2:$D$5</c:f>
+              <c:numCache>
+                <c:formatCode>General</c:formatCode>
+                <c:ptCount val="4"/>
+                <c:pt idx="0">
+                  <c:v>2</c:v>
+                </c:pt>
+                <c:pt idx="1">
+                  <c:v>3</c:v>
+                </c:pt>
+                <c:pt idx="2">
+                  <c:v>3.5</c:v>
+                </c:pt>
+                <c:pt idx="3">
+                  <c:v>5</c:v>
+                </c:pt>
+              </c:numCache>
+            </c:numRef>
+          </c:val>
+          <c:smooth val="0"/>
+          <c:extLst>
+            <c:ext xmlns:c16="http://schemas.microsoft.com/office/drawing/2014/chart" uri="{C3380CC4-5D6E-409C-BE32-E72D297353CC}">
+              <c16:uniqueId val="{00000002-41A1-4383-A2A9-F0CEF9BB44DF}"/>
+            </c:ext>
+          </c:extLst>
+        </c:ser>
+        <c:dLbls>
+          <c:showLegendKey val="0"/>
+          <c:showVal val="0"/>
+          <c:showCatName val="0"/>
+          <c:showSerName val="0"/>
+          <c:showPercent val="0"/>
+          <c:showBubbleSize val="0"/>
+        </c:dLbls>
+        <c:marker val="1"/>
+        <c:smooth val="0"/>
+        <c:axId val="614788192"/>
+        <c:axId val="614791104"/>
+      </c:lineChart>
+      <c:catAx>
+        <c:axId val="614788192"/>
+        <c:scaling>
+          <c:orientation val="minMax"/>
+        </c:scaling>
+        <c:delete val="0"/>
+        <c:axPos val="b"/>
+        <c:numFmt formatCode="General" sourceLinked="1"/>
+        <c:majorTickMark val="none"/>
+        <c:minorTickMark val="none"/>
+        <c:tickLblPos val="nextTo"/>
+        <c:spPr>
+          <a:noFill/>
+          <a:ln w="9525" cap="flat" cmpd="sng" algn="ctr">
+            <a:solidFill>
+              <a:schemeClr val="tx1">
+                <a:lumMod val="15000"/>
+                <a:lumOff val="85000"/>
+              </a:schemeClr>
+            </a:solidFill>
+            <a:round/>
+          </a:ln>
+          <a:effectLst/>
+        </c:spPr>
+        <c:txPr>
+          <a:bodyPr rot="-60000000" spcFirstLastPara="1" vertOverflow="ellipsis" vert="horz" wrap="square" anchor="ctr" anchorCtr="1"/>
+          <a:lstStyle/>
+          <a:p>
+            <a:pPr>
+              <a:defRPr sz="1197" b="0" i="0" u="none" strike="noStrike" kern="1200" baseline="0">
+                <a:solidFill>
+                  <a:schemeClr val="tx1">
+                    <a:lumMod val="65000"/>
+                    <a:lumOff val="35000"/>
+                  </a:schemeClr>
+                </a:solidFill>
+                <a:latin typeface="+mn-lt"/>
+                <a:ea typeface="+mn-ea"/>
+                <a:cs typeface="+mn-cs"/>
+              </a:defRPr>
+            </a:pPr>
+            <a:endParaRPr lang="en-US"/>
+          </a:p>
+        </c:txPr>
+        <c:crossAx val="614791104"/>
+        <c:crosses val="autoZero"/>
+        <c:auto val="1"/>
+        <c:lblAlgn val="ctr"/>
+        <c:lblOffset val="100"/>
+        <c:noMultiLvlLbl val="0"/>
+      </c:catAx>
+      <c:valAx>
+        <c:axId val="614791104"/>
+        <c:scaling>
+          <c:orientation val="minMax"/>
+        </c:scaling>
+        <c:delete val="0"/>
+        <c:axPos val="l"/>
+        <c:majorGridlines>
+          <c:spPr>
+            <a:ln w="9525" cap="flat" cmpd="sng" algn="ctr">
+              <a:solidFill>
+                <a:schemeClr val="tx1">
+                  <a:lumMod val="15000"/>
+                  <a:lumOff val="85000"/>
+                </a:schemeClr>
+              </a:solidFill>
+              <a:round/>
+            </a:ln>
+            <a:effectLst/>
+          </c:spPr>
+        </c:majorGridlines>
+        <c:numFmt formatCode="General" sourceLinked="1"/>
+        <c:majorTickMark val="none"/>
+        <c:minorTickMark val="none"/>
+        <c:tickLblPos val="nextTo"/>
+        <c:spPr>
+          <a:noFill/>
+          <a:ln>
+            <a:noFill/>
+          </a:ln>
+          <a:effectLst/>
+        </c:spPr>
+        <c:txPr>
+          <a:bodyPr rot="-60000000" spcFirstLastPara="1" vertOverflow="ellipsis" vert="horz" wrap="square" anchor="ctr" anchorCtr="1"/>
+          <a:lstStyle/>
+          <a:p>
+            <a:pPr>
+              <a:defRPr sz="1197" b="0" i="0" u="none" strike="noStrike" kern="1200" baseline="0">
+                <a:solidFill>
+                  <a:schemeClr val="tx1">
+                    <a:lumMod val="65000"/>
+                    <a:lumOff val="35000"/>
+                  </a:schemeClr>
+                </a:solidFill>
+                <a:latin typeface="+mn-lt"/>
+                <a:ea typeface="+mn-ea"/>
+                <a:cs typeface="+mn-cs"/>
+              </a:defRPr>
+            </a:pPr>
+            <a:endParaRPr lang="en-US"/>
+          </a:p>
+        </c:txPr>
+        <c:crossAx val="614788192"/>
+        <c:crosses val="autoZero"/>
+        <c:crossBetween val="between"/>
+      </c:valAx>
+      <c:spPr>
+        <a:noFill/>
+        <a:ln>
+          <a:noFill/>
+        </a:ln>
+        <a:effectLst/>
+      </c:spPr>
+    </c:plotArea>
+    <c:legend>
+      <c:legendPos val="b"/>
+      <c:overlay val="0"/>
+      <c:spPr>
+        <a:noFill/>
+        <a:ln>
+          <a:noFill/>
+        </a:ln>
+        <a:effectLst/>
+      </c:spPr>
+      <c:txPr>
+        <a:bodyPr rot="0" spcFirstLastPara="1" vertOverflow="ellipsis" vert="horz" wrap="square" anchor="ctr" anchorCtr="1"/>
+        <a:lstStyle/>
+        <a:p>
+          <a:pPr>
+            <a:defRPr sz="1197" b="0" i="0" u="none" strike="noStrike" kern="1200" baseline="0">
+              <a:solidFill>
+                <a:schemeClr val="tx1">
+                  <a:lumMod val="65000"/>
+                  <a:lumOff val="35000"/>
+                </a:schemeClr>
+              </a:solidFill>
+              <a:latin typeface="+mn-lt"/>
+              <a:ea typeface="+mn-ea"/>
+              <a:cs typeface="+mn-cs"/>
+            </a:defRPr>
+          </a:pPr>
+          <a:endParaRPr lang="en-US"/>
+        </a:p>
+      </c:txPr>
+    </c:legend>
+    <c:plotVisOnly val="1"/>
+    <c:dispBlanksAs val="gap"/>
+    <c:extLst>
+      <c:ext xmlns:c16r3="http://schemas.microsoft.com/office/drawing/2017/03/chart" uri="{56B9EC1D-385E-4148-901F-78D8002777C0}">
+        <c16r3:dataDisplayOptions16>
+          <c16r3:dispNaAsBlank val="1"/>
+        </c16r3:dataDisplayOptions16>
+      </c:ext>
+    </c:extLst>
+    <c:showDLblsOverMax val="0"/>
+  </c:chart>
+  <c:spPr>
+    <a:noFill/>
+    <a:ln>
+      <a:noFill/>
+    </a:ln>
+    <a:effectLst/>
+  </c:spPr>
+  <c:txPr>
+    <a:bodyPr/>
+    <a:lstStyle/>
+    <a:p>
+      <a:pPr>
+        <a:defRPr/>
+      </a:pPr>
+      <a:endParaRPr lang="en-US"/>
+    </a:p>
+  </c:txPr>
+  <c:externalData r:id="rId3">
+    <c:autoUpdate val="0"/>
+  </c:externalData>
+</c:chartSpace>
+</file>
+
+<file path=ppt/charts/colors1.xml><?xml version="1.0" encoding="utf-8"?>
+<cs:colorStyle xmlns:cs="http://schemas.microsoft.com/office/drawing/2012/chartStyle" xmlns:a="http://schemas.openxmlformats.org/drawingml/2006/main" meth="cycle" id="10">
+  <a:schemeClr val="accent1"/>
+  <a:schemeClr val="accent2"/>
+  <a:schemeClr val="accent3"/>
+  <a:schemeClr val="accent4"/>
+  <a:schemeClr val="accent5"/>
+  <a:schemeClr val="accent6"/>
+  <cs:variation/>
+  <cs:variation>
+    <a:lumMod val="60000"/>
+  </cs:variation>
+  <cs:variation>
+    <a:lumMod val="80000"/>
+    <a:lumOff val="20000"/>
+  </cs:variation>
+  <cs:variation>
+    <a:lumMod val="80000"/>
+  </cs:variation>
+  <cs:variation>
+    <a:lumMod val="60000"/>
+    <a:lumOff val="40000"/>
+  </cs:variation>
+  <cs:variation>
+    <a:lumMod val="50000"/>
+  </cs:variation>
+  <cs:variation>
+    <a:lumMod val="70000"/>
+    <a:lumOff val="30000"/>
+  </cs:variation>
+  <cs:variation>
+    <a:lumMod val="70000"/>
+  </cs:variation>
+  <cs:variation>
+    <a:lumMod val="50000"/>
+    <a:lumOff val="50000"/>
+  </cs:variation>
+</cs:colorStyle>
+</file>
+
+<file path=ppt/charts/style1.xml><?xml version="1.0" encoding="utf-8"?>
+<cs:chartStyle xmlns:cs="http://schemas.microsoft.com/office/drawing/2012/chartStyle" xmlns:a="http://schemas.openxmlformats.org/drawingml/2006/main" id="201">
+  <cs:axisTitle>
+    <cs:lnRef idx="0"/>
+    <cs:fillRef idx="0"/>
+    <cs:effectRef idx="0"/>
+    <cs:fontRef idx="minor">
+      <a:schemeClr val="tx1">
+        <a:lumMod val="65000"/>
+        <a:lumOff val="35000"/>
+      </a:schemeClr>
+    </cs:fontRef>
+    <cs:defRPr sz="1330" kern="1200"/>
+  </cs:axisTitle>
+  <cs:categoryAxis>
+    <cs:lnRef idx="0"/>
+    <cs:fillRef idx="0"/>
+    <cs:effectRef idx="0"/>
+    <cs:fontRef idx="minor">
+      <a:schemeClr val="tx1">
+        <a:lumMod val="65000"/>
+        <a:lumOff val="35000"/>
+      </a:schemeClr>
+    </cs:fontRef>
+    <cs:spPr>
+      <a:ln w="9525" cap="flat" cmpd="sng" algn="ctr">
+        <a:solidFill>
+          <a:schemeClr val="tx1">
+            <a:lumMod val="15000"/>
+            <a:lumOff val="85000"/>
+          </a:schemeClr>
+        </a:solidFill>
+        <a:round/>
+      </a:ln>
+    </cs:spPr>
+    <cs:defRPr sz="1197" kern="1200"/>
+  </cs:categoryAxis>
+  <cs:chartArea mods="allowNoFillOverride allowNoLineOverride">
+    <cs:lnRef idx="0"/>
+    <cs:fillRef idx="0"/>
+    <cs:effectRef idx="0"/>
+    <cs:fontRef idx="minor">
+      <a:schemeClr val="tx1"/>
+    </cs:fontRef>
+    <cs:spPr>
+      <a:solidFill>
+        <a:schemeClr val="bg1"/>
+      </a:solidFill>
+      <a:ln w="9525" cap="flat" cmpd="sng" algn="ctr">
+        <a:solidFill>
+          <a:schemeClr val="tx1">
+            <a:lumMod val="15000"/>
+            <a:lumOff val="85000"/>
+          </a:schemeClr>
+        </a:solidFill>
+        <a:round/>
+      </a:ln>
+    </cs:spPr>
+    <cs:defRPr sz="1330" kern="1200"/>
+  </cs:chartArea>
+  <cs:dataLabel>
+    <cs:lnRef idx="0"/>
+    <cs:fillRef idx="0"/>
+    <cs:effectRef idx="0"/>
+    <cs:fontRef idx="minor">
+      <a:schemeClr val="tx1">
+        <a:lumMod val="75000"/>
+        <a:lumOff val="25000"/>
+      </a:schemeClr>
+    </cs:fontRef>
+    <cs:defRPr sz="1197" kern="1200"/>
+  </cs:dataLabel>
+  <cs:dataLabelCallout>
+    <cs:lnRef idx="0"/>
+    <cs:fillRef idx="0"/>
+    <cs:effectRef idx="0"/>
+    <cs:fontRef idx="minor">
+      <a:schemeClr val="dk1">
+        <a:lumMod val="65000"/>
+        <a:lumOff val="35000"/>
+      </a:schemeClr>
+    </cs:fontRef>
+    <cs:spPr>
+      <a:solidFill>
+        <a:schemeClr val="lt1"/>
+      </a:solidFill>
+      <a:ln>
+        <a:solidFill>
+          <a:schemeClr val="dk1">
+            <a:lumMod val="25000"/>
+            <a:lumOff val="75000"/>
+          </a:schemeClr>
+        </a:solidFill>
+      </a:ln>
+    </cs:spPr>
+    <cs:defRPr sz="1197" kern="1200"/>
+    <cs:bodyPr rot="0" spcFirstLastPara="1" vertOverflow="clip" horzOverflow="clip" vert="horz" wrap="square" lIns="36576" tIns="18288" rIns="36576" bIns="18288" anchor="ctr" anchorCtr="1">
+      <a:spAutoFit/>
+    </cs:bodyPr>
+  </cs:dataLabelCallout>
+  <cs:dataPoint>
+    <cs:lnRef idx="0"/>
+    <cs:fillRef idx="1">
+      <cs:styleClr val="auto"/>
+    </cs:fillRef>
+    <cs:effectRef idx="0"/>
+    <cs:fontRef idx="minor">
+      <a:schemeClr val="tx1"/>
+    </cs:fontRef>
+  </cs:dataPoint>
+  <cs:dataPoint3D>
+    <cs:lnRef idx="0"/>
+    <cs:fillRef idx="1">
+      <cs:styleClr val="auto"/>
+    </cs:fillRef>
+    <cs:effectRef idx="0"/>
+    <cs:fontRef idx="minor">
+      <a:schemeClr val="tx1"/>
+    </cs:fontRef>
+  </cs:dataPoint3D>
+  <cs:dataPointLine>
+    <cs:lnRef idx="0">
+      <cs:styleClr val="auto"/>
+    </cs:lnRef>
+    <cs:fillRef idx="1"/>
+    <cs:effectRef idx="0"/>
+    <cs:fontRef idx="minor">
+      <a:schemeClr val="tx1"/>
+    </cs:fontRef>
+    <cs:spPr>
+      <a:ln w="28575" cap="rnd">
+        <a:solidFill>
+          <a:schemeClr val="phClr"/>
+        </a:solidFill>
+        <a:round/>
+      </a:ln>
+    </cs:spPr>
+  </cs:dataPointLine>
+  <cs:dataPointMarker>
+    <cs:lnRef idx="0">
+      <cs:styleClr val="auto"/>
+    </cs:lnRef>
+    <cs:fillRef idx="1">
+      <cs:styleClr val="auto"/>
+    </cs:fillRef>
+    <cs:effectRef idx="0"/>
+    <cs:fontRef idx="minor">
+      <a:schemeClr val="tx1"/>
+    </cs:fontRef>
+    <cs:spPr>
+      <a:ln w="9525">
+        <a:solidFill>
+          <a:schemeClr val="phClr"/>
+        </a:solidFill>
+      </a:ln>
+    </cs:spPr>
+  </cs:dataPointMarker>
+  <cs:dataPointMarkerLayout symbol="circle" size="5"/>
+  <cs:dataPointWireframe>
+    <cs:lnRef idx="0">
+      <cs:styleClr val="auto"/>
+    </cs:lnRef>
+    <cs:fillRef idx="1"/>
+    <cs:effectRef idx="0"/>
+    <cs:fontRef idx="minor">
+      <a:schemeClr val="tx1"/>
+    </cs:fontRef>
+    <cs:spPr>
+      <a:ln w="9525" cap="rnd">
+        <a:solidFill>
+          <a:schemeClr val="phClr"/>
+        </a:solidFill>
+        <a:round/>
+      </a:ln>
+    </cs:spPr>
+  </cs:dataPointWireframe>
+  <cs:dataTable>
+    <cs:lnRef idx="0"/>
+    <cs:fillRef idx="0"/>
+    <cs:effectRef idx="0"/>
+    <cs:fontRef idx="minor">
+      <a:schemeClr val="tx1">
+        <a:lumMod val="65000"/>
+        <a:lumOff val="35000"/>
+      </a:schemeClr>
+    </cs:fontRef>
+    <cs:spPr>
+      <a:noFill/>
+      <a:ln w="9525" cap="flat" cmpd="sng" algn="ctr">
+        <a:solidFill>
+          <a:schemeClr val="tx1">
+            <a:lumMod val="15000"/>
+            <a:lumOff val="85000"/>
+          </a:schemeClr>
+        </a:solidFill>
+        <a:round/>
+      </a:ln>
+    </cs:spPr>
+    <cs:defRPr sz="1197" kern="1200"/>
+  </cs:dataTable>
+  <cs:downBar>
+    <cs:lnRef idx="0"/>
+    <cs:fillRef idx="0"/>
+    <cs:effectRef idx="0"/>
+    <cs:fontRef idx="minor">
+      <a:schemeClr val="dk1"/>
+    </cs:fontRef>
+    <cs:spPr>
+      <a:solidFill>
+        <a:schemeClr val="dk1">
+          <a:lumMod val="65000"/>
+          <a:lumOff val="35000"/>
+        </a:schemeClr>
+      </a:solidFill>
+      <a:ln w="9525">
+        <a:solidFill>
+          <a:schemeClr val="tx1">
+            <a:lumMod val="65000"/>
+            <a:lumOff val="35000"/>
+          </a:schemeClr>
+        </a:solidFill>
+      </a:ln>
+    </cs:spPr>
+  </cs:downBar>
+  <cs:dropLine>
+    <cs:lnRef idx="0"/>
+    <cs:fillRef idx="0"/>
+    <cs:effectRef idx="0"/>
+    <cs:fontRef idx="minor">
+      <a:schemeClr val="tx1"/>
+    </cs:fontRef>
+    <cs:spPr>
+      <a:ln w="9525" cap="flat" cmpd="sng" algn="ctr">
+        <a:solidFill>
+          <a:schemeClr val="tx1">
+            <a:lumMod val="35000"/>
+            <a:lumOff val="65000"/>
+          </a:schemeClr>
+        </a:solidFill>
+        <a:round/>
+      </a:ln>
+    </cs:spPr>
+  </cs:dropLine>
+  <cs:errorBar>
+    <cs:lnRef idx="0"/>
+    <cs:fillRef idx="0"/>
+    <cs:effectRef idx="0"/>
+    <cs:fontRef idx="minor">
+      <a:schemeClr val="tx1"/>
+    </cs:fontRef>
+    <cs:spPr>
+      <a:ln w="9525" cap="flat" cmpd="sng" algn="ctr">
+        <a:solidFill>
+          <a:schemeClr val="tx1">
+            <a:lumMod val="65000"/>
+            <a:lumOff val="35000"/>
+          </a:schemeClr>
+        </a:solidFill>
+        <a:round/>
+      </a:ln>
+    </cs:spPr>
+  </cs:errorBar>
+  <cs:floor>
+    <cs:lnRef idx="0"/>
+    <cs:fillRef idx="0"/>
+    <cs:effectRef idx="0"/>
+    <cs:fontRef idx="minor">
+      <a:schemeClr val="tx1"/>
+    </cs:fontRef>
+    <cs:spPr>
+      <a:noFill/>
+      <a:ln>
+        <a:noFill/>
+      </a:ln>
+    </cs:spPr>
+  </cs:floor>
+  <cs:gridlineMajor>
+    <cs:lnRef idx="0"/>
+    <cs:fillRef idx="0"/>
+    <cs:effectRef idx="0"/>
+    <cs:fontRef idx="minor">
+      <a:schemeClr val="tx1"/>
+    </cs:fontRef>
+    <cs:spPr>
+      <a:ln w="9525" cap="flat" cmpd="sng" algn="ctr">
+        <a:solidFill>
+          <a:schemeClr val="tx1">
+            <a:lumMod val="15000"/>
+            <a:lumOff val="85000"/>
+          </a:schemeClr>
+        </a:solidFill>
+        <a:round/>
+      </a:ln>
+    </cs:spPr>
+  </cs:gridlineMajor>
+  <cs:gridlineMinor>
+    <cs:lnRef idx="0"/>
+    <cs:fillRef idx="0"/>
+    <cs:effectRef idx="0"/>
+    <cs:fontRef idx="minor">
+      <a:schemeClr val="tx1"/>
+    </cs:fontRef>
+    <cs:spPr>
+      <a:ln w="9525" cap="flat" cmpd="sng" algn="ctr">
+        <a:solidFill>
+          <a:schemeClr val="tx1">
+            <a:lumMod val="5000"/>
+            <a:lumOff val="95000"/>
+          </a:schemeClr>
+        </a:solidFill>
+        <a:round/>
+      </a:ln>
+    </cs:spPr>
+  </cs:gridlineMinor>
+  <cs:hiLoLine>
+    <cs:lnRef idx="0"/>
+    <cs:fillRef idx="0"/>
+    <cs:effectRef idx="0"/>
+    <cs:fontRef idx="minor">
+      <a:schemeClr val="tx1"/>
+    </cs:fontRef>
+    <cs:spPr>
+      <a:ln w="9525" cap="flat" cmpd="sng" algn="ctr">
+        <a:solidFill>
+          <a:schemeClr val="tx1">
+            <a:lumMod val="75000"/>
+            <a:lumOff val="25000"/>
+          </a:schemeClr>
+        </a:solidFill>
+        <a:round/>
+      </a:ln>
+    </cs:spPr>
+  </cs:hiLoLine>
+  <cs:leaderLine>
+    <cs:lnRef idx="0"/>
+    <cs:fillRef idx="0"/>
+    <cs:effectRef idx="0"/>
+    <cs:fontRef idx="minor">
+      <a:schemeClr val="tx1"/>
+    </cs:fontRef>
+    <cs:spPr>
+      <a:ln w="9525" cap="flat" cmpd="sng" algn="ctr">
+        <a:solidFill>
+          <a:schemeClr val="tx1">
+            <a:lumMod val="35000"/>
+            <a:lumOff val="65000"/>
+          </a:schemeClr>
+        </a:solidFill>
+        <a:round/>
+      </a:ln>
+    </cs:spPr>
+  </cs:leaderLine>
+  <cs:legend>
+    <cs:lnRef idx="0"/>
+    <cs:fillRef idx="0"/>
+    <cs:effectRef idx="0"/>
+    <cs:fontRef idx="minor">
+      <a:schemeClr val="tx1">
+        <a:lumMod val="65000"/>
+        <a:lumOff val="35000"/>
+      </a:schemeClr>
+    </cs:fontRef>
+    <cs:defRPr sz="1197" kern="1200"/>
+  </cs:legend>
+  <cs:plotArea mods="allowNoFillOverride allowNoLineOverride">
+    <cs:lnRef idx="0"/>
+    <cs:fillRef idx="0"/>
+    <cs:effectRef idx="0"/>
+    <cs:fontRef idx="minor">
+      <a:schemeClr val="tx1"/>
+    </cs:fontRef>
+  </cs:plotArea>
+  <cs:plotArea3D mods="allowNoFillOverride allowNoLineOverride">
+    <cs:lnRef idx="0"/>
+    <cs:fillRef idx="0"/>
+    <cs:effectRef idx="0"/>
+    <cs:fontRef idx="minor">
+      <a:schemeClr val="tx1"/>
+    </cs:fontRef>
+  </cs:plotArea3D>
+  <cs:seriesAxis>
+    <cs:lnRef idx="0"/>
+    <cs:fillRef idx="0"/>
+    <cs:effectRef idx="0"/>
+    <cs:fontRef idx="minor">
+      <a:schemeClr val="tx1">
+        <a:lumMod val="65000"/>
+        <a:lumOff val="35000"/>
+      </a:schemeClr>
+    </cs:fontRef>
+    <cs:defRPr sz="1197" kern="1200"/>
+  </cs:seriesAxis>
+  <cs:seriesLine>
+    <cs:lnRef idx="0"/>
+    <cs:fillRef idx="0"/>
+    <cs:effectRef idx="0"/>
+    <cs:fontRef idx="minor">
+      <a:schemeClr val="tx1"/>
+    </cs:fontRef>
+    <cs:spPr>
+      <a:ln w="9525" cap="flat" cmpd="sng" algn="ctr">
+        <a:solidFill>
+          <a:schemeClr val="tx1">
+            <a:lumMod val="35000"/>
+            <a:lumOff val="65000"/>
+          </a:schemeClr>
+        </a:solidFill>
+        <a:round/>
+      </a:ln>
+    </cs:spPr>
+  </cs:seriesLine>
+  <cs:title>
+    <cs:lnRef idx="0"/>
+    <cs:fillRef idx="0"/>
+    <cs:effectRef idx="0"/>
+    <cs:fontRef idx="minor">
+      <a:schemeClr val="tx1">
+        <a:lumMod val="65000"/>
+        <a:lumOff val="35000"/>
+      </a:schemeClr>
+    </cs:fontRef>
+    <cs:defRPr sz="1862" b="0" kern="1200" spc="0" baseline="0"/>
+  </cs:title>
+  <cs:trendline>
+    <cs:lnRef idx="0">
+      <cs:styleClr val="auto"/>
+    </cs:lnRef>
+    <cs:fillRef idx="0"/>
+    <cs:effectRef idx="0"/>
+    <cs:fontRef idx="minor">
+      <a:schemeClr val="tx1"/>
+    </cs:fontRef>
+    <cs:spPr>
+      <a:ln w="19050" cap="rnd">
+        <a:solidFill>
+          <a:schemeClr val="phClr"/>
+        </a:solidFill>
+        <a:prstDash val="sysDot"/>
+      </a:ln>
+    </cs:spPr>
+  </cs:trendline>
+  <cs:trendlineLabel>
+    <cs:lnRef idx="0"/>
+    <cs:fillRef idx="0"/>
+    <cs:effectRef idx="0"/>
+    <cs:fontRef idx="minor">
+      <a:schemeClr val="tx1">
+        <a:lumMod val="65000"/>
+        <a:lumOff val="35000"/>
+      </a:schemeClr>
+    </cs:fontRef>
+    <cs:defRPr sz="1197" kern="1200"/>
+  </cs:trendlineLabel>
+  <cs:upBar>
+    <cs:lnRef idx="0"/>
+    <cs:fillRef idx="0"/>
+    <cs:effectRef idx="0"/>
+    <cs:fontRef idx="minor">
+      <a:schemeClr val="dk1"/>
+    </cs:fontRef>
+    <cs:spPr>
+      <a:solidFill>
+        <a:schemeClr val="lt1"/>
+      </a:solidFill>
+      <a:ln w="9525">
+        <a:solidFill>
+          <a:schemeClr val="tx1">
+            <a:lumMod val="15000"/>
+            <a:lumOff val="85000"/>
+          </a:schemeClr>
+        </a:solidFill>
+      </a:ln>
+    </cs:spPr>
+  </cs:upBar>
+  <cs:valueAxis>
+    <cs:lnRef idx="0"/>
+    <cs:fillRef idx="0"/>
+    <cs:effectRef idx="0"/>
+    <cs:fontRef idx="minor">
+      <a:schemeClr val="tx1">
+        <a:lumMod val="65000"/>
+        <a:lumOff val="35000"/>
+      </a:schemeClr>
+    </cs:fontRef>
+    <cs:defRPr sz="1197" kern="1200"/>
+  </cs:valueAxis>
+  <cs:wall>
+    <cs:lnRef idx="0"/>
+    <cs:fillRef idx="0"/>
+    <cs:effectRef idx="0"/>
+    <cs:fontRef idx="minor">
+      <a:schemeClr val="tx1"/>
+    </cs:fontRef>
+    <cs:spPr>
+      <a:noFill/>
+      <a:ln>
+        <a:noFill/>
+      </a:ln>
+    </cs:spPr>
+  </cs:wall>
+</cs:chartStyle>
 </file>
 
 <file path=ppt/diagrams/colors1.xml><?xml version="1.0" encoding="utf-8"?>
@@ -944,8 +1937,12 @@
         <a:lstStyle/>
         <a:p>
           <a:r>
+            <a:rPr lang="en-US" sz="2800" dirty="0"/>
+            <a:t>🤒</a:t>
+          </a:r>
+          <a:r>
             <a:rPr lang="en-US" sz="1600" dirty="0"/>
-            <a:t>🤒 Dengue patient dataset</a:t>
+            <a:t> Dengue patient dataset</a:t>
           </a:r>
         </a:p>
       </dgm:t>
@@ -980,8 +1977,12 @@
         <a:lstStyle/>
         <a:p>
           <a:r>
+            <a:rPr lang="en-US" sz="3600" dirty="0"/>
+            <a:t>🌧</a:t>
+          </a:r>
+          <a:r>
             <a:rPr lang="en-US" sz="1600" dirty="0"/>
-            <a:t>🌧 Rain dataset</a:t>
+            <a:t> Rain dataset</a:t>
           </a:r>
         </a:p>
       </dgm:t>
@@ -1017,8 +2018,12 @@
         <a:p>
           <a:pPr algn="ctr"/>
           <a:r>
+            <a:rPr lang="en-US" sz="2800" dirty="0"/>
+            <a:t>🌡 </a:t>
+          </a:r>
+          <a:r>
             <a:rPr lang="en-US" sz="1600" dirty="0"/>
-            <a:t>🌡 Temperature dataset</a:t>
+            <a:t>Temperature dataset</a:t>
           </a:r>
         </a:p>
       </dgm:t>
@@ -1053,8 +2058,8 @@
         <a:lstStyle/>
         <a:p>
           <a:r>
-            <a:rPr lang="en-US" sz="1600" dirty="0"/>
-            <a:t>processed</a:t>
+            <a:rPr lang="en-US" sz="4800" dirty="0"/>
+            <a:t>🦟</a:t>
           </a:r>
         </a:p>
       </dgm:t>
@@ -1255,12 +2260,12 @@
         </a:fontRef>
       </dsp:style>
       <dsp:txBody>
-        <a:bodyPr spcFirstLastPara="0" vert="horz" wrap="square" lIns="20320" tIns="20320" rIns="20320" bIns="20320" numCol="1" spcCol="1270" anchor="ctr" anchorCtr="0">
+        <a:bodyPr spcFirstLastPara="0" vert="horz" wrap="square" lIns="35560" tIns="35560" rIns="35560" bIns="35560" numCol="1" spcCol="1270" anchor="ctr" anchorCtr="0">
           <a:noAutofit/>
         </a:bodyPr>
         <a:lstStyle/>
         <a:p>
-          <a:pPr marL="0" lvl="0" indent="0" algn="ctr" defTabSz="711200">
+          <a:pPr marL="0" lvl="0" indent="0" algn="ctr" defTabSz="1244600">
             <a:lnSpc>
               <a:spcPct val="90000"/>
             </a:lnSpc>
@@ -1273,8 +2278,12 @@
             <a:buNone/>
           </a:pPr>
           <a:r>
+            <a:rPr lang="en-US" sz="2800" kern="1200" dirty="0"/>
+            <a:t>🤒</a:t>
+          </a:r>
+          <a:r>
             <a:rPr lang="en-US" sz="1600" kern="1200" dirty="0"/>
-            <a:t>🤒 Dengue patient dataset</a:t>
+            <a:t> Dengue patient dataset</a:t>
           </a:r>
         </a:p>
       </dsp:txBody>
@@ -1401,12 +2410,12 @@
         </a:fontRef>
       </dsp:style>
       <dsp:txBody>
-        <a:bodyPr spcFirstLastPara="0" vert="horz" wrap="square" lIns="20320" tIns="20320" rIns="20320" bIns="20320" numCol="1" spcCol="1270" anchor="ctr" anchorCtr="0">
+        <a:bodyPr spcFirstLastPara="0" vert="horz" wrap="square" lIns="45720" tIns="45720" rIns="45720" bIns="45720" numCol="1" spcCol="1270" anchor="ctr" anchorCtr="0">
           <a:noAutofit/>
         </a:bodyPr>
         <a:lstStyle/>
         <a:p>
-          <a:pPr marL="0" lvl="0" indent="0" algn="ctr" defTabSz="711200">
+          <a:pPr marL="0" lvl="0" indent="0" algn="ctr" defTabSz="1600200">
             <a:lnSpc>
               <a:spcPct val="90000"/>
             </a:lnSpc>
@@ -1419,8 +2428,12 @@
             <a:buNone/>
           </a:pPr>
           <a:r>
+            <a:rPr lang="en-US" sz="3600" kern="1200" dirty="0"/>
+            <a:t>🌧</a:t>
+          </a:r>
+          <a:r>
             <a:rPr lang="en-US" sz="1600" kern="1200" dirty="0"/>
-            <a:t>🌧 Rain dataset</a:t>
+            <a:t> Rain dataset</a:t>
           </a:r>
         </a:p>
       </dsp:txBody>
@@ -1547,12 +2560,12 @@
         </a:fontRef>
       </dsp:style>
       <dsp:txBody>
-        <a:bodyPr spcFirstLastPara="0" vert="horz" wrap="square" lIns="20320" tIns="20320" rIns="20320" bIns="20320" numCol="1" spcCol="1270" anchor="ctr" anchorCtr="0">
+        <a:bodyPr spcFirstLastPara="0" vert="horz" wrap="square" lIns="35560" tIns="35560" rIns="35560" bIns="35560" numCol="1" spcCol="1270" anchor="ctr" anchorCtr="0">
           <a:noAutofit/>
         </a:bodyPr>
         <a:lstStyle/>
         <a:p>
-          <a:pPr marL="0" lvl="0" indent="0" algn="ctr" defTabSz="711200">
+          <a:pPr marL="0" lvl="0" indent="0" algn="ctr" defTabSz="1244600">
             <a:lnSpc>
               <a:spcPct val="90000"/>
             </a:lnSpc>
@@ -1565,8 +2578,12 @@
             <a:buNone/>
           </a:pPr>
           <a:r>
+            <a:rPr lang="en-US" sz="2800" kern="1200" dirty="0"/>
+            <a:t>🌡 </a:t>
+          </a:r>
+          <a:r>
             <a:rPr lang="en-US" sz="1600" kern="1200" dirty="0"/>
-            <a:t>🌡 Temperature dataset</a:t>
+            <a:t>Temperature dataset</a:t>
           </a:r>
         </a:p>
       </dsp:txBody>
@@ -1693,12 +2710,12 @@
         </a:fontRef>
       </dsp:style>
       <dsp:txBody>
-        <a:bodyPr spcFirstLastPara="0" vert="horz" wrap="square" lIns="20320" tIns="20320" rIns="20320" bIns="20320" numCol="1" spcCol="1270" anchor="ctr" anchorCtr="0">
+        <a:bodyPr spcFirstLastPara="0" vert="horz" wrap="square" lIns="60960" tIns="60960" rIns="60960" bIns="60960" numCol="1" spcCol="1270" anchor="ctr" anchorCtr="0">
           <a:noAutofit/>
         </a:bodyPr>
         <a:lstStyle/>
         <a:p>
-          <a:pPr marL="0" lvl="0" indent="0" algn="ctr" defTabSz="711200">
+          <a:pPr marL="0" lvl="0" indent="0" algn="ctr" defTabSz="2133600">
             <a:lnSpc>
               <a:spcPct val="90000"/>
             </a:lnSpc>
@@ -1711,8 +2728,8 @@
             <a:buNone/>
           </a:pPr>
           <a:r>
-            <a:rPr lang="en-US" sz="1600" kern="1200" dirty="0"/>
-            <a:t>processed</a:t>
+            <a:rPr lang="en-US" sz="4800" kern="1200" dirty="0"/>
+            <a:t>🦟</a:t>
           </a:r>
         </a:p>
       </dsp:txBody>
@@ -3045,7 +4062,7 @@
           <a:p>
             <a:fld id="{DF7D3DBD-0B5D-4B79-92F9-F17AA9E647F4}" type="datetimeFigureOut">
               <a:rPr lang="en-US" smtClean="0"/>
-              <a:t>10/11/2021</a:t>
+              <a:t>10/14/2021</a:t>
             </a:fld>
             <a:endParaRPr lang="en-US"/>
           </a:p>
@@ -3215,7 +4232,7 @@
           <a:p>
             <a:fld id="{DF7D3DBD-0B5D-4B79-92F9-F17AA9E647F4}" type="datetimeFigureOut">
               <a:rPr lang="en-US" smtClean="0"/>
-              <a:t>10/11/2021</a:t>
+              <a:t>10/14/2021</a:t>
             </a:fld>
             <a:endParaRPr lang="en-US"/>
           </a:p>
@@ -3395,7 +4412,7 @@
           <a:p>
             <a:fld id="{DF7D3DBD-0B5D-4B79-92F9-F17AA9E647F4}" type="datetimeFigureOut">
               <a:rPr lang="en-US" smtClean="0"/>
-              <a:t>10/11/2021</a:t>
+              <a:t>10/14/2021</a:t>
             </a:fld>
             <a:endParaRPr lang="en-US"/>
           </a:p>
@@ -3565,7 +4582,7 @@
           <a:p>
             <a:fld id="{DF7D3DBD-0B5D-4B79-92F9-F17AA9E647F4}" type="datetimeFigureOut">
               <a:rPr lang="en-US" smtClean="0"/>
-              <a:t>10/11/2021</a:t>
+              <a:t>10/14/2021</a:t>
             </a:fld>
             <a:endParaRPr lang="en-US"/>
           </a:p>
@@ -3811,7 +4828,7 @@
           <a:p>
             <a:fld id="{DF7D3DBD-0B5D-4B79-92F9-F17AA9E647F4}" type="datetimeFigureOut">
               <a:rPr lang="en-US" smtClean="0"/>
-              <a:t>10/11/2021</a:t>
+              <a:t>10/14/2021</a:t>
             </a:fld>
             <a:endParaRPr lang="en-US"/>
           </a:p>
@@ -4043,7 +5060,7 @@
           <a:p>
             <a:fld id="{DF7D3DBD-0B5D-4B79-92F9-F17AA9E647F4}" type="datetimeFigureOut">
               <a:rPr lang="en-US" smtClean="0"/>
-              <a:t>10/11/2021</a:t>
+              <a:t>10/14/2021</a:t>
             </a:fld>
             <a:endParaRPr lang="en-US"/>
           </a:p>
@@ -4410,7 +5427,7 @@
           <a:p>
             <a:fld id="{DF7D3DBD-0B5D-4B79-92F9-F17AA9E647F4}" type="datetimeFigureOut">
               <a:rPr lang="en-US" smtClean="0"/>
-              <a:t>10/11/2021</a:t>
+              <a:t>10/14/2021</a:t>
             </a:fld>
             <a:endParaRPr lang="en-US"/>
           </a:p>
@@ -4528,7 +5545,7 @@
           <a:p>
             <a:fld id="{DF7D3DBD-0B5D-4B79-92F9-F17AA9E647F4}" type="datetimeFigureOut">
               <a:rPr lang="en-US" smtClean="0"/>
-              <a:t>10/11/2021</a:t>
+              <a:t>10/14/2021</a:t>
             </a:fld>
             <a:endParaRPr lang="en-US"/>
           </a:p>
@@ -4623,7 +5640,7 @@
           <a:p>
             <a:fld id="{DF7D3DBD-0B5D-4B79-92F9-F17AA9E647F4}" type="datetimeFigureOut">
               <a:rPr lang="en-US" smtClean="0"/>
-              <a:t>10/11/2021</a:t>
+              <a:t>10/14/2021</a:t>
             </a:fld>
             <a:endParaRPr lang="en-US"/>
           </a:p>
@@ -4900,7 +5917,7 @@
           <a:p>
             <a:fld id="{DF7D3DBD-0B5D-4B79-92F9-F17AA9E647F4}" type="datetimeFigureOut">
               <a:rPr lang="en-US" smtClean="0"/>
-              <a:t>10/11/2021</a:t>
+              <a:t>10/14/2021</a:t>
             </a:fld>
             <a:endParaRPr lang="en-US"/>
           </a:p>
@@ -5157,7 +6174,7 @@
           <a:p>
             <a:fld id="{DF7D3DBD-0B5D-4B79-92F9-F17AA9E647F4}" type="datetimeFigureOut">
               <a:rPr lang="en-US" smtClean="0"/>
-              <a:t>10/11/2021</a:t>
+              <a:t>10/14/2021</a:t>
             </a:fld>
             <a:endParaRPr lang="en-US"/>
           </a:p>
@@ -5370,7 +6387,7 @@
           <a:p>
             <a:fld id="{DF7D3DBD-0B5D-4B79-92F9-F17AA9E647F4}" type="datetimeFigureOut">
               <a:rPr lang="en-US" smtClean="0"/>
-              <a:t>10/11/2021</a:t>
+              <a:t>10/14/2021</a:t>
             </a:fld>
             <a:endParaRPr lang="en-US"/>
           </a:p>
@@ -5804,6 +6821,11 @@
           <a:bodyPr/>
           <a:lstStyle/>
           <a:p>
+            <a:pPr>
+              <a:lnSpc>
+                <a:spcPct val="100000"/>
+              </a:lnSpc>
+            </a:pPr>
             <a:r>
               <a:rPr lang="en-US" dirty="0">
                 <a:latin typeface="Bahnschrift SemiBold" panose="020B0502040204020203" pitchFamily="34" charset="0"/>
@@ -5837,6 +6859,11 @@
           </a:bodyPr>
           <a:lstStyle/>
           <a:p>
+            <a:pPr>
+              <a:lnSpc>
+                <a:spcPct val="100000"/>
+              </a:lnSpc>
+            </a:pPr>
             <a:r>
               <a:rPr lang="en-US" dirty="0">
                 <a:latin typeface="Bahnschrift SemiBold" panose="020B0502040204020203" pitchFamily="34" charset="0"/>
@@ -5860,152 +6887,7 @@
 </p:sld>
 </file>
 
-<file path=ppt/slides/slide2.xml><?xml version="1.0" encoding="utf-8"?>
-<p:sld xmlns:a="http://schemas.openxmlformats.org/drawingml/2006/main" xmlns:r="http://schemas.openxmlformats.org/officeDocument/2006/relationships" xmlns:p="http://schemas.openxmlformats.org/presentationml/2006/main">
-  <p:cSld>
-    <p:spTree>
-      <p:nvGrpSpPr>
-        <p:cNvPr id="1" name=""/>
-        <p:cNvGrpSpPr/>
-        <p:nvPr/>
-      </p:nvGrpSpPr>
-      <p:grpSpPr>
-        <a:xfrm>
-          <a:off x="0" y="0"/>
-          <a:ext cx="0" cy="0"/>
-          <a:chOff x="0" y="0"/>
-          <a:chExt cx="0" cy="0"/>
-        </a:xfrm>
-      </p:grpSpPr>
-      <p:sp>
-        <p:nvSpPr>
-          <p:cNvPr id="2" name="Title 1">
-            <a:extLst>
-              <a:ext uri="{FF2B5EF4-FFF2-40B4-BE49-F238E27FC236}">
-                <a16:creationId xmlns:a16="http://schemas.microsoft.com/office/drawing/2014/main" id="{B0DB5CBE-DFFA-4432-92F8-5639FE300EE5}"/>
-              </a:ext>
-            </a:extLst>
-          </p:cNvPr>
-          <p:cNvSpPr>
-            <a:spLocks noGrp="1"/>
-          </p:cNvSpPr>
-          <p:nvPr>
-            <p:ph type="title"/>
-          </p:nvPr>
-        </p:nvSpPr>
-        <p:spPr/>
-        <p:txBody>
-          <a:bodyPr/>
-          <a:lstStyle/>
-          <a:p>
-            <a:r>
-              <a:rPr lang="en-US" dirty="0"/>
-              <a:t>Overview</a:t>
-            </a:r>
-          </a:p>
-        </p:txBody>
-      </p:sp>
-      <p:sp>
-        <p:nvSpPr>
-          <p:cNvPr id="3" name="Content Placeholder 2">
-            <a:extLst>
-              <a:ext uri="{FF2B5EF4-FFF2-40B4-BE49-F238E27FC236}">
-                <a16:creationId xmlns:a16="http://schemas.microsoft.com/office/drawing/2014/main" id="{D6497D47-5F29-4EDD-853A-BFE2A01FF6FF}"/>
-              </a:ext>
-            </a:extLst>
-          </p:cNvPr>
-          <p:cNvSpPr>
-            <a:spLocks noGrp="1"/>
-          </p:cNvSpPr>
-          <p:nvPr>
-            <p:ph idx="1"/>
-          </p:nvPr>
-        </p:nvSpPr>
-        <p:spPr/>
-        <p:txBody>
-          <a:bodyPr>
-            <a:normAutofit/>
-          </a:bodyPr>
-          <a:lstStyle/>
-          <a:p>
-            <a:r>
-              <a:rPr lang="en-US" dirty="0"/>
-              <a:t>Key facts</a:t>
-            </a:r>
-          </a:p>
-          <a:p>
-            <a:pPr marL="457200" lvl="1" indent="0">
-              <a:buNone/>
-            </a:pPr>
-            <a:r>
-              <a:rPr lang="en-US" dirty="0"/>
-              <a:t>☠ The infection causes flu-like illness, and occasionally develops into a potentially lethal.[1]</a:t>
-            </a:r>
-          </a:p>
-          <a:p>
-            <a:pPr marL="457200" lvl="1" indent="0">
-              <a:buNone/>
-            </a:pPr>
-            <a:r>
-              <a:rPr lang="en-US" b="0" i="0" dirty="0">
-                <a:effectLst/>
-              </a:rPr>
-              <a:t>⏲ There is no specific treatment for dengue, but early detection and access to proper medical care lowers fatality rates below 1%.[1]</a:t>
-            </a:r>
-            <a:endParaRPr lang="en-US" dirty="0"/>
-          </a:p>
-          <a:p>
-            <a:r>
-              <a:rPr lang="en-US" dirty="0"/>
-              <a:t>Objectives:</a:t>
-            </a:r>
-          </a:p>
-          <a:p>
-            <a:pPr marL="457200" lvl="1" indent="0">
-              <a:buNone/>
-            </a:pPr>
-            <a:r>
-              <a:rPr lang="en-US" dirty="0"/>
-              <a:t>🔮 To predict the number of dengue fever patients by rainfall, temperature, humidity.</a:t>
-            </a:r>
-          </a:p>
-          <a:p>
-            <a:pPr marL="457200" lvl="1" indent="0">
-              <a:buNone/>
-            </a:pPr>
-            <a:r>
-              <a:rPr lang="en-US" dirty="0"/>
-              <a:t>📊 To visualize information that is relevant to the data.</a:t>
-            </a:r>
-          </a:p>
-          <a:p>
-            <a:endParaRPr lang="en-US" dirty="0"/>
-          </a:p>
-          <a:p>
-            <a:endParaRPr lang="en-US" dirty="0"/>
-          </a:p>
-          <a:p>
-            <a:pPr marL="457200" lvl="1" indent="0">
-              <a:buNone/>
-            </a:pPr>
-            <a:endParaRPr lang="en-US" dirty="0"/>
-          </a:p>
-        </p:txBody>
-      </p:sp>
-    </p:spTree>
-    <p:extLst>
-      <p:ext uri="{BB962C8B-B14F-4D97-AF65-F5344CB8AC3E}">
-        <p14:creationId xmlns:p14="http://schemas.microsoft.com/office/powerpoint/2010/main" val="2549193430"/>
-      </p:ext>
-    </p:extLst>
-  </p:cSld>
-  <p:clrMapOvr>
-    <a:masterClrMapping/>
-  </p:clrMapOvr>
-</p:sld>
-</file>
-
-<file path=ppt/slides/slide3.xml><?xml version="1.0" encoding="utf-8"?>
+<file path=ppt/slides/slide10.xml><?xml version="1.0" encoding="utf-8"?>
 <p:sld xmlns:a="http://schemas.openxmlformats.org/drawingml/2006/main" xmlns:r="http://schemas.openxmlformats.org/officeDocument/2006/relationships" xmlns:p="http://schemas.openxmlformats.org/presentationml/2006/main">
   <p:cSld>
     <p:spTree>
@@ -6050,38 +6932,125 @@
           </a:p>
         </p:txBody>
       </p:sp>
-      <p:graphicFrame>
-        <p:nvGraphicFramePr>
-          <p:cNvPr id="4" name="Diagram 3">
+      <p:pic>
+        <p:nvPicPr>
+          <p:cNvPr id="4" name="Picture 3" descr="Graphical user interface&#10;&#10;Description automatically generated">
             <a:extLst>
               <a:ext uri="{FF2B5EF4-FFF2-40B4-BE49-F238E27FC236}">
-                <a16:creationId xmlns:a16="http://schemas.microsoft.com/office/drawing/2014/main" id="{F92A9884-09C3-4051-8114-ED7F68D0B546}"/>
+                <a16:creationId xmlns:a16="http://schemas.microsoft.com/office/drawing/2014/main" id="{98F7ABFF-0122-48C6-8C44-E5AA579569A9}"/>
               </a:ext>
             </a:extLst>
           </p:cNvPr>
-          <p:cNvGraphicFramePr/>
+          <p:cNvPicPr>
+            <a:picLocks noChangeAspect="1"/>
+          </p:cNvPicPr>
+          <p:nvPr/>
+        </p:nvPicPr>
+        <p:blipFill>
+          <a:blip r:embed="rId2">
+            <a:alphaModFix amt="10000"/>
+            <a:extLst>
+              <a:ext uri="{28A0092B-C50C-407E-A947-70E740481C1C}">
+                <a14:useLocalDpi xmlns:a14="http://schemas.microsoft.com/office/drawing/2010/main" val="0"/>
+              </a:ext>
+            </a:extLst>
+          </a:blip>
+          <a:stretch>
+            <a:fillRect/>
+          </a:stretch>
+        </p:blipFill>
+        <p:spPr>
+          <a:xfrm>
+            <a:off x="2026880" y="720410"/>
+            <a:ext cx="8138239" cy="5417180"/>
+          </a:xfrm>
+          <a:prstGeom prst="rect">
+            <a:avLst/>
+          </a:prstGeom>
+        </p:spPr>
+      </p:pic>
+      <p:sp>
+        <p:nvSpPr>
+          <p:cNvPr id="6" name="Content Placeholder 2">
+            <a:extLst>
+              <a:ext uri="{FF2B5EF4-FFF2-40B4-BE49-F238E27FC236}">
+                <a16:creationId xmlns:a16="http://schemas.microsoft.com/office/drawing/2014/main" id="{AB4049CB-CA14-43EE-88EF-340D8FD3209B}"/>
+              </a:ext>
+            </a:extLst>
+          </p:cNvPr>
+          <p:cNvSpPr>
+            <a:spLocks noGrp="1"/>
+          </p:cNvSpPr>
           <p:nvPr>
-            <p:extLst>
-              <p:ext uri="{D42A27DB-BD31-4B8C-83A1-F6EECF244321}">
-                <p14:modId xmlns:p14="http://schemas.microsoft.com/office/powerpoint/2010/main" val="1557557149"/>
-              </p:ext>
-            </p:extLst>
+            <p:ph idx="1"/>
           </p:nvPr>
-        </p:nvGraphicFramePr>
-        <p:xfrm>
-          <a:off x="2032000" y="719666"/>
-          <a:ext cx="8128000" cy="5418667"/>
-        </p:xfrm>
-        <a:graphic>
-          <a:graphicData uri="http://schemas.openxmlformats.org/drawingml/2006/diagram">
-            <dgm:relIds xmlns:dgm="http://schemas.openxmlformats.org/drawingml/2006/diagram" xmlns:r="http://schemas.openxmlformats.org/officeDocument/2006/relationships" r:dm="rId2" r:lo="rId3" r:qs="rId4" r:cs="rId5"/>
-          </a:graphicData>
-        </a:graphic>
-      </p:graphicFrame>
+        </p:nvSpPr>
+        <p:spPr>
+          <a:xfrm>
+            <a:off x="838200" y="1825625"/>
+            <a:ext cx="10515600" cy="4351338"/>
+          </a:xfrm>
+        </p:spPr>
+        <p:txBody>
+          <a:bodyPr>
+            <a:normAutofit/>
+          </a:bodyPr>
+          <a:lstStyle/>
+          <a:p>
+            <a:r>
+              <a:rPr lang="en-US" dirty="0"/>
+              <a:t>What are you doing?</a:t>
+            </a:r>
+          </a:p>
+          <a:p>
+            <a:pPr marL="457200" lvl="1" indent="0">
+              <a:buNone/>
+            </a:pPr>
+            <a:r>
+              <a:rPr lang="en-US" dirty="0"/>
+              <a:t>☠ The infection causes flu-like illness, and occasionally develops into a potentially lethal. </a:t>
+            </a:r>
+            <a:r>
+              <a:rPr lang="en-US" dirty="0">
+                <a:latin typeface="Angsana New" panose="02020603050405020304" pitchFamily="18" charset="-34"/>
+                <a:cs typeface="Angsana New" panose="02020603050405020304" pitchFamily="18" charset="-34"/>
+              </a:rPr>
+              <a:t>[1]</a:t>
+            </a:r>
+          </a:p>
+          <a:p>
+            <a:pPr marL="457200" lvl="1" indent="0">
+              <a:buNone/>
+            </a:pPr>
+            <a:r>
+              <a:rPr lang="en-US" b="0" i="0" dirty="0">
+                <a:effectLst/>
+              </a:rPr>
+              <a:t>⏲ There is no specific treatment for dengue, </a:t>
+            </a:r>
+            <a:r>
+              <a:rPr lang="en-US" b="0" i="0" u="sng" dirty="0">
+                <a:effectLst/>
+              </a:rPr>
+              <a:t>but early detection and access to proper medical care</a:t>
+            </a:r>
+            <a:r>
+              <a:rPr lang="en-US" b="0" i="0" dirty="0">
+                <a:effectLst/>
+              </a:rPr>
+              <a:t> lowers fatality rates below 1%.</a:t>
+            </a:r>
+            <a:endParaRPr lang="en-US" dirty="0">
+              <a:latin typeface="Angsana New" panose="02020603050405020304" pitchFamily="18" charset="-34"/>
+              <a:cs typeface="Angsana New" panose="02020603050405020304" pitchFamily="18" charset="-34"/>
+            </a:endParaRPr>
+          </a:p>
+        </p:txBody>
+      </p:sp>
     </p:spTree>
     <p:extLst>
       <p:ext uri="{BB962C8B-B14F-4D97-AF65-F5344CB8AC3E}">
-        <p14:creationId xmlns:p14="http://schemas.microsoft.com/office/powerpoint/2010/main" val="1914115493"/>
+        <p14:creationId xmlns:p14="http://schemas.microsoft.com/office/powerpoint/2010/main" val="3627107895"/>
       </p:ext>
     </p:extLst>
   </p:cSld>
@@ -6091,7 +7060,7 @@
 </p:sld>
 </file>
 
-<file path=ppt/slides/slide4.xml><?xml version="1.0" encoding="utf-8"?>
+<file path=ppt/slides/slide11.xml><?xml version="1.0" encoding="utf-8"?>
 <p:sld xmlns:a="http://schemas.openxmlformats.org/drawingml/2006/main" xmlns:r="http://schemas.openxmlformats.org/officeDocument/2006/relationships" xmlns:p="http://schemas.openxmlformats.org/presentationml/2006/main">
   <p:cSld>
     <p:spTree>
@@ -6293,7 +7262,7 @@
                 </a:pPr>
                 <a:r>
                   <a:rPr lang="en-US" sz="1600" kern="1200" dirty="0"/>
-                  <a:t>processed</a:t>
+                  <a:t>⚙ Processed</a:t>
                 </a:r>
               </a:p>
             </p:txBody>
@@ -6436,7 +7405,7 @@
                 </a:pPr>
                 <a:r>
                   <a:rPr lang="en-US" sz="1600" kern="1200" dirty="0"/>
-                  <a:t>📈 Linear</a:t>
+                  <a:t>📈 Linear regression model</a:t>
                 </a:r>
               </a:p>
             </p:txBody>
@@ -6579,7 +7548,7 @@
                 </a:pPr>
                 <a:r>
                   <a:rPr lang="en-US" sz="1600" kern="1200" dirty="0"/>
-                  <a:t>🧮 Clustering</a:t>
+                  <a:t>🧮 Clustering model</a:t>
                 </a:r>
               </a:p>
             </p:txBody>
@@ -6883,7 +7852,799 @@
 </p:sld>
 </file>
 
-<file path=ppt/slides/slide5.xml><?xml version="1.0" encoding="utf-8"?>
+<file path=ppt/slides/slide12.xml><?xml version="1.0" encoding="utf-8"?>
+<p:sld xmlns:a="http://schemas.openxmlformats.org/drawingml/2006/main" xmlns:r="http://schemas.openxmlformats.org/officeDocument/2006/relationships" xmlns:p="http://schemas.openxmlformats.org/presentationml/2006/main">
+  <p:cSld>
+    <p:spTree>
+      <p:nvGrpSpPr>
+        <p:cNvPr id="1" name=""/>
+        <p:cNvGrpSpPr/>
+        <p:nvPr/>
+      </p:nvGrpSpPr>
+      <p:grpSpPr>
+        <a:xfrm>
+          <a:off x="0" y="0"/>
+          <a:ext cx="0" cy="0"/>
+          <a:chOff x="0" y="0"/>
+          <a:chExt cx="0" cy="0"/>
+        </a:xfrm>
+      </p:grpSpPr>
+      <p:sp>
+        <p:nvSpPr>
+          <p:cNvPr id="2" name="Title 1">
+            <a:extLst>
+              <a:ext uri="{FF2B5EF4-FFF2-40B4-BE49-F238E27FC236}">
+                <a16:creationId xmlns:a16="http://schemas.microsoft.com/office/drawing/2014/main" id="{765EBF66-776B-44CD-B84A-5B13AE020C97}"/>
+              </a:ext>
+            </a:extLst>
+          </p:cNvPr>
+          <p:cNvSpPr>
+            <a:spLocks noGrp="1"/>
+          </p:cNvSpPr>
+          <p:nvPr>
+            <p:ph type="title"/>
+          </p:nvPr>
+        </p:nvSpPr>
+        <p:spPr/>
+        <p:txBody>
+          <a:bodyPr/>
+          <a:lstStyle/>
+          <a:p>
+            <a:r>
+              <a:rPr lang="en-US" dirty="0"/>
+              <a:t>Linear regression model</a:t>
+            </a:r>
+          </a:p>
+        </p:txBody>
+      </p:sp>
+      <p:grpSp>
+        <p:nvGrpSpPr>
+          <p:cNvPr id="14" name="Group 13">
+            <a:extLst>
+              <a:ext uri="{FF2B5EF4-FFF2-40B4-BE49-F238E27FC236}">
+                <a16:creationId xmlns:a16="http://schemas.microsoft.com/office/drawing/2014/main" id="{A32C42B4-0026-402C-B98D-9F4E86AD3FE6}"/>
+              </a:ext>
+            </a:extLst>
+          </p:cNvPr>
+          <p:cNvGrpSpPr/>
+          <p:nvPr/>
+        </p:nvGrpSpPr>
+        <p:grpSpPr>
+          <a:xfrm>
+            <a:off x="3527424" y="1474084"/>
+            <a:ext cx="5137152" cy="4469517"/>
+            <a:chOff x="2398009" y="1474084"/>
+            <a:chExt cx="5137152" cy="4469517"/>
+          </a:xfrm>
+        </p:grpSpPr>
+        <p:grpSp>
+          <p:nvGrpSpPr>
+            <p:cNvPr id="5" name="Group 4">
+              <a:extLst>
+                <a:ext uri="{FF2B5EF4-FFF2-40B4-BE49-F238E27FC236}">
+                  <a16:creationId xmlns:a16="http://schemas.microsoft.com/office/drawing/2014/main" id="{B5832450-4DAE-48AC-8729-D74DB02D3730}"/>
+                </a:ext>
+              </a:extLst>
+            </p:cNvPr>
+            <p:cNvGrpSpPr/>
+            <p:nvPr/>
+          </p:nvGrpSpPr>
+          <p:grpSpPr>
+            <a:xfrm>
+              <a:off x="2398009" y="2430463"/>
+              <a:ext cx="2462033" cy="2462033"/>
+              <a:chOff x="5665375" y="1478316"/>
+              <a:chExt cx="2462033" cy="2462033"/>
+            </a:xfrm>
+          </p:grpSpPr>
+          <p:sp>
+            <p:nvSpPr>
+              <p:cNvPr id="6" name="Oval 5">
+                <a:extLst>
+                  <a:ext uri="{FF2B5EF4-FFF2-40B4-BE49-F238E27FC236}">
+                    <a16:creationId xmlns:a16="http://schemas.microsoft.com/office/drawing/2014/main" id="{50F958EC-BEB2-4591-8535-6C043747678E}"/>
+                  </a:ext>
+                </a:extLst>
+              </p:cNvPr>
+              <p:cNvSpPr/>
+              <p:nvPr/>
+            </p:nvSpPr>
+            <p:spPr>
+              <a:xfrm>
+                <a:off x="5665375" y="1478316"/>
+                <a:ext cx="2462033" cy="2462033"/>
+              </a:xfrm>
+              <a:prstGeom prst="ellipse">
+                <a:avLst/>
+              </a:prstGeom>
+            </p:spPr>
+            <p:style>
+              <a:lnRef idx="2">
+                <a:schemeClr val="dk1">
+                  <a:shade val="80000"/>
+                  <a:hueOff val="0"/>
+                  <a:satOff val="0"/>
+                  <a:lumOff val="0"/>
+                  <a:alphaOff val="0"/>
+                </a:schemeClr>
+              </a:lnRef>
+              <a:fillRef idx="1">
+                <a:schemeClr val="lt1">
+                  <a:hueOff val="0"/>
+                  <a:satOff val="0"/>
+                  <a:lumOff val="0"/>
+                  <a:alphaOff val="0"/>
+                </a:schemeClr>
+              </a:fillRef>
+              <a:effectRef idx="0">
+                <a:schemeClr val="lt1">
+                  <a:hueOff val="0"/>
+                  <a:satOff val="0"/>
+                  <a:lumOff val="0"/>
+                  <a:alphaOff val="0"/>
+                </a:schemeClr>
+              </a:effectRef>
+              <a:fontRef idx="minor">
+                <a:schemeClr val="dk1">
+                  <a:hueOff val="0"/>
+                  <a:satOff val="0"/>
+                  <a:lumOff val="0"/>
+                  <a:alphaOff val="0"/>
+                </a:schemeClr>
+              </a:fontRef>
+            </p:style>
+          </p:sp>
+          <p:sp>
+            <p:nvSpPr>
+              <p:cNvPr id="7" name="Oval 4">
+                <a:extLst>
+                  <a:ext uri="{FF2B5EF4-FFF2-40B4-BE49-F238E27FC236}">
+                    <a16:creationId xmlns:a16="http://schemas.microsoft.com/office/drawing/2014/main" id="{6C8D6689-4F48-4B67-8BB9-C6552D2778E7}"/>
+                  </a:ext>
+                </a:extLst>
+              </p:cNvPr>
+              <p:cNvSpPr txBox="1"/>
+              <p:nvPr/>
+            </p:nvSpPr>
+            <p:spPr>
+              <a:xfrm>
+                <a:off x="6025931" y="1838872"/>
+                <a:ext cx="1740921" cy="1740921"/>
+              </a:xfrm>
+              <a:prstGeom prst="rect">
+                <a:avLst/>
+              </a:prstGeom>
+            </p:spPr>
+            <p:style>
+              <a:lnRef idx="0">
+                <a:scrgbClr r="0" g="0" b="0"/>
+              </a:lnRef>
+              <a:fillRef idx="0">
+                <a:scrgbClr r="0" g="0" b="0"/>
+              </a:fillRef>
+              <a:effectRef idx="0">
+                <a:scrgbClr r="0" g="0" b="0"/>
+              </a:effectRef>
+              <a:fontRef idx="minor">
+                <a:schemeClr val="dk1">
+                  <a:hueOff val="0"/>
+                  <a:satOff val="0"/>
+                  <a:lumOff val="0"/>
+                  <a:alphaOff val="0"/>
+                </a:schemeClr>
+              </a:fontRef>
+            </p:style>
+            <p:txBody>
+              <a:bodyPr spcFirstLastPara="0" vert="horz" wrap="square" lIns="20320" tIns="20320" rIns="20320" bIns="20320" numCol="1" spcCol="1270" anchor="ctr" anchorCtr="0">
+                <a:noAutofit/>
+              </a:bodyPr>
+              <a:lstStyle/>
+              <a:p>
+                <a:pPr marL="0" lvl="0" indent="0" algn="ctr" defTabSz="711200">
+                  <a:lnSpc>
+                    <a:spcPct val="90000"/>
+                  </a:lnSpc>
+                  <a:spcBef>
+                    <a:spcPct val="0"/>
+                  </a:spcBef>
+                  <a:spcAft>
+                    <a:spcPct val="35000"/>
+                  </a:spcAft>
+                  <a:buNone/>
+                </a:pPr>
+                <a:r>
+                  <a:rPr lang="en-US" sz="1600" kern="1200" dirty="0"/>
+                  <a:t>⚙ Processed</a:t>
+                </a:r>
+              </a:p>
+            </p:txBody>
+          </p:sp>
+        </p:grpSp>
+        <p:grpSp>
+          <p:nvGrpSpPr>
+            <p:cNvPr id="8" name="Group 7">
+              <a:extLst>
+                <a:ext uri="{FF2B5EF4-FFF2-40B4-BE49-F238E27FC236}">
+                  <a16:creationId xmlns:a16="http://schemas.microsoft.com/office/drawing/2014/main" id="{E71E5EF2-5CB7-4728-B38F-4559A98064D2}"/>
+                </a:ext>
+              </a:extLst>
+            </p:cNvPr>
+            <p:cNvGrpSpPr/>
+            <p:nvPr/>
+          </p:nvGrpSpPr>
+          <p:grpSpPr>
+            <a:xfrm>
+              <a:off x="5622403" y="1474084"/>
+              <a:ext cx="1912758" cy="1912758"/>
+              <a:chOff x="5665375" y="1478316"/>
+              <a:chExt cx="2462033" cy="2462033"/>
+            </a:xfrm>
+          </p:grpSpPr>
+          <p:sp>
+            <p:nvSpPr>
+              <p:cNvPr id="9" name="Oval 8">
+                <a:extLst>
+                  <a:ext uri="{FF2B5EF4-FFF2-40B4-BE49-F238E27FC236}">
+                    <a16:creationId xmlns:a16="http://schemas.microsoft.com/office/drawing/2014/main" id="{12FA4AC0-A606-4700-8912-F95CE18507E1}"/>
+                  </a:ext>
+                </a:extLst>
+              </p:cNvPr>
+              <p:cNvSpPr/>
+              <p:nvPr/>
+            </p:nvSpPr>
+            <p:spPr>
+              <a:xfrm>
+                <a:off x="5665375" y="1478316"/>
+                <a:ext cx="2462033" cy="2462033"/>
+              </a:xfrm>
+              <a:prstGeom prst="ellipse">
+                <a:avLst/>
+              </a:prstGeom>
+            </p:spPr>
+            <p:style>
+              <a:lnRef idx="2">
+                <a:schemeClr val="dk1">
+                  <a:shade val="80000"/>
+                  <a:hueOff val="0"/>
+                  <a:satOff val="0"/>
+                  <a:lumOff val="0"/>
+                  <a:alphaOff val="0"/>
+                </a:schemeClr>
+              </a:lnRef>
+              <a:fillRef idx="1">
+                <a:schemeClr val="lt1">
+                  <a:hueOff val="0"/>
+                  <a:satOff val="0"/>
+                  <a:lumOff val="0"/>
+                  <a:alphaOff val="0"/>
+                </a:schemeClr>
+              </a:fillRef>
+              <a:effectRef idx="0">
+                <a:schemeClr val="lt1">
+                  <a:hueOff val="0"/>
+                  <a:satOff val="0"/>
+                  <a:lumOff val="0"/>
+                  <a:alphaOff val="0"/>
+                </a:schemeClr>
+              </a:effectRef>
+              <a:fontRef idx="minor">
+                <a:schemeClr val="dk1">
+                  <a:hueOff val="0"/>
+                  <a:satOff val="0"/>
+                  <a:lumOff val="0"/>
+                  <a:alphaOff val="0"/>
+                </a:schemeClr>
+              </a:fontRef>
+            </p:style>
+          </p:sp>
+          <p:sp>
+            <p:nvSpPr>
+              <p:cNvPr id="10" name="Oval 4">
+                <a:extLst>
+                  <a:ext uri="{FF2B5EF4-FFF2-40B4-BE49-F238E27FC236}">
+                    <a16:creationId xmlns:a16="http://schemas.microsoft.com/office/drawing/2014/main" id="{B1BBFA59-13E1-453B-B98A-95269EED1CA5}"/>
+                  </a:ext>
+                </a:extLst>
+              </p:cNvPr>
+              <p:cNvSpPr txBox="1"/>
+              <p:nvPr/>
+            </p:nvSpPr>
+            <p:spPr>
+              <a:xfrm>
+                <a:off x="6025931" y="1838872"/>
+                <a:ext cx="1740921" cy="1740921"/>
+              </a:xfrm>
+              <a:prstGeom prst="rect">
+                <a:avLst/>
+              </a:prstGeom>
+            </p:spPr>
+            <p:style>
+              <a:lnRef idx="0">
+                <a:scrgbClr r="0" g="0" b="0"/>
+              </a:lnRef>
+              <a:fillRef idx="0">
+                <a:scrgbClr r="0" g="0" b="0"/>
+              </a:fillRef>
+              <a:effectRef idx="0">
+                <a:scrgbClr r="0" g="0" b="0"/>
+              </a:effectRef>
+              <a:fontRef idx="minor">
+                <a:schemeClr val="dk1">
+                  <a:hueOff val="0"/>
+                  <a:satOff val="0"/>
+                  <a:lumOff val="0"/>
+                  <a:alphaOff val="0"/>
+                </a:schemeClr>
+              </a:fontRef>
+            </p:style>
+            <p:txBody>
+              <a:bodyPr spcFirstLastPara="0" vert="horz" wrap="square" lIns="20320" tIns="20320" rIns="20320" bIns="20320" numCol="1" spcCol="1270" anchor="ctr" anchorCtr="0">
+                <a:noAutofit/>
+              </a:bodyPr>
+              <a:lstStyle/>
+              <a:p>
+                <a:pPr marL="0" lvl="0" indent="0" algn="ctr" defTabSz="711200">
+                  <a:lnSpc>
+                    <a:spcPct val="90000"/>
+                  </a:lnSpc>
+                  <a:spcBef>
+                    <a:spcPct val="0"/>
+                  </a:spcBef>
+                  <a:spcAft>
+                    <a:spcPct val="35000"/>
+                  </a:spcAft>
+                  <a:buNone/>
+                </a:pPr>
+                <a:r>
+                  <a:rPr lang="en-US" sz="1600" kern="1200" dirty="0"/>
+                  <a:t>📈 Linear regression model</a:t>
+                </a:r>
+              </a:p>
+            </p:txBody>
+          </p:sp>
+        </p:grpSp>
+        <p:grpSp>
+          <p:nvGrpSpPr>
+            <p:cNvPr id="11" name="Group 10">
+              <a:extLst>
+                <a:ext uri="{FF2B5EF4-FFF2-40B4-BE49-F238E27FC236}">
+                  <a16:creationId xmlns:a16="http://schemas.microsoft.com/office/drawing/2014/main" id="{B4D7A09A-1241-4A15-9BD9-412040B2CA30}"/>
+                </a:ext>
+              </a:extLst>
+            </p:cNvPr>
+            <p:cNvGrpSpPr/>
+            <p:nvPr/>
+          </p:nvGrpSpPr>
+          <p:grpSpPr>
+            <a:xfrm>
+              <a:off x="5622402" y="4030843"/>
+              <a:ext cx="1912758" cy="1912758"/>
+              <a:chOff x="5665375" y="1478316"/>
+              <a:chExt cx="2462033" cy="2462033"/>
+            </a:xfrm>
+          </p:grpSpPr>
+          <p:sp>
+            <p:nvSpPr>
+              <p:cNvPr id="12" name="Oval 11">
+                <a:extLst>
+                  <a:ext uri="{FF2B5EF4-FFF2-40B4-BE49-F238E27FC236}">
+                    <a16:creationId xmlns:a16="http://schemas.microsoft.com/office/drawing/2014/main" id="{87D43369-40C1-4474-964A-E8E8428EE4F7}"/>
+                  </a:ext>
+                </a:extLst>
+              </p:cNvPr>
+              <p:cNvSpPr/>
+              <p:nvPr/>
+            </p:nvSpPr>
+            <p:spPr>
+              <a:xfrm>
+                <a:off x="5665375" y="1478316"/>
+                <a:ext cx="2462033" cy="2462033"/>
+              </a:xfrm>
+              <a:prstGeom prst="ellipse">
+                <a:avLst/>
+              </a:prstGeom>
+            </p:spPr>
+            <p:style>
+              <a:lnRef idx="2">
+                <a:schemeClr val="dk1">
+                  <a:shade val="80000"/>
+                  <a:hueOff val="0"/>
+                  <a:satOff val="0"/>
+                  <a:lumOff val="0"/>
+                  <a:alphaOff val="0"/>
+                </a:schemeClr>
+              </a:lnRef>
+              <a:fillRef idx="1">
+                <a:schemeClr val="lt1">
+                  <a:hueOff val="0"/>
+                  <a:satOff val="0"/>
+                  <a:lumOff val="0"/>
+                  <a:alphaOff val="0"/>
+                </a:schemeClr>
+              </a:fillRef>
+              <a:effectRef idx="0">
+                <a:schemeClr val="lt1">
+                  <a:hueOff val="0"/>
+                  <a:satOff val="0"/>
+                  <a:lumOff val="0"/>
+                  <a:alphaOff val="0"/>
+                </a:schemeClr>
+              </a:effectRef>
+              <a:fontRef idx="minor">
+                <a:schemeClr val="dk1">
+                  <a:hueOff val="0"/>
+                  <a:satOff val="0"/>
+                  <a:lumOff val="0"/>
+                  <a:alphaOff val="0"/>
+                </a:schemeClr>
+              </a:fontRef>
+            </p:style>
+          </p:sp>
+          <p:sp>
+            <p:nvSpPr>
+              <p:cNvPr id="13" name="Oval 4">
+                <a:extLst>
+                  <a:ext uri="{FF2B5EF4-FFF2-40B4-BE49-F238E27FC236}">
+                    <a16:creationId xmlns:a16="http://schemas.microsoft.com/office/drawing/2014/main" id="{895897F3-9093-4BC9-B192-B90C0C312D2E}"/>
+                  </a:ext>
+                </a:extLst>
+              </p:cNvPr>
+              <p:cNvSpPr txBox="1"/>
+              <p:nvPr/>
+            </p:nvSpPr>
+            <p:spPr>
+              <a:xfrm>
+                <a:off x="6025931" y="1838872"/>
+                <a:ext cx="1740921" cy="1740921"/>
+              </a:xfrm>
+              <a:prstGeom prst="rect">
+                <a:avLst/>
+              </a:prstGeom>
+            </p:spPr>
+            <p:style>
+              <a:lnRef idx="0">
+                <a:scrgbClr r="0" g="0" b="0"/>
+              </a:lnRef>
+              <a:fillRef idx="0">
+                <a:scrgbClr r="0" g="0" b="0"/>
+              </a:fillRef>
+              <a:effectRef idx="0">
+                <a:scrgbClr r="0" g="0" b="0"/>
+              </a:effectRef>
+              <a:fontRef idx="minor">
+                <a:schemeClr val="dk1">
+                  <a:hueOff val="0"/>
+                  <a:satOff val="0"/>
+                  <a:lumOff val="0"/>
+                  <a:alphaOff val="0"/>
+                </a:schemeClr>
+              </a:fontRef>
+            </p:style>
+            <p:txBody>
+              <a:bodyPr spcFirstLastPara="0" vert="horz" wrap="square" lIns="20320" tIns="20320" rIns="20320" bIns="20320" numCol="1" spcCol="1270" anchor="ctr" anchorCtr="0">
+                <a:noAutofit/>
+              </a:bodyPr>
+              <a:lstStyle/>
+              <a:p>
+                <a:pPr marL="0" lvl="0" indent="0" algn="ctr" defTabSz="711200">
+                  <a:lnSpc>
+                    <a:spcPct val="90000"/>
+                  </a:lnSpc>
+                  <a:spcBef>
+                    <a:spcPct val="0"/>
+                  </a:spcBef>
+                  <a:spcAft>
+                    <a:spcPct val="35000"/>
+                  </a:spcAft>
+                  <a:buNone/>
+                </a:pPr>
+                <a:r>
+                  <a:rPr lang="en-US" sz="1600" kern="1200" dirty="0"/>
+                  <a:t>🧮 Clustering model</a:t>
+                </a:r>
+              </a:p>
+            </p:txBody>
+          </p:sp>
+        </p:grpSp>
+      </p:grpSp>
+      <p:grpSp>
+        <p:nvGrpSpPr>
+          <p:cNvPr id="16" name="Group 15">
+            <a:extLst>
+              <a:ext uri="{FF2B5EF4-FFF2-40B4-BE49-F238E27FC236}">
+                <a16:creationId xmlns:a16="http://schemas.microsoft.com/office/drawing/2014/main" id="{7CB81C2A-E647-4DD8-9A0D-E093C5991C0B}"/>
+              </a:ext>
+            </a:extLst>
+          </p:cNvPr>
+          <p:cNvGrpSpPr/>
+          <p:nvPr/>
+        </p:nvGrpSpPr>
+        <p:grpSpPr>
+          <a:xfrm rot="18900000">
+            <a:off x="6350013" y="2974512"/>
+            <a:ext cx="264427" cy="264427"/>
+            <a:chOff x="1587404" y="2577119"/>
+            <a:chExt cx="264427" cy="264427"/>
+          </a:xfrm>
+        </p:grpSpPr>
+        <p:sp>
+          <p:nvSpPr>
+            <p:cNvPr id="17" name="Plus Sign 16">
+              <a:extLst>
+                <a:ext uri="{FF2B5EF4-FFF2-40B4-BE49-F238E27FC236}">
+                  <a16:creationId xmlns:a16="http://schemas.microsoft.com/office/drawing/2014/main" id="{9CBAAFCA-6EEC-400B-86D4-DB5CBD6C7C46}"/>
+                </a:ext>
+              </a:extLst>
+            </p:cNvPr>
+            <p:cNvSpPr/>
+            <p:nvPr/>
+          </p:nvSpPr>
+          <p:spPr>
+            <a:xfrm>
+              <a:off x="1587404" y="2577119"/>
+              <a:ext cx="264427" cy="264427"/>
+            </a:xfrm>
+            <a:prstGeom prst="rightArrow">
+              <a:avLst/>
+            </a:prstGeom>
+          </p:spPr>
+          <p:style>
+            <a:lnRef idx="0">
+              <a:schemeClr val="dk1">
+                <a:tint val="60000"/>
+                <a:hueOff val="0"/>
+                <a:satOff val="0"/>
+                <a:lumOff val="0"/>
+                <a:alphaOff val="0"/>
+              </a:schemeClr>
+            </a:lnRef>
+            <a:fillRef idx="1">
+              <a:schemeClr val="dk1">
+                <a:tint val="60000"/>
+                <a:hueOff val="0"/>
+                <a:satOff val="0"/>
+                <a:lumOff val="0"/>
+                <a:alphaOff val="0"/>
+              </a:schemeClr>
+            </a:fillRef>
+            <a:effectRef idx="0">
+              <a:schemeClr val="dk1">
+                <a:tint val="60000"/>
+                <a:hueOff val="0"/>
+                <a:satOff val="0"/>
+                <a:lumOff val="0"/>
+                <a:alphaOff val="0"/>
+              </a:schemeClr>
+            </a:effectRef>
+            <a:fontRef idx="minor">
+              <a:schemeClr val="dk1">
+                <a:hueOff val="0"/>
+                <a:satOff val="0"/>
+                <a:lumOff val="0"/>
+                <a:alphaOff val="0"/>
+              </a:schemeClr>
+            </a:fontRef>
+          </p:style>
+        </p:sp>
+        <p:sp>
+          <p:nvSpPr>
+            <p:cNvPr id="18" name="Plus Sign 4">
+              <a:extLst>
+                <a:ext uri="{FF2B5EF4-FFF2-40B4-BE49-F238E27FC236}">
+                  <a16:creationId xmlns:a16="http://schemas.microsoft.com/office/drawing/2014/main" id="{B99EC8D4-D13F-4284-905E-4691E6F18FD4}"/>
+                </a:ext>
+              </a:extLst>
+            </p:cNvPr>
+            <p:cNvSpPr txBox="1"/>
+            <p:nvPr/>
+          </p:nvSpPr>
+          <p:spPr>
+            <a:xfrm>
+              <a:off x="1622454" y="2678236"/>
+              <a:ext cx="194327" cy="62193"/>
+            </a:xfrm>
+            <a:prstGeom prst="rightArrow">
+              <a:avLst/>
+            </a:prstGeom>
+          </p:spPr>
+          <p:style>
+            <a:lnRef idx="0">
+              <a:scrgbClr r="0" g="0" b="0"/>
+            </a:lnRef>
+            <a:fillRef idx="0">
+              <a:scrgbClr r="0" g="0" b="0"/>
+            </a:fillRef>
+            <a:effectRef idx="0">
+              <a:scrgbClr r="0" g="0" b="0"/>
+            </a:effectRef>
+            <a:fontRef idx="minor">
+              <a:schemeClr val="dk1">
+                <a:hueOff val="0"/>
+                <a:satOff val="0"/>
+                <a:lumOff val="0"/>
+                <a:alphaOff val="0"/>
+              </a:schemeClr>
+            </a:fontRef>
+          </p:style>
+          <p:txBody>
+            <a:bodyPr spcFirstLastPara="0" vert="horz" wrap="square" lIns="0" tIns="0" rIns="0" bIns="0" numCol="1" spcCol="1270" anchor="ctr" anchorCtr="0">
+              <a:noAutofit/>
+            </a:bodyPr>
+            <a:lstStyle/>
+            <a:p>
+              <a:pPr marL="0" lvl="0" indent="0" algn="ctr" defTabSz="488950">
+                <a:lnSpc>
+                  <a:spcPct val="90000"/>
+                </a:lnSpc>
+                <a:spcBef>
+                  <a:spcPct val="0"/>
+                </a:spcBef>
+                <a:spcAft>
+                  <a:spcPct val="35000"/>
+                </a:spcAft>
+                <a:buNone/>
+              </a:pPr>
+              <a:endParaRPr lang="en-US" sz="1100" kern="1200"/>
+            </a:p>
+          </p:txBody>
+        </p:sp>
+      </p:grpSp>
+      <p:grpSp>
+        <p:nvGrpSpPr>
+          <p:cNvPr id="19" name="Group 18">
+            <a:extLst>
+              <a:ext uri="{FF2B5EF4-FFF2-40B4-BE49-F238E27FC236}">
+                <a16:creationId xmlns:a16="http://schemas.microsoft.com/office/drawing/2014/main" id="{F3CCEB17-E5E2-4596-AACF-F539E906E21A}"/>
+              </a:ext>
+            </a:extLst>
+          </p:cNvPr>
+          <p:cNvGrpSpPr/>
+          <p:nvPr/>
+        </p:nvGrpSpPr>
+        <p:grpSpPr>
+          <a:xfrm rot="1800000">
+            <a:off x="6350013" y="3898629"/>
+            <a:ext cx="264427" cy="264427"/>
+            <a:chOff x="1587404" y="2577119"/>
+            <a:chExt cx="264427" cy="264427"/>
+          </a:xfrm>
+        </p:grpSpPr>
+        <p:sp>
+          <p:nvSpPr>
+            <p:cNvPr id="20" name="Plus Sign 16">
+              <a:extLst>
+                <a:ext uri="{FF2B5EF4-FFF2-40B4-BE49-F238E27FC236}">
+                  <a16:creationId xmlns:a16="http://schemas.microsoft.com/office/drawing/2014/main" id="{1BA8C6E7-1634-451C-A0B1-B215FA8FF36F}"/>
+                </a:ext>
+              </a:extLst>
+            </p:cNvPr>
+            <p:cNvSpPr/>
+            <p:nvPr/>
+          </p:nvSpPr>
+          <p:spPr>
+            <a:xfrm>
+              <a:off x="1587404" y="2577119"/>
+              <a:ext cx="264427" cy="264427"/>
+            </a:xfrm>
+            <a:prstGeom prst="rightArrow">
+              <a:avLst/>
+            </a:prstGeom>
+          </p:spPr>
+          <p:style>
+            <a:lnRef idx="0">
+              <a:schemeClr val="dk1">
+                <a:tint val="60000"/>
+                <a:hueOff val="0"/>
+                <a:satOff val="0"/>
+                <a:lumOff val="0"/>
+                <a:alphaOff val="0"/>
+              </a:schemeClr>
+            </a:lnRef>
+            <a:fillRef idx="1">
+              <a:schemeClr val="dk1">
+                <a:tint val="60000"/>
+                <a:hueOff val="0"/>
+                <a:satOff val="0"/>
+                <a:lumOff val="0"/>
+                <a:alphaOff val="0"/>
+              </a:schemeClr>
+            </a:fillRef>
+            <a:effectRef idx="0">
+              <a:schemeClr val="dk1">
+                <a:tint val="60000"/>
+                <a:hueOff val="0"/>
+                <a:satOff val="0"/>
+                <a:lumOff val="0"/>
+                <a:alphaOff val="0"/>
+              </a:schemeClr>
+            </a:effectRef>
+            <a:fontRef idx="minor">
+              <a:schemeClr val="dk1">
+                <a:hueOff val="0"/>
+                <a:satOff val="0"/>
+                <a:lumOff val="0"/>
+                <a:alphaOff val="0"/>
+              </a:schemeClr>
+            </a:fontRef>
+          </p:style>
+        </p:sp>
+        <p:sp>
+          <p:nvSpPr>
+            <p:cNvPr id="21" name="Plus Sign 4">
+              <a:extLst>
+                <a:ext uri="{FF2B5EF4-FFF2-40B4-BE49-F238E27FC236}">
+                  <a16:creationId xmlns:a16="http://schemas.microsoft.com/office/drawing/2014/main" id="{3E156994-7F9E-48FE-9AAA-09D505A295AF}"/>
+                </a:ext>
+              </a:extLst>
+            </p:cNvPr>
+            <p:cNvSpPr txBox="1"/>
+            <p:nvPr/>
+          </p:nvSpPr>
+          <p:spPr>
+            <a:xfrm>
+              <a:off x="1622454" y="2678236"/>
+              <a:ext cx="194327" cy="62193"/>
+            </a:xfrm>
+            <a:prstGeom prst="rightArrow">
+              <a:avLst/>
+            </a:prstGeom>
+          </p:spPr>
+          <p:style>
+            <a:lnRef idx="0">
+              <a:scrgbClr r="0" g="0" b="0"/>
+            </a:lnRef>
+            <a:fillRef idx="0">
+              <a:scrgbClr r="0" g="0" b="0"/>
+            </a:fillRef>
+            <a:effectRef idx="0">
+              <a:scrgbClr r="0" g="0" b="0"/>
+            </a:effectRef>
+            <a:fontRef idx="minor">
+              <a:schemeClr val="dk1">
+                <a:hueOff val="0"/>
+                <a:satOff val="0"/>
+                <a:lumOff val="0"/>
+                <a:alphaOff val="0"/>
+              </a:schemeClr>
+            </a:fontRef>
+          </p:style>
+          <p:txBody>
+            <a:bodyPr spcFirstLastPara="0" vert="horz" wrap="square" lIns="0" tIns="0" rIns="0" bIns="0" numCol="1" spcCol="1270" anchor="ctr" anchorCtr="0">
+              <a:noAutofit/>
+            </a:bodyPr>
+            <a:lstStyle/>
+            <a:p>
+              <a:pPr marL="0" lvl="0" indent="0" algn="ctr" defTabSz="488950">
+                <a:lnSpc>
+                  <a:spcPct val="90000"/>
+                </a:lnSpc>
+                <a:spcBef>
+                  <a:spcPct val="0"/>
+                </a:spcBef>
+                <a:spcAft>
+                  <a:spcPct val="35000"/>
+                </a:spcAft>
+                <a:buNone/>
+              </a:pPr>
+              <a:endParaRPr lang="en-US" sz="1100" kern="1200"/>
+            </a:p>
+          </p:txBody>
+        </p:sp>
+      </p:grpSp>
+    </p:spTree>
+    <p:extLst>
+      <p:ext uri="{BB962C8B-B14F-4D97-AF65-F5344CB8AC3E}">
+        <p14:creationId xmlns:p14="http://schemas.microsoft.com/office/powerpoint/2010/main" val="2518818147"/>
+      </p:ext>
+    </p:extLst>
+  </p:cSld>
+  <p:clrMapOvr>
+    <a:masterClrMapping/>
+  </p:clrMapOvr>
+</p:sld>
+</file>
+
+<file path=ppt/slides/slide13.xml><?xml version="1.0" encoding="utf-8"?>
 <p:sld xmlns:a="http://schemas.openxmlformats.org/drawingml/2006/main" xmlns:r="http://schemas.openxmlformats.org/officeDocument/2006/relationships" xmlns:p="http://schemas.openxmlformats.org/presentationml/2006/main">
   <p:cSld>
     <p:spTree>
@@ -6923,33 +8684,73 @@
           <a:p>
             <a:r>
               <a:rPr lang="en-US" dirty="0"/>
-              <a:t>Linear Regression</a:t>
+              <a:t>Test results</a:t>
             </a:r>
           </a:p>
         </p:txBody>
       </p:sp>
-      <p:sp>
-        <p:nvSpPr>
-          <p:cNvPr id="3" name="Content Placeholder 2">
+      <p:pic>
+        <p:nvPicPr>
+          <p:cNvPr id="13" name="Picture 12">
             <a:extLst>
               <a:ext uri="{FF2B5EF4-FFF2-40B4-BE49-F238E27FC236}">
-                <a16:creationId xmlns:a16="http://schemas.microsoft.com/office/drawing/2014/main" id="{33076848-CBB5-4EAB-8017-4C2BE0314A46}"/>
+                <a16:creationId xmlns:a16="http://schemas.microsoft.com/office/drawing/2014/main" id="{D0117421-52A5-4FB5-822E-0486EF3FBFC2}"/>
               </a:ext>
             </a:extLst>
           </p:cNvPr>
-          <p:cNvSpPr>
-            <a:spLocks noGrp="1"/>
-          </p:cNvSpPr>
-          <p:nvPr>
-            <p:ph idx="1"/>
-          </p:nvPr>
+          <p:cNvPicPr>
+            <a:picLocks noChangeAspect="1"/>
+          </p:cNvPicPr>
+          <p:nvPr/>
+        </p:nvPicPr>
+        <p:blipFill>
+          <a:blip r:embed="rId2"/>
+          <a:stretch>
+            <a:fillRect/>
+          </a:stretch>
+        </p:blipFill>
+        <p:spPr>
+          <a:xfrm>
+            <a:off x="2602689" y="1865194"/>
+            <a:ext cx="6986622" cy="4194412"/>
+          </a:xfrm>
+          <a:prstGeom prst="rect">
+            <a:avLst/>
+          </a:prstGeom>
+        </p:spPr>
+      </p:pic>
+      <p:sp>
+        <p:nvSpPr>
+          <p:cNvPr id="14" name="TextBox 13">
+            <a:extLst>
+              <a:ext uri="{FF2B5EF4-FFF2-40B4-BE49-F238E27FC236}">
+                <a16:creationId xmlns:a16="http://schemas.microsoft.com/office/drawing/2014/main" id="{72CDA68F-7ED5-4E17-BD16-D219973481CD}"/>
+              </a:ext>
+            </a:extLst>
+          </p:cNvPr>
+          <p:cNvSpPr txBox="1"/>
+          <p:nvPr/>
         </p:nvSpPr>
-        <p:spPr/>
+        <p:spPr>
+          <a:xfrm>
+            <a:off x="3457575" y="2152650"/>
+            <a:ext cx="537327" cy="400110"/>
+          </a:xfrm>
+          <a:prstGeom prst="rect">
+            <a:avLst/>
+          </a:prstGeom>
+          <a:noFill/>
+        </p:spPr>
         <p:txBody>
-          <a:bodyPr/>
+          <a:bodyPr wrap="none" rtlCol="0">
+            <a:spAutoFit/>
+          </a:bodyPr>
           <a:lstStyle/>
           <a:p>
-            <a:endParaRPr lang="en-US" dirty="0"/>
+            <a:r>
+              <a:rPr lang="en-US" sz="2000" dirty="0"/>
+              <a:t>👑</a:t>
+            </a:r>
           </a:p>
         </p:txBody>
       </p:sp>
@@ -6966,7 +8767,151 @@
 </p:sld>
 </file>
 
-<file path=ppt/slides/slide6.xml><?xml version="1.0" encoding="utf-8"?>
+<file path=ppt/slides/slide14.xml><?xml version="1.0" encoding="utf-8"?>
+<p:sld xmlns:a="http://schemas.openxmlformats.org/drawingml/2006/main" xmlns:r="http://schemas.openxmlformats.org/officeDocument/2006/relationships" xmlns:p="http://schemas.openxmlformats.org/presentationml/2006/main">
+  <p:cSld>
+    <p:spTree>
+      <p:nvGrpSpPr>
+        <p:cNvPr id="1" name=""/>
+        <p:cNvGrpSpPr/>
+        <p:nvPr/>
+      </p:nvGrpSpPr>
+      <p:grpSpPr>
+        <a:xfrm>
+          <a:off x="0" y="0"/>
+          <a:ext cx="0" cy="0"/>
+          <a:chOff x="0" y="0"/>
+          <a:chExt cx="0" cy="0"/>
+        </a:xfrm>
+      </p:grpSpPr>
+      <p:sp>
+        <p:nvSpPr>
+          <p:cNvPr id="2" name="Title 1">
+            <a:extLst>
+              <a:ext uri="{FF2B5EF4-FFF2-40B4-BE49-F238E27FC236}">
+                <a16:creationId xmlns:a16="http://schemas.microsoft.com/office/drawing/2014/main" id="{1F9FC55C-DFFA-419E-BB9C-906FAE015F85}"/>
+              </a:ext>
+            </a:extLst>
+          </p:cNvPr>
+          <p:cNvSpPr>
+            <a:spLocks noGrp="1"/>
+          </p:cNvSpPr>
+          <p:nvPr>
+            <p:ph type="title"/>
+          </p:nvPr>
+        </p:nvSpPr>
+        <p:spPr/>
+        <p:txBody>
+          <a:bodyPr/>
+          <a:lstStyle/>
+          <a:p>
+            <a:r>
+              <a:rPr lang="en-US" dirty="0"/>
+              <a:t>Test results</a:t>
+            </a:r>
+          </a:p>
+        </p:txBody>
+      </p:sp>
+      <p:pic>
+        <p:nvPicPr>
+          <p:cNvPr id="7" name="Content Placeholder 6">
+            <a:extLst>
+              <a:ext uri="{FF2B5EF4-FFF2-40B4-BE49-F238E27FC236}">
+                <a16:creationId xmlns:a16="http://schemas.microsoft.com/office/drawing/2014/main" id="{0A49E833-0D8C-46AE-8525-91BE355516CD}"/>
+              </a:ext>
+            </a:extLst>
+          </p:cNvPr>
+          <p:cNvPicPr>
+            <a:picLocks noGrp="1" noChangeAspect="1"/>
+          </p:cNvPicPr>
+          <p:nvPr>
+            <p:ph idx="1"/>
+          </p:nvPr>
+        </p:nvPicPr>
+        <p:blipFill>
+          <a:blip r:embed="rId2"/>
+          <a:stretch>
+            <a:fillRect/>
+          </a:stretch>
+        </p:blipFill>
+        <p:spPr>
+          <a:xfrm>
+            <a:off x="842704" y="1825625"/>
+            <a:ext cx="10506592" cy="4351338"/>
+          </a:xfrm>
+          <a:prstGeom prst="rect">
+            <a:avLst/>
+          </a:prstGeom>
+        </p:spPr>
+      </p:pic>
+      <p:sp>
+        <p:nvSpPr>
+          <p:cNvPr id="8" name="Rectangle 7">
+            <a:extLst>
+              <a:ext uri="{FF2B5EF4-FFF2-40B4-BE49-F238E27FC236}">
+                <a16:creationId xmlns:a16="http://schemas.microsoft.com/office/drawing/2014/main" id="{183E08C1-1A31-4472-8C5C-7CAA52A6B27B}"/>
+              </a:ext>
+            </a:extLst>
+          </p:cNvPr>
+          <p:cNvSpPr/>
+          <p:nvPr/>
+        </p:nvSpPr>
+        <p:spPr>
+          <a:xfrm>
+            <a:off x="3486150" y="2638425"/>
+            <a:ext cx="7791450" cy="3095625"/>
+          </a:xfrm>
+          <a:prstGeom prst="rect">
+            <a:avLst/>
+          </a:prstGeom>
+          <a:solidFill>
+            <a:schemeClr val="bg1">
+              <a:alpha val="50000"/>
+            </a:schemeClr>
+          </a:solidFill>
+          <a:ln>
+            <a:noFill/>
+          </a:ln>
+        </p:spPr>
+        <p:style>
+          <a:lnRef idx="2">
+            <a:schemeClr val="accent1">
+              <a:shade val="50000"/>
+            </a:schemeClr>
+          </a:lnRef>
+          <a:fillRef idx="1">
+            <a:schemeClr val="accent1"/>
+          </a:fillRef>
+          <a:effectRef idx="0">
+            <a:schemeClr val="accent1"/>
+          </a:effectRef>
+          <a:fontRef idx="minor">
+            <a:schemeClr val="lt1"/>
+          </a:fontRef>
+        </p:style>
+        <p:txBody>
+          <a:bodyPr rtlCol="0" anchor="ctr"/>
+          <a:lstStyle/>
+          <a:p>
+            <a:pPr algn="ctr"/>
+            <a:endParaRPr lang="en-US"/>
+          </a:p>
+        </p:txBody>
+      </p:sp>
+    </p:spTree>
+    <p:extLst>
+      <p:ext uri="{BB962C8B-B14F-4D97-AF65-F5344CB8AC3E}">
+        <p14:creationId xmlns:p14="http://schemas.microsoft.com/office/powerpoint/2010/main" val="484567922"/>
+      </p:ext>
+    </p:extLst>
+  </p:cSld>
+  <p:clrMapOvr>
+    <a:masterClrMapping/>
+  </p:clrMapOvr>
+</p:sld>
+</file>
+
+<file path=ppt/slides/slide15.xml><?xml version="1.0" encoding="utf-8"?>
 <p:sld xmlns:a="http://schemas.openxmlformats.org/drawingml/2006/main" xmlns:r="http://schemas.openxmlformats.org/officeDocument/2006/relationships" xmlns:p="http://schemas.openxmlformats.org/presentationml/2006/main">
   <p:cSld>
     <p:spTree>
@@ -7024,7 +8969,7 @@
 </p:sld>
 </file>
 
-<file path=ppt/slides/slide7.xml><?xml version="1.0" encoding="utf-8"?>
+<file path=ppt/slides/slide16.xml><?xml version="1.0" encoding="utf-8"?>
 <p:sld xmlns:a="http://schemas.openxmlformats.org/drawingml/2006/main" xmlns:r="http://schemas.openxmlformats.org/officeDocument/2006/relationships" xmlns:p="http://schemas.openxmlformats.org/presentationml/2006/main">
   <p:cSld>
     <p:spTree>
@@ -7107,7 +9052,7 @@
 </p:sld>
 </file>
 
-<file path=ppt/slides/slide8.xml><?xml version="1.0" encoding="utf-8"?>
+<file path=ppt/slides/slide17.xml><?xml version="1.0" encoding="utf-8"?>
 <p:sld xmlns:a="http://schemas.openxmlformats.org/drawingml/2006/main" xmlns:r="http://schemas.openxmlformats.org/officeDocument/2006/relationships" xmlns:p="http://schemas.openxmlformats.org/presentationml/2006/main">
   <p:cSld>
     <p:spTree>
@@ -7147,7 +9092,7 @@
           <a:p>
             <a:r>
               <a:rPr lang="en-US" dirty="0"/>
-              <a:t>🤔 Conclusion</a:t>
+              <a:t>Conclusion</a:t>
             </a:r>
           </a:p>
         </p:txBody>
@@ -7175,25 +9120,25 @@
           <a:p>
             <a:r>
               <a:rPr lang="en-US" dirty="0"/>
+              <a:t>👍🏽 Machine learning</a:t>
+            </a:r>
+          </a:p>
+          <a:p>
+            <a:r>
+              <a:rPr lang="en-US" dirty="0"/>
               <a:t>👍🏽 Visualization</a:t>
             </a:r>
           </a:p>
           <a:p>
             <a:r>
               <a:rPr lang="en-US" dirty="0"/>
-              <a:t>👍🏽</a:t>
+              <a:t>👍🏽 </a:t>
             </a:r>
           </a:p>
           <a:p>
             <a:r>
               <a:rPr lang="en-US" dirty="0"/>
-              <a:t>👍🏽</a:t>
-            </a:r>
-          </a:p>
-          <a:p>
-            <a:r>
-              <a:rPr lang="en-US" dirty="0"/>
-              <a:t>👎🏽</a:t>
+              <a:t>🤔 Suggestion </a:t>
             </a:r>
           </a:p>
         </p:txBody>
@@ -7211,7 +9156,7 @@
 </p:sld>
 </file>
 
-<file path=ppt/slides/slide9.xml><?xml version="1.0" encoding="utf-8"?>
+<file path=ppt/slides/slide18.xml><?xml version="1.0" encoding="utf-8"?>
 <p:sld xmlns:a="http://schemas.openxmlformats.org/drawingml/2006/main" xmlns:r="http://schemas.openxmlformats.org/officeDocument/2006/relationships" xmlns:p="http://schemas.openxmlformats.org/presentationml/2006/main">
   <p:cSld>
     <p:spTree>
@@ -7251,7 +9196,7 @@
           <a:p>
             <a:r>
               <a:rPr lang="en-US" dirty="0"/>
-              <a:t>Reference</a:t>
+              <a:t>Code</a:t>
             </a:r>
           </a:p>
         </p:txBody>
@@ -7272,33 +9217,305 @@
             <p:ph idx="1"/>
           </p:nvPr>
         </p:nvSpPr>
-        <p:spPr/>
+        <p:spPr>
+          <a:xfrm>
+            <a:off x="838200" y="4193921"/>
+            <a:ext cx="10515600" cy="2023999"/>
+          </a:xfrm>
+        </p:spPr>
         <p:txBody>
           <a:bodyPr/>
           <a:lstStyle/>
           <a:p>
             <a:r>
+              <a:rPr lang="en-US" sz="1600" dirty="0">
+                <a:latin typeface="Times New Roman" panose="02020603050405020304" pitchFamily="18" charset="0"/>
+                <a:cs typeface="Times New Roman" panose="02020603050405020304" pitchFamily="18" charset="0"/>
+              </a:rPr>
+              <a:t>[1]</a:t>
+            </a:r>
+            <a:r>
+              <a:rPr lang="en-US" dirty="0">
+                <a:latin typeface="Angsana New" panose="02020603050405020304" pitchFamily="18" charset="-34"/>
+                <a:cs typeface="Angsana New" panose="02020603050405020304" pitchFamily="18" charset="-34"/>
+              </a:rPr>
+              <a:t> </a:t>
+            </a:r>
+            <a:r>
               <a:rPr lang="en-US" dirty="0"/>
-              <a:t>[1] Fact sheet: Dengue and severe dengue Updated April 2017, World Health Organization. </a:t>
-            </a:r>
-            <a:r>
-              <a:rPr lang="en-US" dirty="0">
-                <a:hlinkClick r:id="rId2"/>
+              <a:t>Fact sheet: Dengue and severe dengue Updated April 2017, World Health Organization.</a:t>
+            </a:r>
+          </a:p>
+          <a:p>
+            <a:r>
+              <a:rPr lang="en-US" sz="1600" dirty="0">
+                <a:latin typeface="Times New Roman" panose="02020603050405020304" pitchFamily="18" charset="0"/>
+                <a:cs typeface="Times New Roman" panose="02020603050405020304" pitchFamily="18" charset="0"/>
               </a:rPr>
-              <a:t>Link</a:t>
+              <a:t>[2] https://www.bbc.com/thai/thailand-57479000</a:t>
+            </a:r>
+          </a:p>
+          <a:p>
+            <a:r>
+              <a:rPr lang="en-US" sz="1600" dirty="0">
+                <a:latin typeface="Times New Roman" panose="02020603050405020304" pitchFamily="18" charset="0"/>
+                <a:cs typeface="Times New Roman" panose="02020603050405020304" pitchFamily="18" charset="0"/>
+              </a:rPr>
+              <a:t>[3] https://www.chulabhornhospital.com/page.php?name=1142</a:t>
+            </a:r>
+          </a:p>
+        </p:txBody>
+      </p:sp>
+      <p:sp>
+        <p:nvSpPr>
+          <p:cNvPr id="5" name="Title 1">
+            <a:extLst>
+              <a:ext uri="{FF2B5EF4-FFF2-40B4-BE49-F238E27FC236}">
+                <a16:creationId xmlns:a16="http://schemas.microsoft.com/office/drawing/2014/main" id="{95143EB3-5ACC-453A-A185-3AF344BC67C3}"/>
+              </a:ext>
+            </a:extLst>
+          </p:cNvPr>
+          <p:cNvSpPr txBox="1">
+            <a:spLocks/>
+          </p:cNvSpPr>
+          <p:nvPr/>
+        </p:nvSpPr>
+        <p:spPr>
+          <a:xfrm>
+            <a:off x="838200" y="2766218"/>
+            <a:ext cx="10515600" cy="1325563"/>
+          </a:xfrm>
+          <a:prstGeom prst="rect">
+            <a:avLst/>
+          </a:prstGeom>
+        </p:spPr>
+        <p:txBody>
+          <a:bodyPr vert="horz" lIns="91440" tIns="45720" rIns="91440" bIns="45720" rtlCol="0" anchor="ctr">
+            <a:normAutofit/>
+          </a:bodyPr>
+          <a:lstStyle>
+            <a:lvl1pPr algn="l" defTabSz="914400" rtl="0" eaLnBrk="1" latinLnBrk="0" hangingPunct="1">
+              <a:lnSpc>
+                <a:spcPct val="90000"/>
+              </a:lnSpc>
+              <a:spcBef>
+                <a:spcPct val="0"/>
+              </a:spcBef>
+              <a:buNone/>
+              <a:defRPr sz="4400" kern="1200">
+                <a:solidFill>
+                  <a:schemeClr val="tx1"/>
+                </a:solidFill>
+                <a:latin typeface="+mj-lt"/>
+                <a:ea typeface="+mj-ea"/>
+                <a:cs typeface="+mj-cs"/>
+              </a:defRPr>
+            </a:lvl1pPr>
+          </a:lstStyle>
+          <a:p>
+            <a:r>
+              <a:rPr lang="en-US"/>
+              <a:t>Reference</a:t>
             </a:r>
             <a:endParaRPr lang="en-US" dirty="0"/>
           </a:p>
+        </p:txBody>
+      </p:sp>
+      <p:sp>
+        <p:nvSpPr>
+          <p:cNvPr id="6" name="Content Placeholder 2">
+            <a:extLst>
+              <a:ext uri="{FF2B5EF4-FFF2-40B4-BE49-F238E27FC236}">
+                <a16:creationId xmlns:a16="http://schemas.microsoft.com/office/drawing/2014/main" id="{B033EA17-37CB-4134-A1BA-ED695C351033}"/>
+              </a:ext>
+            </a:extLst>
+          </p:cNvPr>
+          <p:cNvSpPr txBox="1">
+            <a:spLocks/>
+          </p:cNvSpPr>
+          <p:nvPr/>
+        </p:nvSpPr>
+        <p:spPr>
+          <a:xfrm>
+            <a:off x="838200" y="1584833"/>
+            <a:ext cx="10515600" cy="1325563"/>
+          </a:xfrm>
+          <a:prstGeom prst="rect">
+            <a:avLst/>
+          </a:prstGeom>
+        </p:spPr>
+        <p:txBody>
+          <a:bodyPr vert="horz" lIns="91440" tIns="45720" rIns="91440" bIns="45720" rtlCol="0">
+            <a:normAutofit/>
+          </a:bodyPr>
+          <a:lstStyle>
+            <a:lvl1pPr marL="228600" indent="-228600" algn="l" defTabSz="914400" rtl="0" eaLnBrk="1" latinLnBrk="0" hangingPunct="1">
+              <a:lnSpc>
+                <a:spcPct val="90000"/>
+              </a:lnSpc>
+              <a:spcBef>
+                <a:spcPts val="1000"/>
+              </a:spcBef>
+              <a:buFont typeface="Arial" panose="020B0604020202020204" pitchFamily="34" charset="0"/>
+              <a:buChar char="•"/>
+              <a:defRPr sz="2800" kern="1200">
+                <a:solidFill>
+                  <a:schemeClr val="tx1"/>
+                </a:solidFill>
+                <a:latin typeface="+mn-lt"/>
+                <a:ea typeface="+mn-ea"/>
+                <a:cs typeface="+mn-cs"/>
+              </a:defRPr>
+            </a:lvl1pPr>
+            <a:lvl2pPr marL="685800" indent="-228600" algn="l" defTabSz="914400" rtl="0" eaLnBrk="1" latinLnBrk="0" hangingPunct="1">
+              <a:lnSpc>
+                <a:spcPct val="90000"/>
+              </a:lnSpc>
+              <a:spcBef>
+                <a:spcPts val="500"/>
+              </a:spcBef>
+              <a:buFont typeface="Arial" panose="020B0604020202020204" pitchFamily="34" charset="0"/>
+              <a:buChar char="•"/>
+              <a:defRPr sz="2400" kern="1200">
+                <a:solidFill>
+                  <a:schemeClr val="tx1"/>
+                </a:solidFill>
+                <a:latin typeface="+mn-lt"/>
+                <a:ea typeface="+mn-ea"/>
+                <a:cs typeface="+mn-cs"/>
+              </a:defRPr>
+            </a:lvl2pPr>
+            <a:lvl3pPr marL="1143000" indent="-228600" algn="l" defTabSz="914400" rtl="0" eaLnBrk="1" latinLnBrk="0" hangingPunct="1">
+              <a:lnSpc>
+                <a:spcPct val="90000"/>
+              </a:lnSpc>
+              <a:spcBef>
+                <a:spcPts val="500"/>
+              </a:spcBef>
+              <a:buFont typeface="Arial" panose="020B0604020202020204" pitchFamily="34" charset="0"/>
+              <a:buChar char="•"/>
+              <a:defRPr sz="2000" kern="1200">
+                <a:solidFill>
+                  <a:schemeClr val="tx1"/>
+                </a:solidFill>
+                <a:latin typeface="+mn-lt"/>
+                <a:ea typeface="+mn-ea"/>
+                <a:cs typeface="+mn-cs"/>
+              </a:defRPr>
+            </a:lvl3pPr>
+            <a:lvl4pPr marL="1600200" indent="-228600" algn="l" defTabSz="914400" rtl="0" eaLnBrk="1" latinLnBrk="0" hangingPunct="1">
+              <a:lnSpc>
+                <a:spcPct val="90000"/>
+              </a:lnSpc>
+              <a:spcBef>
+                <a:spcPts val="500"/>
+              </a:spcBef>
+              <a:buFont typeface="Arial" panose="020B0604020202020204" pitchFamily="34" charset="0"/>
+              <a:buChar char="•"/>
+              <a:defRPr sz="1800" kern="1200">
+                <a:solidFill>
+                  <a:schemeClr val="tx1"/>
+                </a:solidFill>
+                <a:latin typeface="+mn-lt"/>
+                <a:ea typeface="+mn-ea"/>
+                <a:cs typeface="+mn-cs"/>
+              </a:defRPr>
+            </a:lvl4pPr>
+            <a:lvl5pPr marL="2057400" indent="-228600" algn="l" defTabSz="914400" rtl="0" eaLnBrk="1" latinLnBrk="0" hangingPunct="1">
+              <a:lnSpc>
+                <a:spcPct val="90000"/>
+              </a:lnSpc>
+              <a:spcBef>
+                <a:spcPts val="500"/>
+              </a:spcBef>
+              <a:buFont typeface="Arial" panose="020B0604020202020204" pitchFamily="34" charset="0"/>
+              <a:buChar char="•"/>
+              <a:defRPr sz="1800" kern="1200">
+                <a:solidFill>
+                  <a:schemeClr val="tx1"/>
+                </a:solidFill>
+                <a:latin typeface="+mn-lt"/>
+                <a:ea typeface="+mn-ea"/>
+                <a:cs typeface="+mn-cs"/>
+              </a:defRPr>
+            </a:lvl5pPr>
+            <a:lvl6pPr marL="2514600" indent="-228600" algn="l" defTabSz="914400" rtl="0" eaLnBrk="1" latinLnBrk="0" hangingPunct="1">
+              <a:lnSpc>
+                <a:spcPct val="90000"/>
+              </a:lnSpc>
+              <a:spcBef>
+                <a:spcPts val="500"/>
+              </a:spcBef>
+              <a:buFont typeface="Arial" panose="020B0604020202020204" pitchFamily="34" charset="0"/>
+              <a:buChar char="•"/>
+              <a:defRPr sz="1800" kern="1200">
+                <a:solidFill>
+                  <a:schemeClr val="tx1"/>
+                </a:solidFill>
+                <a:latin typeface="+mn-lt"/>
+                <a:ea typeface="+mn-ea"/>
+                <a:cs typeface="+mn-cs"/>
+              </a:defRPr>
+            </a:lvl6pPr>
+            <a:lvl7pPr marL="2971800" indent="-228600" algn="l" defTabSz="914400" rtl="0" eaLnBrk="1" latinLnBrk="0" hangingPunct="1">
+              <a:lnSpc>
+                <a:spcPct val="90000"/>
+              </a:lnSpc>
+              <a:spcBef>
+                <a:spcPts val="500"/>
+              </a:spcBef>
+              <a:buFont typeface="Arial" panose="020B0604020202020204" pitchFamily="34" charset="0"/>
+              <a:buChar char="•"/>
+              <a:defRPr sz="1800" kern="1200">
+                <a:solidFill>
+                  <a:schemeClr val="tx1"/>
+                </a:solidFill>
+                <a:latin typeface="+mn-lt"/>
+                <a:ea typeface="+mn-ea"/>
+                <a:cs typeface="+mn-cs"/>
+              </a:defRPr>
+            </a:lvl7pPr>
+            <a:lvl8pPr marL="3429000" indent="-228600" algn="l" defTabSz="914400" rtl="0" eaLnBrk="1" latinLnBrk="0" hangingPunct="1">
+              <a:lnSpc>
+                <a:spcPct val="90000"/>
+              </a:lnSpc>
+              <a:spcBef>
+                <a:spcPts val="500"/>
+              </a:spcBef>
+              <a:buFont typeface="Arial" panose="020B0604020202020204" pitchFamily="34" charset="0"/>
+              <a:buChar char="•"/>
+              <a:defRPr sz="1800" kern="1200">
+                <a:solidFill>
+                  <a:schemeClr val="tx1"/>
+                </a:solidFill>
+                <a:latin typeface="+mn-lt"/>
+                <a:ea typeface="+mn-ea"/>
+                <a:cs typeface="+mn-cs"/>
+              </a:defRPr>
+            </a:lvl8pPr>
+            <a:lvl9pPr marL="3886200" indent="-228600" algn="l" defTabSz="914400" rtl="0" eaLnBrk="1" latinLnBrk="0" hangingPunct="1">
+              <a:lnSpc>
+                <a:spcPct val="90000"/>
+              </a:lnSpc>
+              <a:spcBef>
+                <a:spcPts val="500"/>
+              </a:spcBef>
+              <a:buFont typeface="Arial" panose="020B0604020202020204" pitchFamily="34" charset="0"/>
+              <a:buChar char="•"/>
+              <a:defRPr sz="1800" kern="1200">
+                <a:solidFill>
+                  <a:schemeClr val="tx1"/>
+                </a:solidFill>
+                <a:latin typeface="+mn-lt"/>
+                <a:ea typeface="+mn-ea"/>
+                <a:cs typeface="+mn-cs"/>
+              </a:defRPr>
+            </a:lvl9pPr>
+          </a:lstStyle>
           <a:p>
             <a:r>
               <a:rPr lang="en-US" dirty="0"/>
-              <a:t>[2]</a:t>
-            </a:r>
-          </a:p>
-          <a:p>
-            <a:r>
-              <a:rPr lang="en-US" dirty="0"/>
-              <a:t>[3]</a:t>
+              <a:t>👩🏼‍💻 https://github.com/Phophism/python_project</a:t>
             </a:r>
           </a:p>
         </p:txBody>
@@ -7307,6 +9524,2350 @@
     <p:extLst>
       <p:ext uri="{BB962C8B-B14F-4D97-AF65-F5344CB8AC3E}">
         <p14:creationId xmlns:p14="http://schemas.microsoft.com/office/powerpoint/2010/main" val="1712488913"/>
+      </p:ext>
+    </p:extLst>
+  </p:cSld>
+  <p:clrMapOvr>
+    <a:masterClrMapping/>
+  </p:clrMapOvr>
+</p:sld>
+</file>
+
+<file path=ppt/slides/slide19.xml><?xml version="1.0" encoding="utf-8"?>
+<p:sld xmlns:a="http://schemas.openxmlformats.org/drawingml/2006/main" xmlns:r="http://schemas.openxmlformats.org/officeDocument/2006/relationships" xmlns:p="http://schemas.openxmlformats.org/presentationml/2006/main">
+  <p:cSld>
+    <p:bg>
+      <p:bgPr>
+        <a:solidFill>
+          <a:schemeClr val="bg1"/>
+        </a:solidFill>
+        <a:effectLst/>
+      </p:bgPr>
+    </p:bg>
+    <p:spTree>
+      <p:nvGrpSpPr>
+        <p:cNvPr id="1" name=""/>
+        <p:cNvGrpSpPr/>
+        <p:nvPr/>
+      </p:nvGrpSpPr>
+      <p:grpSpPr>
+        <a:xfrm>
+          <a:off x="0" y="0"/>
+          <a:ext cx="0" cy="0"/>
+          <a:chOff x="0" y="0"/>
+          <a:chExt cx="0" cy="0"/>
+        </a:xfrm>
+      </p:grpSpPr>
+      <p:sp>
+        <p:nvSpPr>
+          <p:cNvPr id="2" name="Title 1">
+            <a:extLst>
+              <a:ext uri="{FF2B5EF4-FFF2-40B4-BE49-F238E27FC236}">
+                <a16:creationId xmlns:a16="http://schemas.microsoft.com/office/drawing/2014/main" id="{12A7D2DE-C17D-498C-85D3-85D83150A640}"/>
+              </a:ext>
+            </a:extLst>
+          </p:cNvPr>
+          <p:cNvSpPr>
+            <a:spLocks noGrp="1"/>
+          </p:cNvSpPr>
+          <p:nvPr>
+            <p:ph type="ctrTitle"/>
+          </p:nvPr>
+        </p:nvSpPr>
+        <p:spPr/>
+        <p:txBody>
+          <a:bodyPr/>
+          <a:lstStyle/>
+          <a:p>
+            <a:pPr>
+              <a:lnSpc>
+                <a:spcPct val="100000"/>
+              </a:lnSpc>
+            </a:pPr>
+            <a:r>
+              <a:rPr lang="en-US" dirty="0">
+                <a:latin typeface="Bahnschrift SemiBold" panose="020B0502040204020203" pitchFamily="34" charset="0"/>
+                <a:cs typeface="Aharoni" panose="02010803020104030203" pitchFamily="2" charset="-79"/>
+              </a:rPr>
+              <a:t>Stay safe✌🏽</a:t>
+            </a:r>
+          </a:p>
+        </p:txBody>
+      </p:sp>
+      <p:sp>
+        <p:nvSpPr>
+          <p:cNvPr id="6" name="Subtitle 2">
+            <a:extLst>
+              <a:ext uri="{FF2B5EF4-FFF2-40B4-BE49-F238E27FC236}">
+                <a16:creationId xmlns:a16="http://schemas.microsoft.com/office/drawing/2014/main" id="{A3B5C3FA-8219-4E0D-9F49-C4BBA6079539}"/>
+              </a:ext>
+            </a:extLst>
+          </p:cNvPr>
+          <p:cNvSpPr>
+            <a:spLocks noGrp="1"/>
+          </p:cNvSpPr>
+          <p:nvPr>
+            <p:ph type="subTitle" idx="1"/>
+          </p:nvPr>
+        </p:nvSpPr>
+        <p:spPr>
+          <a:xfrm>
+            <a:off x="1524000" y="3602038"/>
+            <a:ext cx="9144000" cy="1655762"/>
+          </a:xfrm>
+        </p:spPr>
+        <p:txBody>
+          <a:bodyPr>
+            <a:normAutofit/>
+          </a:bodyPr>
+          <a:lstStyle/>
+          <a:p>
+            <a:pPr>
+              <a:lnSpc>
+                <a:spcPct val="100000"/>
+              </a:lnSpc>
+            </a:pPr>
+            <a:r>
+              <a:rPr lang="en-US" dirty="0">
+                <a:latin typeface="Bahnschrift SemiBold" panose="020B0502040204020203" pitchFamily="34" charset="0"/>
+                <a:cs typeface="Aharoni" panose="02010803020104030203" pitchFamily="2" charset="-79"/>
+              </a:rPr>
+              <a:t>Thank you</a:t>
+            </a:r>
+          </a:p>
+        </p:txBody>
+      </p:sp>
+    </p:spTree>
+    <p:extLst>
+      <p:ext uri="{BB962C8B-B14F-4D97-AF65-F5344CB8AC3E}">
+        <p14:creationId xmlns:p14="http://schemas.microsoft.com/office/powerpoint/2010/main" val="596697024"/>
+      </p:ext>
+    </p:extLst>
+  </p:cSld>
+  <p:clrMapOvr>
+    <a:masterClrMapping/>
+  </p:clrMapOvr>
+</p:sld>
+</file>
+
+<file path=ppt/slides/slide2.xml><?xml version="1.0" encoding="utf-8"?>
+<p:sld xmlns:a="http://schemas.openxmlformats.org/drawingml/2006/main" xmlns:r="http://schemas.openxmlformats.org/officeDocument/2006/relationships" xmlns:p="http://schemas.openxmlformats.org/presentationml/2006/main">
+  <p:cSld>
+    <p:spTree>
+      <p:nvGrpSpPr>
+        <p:cNvPr id="1" name=""/>
+        <p:cNvGrpSpPr/>
+        <p:nvPr/>
+      </p:nvGrpSpPr>
+      <p:grpSpPr>
+        <a:xfrm>
+          <a:off x="0" y="0"/>
+          <a:ext cx="0" cy="0"/>
+          <a:chOff x="0" y="0"/>
+          <a:chExt cx="0" cy="0"/>
+        </a:xfrm>
+      </p:grpSpPr>
+      <p:sp>
+        <p:nvSpPr>
+          <p:cNvPr id="2" name="Title 1">
+            <a:extLst>
+              <a:ext uri="{FF2B5EF4-FFF2-40B4-BE49-F238E27FC236}">
+                <a16:creationId xmlns:a16="http://schemas.microsoft.com/office/drawing/2014/main" id="{B0DB5CBE-DFFA-4432-92F8-5639FE300EE5}"/>
+              </a:ext>
+            </a:extLst>
+          </p:cNvPr>
+          <p:cNvSpPr>
+            <a:spLocks noGrp="1"/>
+          </p:cNvSpPr>
+          <p:nvPr>
+            <p:ph type="title"/>
+          </p:nvPr>
+        </p:nvSpPr>
+        <p:spPr/>
+        <p:txBody>
+          <a:bodyPr/>
+          <a:lstStyle/>
+          <a:p>
+            <a:r>
+              <a:rPr lang="en-US" dirty="0"/>
+              <a:t>Overview</a:t>
+            </a:r>
+          </a:p>
+        </p:txBody>
+      </p:sp>
+      <p:sp>
+        <p:nvSpPr>
+          <p:cNvPr id="3" name="Content Placeholder 2">
+            <a:extLst>
+              <a:ext uri="{FF2B5EF4-FFF2-40B4-BE49-F238E27FC236}">
+                <a16:creationId xmlns:a16="http://schemas.microsoft.com/office/drawing/2014/main" id="{D6497D47-5F29-4EDD-853A-BFE2A01FF6FF}"/>
+              </a:ext>
+            </a:extLst>
+          </p:cNvPr>
+          <p:cNvSpPr>
+            <a:spLocks noGrp="1"/>
+          </p:cNvSpPr>
+          <p:nvPr>
+            <p:ph idx="1"/>
+          </p:nvPr>
+        </p:nvSpPr>
+        <p:spPr/>
+        <p:txBody>
+          <a:bodyPr>
+            <a:normAutofit/>
+          </a:bodyPr>
+          <a:lstStyle/>
+          <a:p>
+            <a:r>
+              <a:rPr lang="en-US" dirty="0"/>
+              <a:t>Key facts</a:t>
+            </a:r>
+          </a:p>
+          <a:p>
+            <a:pPr marL="457200" lvl="1" indent="0">
+              <a:buNone/>
+            </a:pPr>
+            <a:r>
+              <a:rPr lang="en-US" dirty="0"/>
+              <a:t>⚠ The infection causes flu-like illness, and occasionally develops into a potentially lethal. </a:t>
+            </a:r>
+            <a:r>
+              <a:rPr lang="en-US" sz="1600" dirty="0">
+                <a:latin typeface="Times New Roman" panose="02020603050405020304" pitchFamily="18" charset="0"/>
+                <a:cs typeface="Times New Roman" panose="02020603050405020304" pitchFamily="18" charset="0"/>
+              </a:rPr>
+              <a:t>[1]</a:t>
+            </a:r>
+            <a:endParaRPr lang="en-US" dirty="0">
+              <a:latin typeface="Times New Roman" panose="02020603050405020304" pitchFamily="18" charset="0"/>
+              <a:cs typeface="Times New Roman" panose="02020603050405020304" pitchFamily="18" charset="0"/>
+            </a:endParaRPr>
+          </a:p>
+          <a:p>
+            <a:pPr marL="457200" lvl="1" indent="0">
+              <a:buNone/>
+            </a:pPr>
+            <a:r>
+              <a:rPr lang="en-US" dirty="0"/>
+              <a:t>⚠</a:t>
+            </a:r>
+            <a:r>
+              <a:rPr lang="en-US" b="0" i="0" dirty="0">
+                <a:effectLst/>
+              </a:rPr>
+              <a:t> There is no specific treatment for dengue, </a:t>
+            </a:r>
+            <a:r>
+              <a:rPr lang="en-US" b="0" i="0" u="sng" dirty="0">
+                <a:effectLst/>
+              </a:rPr>
+              <a:t>but early detection and access to proper medical care</a:t>
+            </a:r>
+            <a:r>
+              <a:rPr lang="en-US" b="0" i="0" dirty="0">
+                <a:effectLst/>
+              </a:rPr>
+              <a:t> lowers fatality rates below 1%. </a:t>
+            </a:r>
+            <a:r>
+              <a:rPr lang="en-US" sz="1600" dirty="0">
+                <a:latin typeface="Times New Roman" panose="02020603050405020304" pitchFamily="18" charset="0"/>
+                <a:cs typeface="Times New Roman" panose="02020603050405020304" pitchFamily="18" charset="0"/>
+              </a:rPr>
+              <a:t>[1]</a:t>
+            </a:r>
+          </a:p>
+          <a:p>
+            <a:r>
+              <a:rPr lang="en-US" dirty="0"/>
+              <a:t>Objectives</a:t>
+            </a:r>
+          </a:p>
+          <a:p>
+            <a:pPr marL="457200" lvl="1" indent="0">
+              <a:buNone/>
+            </a:pPr>
+            <a:r>
+              <a:rPr lang="en-US" dirty="0"/>
+              <a:t>🔮 To predict the number of</a:t>
+            </a:r>
+            <a:r>
+              <a:rPr lang="th-TH" dirty="0"/>
+              <a:t> </a:t>
+            </a:r>
+            <a:r>
+              <a:rPr lang="en-US" dirty="0"/>
+              <a:t>patients by rainfall, temperature, humidity.</a:t>
+            </a:r>
+          </a:p>
+          <a:p>
+            <a:pPr marL="457200" lvl="1" indent="0">
+              <a:buNone/>
+            </a:pPr>
+            <a:r>
+              <a:rPr lang="en-US" dirty="0"/>
+              <a:t>📊 To visualize information that is relevant to the data.</a:t>
+            </a:r>
+          </a:p>
+        </p:txBody>
+      </p:sp>
+    </p:spTree>
+    <p:extLst>
+      <p:ext uri="{BB962C8B-B14F-4D97-AF65-F5344CB8AC3E}">
+        <p14:creationId xmlns:p14="http://schemas.microsoft.com/office/powerpoint/2010/main" val="2549193430"/>
+      </p:ext>
+    </p:extLst>
+  </p:cSld>
+  <p:clrMapOvr>
+    <a:masterClrMapping/>
+  </p:clrMapOvr>
+</p:sld>
+</file>
+
+<file path=ppt/slides/slide3.xml><?xml version="1.0" encoding="utf-8"?>
+<p:sld xmlns:a="http://schemas.openxmlformats.org/drawingml/2006/main" xmlns:r="http://schemas.openxmlformats.org/officeDocument/2006/relationships" xmlns:p="http://schemas.openxmlformats.org/presentationml/2006/main">
+  <p:cSld>
+    <p:spTree>
+      <p:nvGrpSpPr>
+        <p:cNvPr id="1" name=""/>
+        <p:cNvGrpSpPr/>
+        <p:nvPr/>
+      </p:nvGrpSpPr>
+      <p:grpSpPr>
+        <a:xfrm>
+          <a:off x="0" y="0"/>
+          <a:ext cx="0" cy="0"/>
+          <a:chOff x="0" y="0"/>
+          <a:chExt cx="0" cy="0"/>
+        </a:xfrm>
+      </p:grpSpPr>
+      <p:sp>
+        <p:nvSpPr>
+          <p:cNvPr id="2" name="Title 1">
+            <a:extLst>
+              <a:ext uri="{FF2B5EF4-FFF2-40B4-BE49-F238E27FC236}">
+                <a16:creationId xmlns:a16="http://schemas.microsoft.com/office/drawing/2014/main" id="{B0DB5CBE-DFFA-4432-92F8-5639FE300EE5}"/>
+              </a:ext>
+            </a:extLst>
+          </p:cNvPr>
+          <p:cNvSpPr>
+            <a:spLocks noGrp="1"/>
+          </p:cNvSpPr>
+          <p:nvPr>
+            <p:ph type="title"/>
+          </p:nvPr>
+        </p:nvSpPr>
+        <p:spPr/>
+        <p:txBody>
+          <a:bodyPr/>
+          <a:lstStyle/>
+          <a:p>
+            <a:r>
+              <a:rPr lang="en-US" dirty="0"/>
+              <a:t>Rain</a:t>
+            </a:r>
+          </a:p>
+        </p:txBody>
+      </p:sp>
+      <p:graphicFrame>
+        <p:nvGraphicFramePr>
+          <p:cNvPr id="24" name="Content Placeholder 23">
+            <a:extLst>
+              <a:ext uri="{FF2B5EF4-FFF2-40B4-BE49-F238E27FC236}">
+                <a16:creationId xmlns:a16="http://schemas.microsoft.com/office/drawing/2014/main" id="{417523C1-FC67-4DFF-9443-0BE7AE37BA8A}"/>
+              </a:ext>
+            </a:extLst>
+          </p:cNvPr>
+          <p:cNvGraphicFramePr>
+            <a:graphicFrameLocks noGrp="1"/>
+          </p:cNvGraphicFramePr>
+          <p:nvPr>
+            <p:ph idx="1"/>
+            <p:extLst>
+              <p:ext uri="{D42A27DB-BD31-4B8C-83A1-F6EECF244321}">
+                <p14:modId xmlns:p14="http://schemas.microsoft.com/office/powerpoint/2010/main" val="1449191448"/>
+              </p:ext>
+            </p:extLst>
+          </p:nvPr>
+        </p:nvGraphicFramePr>
+        <p:xfrm>
+          <a:off x="838200" y="1825625"/>
+          <a:ext cx="10515600" cy="4351338"/>
+        </p:xfrm>
+        <a:graphic>
+          <a:graphicData uri="http://schemas.openxmlformats.org/drawingml/2006/chart">
+            <c:chart xmlns:c="http://schemas.openxmlformats.org/drawingml/2006/chart" xmlns:r="http://schemas.openxmlformats.org/officeDocument/2006/relationships" r:id="rId2"/>
+          </a:graphicData>
+        </a:graphic>
+      </p:graphicFrame>
+    </p:spTree>
+    <p:extLst>
+      <p:ext uri="{BB962C8B-B14F-4D97-AF65-F5344CB8AC3E}">
+        <p14:creationId xmlns:p14="http://schemas.microsoft.com/office/powerpoint/2010/main" val="3192938357"/>
+      </p:ext>
+    </p:extLst>
+  </p:cSld>
+  <p:clrMapOvr>
+    <a:masterClrMapping/>
+  </p:clrMapOvr>
+</p:sld>
+</file>
+
+<file path=ppt/slides/slide4.xml><?xml version="1.0" encoding="utf-8"?>
+<p:sld xmlns:a="http://schemas.openxmlformats.org/drawingml/2006/main" xmlns:r="http://schemas.openxmlformats.org/officeDocument/2006/relationships" xmlns:p="http://schemas.openxmlformats.org/presentationml/2006/main">
+  <p:cSld>
+    <p:bg>
+      <p:bgPr>
+        <a:solidFill>
+          <a:schemeClr val="bg1"/>
+        </a:solidFill>
+        <a:effectLst/>
+      </p:bgPr>
+    </p:bg>
+    <p:spTree>
+      <p:nvGrpSpPr>
+        <p:cNvPr id="1" name=""/>
+        <p:cNvGrpSpPr/>
+        <p:nvPr/>
+      </p:nvGrpSpPr>
+      <p:grpSpPr>
+        <a:xfrm>
+          <a:off x="0" y="0"/>
+          <a:ext cx="0" cy="0"/>
+          <a:chOff x="0" y="0"/>
+          <a:chExt cx="0" cy="0"/>
+        </a:xfrm>
+      </p:grpSpPr>
+      <p:sp useBgFill="1">
+        <p:nvSpPr>
+          <p:cNvPr id="71" name="Rectangle 70">
+            <a:extLst>
+              <a:ext uri="{FF2B5EF4-FFF2-40B4-BE49-F238E27FC236}">
+                <a16:creationId xmlns:a16="http://schemas.microsoft.com/office/drawing/2014/main" id="{04812C46-200A-4DEB-A05E-3ED6C68C2387}"/>
+              </a:ext>
+              <a:ext uri="{C183D7F6-B498-43B3-948B-1728B52AA6E4}">
+                <adec:decorative xmlns:adec="http://schemas.microsoft.com/office/drawing/2017/decorative" val="1"/>
+              </a:ext>
+            </a:extLst>
+          </p:cNvPr>
+          <p:cNvSpPr>
+            <a:spLocks noGrp="1" noRot="1" noChangeAspect="1" noMove="1" noResize="1" noEditPoints="1" noAdjustHandles="1" noChangeArrowheads="1" noChangeShapeType="1" noTextEdit="1"/>
+          </p:cNvSpPr>
+          <p:nvPr>
+            <p:extLst>
+              <p:ext uri="{386F3935-93C4-4BCD-93E2-E3B085C9AB24}">
+                <p16:designElem xmlns:p16="http://schemas.microsoft.com/office/powerpoint/2015/main" val="1"/>
+              </p:ext>
+            </p:extLst>
+          </p:nvPr>
+        </p:nvSpPr>
+        <p:spPr>
+          <a:xfrm>
+            <a:off x="-1" y="0"/>
+            <a:ext cx="12188952" cy="6858000"/>
+          </a:xfrm>
+          <a:prstGeom prst="rect">
+            <a:avLst/>
+          </a:prstGeom>
+          <a:ln>
+            <a:noFill/>
+          </a:ln>
+        </p:spPr>
+        <p:style>
+          <a:lnRef idx="2">
+            <a:schemeClr val="accent1">
+              <a:shade val="50000"/>
+            </a:schemeClr>
+          </a:lnRef>
+          <a:fillRef idx="1">
+            <a:schemeClr val="accent1"/>
+          </a:fillRef>
+          <a:effectRef idx="0">
+            <a:schemeClr val="accent1"/>
+          </a:effectRef>
+          <a:fontRef idx="minor">
+            <a:schemeClr val="lt1"/>
+          </a:fontRef>
+        </p:style>
+        <p:txBody>
+          <a:bodyPr rtlCol="0" anchor="ctr"/>
+          <a:lstStyle/>
+          <a:p>
+            <a:pPr algn="ctr"/>
+            <a:endParaRPr lang="en-US"/>
+          </a:p>
+        </p:txBody>
+      </p:sp>
+      <p:pic>
+        <p:nvPicPr>
+          <p:cNvPr id="1026" name="Picture 2">
+            <a:extLst>
+              <a:ext uri="{FF2B5EF4-FFF2-40B4-BE49-F238E27FC236}">
+                <a16:creationId xmlns:a16="http://schemas.microsoft.com/office/drawing/2014/main" id="{9776972B-B964-41CF-B1A9-C8A8A3EF9102}"/>
+              </a:ext>
+            </a:extLst>
+          </p:cNvPr>
+          <p:cNvPicPr>
+            <a:picLocks noGrp="1" noChangeAspect="1" noChangeArrowheads="1"/>
+          </p:cNvPicPr>
+          <p:nvPr>
+            <p:ph idx="1"/>
+          </p:nvPr>
+        </p:nvPicPr>
+        <p:blipFill rotWithShape="1">
+          <a:blip r:embed="rId2">
+            <a:extLst>
+              <a:ext uri="{28A0092B-C50C-407E-A947-70E740481C1C}">
+                <a14:useLocalDpi xmlns:a14="http://schemas.microsoft.com/office/drawing/2010/main" val="0"/>
+              </a:ext>
+            </a:extLst>
+          </a:blip>
+          <a:srcRect r="6588" b="-1"/>
+          <a:stretch/>
+        </p:blipFill>
+        <p:spPr bwMode="auto">
+          <a:xfrm flipH="1">
+            <a:off x="1" y="10"/>
+            <a:ext cx="9669642" cy="6857990"/>
+          </a:xfrm>
+          <a:prstGeom prst="rect">
+            <a:avLst/>
+          </a:prstGeom>
+          <a:noFill/>
+          <a:extLst>
+            <a:ext uri="{909E8E84-426E-40DD-AFC4-6F175D3DCCD1}">
+              <a14:hiddenFill xmlns:a14="http://schemas.microsoft.com/office/drawing/2010/main">
+                <a:solidFill>
+                  <a:srgbClr val="FFFFFF"/>
+                </a:solidFill>
+              </a14:hiddenFill>
+            </a:ext>
+          </a:extLst>
+        </p:spPr>
+      </p:pic>
+      <p:sp>
+        <p:nvSpPr>
+          <p:cNvPr id="73" name="Rectangle 72">
+            <a:extLst>
+              <a:ext uri="{FF2B5EF4-FFF2-40B4-BE49-F238E27FC236}">
+                <a16:creationId xmlns:a16="http://schemas.microsoft.com/office/drawing/2014/main" id="{D1EA859B-E555-4109-94F3-6700E046E008}"/>
+              </a:ext>
+              <a:ext uri="{C183D7F6-B498-43B3-948B-1728B52AA6E4}">
+                <adec:decorative xmlns:adec="http://schemas.microsoft.com/office/drawing/2017/decorative" val="1"/>
+              </a:ext>
+            </a:extLst>
+          </p:cNvPr>
+          <p:cNvSpPr>
+            <a:spLocks noGrp="1" noRot="1" noChangeAspect="1" noMove="1" noResize="1" noEditPoints="1" noAdjustHandles="1" noChangeArrowheads="1" noChangeShapeType="1" noTextEdit="1"/>
+          </p:cNvSpPr>
+          <p:nvPr>
+            <p:extLst>
+              <p:ext uri="{386F3935-93C4-4BCD-93E2-E3B085C9AB24}">
+                <p16:designElem xmlns:p16="http://schemas.microsoft.com/office/powerpoint/2015/main" val="1"/>
+              </p:ext>
+            </p:extLst>
+          </p:nvPr>
+        </p:nvSpPr>
+        <p:spPr>
+          <a:xfrm flipH="1">
+            <a:off x="5125019" y="0"/>
+            <a:ext cx="7066978" cy="6858000"/>
+          </a:xfrm>
+          <a:prstGeom prst="rect">
+            <a:avLst/>
+          </a:prstGeom>
+          <a:gradFill>
+            <a:gsLst>
+              <a:gs pos="48000">
+                <a:schemeClr val="bg1"/>
+              </a:gs>
+              <a:gs pos="35000">
+                <a:schemeClr val="bg1">
+                  <a:alpha val="77000"/>
+                </a:schemeClr>
+              </a:gs>
+              <a:gs pos="19000">
+                <a:schemeClr val="bg1">
+                  <a:alpha val="38000"/>
+                </a:schemeClr>
+              </a:gs>
+              <a:gs pos="0">
+                <a:schemeClr val="bg1">
+                  <a:alpha val="0"/>
+                </a:schemeClr>
+              </a:gs>
+              <a:gs pos="100000">
+                <a:schemeClr val="bg1"/>
+              </a:gs>
+            </a:gsLst>
+            <a:lin ang="10800000" scaled="0"/>
+          </a:gradFill>
+          <a:ln>
+            <a:noFill/>
+          </a:ln>
+        </p:spPr>
+        <p:style>
+          <a:lnRef idx="2">
+            <a:schemeClr val="accent1">
+              <a:shade val="50000"/>
+            </a:schemeClr>
+          </a:lnRef>
+          <a:fillRef idx="1">
+            <a:schemeClr val="accent1"/>
+          </a:fillRef>
+          <a:effectRef idx="0">
+            <a:schemeClr val="accent1"/>
+          </a:effectRef>
+          <a:fontRef idx="minor">
+            <a:schemeClr val="lt1"/>
+          </a:fontRef>
+        </p:style>
+        <p:txBody>
+          <a:bodyPr rtlCol="0" anchor="ctr"/>
+          <a:lstStyle/>
+          <a:p>
+            <a:pPr algn="ctr"/>
+            <a:endParaRPr lang="en-US" dirty="0"/>
+          </a:p>
+        </p:txBody>
+      </p:sp>
+      <p:sp>
+        <p:nvSpPr>
+          <p:cNvPr id="2" name="Title 1">
+            <a:extLst>
+              <a:ext uri="{FF2B5EF4-FFF2-40B4-BE49-F238E27FC236}">
+                <a16:creationId xmlns:a16="http://schemas.microsoft.com/office/drawing/2014/main" id="{B0DB5CBE-DFFA-4432-92F8-5639FE300EE5}"/>
+              </a:ext>
+            </a:extLst>
+          </p:cNvPr>
+          <p:cNvSpPr>
+            <a:spLocks noGrp="1"/>
+          </p:cNvSpPr>
+          <p:nvPr>
+            <p:ph type="title"/>
+          </p:nvPr>
+        </p:nvSpPr>
+        <p:spPr>
+          <a:xfrm>
+            <a:off x="7531610" y="365125"/>
+            <a:ext cx="3822189" cy="1899912"/>
+          </a:xfrm>
+        </p:spPr>
+        <p:txBody>
+          <a:bodyPr vert="horz" lIns="91440" tIns="45720" rIns="91440" bIns="45720" rtlCol="0" anchor="ctr">
+            <a:normAutofit/>
+          </a:bodyPr>
+          <a:lstStyle/>
+          <a:p>
+            <a:r>
+              <a:rPr lang="en-US" sz="4000" dirty="0"/>
+              <a:t>Temperature</a:t>
+            </a:r>
+          </a:p>
+        </p:txBody>
+      </p:sp>
+      <p:sp>
+        <p:nvSpPr>
+          <p:cNvPr id="9" name="TextBox 8">
+            <a:extLst>
+              <a:ext uri="{FF2B5EF4-FFF2-40B4-BE49-F238E27FC236}">
+                <a16:creationId xmlns:a16="http://schemas.microsoft.com/office/drawing/2014/main" id="{910D2E40-3B00-40B7-BC96-271A0FB26E60}"/>
+              </a:ext>
+            </a:extLst>
+          </p:cNvPr>
+          <p:cNvSpPr txBox="1"/>
+          <p:nvPr/>
+        </p:nvSpPr>
+        <p:spPr>
+          <a:xfrm>
+            <a:off x="7531610" y="2434201"/>
+            <a:ext cx="3822189" cy="3742762"/>
+          </a:xfrm>
+          <a:prstGeom prst="rect">
+            <a:avLst/>
+          </a:prstGeom>
+        </p:spPr>
+        <p:txBody>
+          <a:bodyPr vert="horz" lIns="91440" tIns="45720" rIns="91440" bIns="45720" rtlCol="0">
+            <a:normAutofit/>
+          </a:bodyPr>
+          <a:lstStyle/>
+          <a:p>
+            <a:pPr marL="285750" indent="-228600" defTabSz="914400">
+              <a:lnSpc>
+                <a:spcPct val="90000"/>
+              </a:lnSpc>
+              <a:spcAft>
+                <a:spcPts val="600"/>
+              </a:spcAft>
+              <a:buFont typeface="Arial" panose="020B0604020202020204" pitchFamily="34" charset="0"/>
+              <a:buChar char="•"/>
+            </a:pPr>
+            <a:r>
+              <a:rPr lang="en-US" sz="1600" dirty="0"/>
+              <a:t>1</a:t>
+            </a:r>
+          </a:p>
+          <a:p>
+            <a:pPr marL="285750" indent="-228600" defTabSz="914400">
+              <a:lnSpc>
+                <a:spcPct val="90000"/>
+              </a:lnSpc>
+              <a:spcAft>
+                <a:spcPts val="600"/>
+              </a:spcAft>
+              <a:buFont typeface="Arial" panose="020B0604020202020204" pitchFamily="34" charset="0"/>
+              <a:buChar char="•"/>
+            </a:pPr>
+            <a:r>
+              <a:rPr lang="en-US" sz="1600" dirty="0"/>
+              <a:t>2</a:t>
+            </a:r>
+          </a:p>
+          <a:p>
+            <a:pPr marL="285750" indent="-228600" defTabSz="914400">
+              <a:lnSpc>
+                <a:spcPct val="90000"/>
+              </a:lnSpc>
+              <a:spcAft>
+                <a:spcPts val="600"/>
+              </a:spcAft>
+              <a:buFont typeface="Arial" panose="020B0604020202020204" pitchFamily="34" charset="0"/>
+              <a:buChar char="•"/>
+            </a:pPr>
+            <a:r>
+              <a:rPr lang="en-US" sz="1600" dirty="0"/>
+              <a:t>3</a:t>
+            </a:r>
+          </a:p>
+        </p:txBody>
+      </p:sp>
+      <p:sp>
+        <p:nvSpPr>
+          <p:cNvPr id="13" name="TextBox 12">
+            <a:extLst>
+              <a:ext uri="{FF2B5EF4-FFF2-40B4-BE49-F238E27FC236}">
+                <a16:creationId xmlns:a16="http://schemas.microsoft.com/office/drawing/2014/main" id="{0859371D-6C71-41F5-BDEA-7DCA5D3C1CF2}"/>
+              </a:ext>
+            </a:extLst>
+          </p:cNvPr>
+          <p:cNvSpPr txBox="1"/>
+          <p:nvPr/>
+        </p:nvSpPr>
+        <p:spPr>
+          <a:xfrm>
+            <a:off x="104775" y="6424460"/>
+            <a:ext cx="1790700" cy="369332"/>
+          </a:xfrm>
+          <a:prstGeom prst="rect">
+            <a:avLst/>
+          </a:prstGeom>
+          <a:noFill/>
+        </p:spPr>
+        <p:txBody>
+          <a:bodyPr wrap="square">
+            <a:spAutoFit/>
+          </a:bodyPr>
+          <a:lstStyle/>
+          <a:p>
+            <a:pPr>
+              <a:spcAft>
+                <a:spcPts val="600"/>
+              </a:spcAft>
+            </a:pPr>
+            <a:r>
+              <a:rPr lang="en-US" dirty="0"/>
+              <a:t>Thairath online</a:t>
+            </a:r>
+            <a:endParaRPr lang="en-US"/>
+          </a:p>
+        </p:txBody>
+      </p:sp>
+    </p:spTree>
+    <p:extLst>
+      <p:ext uri="{BB962C8B-B14F-4D97-AF65-F5344CB8AC3E}">
+        <p14:creationId xmlns:p14="http://schemas.microsoft.com/office/powerpoint/2010/main" val="2524977682"/>
+      </p:ext>
+    </p:extLst>
+  </p:cSld>
+  <p:clrMapOvr>
+    <a:masterClrMapping/>
+  </p:clrMapOvr>
+</p:sld>
+</file>
+
+<file path=ppt/slides/slide5.xml><?xml version="1.0" encoding="utf-8"?>
+<p:sld xmlns:a="http://schemas.openxmlformats.org/drawingml/2006/main" xmlns:r="http://schemas.openxmlformats.org/officeDocument/2006/relationships" xmlns:p="http://schemas.openxmlformats.org/presentationml/2006/main">
+  <p:cSld>
+    <p:spTree>
+      <p:nvGrpSpPr>
+        <p:cNvPr id="1" name=""/>
+        <p:cNvGrpSpPr/>
+        <p:nvPr/>
+      </p:nvGrpSpPr>
+      <p:grpSpPr>
+        <a:xfrm>
+          <a:off x="0" y="0"/>
+          <a:ext cx="0" cy="0"/>
+          <a:chOff x="0" y="0"/>
+          <a:chExt cx="0" cy="0"/>
+        </a:xfrm>
+      </p:grpSpPr>
+      <p:sp>
+        <p:nvSpPr>
+          <p:cNvPr id="2" name="Title 1">
+            <a:extLst>
+              <a:ext uri="{FF2B5EF4-FFF2-40B4-BE49-F238E27FC236}">
+                <a16:creationId xmlns:a16="http://schemas.microsoft.com/office/drawing/2014/main" id="{7B5AF8A3-688C-4433-B27C-1BC216F81801}"/>
+              </a:ext>
+            </a:extLst>
+          </p:cNvPr>
+          <p:cNvSpPr>
+            <a:spLocks noGrp="1"/>
+          </p:cNvSpPr>
+          <p:nvPr>
+            <p:ph type="title"/>
+          </p:nvPr>
+        </p:nvSpPr>
+        <p:spPr/>
+        <p:txBody>
+          <a:bodyPr/>
+          <a:lstStyle/>
+          <a:p>
+            <a:r>
+              <a:rPr lang="en-US" dirty="0"/>
+              <a:t>Data preprocessing</a:t>
+            </a:r>
+          </a:p>
+        </p:txBody>
+      </p:sp>
+      <p:grpSp>
+        <p:nvGrpSpPr>
+          <p:cNvPr id="12" name="Group 11">
+            <a:extLst>
+              <a:ext uri="{FF2B5EF4-FFF2-40B4-BE49-F238E27FC236}">
+                <a16:creationId xmlns:a16="http://schemas.microsoft.com/office/drawing/2014/main" id="{3A109C31-CA17-4CB5-9E14-94644C08BF74}"/>
+              </a:ext>
+            </a:extLst>
+          </p:cNvPr>
+          <p:cNvGrpSpPr/>
+          <p:nvPr/>
+        </p:nvGrpSpPr>
+        <p:grpSpPr>
+          <a:xfrm>
+            <a:off x="3997497" y="2025509"/>
+            <a:ext cx="2804819" cy="3686194"/>
+            <a:chOff x="4469492" y="1970645"/>
+            <a:chExt cx="2804819" cy="3686194"/>
+          </a:xfrm>
+        </p:grpSpPr>
+        <p:sp>
+          <p:nvSpPr>
+            <p:cNvPr id="5" name="Freeform: Shape 4">
+              <a:extLst>
+                <a:ext uri="{FF2B5EF4-FFF2-40B4-BE49-F238E27FC236}">
+                  <a16:creationId xmlns:a16="http://schemas.microsoft.com/office/drawing/2014/main" id="{ABF05BC2-C336-48BB-8462-07054B5EF58B}"/>
+                </a:ext>
+              </a:extLst>
+            </p:cNvPr>
+            <p:cNvSpPr/>
+            <p:nvPr/>
+          </p:nvSpPr>
+          <p:spPr>
+            <a:xfrm>
+              <a:off x="4949622" y="4107046"/>
+              <a:ext cx="1549793" cy="1549793"/>
+            </a:xfrm>
+            <a:custGeom>
+              <a:avLst/>
+              <a:gdLst>
+                <a:gd name="connsiteX0" fmla="*/ 0 w 1549793"/>
+                <a:gd name="connsiteY0" fmla="*/ 774897 h 1549793"/>
+                <a:gd name="connsiteX1" fmla="*/ 774897 w 1549793"/>
+                <a:gd name="connsiteY1" fmla="*/ 0 h 1549793"/>
+                <a:gd name="connsiteX2" fmla="*/ 1549794 w 1549793"/>
+                <a:gd name="connsiteY2" fmla="*/ 774897 h 1549793"/>
+                <a:gd name="connsiteX3" fmla="*/ 774897 w 1549793"/>
+                <a:gd name="connsiteY3" fmla="*/ 1549794 h 1549793"/>
+                <a:gd name="connsiteX4" fmla="*/ 0 w 1549793"/>
+                <a:gd name="connsiteY4" fmla="*/ 774897 h 1549793"/>
+              </a:gdLst>
+              <a:ahLst/>
+              <a:cxnLst>
+                <a:cxn ang="0">
+                  <a:pos x="connsiteX0" y="connsiteY0"/>
+                </a:cxn>
+                <a:cxn ang="0">
+                  <a:pos x="connsiteX1" y="connsiteY1"/>
+                </a:cxn>
+                <a:cxn ang="0">
+                  <a:pos x="connsiteX2" y="connsiteY2"/>
+                </a:cxn>
+                <a:cxn ang="0">
+                  <a:pos x="connsiteX3" y="connsiteY3"/>
+                </a:cxn>
+                <a:cxn ang="0">
+                  <a:pos x="connsiteX4" y="connsiteY4"/>
+                </a:cxn>
+              </a:cxnLst>
+              <a:rect l="l" t="t" r="r" b="b"/>
+              <a:pathLst>
+                <a:path w="1549793" h="1549793">
+                  <a:moveTo>
+                    <a:pt x="0" y="774897"/>
+                  </a:moveTo>
+                  <a:cubicBezTo>
+                    <a:pt x="0" y="346933"/>
+                    <a:pt x="346933" y="0"/>
+                    <a:pt x="774897" y="0"/>
+                  </a:cubicBezTo>
+                  <a:cubicBezTo>
+                    <a:pt x="1202861" y="0"/>
+                    <a:pt x="1549794" y="346933"/>
+                    <a:pt x="1549794" y="774897"/>
+                  </a:cubicBezTo>
+                  <a:cubicBezTo>
+                    <a:pt x="1549794" y="1202861"/>
+                    <a:pt x="1202861" y="1549794"/>
+                    <a:pt x="774897" y="1549794"/>
+                  </a:cubicBezTo>
+                  <a:cubicBezTo>
+                    <a:pt x="346933" y="1549794"/>
+                    <a:pt x="0" y="1202861"/>
+                    <a:pt x="0" y="774897"/>
+                  </a:cubicBezTo>
+                  <a:close/>
+                </a:path>
+              </a:pathLst>
+            </a:custGeom>
+          </p:spPr>
+          <p:style>
+            <a:lnRef idx="2">
+              <a:schemeClr val="dk1">
+                <a:shade val="80000"/>
+                <a:hueOff val="0"/>
+                <a:satOff val="0"/>
+                <a:lumOff val="0"/>
+                <a:alphaOff val="0"/>
+              </a:schemeClr>
+            </a:lnRef>
+            <a:fillRef idx="1">
+              <a:schemeClr val="lt1">
+                <a:hueOff val="0"/>
+                <a:satOff val="0"/>
+                <a:lumOff val="0"/>
+                <a:alphaOff val="0"/>
+              </a:schemeClr>
+            </a:fillRef>
+            <a:effectRef idx="0">
+              <a:schemeClr val="lt1">
+                <a:hueOff val="0"/>
+                <a:satOff val="0"/>
+                <a:lumOff val="0"/>
+                <a:alphaOff val="0"/>
+              </a:schemeClr>
+            </a:effectRef>
+            <a:fontRef idx="minor">
+              <a:schemeClr val="dk1">
+                <a:hueOff val="0"/>
+                <a:satOff val="0"/>
+                <a:lumOff val="0"/>
+                <a:alphaOff val="0"/>
+              </a:schemeClr>
+            </a:fontRef>
+          </p:style>
+          <p:txBody>
+            <a:bodyPr spcFirstLastPara="0" vert="horz" wrap="square" lIns="262522" tIns="262522" rIns="262522" bIns="262522" numCol="1" spcCol="1270" anchor="ctr" anchorCtr="0">
+              <a:noAutofit/>
+            </a:bodyPr>
+            <a:lstStyle/>
+            <a:p>
+              <a:pPr marL="0" lvl="0" indent="0" algn="ctr" defTabSz="1244600">
+                <a:lnSpc>
+                  <a:spcPct val="90000"/>
+                </a:lnSpc>
+                <a:spcBef>
+                  <a:spcPct val="0"/>
+                </a:spcBef>
+                <a:spcAft>
+                  <a:spcPct val="35000"/>
+                </a:spcAft>
+                <a:buNone/>
+              </a:pPr>
+              <a:r>
+                <a:rPr lang="en-US" sz="2800" kern="1200" dirty="0"/>
+                <a:t>🤒</a:t>
+              </a:r>
+              <a:r>
+                <a:rPr lang="en-US" sz="1600" kern="1200" dirty="0"/>
+                <a:t> Dengue patient dataset</a:t>
+              </a:r>
+            </a:p>
+          </p:txBody>
+        </p:sp>
+        <p:sp>
+          <p:nvSpPr>
+            <p:cNvPr id="7" name="Freeform: Shape 6">
+              <a:extLst>
+                <a:ext uri="{FF2B5EF4-FFF2-40B4-BE49-F238E27FC236}">
+                  <a16:creationId xmlns:a16="http://schemas.microsoft.com/office/drawing/2014/main" id="{AEADFBCB-DA7F-45D4-901F-2DB27ED245E2}"/>
+                </a:ext>
+              </a:extLst>
+            </p:cNvPr>
+            <p:cNvSpPr/>
+            <p:nvPr/>
+          </p:nvSpPr>
+          <p:spPr>
+            <a:xfrm>
+              <a:off x="4469492" y="1970645"/>
+              <a:ext cx="1549793" cy="1549793"/>
+            </a:xfrm>
+            <a:custGeom>
+              <a:avLst/>
+              <a:gdLst>
+                <a:gd name="connsiteX0" fmla="*/ 0 w 1549793"/>
+                <a:gd name="connsiteY0" fmla="*/ 774897 h 1549793"/>
+                <a:gd name="connsiteX1" fmla="*/ 774897 w 1549793"/>
+                <a:gd name="connsiteY1" fmla="*/ 0 h 1549793"/>
+                <a:gd name="connsiteX2" fmla="*/ 1549794 w 1549793"/>
+                <a:gd name="connsiteY2" fmla="*/ 774897 h 1549793"/>
+                <a:gd name="connsiteX3" fmla="*/ 774897 w 1549793"/>
+                <a:gd name="connsiteY3" fmla="*/ 1549794 h 1549793"/>
+                <a:gd name="connsiteX4" fmla="*/ 0 w 1549793"/>
+                <a:gd name="connsiteY4" fmla="*/ 774897 h 1549793"/>
+              </a:gdLst>
+              <a:ahLst/>
+              <a:cxnLst>
+                <a:cxn ang="0">
+                  <a:pos x="connsiteX0" y="connsiteY0"/>
+                </a:cxn>
+                <a:cxn ang="0">
+                  <a:pos x="connsiteX1" y="connsiteY1"/>
+                </a:cxn>
+                <a:cxn ang="0">
+                  <a:pos x="connsiteX2" y="connsiteY2"/>
+                </a:cxn>
+                <a:cxn ang="0">
+                  <a:pos x="connsiteX3" y="connsiteY3"/>
+                </a:cxn>
+                <a:cxn ang="0">
+                  <a:pos x="connsiteX4" y="connsiteY4"/>
+                </a:cxn>
+              </a:cxnLst>
+              <a:rect l="l" t="t" r="r" b="b"/>
+              <a:pathLst>
+                <a:path w="1549793" h="1549793">
+                  <a:moveTo>
+                    <a:pt x="0" y="774897"/>
+                  </a:moveTo>
+                  <a:cubicBezTo>
+                    <a:pt x="0" y="346933"/>
+                    <a:pt x="346933" y="0"/>
+                    <a:pt x="774897" y="0"/>
+                  </a:cubicBezTo>
+                  <a:cubicBezTo>
+                    <a:pt x="1202861" y="0"/>
+                    <a:pt x="1549794" y="346933"/>
+                    <a:pt x="1549794" y="774897"/>
+                  </a:cubicBezTo>
+                  <a:cubicBezTo>
+                    <a:pt x="1549794" y="1202861"/>
+                    <a:pt x="1202861" y="1549794"/>
+                    <a:pt x="774897" y="1549794"/>
+                  </a:cubicBezTo>
+                  <a:cubicBezTo>
+                    <a:pt x="346933" y="1549794"/>
+                    <a:pt x="0" y="1202861"/>
+                    <a:pt x="0" y="774897"/>
+                  </a:cubicBezTo>
+                  <a:close/>
+                </a:path>
+              </a:pathLst>
+            </a:custGeom>
+          </p:spPr>
+          <p:style>
+            <a:lnRef idx="2">
+              <a:schemeClr val="dk1">
+                <a:shade val="80000"/>
+                <a:hueOff val="0"/>
+                <a:satOff val="0"/>
+                <a:lumOff val="0"/>
+                <a:alphaOff val="0"/>
+              </a:schemeClr>
+            </a:lnRef>
+            <a:fillRef idx="1">
+              <a:schemeClr val="lt1">
+                <a:hueOff val="0"/>
+                <a:satOff val="0"/>
+                <a:lumOff val="0"/>
+                <a:alphaOff val="0"/>
+              </a:schemeClr>
+            </a:fillRef>
+            <a:effectRef idx="0">
+              <a:schemeClr val="lt1">
+                <a:hueOff val="0"/>
+                <a:satOff val="0"/>
+                <a:lumOff val="0"/>
+                <a:alphaOff val="0"/>
+              </a:schemeClr>
+            </a:effectRef>
+            <a:fontRef idx="minor">
+              <a:schemeClr val="dk1">
+                <a:hueOff val="0"/>
+                <a:satOff val="0"/>
+                <a:lumOff val="0"/>
+                <a:alphaOff val="0"/>
+              </a:schemeClr>
+            </a:fontRef>
+          </p:style>
+          <p:txBody>
+            <a:bodyPr spcFirstLastPara="0" vert="horz" wrap="square" lIns="272682" tIns="272682" rIns="272682" bIns="272682" numCol="1" spcCol="1270" anchor="ctr" anchorCtr="0">
+              <a:noAutofit/>
+            </a:bodyPr>
+            <a:lstStyle/>
+            <a:p>
+              <a:pPr marL="0" lvl="0" indent="0" algn="ctr" defTabSz="1600200">
+                <a:lnSpc>
+                  <a:spcPct val="90000"/>
+                </a:lnSpc>
+                <a:spcBef>
+                  <a:spcPct val="0"/>
+                </a:spcBef>
+                <a:spcAft>
+                  <a:spcPct val="35000"/>
+                </a:spcAft>
+                <a:buNone/>
+              </a:pPr>
+              <a:r>
+                <a:rPr lang="en-US" sz="3600" kern="1200" dirty="0"/>
+                <a:t>🌧</a:t>
+              </a:r>
+              <a:r>
+                <a:rPr lang="en-US" sz="1600" kern="1200" dirty="0"/>
+                <a:t> Rain dataset</a:t>
+              </a:r>
+            </a:p>
+          </p:txBody>
+        </p:sp>
+        <p:sp>
+          <p:nvSpPr>
+            <p:cNvPr id="9" name="Freeform: Shape 8">
+              <a:extLst>
+                <a:ext uri="{FF2B5EF4-FFF2-40B4-BE49-F238E27FC236}">
+                  <a16:creationId xmlns:a16="http://schemas.microsoft.com/office/drawing/2014/main" id="{401DD824-7249-4140-B7F8-A89FF4578008}"/>
+                </a:ext>
+              </a:extLst>
+            </p:cNvPr>
+            <p:cNvSpPr/>
+            <p:nvPr/>
+          </p:nvSpPr>
+          <p:spPr>
+            <a:xfrm>
+              <a:off x="5724518" y="2419704"/>
+              <a:ext cx="1549793" cy="1549793"/>
+            </a:xfrm>
+            <a:custGeom>
+              <a:avLst/>
+              <a:gdLst>
+                <a:gd name="connsiteX0" fmla="*/ 0 w 1549793"/>
+                <a:gd name="connsiteY0" fmla="*/ 774897 h 1549793"/>
+                <a:gd name="connsiteX1" fmla="*/ 774897 w 1549793"/>
+                <a:gd name="connsiteY1" fmla="*/ 0 h 1549793"/>
+                <a:gd name="connsiteX2" fmla="*/ 1549794 w 1549793"/>
+                <a:gd name="connsiteY2" fmla="*/ 774897 h 1549793"/>
+                <a:gd name="connsiteX3" fmla="*/ 774897 w 1549793"/>
+                <a:gd name="connsiteY3" fmla="*/ 1549794 h 1549793"/>
+                <a:gd name="connsiteX4" fmla="*/ 0 w 1549793"/>
+                <a:gd name="connsiteY4" fmla="*/ 774897 h 1549793"/>
+              </a:gdLst>
+              <a:ahLst/>
+              <a:cxnLst>
+                <a:cxn ang="0">
+                  <a:pos x="connsiteX0" y="connsiteY0"/>
+                </a:cxn>
+                <a:cxn ang="0">
+                  <a:pos x="connsiteX1" y="connsiteY1"/>
+                </a:cxn>
+                <a:cxn ang="0">
+                  <a:pos x="connsiteX2" y="connsiteY2"/>
+                </a:cxn>
+                <a:cxn ang="0">
+                  <a:pos x="connsiteX3" y="connsiteY3"/>
+                </a:cxn>
+                <a:cxn ang="0">
+                  <a:pos x="connsiteX4" y="connsiteY4"/>
+                </a:cxn>
+              </a:cxnLst>
+              <a:rect l="l" t="t" r="r" b="b"/>
+              <a:pathLst>
+                <a:path w="1549793" h="1549793">
+                  <a:moveTo>
+                    <a:pt x="0" y="774897"/>
+                  </a:moveTo>
+                  <a:cubicBezTo>
+                    <a:pt x="0" y="346933"/>
+                    <a:pt x="346933" y="0"/>
+                    <a:pt x="774897" y="0"/>
+                  </a:cubicBezTo>
+                  <a:cubicBezTo>
+                    <a:pt x="1202861" y="0"/>
+                    <a:pt x="1549794" y="346933"/>
+                    <a:pt x="1549794" y="774897"/>
+                  </a:cubicBezTo>
+                  <a:cubicBezTo>
+                    <a:pt x="1549794" y="1202861"/>
+                    <a:pt x="1202861" y="1549794"/>
+                    <a:pt x="774897" y="1549794"/>
+                  </a:cubicBezTo>
+                  <a:cubicBezTo>
+                    <a:pt x="346933" y="1549794"/>
+                    <a:pt x="0" y="1202861"/>
+                    <a:pt x="0" y="774897"/>
+                  </a:cubicBezTo>
+                  <a:close/>
+                </a:path>
+              </a:pathLst>
+            </a:custGeom>
+          </p:spPr>
+          <p:style>
+            <a:lnRef idx="2">
+              <a:schemeClr val="dk1">
+                <a:shade val="80000"/>
+                <a:hueOff val="0"/>
+                <a:satOff val="0"/>
+                <a:lumOff val="0"/>
+                <a:alphaOff val="0"/>
+              </a:schemeClr>
+            </a:lnRef>
+            <a:fillRef idx="1">
+              <a:schemeClr val="lt1">
+                <a:hueOff val="0"/>
+                <a:satOff val="0"/>
+                <a:lumOff val="0"/>
+                <a:alphaOff val="0"/>
+              </a:schemeClr>
+            </a:fillRef>
+            <a:effectRef idx="0">
+              <a:schemeClr val="lt1">
+                <a:hueOff val="0"/>
+                <a:satOff val="0"/>
+                <a:lumOff val="0"/>
+                <a:alphaOff val="0"/>
+              </a:schemeClr>
+            </a:effectRef>
+            <a:fontRef idx="minor">
+              <a:schemeClr val="dk1">
+                <a:hueOff val="0"/>
+                <a:satOff val="0"/>
+                <a:lumOff val="0"/>
+                <a:alphaOff val="0"/>
+              </a:schemeClr>
+            </a:fontRef>
+          </p:style>
+          <p:txBody>
+            <a:bodyPr spcFirstLastPara="0" vert="horz" wrap="square" lIns="262522" tIns="262522" rIns="262522" bIns="262522" numCol="1" spcCol="1270" anchor="ctr" anchorCtr="0">
+              <a:noAutofit/>
+            </a:bodyPr>
+            <a:lstStyle/>
+            <a:p>
+              <a:pPr marL="0" lvl="0" indent="0" algn="ctr" defTabSz="1244600">
+                <a:lnSpc>
+                  <a:spcPct val="90000"/>
+                </a:lnSpc>
+                <a:spcBef>
+                  <a:spcPct val="0"/>
+                </a:spcBef>
+                <a:spcAft>
+                  <a:spcPct val="35000"/>
+                </a:spcAft>
+                <a:buNone/>
+              </a:pPr>
+              <a:r>
+                <a:rPr lang="en-US" sz="2800" kern="1200" dirty="0"/>
+                <a:t>🌡 </a:t>
+              </a:r>
+              <a:r>
+                <a:rPr lang="en-US" sz="1600" kern="1200" dirty="0"/>
+                <a:t>Temperature dataset</a:t>
+              </a:r>
+            </a:p>
+          </p:txBody>
+        </p:sp>
+      </p:grpSp>
+      <p:sp>
+        <p:nvSpPr>
+          <p:cNvPr id="22" name="TextBox 21">
+            <a:extLst>
+              <a:ext uri="{FF2B5EF4-FFF2-40B4-BE49-F238E27FC236}">
+                <a16:creationId xmlns:a16="http://schemas.microsoft.com/office/drawing/2014/main" id="{C802C901-1D40-4795-8193-67E2EA129CB1}"/>
+              </a:ext>
+            </a:extLst>
+          </p:cNvPr>
+          <p:cNvSpPr txBox="1"/>
+          <p:nvPr/>
+        </p:nvSpPr>
+        <p:spPr>
+          <a:xfrm>
+            <a:off x="5896391" y="5388537"/>
+            <a:ext cx="3730752" cy="923330"/>
+          </a:xfrm>
+          <a:prstGeom prst="rect">
+            <a:avLst/>
+          </a:prstGeom>
+          <a:noFill/>
+        </p:spPr>
+        <p:txBody>
+          <a:bodyPr wrap="square" rtlCol="0">
+            <a:spAutoFit/>
+          </a:bodyPr>
+          <a:lstStyle/>
+          <a:p>
+            <a:r>
+              <a:rPr lang="en-US" dirty="0"/>
+              <a:t>Source: Department of disease control</a:t>
+            </a:r>
+            <a:r>
+              <a:rPr lang="th-TH" dirty="0"/>
+              <a:t> - </a:t>
+            </a:r>
+            <a:r>
+              <a:rPr lang="en-US" dirty="0"/>
+              <a:t>Ministry of Public Health</a:t>
+            </a:r>
+            <a:endParaRPr lang="th-TH" dirty="0"/>
+          </a:p>
+          <a:p>
+            <a:r>
+              <a:rPr lang="en-US" dirty="0"/>
+              <a:t>476,935 rows/observations.</a:t>
+            </a:r>
+          </a:p>
+        </p:txBody>
+      </p:sp>
+      <p:sp>
+        <p:nvSpPr>
+          <p:cNvPr id="25" name="TextBox 24">
+            <a:extLst>
+              <a:ext uri="{FF2B5EF4-FFF2-40B4-BE49-F238E27FC236}">
+                <a16:creationId xmlns:a16="http://schemas.microsoft.com/office/drawing/2014/main" id="{C09B325E-ED0C-401A-849D-EEDC7FD8D4F8}"/>
+              </a:ext>
+            </a:extLst>
+          </p:cNvPr>
+          <p:cNvSpPr txBox="1"/>
+          <p:nvPr/>
+        </p:nvSpPr>
+        <p:spPr>
+          <a:xfrm>
+            <a:off x="5634193" y="1828237"/>
+            <a:ext cx="3125759" cy="646331"/>
+          </a:xfrm>
+          <a:prstGeom prst="rect">
+            <a:avLst/>
+          </a:prstGeom>
+          <a:noFill/>
+        </p:spPr>
+        <p:txBody>
+          <a:bodyPr wrap="square" rtlCol="0">
+            <a:spAutoFit/>
+          </a:bodyPr>
+          <a:lstStyle/>
+          <a:p>
+            <a:r>
+              <a:rPr lang="en-US" dirty="0"/>
+              <a:t>Source: National Statistical Office of Thailand</a:t>
+            </a:r>
+          </a:p>
+        </p:txBody>
+      </p:sp>
+    </p:spTree>
+    <p:extLst>
+      <p:ext uri="{BB962C8B-B14F-4D97-AF65-F5344CB8AC3E}">
+        <p14:creationId xmlns:p14="http://schemas.microsoft.com/office/powerpoint/2010/main" val="1914115493"/>
+      </p:ext>
+    </p:extLst>
+  </p:cSld>
+  <p:clrMapOvr>
+    <a:masterClrMapping/>
+  </p:clrMapOvr>
+</p:sld>
+</file>
+
+<file path=ppt/slides/slide6.xml><?xml version="1.0" encoding="utf-8"?>
+<p:sld xmlns:a="http://schemas.openxmlformats.org/drawingml/2006/main" xmlns:r="http://schemas.openxmlformats.org/officeDocument/2006/relationships" xmlns:p="http://schemas.openxmlformats.org/presentationml/2006/main">
+  <p:cSld>
+    <p:spTree>
+      <p:nvGrpSpPr>
+        <p:cNvPr id="1" name=""/>
+        <p:cNvGrpSpPr/>
+        <p:nvPr/>
+      </p:nvGrpSpPr>
+      <p:grpSpPr>
+        <a:xfrm>
+          <a:off x="0" y="0"/>
+          <a:ext cx="0" cy="0"/>
+          <a:chOff x="0" y="0"/>
+          <a:chExt cx="0" cy="0"/>
+        </a:xfrm>
+      </p:grpSpPr>
+      <p:sp>
+        <p:nvSpPr>
+          <p:cNvPr id="2" name="Title 1">
+            <a:extLst>
+              <a:ext uri="{FF2B5EF4-FFF2-40B4-BE49-F238E27FC236}">
+                <a16:creationId xmlns:a16="http://schemas.microsoft.com/office/drawing/2014/main" id="{7B5AF8A3-688C-4433-B27C-1BC216F81801}"/>
+              </a:ext>
+            </a:extLst>
+          </p:cNvPr>
+          <p:cNvSpPr>
+            <a:spLocks noGrp="1"/>
+          </p:cNvSpPr>
+          <p:nvPr>
+            <p:ph type="title"/>
+          </p:nvPr>
+        </p:nvSpPr>
+        <p:spPr/>
+        <p:txBody>
+          <a:bodyPr/>
+          <a:lstStyle/>
+          <a:p>
+            <a:r>
+              <a:rPr lang="en-US" dirty="0"/>
+              <a:t>Data preprocessing</a:t>
+            </a:r>
+          </a:p>
+        </p:txBody>
+      </p:sp>
+      <p:sp>
+        <p:nvSpPr>
+          <p:cNvPr id="6" name="Content Placeholder 2">
+            <a:extLst>
+              <a:ext uri="{FF2B5EF4-FFF2-40B4-BE49-F238E27FC236}">
+                <a16:creationId xmlns:a16="http://schemas.microsoft.com/office/drawing/2014/main" id="{2CB017C7-D5AC-43F3-B369-F7E14A201B1D}"/>
+              </a:ext>
+            </a:extLst>
+          </p:cNvPr>
+          <p:cNvSpPr>
+            <a:spLocks noGrp="1"/>
+          </p:cNvSpPr>
+          <p:nvPr>
+            <p:ph idx="1"/>
+          </p:nvPr>
+        </p:nvSpPr>
+        <p:spPr>
+          <a:xfrm>
+            <a:off x="838200" y="1825625"/>
+            <a:ext cx="10515600" cy="4351338"/>
+          </a:xfrm>
+        </p:spPr>
+        <p:txBody>
+          <a:bodyPr>
+            <a:normAutofit/>
+          </a:bodyPr>
+          <a:lstStyle/>
+          <a:p>
+            <a:r>
+              <a:rPr lang="en-US" dirty="0"/>
+              <a:t>Challenge of THAI datasets 🥵</a:t>
+            </a:r>
+          </a:p>
+        </p:txBody>
+      </p:sp>
+      <p:grpSp>
+        <p:nvGrpSpPr>
+          <p:cNvPr id="14" name="Group 13">
+            <a:extLst>
+              <a:ext uri="{FF2B5EF4-FFF2-40B4-BE49-F238E27FC236}">
+                <a16:creationId xmlns:a16="http://schemas.microsoft.com/office/drawing/2014/main" id="{DB3F2ADD-DE22-47D6-A9A9-A7BF0DB4DBD8}"/>
+              </a:ext>
+            </a:extLst>
+          </p:cNvPr>
+          <p:cNvGrpSpPr/>
+          <p:nvPr/>
+        </p:nvGrpSpPr>
+        <p:grpSpPr>
+          <a:xfrm>
+            <a:off x="2576496" y="2524532"/>
+            <a:ext cx="7839109" cy="3465835"/>
+            <a:chOff x="2176446" y="2524532"/>
+            <a:chExt cx="7839109" cy="3465835"/>
+          </a:xfrm>
+        </p:grpSpPr>
+        <p:pic>
+          <p:nvPicPr>
+            <p:cNvPr id="4" name="Picture 3">
+              <a:extLst>
+                <a:ext uri="{FF2B5EF4-FFF2-40B4-BE49-F238E27FC236}">
+                  <a16:creationId xmlns:a16="http://schemas.microsoft.com/office/drawing/2014/main" id="{FA336E43-B01D-4E2B-8418-3DDA812749A1}"/>
+                </a:ext>
+              </a:extLst>
+            </p:cNvPr>
+            <p:cNvPicPr>
+              <a:picLocks noChangeAspect="1"/>
+            </p:cNvPicPr>
+            <p:nvPr/>
+          </p:nvPicPr>
+          <p:blipFill rotWithShape="1">
+            <a:blip r:embed="rId2"/>
+            <a:srcRect l="3784" r="15706"/>
+            <a:stretch/>
+          </p:blipFill>
+          <p:spPr>
+            <a:xfrm>
+              <a:off x="2905760" y="2524532"/>
+              <a:ext cx="6380480" cy="1295587"/>
+            </a:xfrm>
+            <a:prstGeom prst="rect">
+              <a:avLst/>
+            </a:prstGeom>
+          </p:spPr>
+        </p:pic>
+        <p:pic>
+          <p:nvPicPr>
+            <p:cNvPr id="8" name="Picture 7">
+              <a:extLst>
+                <a:ext uri="{FF2B5EF4-FFF2-40B4-BE49-F238E27FC236}">
+                  <a16:creationId xmlns:a16="http://schemas.microsoft.com/office/drawing/2014/main" id="{E11ED4B9-2491-46D7-8060-0AEDFD2778AB}"/>
+                </a:ext>
+              </a:extLst>
+            </p:cNvPr>
+            <p:cNvPicPr>
+              <a:picLocks noChangeAspect="1"/>
+            </p:cNvPicPr>
+            <p:nvPr/>
+          </p:nvPicPr>
+          <p:blipFill rotWithShape="1">
+            <a:blip r:embed="rId3"/>
+            <a:srcRect l="17255" r="28737"/>
+            <a:stretch/>
+          </p:blipFill>
+          <p:spPr>
+            <a:xfrm>
+              <a:off x="2176446" y="4396788"/>
+              <a:ext cx="7839109" cy="1593579"/>
+            </a:xfrm>
+            <a:prstGeom prst="rect">
+              <a:avLst/>
+            </a:prstGeom>
+          </p:spPr>
+        </p:pic>
+        <p:grpSp>
+          <p:nvGrpSpPr>
+            <p:cNvPr id="9" name="Group 8">
+              <a:extLst>
+                <a:ext uri="{FF2B5EF4-FFF2-40B4-BE49-F238E27FC236}">
+                  <a16:creationId xmlns:a16="http://schemas.microsoft.com/office/drawing/2014/main" id="{87F3E5B6-9761-4508-BDCA-6141237B192A}"/>
+                </a:ext>
+              </a:extLst>
+            </p:cNvPr>
+            <p:cNvGrpSpPr/>
+            <p:nvPr/>
+          </p:nvGrpSpPr>
+          <p:grpSpPr>
+            <a:xfrm>
+              <a:off x="5963786" y="4064892"/>
+              <a:ext cx="264427" cy="264427"/>
+              <a:chOff x="5363927" y="2577119"/>
+              <a:chExt cx="264427" cy="264427"/>
+            </a:xfrm>
+            <a:solidFill>
+              <a:srgbClr val="C00000"/>
+            </a:solidFill>
+          </p:grpSpPr>
+          <p:sp>
+            <p:nvSpPr>
+              <p:cNvPr id="10" name="Equals 9">
+                <a:extLst>
+                  <a:ext uri="{FF2B5EF4-FFF2-40B4-BE49-F238E27FC236}">
+                    <a16:creationId xmlns:a16="http://schemas.microsoft.com/office/drawing/2014/main" id="{7ED340C0-61F5-45AD-BF21-BAA21BC85AE8}"/>
+                  </a:ext>
+                </a:extLst>
+              </p:cNvPr>
+              <p:cNvSpPr/>
+              <p:nvPr/>
+            </p:nvSpPr>
+            <p:spPr>
+              <a:xfrm>
+                <a:off x="5363927" y="2577119"/>
+                <a:ext cx="264427" cy="264427"/>
+              </a:xfrm>
+              <a:prstGeom prst="downArrow">
+                <a:avLst/>
+              </a:prstGeom>
+              <a:grpFill/>
+            </p:spPr>
+            <p:style>
+              <a:lnRef idx="0">
+                <a:schemeClr val="dk1">
+                  <a:tint val="60000"/>
+                  <a:hueOff val="0"/>
+                  <a:satOff val="0"/>
+                  <a:lumOff val="0"/>
+                  <a:alphaOff val="0"/>
+                </a:schemeClr>
+              </a:lnRef>
+              <a:fillRef idx="1">
+                <a:schemeClr val="dk1">
+                  <a:tint val="60000"/>
+                  <a:hueOff val="0"/>
+                  <a:satOff val="0"/>
+                  <a:lumOff val="0"/>
+                  <a:alphaOff val="0"/>
+                </a:schemeClr>
+              </a:fillRef>
+              <a:effectRef idx="0">
+                <a:schemeClr val="dk1">
+                  <a:tint val="60000"/>
+                  <a:hueOff val="0"/>
+                  <a:satOff val="0"/>
+                  <a:lumOff val="0"/>
+                  <a:alphaOff val="0"/>
+                </a:schemeClr>
+              </a:effectRef>
+              <a:fontRef idx="minor">
+                <a:schemeClr val="dk1">
+                  <a:hueOff val="0"/>
+                  <a:satOff val="0"/>
+                  <a:lumOff val="0"/>
+                  <a:alphaOff val="0"/>
+                </a:schemeClr>
+              </a:fontRef>
+            </p:style>
+          </p:sp>
+          <p:sp>
+            <p:nvSpPr>
+              <p:cNvPr id="11" name="Equals 4">
+                <a:extLst>
+                  <a:ext uri="{FF2B5EF4-FFF2-40B4-BE49-F238E27FC236}">
+                    <a16:creationId xmlns:a16="http://schemas.microsoft.com/office/drawing/2014/main" id="{7B3F60BA-ED5B-4B9E-BC6E-53DC85425D94}"/>
+                  </a:ext>
+                </a:extLst>
+              </p:cNvPr>
+              <p:cNvSpPr txBox="1"/>
+              <p:nvPr/>
+            </p:nvSpPr>
+            <p:spPr>
+              <a:xfrm>
+                <a:off x="5398977" y="2631591"/>
+                <a:ext cx="194327" cy="155483"/>
+              </a:xfrm>
+              <a:prstGeom prst="downArrow">
+                <a:avLst/>
+              </a:prstGeom>
+              <a:grpFill/>
+            </p:spPr>
+            <p:style>
+              <a:lnRef idx="0">
+                <a:scrgbClr r="0" g="0" b="0"/>
+              </a:lnRef>
+              <a:fillRef idx="0">
+                <a:scrgbClr r="0" g="0" b="0"/>
+              </a:fillRef>
+              <a:effectRef idx="0">
+                <a:scrgbClr r="0" g="0" b="0"/>
+              </a:effectRef>
+              <a:fontRef idx="minor">
+                <a:schemeClr val="dk1">
+                  <a:hueOff val="0"/>
+                  <a:satOff val="0"/>
+                  <a:lumOff val="0"/>
+                  <a:alphaOff val="0"/>
+                </a:schemeClr>
+              </a:fontRef>
+            </p:style>
+            <p:txBody>
+              <a:bodyPr spcFirstLastPara="0" vert="horz" wrap="square" lIns="0" tIns="0" rIns="0" bIns="0" numCol="1" spcCol="1270" anchor="ctr" anchorCtr="0">
+                <a:noAutofit/>
+              </a:bodyPr>
+              <a:lstStyle/>
+              <a:p>
+                <a:pPr marL="0" lvl="0" indent="0" algn="ctr" defTabSz="488950">
+                  <a:lnSpc>
+                    <a:spcPct val="90000"/>
+                  </a:lnSpc>
+                  <a:spcBef>
+                    <a:spcPct val="0"/>
+                  </a:spcBef>
+                  <a:spcAft>
+                    <a:spcPct val="35000"/>
+                  </a:spcAft>
+                  <a:buNone/>
+                </a:pPr>
+                <a:endParaRPr lang="en-US" sz="1100" kern="1200"/>
+              </a:p>
+            </p:txBody>
+          </p:sp>
+        </p:grpSp>
+      </p:grpSp>
+      <p:pic>
+        <p:nvPicPr>
+          <p:cNvPr id="13" name="Picture 12">
+            <a:extLst>
+              <a:ext uri="{FF2B5EF4-FFF2-40B4-BE49-F238E27FC236}">
+                <a16:creationId xmlns:a16="http://schemas.microsoft.com/office/drawing/2014/main" id="{3F4C8692-64F2-43DE-A230-8C6AD9123C5A}"/>
+              </a:ext>
+            </a:extLst>
+          </p:cNvPr>
+          <p:cNvPicPr>
+            <a:picLocks noChangeAspect="1"/>
+          </p:cNvPicPr>
+          <p:nvPr/>
+        </p:nvPicPr>
+        <p:blipFill rotWithShape="1">
+          <a:blip r:embed="rId4"/>
+          <a:srcRect l="11743" t="-2794" b="676"/>
+          <a:stretch/>
+        </p:blipFill>
+        <p:spPr>
+          <a:xfrm>
+            <a:off x="1304924" y="3887589"/>
+            <a:ext cx="4116275" cy="631437"/>
+          </a:xfrm>
+          <a:prstGeom prst="rect">
+            <a:avLst/>
+          </a:prstGeom>
+          <a:effectLst>
+            <a:glow rad="228600">
+              <a:schemeClr val="accent6">
+                <a:satMod val="175000"/>
+                <a:alpha val="40000"/>
+              </a:schemeClr>
+            </a:glow>
+          </a:effectLst>
+        </p:spPr>
+      </p:pic>
+    </p:spTree>
+    <p:extLst>
+      <p:ext uri="{BB962C8B-B14F-4D97-AF65-F5344CB8AC3E}">
+        <p14:creationId xmlns:p14="http://schemas.microsoft.com/office/powerpoint/2010/main" val="212424170"/>
+      </p:ext>
+    </p:extLst>
+  </p:cSld>
+  <p:clrMapOvr>
+    <a:masterClrMapping/>
+  </p:clrMapOvr>
+</p:sld>
+</file>
+
+<file path=ppt/slides/slide7.xml><?xml version="1.0" encoding="utf-8"?>
+<p:sld xmlns:a="http://schemas.openxmlformats.org/drawingml/2006/main" xmlns:r="http://schemas.openxmlformats.org/officeDocument/2006/relationships" xmlns:p="http://schemas.openxmlformats.org/presentationml/2006/main">
+  <p:cSld>
+    <p:spTree>
+      <p:nvGrpSpPr>
+        <p:cNvPr id="1" name=""/>
+        <p:cNvGrpSpPr/>
+        <p:nvPr/>
+      </p:nvGrpSpPr>
+      <p:grpSpPr>
+        <a:xfrm>
+          <a:off x="0" y="0"/>
+          <a:ext cx="0" cy="0"/>
+          <a:chOff x="0" y="0"/>
+          <a:chExt cx="0" cy="0"/>
+        </a:xfrm>
+      </p:grpSpPr>
+      <p:sp>
+        <p:nvSpPr>
+          <p:cNvPr id="2" name="Title 1">
+            <a:extLst>
+              <a:ext uri="{FF2B5EF4-FFF2-40B4-BE49-F238E27FC236}">
+                <a16:creationId xmlns:a16="http://schemas.microsoft.com/office/drawing/2014/main" id="{7B5AF8A3-688C-4433-B27C-1BC216F81801}"/>
+              </a:ext>
+            </a:extLst>
+          </p:cNvPr>
+          <p:cNvSpPr>
+            <a:spLocks noGrp="1"/>
+          </p:cNvSpPr>
+          <p:nvPr>
+            <p:ph type="title"/>
+          </p:nvPr>
+        </p:nvSpPr>
+        <p:spPr/>
+        <p:txBody>
+          <a:bodyPr/>
+          <a:lstStyle/>
+          <a:p>
+            <a:r>
+              <a:rPr lang="en-US" dirty="0"/>
+              <a:t>Data preprocessing</a:t>
+            </a:r>
+          </a:p>
+        </p:txBody>
+      </p:sp>
+      <p:sp>
+        <p:nvSpPr>
+          <p:cNvPr id="6" name="Content Placeholder 2">
+            <a:extLst>
+              <a:ext uri="{FF2B5EF4-FFF2-40B4-BE49-F238E27FC236}">
+                <a16:creationId xmlns:a16="http://schemas.microsoft.com/office/drawing/2014/main" id="{2CB017C7-D5AC-43F3-B369-F7E14A201B1D}"/>
+              </a:ext>
+            </a:extLst>
+          </p:cNvPr>
+          <p:cNvSpPr>
+            <a:spLocks noGrp="1"/>
+          </p:cNvSpPr>
+          <p:nvPr>
+            <p:ph idx="1"/>
+          </p:nvPr>
+        </p:nvSpPr>
+        <p:spPr>
+          <a:xfrm>
+            <a:off x="838200" y="1825625"/>
+            <a:ext cx="10515600" cy="4351338"/>
+          </a:xfrm>
+        </p:spPr>
+        <p:txBody>
+          <a:bodyPr>
+            <a:normAutofit/>
+          </a:bodyPr>
+          <a:lstStyle/>
+          <a:p>
+            <a:r>
+              <a:rPr lang="en-US" dirty="0"/>
+              <a:t>Challenge of THAI datasets 🥵</a:t>
+            </a:r>
+          </a:p>
+        </p:txBody>
+      </p:sp>
+      <p:pic>
+        <p:nvPicPr>
+          <p:cNvPr id="5" name="Picture 4">
+            <a:extLst>
+              <a:ext uri="{FF2B5EF4-FFF2-40B4-BE49-F238E27FC236}">
+                <a16:creationId xmlns:a16="http://schemas.microsoft.com/office/drawing/2014/main" id="{D79145BE-0312-4745-BE03-07682F8D3F2E}"/>
+              </a:ext>
+            </a:extLst>
+          </p:cNvPr>
+          <p:cNvPicPr>
+            <a:picLocks noChangeAspect="1"/>
+          </p:cNvPicPr>
+          <p:nvPr/>
+        </p:nvPicPr>
+        <p:blipFill>
+          <a:blip r:embed="rId2"/>
+          <a:stretch>
+            <a:fillRect/>
+          </a:stretch>
+        </p:blipFill>
+        <p:spPr>
+          <a:xfrm>
+            <a:off x="1485882" y="2673313"/>
+            <a:ext cx="1123967" cy="2387093"/>
+          </a:xfrm>
+          <a:prstGeom prst="rect">
+            <a:avLst/>
+          </a:prstGeom>
+        </p:spPr>
+      </p:pic>
+      <p:pic>
+        <p:nvPicPr>
+          <p:cNvPr id="12" name="Picture 11">
+            <a:extLst>
+              <a:ext uri="{FF2B5EF4-FFF2-40B4-BE49-F238E27FC236}">
+                <a16:creationId xmlns:a16="http://schemas.microsoft.com/office/drawing/2014/main" id="{7B95BFEB-550E-4137-B7BE-F7809F73EE0D}"/>
+              </a:ext>
+            </a:extLst>
+          </p:cNvPr>
+          <p:cNvPicPr>
+            <a:picLocks noChangeAspect="1"/>
+          </p:cNvPicPr>
+          <p:nvPr/>
+        </p:nvPicPr>
+        <p:blipFill>
+          <a:blip r:embed="rId3"/>
+          <a:stretch>
+            <a:fillRect/>
+          </a:stretch>
+        </p:blipFill>
+        <p:spPr>
+          <a:xfrm>
+            <a:off x="3448030" y="2673313"/>
+            <a:ext cx="647719" cy="2389859"/>
+          </a:xfrm>
+          <a:prstGeom prst="rect">
+            <a:avLst/>
+          </a:prstGeom>
+        </p:spPr>
+      </p:pic>
+      <p:sp>
+        <p:nvSpPr>
+          <p:cNvPr id="15" name="Equals 4">
+            <a:extLst>
+              <a:ext uri="{FF2B5EF4-FFF2-40B4-BE49-F238E27FC236}">
+                <a16:creationId xmlns:a16="http://schemas.microsoft.com/office/drawing/2014/main" id="{8DFB079C-C907-4273-94BC-8456CC4F2E2D}"/>
+              </a:ext>
+            </a:extLst>
+          </p:cNvPr>
+          <p:cNvSpPr txBox="1"/>
+          <p:nvPr/>
+        </p:nvSpPr>
+        <p:spPr>
+          <a:xfrm rot="16200000">
+            <a:off x="2849420" y="3723223"/>
+            <a:ext cx="359039" cy="287271"/>
+          </a:xfrm>
+          <a:prstGeom prst="downArrow">
+            <a:avLst/>
+          </a:prstGeom>
+          <a:solidFill>
+            <a:srgbClr val="C00000"/>
+          </a:solidFill>
+        </p:spPr>
+        <p:style>
+          <a:lnRef idx="0">
+            <a:scrgbClr r="0" g="0" b="0"/>
+          </a:lnRef>
+          <a:fillRef idx="0">
+            <a:scrgbClr r="0" g="0" b="0"/>
+          </a:fillRef>
+          <a:effectRef idx="0">
+            <a:scrgbClr r="0" g="0" b="0"/>
+          </a:effectRef>
+          <a:fontRef idx="minor">
+            <a:schemeClr val="dk1">
+              <a:hueOff val="0"/>
+              <a:satOff val="0"/>
+              <a:lumOff val="0"/>
+              <a:alphaOff val="0"/>
+            </a:schemeClr>
+          </a:fontRef>
+        </p:style>
+        <p:txBody>
+          <a:bodyPr spcFirstLastPara="0" vert="horz" wrap="square" lIns="0" tIns="0" rIns="0" bIns="0" numCol="1" spcCol="1270" anchor="ctr" anchorCtr="0">
+            <a:noAutofit/>
+          </a:bodyPr>
+          <a:lstStyle/>
+          <a:p>
+            <a:pPr marL="0" lvl="0" indent="0" algn="ctr" defTabSz="488950">
+              <a:lnSpc>
+                <a:spcPct val="90000"/>
+              </a:lnSpc>
+              <a:spcBef>
+                <a:spcPct val="0"/>
+              </a:spcBef>
+              <a:spcAft>
+                <a:spcPct val="35000"/>
+              </a:spcAft>
+              <a:buNone/>
+            </a:pPr>
+            <a:endParaRPr lang="en-US" sz="1100" kern="1200"/>
+          </a:p>
+        </p:txBody>
+      </p:sp>
+      <p:sp>
+        <p:nvSpPr>
+          <p:cNvPr id="18" name="TextBox 17">
+            <a:extLst>
+              <a:ext uri="{FF2B5EF4-FFF2-40B4-BE49-F238E27FC236}">
+                <a16:creationId xmlns:a16="http://schemas.microsoft.com/office/drawing/2014/main" id="{3485E101-A320-4672-8E48-7C3861AD7A8D}"/>
+              </a:ext>
+            </a:extLst>
+          </p:cNvPr>
+          <p:cNvSpPr txBox="1"/>
+          <p:nvPr/>
+        </p:nvSpPr>
+        <p:spPr>
+          <a:xfrm>
+            <a:off x="2275693" y="5064069"/>
+            <a:ext cx="1456575" cy="369332"/>
+          </a:xfrm>
+          <a:prstGeom prst="rect">
+            <a:avLst/>
+          </a:prstGeom>
+          <a:noFill/>
+        </p:spPr>
+        <p:txBody>
+          <a:bodyPr wrap="square" rtlCol="0">
+            <a:spAutoFit/>
+          </a:bodyPr>
+          <a:lstStyle/>
+          <a:p>
+            <a:r>
+              <a:rPr lang="en-US" dirty="0"/>
+              <a:t>Extract year</a:t>
+            </a:r>
+          </a:p>
+        </p:txBody>
+      </p:sp>
+      <p:sp>
+        <p:nvSpPr>
+          <p:cNvPr id="19" name="TextBox 18">
+            <a:extLst>
+              <a:ext uri="{FF2B5EF4-FFF2-40B4-BE49-F238E27FC236}">
+                <a16:creationId xmlns:a16="http://schemas.microsoft.com/office/drawing/2014/main" id="{A26E91EF-03E0-427F-81B1-8CE4AB0D6274}"/>
+              </a:ext>
+            </a:extLst>
+          </p:cNvPr>
+          <p:cNvSpPr txBox="1"/>
+          <p:nvPr/>
+        </p:nvSpPr>
+        <p:spPr>
+          <a:xfrm>
+            <a:off x="5539912" y="5060406"/>
+            <a:ext cx="1456575" cy="369332"/>
+          </a:xfrm>
+          <a:prstGeom prst="rect">
+            <a:avLst/>
+          </a:prstGeom>
+          <a:noFill/>
+        </p:spPr>
+        <p:txBody>
+          <a:bodyPr wrap="square" rtlCol="0">
+            <a:spAutoFit/>
+          </a:bodyPr>
+          <a:lstStyle/>
+          <a:p>
+            <a:r>
+              <a:rPr lang="en-US" dirty="0"/>
+              <a:t>B.E. to A.D</a:t>
+            </a:r>
+          </a:p>
+        </p:txBody>
+      </p:sp>
+    </p:spTree>
+    <p:extLst>
+      <p:ext uri="{BB962C8B-B14F-4D97-AF65-F5344CB8AC3E}">
+        <p14:creationId xmlns:p14="http://schemas.microsoft.com/office/powerpoint/2010/main" val="319577151"/>
+      </p:ext>
+    </p:extLst>
+  </p:cSld>
+  <p:clrMapOvr>
+    <a:masterClrMapping/>
+  </p:clrMapOvr>
+</p:sld>
+</file>
+
+<file path=ppt/slides/slide8.xml><?xml version="1.0" encoding="utf-8"?>
+<p:sld xmlns:a="http://schemas.openxmlformats.org/drawingml/2006/main" xmlns:r="http://schemas.openxmlformats.org/officeDocument/2006/relationships" xmlns:p="http://schemas.openxmlformats.org/presentationml/2006/main">
+  <p:cSld>
+    <p:spTree>
+      <p:nvGrpSpPr>
+        <p:cNvPr id="1" name=""/>
+        <p:cNvGrpSpPr/>
+        <p:nvPr/>
+      </p:nvGrpSpPr>
+      <p:grpSpPr>
+        <a:xfrm>
+          <a:off x="0" y="0"/>
+          <a:ext cx="0" cy="0"/>
+          <a:chOff x="0" y="0"/>
+          <a:chExt cx="0" cy="0"/>
+        </a:xfrm>
+      </p:grpSpPr>
+      <p:sp>
+        <p:nvSpPr>
+          <p:cNvPr id="2" name="Title 1">
+            <a:extLst>
+              <a:ext uri="{FF2B5EF4-FFF2-40B4-BE49-F238E27FC236}">
+                <a16:creationId xmlns:a16="http://schemas.microsoft.com/office/drawing/2014/main" id="{7B5AF8A3-688C-4433-B27C-1BC216F81801}"/>
+              </a:ext>
+            </a:extLst>
+          </p:cNvPr>
+          <p:cNvSpPr>
+            <a:spLocks noGrp="1"/>
+          </p:cNvSpPr>
+          <p:nvPr>
+            <p:ph type="title"/>
+          </p:nvPr>
+        </p:nvSpPr>
+        <p:spPr/>
+        <p:txBody>
+          <a:bodyPr/>
+          <a:lstStyle/>
+          <a:p>
+            <a:r>
+              <a:rPr lang="en-US" dirty="0"/>
+              <a:t>Data preprocessing</a:t>
+            </a:r>
+          </a:p>
+        </p:txBody>
+      </p:sp>
+      <p:sp>
+        <p:nvSpPr>
+          <p:cNvPr id="6" name="Content Placeholder 2">
+            <a:extLst>
+              <a:ext uri="{FF2B5EF4-FFF2-40B4-BE49-F238E27FC236}">
+                <a16:creationId xmlns:a16="http://schemas.microsoft.com/office/drawing/2014/main" id="{2CB017C7-D5AC-43F3-B369-F7E14A201B1D}"/>
+              </a:ext>
+            </a:extLst>
+          </p:cNvPr>
+          <p:cNvSpPr>
+            <a:spLocks noGrp="1"/>
+          </p:cNvSpPr>
+          <p:nvPr>
+            <p:ph idx="1"/>
+          </p:nvPr>
+        </p:nvSpPr>
+        <p:spPr>
+          <a:xfrm>
+            <a:off x="838200" y="1825625"/>
+            <a:ext cx="10515600" cy="4351338"/>
+          </a:xfrm>
+        </p:spPr>
+        <p:txBody>
+          <a:bodyPr>
+            <a:normAutofit/>
+          </a:bodyPr>
+          <a:lstStyle/>
+          <a:p>
+            <a:r>
+              <a:rPr lang="en-US" dirty="0"/>
+              <a:t>One hot encoding</a:t>
+            </a:r>
+          </a:p>
+        </p:txBody>
+      </p:sp>
+      <p:sp>
+        <p:nvSpPr>
+          <p:cNvPr id="15" name="Equals 4">
+            <a:extLst>
+              <a:ext uri="{FF2B5EF4-FFF2-40B4-BE49-F238E27FC236}">
+                <a16:creationId xmlns:a16="http://schemas.microsoft.com/office/drawing/2014/main" id="{8DFB079C-C907-4273-94BC-8456CC4F2E2D}"/>
+              </a:ext>
+            </a:extLst>
+          </p:cNvPr>
+          <p:cNvSpPr txBox="1"/>
+          <p:nvPr/>
+        </p:nvSpPr>
+        <p:spPr>
+          <a:xfrm rot="16200000">
+            <a:off x="2849420" y="3723223"/>
+            <a:ext cx="359039" cy="287271"/>
+          </a:xfrm>
+          <a:prstGeom prst="downArrow">
+            <a:avLst/>
+          </a:prstGeom>
+          <a:solidFill>
+            <a:srgbClr val="C00000"/>
+          </a:solidFill>
+        </p:spPr>
+        <p:style>
+          <a:lnRef idx="0">
+            <a:scrgbClr r="0" g="0" b="0"/>
+          </a:lnRef>
+          <a:fillRef idx="0">
+            <a:scrgbClr r="0" g="0" b="0"/>
+          </a:fillRef>
+          <a:effectRef idx="0">
+            <a:scrgbClr r="0" g="0" b="0"/>
+          </a:effectRef>
+          <a:fontRef idx="minor">
+            <a:schemeClr val="dk1">
+              <a:hueOff val="0"/>
+              <a:satOff val="0"/>
+              <a:lumOff val="0"/>
+              <a:alphaOff val="0"/>
+            </a:schemeClr>
+          </a:fontRef>
+        </p:style>
+        <p:txBody>
+          <a:bodyPr spcFirstLastPara="0" vert="horz" wrap="square" lIns="0" tIns="0" rIns="0" bIns="0" numCol="1" spcCol="1270" anchor="ctr" anchorCtr="0">
+            <a:noAutofit/>
+          </a:bodyPr>
+          <a:lstStyle/>
+          <a:p>
+            <a:pPr marL="0" lvl="0" indent="0" algn="ctr" defTabSz="488950">
+              <a:lnSpc>
+                <a:spcPct val="90000"/>
+              </a:lnSpc>
+              <a:spcBef>
+                <a:spcPct val="0"/>
+              </a:spcBef>
+              <a:spcAft>
+                <a:spcPct val="35000"/>
+              </a:spcAft>
+              <a:buNone/>
+            </a:pPr>
+            <a:endParaRPr lang="en-US" sz="1100" kern="1200"/>
+          </a:p>
+        </p:txBody>
+      </p:sp>
+      <p:sp>
+        <p:nvSpPr>
+          <p:cNvPr id="18" name="TextBox 17">
+            <a:extLst>
+              <a:ext uri="{FF2B5EF4-FFF2-40B4-BE49-F238E27FC236}">
+                <a16:creationId xmlns:a16="http://schemas.microsoft.com/office/drawing/2014/main" id="{3485E101-A320-4672-8E48-7C3861AD7A8D}"/>
+              </a:ext>
+            </a:extLst>
+          </p:cNvPr>
+          <p:cNvSpPr txBox="1"/>
+          <p:nvPr/>
+        </p:nvSpPr>
+        <p:spPr>
+          <a:xfrm>
+            <a:off x="2275693" y="5064069"/>
+            <a:ext cx="1456575" cy="369332"/>
+          </a:xfrm>
+          <a:prstGeom prst="rect">
+            <a:avLst/>
+          </a:prstGeom>
+          <a:noFill/>
+        </p:spPr>
+        <p:txBody>
+          <a:bodyPr wrap="square" rtlCol="0">
+            <a:spAutoFit/>
+          </a:bodyPr>
+          <a:lstStyle/>
+          <a:p>
+            <a:r>
+              <a:rPr lang="en-US" dirty="0"/>
+              <a:t>Extract year</a:t>
+            </a:r>
+          </a:p>
+        </p:txBody>
+      </p:sp>
+      <p:pic>
+        <p:nvPicPr>
+          <p:cNvPr id="4" name="Picture 3">
+            <a:extLst>
+              <a:ext uri="{FF2B5EF4-FFF2-40B4-BE49-F238E27FC236}">
+                <a16:creationId xmlns:a16="http://schemas.microsoft.com/office/drawing/2014/main" id="{2B9DEBE0-00E2-45F2-BAAC-239AD699D13C}"/>
+              </a:ext>
+            </a:extLst>
+          </p:cNvPr>
+          <p:cNvPicPr>
+            <a:picLocks noChangeAspect="1"/>
+          </p:cNvPicPr>
+          <p:nvPr/>
+        </p:nvPicPr>
+        <p:blipFill>
+          <a:blip r:embed="rId2"/>
+          <a:stretch>
+            <a:fillRect/>
+          </a:stretch>
+        </p:blipFill>
+        <p:spPr>
+          <a:xfrm>
+            <a:off x="1692258" y="2475023"/>
+            <a:ext cx="822341" cy="2424632"/>
+          </a:xfrm>
+          <a:prstGeom prst="rect">
+            <a:avLst/>
+          </a:prstGeom>
+        </p:spPr>
+      </p:pic>
+      <p:pic>
+        <p:nvPicPr>
+          <p:cNvPr id="8" name="Picture 7">
+            <a:extLst>
+              <a:ext uri="{FF2B5EF4-FFF2-40B4-BE49-F238E27FC236}">
+                <a16:creationId xmlns:a16="http://schemas.microsoft.com/office/drawing/2014/main" id="{26EB9C02-A597-44A6-BDA7-D96596E4DE46}"/>
+              </a:ext>
+            </a:extLst>
+          </p:cNvPr>
+          <p:cNvPicPr>
+            <a:picLocks noChangeAspect="1"/>
+          </p:cNvPicPr>
+          <p:nvPr/>
+        </p:nvPicPr>
+        <p:blipFill>
+          <a:blip r:embed="rId3"/>
+          <a:stretch>
+            <a:fillRect/>
+          </a:stretch>
+        </p:blipFill>
+        <p:spPr>
+          <a:xfrm>
+            <a:off x="3543280" y="2659803"/>
+            <a:ext cx="5825385" cy="2239852"/>
+          </a:xfrm>
+          <a:prstGeom prst="rect">
+            <a:avLst/>
+          </a:prstGeom>
+          <a:effectLst>
+            <a:glow rad="228600">
+              <a:schemeClr val="accent6">
+                <a:satMod val="175000"/>
+                <a:alpha val="40000"/>
+              </a:schemeClr>
+            </a:glow>
+          </a:effectLst>
+        </p:spPr>
+      </p:pic>
+    </p:spTree>
+    <p:extLst>
+      <p:ext uri="{BB962C8B-B14F-4D97-AF65-F5344CB8AC3E}">
+        <p14:creationId xmlns:p14="http://schemas.microsoft.com/office/powerpoint/2010/main" val="3312985341"/>
+      </p:ext>
+    </p:extLst>
+  </p:cSld>
+  <p:clrMapOvr>
+    <a:masterClrMapping/>
+  </p:clrMapOvr>
+</p:sld>
+</file>
+
+<file path=ppt/slides/slide9.xml><?xml version="1.0" encoding="utf-8"?>
+<p:sld xmlns:a="http://schemas.openxmlformats.org/drawingml/2006/main" xmlns:r="http://schemas.openxmlformats.org/officeDocument/2006/relationships" xmlns:p="http://schemas.openxmlformats.org/presentationml/2006/main">
+  <p:cSld>
+    <p:spTree>
+      <p:nvGrpSpPr>
+        <p:cNvPr id="1" name=""/>
+        <p:cNvGrpSpPr/>
+        <p:nvPr/>
+      </p:nvGrpSpPr>
+      <p:grpSpPr>
+        <a:xfrm>
+          <a:off x="0" y="0"/>
+          <a:ext cx="0" cy="0"/>
+          <a:chOff x="0" y="0"/>
+          <a:chExt cx="0" cy="0"/>
+        </a:xfrm>
+      </p:grpSpPr>
+      <p:sp>
+        <p:nvSpPr>
+          <p:cNvPr id="2" name="Title 1">
+            <a:extLst>
+              <a:ext uri="{FF2B5EF4-FFF2-40B4-BE49-F238E27FC236}">
+                <a16:creationId xmlns:a16="http://schemas.microsoft.com/office/drawing/2014/main" id="{7B5AF8A3-688C-4433-B27C-1BC216F81801}"/>
+              </a:ext>
+            </a:extLst>
+          </p:cNvPr>
+          <p:cNvSpPr>
+            <a:spLocks noGrp="1"/>
+          </p:cNvSpPr>
+          <p:nvPr>
+            <p:ph type="title"/>
+          </p:nvPr>
+        </p:nvSpPr>
+        <p:spPr/>
+        <p:txBody>
+          <a:bodyPr/>
+          <a:lstStyle/>
+          <a:p>
+            <a:r>
+              <a:rPr lang="en-US" dirty="0"/>
+              <a:t>Data preprocessing</a:t>
+            </a:r>
+          </a:p>
+        </p:txBody>
+      </p:sp>
+      <p:graphicFrame>
+        <p:nvGraphicFramePr>
+          <p:cNvPr id="4" name="Diagram 3">
+            <a:extLst>
+              <a:ext uri="{FF2B5EF4-FFF2-40B4-BE49-F238E27FC236}">
+                <a16:creationId xmlns:a16="http://schemas.microsoft.com/office/drawing/2014/main" id="{F92A9884-09C3-4051-8114-ED7F68D0B546}"/>
+              </a:ext>
+            </a:extLst>
+          </p:cNvPr>
+          <p:cNvGraphicFramePr/>
+          <p:nvPr/>
+        </p:nvGraphicFramePr>
+        <p:xfrm>
+          <a:off x="2032000" y="719666"/>
+          <a:ext cx="8128000" cy="5418667"/>
+        </p:xfrm>
+        <a:graphic>
+          <a:graphicData uri="http://schemas.openxmlformats.org/drawingml/2006/diagram">
+            <dgm:relIds xmlns:dgm="http://schemas.openxmlformats.org/drawingml/2006/diagram" xmlns:r="http://schemas.openxmlformats.org/officeDocument/2006/relationships" r:dm="rId2" r:lo="rId3" r:qs="rId4" r:cs="rId5"/>
+          </a:graphicData>
+        </a:graphic>
+      </p:graphicFrame>
+    </p:spTree>
+    <p:extLst>
+      <p:ext uri="{BB962C8B-B14F-4D97-AF65-F5344CB8AC3E}">
+        <p14:creationId xmlns:p14="http://schemas.microsoft.com/office/powerpoint/2010/main" val="1249659327"/>
       </p:ext>
     </p:extLst>
   </p:cSld>

--- a/Presentation.pptx
+++ b/Presentation.pptx
@@ -7,21 +7,21 @@
   <p:sldIdLst>
     <p:sldId id="256" r:id="rId2"/>
     <p:sldId id="257" r:id="rId3"/>
-    <p:sldId id="267" r:id="rId4"/>
+    <p:sldId id="276" r:id="rId4"/>
     <p:sldId id="268" r:id="rId5"/>
-    <p:sldId id="263" r:id="rId6"/>
-    <p:sldId id="271" r:id="rId7"/>
-    <p:sldId id="274" r:id="rId8"/>
-    <p:sldId id="275" r:id="rId9"/>
-    <p:sldId id="276" r:id="rId10"/>
+    <p:sldId id="267" r:id="rId6"/>
+    <p:sldId id="280" r:id="rId7"/>
+    <p:sldId id="271" r:id="rId8"/>
+    <p:sldId id="274" r:id="rId9"/>
+    <p:sldId id="275" r:id="rId10"/>
     <p:sldId id="272" r:id="rId11"/>
     <p:sldId id="266" r:id="rId12"/>
     <p:sldId id="273" r:id="rId13"/>
     <p:sldId id="264" r:id="rId14"/>
     <p:sldId id="269" r:id="rId15"/>
-    <p:sldId id="265" r:id="rId16"/>
-    <p:sldId id="260" r:id="rId17"/>
-    <p:sldId id="262" r:id="rId18"/>
+    <p:sldId id="281" r:id="rId16"/>
+    <p:sldId id="262" r:id="rId17"/>
+    <p:sldId id="282" r:id="rId18"/>
     <p:sldId id="258" r:id="rId19"/>
     <p:sldId id="278" r:id="rId20"/>
   </p:sldIdLst>
@@ -124,7 +124,18 @@
   </p:defaultTextStyle>
   <p:extLst>
     <p:ext uri="{EFAFB233-063F-42B5-8137-9DF3F51BA10A}">
-      <p15:sldGuideLst xmlns:p15="http://schemas.microsoft.com/office/powerpoint/2012/main"/>
+      <p15:sldGuideLst xmlns:p15="http://schemas.microsoft.com/office/powerpoint/2012/main">
+        <p15:guide id="1" orient="horz" pos="2160" userDrawn="1">
+          <p15:clr>
+            <a:srgbClr val="A4A3A4"/>
+          </p15:clr>
+        </p15:guide>
+        <p15:guide id="2" pos="3840" userDrawn="1">
+          <p15:clr>
+            <a:srgbClr val="A4A3A4"/>
+          </p15:clr>
+        </p15:guide>
+      </p15:sldGuideLst>
     </p:ext>
   </p:extLst>
 </p:presentation>
@@ -165,11 +176,19 @@
             </a:pPr>
             <a:r>
               <a:rPr lang="en-US" dirty="0"/>
+              <a:t>Sample</a:t>
+            </a:r>
+            <a:r>
+              <a:rPr lang="en-US" baseline="0" dirty="0"/>
+              <a:t> of some province </a:t>
+            </a:r>
+            <a:r>
+              <a:rPr lang="en-US" dirty="0"/>
               <a:t>Patient</a:t>
             </a:r>
             <a:r>
               <a:rPr lang="en-US" baseline="0" dirty="0"/>
-              <a:t> and rain</a:t>
+              <a:t> and Rainfall</a:t>
             </a:r>
             <a:endParaRPr lang="en-US" dirty="0"/>
           </a:p>
@@ -315,7 +334,442 @@
           <c:spPr>
             <a:ln w="28575" cap="rnd">
               <a:solidFill>
-                <a:schemeClr val="accent3"/>
+                <a:srgbClr val="FF0066"/>
+              </a:solidFill>
+              <a:round/>
+            </a:ln>
+            <a:effectLst/>
+          </c:spPr>
+          <c:marker>
+            <c:symbol val="none"/>
+          </c:marker>
+          <c:cat>
+            <c:strRef>
+              <c:f>Sheet1!$A$2:$A$5</c:f>
+              <c:strCache>
+                <c:ptCount val="4"/>
+                <c:pt idx="0">
+                  <c:v>June</c:v>
+                </c:pt>
+                <c:pt idx="1">
+                  <c:v>August</c:v>
+                </c:pt>
+                <c:pt idx="2">
+                  <c:v>September</c:v>
+                </c:pt>
+                <c:pt idx="3">
+                  <c:v>October</c:v>
+                </c:pt>
+              </c:strCache>
+            </c:strRef>
+          </c:cat>
+          <c:val>
+            <c:numRef>
+              <c:f>Sheet1!$D$2:$D$5</c:f>
+              <c:numCache>
+                <c:formatCode>General</c:formatCode>
+                <c:ptCount val="4"/>
+                <c:pt idx="0">
+                  <c:v>2</c:v>
+                </c:pt>
+                <c:pt idx="1">
+                  <c:v>3</c:v>
+                </c:pt>
+                <c:pt idx="2">
+                  <c:v>3.5</c:v>
+                </c:pt>
+                <c:pt idx="3">
+                  <c:v>5</c:v>
+                </c:pt>
+              </c:numCache>
+            </c:numRef>
+          </c:val>
+          <c:smooth val="0"/>
+          <c:extLst>
+            <c:ext xmlns:c16="http://schemas.microsoft.com/office/drawing/2014/chart" uri="{C3380CC4-5D6E-409C-BE32-E72D297353CC}">
+              <c16:uniqueId val="{00000002-41A1-4383-A2A9-F0CEF9BB44DF}"/>
+            </c:ext>
+          </c:extLst>
+        </c:ser>
+        <c:dLbls>
+          <c:showLegendKey val="0"/>
+          <c:showVal val="0"/>
+          <c:showCatName val="0"/>
+          <c:showSerName val="0"/>
+          <c:showPercent val="0"/>
+          <c:showBubbleSize val="0"/>
+        </c:dLbls>
+        <c:marker val="1"/>
+        <c:smooth val="0"/>
+        <c:axId val="614788192"/>
+        <c:axId val="614791104"/>
+      </c:lineChart>
+      <c:catAx>
+        <c:axId val="614788192"/>
+        <c:scaling>
+          <c:orientation val="minMax"/>
+        </c:scaling>
+        <c:delete val="0"/>
+        <c:axPos val="b"/>
+        <c:numFmt formatCode="General" sourceLinked="1"/>
+        <c:majorTickMark val="none"/>
+        <c:minorTickMark val="none"/>
+        <c:tickLblPos val="nextTo"/>
+        <c:spPr>
+          <a:noFill/>
+          <a:ln w="9525" cap="flat" cmpd="sng" algn="ctr">
+            <a:solidFill>
+              <a:schemeClr val="tx1">
+                <a:lumMod val="15000"/>
+                <a:lumOff val="85000"/>
+              </a:schemeClr>
+            </a:solidFill>
+            <a:round/>
+          </a:ln>
+          <a:effectLst/>
+        </c:spPr>
+        <c:txPr>
+          <a:bodyPr rot="-60000000" spcFirstLastPara="1" vertOverflow="ellipsis" vert="horz" wrap="square" anchor="ctr" anchorCtr="1"/>
+          <a:lstStyle/>
+          <a:p>
+            <a:pPr>
+              <a:defRPr sz="1197" b="0" i="0" u="none" strike="noStrike" kern="1200" baseline="0">
+                <a:solidFill>
+                  <a:schemeClr val="tx1">
+                    <a:lumMod val="65000"/>
+                    <a:lumOff val="35000"/>
+                  </a:schemeClr>
+                </a:solidFill>
+                <a:latin typeface="+mn-lt"/>
+                <a:ea typeface="+mn-ea"/>
+                <a:cs typeface="+mn-cs"/>
+              </a:defRPr>
+            </a:pPr>
+            <a:endParaRPr lang="en-US"/>
+          </a:p>
+        </c:txPr>
+        <c:crossAx val="614791104"/>
+        <c:crosses val="autoZero"/>
+        <c:auto val="1"/>
+        <c:lblAlgn val="ctr"/>
+        <c:lblOffset val="100"/>
+        <c:noMultiLvlLbl val="0"/>
+      </c:catAx>
+      <c:valAx>
+        <c:axId val="614791104"/>
+        <c:scaling>
+          <c:orientation val="minMax"/>
+        </c:scaling>
+        <c:delete val="0"/>
+        <c:axPos val="l"/>
+        <c:majorGridlines>
+          <c:spPr>
+            <a:ln w="9525" cap="flat" cmpd="sng" algn="ctr">
+              <a:solidFill>
+                <a:schemeClr val="tx1">
+                  <a:lumMod val="15000"/>
+                  <a:lumOff val="85000"/>
+                </a:schemeClr>
+              </a:solidFill>
+              <a:round/>
+            </a:ln>
+            <a:effectLst/>
+          </c:spPr>
+        </c:majorGridlines>
+        <c:numFmt formatCode="General" sourceLinked="1"/>
+        <c:majorTickMark val="none"/>
+        <c:minorTickMark val="none"/>
+        <c:tickLblPos val="nextTo"/>
+        <c:spPr>
+          <a:noFill/>
+          <a:ln>
+            <a:noFill/>
+          </a:ln>
+          <a:effectLst/>
+        </c:spPr>
+        <c:txPr>
+          <a:bodyPr rot="-60000000" spcFirstLastPara="1" vertOverflow="ellipsis" vert="horz" wrap="square" anchor="ctr" anchorCtr="1"/>
+          <a:lstStyle/>
+          <a:p>
+            <a:pPr>
+              <a:defRPr sz="1197" b="0" i="0" u="none" strike="noStrike" kern="1200" baseline="0">
+                <a:solidFill>
+                  <a:schemeClr val="tx1">
+                    <a:lumMod val="65000"/>
+                    <a:lumOff val="35000"/>
+                  </a:schemeClr>
+                </a:solidFill>
+                <a:latin typeface="+mn-lt"/>
+                <a:ea typeface="+mn-ea"/>
+                <a:cs typeface="+mn-cs"/>
+              </a:defRPr>
+            </a:pPr>
+            <a:endParaRPr lang="en-US"/>
+          </a:p>
+        </c:txPr>
+        <c:crossAx val="614788192"/>
+        <c:crosses val="autoZero"/>
+        <c:crossBetween val="between"/>
+      </c:valAx>
+      <c:spPr>
+        <a:noFill/>
+        <a:ln>
+          <a:noFill/>
+        </a:ln>
+        <a:effectLst/>
+      </c:spPr>
+    </c:plotArea>
+    <c:legend>
+      <c:legendPos val="b"/>
+      <c:overlay val="0"/>
+      <c:spPr>
+        <a:noFill/>
+        <a:ln>
+          <a:noFill/>
+        </a:ln>
+        <a:effectLst/>
+      </c:spPr>
+      <c:txPr>
+        <a:bodyPr rot="0" spcFirstLastPara="1" vertOverflow="ellipsis" vert="horz" wrap="square" anchor="ctr" anchorCtr="1"/>
+        <a:lstStyle/>
+        <a:p>
+          <a:pPr>
+            <a:defRPr sz="1197" b="0" i="0" u="none" strike="noStrike" kern="1200" baseline="0">
+              <a:solidFill>
+                <a:schemeClr val="tx1">
+                  <a:lumMod val="65000"/>
+                  <a:lumOff val="35000"/>
+                </a:schemeClr>
+              </a:solidFill>
+              <a:latin typeface="+mn-lt"/>
+              <a:ea typeface="+mn-ea"/>
+              <a:cs typeface="+mn-cs"/>
+            </a:defRPr>
+          </a:pPr>
+          <a:endParaRPr lang="en-US"/>
+        </a:p>
+      </c:txPr>
+    </c:legend>
+    <c:plotVisOnly val="1"/>
+    <c:dispBlanksAs val="gap"/>
+    <c:extLst>
+      <c:ext xmlns:c16r3="http://schemas.microsoft.com/office/drawing/2017/03/chart" uri="{56B9EC1D-385E-4148-901F-78D8002777C0}">
+        <c16r3:dataDisplayOptions16>
+          <c16r3:dispNaAsBlank val="1"/>
+        </c16r3:dataDisplayOptions16>
+      </c:ext>
+    </c:extLst>
+    <c:showDLblsOverMax val="0"/>
+  </c:chart>
+  <c:spPr>
+    <a:noFill/>
+    <a:ln>
+      <a:noFill/>
+    </a:ln>
+    <a:effectLst/>
+  </c:spPr>
+  <c:txPr>
+    <a:bodyPr/>
+    <a:lstStyle/>
+    <a:p>
+      <a:pPr>
+        <a:defRPr/>
+      </a:pPr>
+      <a:endParaRPr lang="en-US"/>
+    </a:p>
+  </c:txPr>
+  <c:externalData r:id="rId3">
+    <c:autoUpdate val="0"/>
+  </c:externalData>
+</c:chartSpace>
+</file>
+
+<file path=ppt/charts/chart2.xml><?xml version="1.0" encoding="utf-8"?>
+<c:chartSpace xmlns:c="http://schemas.openxmlformats.org/drawingml/2006/chart" xmlns:a="http://schemas.openxmlformats.org/drawingml/2006/main" xmlns:r="http://schemas.openxmlformats.org/officeDocument/2006/relationships" xmlns:c16r2="http://schemas.microsoft.com/office/drawing/2015/06/chart">
+  <c:date1904 val="0"/>
+  <c:lang val="en-US"/>
+  <c:roundedCorners val="0"/>
+  <mc:AlternateContent xmlns:mc="http://schemas.openxmlformats.org/markup-compatibility/2006">
+    <mc:Choice xmlns:c14="http://schemas.microsoft.com/office/drawing/2007/8/2/chart" Requires="c14">
+      <c14:style val="102"/>
+    </mc:Choice>
+    <mc:Fallback>
+      <c:style val="2"/>
+    </mc:Fallback>
+  </mc:AlternateContent>
+  <c:chart>
+    <c:title>
+      <c:tx>
+        <c:rich>
+          <a:bodyPr rot="0" spcFirstLastPara="1" vertOverflow="ellipsis" vert="horz" wrap="square" anchor="ctr" anchorCtr="1"/>
+          <a:lstStyle/>
+          <a:p>
+            <a:pPr>
+              <a:defRPr sz="1862" b="0" i="0" u="none" strike="noStrike" kern="1200" spc="0" baseline="0">
+                <a:solidFill>
+                  <a:schemeClr val="tx1">
+                    <a:lumMod val="65000"/>
+                    <a:lumOff val="35000"/>
+                  </a:schemeClr>
+                </a:solidFill>
+                <a:latin typeface="+mn-lt"/>
+                <a:ea typeface="+mn-ea"/>
+                <a:cs typeface="+mn-cs"/>
+              </a:defRPr>
+            </a:pPr>
+            <a:r>
+              <a:rPr lang="th-TH" dirty="0"/>
+              <a:t>แสดงกราฟของจังหวัดที่</a:t>
+            </a:r>
+            <a:r>
+              <a:rPr lang="th-TH" baseline="0" dirty="0"/>
+              <a:t> จำนวนผู้ป่วย ไม่สอดคล้องกับ ปริมาณน้ำฝน</a:t>
+            </a:r>
+            <a:endParaRPr lang="en-US" dirty="0"/>
+          </a:p>
+        </c:rich>
+      </c:tx>
+      <c:overlay val="0"/>
+      <c:spPr>
+        <a:noFill/>
+        <a:ln>
+          <a:noFill/>
+        </a:ln>
+        <a:effectLst/>
+      </c:spPr>
+      <c:txPr>
+        <a:bodyPr rot="0" spcFirstLastPara="1" vertOverflow="ellipsis" vert="horz" wrap="square" anchor="ctr" anchorCtr="1"/>
+        <a:lstStyle/>
+        <a:p>
+          <a:pPr>
+            <a:defRPr sz="1862" b="0" i="0" u="none" strike="noStrike" kern="1200" spc="0" baseline="0">
+              <a:solidFill>
+                <a:schemeClr val="tx1">
+                  <a:lumMod val="65000"/>
+                  <a:lumOff val="35000"/>
+                </a:schemeClr>
+              </a:solidFill>
+              <a:latin typeface="+mn-lt"/>
+              <a:ea typeface="+mn-ea"/>
+              <a:cs typeface="+mn-cs"/>
+            </a:defRPr>
+          </a:pPr>
+          <a:endParaRPr lang="en-US"/>
+        </a:p>
+      </c:txPr>
+    </c:title>
+    <c:autoTitleDeleted val="0"/>
+    <c:plotArea>
+      <c:layout/>
+      <c:barChart>
+        <c:barDir val="col"/>
+        <c:grouping val="clustered"/>
+        <c:varyColors val="0"/>
+        <c:ser>
+          <c:idx val="1"/>
+          <c:order val="0"/>
+          <c:tx>
+            <c:strRef>
+              <c:f>Sheet1!$C$1</c:f>
+              <c:strCache>
+                <c:ptCount val="1"/>
+                <c:pt idx="0">
+                  <c:v>Rain</c:v>
+                </c:pt>
+              </c:strCache>
+            </c:strRef>
+          </c:tx>
+          <c:spPr>
+            <a:solidFill>
+              <a:schemeClr val="accent2"/>
+            </a:solidFill>
+            <a:ln>
+              <a:noFill/>
+            </a:ln>
+            <a:effectLst/>
+          </c:spPr>
+          <c:invertIfNegative val="0"/>
+          <c:cat>
+            <c:strRef>
+              <c:f>Sheet1!$A$2:$A$5</c:f>
+              <c:strCache>
+                <c:ptCount val="4"/>
+                <c:pt idx="0">
+                  <c:v>June</c:v>
+                </c:pt>
+                <c:pt idx="1">
+                  <c:v>August</c:v>
+                </c:pt>
+                <c:pt idx="2">
+                  <c:v>September</c:v>
+                </c:pt>
+                <c:pt idx="3">
+                  <c:v>October</c:v>
+                </c:pt>
+              </c:strCache>
+            </c:strRef>
+          </c:cat>
+          <c:val>
+            <c:numRef>
+              <c:f>Sheet1!$C$2:$C$5</c:f>
+              <c:numCache>
+                <c:formatCode>General</c:formatCode>
+                <c:ptCount val="4"/>
+                <c:pt idx="0">
+                  <c:v>2.4</c:v>
+                </c:pt>
+                <c:pt idx="1">
+                  <c:v>2</c:v>
+                </c:pt>
+                <c:pt idx="2">
+                  <c:v>4</c:v>
+                </c:pt>
+                <c:pt idx="3">
+                  <c:v>5</c:v>
+                </c:pt>
+              </c:numCache>
+            </c:numRef>
+          </c:val>
+          <c:extLst>
+            <c:ext xmlns:c16="http://schemas.microsoft.com/office/drawing/2014/chart" uri="{C3380CC4-5D6E-409C-BE32-E72D297353CC}">
+              <c16:uniqueId val="{00000001-41A1-4383-A2A9-F0CEF9BB44DF}"/>
+            </c:ext>
+          </c:extLst>
+        </c:ser>
+        <c:dLbls>
+          <c:showLegendKey val="0"/>
+          <c:showVal val="0"/>
+          <c:showCatName val="0"/>
+          <c:showSerName val="0"/>
+          <c:showPercent val="0"/>
+          <c:showBubbleSize val="0"/>
+        </c:dLbls>
+        <c:gapWidth val="219"/>
+        <c:overlap val="-27"/>
+        <c:axId val="614788192"/>
+        <c:axId val="614791104"/>
+      </c:barChart>
+      <c:lineChart>
+        <c:grouping val="standard"/>
+        <c:varyColors val="0"/>
+        <c:ser>
+          <c:idx val="2"/>
+          <c:order val="1"/>
+          <c:tx>
+            <c:strRef>
+              <c:f>Sheet1!$D$1</c:f>
+              <c:strCache>
+                <c:ptCount val="1"/>
+                <c:pt idx="0">
+                  <c:v>Patient</c:v>
+                </c:pt>
+              </c:strCache>
+            </c:strRef>
+          </c:tx>
+          <c:spPr>
+            <a:ln w="28575" cap="rnd">
+              <a:solidFill>
+                <a:srgbClr val="FF0066"/>
               </a:solidFill>
               <a:round/>
             </a:ln>
@@ -605,7 +1059,550 @@
 </cs:colorStyle>
 </file>
 
+<file path=ppt/charts/colors2.xml><?xml version="1.0" encoding="utf-8"?>
+<cs:colorStyle xmlns:cs="http://schemas.microsoft.com/office/drawing/2012/chartStyle" xmlns:a="http://schemas.openxmlformats.org/drawingml/2006/main" meth="cycle" id="10">
+  <a:schemeClr val="accent1"/>
+  <a:schemeClr val="accent2"/>
+  <a:schemeClr val="accent3"/>
+  <a:schemeClr val="accent4"/>
+  <a:schemeClr val="accent5"/>
+  <a:schemeClr val="accent6"/>
+  <cs:variation/>
+  <cs:variation>
+    <a:lumMod val="60000"/>
+  </cs:variation>
+  <cs:variation>
+    <a:lumMod val="80000"/>
+    <a:lumOff val="20000"/>
+  </cs:variation>
+  <cs:variation>
+    <a:lumMod val="80000"/>
+  </cs:variation>
+  <cs:variation>
+    <a:lumMod val="60000"/>
+    <a:lumOff val="40000"/>
+  </cs:variation>
+  <cs:variation>
+    <a:lumMod val="50000"/>
+  </cs:variation>
+  <cs:variation>
+    <a:lumMod val="70000"/>
+    <a:lumOff val="30000"/>
+  </cs:variation>
+  <cs:variation>
+    <a:lumMod val="70000"/>
+  </cs:variation>
+  <cs:variation>
+    <a:lumMod val="50000"/>
+    <a:lumOff val="50000"/>
+  </cs:variation>
+</cs:colorStyle>
+</file>
+
 <file path=ppt/charts/style1.xml><?xml version="1.0" encoding="utf-8"?>
+<cs:chartStyle xmlns:cs="http://schemas.microsoft.com/office/drawing/2012/chartStyle" xmlns:a="http://schemas.openxmlformats.org/drawingml/2006/main" id="201">
+  <cs:axisTitle>
+    <cs:lnRef idx="0"/>
+    <cs:fillRef idx="0"/>
+    <cs:effectRef idx="0"/>
+    <cs:fontRef idx="minor">
+      <a:schemeClr val="tx1">
+        <a:lumMod val="65000"/>
+        <a:lumOff val="35000"/>
+      </a:schemeClr>
+    </cs:fontRef>
+    <cs:defRPr sz="1330" kern="1200"/>
+  </cs:axisTitle>
+  <cs:categoryAxis>
+    <cs:lnRef idx="0"/>
+    <cs:fillRef idx="0"/>
+    <cs:effectRef idx="0"/>
+    <cs:fontRef idx="minor">
+      <a:schemeClr val="tx1">
+        <a:lumMod val="65000"/>
+        <a:lumOff val="35000"/>
+      </a:schemeClr>
+    </cs:fontRef>
+    <cs:spPr>
+      <a:ln w="9525" cap="flat" cmpd="sng" algn="ctr">
+        <a:solidFill>
+          <a:schemeClr val="tx1">
+            <a:lumMod val="15000"/>
+            <a:lumOff val="85000"/>
+          </a:schemeClr>
+        </a:solidFill>
+        <a:round/>
+      </a:ln>
+    </cs:spPr>
+    <cs:defRPr sz="1197" kern="1200"/>
+  </cs:categoryAxis>
+  <cs:chartArea mods="allowNoFillOverride allowNoLineOverride">
+    <cs:lnRef idx="0"/>
+    <cs:fillRef idx="0"/>
+    <cs:effectRef idx="0"/>
+    <cs:fontRef idx="minor">
+      <a:schemeClr val="tx1"/>
+    </cs:fontRef>
+    <cs:spPr>
+      <a:solidFill>
+        <a:schemeClr val="bg1"/>
+      </a:solidFill>
+      <a:ln w="9525" cap="flat" cmpd="sng" algn="ctr">
+        <a:solidFill>
+          <a:schemeClr val="tx1">
+            <a:lumMod val="15000"/>
+            <a:lumOff val="85000"/>
+          </a:schemeClr>
+        </a:solidFill>
+        <a:round/>
+      </a:ln>
+    </cs:spPr>
+    <cs:defRPr sz="1330" kern="1200"/>
+  </cs:chartArea>
+  <cs:dataLabel>
+    <cs:lnRef idx="0"/>
+    <cs:fillRef idx="0"/>
+    <cs:effectRef idx="0"/>
+    <cs:fontRef idx="minor">
+      <a:schemeClr val="tx1">
+        <a:lumMod val="75000"/>
+        <a:lumOff val="25000"/>
+      </a:schemeClr>
+    </cs:fontRef>
+    <cs:defRPr sz="1197" kern="1200"/>
+  </cs:dataLabel>
+  <cs:dataLabelCallout>
+    <cs:lnRef idx="0"/>
+    <cs:fillRef idx="0"/>
+    <cs:effectRef idx="0"/>
+    <cs:fontRef idx="minor">
+      <a:schemeClr val="dk1">
+        <a:lumMod val="65000"/>
+        <a:lumOff val="35000"/>
+      </a:schemeClr>
+    </cs:fontRef>
+    <cs:spPr>
+      <a:solidFill>
+        <a:schemeClr val="lt1"/>
+      </a:solidFill>
+      <a:ln>
+        <a:solidFill>
+          <a:schemeClr val="dk1">
+            <a:lumMod val="25000"/>
+            <a:lumOff val="75000"/>
+          </a:schemeClr>
+        </a:solidFill>
+      </a:ln>
+    </cs:spPr>
+    <cs:defRPr sz="1197" kern="1200"/>
+    <cs:bodyPr rot="0" spcFirstLastPara="1" vertOverflow="clip" horzOverflow="clip" vert="horz" wrap="square" lIns="36576" tIns="18288" rIns="36576" bIns="18288" anchor="ctr" anchorCtr="1">
+      <a:spAutoFit/>
+    </cs:bodyPr>
+  </cs:dataLabelCallout>
+  <cs:dataPoint>
+    <cs:lnRef idx="0"/>
+    <cs:fillRef idx="1">
+      <cs:styleClr val="auto"/>
+    </cs:fillRef>
+    <cs:effectRef idx="0"/>
+    <cs:fontRef idx="minor">
+      <a:schemeClr val="tx1"/>
+    </cs:fontRef>
+  </cs:dataPoint>
+  <cs:dataPoint3D>
+    <cs:lnRef idx="0"/>
+    <cs:fillRef idx="1">
+      <cs:styleClr val="auto"/>
+    </cs:fillRef>
+    <cs:effectRef idx="0"/>
+    <cs:fontRef idx="minor">
+      <a:schemeClr val="tx1"/>
+    </cs:fontRef>
+  </cs:dataPoint3D>
+  <cs:dataPointLine>
+    <cs:lnRef idx="0">
+      <cs:styleClr val="auto"/>
+    </cs:lnRef>
+    <cs:fillRef idx="1"/>
+    <cs:effectRef idx="0"/>
+    <cs:fontRef idx="minor">
+      <a:schemeClr val="tx1"/>
+    </cs:fontRef>
+    <cs:spPr>
+      <a:ln w="28575" cap="rnd">
+        <a:solidFill>
+          <a:schemeClr val="phClr"/>
+        </a:solidFill>
+        <a:round/>
+      </a:ln>
+    </cs:spPr>
+  </cs:dataPointLine>
+  <cs:dataPointMarker>
+    <cs:lnRef idx="0">
+      <cs:styleClr val="auto"/>
+    </cs:lnRef>
+    <cs:fillRef idx="1">
+      <cs:styleClr val="auto"/>
+    </cs:fillRef>
+    <cs:effectRef idx="0"/>
+    <cs:fontRef idx="minor">
+      <a:schemeClr val="tx1"/>
+    </cs:fontRef>
+    <cs:spPr>
+      <a:ln w="9525">
+        <a:solidFill>
+          <a:schemeClr val="phClr"/>
+        </a:solidFill>
+      </a:ln>
+    </cs:spPr>
+  </cs:dataPointMarker>
+  <cs:dataPointMarkerLayout symbol="circle" size="5"/>
+  <cs:dataPointWireframe>
+    <cs:lnRef idx="0">
+      <cs:styleClr val="auto"/>
+    </cs:lnRef>
+    <cs:fillRef idx="1"/>
+    <cs:effectRef idx="0"/>
+    <cs:fontRef idx="minor">
+      <a:schemeClr val="tx1"/>
+    </cs:fontRef>
+    <cs:spPr>
+      <a:ln w="9525" cap="rnd">
+        <a:solidFill>
+          <a:schemeClr val="phClr"/>
+        </a:solidFill>
+        <a:round/>
+      </a:ln>
+    </cs:spPr>
+  </cs:dataPointWireframe>
+  <cs:dataTable>
+    <cs:lnRef idx="0"/>
+    <cs:fillRef idx="0"/>
+    <cs:effectRef idx="0"/>
+    <cs:fontRef idx="minor">
+      <a:schemeClr val="tx1">
+        <a:lumMod val="65000"/>
+        <a:lumOff val="35000"/>
+      </a:schemeClr>
+    </cs:fontRef>
+    <cs:spPr>
+      <a:noFill/>
+      <a:ln w="9525" cap="flat" cmpd="sng" algn="ctr">
+        <a:solidFill>
+          <a:schemeClr val="tx1">
+            <a:lumMod val="15000"/>
+            <a:lumOff val="85000"/>
+          </a:schemeClr>
+        </a:solidFill>
+        <a:round/>
+      </a:ln>
+    </cs:spPr>
+    <cs:defRPr sz="1197" kern="1200"/>
+  </cs:dataTable>
+  <cs:downBar>
+    <cs:lnRef idx="0"/>
+    <cs:fillRef idx="0"/>
+    <cs:effectRef idx="0"/>
+    <cs:fontRef idx="minor">
+      <a:schemeClr val="dk1"/>
+    </cs:fontRef>
+    <cs:spPr>
+      <a:solidFill>
+        <a:schemeClr val="dk1">
+          <a:lumMod val="65000"/>
+          <a:lumOff val="35000"/>
+        </a:schemeClr>
+      </a:solidFill>
+      <a:ln w="9525">
+        <a:solidFill>
+          <a:schemeClr val="tx1">
+            <a:lumMod val="65000"/>
+            <a:lumOff val="35000"/>
+          </a:schemeClr>
+        </a:solidFill>
+      </a:ln>
+    </cs:spPr>
+  </cs:downBar>
+  <cs:dropLine>
+    <cs:lnRef idx="0"/>
+    <cs:fillRef idx="0"/>
+    <cs:effectRef idx="0"/>
+    <cs:fontRef idx="minor">
+      <a:schemeClr val="tx1"/>
+    </cs:fontRef>
+    <cs:spPr>
+      <a:ln w="9525" cap="flat" cmpd="sng" algn="ctr">
+        <a:solidFill>
+          <a:schemeClr val="tx1">
+            <a:lumMod val="35000"/>
+            <a:lumOff val="65000"/>
+          </a:schemeClr>
+        </a:solidFill>
+        <a:round/>
+      </a:ln>
+    </cs:spPr>
+  </cs:dropLine>
+  <cs:errorBar>
+    <cs:lnRef idx="0"/>
+    <cs:fillRef idx="0"/>
+    <cs:effectRef idx="0"/>
+    <cs:fontRef idx="minor">
+      <a:schemeClr val="tx1"/>
+    </cs:fontRef>
+    <cs:spPr>
+      <a:ln w="9525" cap="flat" cmpd="sng" algn="ctr">
+        <a:solidFill>
+          <a:schemeClr val="tx1">
+            <a:lumMod val="65000"/>
+            <a:lumOff val="35000"/>
+          </a:schemeClr>
+        </a:solidFill>
+        <a:round/>
+      </a:ln>
+    </cs:spPr>
+  </cs:errorBar>
+  <cs:floor>
+    <cs:lnRef idx="0"/>
+    <cs:fillRef idx="0"/>
+    <cs:effectRef idx="0"/>
+    <cs:fontRef idx="minor">
+      <a:schemeClr val="tx1"/>
+    </cs:fontRef>
+    <cs:spPr>
+      <a:noFill/>
+      <a:ln>
+        <a:noFill/>
+      </a:ln>
+    </cs:spPr>
+  </cs:floor>
+  <cs:gridlineMajor>
+    <cs:lnRef idx="0"/>
+    <cs:fillRef idx="0"/>
+    <cs:effectRef idx="0"/>
+    <cs:fontRef idx="minor">
+      <a:schemeClr val="tx1"/>
+    </cs:fontRef>
+    <cs:spPr>
+      <a:ln w="9525" cap="flat" cmpd="sng" algn="ctr">
+        <a:solidFill>
+          <a:schemeClr val="tx1">
+            <a:lumMod val="15000"/>
+            <a:lumOff val="85000"/>
+          </a:schemeClr>
+        </a:solidFill>
+        <a:round/>
+      </a:ln>
+    </cs:spPr>
+  </cs:gridlineMajor>
+  <cs:gridlineMinor>
+    <cs:lnRef idx="0"/>
+    <cs:fillRef idx="0"/>
+    <cs:effectRef idx="0"/>
+    <cs:fontRef idx="minor">
+      <a:schemeClr val="tx1"/>
+    </cs:fontRef>
+    <cs:spPr>
+      <a:ln w="9525" cap="flat" cmpd="sng" algn="ctr">
+        <a:solidFill>
+          <a:schemeClr val="tx1">
+            <a:lumMod val="5000"/>
+            <a:lumOff val="95000"/>
+          </a:schemeClr>
+        </a:solidFill>
+        <a:round/>
+      </a:ln>
+    </cs:spPr>
+  </cs:gridlineMinor>
+  <cs:hiLoLine>
+    <cs:lnRef idx="0"/>
+    <cs:fillRef idx="0"/>
+    <cs:effectRef idx="0"/>
+    <cs:fontRef idx="minor">
+      <a:schemeClr val="tx1"/>
+    </cs:fontRef>
+    <cs:spPr>
+      <a:ln w="9525" cap="flat" cmpd="sng" algn="ctr">
+        <a:solidFill>
+          <a:schemeClr val="tx1">
+            <a:lumMod val="75000"/>
+            <a:lumOff val="25000"/>
+          </a:schemeClr>
+        </a:solidFill>
+        <a:round/>
+      </a:ln>
+    </cs:spPr>
+  </cs:hiLoLine>
+  <cs:leaderLine>
+    <cs:lnRef idx="0"/>
+    <cs:fillRef idx="0"/>
+    <cs:effectRef idx="0"/>
+    <cs:fontRef idx="minor">
+      <a:schemeClr val="tx1"/>
+    </cs:fontRef>
+    <cs:spPr>
+      <a:ln w="9525" cap="flat" cmpd="sng" algn="ctr">
+        <a:solidFill>
+          <a:schemeClr val="tx1">
+            <a:lumMod val="35000"/>
+            <a:lumOff val="65000"/>
+          </a:schemeClr>
+        </a:solidFill>
+        <a:round/>
+      </a:ln>
+    </cs:spPr>
+  </cs:leaderLine>
+  <cs:legend>
+    <cs:lnRef idx="0"/>
+    <cs:fillRef idx="0"/>
+    <cs:effectRef idx="0"/>
+    <cs:fontRef idx="minor">
+      <a:schemeClr val="tx1">
+        <a:lumMod val="65000"/>
+        <a:lumOff val="35000"/>
+      </a:schemeClr>
+    </cs:fontRef>
+    <cs:defRPr sz="1197" kern="1200"/>
+  </cs:legend>
+  <cs:plotArea mods="allowNoFillOverride allowNoLineOverride">
+    <cs:lnRef idx="0"/>
+    <cs:fillRef idx="0"/>
+    <cs:effectRef idx="0"/>
+    <cs:fontRef idx="minor">
+      <a:schemeClr val="tx1"/>
+    </cs:fontRef>
+  </cs:plotArea>
+  <cs:plotArea3D mods="allowNoFillOverride allowNoLineOverride">
+    <cs:lnRef idx="0"/>
+    <cs:fillRef idx="0"/>
+    <cs:effectRef idx="0"/>
+    <cs:fontRef idx="minor">
+      <a:schemeClr val="tx1"/>
+    </cs:fontRef>
+  </cs:plotArea3D>
+  <cs:seriesAxis>
+    <cs:lnRef idx="0"/>
+    <cs:fillRef idx="0"/>
+    <cs:effectRef idx="0"/>
+    <cs:fontRef idx="minor">
+      <a:schemeClr val="tx1">
+        <a:lumMod val="65000"/>
+        <a:lumOff val="35000"/>
+      </a:schemeClr>
+    </cs:fontRef>
+    <cs:defRPr sz="1197" kern="1200"/>
+  </cs:seriesAxis>
+  <cs:seriesLine>
+    <cs:lnRef idx="0"/>
+    <cs:fillRef idx="0"/>
+    <cs:effectRef idx="0"/>
+    <cs:fontRef idx="minor">
+      <a:schemeClr val="tx1"/>
+    </cs:fontRef>
+    <cs:spPr>
+      <a:ln w="9525" cap="flat" cmpd="sng" algn="ctr">
+        <a:solidFill>
+          <a:schemeClr val="tx1">
+            <a:lumMod val="35000"/>
+            <a:lumOff val="65000"/>
+          </a:schemeClr>
+        </a:solidFill>
+        <a:round/>
+      </a:ln>
+    </cs:spPr>
+  </cs:seriesLine>
+  <cs:title>
+    <cs:lnRef idx="0"/>
+    <cs:fillRef idx="0"/>
+    <cs:effectRef idx="0"/>
+    <cs:fontRef idx="minor">
+      <a:schemeClr val="tx1">
+        <a:lumMod val="65000"/>
+        <a:lumOff val="35000"/>
+      </a:schemeClr>
+    </cs:fontRef>
+    <cs:defRPr sz="1862" b="0" kern="1200" spc="0" baseline="0"/>
+  </cs:title>
+  <cs:trendline>
+    <cs:lnRef idx="0">
+      <cs:styleClr val="auto"/>
+    </cs:lnRef>
+    <cs:fillRef idx="0"/>
+    <cs:effectRef idx="0"/>
+    <cs:fontRef idx="minor">
+      <a:schemeClr val="tx1"/>
+    </cs:fontRef>
+    <cs:spPr>
+      <a:ln w="19050" cap="rnd">
+        <a:solidFill>
+          <a:schemeClr val="phClr"/>
+        </a:solidFill>
+        <a:prstDash val="sysDot"/>
+      </a:ln>
+    </cs:spPr>
+  </cs:trendline>
+  <cs:trendlineLabel>
+    <cs:lnRef idx="0"/>
+    <cs:fillRef idx="0"/>
+    <cs:effectRef idx="0"/>
+    <cs:fontRef idx="minor">
+      <a:schemeClr val="tx1">
+        <a:lumMod val="65000"/>
+        <a:lumOff val="35000"/>
+      </a:schemeClr>
+    </cs:fontRef>
+    <cs:defRPr sz="1197" kern="1200"/>
+  </cs:trendlineLabel>
+  <cs:upBar>
+    <cs:lnRef idx="0"/>
+    <cs:fillRef idx="0"/>
+    <cs:effectRef idx="0"/>
+    <cs:fontRef idx="minor">
+      <a:schemeClr val="dk1"/>
+    </cs:fontRef>
+    <cs:spPr>
+      <a:solidFill>
+        <a:schemeClr val="lt1"/>
+      </a:solidFill>
+      <a:ln w="9525">
+        <a:solidFill>
+          <a:schemeClr val="tx1">
+            <a:lumMod val="15000"/>
+            <a:lumOff val="85000"/>
+          </a:schemeClr>
+        </a:solidFill>
+      </a:ln>
+    </cs:spPr>
+  </cs:upBar>
+  <cs:valueAxis>
+    <cs:lnRef idx="0"/>
+    <cs:fillRef idx="0"/>
+    <cs:effectRef idx="0"/>
+    <cs:fontRef idx="minor">
+      <a:schemeClr val="tx1">
+        <a:lumMod val="65000"/>
+        <a:lumOff val="35000"/>
+      </a:schemeClr>
+    </cs:fontRef>
+    <cs:defRPr sz="1197" kern="1200"/>
+  </cs:valueAxis>
+  <cs:wall>
+    <cs:lnRef idx="0"/>
+    <cs:fillRef idx="0"/>
+    <cs:effectRef idx="0"/>
+    <cs:fontRef idx="minor">
+      <a:schemeClr val="tx1"/>
+    </cs:fontRef>
+    <cs:spPr>
+      <a:noFill/>
+      <a:ln>
+        <a:noFill/>
+      </a:ln>
+    </cs:spPr>
+  </cs:wall>
+</cs:chartStyle>
+</file>
+
+<file path=ppt/charts/style2.xml><?xml version="1.0" encoding="utf-8"?>
 <cs:chartStyle xmlns:cs="http://schemas.microsoft.com/office/drawing/2012/chartStyle" xmlns:a="http://schemas.openxmlformats.org/drawingml/2006/main" id="201">
   <cs:axisTitle>
     <cs:lnRef idx="0"/>
@@ -1942,7 +2939,7 @@
           </a:r>
           <a:r>
             <a:rPr lang="en-US" sz="1600" dirty="0"/>
-            <a:t> Dengue patient dataset</a:t>
+            <a:t> Dengue dataset</a:t>
           </a:r>
         </a:p>
       </dgm:t>
@@ -1977,7 +2974,7 @@
         <a:lstStyle/>
         <a:p>
           <a:r>
-            <a:rPr lang="en-US" sz="3600" dirty="0"/>
+            <a:rPr lang="en-US" sz="2800" dirty="0"/>
             <a:t>🌧</a:t>
           </a:r>
           <a:r>
@@ -2023,7 +3020,7 @@
           </a:r>
           <a:r>
             <a:rPr lang="en-US" sz="1600" dirty="0"/>
-            <a:t>Temperature dataset</a:t>
+            <a:t>Temp. dataset</a:t>
           </a:r>
         </a:p>
       </dgm:t>
@@ -2086,6 +3083,46 @@
         </a:p>
       </dgm:t>
     </dgm:pt>
+    <dgm:pt modelId="{640AE8F9-9241-4DBB-8325-87C7D0449013}">
+      <dgm:prSet phldrT="[Text]" custT="1"/>
+      <dgm:spPr/>
+      <dgm:t>
+        <a:bodyPr/>
+        <a:lstStyle/>
+        <a:p>
+          <a:r>
+            <a:rPr lang="en-US" sz="2800" dirty="0"/>
+            <a:t>💦</a:t>
+          </a:r>
+          <a:r>
+            <a:rPr lang="en-US" sz="1600" dirty="0"/>
+            <a:t> Humidity dataset</a:t>
+          </a:r>
+        </a:p>
+      </dgm:t>
+    </dgm:pt>
+    <dgm:pt modelId="{C1471A29-8126-4844-A76C-0E189571966C}" type="parTrans" cxnId="{5388E680-94FB-42F0-971A-82A91D306D2B}">
+      <dgm:prSet/>
+      <dgm:spPr/>
+      <dgm:t>
+        <a:bodyPr/>
+        <a:lstStyle/>
+        <a:p>
+          <a:endParaRPr lang="en-US"/>
+        </a:p>
+      </dgm:t>
+    </dgm:pt>
+    <dgm:pt modelId="{C0455EFD-1F00-415A-B32A-85AC724B1A2C}" type="sibTrans" cxnId="{5388E680-94FB-42F0-971A-82A91D306D2B}">
+      <dgm:prSet/>
+      <dgm:spPr/>
+      <dgm:t>
+        <a:bodyPr/>
+        <a:lstStyle/>
+        <a:p>
+          <a:endParaRPr lang="en-US"/>
+        </a:p>
+      </dgm:t>
+    </dgm:pt>
     <dgm:pt modelId="{E2439B4D-F4BF-414F-B0C2-191147A2CA17}" type="pres">
       <dgm:prSet presAssocID="{1A692B48-E74C-43CB-A0D6-181EFC142D46}" presName="linearFlow" presStyleCnt="0">
         <dgm:presLayoutVars>
@@ -2096,7 +3133,7 @@
       <dgm:spPr/>
     </dgm:pt>
     <dgm:pt modelId="{28519C97-3817-4C41-ABB3-65CB9F8FF5A9}" type="pres">
-      <dgm:prSet presAssocID="{0B101086-8C9C-49F0-819C-4CC1B254B248}" presName="node" presStyleLbl="node1" presStyleIdx="0" presStyleCnt="4" custScaleX="339934" custScaleY="339934" custLinFactNeighborY="0">
+      <dgm:prSet presAssocID="{0B101086-8C9C-49F0-819C-4CC1B254B248}" presName="node" presStyleLbl="node1" presStyleIdx="0" presStyleCnt="5" custScaleX="339934" custScaleY="339934" custLinFactNeighborY="0">
         <dgm:presLayoutVars>
           <dgm:bulletEnabled val="1"/>
         </dgm:presLayoutVars>
@@ -2108,7 +3145,7 @@
       <dgm:spPr/>
     </dgm:pt>
     <dgm:pt modelId="{E4D3122E-3D6C-48F7-A0ED-194EAFCBEC4D}" type="pres">
-      <dgm:prSet presAssocID="{6BDC1B75-6348-4BA2-8DF5-76D916C7288D}" presName="sibTrans" presStyleLbl="sibTrans2D1" presStyleIdx="0" presStyleCnt="3"/>
+      <dgm:prSet presAssocID="{6BDC1B75-6348-4BA2-8DF5-76D916C7288D}" presName="sibTrans" presStyleLbl="sibTrans2D1" presStyleIdx="0" presStyleCnt="4"/>
       <dgm:spPr/>
     </dgm:pt>
     <dgm:pt modelId="{E4906562-D712-4559-B75E-16441AC41535}" type="pres">
@@ -2116,7 +3153,7 @@
       <dgm:spPr/>
     </dgm:pt>
     <dgm:pt modelId="{F74EC1DF-09A7-4B49-81A9-AD2040812377}" type="pres">
-      <dgm:prSet presAssocID="{318210C6-57CD-473C-8718-5FDBE98E1326}" presName="node" presStyleLbl="node1" presStyleIdx="1" presStyleCnt="4" custScaleX="339934" custScaleY="339934" custLinFactNeighborY="0">
+      <dgm:prSet presAssocID="{318210C6-57CD-473C-8718-5FDBE98E1326}" presName="node" presStyleLbl="node1" presStyleIdx="1" presStyleCnt="5" custScaleX="339934" custScaleY="339934" custLinFactNeighborY="0">
         <dgm:presLayoutVars>
           <dgm:bulletEnabled val="1"/>
         </dgm:presLayoutVars>
@@ -2128,15 +3165,35 @@
       <dgm:spPr/>
     </dgm:pt>
     <dgm:pt modelId="{4A8A29AF-1CE5-418C-8007-01F2D38693D2}" type="pres">
-      <dgm:prSet presAssocID="{60CB00FF-F159-47C8-9000-F977F58416CB}" presName="sibTrans" presStyleLbl="sibTrans2D1" presStyleIdx="1" presStyleCnt="3"/>
+      <dgm:prSet presAssocID="{60CB00FF-F159-47C8-9000-F977F58416CB}" presName="sibTrans" presStyleLbl="sibTrans2D1" presStyleIdx="1" presStyleCnt="4"/>
       <dgm:spPr/>
     </dgm:pt>
     <dgm:pt modelId="{A58E88E1-E7DE-437F-A540-09CE6AE980CA}" type="pres">
       <dgm:prSet presAssocID="{60CB00FF-F159-47C8-9000-F977F58416CB}" presName="spacerR" presStyleCnt="0"/>
       <dgm:spPr/>
     </dgm:pt>
+    <dgm:pt modelId="{B15E77CE-2F1E-4B24-A638-A19434CB4AE4}" type="pres">
+      <dgm:prSet presAssocID="{640AE8F9-9241-4DBB-8325-87C7D0449013}" presName="node" presStyleLbl="node1" presStyleIdx="2" presStyleCnt="5" custScaleX="334993" custScaleY="334993" custLinFactNeighborY="0">
+        <dgm:presLayoutVars>
+          <dgm:bulletEnabled val="1"/>
+        </dgm:presLayoutVars>
+      </dgm:prSet>
+      <dgm:spPr/>
+    </dgm:pt>
+    <dgm:pt modelId="{06FD573E-BC1C-4F6D-94D3-8FD51B8A4683}" type="pres">
+      <dgm:prSet presAssocID="{C0455EFD-1F00-415A-B32A-85AC724B1A2C}" presName="spacerL" presStyleCnt="0"/>
+      <dgm:spPr/>
+    </dgm:pt>
+    <dgm:pt modelId="{12CB181B-1E9B-458A-B041-1FEB164C3498}" type="pres">
+      <dgm:prSet presAssocID="{C0455EFD-1F00-415A-B32A-85AC724B1A2C}" presName="sibTrans" presStyleLbl="sibTrans2D1" presStyleIdx="2" presStyleCnt="4"/>
+      <dgm:spPr/>
+    </dgm:pt>
+    <dgm:pt modelId="{FDB24E3F-A50C-456A-919C-F20EEC620CC6}" type="pres">
+      <dgm:prSet presAssocID="{C0455EFD-1F00-415A-B32A-85AC724B1A2C}" presName="spacerR" presStyleCnt="0"/>
+      <dgm:spPr/>
+    </dgm:pt>
     <dgm:pt modelId="{7D1B93CF-87E9-46F6-8FFD-9F655E37CDA4}" type="pres">
-      <dgm:prSet presAssocID="{4653F6D8-62B2-4D56-86A5-DBDB078E7A84}" presName="node" presStyleLbl="node1" presStyleIdx="2" presStyleCnt="4" custScaleX="339934" custScaleY="339934" custLinFactNeighborY="0">
+      <dgm:prSet presAssocID="{4653F6D8-62B2-4D56-86A5-DBDB078E7A84}" presName="node" presStyleLbl="node1" presStyleIdx="3" presStyleCnt="5" custScaleX="339934" custScaleY="339934" custLinFactNeighborY="0">
         <dgm:presLayoutVars>
           <dgm:bulletEnabled val="1"/>
         </dgm:presLayoutVars>
@@ -2148,7 +3205,7 @@
       <dgm:spPr/>
     </dgm:pt>
     <dgm:pt modelId="{FD71648D-91C2-4B59-AF39-EEF0BD055F3E}" type="pres">
-      <dgm:prSet presAssocID="{F48C5690-3040-48D5-A97C-A2F4525BC23C}" presName="sibTrans" presStyleLbl="sibTrans2D1" presStyleIdx="2" presStyleCnt="3"/>
+      <dgm:prSet presAssocID="{F48C5690-3040-48D5-A97C-A2F4525BC23C}" presName="sibTrans" presStyleLbl="sibTrans2D1" presStyleIdx="3" presStyleCnt="4"/>
       <dgm:spPr/>
     </dgm:pt>
     <dgm:pt modelId="{D6BB7CAA-4248-44D0-A538-7A40CB5BB259}" type="pres">
@@ -2156,7 +3213,7 @@
       <dgm:spPr/>
     </dgm:pt>
     <dgm:pt modelId="{DCD4D832-91B7-4853-A402-407036EBDAA5}" type="pres">
-      <dgm:prSet presAssocID="{361251AC-E347-40D4-947E-6C6CE48C8E89}" presName="node" presStyleLbl="node1" presStyleIdx="3" presStyleCnt="4" custScaleX="540026" custScaleY="540026">
+      <dgm:prSet presAssocID="{361251AC-E347-40D4-947E-6C6CE48C8E89}" presName="node" presStyleLbl="node1" presStyleIdx="4" presStyleCnt="5" custScaleX="540026" custScaleY="540026">
         <dgm:presLayoutVars>
           <dgm:bulletEnabled val="1"/>
         </dgm:presLayoutVars>
@@ -2165,18 +3222,21 @@
     </dgm:pt>
   </dgm:ptLst>
   <dgm:cxnLst>
-    <dgm:cxn modelId="{15224619-AF79-4B8D-A583-44D3A77B2889}" srcId="{1A692B48-E74C-43CB-A0D6-181EFC142D46}" destId="{361251AC-E347-40D4-947E-6C6CE48C8E89}" srcOrd="3" destOrd="0" parTransId="{951D0B83-360F-4504-A3AC-BD6A604C7CDE}" sibTransId="{396569FB-CB3D-4E95-90A8-4D4A6695612D}"/>
+    <dgm:cxn modelId="{15224619-AF79-4B8D-A583-44D3A77B2889}" srcId="{1A692B48-E74C-43CB-A0D6-181EFC142D46}" destId="{361251AC-E347-40D4-947E-6C6CE48C8E89}" srcOrd="4" destOrd="0" parTransId="{951D0B83-360F-4504-A3AC-BD6A604C7CDE}" sibTransId="{396569FB-CB3D-4E95-90A8-4D4A6695612D}"/>
     <dgm:cxn modelId="{A7FA2334-4EA8-4095-9EFD-54F6AA337EF6}" type="presOf" srcId="{4653F6D8-62B2-4D56-86A5-DBDB078E7A84}" destId="{7D1B93CF-87E9-46F6-8FFD-9F655E37CDA4}" srcOrd="0" destOrd="0" presId="urn:microsoft.com/office/officeart/2005/8/layout/equation1"/>
     <dgm:cxn modelId="{BAAE3C64-DB78-4D78-9032-63FD4743928B}" type="presOf" srcId="{1A692B48-E74C-43CB-A0D6-181EFC142D46}" destId="{E2439B4D-F4BF-414F-B0C2-191147A2CA17}" srcOrd="0" destOrd="0" presId="urn:microsoft.com/office/officeart/2005/8/layout/equation1"/>
     <dgm:cxn modelId="{D247BD4E-ABBE-4401-A11A-99344E8D3363}" type="presOf" srcId="{6BDC1B75-6348-4BA2-8DF5-76D916C7288D}" destId="{E4D3122E-3D6C-48F7-A0ED-194EAFCBEC4D}" srcOrd="0" destOrd="0" presId="urn:microsoft.com/office/officeart/2005/8/layout/equation1"/>
+    <dgm:cxn modelId="{85F21975-DFC8-42B6-95C2-9624DA12DF99}" type="presOf" srcId="{640AE8F9-9241-4DBB-8325-87C7D0449013}" destId="{B15E77CE-2F1E-4B24-A638-A19434CB4AE4}" srcOrd="0" destOrd="0" presId="urn:microsoft.com/office/officeart/2005/8/layout/equation1"/>
     <dgm:cxn modelId="{10FEA05A-E9A7-44C0-B30F-64265F9E6147}" type="presOf" srcId="{60CB00FF-F159-47C8-9000-F977F58416CB}" destId="{4A8A29AF-1CE5-418C-8007-01F2D38693D2}" srcOrd="0" destOrd="0" presId="urn:microsoft.com/office/officeart/2005/8/layout/equation1"/>
+    <dgm:cxn modelId="{5388E680-94FB-42F0-971A-82A91D306D2B}" srcId="{1A692B48-E74C-43CB-A0D6-181EFC142D46}" destId="{640AE8F9-9241-4DBB-8325-87C7D0449013}" srcOrd="2" destOrd="0" parTransId="{C1471A29-8126-4844-A76C-0E189571966C}" sibTransId="{C0455EFD-1F00-415A-B32A-85AC724B1A2C}"/>
     <dgm:cxn modelId="{311DF992-A4BF-405F-B79D-9EB041D7CF18}" srcId="{1A692B48-E74C-43CB-A0D6-181EFC142D46}" destId="{0B101086-8C9C-49F0-819C-4CC1B254B248}" srcOrd="0" destOrd="0" parTransId="{9F4EC513-2A3A-4421-8FA7-77D9DC4FEB30}" sibTransId="{6BDC1B75-6348-4BA2-8DF5-76D916C7288D}"/>
     <dgm:cxn modelId="{01D7DFBD-BEDB-477D-992B-2857E7EF0C49}" type="presOf" srcId="{318210C6-57CD-473C-8718-5FDBE98E1326}" destId="{F74EC1DF-09A7-4B49-81A9-AD2040812377}" srcOrd="0" destOrd="0" presId="urn:microsoft.com/office/officeart/2005/8/layout/equation1"/>
     <dgm:cxn modelId="{BF1E56BE-2DCA-469E-8E24-35BA7037282D}" type="presOf" srcId="{F48C5690-3040-48D5-A97C-A2F4525BC23C}" destId="{FD71648D-91C2-4B59-AF39-EEF0BD055F3E}" srcOrd="0" destOrd="0" presId="urn:microsoft.com/office/officeart/2005/8/layout/equation1"/>
     <dgm:cxn modelId="{6DC56AC6-CB0D-428F-908B-F88F9886C7ED}" type="presOf" srcId="{361251AC-E347-40D4-947E-6C6CE48C8E89}" destId="{DCD4D832-91B7-4853-A402-407036EBDAA5}" srcOrd="0" destOrd="0" presId="urn:microsoft.com/office/officeart/2005/8/layout/equation1"/>
     <dgm:cxn modelId="{D55F23DF-9578-48BB-93B4-2673E24AC67E}" type="presOf" srcId="{0B101086-8C9C-49F0-819C-4CC1B254B248}" destId="{28519C97-3817-4C41-ABB3-65CB9F8FF5A9}" srcOrd="0" destOrd="0" presId="urn:microsoft.com/office/officeart/2005/8/layout/equation1"/>
     <dgm:cxn modelId="{32153DEE-A0EE-4E90-9ECE-523BD3C1068F}" srcId="{1A692B48-E74C-43CB-A0D6-181EFC142D46}" destId="{318210C6-57CD-473C-8718-5FDBE98E1326}" srcOrd="1" destOrd="0" parTransId="{CA33A5B7-7241-45B9-8284-6C64558C5039}" sibTransId="{60CB00FF-F159-47C8-9000-F977F58416CB}"/>
-    <dgm:cxn modelId="{6A720DF6-43A1-4BEB-9A61-B27B9AAAFBD3}" srcId="{1A692B48-E74C-43CB-A0D6-181EFC142D46}" destId="{4653F6D8-62B2-4D56-86A5-DBDB078E7A84}" srcOrd="2" destOrd="0" parTransId="{7A1F7F05-17DA-43D5-8214-CD56A1F97D2A}" sibTransId="{F48C5690-3040-48D5-A97C-A2F4525BC23C}"/>
+    <dgm:cxn modelId="{6A720DF6-43A1-4BEB-9A61-B27B9AAAFBD3}" srcId="{1A692B48-E74C-43CB-A0D6-181EFC142D46}" destId="{4653F6D8-62B2-4D56-86A5-DBDB078E7A84}" srcOrd="3" destOrd="0" parTransId="{7A1F7F05-17DA-43D5-8214-CD56A1F97D2A}" sibTransId="{F48C5690-3040-48D5-A97C-A2F4525BC23C}"/>
+    <dgm:cxn modelId="{7FA911FD-3405-455E-A1EC-8DAE90F6CEB6}" type="presOf" srcId="{C0455EFD-1F00-415A-B32A-85AC724B1A2C}" destId="{12CB181B-1E9B-458A-B041-1FEB164C3498}" srcOrd="0" destOrd="0" presId="urn:microsoft.com/office/officeart/2005/8/layout/equation1"/>
     <dgm:cxn modelId="{E81324D1-723F-4D21-82FD-E52C65CA6C23}" type="presParOf" srcId="{E2439B4D-F4BF-414F-B0C2-191147A2CA17}" destId="{28519C97-3817-4C41-ABB3-65CB9F8FF5A9}" srcOrd="0" destOrd="0" presId="urn:microsoft.com/office/officeart/2005/8/layout/equation1"/>
     <dgm:cxn modelId="{CA814FFF-640C-4A63-A620-5FEA0B8E3B22}" type="presParOf" srcId="{E2439B4D-F4BF-414F-B0C2-191147A2CA17}" destId="{F58CFDAB-7985-4169-B09C-8763A3BD28E3}" srcOrd="1" destOrd="0" presId="urn:microsoft.com/office/officeart/2005/8/layout/equation1"/>
     <dgm:cxn modelId="{77DF25C3-40DC-40A4-B879-7B5E8EBB6C6D}" type="presParOf" srcId="{E2439B4D-F4BF-414F-B0C2-191147A2CA17}" destId="{E4D3122E-3D6C-48F7-A0ED-194EAFCBEC4D}" srcOrd="2" destOrd="0" presId="urn:microsoft.com/office/officeart/2005/8/layout/equation1"/>
@@ -2185,11 +3245,15 @@
     <dgm:cxn modelId="{D9D81B8F-0C36-4FE9-96ED-F4B6FC66BDF9}" type="presParOf" srcId="{E2439B4D-F4BF-414F-B0C2-191147A2CA17}" destId="{0AD200C4-3240-4740-A071-C0594FB7210F}" srcOrd="5" destOrd="0" presId="urn:microsoft.com/office/officeart/2005/8/layout/equation1"/>
     <dgm:cxn modelId="{EE780F7F-6B22-4A11-A7BC-F94CA7B650C0}" type="presParOf" srcId="{E2439B4D-F4BF-414F-B0C2-191147A2CA17}" destId="{4A8A29AF-1CE5-418C-8007-01F2D38693D2}" srcOrd="6" destOrd="0" presId="urn:microsoft.com/office/officeart/2005/8/layout/equation1"/>
     <dgm:cxn modelId="{82C33FAF-F135-4B34-9102-7488DDC79657}" type="presParOf" srcId="{E2439B4D-F4BF-414F-B0C2-191147A2CA17}" destId="{A58E88E1-E7DE-437F-A540-09CE6AE980CA}" srcOrd="7" destOrd="0" presId="urn:microsoft.com/office/officeart/2005/8/layout/equation1"/>
-    <dgm:cxn modelId="{6AF9F3BF-E6CB-4E6D-A163-026593C371DB}" type="presParOf" srcId="{E2439B4D-F4BF-414F-B0C2-191147A2CA17}" destId="{7D1B93CF-87E9-46F6-8FFD-9F655E37CDA4}" srcOrd="8" destOrd="0" presId="urn:microsoft.com/office/officeart/2005/8/layout/equation1"/>
-    <dgm:cxn modelId="{F4E23E1F-9066-477E-B85D-7E2CFC551117}" type="presParOf" srcId="{E2439B4D-F4BF-414F-B0C2-191147A2CA17}" destId="{B3A9D2F0-122B-4E2B-8860-BDD6399A5397}" srcOrd="9" destOrd="0" presId="urn:microsoft.com/office/officeart/2005/8/layout/equation1"/>
-    <dgm:cxn modelId="{C7908F31-5F91-40D0-B878-BEC993EB6FEE}" type="presParOf" srcId="{E2439B4D-F4BF-414F-B0C2-191147A2CA17}" destId="{FD71648D-91C2-4B59-AF39-EEF0BD055F3E}" srcOrd="10" destOrd="0" presId="urn:microsoft.com/office/officeart/2005/8/layout/equation1"/>
-    <dgm:cxn modelId="{45157F1E-FF5C-4400-B1CE-E1CD29F611E0}" type="presParOf" srcId="{E2439B4D-F4BF-414F-B0C2-191147A2CA17}" destId="{D6BB7CAA-4248-44D0-A538-7A40CB5BB259}" srcOrd="11" destOrd="0" presId="urn:microsoft.com/office/officeart/2005/8/layout/equation1"/>
-    <dgm:cxn modelId="{4DAFB75E-AE3F-4D46-83B6-5FDA14187D10}" type="presParOf" srcId="{E2439B4D-F4BF-414F-B0C2-191147A2CA17}" destId="{DCD4D832-91B7-4853-A402-407036EBDAA5}" srcOrd="12" destOrd="0" presId="urn:microsoft.com/office/officeart/2005/8/layout/equation1"/>
+    <dgm:cxn modelId="{6D92E848-BFFA-4CA8-9FDF-F4FD085FF2EC}" type="presParOf" srcId="{E2439B4D-F4BF-414F-B0C2-191147A2CA17}" destId="{B15E77CE-2F1E-4B24-A638-A19434CB4AE4}" srcOrd="8" destOrd="0" presId="urn:microsoft.com/office/officeart/2005/8/layout/equation1"/>
+    <dgm:cxn modelId="{17FA8B78-98DE-4514-91FB-2C33E6C48FC6}" type="presParOf" srcId="{E2439B4D-F4BF-414F-B0C2-191147A2CA17}" destId="{06FD573E-BC1C-4F6D-94D3-8FD51B8A4683}" srcOrd="9" destOrd="0" presId="urn:microsoft.com/office/officeart/2005/8/layout/equation1"/>
+    <dgm:cxn modelId="{2760C81D-2C1D-46EE-AD7A-39499E15AE93}" type="presParOf" srcId="{E2439B4D-F4BF-414F-B0C2-191147A2CA17}" destId="{12CB181B-1E9B-458A-B041-1FEB164C3498}" srcOrd="10" destOrd="0" presId="urn:microsoft.com/office/officeart/2005/8/layout/equation1"/>
+    <dgm:cxn modelId="{90DEFBBB-724E-4E92-ABED-673A40CB5A83}" type="presParOf" srcId="{E2439B4D-F4BF-414F-B0C2-191147A2CA17}" destId="{FDB24E3F-A50C-456A-919C-F20EEC620CC6}" srcOrd="11" destOrd="0" presId="urn:microsoft.com/office/officeart/2005/8/layout/equation1"/>
+    <dgm:cxn modelId="{6AF9F3BF-E6CB-4E6D-A163-026593C371DB}" type="presParOf" srcId="{E2439B4D-F4BF-414F-B0C2-191147A2CA17}" destId="{7D1B93CF-87E9-46F6-8FFD-9F655E37CDA4}" srcOrd="12" destOrd="0" presId="urn:microsoft.com/office/officeart/2005/8/layout/equation1"/>
+    <dgm:cxn modelId="{F4E23E1F-9066-477E-B85D-7E2CFC551117}" type="presParOf" srcId="{E2439B4D-F4BF-414F-B0C2-191147A2CA17}" destId="{B3A9D2F0-122B-4E2B-8860-BDD6399A5397}" srcOrd="13" destOrd="0" presId="urn:microsoft.com/office/officeart/2005/8/layout/equation1"/>
+    <dgm:cxn modelId="{C7908F31-5F91-40D0-B878-BEC993EB6FEE}" type="presParOf" srcId="{E2439B4D-F4BF-414F-B0C2-191147A2CA17}" destId="{FD71648D-91C2-4B59-AF39-EEF0BD055F3E}" srcOrd="14" destOrd="0" presId="urn:microsoft.com/office/officeart/2005/8/layout/equation1"/>
+    <dgm:cxn modelId="{45157F1E-FF5C-4400-B1CE-E1CD29F611E0}" type="presParOf" srcId="{E2439B4D-F4BF-414F-B0C2-191147A2CA17}" destId="{D6BB7CAA-4248-44D0-A538-7A40CB5BB259}" srcOrd="15" destOrd="0" presId="urn:microsoft.com/office/officeart/2005/8/layout/equation1"/>
+    <dgm:cxn modelId="{4DAFB75E-AE3F-4D46-83B6-5FDA14187D10}" type="presParOf" srcId="{E2439B4D-F4BF-414F-B0C2-191147A2CA17}" destId="{DCD4D832-91B7-4853-A402-407036EBDAA5}" srcOrd="16" destOrd="0" presId="urn:microsoft.com/office/officeart/2005/8/layout/equation1"/>
   </dgm:cxnLst>
   <dgm:bg/>
   <dgm:whole/>
@@ -2216,8 +3280,8 @@
       </dsp:nvSpPr>
       <dsp:spPr>
         <a:xfrm>
-          <a:off x="591" y="1934436"/>
-          <a:ext cx="1549793" cy="1549793"/>
+          <a:off x="2826" y="724799"/>
+          <a:ext cx="1259734" cy="1259734"/>
         </a:xfrm>
         <a:prstGeom prst="ellipse">
           <a:avLst/>
@@ -2283,13 +3347,13 @@
           </a:r>
           <a:r>
             <a:rPr lang="en-US" sz="1600" kern="1200" dirty="0"/>
-            <a:t> Dengue patient dataset</a:t>
+            <a:t> Dengue dataset</a:t>
           </a:r>
         </a:p>
       </dsp:txBody>
       <dsp:txXfrm>
-        <a:off x="227553" y="2161398"/>
-        <a:ext cx="1095869" cy="1095869"/>
+        <a:off x="187310" y="909283"/>
+        <a:ext cx="890766" cy="890766"/>
       </dsp:txXfrm>
     </dsp:sp>
     <dsp:sp modelId="{E4D3122E-3D6C-48F7-A0ED-194EAFCBEC4D}">
@@ -2299,8 +3363,8 @@
       </dsp:nvSpPr>
       <dsp:spPr>
         <a:xfrm>
-          <a:off x="1587404" y="2577119"/>
-          <a:ext cx="264427" cy="264427"/>
+          <a:off x="1292652" y="1247197"/>
+          <a:ext cx="214937" cy="214937"/>
         </a:xfrm>
         <a:prstGeom prst="mathPlus">
           <a:avLst/>
@@ -2355,8 +3419,8 @@
         </a:p>
       </dsp:txBody>
       <dsp:txXfrm>
-        <a:off x="1622454" y="2678236"/>
-        <a:ext cx="194327" cy="62193"/>
+        <a:off x="1321142" y="1329389"/>
+        <a:ext cx="157957" cy="50553"/>
       </dsp:txXfrm>
     </dsp:sp>
     <dsp:sp modelId="{F74EC1DF-09A7-4B49-81A9-AD2040812377}">
@@ -2366,8 +3430,8 @@
       </dsp:nvSpPr>
       <dsp:spPr>
         <a:xfrm>
-          <a:off x="1888852" y="1934436"/>
-          <a:ext cx="1549793" cy="1549793"/>
+          <a:off x="1537681" y="724799"/>
+          <a:ext cx="1259734" cy="1259734"/>
         </a:xfrm>
         <a:prstGeom prst="ellipse">
           <a:avLst/>
@@ -2410,12 +3474,12 @@
         </a:fontRef>
       </dsp:style>
       <dsp:txBody>
-        <a:bodyPr spcFirstLastPara="0" vert="horz" wrap="square" lIns="45720" tIns="45720" rIns="45720" bIns="45720" numCol="1" spcCol="1270" anchor="ctr" anchorCtr="0">
+        <a:bodyPr spcFirstLastPara="0" vert="horz" wrap="square" lIns="35560" tIns="35560" rIns="35560" bIns="35560" numCol="1" spcCol="1270" anchor="ctr" anchorCtr="0">
           <a:noAutofit/>
         </a:bodyPr>
         <a:lstStyle/>
         <a:p>
-          <a:pPr marL="0" lvl="0" indent="0" algn="ctr" defTabSz="1600200">
+          <a:pPr marL="0" lvl="0" indent="0" algn="ctr" defTabSz="1244600">
             <a:lnSpc>
               <a:spcPct val="90000"/>
             </a:lnSpc>
@@ -2428,7 +3492,7 @@
             <a:buNone/>
           </a:pPr>
           <a:r>
-            <a:rPr lang="en-US" sz="3600" kern="1200" dirty="0"/>
+            <a:rPr lang="en-US" sz="2800" kern="1200" dirty="0"/>
             <a:t>🌧</a:t>
           </a:r>
           <a:r>
@@ -2438,8 +3502,8 @@
         </a:p>
       </dsp:txBody>
       <dsp:txXfrm>
-        <a:off x="2115814" y="2161398"/>
-        <a:ext cx="1095869" cy="1095869"/>
+        <a:off x="1722165" y="909283"/>
+        <a:ext cx="890766" cy="890766"/>
       </dsp:txXfrm>
     </dsp:sp>
     <dsp:sp modelId="{4A8A29AF-1CE5-418C-8007-01F2D38693D2}">
@@ -2449,8 +3513,8 @@
       </dsp:nvSpPr>
       <dsp:spPr>
         <a:xfrm>
-          <a:off x="3475666" y="2577119"/>
-          <a:ext cx="264427" cy="264427"/>
+          <a:off x="2827506" y="1247197"/>
+          <a:ext cx="214937" cy="214937"/>
         </a:xfrm>
         <a:prstGeom prst="mathPlus">
           <a:avLst/>
@@ -2505,8 +3569,158 @@
         </a:p>
       </dsp:txBody>
       <dsp:txXfrm>
-        <a:off x="3510716" y="2678236"/>
-        <a:ext cx="194327" cy="62193"/>
+        <a:off x="2855996" y="1329389"/>
+        <a:ext cx="157957" cy="50553"/>
+      </dsp:txXfrm>
+    </dsp:sp>
+    <dsp:sp modelId="{B15E77CE-2F1E-4B24-A638-A19434CB4AE4}">
+      <dsp:nvSpPr>
+        <dsp:cNvPr id="0" name=""/>
+        <dsp:cNvSpPr/>
+      </dsp:nvSpPr>
+      <dsp:spPr>
+        <a:xfrm>
+          <a:off x="3072535" y="733954"/>
+          <a:ext cx="1241423" cy="1241423"/>
+        </a:xfrm>
+        <a:prstGeom prst="ellipse">
+          <a:avLst/>
+        </a:prstGeom>
+        <a:solidFill>
+          <a:schemeClr val="lt1">
+            <a:hueOff val="0"/>
+            <a:satOff val="0"/>
+            <a:lumOff val="0"/>
+            <a:alphaOff val="0"/>
+          </a:schemeClr>
+        </a:solidFill>
+        <a:ln w="12700" cap="flat" cmpd="sng" algn="ctr">
+          <a:solidFill>
+            <a:schemeClr val="dk1">
+              <a:shade val="80000"/>
+              <a:hueOff val="0"/>
+              <a:satOff val="0"/>
+              <a:lumOff val="0"/>
+              <a:alphaOff val="0"/>
+            </a:schemeClr>
+          </a:solidFill>
+          <a:prstDash val="solid"/>
+          <a:miter lim="800000"/>
+        </a:ln>
+        <a:effectLst/>
+      </dsp:spPr>
+      <dsp:style>
+        <a:lnRef idx="2">
+          <a:scrgbClr r="0" g="0" b="0"/>
+        </a:lnRef>
+        <a:fillRef idx="1">
+          <a:scrgbClr r="0" g="0" b="0"/>
+        </a:fillRef>
+        <a:effectRef idx="0">
+          <a:scrgbClr r="0" g="0" b="0"/>
+        </a:effectRef>
+        <a:fontRef idx="minor">
+          <a:schemeClr val="lt1"/>
+        </a:fontRef>
+      </dsp:style>
+      <dsp:txBody>
+        <a:bodyPr spcFirstLastPara="0" vert="horz" wrap="square" lIns="35560" tIns="35560" rIns="35560" bIns="35560" numCol="1" spcCol="1270" anchor="ctr" anchorCtr="0">
+          <a:noAutofit/>
+        </a:bodyPr>
+        <a:lstStyle/>
+        <a:p>
+          <a:pPr marL="0" lvl="0" indent="0" algn="ctr" defTabSz="1244600">
+            <a:lnSpc>
+              <a:spcPct val="90000"/>
+            </a:lnSpc>
+            <a:spcBef>
+              <a:spcPct val="0"/>
+            </a:spcBef>
+            <a:spcAft>
+              <a:spcPct val="35000"/>
+            </a:spcAft>
+            <a:buNone/>
+          </a:pPr>
+          <a:r>
+            <a:rPr lang="en-US" sz="2800" kern="1200" dirty="0"/>
+            <a:t>💦</a:t>
+          </a:r>
+          <a:r>
+            <a:rPr lang="en-US" sz="1600" kern="1200" dirty="0"/>
+            <a:t> Humidity dataset</a:t>
+          </a:r>
+        </a:p>
+      </dsp:txBody>
+      <dsp:txXfrm>
+        <a:off x="3254337" y="915756"/>
+        <a:ext cx="877819" cy="877819"/>
+      </dsp:txXfrm>
+    </dsp:sp>
+    <dsp:sp modelId="{12CB181B-1E9B-458A-B041-1FEB164C3498}">
+      <dsp:nvSpPr>
+        <dsp:cNvPr id="0" name=""/>
+        <dsp:cNvSpPr/>
+      </dsp:nvSpPr>
+      <dsp:spPr>
+        <a:xfrm>
+          <a:off x="4344050" y="1247197"/>
+          <a:ext cx="214937" cy="214937"/>
+        </a:xfrm>
+        <a:prstGeom prst="mathPlus">
+          <a:avLst/>
+        </a:prstGeom>
+        <a:solidFill>
+          <a:schemeClr val="dk1">
+            <a:tint val="60000"/>
+            <a:hueOff val="0"/>
+            <a:satOff val="0"/>
+            <a:lumOff val="0"/>
+            <a:alphaOff val="0"/>
+          </a:schemeClr>
+        </a:solidFill>
+        <a:ln>
+          <a:noFill/>
+        </a:ln>
+        <a:effectLst/>
+      </dsp:spPr>
+      <dsp:style>
+        <a:lnRef idx="0">
+          <a:scrgbClr r="0" g="0" b="0"/>
+        </a:lnRef>
+        <a:fillRef idx="1">
+          <a:scrgbClr r="0" g="0" b="0"/>
+        </a:fillRef>
+        <a:effectRef idx="0">
+          <a:scrgbClr r="0" g="0" b="0"/>
+        </a:effectRef>
+        <a:fontRef idx="minor">
+          <a:schemeClr val="lt1"/>
+        </a:fontRef>
+      </dsp:style>
+      <dsp:txBody>
+        <a:bodyPr spcFirstLastPara="0" vert="horz" wrap="square" lIns="0" tIns="0" rIns="0" bIns="0" numCol="1" spcCol="1270" anchor="ctr" anchorCtr="0">
+          <a:noAutofit/>
+        </a:bodyPr>
+        <a:lstStyle/>
+        <a:p>
+          <a:pPr marL="0" lvl="0" indent="0" algn="ctr" defTabSz="222250">
+            <a:lnSpc>
+              <a:spcPct val="90000"/>
+            </a:lnSpc>
+            <a:spcBef>
+              <a:spcPct val="0"/>
+            </a:spcBef>
+            <a:spcAft>
+              <a:spcPct val="35000"/>
+            </a:spcAft>
+            <a:buNone/>
+          </a:pPr>
+          <a:endParaRPr lang="en-US" sz="500" kern="1200"/>
+        </a:p>
+      </dsp:txBody>
+      <dsp:txXfrm>
+        <a:off x="4372540" y="1329389"/>
+        <a:ext cx="157957" cy="50553"/>
       </dsp:txXfrm>
     </dsp:sp>
     <dsp:sp modelId="{7D1B93CF-87E9-46F6-8FFD-9F655E37CDA4}">
@@ -2516,8 +3730,8 @@
       </dsp:nvSpPr>
       <dsp:spPr>
         <a:xfrm>
-          <a:off x="3777113" y="1934436"/>
-          <a:ext cx="1549793" cy="1549793"/>
+          <a:off x="4589079" y="724799"/>
+          <a:ext cx="1259734" cy="1259734"/>
         </a:xfrm>
         <a:prstGeom prst="ellipse">
           <a:avLst/>
@@ -2583,13 +3797,13 @@
           </a:r>
           <a:r>
             <a:rPr lang="en-US" sz="1600" kern="1200" dirty="0"/>
-            <a:t>Temperature dataset</a:t>
+            <a:t>Temp. dataset</a:t>
           </a:r>
         </a:p>
       </dsp:txBody>
       <dsp:txXfrm>
-        <a:off x="4004075" y="2161398"/>
-        <a:ext cx="1095869" cy="1095869"/>
+        <a:off x="4773563" y="909283"/>
+        <a:ext cx="890766" cy="890766"/>
       </dsp:txXfrm>
     </dsp:sp>
     <dsp:sp modelId="{FD71648D-91C2-4B59-AF39-EEF0BD055F3E}">
@@ -2599,8 +3813,8 @@
       </dsp:nvSpPr>
       <dsp:spPr>
         <a:xfrm>
-          <a:off x="5363927" y="2577119"/>
-          <a:ext cx="264427" cy="264427"/>
+          <a:off x="5878905" y="1247197"/>
+          <a:ext cx="214937" cy="214937"/>
         </a:xfrm>
         <a:prstGeom prst="mathEqual">
           <a:avLst/>
@@ -2655,8 +3869,8 @@
         </a:p>
       </dsp:txBody>
       <dsp:txXfrm>
-        <a:off x="5398977" y="2631591"/>
-        <a:ext cx="194327" cy="155483"/>
+        <a:off x="5907395" y="1291474"/>
+        <a:ext cx="157957" cy="126383"/>
       </dsp:txXfrm>
     </dsp:sp>
     <dsp:sp modelId="{DCD4D832-91B7-4853-A402-407036EBDAA5}">
@@ -2666,8 +3880,8 @@
       </dsp:nvSpPr>
       <dsp:spPr>
         <a:xfrm>
-          <a:off x="5665375" y="1478316"/>
-          <a:ext cx="2462033" cy="2462033"/>
+          <a:off x="6123933" y="354046"/>
+          <a:ext cx="2001239" cy="2001239"/>
         </a:xfrm>
         <a:prstGeom prst="ellipse">
           <a:avLst/>
@@ -2734,8 +3948,8 @@
         </a:p>
       </dsp:txBody>
       <dsp:txXfrm>
-        <a:off x="6025931" y="1838872"/>
-        <a:ext cx="1740921" cy="1740921"/>
+        <a:off x="6417008" y="647121"/>
+        <a:ext cx="1415089" cy="1415089"/>
       </dsp:txXfrm>
     </dsp:sp>
   </dsp:spTree>
@@ -4062,7 +5276,7 @@
           <a:p>
             <a:fld id="{DF7D3DBD-0B5D-4B79-92F9-F17AA9E647F4}" type="datetimeFigureOut">
               <a:rPr lang="en-US" smtClean="0"/>
-              <a:t>10/14/2021</a:t>
+              <a:t>10/17/2021</a:t>
             </a:fld>
             <a:endParaRPr lang="en-US"/>
           </a:p>
@@ -4232,7 +5446,7 @@
           <a:p>
             <a:fld id="{DF7D3DBD-0B5D-4B79-92F9-F17AA9E647F4}" type="datetimeFigureOut">
               <a:rPr lang="en-US" smtClean="0"/>
-              <a:t>10/14/2021</a:t>
+              <a:t>10/17/2021</a:t>
             </a:fld>
             <a:endParaRPr lang="en-US"/>
           </a:p>
@@ -4412,7 +5626,7 @@
           <a:p>
             <a:fld id="{DF7D3DBD-0B5D-4B79-92F9-F17AA9E647F4}" type="datetimeFigureOut">
               <a:rPr lang="en-US" smtClean="0"/>
-              <a:t>10/14/2021</a:t>
+              <a:t>10/17/2021</a:t>
             </a:fld>
             <a:endParaRPr lang="en-US"/>
           </a:p>
@@ -4582,7 +5796,7 @@
           <a:p>
             <a:fld id="{DF7D3DBD-0B5D-4B79-92F9-F17AA9E647F4}" type="datetimeFigureOut">
               <a:rPr lang="en-US" smtClean="0"/>
-              <a:t>10/14/2021</a:t>
+              <a:t>10/17/2021</a:t>
             </a:fld>
             <a:endParaRPr lang="en-US"/>
           </a:p>
@@ -4828,7 +6042,7 @@
           <a:p>
             <a:fld id="{DF7D3DBD-0B5D-4B79-92F9-F17AA9E647F4}" type="datetimeFigureOut">
               <a:rPr lang="en-US" smtClean="0"/>
-              <a:t>10/14/2021</a:t>
+              <a:t>10/17/2021</a:t>
             </a:fld>
             <a:endParaRPr lang="en-US"/>
           </a:p>
@@ -5060,7 +6274,7 @@
           <a:p>
             <a:fld id="{DF7D3DBD-0B5D-4B79-92F9-F17AA9E647F4}" type="datetimeFigureOut">
               <a:rPr lang="en-US" smtClean="0"/>
-              <a:t>10/14/2021</a:t>
+              <a:t>10/17/2021</a:t>
             </a:fld>
             <a:endParaRPr lang="en-US"/>
           </a:p>
@@ -5427,7 +6641,7 @@
           <a:p>
             <a:fld id="{DF7D3DBD-0B5D-4B79-92F9-F17AA9E647F4}" type="datetimeFigureOut">
               <a:rPr lang="en-US" smtClean="0"/>
-              <a:t>10/14/2021</a:t>
+              <a:t>10/17/2021</a:t>
             </a:fld>
             <a:endParaRPr lang="en-US"/>
           </a:p>
@@ -5545,7 +6759,7 @@
           <a:p>
             <a:fld id="{DF7D3DBD-0B5D-4B79-92F9-F17AA9E647F4}" type="datetimeFigureOut">
               <a:rPr lang="en-US" smtClean="0"/>
-              <a:t>10/14/2021</a:t>
+              <a:t>10/17/2021</a:t>
             </a:fld>
             <a:endParaRPr lang="en-US"/>
           </a:p>
@@ -5640,7 +6854,7 @@
           <a:p>
             <a:fld id="{DF7D3DBD-0B5D-4B79-92F9-F17AA9E647F4}" type="datetimeFigureOut">
               <a:rPr lang="en-US" smtClean="0"/>
-              <a:t>10/14/2021</a:t>
+              <a:t>10/17/2021</a:t>
             </a:fld>
             <a:endParaRPr lang="en-US"/>
           </a:p>
@@ -5917,7 +7131,7 @@
           <a:p>
             <a:fld id="{DF7D3DBD-0B5D-4B79-92F9-F17AA9E647F4}" type="datetimeFigureOut">
               <a:rPr lang="en-US" smtClean="0"/>
-              <a:t>10/14/2021</a:t>
+              <a:t>10/17/2021</a:t>
             </a:fld>
             <a:endParaRPr lang="en-US"/>
           </a:p>
@@ -6174,7 +7388,7 @@
           <a:p>
             <a:fld id="{DF7D3DBD-0B5D-4B79-92F9-F17AA9E647F4}" type="datetimeFigureOut">
               <a:rPr lang="en-US" smtClean="0"/>
-              <a:t>10/14/2021</a:t>
+              <a:t>10/17/2021</a:t>
             </a:fld>
             <a:endParaRPr lang="en-US"/>
           </a:p>
@@ -6387,7 +7601,7 @@
           <a:p>
             <a:fld id="{DF7D3DBD-0B5D-4B79-92F9-F17AA9E647F4}" type="datetimeFigureOut">
               <a:rPr lang="en-US" smtClean="0"/>
-              <a:t>10/14/2021</a:t>
+              <a:t>10/17/2021</a:t>
             </a:fld>
             <a:endParaRPr lang="en-US"/>
           </a:p>
@@ -7107,10 +8321,10 @@
       </p:sp>
       <p:grpSp>
         <p:nvGrpSpPr>
-          <p:cNvPr id="14" name="Group 13">
+          <p:cNvPr id="5" name="Group 4">
             <a:extLst>
               <a:ext uri="{FF2B5EF4-FFF2-40B4-BE49-F238E27FC236}">
-                <a16:creationId xmlns:a16="http://schemas.microsoft.com/office/drawing/2014/main" id="{A32C42B4-0026-402C-B98D-9F4E86AD3FE6}"/>
+                <a16:creationId xmlns:a16="http://schemas.microsoft.com/office/drawing/2014/main" id="{B5832450-4DAE-48AC-8729-D74DB02D3730}"/>
               </a:ext>
             </a:extLst>
           </p:cNvPr>
@@ -7119,441 +8333,277 @@
         </p:nvGrpSpPr>
         <p:grpSpPr>
           <a:xfrm>
-            <a:off x="3527424" y="1474084"/>
-            <a:ext cx="5137152" cy="4469517"/>
-            <a:chOff x="2398009" y="1474084"/>
-            <a:chExt cx="5137152" cy="4469517"/>
+            <a:off x="3527424" y="2430463"/>
+            <a:ext cx="2462033" cy="2462033"/>
+            <a:chOff x="5665375" y="1478316"/>
+            <a:chExt cx="2462033" cy="2462033"/>
           </a:xfrm>
         </p:grpSpPr>
-        <p:grpSp>
-          <p:nvGrpSpPr>
-            <p:cNvPr id="5" name="Group 4">
+        <p:sp>
+          <p:nvSpPr>
+            <p:cNvPr id="6" name="Oval 5">
               <a:extLst>
                 <a:ext uri="{FF2B5EF4-FFF2-40B4-BE49-F238E27FC236}">
-                  <a16:creationId xmlns:a16="http://schemas.microsoft.com/office/drawing/2014/main" id="{B5832450-4DAE-48AC-8729-D74DB02D3730}"/>
+                  <a16:creationId xmlns:a16="http://schemas.microsoft.com/office/drawing/2014/main" id="{50F958EC-BEB2-4591-8535-6C043747678E}"/>
                 </a:ext>
               </a:extLst>
             </p:cNvPr>
-            <p:cNvGrpSpPr/>
+            <p:cNvSpPr/>
             <p:nvPr/>
-          </p:nvGrpSpPr>
-          <p:grpSpPr>
+          </p:nvSpPr>
+          <p:spPr>
             <a:xfrm>
-              <a:off x="2398009" y="2430463"/>
+              <a:off x="5665375" y="1478316"/>
               <a:ext cx="2462033" cy="2462033"/>
-              <a:chOff x="5665375" y="1478316"/>
-              <a:chExt cx="2462033" cy="2462033"/>
             </a:xfrm>
-          </p:grpSpPr>
-          <p:sp>
-            <p:nvSpPr>
-              <p:cNvPr id="6" name="Oval 5">
-                <a:extLst>
-                  <a:ext uri="{FF2B5EF4-FFF2-40B4-BE49-F238E27FC236}">
-                    <a16:creationId xmlns:a16="http://schemas.microsoft.com/office/drawing/2014/main" id="{50F958EC-BEB2-4591-8535-6C043747678E}"/>
-                  </a:ext>
-                </a:extLst>
-              </p:cNvPr>
-              <p:cNvSpPr/>
-              <p:nvPr/>
-            </p:nvSpPr>
-            <p:spPr>
-              <a:xfrm>
-                <a:off x="5665375" y="1478316"/>
-                <a:ext cx="2462033" cy="2462033"/>
-              </a:xfrm>
-              <a:prstGeom prst="ellipse">
-                <a:avLst/>
-              </a:prstGeom>
-            </p:spPr>
-            <p:style>
-              <a:lnRef idx="2">
-                <a:schemeClr val="dk1">
-                  <a:shade val="80000"/>
-                  <a:hueOff val="0"/>
-                  <a:satOff val="0"/>
-                  <a:lumOff val="0"/>
-                  <a:alphaOff val="0"/>
-                </a:schemeClr>
-              </a:lnRef>
-              <a:fillRef idx="1">
-                <a:schemeClr val="lt1">
-                  <a:hueOff val="0"/>
-                  <a:satOff val="0"/>
-                  <a:lumOff val="0"/>
-                  <a:alphaOff val="0"/>
-                </a:schemeClr>
-              </a:fillRef>
-              <a:effectRef idx="0">
-                <a:schemeClr val="lt1">
-                  <a:hueOff val="0"/>
-                  <a:satOff val="0"/>
-                  <a:lumOff val="0"/>
-                  <a:alphaOff val="0"/>
-                </a:schemeClr>
-              </a:effectRef>
-              <a:fontRef idx="minor">
-                <a:schemeClr val="dk1">
-                  <a:hueOff val="0"/>
-                  <a:satOff val="0"/>
-                  <a:lumOff val="0"/>
-                  <a:alphaOff val="0"/>
-                </a:schemeClr>
-              </a:fontRef>
-            </p:style>
-          </p:sp>
-          <p:sp>
-            <p:nvSpPr>
-              <p:cNvPr id="7" name="Oval 4">
-                <a:extLst>
-                  <a:ext uri="{FF2B5EF4-FFF2-40B4-BE49-F238E27FC236}">
-                    <a16:creationId xmlns:a16="http://schemas.microsoft.com/office/drawing/2014/main" id="{6C8D6689-4F48-4B67-8BB9-C6552D2778E7}"/>
-                  </a:ext>
-                </a:extLst>
-              </p:cNvPr>
-              <p:cNvSpPr txBox="1"/>
-              <p:nvPr/>
-            </p:nvSpPr>
-            <p:spPr>
-              <a:xfrm>
-                <a:off x="6025931" y="1838872"/>
-                <a:ext cx="1740921" cy="1740921"/>
-              </a:xfrm>
-              <a:prstGeom prst="rect">
-                <a:avLst/>
-              </a:prstGeom>
-            </p:spPr>
-            <p:style>
-              <a:lnRef idx="0">
-                <a:scrgbClr r="0" g="0" b="0"/>
-              </a:lnRef>
-              <a:fillRef idx="0">
-                <a:scrgbClr r="0" g="0" b="0"/>
-              </a:fillRef>
-              <a:effectRef idx="0">
-                <a:scrgbClr r="0" g="0" b="0"/>
-              </a:effectRef>
-              <a:fontRef idx="minor">
-                <a:schemeClr val="dk1">
-                  <a:hueOff val="0"/>
-                  <a:satOff val="0"/>
-                  <a:lumOff val="0"/>
-                  <a:alphaOff val="0"/>
-                </a:schemeClr>
-              </a:fontRef>
-            </p:style>
-            <p:txBody>
-              <a:bodyPr spcFirstLastPara="0" vert="horz" wrap="square" lIns="20320" tIns="20320" rIns="20320" bIns="20320" numCol="1" spcCol="1270" anchor="ctr" anchorCtr="0">
-                <a:noAutofit/>
-              </a:bodyPr>
-              <a:lstStyle/>
-              <a:p>
-                <a:pPr marL="0" lvl="0" indent="0" algn="ctr" defTabSz="711200">
-                  <a:lnSpc>
-                    <a:spcPct val="90000"/>
-                  </a:lnSpc>
-                  <a:spcBef>
-                    <a:spcPct val="0"/>
-                  </a:spcBef>
-                  <a:spcAft>
-                    <a:spcPct val="35000"/>
-                  </a:spcAft>
-                  <a:buNone/>
-                </a:pPr>
-                <a:r>
-                  <a:rPr lang="en-US" sz="1600" kern="1200" dirty="0"/>
-                  <a:t>⚙ Processed</a:t>
-                </a:r>
-              </a:p>
-            </p:txBody>
-          </p:sp>
-        </p:grpSp>
-        <p:grpSp>
-          <p:nvGrpSpPr>
-            <p:cNvPr id="8" name="Group 7">
+            <a:prstGeom prst="ellipse">
+              <a:avLst/>
+            </a:prstGeom>
+          </p:spPr>
+          <p:style>
+            <a:lnRef idx="2">
+              <a:schemeClr val="dk1">
+                <a:shade val="80000"/>
+                <a:hueOff val="0"/>
+                <a:satOff val="0"/>
+                <a:lumOff val="0"/>
+                <a:alphaOff val="0"/>
+              </a:schemeClr>
+            </a:lnRef>
+            <a:fillRef idx="1">
+              <a:schemeClr val="lt1">
+                <a:hueOff val="0"/>
+                <a:satOff val="0"/>
+                <a:lumOff val="0"/>
+                <a:alphaOff val="0"/>
+              </a:schemeClr>
+            </a:fillRef>
+            <a:effectRef idx="0">
+              <a:schemeClr val="lt1">
+                <a:hueOff val="0"/>
+                <a:satOff val="0"/>
+                <a:lumOff val="0"/>
+                <a:alphaOff val="0"/>
+              </a:schemeClr>
+            </a:effectRef>
+            <a:fontRef idx="minor">
+              <a:schemeClr val="dk1">
+                <a:hueOff val="0"/>
+                <a:satOff val="0"/>
+                <a:lumOff val="0"/>
+                <a:alphaOff val="0"/>
+              </a:schemeClr>
+            </a:fontRef>
+          </p:style>
+        </p:sp>
+        <p:sp>
+          <p:nvSpPr>
+            <p:cNvPr id="7" name="Oval 4">
               <a:extLst>
                 <a:ext uri="{FF2B5EF4-FFF2-40B4-BE49-F238E27FC236}">
-                  <a16:creationId xmlns:a16="http://schemas.microsoft.com/office/drawing/2014/main" id="{E71E5EF2-5CB7-4728-B38F-4559A98064D2}"/>
+                  <a16:creationId xmlns:a16="http://schemas.microsoft.com/office/drawing/2014/main" id="{6C8D6689-4F48-4B67-8BB9-C6552D2778E7}"/>
                 </a:ext>
               </a:extLst>
             </p:cNvPr>
-            <p:cNvGrpSpPr/>
+            <p:cNvSpPr txBox="1"/>
             <p:nvPr/>
-          </p:nvGrpSpPr>
-          <p:grpSpPr>
+          </p:nvSpPr>
+          <p:spPr>
             <a:xfrm>
-              <a:off x="5622403" y="1474084"/>
-              <a:ext cx="1912758" cy="1912758"/>
-              <a:chOff x="5665375" y="1478316"/>
-              <a:chExt cx="2462033" cy="2462033"/>
+              <a:off x="6025931" y="1838872"/>
+              <a:ext cx="1740921" cy="1740921"/>
             </a:xfrm>
-          </p:grpSpPr>
-          <p:sp>
-            <p:nvSpPr>
-              <p:cNvPr id="9" name="Oval 8">
-                <a:extLst>
-                  <a:ext uri="{FF2B5EF4-FFF2-40B4-BE49-F238E27FC236}">
-                    <a16:creationId xmlns:a16="http://schemas.microsoft.com/office/drawing/2014/main" id="{12FA4AC0-A606-4700-8912-F95CE18507E1}"/>
-                  </a:ext>
-                </a:extLst>
-              </p:cNvPr>
-              <p:cNvSpPr/>
-              <p:nvPr/>
-            </p:nvSpPr>
-            <p:spPr>
-              <a:xfrm>
-                <a:off x="5665375" y="1478316"/>
-                <a:ext cx="2462033" cy="2462033"/>
-              </a:xfrm>
-              <a:prstGeom prst="ellipse">
-                <a:avLst/>
-              </a:prstGeom>
-            </p:spPr>
-            <p:style>
-              <a:lnRef idx="2">
-                <a:schemeClr val="dk1">
-                  <a:shade val="80000"/>
-                  <a:hueOff val="0"/>
-                  <a:satOff val="0"/>
-                  <a:lumOff val="0"/>
-                  <a:alphaOff val="0"/>
-                </a:schemeClr>
-              </a:lnRef>
-              <a:fillRef idx="1">
-                <a:schemeClr val="lt1">
-                  <a:hueOff val="0"/>
-                  <a:satOff val="0"/>
-                  <a:lumOff val="0"/>
-                  <a:alphaOff val="0"/>
-                </a:schemeClr>
-              </a:fillRef>
-              <a:effectRef idx="0">
-                <a:schemeClr val="lt1">
-                  <a:hueOff val="0"/>
-                  <a:satOff val="0"/>
-                  <a:lumOff val="0"/>
-                  <a:alphaOff val="0"/>
-                </a:schemeClr>
-              </a:effectRef>
-              <a:fontRef idx="minor">
-                <a:schemeClr val="dk1">
-                  <a:hueOff val="0"/>
-                  <a:satOff val="0"/>
-                  <a:lumOff val="0"/>
-                  <a:alphaOff val="0"/>
-                </a:schemeClr>
-              </a:fontRef>
-            </p:style>
-          </p:sp>
-          <p:sp>
-            <p:nvSpPr>
-              <p:cNvPr id="10" name="Oval 4">
-                <a:extLst>
-                  <a:ext uri="{FF2B5EF4-FFF2-40B4-BE49-F238E27FC236}">
-                    <a16:creationId xmlns:a16="http://schemas.microsoft.com/office/drawing/2014/main" id="{B1BBFA59-13E1-453B-B98A-95269EED1CA5}"/>
-                  </a:ext>
-                </a:extLst>
-              </p:cNvPr>
-              <p:cNvSpPr txBox="1"/>
-              <p:nvPr/>
-            </p:nvSpPr>
-            <p:spPr>
-              <a:xfrm>
-                <a:off x="6025931" y="1838872"/>
-                <a:ext cx="1740921" cy="1740921"/>
-              </a:xfrm>
-              <a:prstGeom prst="rect">
-                <a:avLst/>
-              </a:prstGeom>
-            </p:spPr>
-            <p:style>
-              <a:lnRef idx="0">
-                <a:scrgbClr r="0" g="0" b="0"/>
-              </a:lnRef>
-              <a:fillRef idx="0">
-                <a:scrgbClr r="0" g="0" b="0"/>
-              </a:fillRef>
-              <a:effectRef idx="0">
-                <a:scrgbClr r="0" g="0" b="0"/>
-              </a:effectRef>
-              <a:fontRef idx="minor">
-                <a:schemeClr val="dk1">
-                  <a:hueOff val="0"/>
-                  <a:satOff val="0"/>
-                  <a:lumOff val="0"/>
-                  <a:alphaOff val="0"/>
-                </a:schemeClr>
-              </a:fontRef>
-            </p:style>
-            <p:txBody>
-              <a:bodyPr spcFirstLastPara="0" vert="horz" wrap="square" lIns="20320" tIns="20320" rIns="20320" bIns="20320" numCol="1" spcCol="1270" anchor="ctr" anchorCtr="0">
-                <a:noAutofit/>
-              </a:bodyPr>
-              <a:lstStyle/>
-              <a:p>
-                <a:pPr marL="0" lvl="0" indent="0" algn="ctr" defTabSz="711200">
-                  <a:lnSpc>
-                    <a:spcPct val="90000"/>
-                  </a:lnSpc>
-                  <a:spcBef>
-                    <a:spcPct val="0"/>
-                  </a:spcBef>
-                  <a:spcAft>
-                    <a:spcPct val="35000"/>
-                  </a:spcAft>
-                  <a:buNone/>
-                </a:pPr>
-                <a:r>
-                  <a:rPr lang="en-US" sz="1600" kern="1200" dirty="0"/>
-                  <a:t>📈 Linear regression model</a:t>
-                </a:r>
-              </a:p>
-            </p:txBody>
-          </p:sp>
-        </p:grpSp>
-        <p:grpSp>
-          <p:nvGrpSpPr>
-            <p:cNvPr id="11" name="Group 10">
+            <a:prstGeom prst="rect">
+              <a:avLst/>
+            </a:prstGeom>
+          </p:spPr>
+          <p:style>
+            <a:lnRef idx="0">
+              <a:scrgbClr r="0" g="0" b="0"/>
+            </a:lnRef>
+            <a:fillRef idx="0">
+              <a:scrgbClr r="0" g="0" b="0"/>
+            </a:fillRef>
+            <a:effectRef idx="0">
+              <a:scrgbClr r="0" g="0" b="0"/>
+            </a:effectRef>
+            <a:fontRef idx="minor">
+              <a:schemeClr val="dk1">
+                <a:hueOff val="0"/>
+                <a:satOff val="0"/>
+                <a:lumOff val="0"/>
+                <a:alphaOff val="0"/>
+              </a:schemeClr>
+            </a:fontRef>
+          </p:style>
+          <p:txBody>
+            <a:bodyPr spcFirstLastPara="0" vert="horz" wrap="square" lIns="20320" tIns="20320" rIns="20320" bIns="20320" numCol="1" spcCol="1270" anchor="ctr" anchorCtr="0">
+              <a:noAutofit/>
+            </a:bodyPr>
+            <a:lstStyle/>
+            <a:p>
+              <a:pPr marL="0" lvl="0" indent="0" algn="ctr" defTabSz="711200">
+                <a:lnSpc>
+                  <a:spcPct val="90000"/>
+                </a:lnSpc>
+                <a:spcBef>
+                  <a:spcPct val="0"/>
+                </a:spcBef>
+                <a:spcAft>
+                  <a:spcPct val="35000"/>
+                </a:spcAft>
+                <a:buNone/>
+              </a:pPr>
+              <a:r>
+                <a:rPr lang="en-US" sz="1600" kern="1200" dirty="0"/>
+                <a:t>⚙ Processed</a:t>
+              </a:r>
+            </a:p>
+          </p:txBody>
+        </p:sp>
+      </p:grpSp>
+      <p:grpSp>
+        <p:nvGrpSpPr>
+          <p:cNvPr id="8" name="Group 7">
+            <a:extLst>
+              <a:ext uri="{FF2B5EF4-FFF2-40B4-BE49-F238E27FC236}">
+                <a16:creationId xmlns:a16="http://schemas.microsoft.com/office/drawing/2014/main" id="{E71E5EF2-5CB7-4728-B38F-4559A98064D2}"/>
+              </a:ext>
+            </a:extLst>
+          </p:cNvPr>
+          <p:cNvGrpSpPr/>
+          <p:nvPr/>
+        </p:nvGrpSpPr>
+        <p:grpSpPr>
+          <a:xfrm>
+            <a:off x="6751818" y="1474084"/>
+            <a:ext cx="1912758" cy="1912758"/>
+            <a:chOff x="5665375" y="1478316"/>
+            <a:chExt cx="2462033" cy="2462033"/>
+          </a:xfrm>
+        </p:grpSpPr>
+        <p:sp>
+          <p:nvSpPr>
+            <p:cNvPr id="9" name="Oval 8">
               <a:extLst>
                 <a:ext uri="{FF2B5EF4-FFF2-40B4-BE49-F238E27FC236}">
-                  <a16:creationId xmlns:a16="http://schemas.microsoft.com/office/drawing/2014/main" id="{B4D7A09A-1241-4A15-9BD9-412040B2CA30}"/>
+                  <a16:creationId xmlns:a16="http://schemas.microsoft.com/office/drawing/2014/main" id="{12FA4AC0-A606-4700-8912-F95CE18507E1}"/>
                 </a:ext>
               </a:extLst>
             </p:cNvPr>
-            <p:cNvGrpSpPr/>
+            <p:cNvSpPr/>
             <p:nvPr/>
-          </p:nvGrpSpPr>
-          <p:grpSpPr>
+          </p:nvSpPr>
+          <p:spPr>
             <a:xfrm>
-              <a:off x="5622402" y="4030843"/>
-              <a:ext cx="1912758" cy="1912758"/>
-              <a:chOff x="5665375" y="1478316"/>
-              <a:chExt cx="2462033" cy="2462033"/>
+              <a:off x="5665375" y="1478316"/>
+              <a:ext cx="2462033" cy="2462033"/>
             </a:xfrm>
-          </p:grpSpPr>
-          <p:sp>
-            <p:nvSpPr>
-              <p:cNvPr id="12" name="Oval 11">
-                <a:extLst>
-                  <a:ext uri="{FF2B5EF4-FFF2-40B4-BE49-F238E27FC236}">
-                    <a16:creationId xmlns:a16="http://schemas.microsoft.com/office/drawing/2014/main" id="{87D43369-40C1-4474-964A-E8E8428EE4F7}"/>
-                  </a:ext>
-                </a:extLst>
-              </p:cNvPr>
-              <p:cNvSpPr/>
-              <p:nvPr/>
-            </p:nvSpPr>
-            <p:spPr>
-              <a:xfrm>
-                <a:off x="5665375" y="1478316"/>
-                <a:ext cx="2462033" cy="2462033"/>
-              </a:xfrm>
-              <a:prstGeom prst="ellipse">
-                <a:avLst/>
-              </a:prstGeom>
-            </p:spPr>
-            <p:style>
-              <a:lnRef idx="2">
-                <a:schemeClr val="dk1">
-                  <a:shade val="80000"/>
-                  <a:hueOff val="0"/>
-                  <a:satOff val="0"/>
-                  <a:lumOff val="0"/>
-                  <a:alphaOff val="0"/>
-                </a:schemeClr>
-              </a:lnRef>
-              <a:fillRef idx="1">
-                <a:schemeClr val="lt1">
-                  <a:hueOff val="0"/>
-                  <a:satOff val="0"/>
-                  <a:lumOff val="0"/>
-                  <a:alphaOff val="0"/>
-                </a:schemeClr>
-              </a:fillRef>
-              <a:effectRef idx="0">
-                <a:schemeClr val="lt1">
-                  <a:hueOff val="0"/>
-                  <a:satOff val="0"/>
-                  <a:lumOff val="0"/>
-                  <a:alphaOff val="0"/>
-                </a:schemeClr>
-              </a:effectRef>
-              <a:fontRef idx="minor">
-                <a:schemeClr val="dk1">
-                  <a:hueOff val="0"/>
-                  <a:satOff val="0"/>
-                  <a:lumOff val="0"/>
-                  <a:alphaOff val="0"/>
-                </a:schemeClr>
-              </a:fontRef>
-            </p:style>
-          </p:sp>
-          <p:sp>
-            <p:nvSpPr>
-              <p:cNvPr id="13" name="Oval 4">
-                <a:extLst>
-                  <a:ext uri="{FF2B5EF4-FFF2-40B4-BE49-F238E27FC236}">
-                    <a16:creationId xmlns:a16="http://schemas.microsoft.com/office/drawing/2014/main" id="{895897F3-9093-4BC9-B192-B90C0C312D2E}"/>
-                  </a:ext>
-                </a:extLst>
-              </p:cNvPr>
-              <p:cNvSpPr txBox="1"/>
-              <p:nvPr/>
-            </p:nvSpPr>
-            <p:spPr>
-              <a:xfrm>
-                <a:off x="6025931" y="1838872"/>
-                <a:ext cx="1740921" cy="1740921"/>
-              </a:xfrm>
-              <a:prstGeom prst="rect">
-                <a:avLst/>
-              </a:prstGeom>
-            </p:spPr>
-            <p:style>
-              <a:lnRef idx="0">
-                <a:scrgbClr r="0" g="0" b="0"/>
-              </a:lnRef>
-              <a:fillRef idx="0">
-                <a:scrgbClr r="0" g="0" b="0"/>
-              </a:fillRef>
-              <a:effectRef idx="0">
-                <a:scrgbClr r="0" g="0" b="0"/>
-              </a:effectRef>
-              <a:fontRef idx="minor">
-                <a:schemeClr val="dk1">
-                  <a:hueOff val="0"/>
-                  <a:satOff val="0"/>
-                  <a:lumOff val="0"/>
-                  <a:alphaOff val="0"/>
-                </a:schemeClr>
-              </a:fontRef>
-            </p:style>
-            <p:txBody>
-              <a:bodyPr spcFirstLastPara="0" vert="horz" wrap="square" lIns="20320" tIns="20320" rIns="20320" bIns="20320" numCol="1" spcCol="1270" anchor="ctr" anchorCtr="0">
-                <a:noAutofit/>
-              </a:bodyPr>
-              <a:lstStyle/>
-              <a:p>
-                <a:pPr marL="0" lvl="0" indent="0" algn="ctr" defTabSz="711200">
-                  <a:lnSpc>
-                    <a:spcPct val="90000"/>
-                  </a:lnSpc>
-                  <a:spcBef>
-                    <a:spcPct val="0"/>
-                  </a:spcBef>
-                  <a:spcAft>
-                    <a:spcPct val="35000"/>
-                  </a:spcAft>
-                  <a:buNone/>
-                </a:pPr>
-                <a:r>
-                  <a:rPr lang="en-US" sz="1600" kern="1200" dirty="0"/>
-                  <a:t>🧮 Clustering model</a:t>
-                </a:r>
-              </a:p>
-            </p:txBody>
-          </p:sp>
-        </p:grpSp>
+            <a:prstGeom prst="ellipse">
+              <a:avLst/>
+            </a:prstGeom>
+          </p:spPr>
+          <p:style>
+            <a:lnRef idx="2">
+              <a:schemeClr val="dk1">
+                <a:shade val="80000"/>
+                <a:hueOff val="0"/>
+                <a:satOff val="0"/>
+                <a:lumOff val="0"/>
+                <a:alphaOff val="0"/>
+              </a:schemeClr>
+            </a:lnRef>
+            <a:fillRef idx="1">
+              <a:schemeClr val="lt1">
+                <a:hueOff val="0"/>
+                <a:satOff val="0"/>
+                <a:lumOff val="0"/>
+                <a:alphaOff val="0"/>
+              </a:schemeClr>
+            </a:fillRef>
+            <a:effectRef idx="0">
+              <a:schemeClr val="lt1">
+                <a:hueOff val="0"/>
+                <a:satOff val="0"/>
+                <a:lumOff val="0"/>
+                <a:alphaOff val="0"/>
+              </a:schemeClr>
+            </a:effectRef>
+            <a:fontRef idx="minor">
+              <a:schemeClr val="dk1">
+                <a:hueOff val="0"/>
+                <a:satOff val="0"/>
+                <a:lumOff val="0"/>
+                <a:alphaOff val="0"/>
+              </a:schemeClr>
+            </a:fontRef>
+          </p:style>
+        </p:sp>
+        <p:sp>
+          <p:nvSpPr>
+            <p:cNvPr id="10" name="Oval 4">
+              <a:extLst>
+                <a:ext uri="{FF2B5EF4-FFF2-40B4-BE49-F238E27FC236}">
+                  <a16:creationId xmlns:a16="http://schemas.microsoft.com/office/drawing/2014/main" id="{B1BBFA59-13E1-453B-B98A-95269EED1CA5}"/>
+                </a:ext>
+              </a:extLst>
+            </p:cNvPr>
+            <p:cNvSpPr txBox="1"/>
+            <p:nvPr/>
+          </p:nvSpPr>
+          <p:spPr>
+            <a:xfrm>
+              <a:off x="6025931" y="1838872"/>
+              <a:ext cx="1740921" cy="1740921"/>
+            </a:xfrm>
+            <a:prstGeom prst="rect">
+              <a:avLst/>
+            </a:prstGeom>
+          </p:spPr>
+          <p:style>
+            <a:lnRef idx="0">
+              <a:scrgbClr r="0" g="0" b="0"/>
+            </a:lnRef>
+            <a:fillRef idx="0">
+              <a:scrgbClr r="0" g="0" b="0"/>
+            </a:fillRef>
+            <a:effectRef idx="0">
+              <a:scrgbClr r="0" g="0" b="0"/>
+            </a:effectRef>
+            <a:fontRef idx="minor">
+              <a:schemeClr val="dk1">
+                <a:hueOff val="0"/>
+                <a:satOff val="0"/>
+                <a:lumOff val="0"/>
+                <a:alphaOff val="0"/>
+              </a:schemeClr>
+            </a:fontRef>
+          </p:style>
+          <p:txBody>
+            <a:bodyPr spcFirstLastPara="0" vert="horz" wrap="square" lIns="20320" tIns="20320" rIns="20320" bIns="20320" numCol="1" spcCol="1270" anchor="ctr" anchorCtr="0">
+              <a:noAutofit/>
+            </a:bodyPr>
+            <a:lstStyle/>
+            <a:p>
+              <a:pPr marL="0" lvl="0" indent="0" algn="ctr" defTabSz="711200">
+                <a:lnSpc>
+                  <a:spcPct val="90000"/>
+                </a:lnSpc>
+                <a:spcBef>
+                  <a:spcPct val="0"/>
+                </a:spcBef>
+                <a:spcAft>
+                  <a:spcPct val="35000"/>
+                </a:spcAft>
+                <a:buNone/>
+              </a:pPr>
+              <a:r>
+                <a:rPr lang="en-US" sz="1600" kern="1200" dirty="0"/>
+                <a:t>📈 Linear regression model</a:t>
+              </a:r>
+            </a:p>
+          </p:txBody>
+        </p:sp>
       </p:grpSp>
       <p:grpSp>
         <p:nvGrpSpPr>
@@ -7697,148 +8747,6 @@
           </p:txBody>
         </p:sp>
       </p:grpSp>
-      <p:grpSp>
-        <p:nvGrpSpPr>
-          <p:cNvPr id="19" name="Group 18">
-            <a:extLst>
-              <a:ext uri="{FF2B5EF4-FFF2-40B4-BE49-F238E27FC236}">
-                <a16:creationId xmlns:a16="http://schemas.microsoft.com/office/drawing/2014/main" id="{F3CCEB17-E5E2-4596-AACF-F539E906E21A}"/>
-              </a:ext>
-            </a:extLst>
-          </p:cNvPr>
-          <p:cNvGrpSpPr/>
-          <p:nvPr/>
-        </p:nvGrpSpPr>
-        <p:grpSpPr>
-          <a:xfrm rot="1800000">
-            <a:off x="6350013" y="3898629"/>
-            <a:ext cx="264427" cy="264427"/>
-            <a:chOff x="1587404" y="2577119"/>
-            <a:chExt cx="264427" cy="264427"/>
-          </a:xfrm>
-        </p:grpSpPr>
-        <p:sp>
-          <p:nvSpPr>
-            <p:cNvPr id="20" name="Plus Sign 16">
-              <a:extLst>
-                <a:ext uri="{FF2B5EF4-FFF2-40B4-BE49-F238E27FC236}">
-                  <a16:creationId xmlns:a16="http://schemas.microsoft.com/office/drawing/2014/main" id="{1BA8C6E7-1634-451C-A0B1-B215FA8FF36F}"/>
-                </a:ext>
-              </a:extLst>
-            </p:cNvPr>
-            <p:cNvSpPr/>
-            <p:nvPr/>
-          </p:nvSpPr>
-          <p:spPr>
-            <a:xfrm>
-              <a:off x="1587404" y="2577119"/>
-              <a:ext cx="264427" cy="264427"/>
-            </a:xfrm>
-            <a:prstGeom prst="rightArrow">
-              <a:avLst/>
-            </a:prstGeom>
-          </p:spPr>
-          <p:style>
-            <a:lnRef idx="0">
-              <a:schemeClr val="dk1">
-                <a:tint val="60000"/>
-                <a:hueOff val="0"/>
-                <a:satOff val="0"/>
-                <a:lumOff val="0"/>
-                <a:alphaOff val="0"/>
-              </a:schemeClr>
-            </a:lnRef>
-            <a:fillRef idx="1">
-              <a:schemeClr val="dk1">
-                <a:tint val="60000"/>
-                <a:hueOff val="0"/>
-                <a:satOff val="0"/>
-                <a:lumOff val="0"/>
-                <a:alphaOff val="0"/>
-              </a:schemeClr>
-            </a:fillRef>
-            <a:effectRef idx="0">
-              <a:schemeClr val="dk1">
-                <a:tint val="60000"/>
-                <a:hueOff val="0"/>
-                <a:satOff val="0"/>
-                <a:lumOff val="0"/>
-                <a:alphaOff val="0"/>
-              </a:schemeClr>
-            </a:effectRef>
-            <a:fontRef idx="minor">
-              <a:schemeClr val="dk1">
-                <a:hueOff val="0"/>
-                <a:satOff val="0"/>
-                <a:lumOff val="0"/>
-                <a:alphaOff val="0"/>
-              </a:schemeClr>
-            </a:fontRef>
-          </p:style>
-        </p:sp>
-        <p:sp>
-          <p:nvSpPr>
-            <p:cNvPr id="21" name="Plus Sign 4">
-              <a:extLst>
-                <a:ext uri="{FF2B5EF4-FFF2-40B4-BE49-F238E27FC236}">
-                  <a16:creationId xmlns:a16="http://schemas.microsoft.com/office/drawing/2014/main" id="{3E156994-7F9E-48FE-9AAA-09D505A295AF}"/>
-                </a:ext>
-              </a:extLst>
-            </p:cNvPr>
-            <p:cNvSpPr txBox="1"/>
-            <p:nvPr/>
-          </p:nvSpPr>
-          <p:spPr>
-            <a:xfrm>
-              <a:off x="1622454" y="2678236"/>
-              <a:ext cx="194327" cy="62193"/>
-            </a:xfrm>
-            <a:prstGeom prst="rightArrow">
-              <a:avLst/>
-            </a:prstGeom>
-          </p:spPr>
-          <p:style>
-            <a:lnRef idx="0">
-              <a:scrgbClr r="0" g="0" b="0"/>
-            </a:lnRef>
-            <a:fillRef idx="0">
-              <a:scrgbClr r="0" g="0" b="0"/>
-            </a:fillRef>
-            <a:effectRef idx="0">
-              <a:scrgbClr r="0" g="0" b="0"/>
-            </a:effectRef>
-            <a:fontRef idx="minor">
-              <a:schemeClr val="dk1">
-                <a:hueOff val="0"/>
-                <a:satOff val="0"/>
-                <a:lumOff val="0"/>
-                <a:alphaOff val="0"/>
-              </a:schemeClr>
-            </a:fontRef>
-          </p:style>
-          <p:txBody>
-            <a:bodyPr spcFirstLastPara="0" vert="horz" wrap="square" lIns="0" tIns="0" rIns="0" bIns="0" numCol="1" spcCol="1270" anchor="ctr" anchorCtr="0">
-              <a:noAutofit/>
-            </a:bodyPr>
-            <a:lstStyle/>
-            <a:p>
-              <a:pPr marL="0" lvl="0" indent="0" algn="ctr" defTabSz="488950">
-                <a:lnSpc>
-                  <a:spcPct val="90000"/>
-                </a:lnSpc>
-                <a:spcBef>
-                  <a:spcPct val="0"/>
-                </a:spcBef>
-                <a:spcAft>
-                  <a:spcPct val="35000"/>
-                </a:spcAft>
-                <a:buNone/>
-              </a:pPr>
-              <a:endParaRPr lang="en-US" sz="1100" kern="1200"/>
-            </a:p>
-          </p:txBody>
-        </p:sp>
-      </p:grpSp>
     </p:spTree>
     <p:extLst>
       <p:ext uri="{BB962C8B-B14F-4D97-AF65-F5344CB8AC3E}">
@@ -7892,17 +8800,17 @@
           <a:p>
             <a:r>
               <a:rPr lang="en-US" dirty="0"/>
-              <a:t>Linear regression model</a:t>
+              <a:t>Regression model</a:t>
             </a:r>
           </a:p>
         </p:txBody>
       </p:sp>
       <p:grpSp>
         <p:nvGrpSpPr>
-          <p:cNvPr id="14" name="Group 13">
+          <p:cNvPr id="8" name="Group 7">
             <a:extLst>
               <a:ext uri="{FF2B5EF4-FFF2-40B4-BE49-F238E27FC236}">
-                <a16:creationId xmlns:a16="http://schemas.microsoft.com/office/drawing/2014/main" id="{A32C42B4-0026-402C-B98D-9F4E86AD3FE6}"/>
+                <a16:creationId xmlns:a16="http://schemas.microsoft.com/office/drawing/2014/main" id="{E71E5EF2-5CB7-4728-B38F-4559A98064D2}"/>
               </a:ext>
             </a:extLst>
           </p:cNvPr>
@@ -7911,468 +8819,18 @@
         </p:nvGrpSpPr>
         <p:grpSpPr>
           <a:xfrm>
-            <a:off x="3527424" y="1474084"/>
-            <a:ext cx="5137152" cy="4469517"/>
-            <a:chOff x="2398009" y="1474084"/>
-            <a:chExt cx="5137152" cy="4469517"/>
-          </a:xfrm>
-        </p:grpSpPr>
-        <p:grpSp>
-          <p:nvGrpSpPr>
-            <p:cNvPr id="5" name="Group 4">
-              <a:extLst>
-                <a:ext uri="{FF2B5EF4-FFF2-40B4-BE49-F238E27FC236}">
-                  <a16:creationId xmlns:a16="http://schemas.microsoft.com/office/drawing/2014/main" id="{B5832450-4DAE-48AC-8729-D74DB02D3730}"/>
-                </a:ext>
-              </a:extLst>
-            </p:cNvPr>
-            <p:cNvGrpSpPr/>
-            <p:nvPr/>
-          </p:nvGrpSpPr>
-          <p:grpSpPr>
-            <a:xfrm>
-              <a:off x="2398009" y="2430463"/>
-              <a:ext cx="2462033" cy="2462033"/>
-              <a:chOff x="5665375" y="1478316"/>
-              <a:chExt cx="2462033" cy="2462033"/>
-            </a:xfrm>
-          </p:grpSpPr>
-          <p:sp>
-            <p:nvSpPr>
-              <p:cNvPr id="6" name="Oval 5">
-                <a:extLst>
-                  <a:ext uri="{FF2B5EF4-FFF2-40B4-BE49-F238E27FC236}">
-                    <a16:creationId xmlns:a16="http://schemas.microsoft.com/office/drawing/2014/main" id="{50F958EC-BEB2-4591-8535-6C043747678E}"/>
-                  </a:ext>
-                </a:extLst>
-              </p:cNvPr>
-              <p:cNvSpPr/>
-              <p:nvPr/>
-            </p:nvSpPr>
-            <p:spPr>
-              <a:xfrm>
-                <a:off x="5665375" y="1478316"/>
-                <a:ext cx="2462033" cy="2462033"/>
-              </a:xfrm>
-              <a:prstGeom prst="ellipse">
-                <a:avLst/>
-              </a:prstGeom>
-            </p:spPr>
-            <p:style>
-              <a:lnRef idx="2">
-                <a:schemeClr val="dk1">
-                  <a:shade val="80000"/>
-                  <a:hueOff val="0"/>
-                  <a:satOff val="0"/>
-                  <a:lumOff val="0"/>
-                  <a:alphaOff val="0"/>
-                </a:schemeClr>
-              </a:lnRef>
-              <a:fillRef idx="1">
-                <a:schemeClr val="lt1">
-                  <a:hueOff val="0"/>
-                  <a:satOff val="0"/>
-                  <a:lumOff val="0"/>
-                  <a:alphaOff val="0"/>
-                </a:schemeClr>
-              </a:fillRef>
-              <a:effectRef idx="0">
-                <a:schemeClr val="lt1">
-                  <a:hueOff val="0"/>
-                  <a:satOff val="0"/>
-                  <a:lumOff val="0"/>
-                  <a:alphaOff val="0"/>
-                </a:schemeClr>
-              </a:effectRef>
-              <a:fontRef idx="minor">
-                <a:schemeClr val="dk1">
-                  <a:hueOff val="0"/>
-                  <a:satOff val="0"/>
-                  <a:lumOff val="0"/>
-                  <a:alphaOff val="0"/>
-                </a:schemeClr>
-              </a:fontRef>
-            </p:style>
-          </p:sp>
-          <p:sp>
-            <p:nvSpPr>
-              <p:cNvPr id="7" name="Oval 4">
-                <a:extLst>
-                  <a:ext uri="{FF2B5EF4-FFF2-40B4-BE49-F238E27FC236}">
-                    <a16:creationId xmlns:a16="http://schemas.microsoft.com/office/drawing/2014/main" id="{6C8D6689-4F48-4B67-8BB9-C6552D2778E7}"/>
-                  </a:ext>
-                </a:extLst>
-              </p:cNvPr>
-              <p:cNvSpPr txBox="1"/>
-              <p:nvPr/>
-            </p:nvSpPr>
-            <p:spPr>
-              <a:xfrm>
-                <a:off x="6025931" y="1838872"/>
-                <a:ext cx="1740921" cy="1740921"/>
-              </a:xfrm>
-              <a:prstGeom prst="rect">
-                <a:avLst/>
-              </a:prstGeom>
-            </p:spPr>
-            <p:style>
-              <a:lnRef idx="0">
-                <a:scrgbClr r="0" g="0" b="0"/>
-              </a:lnRef>
-              <a:fillRef idx="0">
-                <a:scrgbClr r="0" g="0" b="0"/>
-              </a:fillRef>
-              <a:effectRef idx="0">
-                <a:scrgbClr r="0" g="0" b="0"/>
-              </a:effectRef>
-              <a:fontRef idx="minor">
-                <a:schemeClr val="dk1">
-                  <a:hueOff val="0"/>
-                  <a:satOff val="0"/>
-                  <a:lumOff val="0"/>
-                  <a:alphaOff val="0"/>
-                </a:schemeClr>
-              </a:fontRef>
-            </p:style>
-            <p:txBody>
-              <a:bodyPr spcFirstLastPara="0" vert="horz" wrap="square" lIns="20320" tIns="20320" rIns="20320" bIns="20320" numCol="1" spcCol="1270" anchor="ctr" anchorCtr="0">
-                <a:noAutofit/>
-              </a:bodyPr>
-              <a:lstStyle/>
-              <a:p>
-                <a:pPr marL="0" lvl="0" indent="0" algn="ctr" defTabSz="711200">
-                  <a:lnSpc>
-                    <a:spcPct val="90000"/>
-                  </a:lnSpc>
-                  <a:spcBef>
-                    <a:spcPct val="0"/>
-                  </a:spcBef>
-                  <a:spcAft>
-                    <a:spcPct val="35000"/>
-                  </a:spcAft>
-                  <a:buNone/>
-                </a:pPr>
-                <a:r>
-                  <a:rPr lang="en-US" sz="1600" kern="1200" dirty="0"/>
-                  <a:t>⚙ Processed</a:t>
-                </a:r>
-              </a:p>
-            </p:txBody>
-          </p:sp>
-        </p:grpSp>
-        <p:grpSp>
-          <p:nvGrpSpPr>
-            <p:cNvPr id="8" name="Group 7">
-              <a:extLst>
-                <a:ext uri="{FF2B5EF4-FFF2-40B4-BE49-F238E27FC236}">
-                  <a16:creationId xmlns:a16="http://schemas.microsoft.com/office/drawing/2014/main" id="{E71E5EF2-5CB7-4728-B38F-4559A98064D2}"/>
-                </a:ext>
-              </a:extLst>
-            </p:cNvPr>
-            <p:cNvGrpSpPr/>
-            <p:nvPr/>
-          </p:nvGrpSpPr>
-          <p:grpSpPr>
-            <a:xfrm>
-              <a:off x="5622403" y="1474084"/>
-              <a:ext cx="1912758" cy="1912758"/>
-              <a:chOff x="5665375" y="1478316"/>
-              <a:chExt cx="2462033" cy="2462033"/>
-            </a:xfrm>
-          </p:grpSpPr>
-          <p:sp>
-            <p:nvSpPr>
-              <p:cNvPr id="9" name="Oval 8">
-                <a:extLst>
-                  <a:ext uri="{FF2B5EF4-FFF2-40B4-BE49-F238E27FC236}">
-                    <a16:creationId xmlns:a16="http://schemas.microsoft.com/office/drawing/2014/main" id="{12FA4AC0-A606-4700-8912-F95CE18507E1}"/>
-                  </a:ext>
-                </a:extLst>
-              </p:cNvPr>
-              <p:cNvSpPr/>
-              <p:nvPr/>
-            </p:nvSpPr>
-            <p:spPr>
-              <a:xfrm>
-                <a:off x="5665375" y="1478316"/>
-                <a:ext cx="2462033" cy="2462033"/>
-              </a:xfrm>
-              <a:prstGeom prst="ellipse">
-                <a:avLst/>
-              </a:prstGeom>
-            </p:spPr>
-            <p:style>
-              <a:lnRef idx="2">
-                <a:schemeClr val="dk1">
-                  <a:shade val="80000"/>
-                  <a:hueOff val="0"/>
-                  <a:satOff val="0"/>
-                  <a:lumOff val="0"/>
-                  <a:alphaOff val="0"/>
-                </a:schemeClr>
-              </a:lnRef>
-              <a:fillRef idx="1">
-                <a:schemeClr val="lt1">
-                  <a:hueOff val="0"/>
-                  <a:satOff val="0"/>
-                  <a:lumOff val="0"/>
-                  <a:alphaOff val="0"/>
-                </a:schemeClr>
-              </a:fillRef>
-              <a:effectRef idx="0">
-                <a:schemeClr val="lt1">
-                  <a:hueOff val="0"/>
-                  <a:satOff val="0"/>
-                  <a:lumOff val="0"/>
-                  <a:alphaOff val="0"/>
-                </a:schemeClr>
-              </a:effectRef>
-              <a:fontRef idx="minor">
-                <a:schemeClr val="dk1">
-                  <a:hueOff val="0"/>
-                  <a:satOff val="0"/>
-                  <a:lumOff val="0"/>
-                  <a:alphaOff val="0"/>
-                </a:schemeClr>
-              </a:fontRef>
-            </p:style>
-          </p:sp>
-          <p:sp>
-            <p:nvSpPr>
-              <p:cNvPr id="10" name="Oval 4">
-                <a:extLst>
-                  <a:ext uri="{FF2B5EF4-FFF2-40B4-BE49-F238E27FC236}">
-                    <a16:creationId xmlns:a16="http://schemas.microsoft.com/office/drawing/2014/main" id="{B1BBFA59-13E1-453B-B98A-95269EED1CA5}"/>
-                  </a:ext>
-                </a:extLst>
-              </p:cNvPr>
-              <p:cNvSpPr txBox="1"/>
-              <p:nvPr/>
-            </p:nvSpPr>
-            <p:spPr>
-              <a:xfrm>
-                <a:off x="6025931" y="1838872"/>
-                <a:ext cx="1740921" cy="1740921"/>
-              </a:xfrm>
-              <a:prstGeom prst="rect">
-                <a:avLst/>
-              </a:prstGeom>
-            </p:spPr>
-            <p:style>
-              <a:lnRef idx="0">
-                <a:scrgbClr r="0" g="0" b="0"/>
-              </a:lnRef>
-              <a:fillRef idx="0">
-                <a:scrgbClr r="0" g="0" b="0"/>
-              </a:fillRef>
-              <a:effectRef idx="0">
-                <a:scrgbClr r="0" g="0" b="0"/>
-              </a:effectRef>
-              <a:fontRef idx="minor">
-                <a:schemeClr val="dk1">
-                  <a:hueOff val="0"/>
-                  <a:satOff val="0"/>
-                  <a:lumOff val="0"/>
-                  <a:alphaOff val="0"/>
-                </a:schemeClr>
-              </a:fontRef>
-            </p:style>
-            <p:txBody>
-              <a:bodyPr spcFirstLastPara="0" vert="horz" wrap="square" lIns="20320" tIns="20320" rIns="20320" bIns="20320" numCol="1" spcCol="1270" anchor="ctr" anchorCtr="0">
-                <a:noAutofit/>
-              </a:bodyPr>
-              <a:lstStyle/>
-              <a:p>
-                <a:pPr marL="0" lvl="0" indent="0" algn="ctr" defTabSz="711200">
-                  <a:lnSpc>
-                    <a:spcPct val="90000"/>
-                  </a:lnSpc>
-                  <a:spcBef>
-                    <a:spcPct val="0"/>
-                  </a:spcBef>
-                  <a:spcAft>
-                    <a:spcPct val="35000"/>
-                  </a:spcAft>
-                  <a:buNone/>
-                </a:pPr>
-                <a:r>
-                  <a:rPr lang="en-US" sz="1600" kern="1200" dirty="0"/>
-                  <a:t>📈 Linear regression model</a:t>
-                </a:r>
-              </a:p>
-            </p:txBody>
-          </p:sp>
-        </p:grpSp>
-        <p:grpSp>
-          <p:nvGrpSpPr>
-            <p:cNvPr id="11" name="Group 10">
-              <a:extLst>
-                <a:ext uri="{FF2B5EF4-FFF2-40B4-BE49-F238E27FC236}">
-                  <a16:creationId xmlns:a16="http://schemas.microsoft.com/office/drawing/2014/main" id="{B4D7A09A-1241-4A15-9BD9-412040B2CA30}"/>
-                </a:ext>
-              </a:extLst>
-            </p:cNvPr>
-            <p:cNvGrpSpPr/>
-            <p:nvPr/>
-          </p:nvGrpSpPr>
-          <p:grpSpPr>
-            <a:xfrm>
-              <a:off x="5622402" y="4030843"/>
-              <a:ext cx="1912758" cy="1912758"/>
-              <a:chOff x="5665375" y="1478316"/>
-              <a:chExt cx="2462033" cy="2462033"/>
-            </a:xfrm>
-          </p:grpSpPr>
-          <p:sp>
-            <p:nvSpPr>
-              <p:cNvPr id="12" name="Oval 11">
-                <a:extLst>
-                  <a:ext uri="{FF2B5EF4-FFF2-40B4-BE49-F238E27FC236}">
-                    <a16:creationId xmlns:a16="http://schemas.microsoft.com/office/drawing/2014/main" id="{87D43369-40C1-4474-964A-E8E8428EE4F7}"/>
-                  </a:ext>
-                </a:extLst>
-              </p:cNvPr>
-              <p:cNvSpPr/>
-              <p:nvPr/>
-            </p:nvSpPr>
-            <p:spPr>
-              <a:xfrm>
-                <a:off x="5665375" y="1478316"/>
-                <a:ext cx="2462033" cy="2462033"/>
-              </a:xfrm>
-              <a:prstGeom prst="ellipse">
-                <a:avLst/>
-              </a:prstGeom>
-            </p:spPr>
-            <p:style>
-              <a:lnRef idx="2">
-                <a:schemeClr val="dk1">
-                  <a:shade val="80000"/>
-                  <a:hueOff val="0"/>
-                  <a:satOff val="0"/>
-                  <a:lumOff val="0"/>
-                  <a:alphaOff val="0"/>
-                </a:schemeClr>
-              </a:lnRef>
-              <a:fillRef idx="1">
-                <a:schemeClr val="lt1">
-                  <a:hueOff val="0"/>
-                  <a:satOff val="0"/>
-                  <a:lumOff val="0"/>
-                  <a:alphaOff val="0"/>
-                </a:schemeClr>
-              </a:fillRef>
-              <a:effectRef idx="0">
-                <a:schemeClr val="lt1">
-                  <a:hueOff val="0"/>
-                  <a:satOff val="0"/>
-                  <a:lumOff val="0"/>
-                  <a:alphaOff val="0"/>
-                </a:schemeClr>
-              </a:effectRef>
-              <a:fontRef idx="minor">
-                <a:schemeClr val="dk1">
-                  <a:hueOff val="0"/>
-                  <a:satOff val="0"/>
-                  <a:lumOff val="0"/>
-                  <a:alphaOff val="0"/>
-                </a:schemeClr>
-              </a:fontRef>
-            </p:style>
-          </p:sp>
-          <p:sp>
-            <p:nvSpPr>
-              <p:cNvPr id="13" name="Oval 4">
-                <a:extLst>
-                  <a:ext uri="{FF2B5EF4-FFF2-40B4-BE49-F238E27FC236}">
-                    <a16:creationId xmlns:a16="http://schemas.microsoft.com/office/drawing/2014/main" id="{895897F3-9093-4BC9-B192-B90C0C312D2E}"/>
-                  </a:ext>
-                </a:extLst>
-              </p:cNvPr>
-              <p:cNvSpPr txBox="1"/>
-              <p:nvPr/>
-            </p:nvSpPr>
-            <p:spPr>
-              <a:xfrm>
-                <a:off x="6025931" y="1838872"/>
-                <a:ext cx="1740921" cy="1740921"/>
-              </a:xfrm>
-              <a:prstGeom prst="rect">
-                <a:avLst/>
-              </a:prstGeom>
-            </p:spPr>
-            <p:style>
-              <a:lnRef idx="0">
-                <a:scrgbClr r="0" g="0" b="0"/>
-              </a:lnRef>
-              <a:fillRef idx="0">
-                <a:scrgbClr r="0" g="0" b="0"/>
-              </a:fillRef>
-              <a:effectRef idx="0">
-                <a:scrgbClr r="0" g="0" b="0"/>
-              </a:effectRef>
-              <a:fontRef idx="minor">
-                <a:schemeClr val="dk1">
-                  <a:hueOff val="0"/>
-                  <a:satOff val="0"/>
-                  <a:lumOff val="0"/>
-                  <a:alphaOff val="0"/>
-                </a:schemeClr>
-              </a:fontRef>
-            </p:style>
-            <p:txBody>
-              <a:bodyPr spcFirstLastPara="0" vert="horz" wrap="square" lIns="20320" tIns="20320" rIns="20320" bIns="20320" numCol="1" spcCol="1270" anchor="ctr" anchorCtr="0">
-                <a:noAutofit/>
-              </a:bodyPr>
-              <a:lstStyle/>
-              <a:p>
-                <a:pPr marL="0" lvl="0" indent="0" algn="ctr" defTabSz="711200">
-                  <a:lnSpc>
-                    <a:spcPct val="90000"/>
-                  </a:lnSpc>
-                  <a:spcBef>
-                    <a:spcPct val="0"/>
-                  </a:spcBef>
-                  <a:spcAft>
-                    <a:spcPct val="35000"/>
-                  </a:spcAft>
-                  <a:buNone/>
-                </a:pPr>
-                <a:r>
-                  <a:rPr lang="en-US" sz="1600" kern="1200" dirty="0"/>
-                  <a:t>🧮 Clustering model</a:t>
-                </a:r>
-              </a:p>
-            </p:txBody>
-          </p:sp>
-        </p:grpSp>
-      </p:grpSp>
-      <p:grpSp>
-        <p:nvGrpSpPr>
-          <p:cNvPr id="16" name="Group 15">
-            <a:extLst>
-              <a:ext uri="{FF2B5EF4-FFF2-40B4-BE49-F238E27FC236}">
-                <a16:creationId xmlns:a16="http://schemas.microsoft.com/office/drawing/2014/main" id="{7CB81C2A-E647-4DD8-9A0D-E093C5991C0B}"/>
-              </a:ext>
-            </a:extLst>
-          </p:cNvPr>
-          <p:cNvGrpSpPr/>
-          <p:nvPr/>
-        </p:nvGrpSpPr>
-        <p:grpSpPr>
-          <a:xfrm rot="18900000">
-            <a:off x="6350013" y="2974512"/>
-            <a:ext cx="264427" cy="264427"/>
-            <a:chOff x="1587404" y="2577119"/>
-            <a:chExt cx="264427" cy="264427"/>
+            <a:off x="1557518" y="2472621"/>
+            <a:ext cx="1912758" cy="1912758"/>
+            <a:chOff x="5665375" y="1478316"/>
+            <a:chExt cx="2462033" cy="2462033"/>
           </a:xfrm>
         </p:grpSpPr>
         <p:sp>
           <p:nvSpPr>
-            <p:cNvPr id="17" name="Plus Sign 16">
+            <p:cNvPr id="9" name="Oval 8">
               <a:extLst>
                 <a:ext uri="{FF2B5EF4-FFF2-40B4-BE49-F238E27FC236}">
-                  <a16:creationId xmlns:a16="http://schemas.microsoft.com/office/drawing/2014/main" id="{9CBAAFCA-6EEC-400B-86D4-DB5CBD6C7C46}"/>
+                  <a16:creationId xmlns:a16="http://schemas.microsoft.com/office/drawing/2014/main" id="{12FA4AC0-A606-4700-8912-F95CE18507E1}"/>
                 </a:ext>
               </a:extLst>
             </p:cNvPr>
@@ -8381,17 +8839,17 @@
           </p:nvSpPr>
           <p:spPr>
             <a:xfrm>
-              <a:off x="1587404" y="2577119"/>
-              <a:ext cx="264427" cy="264427"/>
+              <a:off x="5665375" y="1478316"/>
+              <a:ext cx="2462033" cy="2462033"/>
             </a:xfrm>
-            <a:prstGeom prst="rightArrow">
+            <a:prstGeom prst="ellipse">
               <a:avLst/>
             </a:prstGeom>
           </p:spPr>
           <p:style>
-            <a:lnRef idx="0">
+            <a:lnRef idx="2">
               <a:schemeClr val="dk1">
-                <a:tint val="60000"/>
+                <a:shade val="80000"/>
                 <a:hueOff val="0"/>
                 <a:satOff val="0"/>
                 <a:lumOff val="0"/>
@@ -8399,8 +8857,7 @@
               </a:schemeClr>
             </a:lnRef>
             <a:fillRef idx="1">
-              <a:schemeClr val="dk1">
-                <a:tint val="60000"/>
+              <a:schemeClr val="lt1">
                 <a:hueOff val="0"/>
                 <a:satOff val="0"/>
                 <a:lumOff val="0"/>
@@ -8408,8 +8865,7 @@
               </a:schemeClr>
             </a:fillRef>
             <a:effectRef idx="0">
-              <a:schemeClr val="dk1">
-                <a:tint val="60000"/>
+              <a:schemeClr val="lt1">
                 <a:hueOff val="0"/>
                 <a:satOff val="0"/>
                 <a:lumOff val="0"/>
@@ -8428,10 +8884,10 @@
         </p:sp>
         <p:sp>
           <p:nvSpPr>
-            <p:cNvPr id="18" name="Plus Sign 4">
+            <p:cNvPr id="10" name="Oval 4">
               <a:extLst>
                 <a:ext uri="{FF2B5EF4-FFF2-40B4-BE49-F238E27FC236}">
-                  <a16:creationId xmlns:a16="http://schemas.microsoft.com/office/drawing/2014/main" id="{B99EC8D4-D13F-4284-905E-4691E6F18FD4}"/>
+                  <a16:creationId xmlns:a16="http://schemas.microsoft.com/office/drawing/2014/main" id="{B1BBFA59-13E1-453B-B98A-95269EED1CA5}"/>
                 </a:ext>
               </a:extLst>
             </p:cNvPr>
@@ -8440,10 +8896,10 @@
           </p:nvSpPr>
           <p:spPr>
             <a:xfrm>
-              <a:off x="1622454" y="2678236"/>
-              <a:ext cx="194327" cy="62193"/>
+              <a:off x="6025931" y="1838872"/>
+              <a:ext cx="1740921" cy="1740921"/>
             </a:xfrm>
-            <a:prstGeom prst="rightArrow">
+            <a:prstGeom prst="rect">
               <a:avLst/>
             </a:prstGeom>
           </p:spPr>
@@ -8467,12 +8923,12 @@
             </a:fontRef>
           </p:style>
           <p:txBody>
-            <a:bodyPr spcFirstLastPara="0" vert="horz" wrap="square" lIns="0" tIns="0" rIns="0" bIns="0" numCol="1" spcCol="1270" anchor="ctr" anchorCtr="0">
+            <a:bodyPr spcFirstLastPara="0" vert="horz" wrap="square" lIns="20320" tIns="20320" rIns="20320" bIns="20320" numCol="1" spcCol="1270" anchor="ctr" anchorCtr="0">
               <a:noAutofit/>
             </a:bodyPr>
             <a:lstStyle/>
             <a:p>
-              <a:pPr marL="0" lvl="0" indent="0" algn="ctr" defTabSz="488950">
+              <a:pPr marL="0" lvl="0" indent="0" algn="ctr" defTabSz="711200">
                 <a:lnSpc>
                   <a:spcPct val="90000"/>
                 </a:lnSpc>
@@ -8484,149 +8940,10 @@
                 </a:spcAft>
                 <a:buNone/>
               </a:pPr>
-              <a:endParaRPr lang="en-US" sz="1100" kern="1200"/>
-            </a:p>
-          </p:txBody>
-        </p:sp>
-      </p:grpSp>
-      <p:grpSp>
-        <p:nvGrpSpPr>
-          <p:cNvPr id="19" name="Group 18">
-            <a:extLst>
-              <a:ext uri="{FF2B5EF4-FFF2-40B4-BE49-F238E27FC236}">
-                <a16:creationId xmlns:a16="http://schemas.microsoft.com/office/drawing/2014/main" id="{F3CCEB17-E5E2-4596-AACF-F539E906E21A}"/>
-              </a:ext>
-            </a:extLst>
-          </p:cNvPr>
-          <p:cNvGrpSpPr/>
-          <p:nvPr/>
-        </p:nvGrpSpPr>
-        <p:grpSpPr>
-          <a:xfrm rot="1800000">
-            <a:off x="6350013" y="3898629"/>
-            <a:ext cx="264427" cy="264427"/>
-            <a:chOff x="1587404" y="2577119"/>
-            <a:chExt cx="264427" cy="264427"/>
-          </a:xfrm>
-        </p:grpSpPr>
-        <p:sp>
-          <p:nvSpPr>
-            <p:cNvPr id="20" name="Plus Sign 16">
-              <a:extLst>
-                <a:ext uri="{FF2B5EF4-FFF2-40B4-BE49-F238E27FC236}">
-                  <a16:creationId xmlns:a16="http://schemas.microsoft.com/office/drawing/2014/main" id="{1BA8C6E7-1634-451C-A0B1-B215FA8FF36F}"/>
-                </a:ext>
-              </a:extLst>
-            </p:cNvPr>
-            <p:cNvSpPr/>
-            <p:nvPr/>
-          </p:nvSpPr>
-          <p:spPr>
-            <a:xfrm>
-              <a:off x="1587404" y="2577119"/>
-              <a:ext cx="264427" cy="264427"/>
-            </a:xfrm>
-            <a:prstGeom prst="rightArrow">
-              <a:avLst/>
-            </a:prstGeom>
-          </p:spPr>
-          <p:style>
-            <a:lnRef idx="0">
-              <a:schemeClr val="dk1">
-                <a:tint val="60000"/>
-                <a:hueOff val="0"/>
-                <a:satOff val="0"/>
-                <a:lumOff val="0"/>
-                <a:alphaOff val="0"/>
-              </a:schemeClr>
-            </a:lnRef>
-            <a:fillRef idx="1">
-              <a:schemeClr val="dk1">
-                <a:tint val="60000"/>
-                <a:hueOff val="0"/>
-                <a:satOff val="0"/>
-                <a:lumOff val="0"/>
-                <a:alphaOff val="0"/>
-              </a:schemeClr>
-            </a:fillRef>
-            <a:effectRef idx="0">
-              <a:schemeClr val="dk1">
-                <a:tint val="60000"/>
-                <a:hueOff val="0"/>
-                <a:satOff val="0"/>
-                <a:lumOff val="0"/>
-                <a:alphaOff val="0"/>
-              </a:schemeClr>
-            </a:effectRef>
-            <a:fontRef idx="minor">
-              <a:schemeClr val="dk1">
-                <a:hueOff val="0"/>
-                <a:satOff val="0"/>
-                <a:lumOff val="0"/>
-                <a:alphaOff val="0"/>
-              </a:schemeClr>
-            </a:fontRef>
-          </p:style>
-        </p:sp>
-        <p:sp>
-          <p:nvSpPr>
-            <p:cNvPr id="21" name="Plus Sign 4">
-              <a:extLst>
-                <a:ext uri="{FF2B5EF4-FFF2-40B4-BE49-F238E27FC236}">
-                  <a16:creationId xmlns:a16="http://schemas.microsoft.com/office/drawing/2014/main" id="{3E156994-7F9E-48FE-9AAA-09D505A295AF}"/>
-                </a:ext>
-              </a:extLst>
-            </p:cNvPr>
-            <p:cNvSpPr txBox="1"/>
-            <p:nvPr/>
-          </p:nvSpPr>
-          <p:spPr>
-            <a:xfrm>
-              <a:off x="1622454" y="2678236"/>
-              <a:ext cx="194327" cy="62193"/>
-            </a:xfrm>
-            <a:prstGeom prst="rightArrow">
-              <a:avLst/>
-            </a:prstGeom>
-          </p:spPr>
-          <p:style>
-            <a:lnRef idx="0">
-              <a:scrgbClr r="0" g="0" b="0"/>
-            </a:lnRef>
-            <a:fillRef idx="0">
-              <a:scrgbClr r="0" g="0" b="0"/>
-            </a:fillRef>
-            <a:effectRef idx="0">
-              <a:scrgbClr r="0" g="0" b="0"/>
-            </a:effectRef>
-            <a:fontRef idx="minor">
-              <a:schemeClr val="dk1">
-                <a:hueOff val="0"/>
-                <a:satOff val="0"/>
-                <a:lumOff val="0"/>
-                <a:alphaOff val="0"/>
-              </a:schemeClr>
-            </a:fontRef>
-          </p:style>
-          <p:txBody>
-            <a:bodyPr spcFirstLastPara="0" vert="horz" wrap="square" lIns="0" tIns="0" rIns="0" bIns="0" numCol="1" spcCol="1270" anchor="ctr" anchorCtr="0">
-              <a:noAutofit/>
-            </a:bodyPr>
-            <a:lstStyle/>
-            <a:p>
-              <a:pPr marL="0" lvl="0" indent="0" algn="ctr" defTabSz="488950">
-                <a:lnSpc>
-                  <a:spcPct val="90000"/>
-                </a:lnSpc>
-                <a:spcBef>
-                  <a:spcPct val="0"/>
-                </a:spcBef>
-                <a:spcAft>
-                  <a:spcPct val="35000"/>
-                </a:spcAft>
-                <a:buNone/>
-              </a:pPr>
-              <a:endParaRPr lang="en-US" sz="1100" kern="1200"/>
+              <a:r>
+                <a:rPr lang="en-US" sz="1600" kern="1200" dirty="0"/>
+                <a:t>📈 Linear regression model</a:t>
+              </a:r>
             </a:p>
           </p:txBody>
         </p:sp>
@@ -8858,7 +9175,7 @@
         </p:nvSpPr>
         <p:spPr>
           <a:xfrm>
-            <a:off x="3486150" y="2638425"/>
+            <a:off x="3458718" y="2745740"/>
             <a:ext cx="7791450" cy="3095625"/>
           </a:xfrm>
           <a:prstGeom prst="rect">
@@ -8866,7 +9183,7 @@
           </a:prstGeom>
           <a:solidFill>
             <a:schemeClr val="bg1">
-              <a:alpha val="50000"/>
+              <a:alpha val="30000"/>
             </a:schemeClr>
           </a:solidFill>
           <a:ln>
@@ -8933,7 +9250,7 @@
           <p:cNvPr id="2" name="Title 1">
             <a:extLst>
               <a:ext uri="{FF2B5EF4-FFF2-40B4-BE49-F238E27FC236}">
-                <a16:creationId xmlns:a16="http://schemas.microsoft.com/office/drawing/2014/main" id="{216F7913-A3A8-4535-8FA3-62A1E02A9848}"/>
+                <a16:creationId xmlns:a16="http://schemas.microsoft.com/office/drawing/2014/main" id="{1F9FC55C-DFFA-419E-BB9C-906FAE015F85}"/>
               </a:ext>
             </a:extLst>
           </p:cNvPr>
@@ -8951,75 +9268,17 @@
           <a:p>
             <a:r>
               <a:rPr lang="en-US" dirty="0"/>
-              <a:t>Clustering</a:t>
-            </a:r>
-          </a:p>
-        </p:txBody>
-      </p:sp>
-    </p:spTree>
-    <p:extLst>
-      <p:ext uri="{BB962C8B-B14F-4D97-AF65-F5344CB8AC3E}">
-        <p14:creationId xmlns:p14="http://schemas.microsoft.com/office/powerpoint/2010/main" val="3737490909"/>
-      </p:ext>
-    </p:extLst>
-  </p:cSld>
-  <p:clrMapOvr>
-    <a:masterClrMapping/>
-  </p:clrMapOvr>
-</p:sld>
-</file>
-
-<file path=ppt/slides/slide16.xml><?xml version="1.0" encoding="utf-8"?>
-<p:sld xmlns:a="http://schemas.openxmlformats.org/drawingml/2006/main" xmlns:r="http://schemas.openxmlformats.org/officeDocument/2006/relationships" xmlns:p="http://schemas.openxmlformats.org/presentationml/2006/main">
-  <p:cSld>
-    <p:spTree>
-      <p:nvGrpSpPr>
-        <p:cNvPr id="1" name=""/>
-        <p:cNvGrpSpPr/>
-        <p:nvPr/>
-      </p:nvGrpSpPr>
-      <p:grpSpPr>
-        <a:xfrm>
-          <a:off x="0" y="0"/>
-          <a:ext cx="0" cy="0"/>
-          <a:chOff x="0" y="0"/>
-          <a:chExt cx="0" cy="0"/>
-        </a:xfrm>
-      </p:grpSpPr>
-      <p:sp>
-        <p:nvSpPr>
-          <p:cNvPr id="2" name="Title 1">
-            <a:extLst>
-              <a:ext uri="{FF2B5EF4-FFF2-40B4-BE49-F238E27FC236}">
-                <a16:creationId xmlns:a16="http://schemas.microsoft.com/office/drawing/2014/main" id="{FAC01DB5-38AF-4CAA-AF46-871A53B09C3E}"/>
-              </a:ext>
-            </a:extLst>
-          </p:cNvPr>
-          <p:cNvSpPr>
-            <a:spLocks noGrp="1"/>
-          </p:cNvSpPr>
-          <p:nvPr>
-            <p:ph type="title"/>
-          </p:nvPr>
-        </p:nvSpPr>
-        <p:spPr/>
-        <p:txBody>
-          <a:bodyPr/>
-          <a:lstStyle/>
-          <a:p>
-            <a:r>
-              <a:rPr lang="en-US" dirty="0"/>
-              <a:t>Evaluation</a:t>
+              <a:t>Test results</a:t>
             </a:r>
           </a:p>
         </p:txBody>
       </p:sp>
       <p:sp>
         <p:nvSpPr>
-          <p:cNvPr id="3" name="Content Placeholder 2">
+          <p:cNvPr id="10" name="Content Placeholder 9">
             <a:extLst>
               <a:ext uri="{FF2B5EF4-FFF2-40B4-BE49-F238E27FC236}">
-                <a16:creationId xmlns:a16="http://schemas.microsoft.com/office/drawing/2014/main" id="{9DA80189-A752-4824-9F83-079CCDD85691}"/>
+                <a16:creationId xmlns:a16="http://schemas.microsoft.com/office/drawing/2014/main" id="{15609B95-D55E-41CF-980F-A1469278172F}"/>
               </a:ext>
             </a:extLst>
           </p:cNvPr>
@@ -9035,6 +9294,10 @@
           <a:bodyPr/>
           <a:lstStyle/>
           <a:p>
+            <a:r>
+              <a:rPr lang="th-TH" dirty="0"/>
+              <a:t>แสดง ตารางจังหวัดกับผลลัพธ์ที่พยากรออกมาได้</a:t>
+            </a:r>
             <a:endParaRPr lang="en-US" dirty="0"/>
           </a:p>
         </p:txBody>
@@ -9042,7 +9305,7 @@
     </p:spTree>
     <p:extLst>
       <p:ext uri="{BB962C8B-B14F-4D97-AF65-F5344CB8AC3E}">
-        <p14:creationId xmlns:p14="http://schemas.microsoft.com/office/powerpoint/2010/main" val="927045819"/>
+        <p14:creationId xmlns:p14="http://schemas.microsoft.com/office/powerpoint/2010/main" val="1255768980"/>
       </p:ext>
     </p:extLst>
   </p:cSld>
@@ -9052,7 +9315,7 @@
 </p:sld>
 </file>
 
-<file path=ppt/slides/slide17.xml><?xml version="1.0" encoding="utf-8"?>
+<file path=ppt/slides/slide16.xml><?xml version="1.0" encoding="utf-8"?>
 <p:sld xmlns:a="http://schemas.openxmlformats.org/drawingml/2006/main" xmlns:r="http://schemas.openxmlformats.org/officeDocument/2006/relationships" xmlns:p="http://schemas.openxmlformats.org/presentationml/2006/main">
   <p:cSld>
     <p:spTree>
@@ -9138,7 +9401,13 @@
           <a:p>
             <a:r>
               <a:rPr lang="en-US" dirty="0"/>
-              <a:t>🤔 Suggestion </a:t>
+              <a:t>🤔 More observations more dataset.</a:t>
+            </a:r>
+          </a:p>
+          <a:p>
+            <a:r>
+              <a:rPr lang="en-US" dirty="0"/>
+              <a:t>🤔 For decision making or second opinion.</a:t>
             </a:r>
           </a:p>
         </p:txBody>
@@ -9147,6 +9416,95 @@
     <p:extLst>
       <p:ext uri="{BB962C8B-B14F-4D97-AF65-F5344CB8AC3E}">
         <p14:creationId xmlns:p14="http://schemas.microsoft.com/office/powerpoint/2010/main" val="2829512395"/>
+      </p:ext>
+    </p:extLst>
+  </p:cSld>
+  <p:clrMapOvr>
+    <a:masterClrMapping/>
+  </p:clrMapOvr>
+</p:sld>
+</file>
+
+<file path=ppt/slides/slide17.xml><?xml version="1.0" encoding="utf-8"?>
+<p:sld xmlns:a="http://schemas.openxmlformats.org/drawingml/2006/main" xmlns:r="http://schemas.openxmlformats.org/officeDocument/2006/relationships" xmlns:p="http://schemas.openxmlformats.org/presentationml/2006/main">
+  <p:cSld>
+    <p:spTree>
+      <p:nvGrpSpPr>
+        <p:cNvPr id="1" name=""/>
+        <p:cNvGrpSpPr/>
+        <p:nvPr/>
+      </p:nvGrpSpPr>
+      <p:grpSpPr>
+        <a:xfrm>
+          <a:off x="0" y="0"/>
+          <a:ext cx="0" cy="0"/>
+          <a:chOff x="0" y="0"/>
+          <a:chExt cx="0" cy="0"/>
+        </a:xfrm>
+      </p:grpSpPr>
+      <p:sp>
+        <p:nvSpPr>
+          <p:cNvPr id="2" name="Title 1">
+            <a:extLst>
+              <a:ext uri="{FF2B5EF4-FFF2-40B4-BE49-F238E27FC236}">
+                <a16:creationId xmlns:a16="http://schemas.microsoft.com/office/drawing/2014/main" id="{B0DB5CBE-DFFA-4432-92F8-5639FE300EE5}"/>
+              </a:ext>
+            </a:extLst>
+          </p:cNvPr>
+          <p:cNvSpPr>
+            <a:spLocks noGrp="1"/>
+          </p:cNvSpPr>
+          <p:nvPr>
+            <p:ph type="title"/>
+          </p:nvPr>
+        </p:nvSpPr>
+        <p:spPr/>
+        <p:txBody>
+          <a:bodyPr/>
+          <a:lstStyle/>
+          <a:p>
+            <a:r>
+              <a:rPr lang="en-US" dirty="0"/>
+              <a:t>Rain fall</a:t>
+            </a:r>
+          </a:p>
+        </p:txBody>
+      </p:sp>
+      <p:graphicFrame>
+        <p:nvGraphicFramePr>
+          <p:cNvPr id="24" name="Content Placeholder 23">
+            <a:extLst>
+              <a:ext uri="{FF2B5EF4-FFF2-40B4-BE49-F238E27FC236}">
+                <a16:creationId xmlns:a16="http://schemas.microsoft.com/office/drawing/2014/main" id="{417523C1-FC67-4DFF-9443-0BE7AE37BA8A}"/>
+              </a:ext>
+            </a:extLst>
+          </p:cNvPr>
+          <p:cNvGraphicFramePr>
+            <a:graphicFrameLocks noGrp="1"/>
+          </p:cNvGraphicFramePr>
+          <p:nvPr>
+            <p:ph idx="1"/>
+            <p:extLst>
+              <p:ext uri="{D42A27DB-BD31-4B8C-83A1-F6EECF244321}">
+                <p14:modId xmlns:p14="http://schemas.microsoft.com/office/powerpoint/2010/main" val="3820269114"/>
+              </p:ext>
+            </p:extLst>
+          </p:nvPr>
+        </p:nvGraphicFramePr>
+        <p:xfrm>
+          <a:off x="838200" y="1825625"/>
+          <a:ext cx="10515600" cy="4351338"/>
+        </p:xfrm>
+        <a:graphic>
+          <a:graphicData uri="http://schemas.openxmlformats.org/drawingml/2006/chart">
+            <c:chart xmlns:c="http://schemas.openxmlformats.org/drawingml/2006/chart" xmlns:r="http://schemas.openxmlformats.org/officeDocument/2006/relationships" r:id="rId2"/>
+          </a:graphicData>
+        </a:graphic>
+      </p:graphicFrame>
+    </p:spTree>
+    <p:extLst>
+      <p:ext uri="{BB962C8B-B14F-4D97-AF65-F5344CB8AC3E}">
+        <p14:creationId xmlns:p14="http://schemas.microsoft.com/office/powerpoint/2010/main" val="127837137"/>
       </p:ext>
     </p:extLst>
   </p:cSld>
@@ -9224,45 +9582,93 @@
           </a:xfrm>
         </p:spPr>
         <p:txBody>
-          <a:bodyPr/>
+          <a:bodyPr>
+            <a:normAutofit/>
+          </a:bodyPr>
           <a:lstStyle/>
           <a:p>
             <a:r>
               <a:rPr lang="en-US" sz="1600" dirty="0">
-                <a:latin typeface="Times New Roman" panose="02020603050405020304" pitchFamily="18" charset="0"/>
-                <a:cs typeface="Times New Roman" panose="02020603050405020304" pitchFamily="18" charset="0"/>
+                <a:hlinkClick r:id="rId2">
+                  <a:extLst>
+                    <a:ext uri="{A12FA001-AC4F-418D-AE19-62706E023703}">
+                      <ahyp:hlinkClr xmlns:ahyp="http://schemas.microsoft.com/office/drawing/2018/hyperlinkcolor" val="tx"/>
+                    </a:ext>
+                  </a:extLst>
+                </a:hlinkClick>
               </a:rPr>
-              <a:t>[1]</a:t>
-            </a:r>
-            <a:r>
-              <a:rPr lang="en-US" dirty="0">
-                <a:latin typeface="Angsana New" panose="02020603050405020304" pitchFamily="18" charset="-34"/>
-                <a:cs typeface="Angsana New" panose="02020603050405020304" pitchFamily="18" charset="-34"/>
+              <a:t>Dengue fever: Thai researchers who co-developed the world's first dengue vaccine offer the government to accelerate vaccine procurement</a:t>
+            </a:r>
+            <a:endParaRPr lang="en-US" sz="1600" dirty="0"/>
+          </a:p>
+          <a:p>
+            <a:r>
+              <a:rPr lang="en-US" sz="1600" dirty="0">
+                <a:hlinkClick r:id="rId3">
+                  <a:extLst>
+                    <a:ext uri="{A12FA001-AC4F-418D-AE19-62706E023703}">
+                      <ahyp:hlinkClr xmlns:ahyp="http://schemas.microsoft.com/office/drawing/2018/hyperlinkcolor" val="tx"/>
+                    </a:ext>
+                  </a:extLst>
+                </a:hlinkClick>
+              </a:rPr>
+              <a:t>Dengue fever situation in Thailand 2020. Chulabhorn Hospital.</a:t>
+            </a:r>
+            <a:endParaRPr lang="en-US" sz="1600" dirty="0"/>
+          </a:p>
+          <a:p>
+            <a:r>
+              <a:rPr lang="en-US" sz="1600" dirty="0">
+                <a:hlinkClick r:id="rId4">
+                  <a:extLst>
+                    <a:ext uri="{A12FA001-AC4F-418D-AE19-62706E023703}">
+                      <ahyp:hlinkClr xmlns:ahyp="http://schemas.microsoft.com/office/drawing/2018/hyperlinkcolor" val="tx"/>
+                    </a:ext>
+                  </a:extLst>
+                </a:hlinkClick>
+              </a:rPr>
+              <a:t>Fact sheet: Dengue and severe dengue Updated April 2017, World Health Organization.</a:t>
+            </a:r>
+            <a:endParaRPr lang="en-US" sz="1600" dirty="0"/>
+          </a:p>
+          <a:p>
+            <a:r>
+              <a:rPr lang="en-US" sz="1600" dirty="0">
+                <a:hlinkClick r:id="rId5">
+                  <a:extLst>
+                    <a:ext uri="{A12FA001-AC4F-418D-AE19-62706E023703}">
+                      <ahyp:hlinkClr xmlns:ahyp="http://schemas.microsoft.com/office/drawing/2018/hyperlinkcolor" val="tx"/>
+                    </a:ext>
+                  </a:extLst>
+                </a:hlinkClick>
+              </a:rPr>
+              <a:t>Ecological biology and mosquito control in Thailand.</a:t>
+            </a:r>
+            <a:r>
+              <a:rPr lang="th-TH" sz="1600" dirty="0">
+                <a:hlinkClick r:id="rId5">
+                  <a:extLst>
+                    <a:ext uri="{A12FA001-AC4F-418D-AE19-62706E023703}">
+                      <ahyp:hlinkClr xmlns:ahyp="http://schemas.microsoft.com/office/drawing/2018/hyperlinkcolor" val="tx"/>
+                    </a:ext>
+                  </a:extLst>
+                </a:hlinkClick>
               </a:rPr>
               <a:t> </a:t>
             </a:r>
             <a:r>
-              <a:rPr lang="en-US" dirty="0"/>
-              <a:t>Fact sheet: Dengue and severe dengue Updated April 2017, World Health Organization.</a:t>
-            </a:r>
-          </a:p>
-          <a:p>
-            <a:r>
               <a:rPr lang="en-US" sz="1600" dirty="0">
-                <a:latin typeface="Times New Roman" panose="02020603050405020304" pitchFamily="18" charset="0"/>
-                <a:cs typeface="Times New Roman" panose="02020603050405020304" pitchFamily="18" charset="0"/>
+                <a:hlinkClick r:id="rId5">
+                  <a:extLst>
+                    <a:ext uri="{A12FA001-AC4F-418D-AE19-62706E023703}">
+                      <ahyp:hlinkClr xmlns:ahyp="http://schemas.microsoft.com/office/drawing/2018/hyperlinkcolor" val="tx"/>
+                    </a:ext>
+                  </a:extLst>
+                </a:hlinkClick>
               </a:rPr>
-              <a:t>[2] https://www.bbc.com/thai/thailand-57479000</a:t>
-            </a:r>
-          </a:p>
-          <a:p>
-            <a:r>
-              <a:rPr lang="en-US" sz="1600" dirty="0">
-                <a:latin typeface="Times New Roman" panose="02020603050405020304" pitchFamily="18" charset="0"/>
-                <a:cs typeface="Times New Roman" panose="02020603050405020304" pitchFamily="18" charset="0"/>
-              </a:rPr>
-              <a:t>[3] https://www.chulabhornhospital.com/page.php?name=1142</a:t>
-            </a:r>
+              <a:t>Department of Medical Sciences.</a:t>
+            </a:r>
+            <a:endParaRPr lang="en-US" sz="1600" dirty="0"/>
           </a:p>
         </p:txBody>
       </p:sp>
@@ -9513,6 +9919,9 @@
             </a:lvl9pPr>
           </a:lstStyle>
           <a:p>
+            <a:pPr marL="0" indent="0">
+              <a:buNone/>
+            </a:pPr>
             <a:r>
               <a:rPr lang="en-US" dirty="0"/>
               <a:t>👩🏼‍💻 https://github.com/Phophism/python_project</a:t>
@@ -9558,6 +9967,126 @@
           <a:chExt cx="0" cy="0"/>
         </a:xfrm>
       </p:grpSpPr>
+      <p:pic>
+        <p:nvPicPr>
+          <p:cNvPr id="1026" name="Picture 2" descr="บิ๊กตู่&amp;#39; แถลงการณ์ ลั่นไทยต้องชนะ วอนอย่ากักตุน-วิตกเกินเหตุ ชี้ไม่มีอาการ  ไม่ต้องไปตรวจ">
+            <a:extLst>
+              <a:ext uri="{FF2B5EF4-FFF2-40B4-BE49-F238E27FC236}">
+                <a16:creationId xmlns:a16="http://schemas.microsoft.com/office/drawing/2014/main" id="{CBBEDEDD-2275-4D12-AE44-93C96E5E2E6F}"/>
+              </a:ext>
+            </a:extLst>
+          </p:cNvPr>
+          <p:cNvPicPr>
+            <a:picLocks noChangeAspect="1" noChangeArrowheads="1"/>
+          </p:cNvPicPr>
+          <p:nvPr/>
+        </p:nvPicPr>
+        <p:blipFill rotWithShape="1">
+          <a:blip r:embed="rId2">
+            <a:alphaModFix amt="30000"/>
+            <a:extLst>
+              <a:ext uri="{28A0092B-C50C-407E-A947-70E740481C1C}">
+                <a14:useLocalDpi xmlns:a14="http://schemas.microsoft.com/office/drawing/2010/main" val="0"/>
+              </a:ext>
+            </a:extLst>
+          </a:blip>
+          <a:srcRect l="19139" t="18410" r="19137" b="19867"/>
+          <a:stretch/>
+        </p:blipFill>
+        <p:spPr bwMode="auto">
+          <a:xfrm>
+            <a:off x="0" y="-1"/>
+            <a:ext cx="12192000" cy="6858001"/>
+          </a:xfrm>
+          <a:prstGeom prst="rect">
+            <a:avLst/>
+          </a:prstGeom>
+          <a:noFill/>
+          <a:extLst>
+            <a:ext uri="{909E8E84-426E-40DD-AFC4-6F175D3DCCD1}">
+              <a14:hiddenFill xmlns:a14="http://schemas.microsoft.com/office/drawing/2010/main">
+                <a:solidFill>
+                  <a:srgbClr val="FFFFFF"/>
+                </a:solidFill>
+              </a14:hiddenFill>
+            </a:ext>
+          </a:extLst>
+        </p:spPr>
+      </p:pic>
+      <p:sp>
+        <p:nvSpPr>
+          <p:cNvPr id="3" name="Rectangle 2">
+            <a:extLst>
+              <a:ext uri="{FF2B5EF4-FFF2-40B4-BE49-F238E27FC236}">
+                <a16:creationId xmlns:a16="http://schemas.microsoft.com/office/drawing/2014/main" id="{062835F2-3546-4248-9C60-D63A8BEEAEFE}"/>
+              </a:ext>
+            </a:extLst>
+          </p:cNvPr>
+          <p:cNvSpPr/>
+          <p:nvPr/>
+        </p:nvSpPr>
+        <p:spPr>
+          <a:xfrm>
+            <a:off x="0" y="0"/>
+            <a:ext cx="12192000" cy="4649002"/>
+          </a:xfrm>
+          <a:prstGeom prst="rect">
+            <a:avLst/>
+          </a:prstGeom>
+          <a:gradFill>
+            <a:gsLst>
+              <a:gs pos="0">
+                <a:schemeClr val="accent1">
+                  <a:lumMod val="5000"/>
+                  <a:lumOff val="95000"/>
+                  <a:alpha val="29000"/>
+                </a:schemeClr>
+              </a:gs>
+              <a:gs pos="61000">
+                <a:schemeClr val="bg1"/>
+              </a:gs>
+              <a:gs pos="83000">
+                <a:schemeClr val="bg1">
+                  <a:alpha val="78000"/>
+                </a:schemeClr>
+              </a:gs>
+              <a:gs pos="100000">
+                <a:schemeClr val="bg1">
+                  <a:alpha val="42000"/>
+                </a:schemeClr>
+              </a:gs>
+            </a:gsLst>
+            <a:lin ang="5400000" scaled="1"/>
+          </a:gradFill>
+          <a:ln>
+            <a:noFill/>
+          </a:ln>
+        </p:spPr>
+        <p:style>
+          <a:lnRef idx="2">
+            <a:schemeClr val="accent1">
+              <a:shade val="50000"/>
+            </a:schemeClr>
+          </a:lnRef>
+          <a:fillRef idx="1">
+            <a:schemeClr val="accent1"/>
+          </a:fillRef>
+          <a:effectRef idx="0">
+            <a:schemeClr val="accent1"/>
+          </a:effectRef>
+          <a:fontRef idx="minor">
+            <a:schemeClr val="lt1"/>
+          </a:fontRef>
+        </p:style>
+        <p:txBody>
+          <a:bodyPr rtlCol="0" anchor="ctr"/>
+          <a:lstStyle/>
+          <a:p>
+            <a:pPr algn="ctr"/>
+            <a:endParaRPr lang="en-US"/>
+          </a:p>
+        </p:txBody>
+      </p:sp>
       <p:sp>
         <p:nvSpPr>
           <p:cNvPr id="2" name="Title 1">
@@ -9589,7 +10118,7 @@
                 <a:latin typeface="Bahnschrift SemiBold" panose="020B0502040204020203" pitchFamily="34" charset="0"/>
                 <a:cs typeface="Aharoni" panose="02010803020104030203" pitchFamily="2" charset="-79"/>
               </a:rPr>
-              <a:t>Stay safe✌🏽</a:t>
+              <a:t>Stay safe❤</a:t>
             </a:r>
           </a:p>
         </p:txBody>
@@ -9729,14 +10258,7 @@
             </a:pPr>
             <a:r>
               <a:rPr lang="en-US" dirty="0"/>
-              <a:t>⚠ The infection causes flu-like illness, and occasionally develops into a potentially lethal. </a:t>
-            </a:r>
-            <a:r>
-              <a:rPr lang="en-US" sz="1600" dirty="0">
-                <a:latin typeface="Times New Roman" panose="02020603050405020304" pitchFamily="18" charset="0"/>
-                <a:cs typeface="Times New Roman" panose="02020603050405020304" pitchFamily="18" charset="0"/>
-              </a:rPr>
-              <a:t>[1]</a:t>
+              <a:t>⚠ The infection causes flu-like illness, and occasionally develops into a potentially lethal.</a:t>
             </a:r>
             <a:endParaRPr lang="en-US" dirty="0">
               <a:latin typeface="Times New Roman" panose="02020603050405020304" pitchFamily="18" charset="0"/>
@@ -9758,24 +10280,22 @@
               <a:t> There is no specific treatment for dengue, </a:t>
             </a:r>
             <a:r>
-              <a:rPr lang="en-US" b="0" i="0" u="sng" dirty="0">
+              <a:rPr lang="en-US" b="0" dirty="0">
                 <a:effectLst/>
+                <a:latin typeface="+mj-lt"/>
               </a:rPr>
-              <a:t>but early detection and access to proper medical care</a:t>
+              <a:t>but early detection and access to proper medical care </a:t>
             </a:r>
             <a:r>
               <a:rPr lang="en-US" b="0" i="0" dirty="0">
                 <a:effectLst/>
               </a:rPr>
-              <a:t> lowers fatality rates below 1%. </a:t>
-            </a:r>
-            <a:r>
-              <a:rPr lang="en-US" sz="1600" dirty="0">
-                <a:latin typeface="Times New Roman" panose="02020603050405020304" pitchFamily="18" charset="0"/>
-                <a:cs typeface="Times New Roman" panose="02020603050405020304" pitchFamily="18" charset="0"/>
-              </a:rPr>
-              <a:t>[1]</a:t>
-            </a:r>
+              <a:t>lowers fatality rates below 1%.</a:t>
+            </a:r>
+            <a:endParaRPr lang="en-US" sz="1600" dirty="0">
+              <a:latin typeface="Times New Roman" panose="02020603050405020304" pitchFamily="18" charset="0"/>
+              <a:cs typeface="Times New Roman" panose="02020603050405020304" pitchFamily="18" charset="0"/>
+            </a:endParaRPr>
           </a:p>
           <a:p>
             <a:r>
@@ -9797,7 +10317,7 @@
             </a:r>
             <a:r>
               <a:rPr lang="en-US" dirty="0"/>
-              <a:t>patients by rainfall, temperature, humidity.</a:t>
+              <a:t>patients by temperature, rainfall, humidity.</a:t>
             </a:r>
           </a:p>
           <a:p>
@@ -9846,7 +10366,7 @@
           <p:cNvPr id="2" name="Title 1">
             <a:extLst>
               <a:ext uri="{FF2B5EF4-FFF2-40B4-BE49-F238E27FC236}">
-                <a16:creationId xmlns:a16="http://schemas.microsoft.com/office/drawing/2014/main" id="{B0DB5CBE-DFFA-4432-92F8-5639FE300EE5}"/>
+                <a16:creationId xmlns:a16="http://schemas.microsoft.com/office/drawing/2014/main" id="{7B5AF8A3-688C-4433-B27C-1BC216F81801}"/>
               </a:ext>
             </a:extLst>
           </p:cNvPr>
@@ -9864,46 +10384,106 @@
           <a:p>
             <a:r>
               <a:rPr lang="en-US" dirty="0"/>
-              <a:t>Rain</a:t>
+              <a:t>Dataset</a:t>
             </a:r>
           </a:p>
         </p:txBody>
       </p:sp>
       <p:graphicFrame>
         <p:nvGraphicFramePr>
-          <p:cNvPr id="24" name="Content Placeholder 23">
+          <p:cNvPr id="4" name="Diagram 3">
             <a:extLst>
               <a:ext uri="{FF2B5EF4-FFF2-40B4-BE49-F238E27FC236}">
-                <a16:creationId xmlns:a16="http://schemas.microsoft.com/office/drawing/2014/main" id="{417523C1-FC67-4DFF-9443-0BE7AE37BA8A}"/>
+                <a16:creationId xmlns:a16="http://schemas.microsoft.com/office/drawing/2014/main" id="{F92A9884-09C3-4051-8114-ED7F68D0B546}"/>
               </a:ext>
             </a:extLst>
           </p:cNvPr>
-          <p:cNvGraphicFramePr>
-            <a:graphicFrameLocks noGrp="1"/>
-          </p:cNvGraphicFramePr>
+          <p:cNvGraphicFramePr/>
           <p:nvPr>
-            <p:ph idx="1"/>
             <p:extLst>
               <p:ext uri="{D42A27DB-BD31-4B8C-83A1-F6EECF244321}">
-                <p14:modId xmlns:p14="http://schemas.microsoft.com/office/powerpoint/2010/main" val="1449191448"/>
+                <p14:modId xmlns:p14="http://schemas.microsoft.com/office/powerpoint/2010/main" val="1241881974"/>
               </p:ext>
             </p:extLst>
           </p:nvPr>
         </p:nvGraphicFramePr>
         <p:xfrm>
-          <a:off x="838200" y="1825625"/>
-          <a:ext cx="10515600" cy="4351338"/>
+          <a:off x="2032000" y="1443566"/>
+          <a:ext cx="8128000" cy="2709333"/>
         </p:xfrm>
         <a:graphic>
-          <a:graphicData uri="http://schemas.openxmlformats.org/drawingml/2006/chart">
-            <c:chart xmlns:c="http://schemas.openxmlformats.org/drawingml/2006/chart" xmlns:r="http://schemas.openxmlformats.org/officeDocument/2006/relationships" r:id="rId2"/>
+          <a:graphicData uri="http://schemas.openxmlformats.org/drawingml/2006/diagram">
+            <dgm:relIds xmlns:dgm="http://schemas.openxmlformats.org/drawingml/2006/diagram" xmlns:r="http://schemas.openxmlformats.org/officeDocument/2006/relationships" r:dm="rId2" r:lo="rId3" r:qs="rId4" r:cs="rId5"/>
           </a:graphicData>
         </a:graphic>
       </p:graphicFrame>
+      <p:sp>
+        <p:nvSpPr>
+          <p:cNvPr id="5" name="TextBox 4">
+            <a:extLst>
+              <a:ext uri="{FF2B5EF4-FFF2-40B4-BE49-F238E27FC236}">
+                <a16:creationId xmlns:a16="http://schemas.microsoft.com/office/drawing/2014/main" id="{8BEA377A-1907-41C7-8D59-C5E5DE666CEB}"/>
+              </a:ext>
+            </a:extLst>
+          </p:cNvPr>
+          <p:cNvSpPr txBox="1"/>
+          <p:nvPr/>
+        </p:nvSpPr>
+        <p:spPr>
+          <a:xfrm>
+            <a:off x="2911475" y="3900554"/>
+            <a:ext cx="6369050" cy="1477328"/>
+          </a:xfrm>
+          <a:prstGeom prst="rect">
+            <a:avLst/>
+          </a:prstGeom>
+          <a:noFill/>
+        </p:spPr>
+        <p:txBody>
+          <a:bodyPr wrap="square" rtlCol="0">
+            <a:spAutoFit/>
+          </a:bodyPr>
+          <a:lstStyle/>
+          <a:p>
+            <a:r>
+              <a:rPr lang="en-US" dirty="0"/>
+              <a:t>Source: </a:t>
+            </a:r>
+          </a:p>
+          <a:p>
+            <a:pPr marL="285750" indent="-285750">
+              <a:buFont typeface="Arial" panose="020B0604020202020204" pitchFamily="34" charset="0"/>
+              <a:buChar char="•"/>
+            </a:pPr>
+            <a:r>
+              <a:rPr lang="en-US" dirty="0"/>
+              <a:t>Dengue patient dataset - Department of disease control</a:t>
+            </a:r>
+            <a:r>
+              <a:rPr lang="th-TH" dirty="0"/>
+              <a:t> - </a:t>
+            </a:r>
+            <a:r>
+              <a:rPr lang="en-US" dirty="0"/>
+              <a:t>Ministry of Public Health. (476,935 observations)</a:t>
+            </a:r>
+          </a:p>
+          <a:p>
+            <a:pPr marL="285750" indent="-285750">
+              <a:buFont typeface="Arial" panose="020B0604020202020204" pitchFamily="34" charset="0"/>
+              <a:buChar char="•"/>
+            </a:pPr>
+            <a:r>
+              <a:rPr lang="en-US" dirty="0"/>
+              <a:t>Rain, Humidity, Temperature dataset - National Statistical Office of Thailand</a:t>
+            </a:r>
+          </a:p>
+        </p:txBody>
+      </p:sp>
     </p:spTree>
     <p:extLst>
       <p:ext uri="{BB962C8B-B14F-4D97-AF65-F5344CB8AC3E}">
-        <p14:creationId xmlns:p14="http://schemas.microsoft.com/office/powerpoint/2010/main" val="3192938357"/>
+        <p14:creationId xmlns:p14="http://schemas.microsoft.com/office/powerpoint/2010/main" val="1249659327"/>
       </p:ext>
     </p:extLst>
   </p:cSld>
@@ -10027,7 +10607,7 @@
         </p:blipFill>
         <p:spPr bwMode="auto">
           <a:xfrm flipH="1">
-            <a:off x="1" y="10"/>
+            <a:off x="0" y="10"/>
             <a:ext cx="9669642" cy="6857990"/>
           </a:xfrm>
           <a:prstGeom prst="rect">
@@ -10133,6 +10713,46 @@
       </p:sp>
       <p:sp>
         <p:nvSpPr>
+          <p:cNvPr id="13" name="TextBox 12">
+            <a:extLst>
+              <a:ext uri="{FF2B5EF4-FFF2-40B4-BE49-F238E27FC236}">
+                <a16:creationId xmlns:a16="http://schemas.microsoft.com/office/drawing/2014/main" id="{0859371D-6C71-41F5-BDEA-7DCA5D3C1CF2}"/>
+              </a:ext>
+            </a:extLst>
+          </p:cNvPr>
+          <p:cNvSpPr txBox="1"/>
+          <p:nvPr/>
+        </p:nvSpPr>
+        <p:spPr>
+          <a:xfrm>
+            <a:off x="104775" y="6424460"/>
+            <a:ext cx="1790700" cy="369332"/>
+          </a:xfrm>
+          <a:prstGeom prst="rect">
+            <a:avLst/>
+          </a:prstGeom>
+          <a:noFill/>
+        </p:spPr>
+        <p:txBody>
+          <a:bodyPr wrap="square">
+            <a:spAutoFit/>
+          </a:bodyPr>
+          <a:lstStyle/>
+          <a:p>
+            <a:pPr>
+              <a:spcAft>
+                <a:spcPts val="600"/>
+              </a:spcAft>
+            </a:pPr>
+            <a:r>
+              <a:rPr lang="en-US" dirty="0"/>
+              <a:t>Thairath Online</a:t>
+            </a:r>
+          </a:p>
+        </p:txBody>
+      </p:sp>
+      <p:sp>
+        <p:nvSpPr>
           <p:cNvPr id="2" name="Title 1">
             <a:extLst>
               <a:ext uri="{FF2B5EF4-FFF2-40B4-BE49-F238E27FC236}">
@@ -10161,7 +10781,7 @@
           <a:p>
             <a:r>
               <a:rPr lang="en-US" sz="4000" dirty="0"/>
-              <a:t>Temperature</a:t>
+              <a:t>Temperature 🌡</a:t>
             </a:r>
           </a:p>
         </p:txBody>
@@ -10204,8 +10824,8 @@
               <a:buChar char="•"/>
             </a:pPr>
             <a:r>
-              <a:rPr lang="en-US" sz="1600" dirty="0"/>
-              <a:t>1</a:t>
+              <a:rPr lang="en-US" sz="2400" dirty="0"/>
+              <a:t>28-35 Celsius. Aedes mosquitoes take about 9-14 days to grow from egg to adult.</a:t>
             </a:r>
           </a:p>
           <a:p>
@@ -10220,66 +10840,9 @@
               <a:buChar char="•"/>
             </a:pPr>
             <a:r>
-              <a:rPr lang="en-US" sz="1600" dirty="0"/>
-              <a:t>2</a:t>
-            </a:r>
-          </a:p>
-          <a:p>
-            <a:pPr marL="285750" indent="-228600" defTabSz="914400">
-              <a:lnSpc>
-                <a:spcPct val="90000"/>
-              </a:lnSpc>
-              <a:spcAft>
-                <a:spcPts val="600"/>
-              </a:spcAft>
-              <a:buFont typeface="Arial" panose="020B0604020202020204" pitchFamily="34" charset="0"/>
-              <a:buChar char="•"/>
-            </a:pPr>
-            <a:r>
-              <a:rPr lang="en-US" sz="1600" dirty="0"/>
-              <a:t>3</a:t>
-            </a:r>
-          </a:p>
-        </p:txBody>
-      </p:sp>
-      <p:sp>
-        <p:nvSpPr>
-          <p:cNvPr id="13" name="TextBox 12">
-            <a:extLst>
-              <a:ext uri="{FF2B5EF4-FFF2-40B4-BE49-F238E27FC236}">
-                <a16:creationId xmlns:a16="http://schemas.microsoft.com/office/drawing/2014/main" id="{0859371D-6C71-41F5-BDEA-7DCA5D3C1CF2}"/>
-              </a:ext>
-            </a:extLst>
-          </p:cNvPr>
-          <p:cNvSpPr txBox="1"/>
-          <p:nvPr/>
-        </p:nvSpPr>
-        <p:spPr>
-          <a:xfrm>
-            <a:off x="104775" y="6424460"/>
-            <a:ext cx="1790700" cy="369332"/>
-          </a:xfrm>
-          <a:prstGeom prst="rect">
-            <a:avLst/>
-          </a:prstGeom>
-          <a:noFill/>
-        </p:spPr>
-        <p:txBody>
-          <a:bodyPr wrap="square">
-            <a:spAutoFit/>
-          </a:bodyPr>
-          <a:lstStyle/>
-          <a:p>
-            <a:pPr>
-              <a:spcAft>
-                <a:spcPts val="600"/>
-              </a:spcAft>
-            </a:pPr>
-            <a:r>
-              <a:rPr lang="en-US" dirty="0"/>
-              <a:t>Thairath online</a:t>
-            </a:r>
-            <a:endParaRPr lang="en-US"/>
+              <a:rPr lang="en-US" sz="2400" dirty="0"/>
+              <a:t>If the temperature is higher than 35 Celsius, Aedes mosquitoes only take 5-7 days to grow.</a:t>
+            </a:r>
           </a:p>
         </p:txBody>
       </p:sp>
@@ -10318,7 +10881,7 @@
           <p:cNvPr id="2" name="Title 1">
             <a:extLst>
               <a:ext uri="{FF2B5EF4-FFF2-40B4-BE49-F238E27FC236}">
-                <a16:creationId xmlns:a16="http://schemas.microsoft.com/office/drawing/2014/main" id="{7B5AF8A3-688C-4433-B27C-1BC216F81801}"/>
+                <a16:creationId xmlns:a16="http://schemas.microsoft.com/office/drawing/2014/main" id="{B0DB5CBE-DFFA-4432-92F8-5639FE300EE5}"/>
               </a:ext>
             </a:extLst>
           </p:cNvPr>
@@ -10336,553 +10899,46 @@
           <a:p>
             <a:r>
               <a:rPr lang="en-US" dirty="0"/>
-              <a:t>Data preprocessing</a:t>
+              <a:t>Rainfall</a:t>
             </a:r>
           </a:p>
         </p:txBody>
       </p:sp>
-      <p:grpSp>
-        <p:nvGrpSpPr>
-          <p:cNvPr id="12" name="Group 11">
+      <p:graphicFrame>
+        <p:nvGraphicFramePr>
+          <p:cNvPr id="24" name="Content Placeholder 23">
             <a:extLst>
               <a:ext uri="{FF2B5EF4-FFF2-40B4-BE49-F238E27FC236}">
-                <a16:creationId xmlns:a16="http://schemas.microsoft.com/office/drawing/2014/main" id="{3A109C31-CA17-4CB5-9E14-94644C08BF74}"/>
+                <a16:creationId xmlns:a16="http://schemas.microsoft.com/office/drawing/2014/main" id="{417523C1-FC67-4DFF-9443-0BE7AE37BA8A}"/>
               </a:ext>
             </a:extLst>
           </p:cNvPr>
-          <p:cNvGrpSpPr/>
-          <p:nvPr/>
-        </p:nvGrpSpPr>
-        <p:grpSpPr>
-          <a:xfrm>
-            <a:off x="3997497" y="2025509"/>
-            <a:ext cx="2804819" cy="3686194"/>
-            <a:chOff x="4469492" y="1970645"/>
-            <a:chExt cx="2804819" cy="3686194"/>
-          </a:xfrm>
-        </p:grpSpPr>
-        <p:sp>
-          <p:nvSpPr>
-            <p:cNvPr id="5" name="Freeform: Shape 4">
-              <a:extLst>
-                <a:ext uri="{FF2B5EF4-FFF2-40B4-BE49-F238E27FC236}">
-                  <a16:creationId xmlns:a16="http://schemas.microsoft.com/office/drawing/2014/main" id="{ABF05BC2-C336-48BB-8462-07054B5EF58B}"/>
-                </a:ext>
-              </a:extLst>
-            </p:cNvPr>
-            <p:cNvSpPr/>
-            <p:nvPr/>
-          </p:nvSpPr>
-          <p:spPr>
-            <a:xfrm>
-              <a:off x="4949622" y="4107046"/>
-              <a:ext cx="1549793" cy="1549793"/>
-            </a:xfrm>
-            <a:custGeom>
-              <a:avLst/>
-              <a:gdLst>
-                <a:gd name="connsiteX0" fmla="*/ 0 w 1549793"/>
-                <a:gd name="connsiteY0" fmla="*/ 774897 h 1549793"/>
-                <a:gd name="connsiteX1" fmla="*/ 774897 w 1549793"/>
-                <a:gd name="connsiteY1" fmla="*/ 0 h 1549793"/>
-                <a:gd name="connsiteX2" fmla="*/ 1549794 w 1549793"/>
-                <a:gd name="connsiteY2" fmla="*/ 774897 h 1549793"/>
-                <a:gd name="connsiteX3" fmla="*/ 774897 w 1549793"/>
-                <a:gd name="connsiteY3" fmla="*/ 1549794 h 1549793"/>
-                <a:gd name="connsiteX4" fmla="*/ 0 w 1549793"/>
-                <a:gd name="connsiteY4" fmla="*/ 774897 h 1549793"/>
-              </a:gdLst>
-              <a:ahLst/>
-              <a:cxnLst>
-                <a:cxn ang="0">
-                  <a:pos x="connsiteX0" y="connsiteY0"/>
-                </a:cxn>
-                <a:cxn ang="0">
-                  <a:pos x="connsiteX1" y="connsiteY1"/>
-                </a:cxn>
-                <a:cxn ang="0">
-                  <a:pos x="connsiteX2" y="connsiteY2"/>
-                </a:cxn>
-                <a:cxn ang="0">
-                  <a:pos x="connsiteX3" y="connsiteY3"/>
-                </a:cxn>
-                <a:cxn ang="0">
-                  <a:pos x="connsiteX4" y="connsiteY4"/>
-                </a:cxn>
-              </a:cxnLst>
-              <a:rect l="l" t="t" r="r" b="b"/>
-              <a:pathLst>
-                <a:path w="1549793" h="1549793">
-                  <a:moveTo>
-                    <a:pt x="0" y="774897"/>
-                  </a:moveTo>
-                  <a:cubicBezTo>
-                    <a:pt x="0" y="346933"/>
-                    <a:pt x="346933" y="0"/>
-                    <a:pt x="774897" y="0"/>
-                  </a:cubicBezTo>
-                  <a:cubicBezTo>
-                    <a:pt x="1202861" y="0"/>
-                    <a:pt x="1549794" y="346933"/>
-                    <a:pt x="1549794" y="774897"/>
-                  </a:cubicBezTo>
-                  <a:cubicBezTo>
-                    <a:pt x="1549794" y="1202861"/>
-                    <a:pt x="1202861" y="1549794"/>
-                    <a:pt x="774897" y="1549794"/>
-                  </a:cubicBezTo>
-                  <a:cubicBezTo>
-                    <a:pt x="346933" y="1549794"/>
-                    <a:pt x="0" y="1202861"/>
-                    <a:pt x="0" y="774897"/>
-                  </a:cubicBezTo>
-                  <a:close/>
-                </a:path>
-              </a:pathLst>
-            </a:custGeom>
-          </p:spPr>
-          <p:style>
-            <a:lnRef idx="2">
-              <a:schemeClr val="dk1">
-                <a:shade val="80000"/>
-                <a:hueOff val="0"/>
-                <a:satOff val="0"/>
-                <a:lumOff val="0"/>
-                <a:alphaOff val="0"/>
-              </a:schemeClr>
-            </a:lnRef>
-            <a:fillRef idx="1">
-              <a:schemeClr val="lt1">
-                <a:hueOff val="0"/>
-                <a:satOff val="0"/>
-                <a:lumOff val="0"/>
-                <a:alphaOff val="0"/>
-              </a:schemeClr>
-            </a:fillRef>
-            <a:effectRef idx="0">
-              <a:schemeClr val="lt1">
-                <a:hueOff val="0"/>
-                <a:satOff val="0"/>
-                <a:lumOff val="0"/>
-                <a:alphaOff val="0"/>
-              </a:schemeClr>
-            </a:effectRef>
-            <a:fontRef idx="minor">
-              <a:schemeClr val="dk1">
-                <a:hueOff val="0"/>
-                <a:satOff val="0"/>
-                <a:lumOff val="0"/>
-                <a:alphaOff val="0"/>
-              </a:schemeClr>
-            </a:fontRef>
-          </p:style>
-          <p:txBody>
-            <a:bodyPr spcFirstLastPara="0" vert="horz" wrap="square" lIns="262522" tIns="262522" rIns="262522" bIns="262522" numCol="1" spcCol="1270" anchor="ctr" anchorCtr="0">
-              <a:noAutofit/>
-            </a:bodyPr>
-            <a:lstStyle/>
-            <a:p>
-              <a:pPr marL="0" lvl="0" indent="0" algn="ctr" defTabSz="1244600">
-                <a:lnSpc>
-                  <a:spcPct val="90000"/>
-                </a:lnSpc>
-                <a:spcBef>
-                  <a:spcPct val="0"/>
-                </a:spcBef>
-                <a:spcAft>
-                  <a:spcPct val="35000"/>
-                </a:spcAft>
-                <a:buNone/>
-              </a:pPr>
-              <a:r>
-                <a:rPr lang="en-US" sz="2800" kern="1200" dirty="0"/>
-                <a:t>🤒</a:t>
-              </a:r>
-              <a:r>
-                <a:rPr lang="en-US" sz="1600" kern="1200" dirty="0"/>
-                <a:t> Dengue patient dataset</a:t>
-              </a:r>
-            </a:p>
-          </p:txBody>
-        </p:sp>
-        <p:sp>
-          <p:nvSpPr>
-            <p:cNvPr id="7" name="Freeform: Shape 6">
-              <a:extLst>
-                <a:ext uri="{FF2B5EF4-FFF2-40B4-BE49-F238E27FC236}">
-                  <a16:creationId xmlns:a16="http://schemas.microsoft.com/office/drawing/2014/main" id="{AEADFBCB-DA7F-45D4-901F-2DB27ED245E2}"/>
-                </a:ext>
-              </a:extLst>
-            </p:cNvPr>
-            <p:cNvSpPr/>
-            <p:nvPr/>
-          </p:nvSpPr>
-          <p:spPr>
-            <a:xfrm>
-              <a:off x="4469492" y="1970645"/>
-              <a:ext cx="1549793" cy="1549793"/>
-            </a:xfrm>
-            <a:custGeom>
-              <a:avLst/>
-              <a:gdLst>
-                <a:gd name="connsiteX0" fmla="*/ 0 w 1549793"/>
-                <a:gd name="connsiteY0" fmla="*/ 774897 h 1549793"/>
-                <a:gd name="connsiteX1" fmla="*/ 774897 w 1549793"/>
-                <a:gd name="connsiteY1" fmla="*/ 0 h 1549793"/>
-                <a:gd name="connsiteX2" fmla="*/ 1549794 w 1549793"/>
-                <a:gd name="connsiteY2" fmla="*/ 774897 h 1549793"/>
-                <a:gd name="connsiteX3" fmla="*/ 774897 w 1549793"/>
-                <a:gd name="connsiteY3" fmla="*/ 1549794 h 1549793"/>
-                <a:gd name="connsiteX4" fmla="*/ 0 w 1549793"/>
-                <a:gd name="connsiteY4" fmla="*/ 774897 h 1549793"/>
-              </a:gdLst>
-              <a:ahLst/>
-              <a:cxnLst>
-                <a:cxn ang="0">
-                  <a:pos x="connsiteX0" y="connsiteY0"/>
-                </a:cxn>
-                <a:cxn ang="0">
-                  <a:pos x="connsiteX1" y="connsiteY1"/>
-                </a:cxn>
-                <a:cxn ang="0">
-                  <a:pos x="connsiteX2" y="connsiteY2"/>
-                </a:cxn>
-                <a:cxn ang="0">
-                  <a:pos x="connsiteX3" y="connsiteY3"/>
-                </a:cxn>
-                <a:cxn ang="0">
-                  <a:pos x="connsiteX4" y="connsiteY4"/>
-                </a:cxn>
-              </a:cxnLst>
-              <a:rect l="l" t="t" r="r" b="b"/>
-              <a:pathLst>
-                <a:path w="1549793" h="1549793">
-                  <a:moveTo>
-                    <a:pt x="0" y="774897"/>
-                  </a:moveTo>
-                  <a:cubicBezTo>
-                    <a:pt x="0" y="346933"/>
-                    <a:pt x="346933" y="0"/>
-                    <a:pt x="774897" y="0"/>
-                  </a:cubicBezTo>
-                  <a:cubicBezTo>
-                    <a:pt x="1202861" y="0"/>
-                    <a:pt x="1549794" y="346933"/>
-                    <a:pt x="1549794" y="774897"/>
-                  </a:cubicBezTo>
-                  <a:cubicBezTo>
-                    <a:pt x="1549794" y="1202861"/>
-                    <a:pt x="1202861" y="1549794"/>
-                    <a:pt x="774897" y="1549794"/>
-                  </a:cubicBezTo>
-                  <a:cubicBezTo>
-                    <a:pt x="346933" y="1549794"/>
-                    <a:pt x="0" y="1202861"/>
-                    <a:pt x="0" y="774897"/>
-                  </a:cubicBezTo>
-                  <a:close/>
-                </a:path>
-              </a:pathLst>
-            </a:custGeom>
-          </p:spPr>
-          <p:style>
-            <a:lnRef idx="2">
-              <a:schemeClr val="dk1">
-                <a:shade val="80000"/>
-                <a:hueOff val="0"/>
-                <a:satOff val="0"/>
-                <a:lumOff val="0"/>
-                <a:alphaOff val="0"/>
-              </a:schemeClr>
-            </a:lnRef>
-            <a:fillRef idx="1">
-              <a:schemeClr val="lt1">
-                <a:hueOff val="0"/>
-                <a:satOff val="0"/>
-                <a:lumOff val="0"/>
-                <a:alphaOff val="0"/>
-              </a:schemeClr>
-            </a:fillRef>
-            <a:effectRef idx="0">
-              <a:schemeClr val="lt1">
-                <a:hueOff val="0"/>
-                <a:satOff val="0"/>
-                <a:lumOff val="0"/>
-                <a:alphaOff val="0"/>
-              </a:schemeClr>
-            </a:effectRef>
-            <a:fontRef idx="minor">
-              <a:schemeClr val="dk1">
-                <a:hueOff val="0"/>
-                <a:satOff val="0"/>
-                <a:lumOff val="0"/>
-                <a:alphaOff val="0"/>
-              </a:schemeClr>
-            </a:fontRef>
-          </p:style>
-          <p:txBody>
-            <a:bodyPr spcFirstLastPara="0" vert="horz" wrap="square" lIns="272682" tIns="272682" rIns="272682" bIns="272682" numCol="1" spcCol="1270" anchor="ctr" anchorCtr="0">
-              <a:noAutofit/>
-            </a:bodyPr>
-            <a:lstStyle/>
-            <a:p>
-              <a:pPr marL="0" lvl="0" indent="0" algn="ctr" defTabSz="1600200">
-                <a:lnSpc>
-                  <a:spcPct val="90000"/>
-                </a:lnSpc>
-                <a:spcBef>
-                  <a:spcPct val="0"/>
-                </a:spcBef>
-                <a:spcAft>
-                  <a:spcPct val="35000"/>
-                </a:spcAft>
-                <a:buNone/>
-              </a:pPr>
-              <a:r>
-                <a:rPr lang="en-US" sz="3600" kern="1200" dirty="0"/>
-                <a:t>🌧</a:t>
-              </a:r>
-              <a:r>
-                <a:rPr lang="en-US" sz="1600" kern="1200" dirty="0"/>
-                <a:t> Rain dataset</a:t>
-              </a:r>
-            </a:p>
-          </p:txBody>
-        </p:sp>
-        <p:sp>
-          <p:nvSpPr>
-            <p:cNvPr id="9" name="Freeform: Shape 8">
-              <a:extLst>
-                <a:ext uri="{FF2B5EF4-FFF2-40B4-BE49-F238E27FC236}">
-                  <a16:creationId xmlns:a16="http://schemas.microsoft.com/office/drawing/2014/main" id="{401DD824-7249-4140-B7F8-A89FF4578008}"/>
-                </a:ext>
-              </a:extLst>
-            </p:cNvPr>
-            <p:cNvSpPr/>
-            <p:nvPr/>
-          </p:nvSpPr>
-          <p:spPr>
-            <a:xfrm>
-              <a:off x="5724518" y="2419704"/>
-              <a:ext cx="1549793" cy="1549793"/>
-            </a:xfrm>
-            <a:custGeom>
-              <a:avLst/>
-              <a:gdLst>
-                <a:gd name="connsiteX0" fmla="*/ 0 w 1549793"/>
-                <a:gd name="connsiteY0" fmla="*/ 774897 h 1549793"/>
-                <a:gd name="connsiteX1" fmla="*/ 774897 w 1549793"/>
-                <a:gd name="connsiteY1" fmla="*/ 0 h 1549793"/>
-                <a:gd name="connsiteX2" fmla="*/ 1549794 w 1549793"/>
-                <a:gd name="connsiteY2" fmla="*/ 774897 h 1549793"/>
-                <a:gd name="connsiteX3" fmla="*/ 774897 w 1549793"/>
-                <a:gd name="connsiteY3" fmla="*/ 1549794 h 1549793"/>
-                <a:gd name="connsiteX4" fmla="*/ 0 w 1549793"/>
-                <a:gd name="connsiteY4" fmla="*/ 774897 h 1549793"/>
-              </a:gdLst>
-              <a:ahLst/>
-              <a:cxnLst>
-                <a:cxn ang="0">
-                  <a:pos x="connsiteX0" y="connsiteY0"/>
-                </a:cxn>
-                <a:cxn ang="0">
-                  <a:pos x="connsiteX1" y="connsiteY1"/>
-                </a:cxn>
-                <a:cxn ang="0">
-                  <a:pos x="connsiteX2" y="connsiteY2"/>
-                </a:cxn>
-                <a:cxn ang="0">
-                  <a:pos x="connsiteX3" y="connsiteY3"/>
-                </a:cxn>
-                <a:cxn ang="0">
-                  <a:pos x="connsiteX4" y="connsiteY4"/>
-                </a:cxn>
-              </a:cxnLst>
-              <a:rect l="l" t="t" r="r" b="b"/>
-              <a:pathLst>
-                <a:path w="1549793" h="1549793">
-                  <a:moveTo>
-                    <a:pt x="0" y="774897"/>
-                  </a:moveTo>
-                  <a:cubicBezTo>
-                    <a:pt x="0" y="346933"/>
-                    <a:pt x="346933" y="0"/>
-                    <a:pt x="774897" y="0"/>
-                  </a:cubicBezTo>
-                  <a:cubicBezTo>
-                    <a:pt x="1202861" y="0"/>
-                    <a:pt x="1549794" y="346933"/>
-                    <a:pt x="1549794" y="774897"/>
-                  </a:cubicBezTo>
-                  <a:cubicBezTo>
-                    <a:pt x="1549794" y="1202861"/>
-                    <a:pt x="1202861" y="1549794"/>
-                    <a:pt x="774897" y="1549794"/>
-                  </a:cubicBezTo>
-                  <a:cubicBezTo>
-                    <a:pt x="346933" y="1549794"/>
-                    <a:pt x="0" y="1202861"/>
-                    <a:pt x="0" y="774897"/>
-                  </a:cubicBezTo>
-                  <a:close/>
-                </a:path>
-              </a:pathLst>
-            </a:custGeom>
-          </p:spPr>
-          <p:style>
-            <a:lnRef idx="2">
-              <a:schemeClr val="dk1">
-                <a:shade val="80000"/>
-                <a:hueOff val="0"/>
-                <a:satOff val="0"/>
-                <a:lumOff val="0"/>
-                <a:alphaOff val="0"/>
-              </a:schemeClr>
-            </a:lnRef>
-            <a:fillRef idx="1">
-              <a:schemeClr val="lt1">
-                <a:hueOff val="0"/>
-                <a:satOff val="0"/>
-                <a:lumOff val="0"/>
-                <a:alphaOff val="0"/>
-              </a:schemeClr>
-            </a:fillRef>
-            <a:effectRef idx="0">
-              <a:schemeClr val="lt1">
-                <a:hueOff val="0"/>
-                <a:satOff val="0"/>
-                <a:lumOff val="0"/>
-                <a:alphaOff val="0"/>
-              </a:schemeClr>
-            </a:effectRef>
-            <a:fontRef idx="minor">
-              <a:schemeClr val="dk1">
-                <a:hueOff val="0"/>
-                <a:satOff val="0"/>
-                <a:lumOff val="0"/>
-                <a:alphaOff val="0"/>
-              </a:schemeClr>
-            </a:fontRef>
-          </p:style>
-          <p:txBody>
-            <a:bodyPr spcFirstLastPara="0" vert="horz" wrap="square" lIns="262522" tIns="262522" rIns="262522" bIns="262522" numCol="1" spcCol="1270" anchor="ctr" anchorCtr="0">
-              <a:noAutofit/>
-            </a:bodyPr>
-            <a:lstStyle/>
-            <a:p>
-              <a:pPr marL="0" lvl="0" indent="0" algn="ctr" defTabSz="1244600">
-                <a:lnSpc>
-                  <a:spcPct val="90000"/>
-                </a:lnSpc>
-                <a:spcBef>
-                  <a:spcPct val="0"/>
-                </a:spcBef>
-                <a:spcAft>
-                  <a:spcPct val="35000"/>
-                </a:spcAft>
-                <a:buNone/>
-              </a:pPr>
-              <a:r>
-                <a:rPr lang="en-US" sz="2800" kern="1200" dirty="0"/>
-                <a:t>🌡 </a:t>
-              </a:r>
-              <a:r>
-                <a:rPr lang="en-US" sz="1600" kern="1200" dirty="0"/>
-                <a:t>Temperature dataset</a:t>
-              </a:r>
-            </a:p>
-          </p:txBody>
-        </p:sp>
-      </p:grpSp>
-      <p:sp>
-        <p:nvSpPr>
-          <p:cNvPr id="22" name="TextBox 21">
-            <a:extLst>
-              <a:ext uri="{FF2B5EF4-FFF2-40B4-BE49-F238E27FC236}">
-                <a16:creationId xmlns:a16="http://schemas.microsoft.com/office/drawing/2014/main" id="{C802C901-1D40-4795-8193-67E2EA129CB1}"/>
-              </a:ext>
-            </a:extLst>
-          </p:cNvPr>
-          <p:cNvSpPr txBox="1"/>
-          <p:nvPr/>
-        </p:nvSpPr>
-        <p:spPr>
-          <a:xfrm>
-            <a:off x="5896391" y="5388537"/>
-            <a:ext cx="3730752" cy="923330"/>
-          </a:xfrm>
-          <a:prstGeom prst="rect">
-            <a:avLst/>
-          </a:prstGeom>
-          <a:noFill/>
-        </p:spPr>
-        <p:txBody>
-          <a:bodyPr wrap="square" rtlCol="0">
-            <a:spAutoFit/>
-          </a:bodyPr>
-          <a:lstStyle/>
-          <a:p>
-            <a:r>
-              <a:rPr lang="en-US" dirty="0"/>
-              <a:t>Source: Department of disease control</a:t>
-            </a:r>
-            <a:r>
-              <a:rPr lang="th-TH" dirty="0"/>
-              <a:t> - </a:t>
-            </a:r>
-            <a:r>
-              <a:rPr lang="en-US" dirty="0"/>
-              <a:t>Ministry of Public Health</a:t>
-            </a:r>
-            <a:endParaRPr lang="th-TH" dirty="0"/>
-          </a:p>
-          <a:p>
-            <a:r>
-              <a:rPr lang="en-US" dirty="0"/>
-              <a:t>476,935 rows/observations.</a:t>
-            </a:r>
-          </a:p>
-        </p:txBody>
-      </p:sp>
-      <p:sp>
-        <p:nvSpPr>
-          <p:cNvPr id="25" name="TextBox 24">
-            <a:extLst>
-              <a:ext uri="{FF2B5EF4-FFF2-40B4-BE49-F238E27FC236}">
-                <a16:creationId xmlns:a16="http://schemas.microsoft.com/office/drawing/2014/main" id="{C09B325E-ED0C-401A-849D-EEDC7FD8D4F8}"/>
-              </a:ext>
-            </a:extLst>
-          </p:cNvPr>
-          <p:cNvSpPr txBox="1"/>
-          <p:nvPr/>
-        </p:nvSpPr>
-        <p:spPr>
-          <a:xfrm>
-            <a:off x="5634193" y="1828237"/>
-            <a:ext cx="3125759" cy="646331"/>
-          </a:xfrm>
-          <a:prstGeom prst="rect">
-            <a:avLst/>
-          </a:prstGeom>
-          <a:noFill/>
-        </p:spPr>
-        <p:txBody>
-          <a:bodyPr wrap="square" rtlCol="0">
-            <a:spAutoFit/>
-          </a:bodyPr>
-          <a:lstStyle/>
-          <a:p>
-            <a:r>
-              <a:rPr lang="en-US" dirty="0"/>
-              <a:t>Source: National Statistical Office of Thailand</a:t>
-            </a:r>
-          </a:p>
-        </p:txBody>
-      </p:sp>
+          <p:cNvGraphicFramePr>
+            <a:graphicFrameLocks noGrp="1"/>
+          </p:cNvGraphicFramePr>
+          <p:nvPr>
+            <p:ph idx="1"/>
+            <p:extLst>
+              <p:ext uri="{D42A27DB-BD31-4B8C-83A1-F6EECF244321}">
+                <p14:modId xmlns:p14="http://schemas.microsoft.com/office/powerpoint/2010/main" val="2084959747"/>
+              </p:ext>
+            </p:extLst>
+          </p:nvPr>
+        </p:nvGraphicFramePr>
+        <p:xfrm>
+          <a:off x="838200" y="1825625"/>
+          <a:ext cx="10515600" cy="4351338"/>
+        </p:xfrm>
+        <a:graphic>
+          <a:graphicData uri="http://schemas.openxmlformats.org/drawingml/2006/chart">
+            <c:chart xmlns:c="http://schemas.openxmlformats.org/drawingml/2006/chart" xmlns:r="http://schemas.openxmlformats.org/officeDocument/2006/relationships" r:id="rId2"/>
+          </a:graphicData>
+        </a:graphic>
+      </p:graphicFrame>
     </p:spTree>
     <p:extLst>
       <p:ext uri="{BB962C8B-B14F-4D97-AF65-F5344CB8AC3E}">
-        <p14:creationId xmlns:p14="http://schemas.microsoft.com/office/powerpoint/2010/main" val="1914115493"/>
+        <p14:creationId xmlns:p14="http://schemas.microsoft.com/office/powerpoint/2010/main" val="3192938357"/>
       </p:ext>
     </p:extLst>
   </p:cSld>
@@ -10932,6 +10988,211 @@
           <a:p>
             <a:r>
               <a:rPr lang="en-US" dirty="0"/>
+              <a:t>Sample</a:t>
+            </a:r>
+          </a:p>
+        </p:txBody>
+      </p:sp>
+      <p:pic>
+        <p:nvPicPr>
+          <p:cNvPr id="11" name="Picture 10">
+            <a:extLst>
+              <a:ext uri="{FF2B5EF4-FFF2-40B4-BE49-F238E27FC236}">
+                <a16:creationId xmlns:a16="http://schemas.microsoft.com/office/drawing/2014/main" id="{E098997A-81BE-4BAC-A6DA-0A124789B684}"/>
+              </a:ext>
+            </a:extLst>
+          </p:cNvPr>
+          <p:cNvPicPr>
+            <a:picLocks noChangeAspect="1"/>
+          </p:cNvPicPr>
+          <p:nvPr/>
+        </p:nvPicPr>
+        <p:blipFill>
+          <a:blip r:embed="rId2"/>
+          <a:stretch>
+            <a:fillRect/>
+          </a:stretch>
+        </p:blipFill>
+        <p:spPr>
+          <a:xfrm>
+            <a:off x="2047667" y="1970710"/>
+            <a:ext cx="8096666" cy="1251014"/>
+          </a:xfrm>
+          <a:prstGeom prst="rect">
+            <a:avLst/>
+          </a:prstGeom>
+          <a:effectLst>
+            <a:glow rad="228600">
+              <a:schemeClr val="accent4">
+                <a:satMod val="175000"/>
+                <a:alpha val="40000"/>
+              </a:schemeClr>
+            </a:glow>
+          </a:effectLst>
+        </p:spPr>
+      </p:pic>
+      <p:sp>
+        <p:nvSpPr>
+          <p:cNvPr id="14" name="TextBox 13">
+            <a:extLst>
+              <a:ext uri="{FF2B5EF4-FFF2-40B4-BE49-F238E27FC236}">
+                <a16:creationId xmlns:a16="http://schemas.microsoft.com/office/drawing/2014/main" id="{BC194DB1-8BC5-471E-A340-A6B6F201C85E}"/>
+              </a:ext>
+            </a:extLst>
+          </p:cNvPr>
+          <p:cNvSpPr txBox="1"/>
+          <p:nvPr/>
+        </p:nvSpPr>
+        <p:spPr>
+          <a:xfrm>
+            <a:off x="2009671" y="1506022"/>
+            <a:ext cx="3730752" cy="369332"/>
+          </a:xfrm>
+          <a:prstGeom prst="rect">
+            <a:avLst/>
+          </a:prstGeom>
+          <a:noFill/>
+        </p:spPr>
+        <p:txBody>
+          <a:bodyPr wrap="square" rtlCol="0">
+            <a:spAutoFit/>
+          </a:bodyPr>
+          <a:lstStyle/>
+          <a:p>
+            <a:r>
+              <a:rPr lang="en-US" dirty="0"/>
+              <a:t>Dengue patient</a:t>
+            </a:r>
+          </a:p>
+        </p:txBody>
+      </p:sp>
+      <p:pic>
+        <p:nvPicPr>
+          <p:cNvPr id="16" name="Picture 15">
+            <a:extLst>
+              <a:ext uri="{FF2B5EF4-FFF2-40B4-BE49-F238E27FC236}">
+                <a16:creationId xmlns:a16="http://schemas.microsoft.com/office/drawing/2014/main" id="{E2AE3EA8-B408-452B-8C30-19CEB4128EF5}"/>
+              </a:ext>
+            </a:extLst>
+          </p:cNvPr>
+          <p:cNvPicPr>
+            <a:picLocks noChangeAspect="1"/>
+          </p:cNvPicPr>
+          <p:nvPr/>
+        </p:nvPicPr>
+        <p:blipFill rotWithShape="1">
+          <a:blip r:embed="rId3"/>
+          <a:srcRect r="13800"/>
+          <a:stretch/>
+        </p:blipFill>
+        <p:spPr>
+          <a:xfrm>
+            <a:off x="2009671" y="3829365"/>
+            <a:ext cx="8172658" cy="1968601"/>
+          </a:xfrm>
+          <a:prstGeom prst="rect">
+            <a:avLst/>
+          </a:prstGeom>
+          <a:effectLst>
+            <a:glow rad="228600">
+              <a:schemeClr val="accent4">
+                <a:satMod val="175000"/>
+                <a:alpha val="40000"/>
+              </a:schemeClr>
+            </a:glow>
+          </a:effectLst>
+        </p:spPr>
+      </p:pic>
+      <p:sp>
+        <p:nvSpPr>
+          <p:cNvPr id="19" name="TextBox 18">
+            <a:extLst>
+              <a:ext uri="{FF2B5EF4-FFF2-40B4-BE49-F238E27FC236}">
+                <a16:creationId xmlns:a16="http://schemas.microsoft.com/office/drawing/2014/main" id="{4F72EF2A-4956-4D95-931C-BC8972093FCA}"/>
+              </a:ext>
+            </a:extLst>
+          </p:cNvPr>
+          <p:cNvSpPr txBox="1"/>
+          <p:nvPr/>
+        </p:nvSpPr>
+        <p:spPr>
+          <a:xfrm>
+            <a:off x="2009671" y="3380935"/>
+            <a:ext cx="3730752" cy="369332"/>
+          </a:xfrm>
+          <a:prstGeom prst="rect">
+            <a:avLst/>
+          </a:prstGeom>
+          <a:noFill/>
+        </p:spPr>
+        <p:txBody>
+          <a:bodyPr wrap="square" rtlCol="0">
+            <a:spAutoFit/>
+          </a:bodyPr>
+          <a:lstStyle/>
+          <a:p>
+            <a:pPr lvl="0"/>
+            <a:r>
+              <a:rPr lang="en-US" sz="1800" dirty="0"/>
+              <a:t>Humidity</a:t>
+            </a:r>
+            <a:endParaRPr lang="en-US" dirty="0"/>
+          </a:p>
+        </p:txBody>
+      </p:sp>
+    </p:spTree>
+    <p:extLst>
+      <p:ext uri="{BB962C8B-B14F-4D97-AF65-F5344CB8AC3E}">
+        <p14:creationId xmlns:p14="http://schemas.microsoft.com/office/powerpoint/2010/main" val="3749939101"/>
+      </p:ext>
+    </p:extLst>
+  </p:cSld>
+  <p:clrMapOvr>
+    <a:masterClrMapping/>
+  </p:clrMapOvr>
+</p:sld>
+</file>
+
+<file path=ppt/slides/slide7.xml><?xml version="1.0" encoding="utf-8"?>
+<p:sld xmlns:a="http://schemas.openxmlformats.org/drawingml/2006/main" xmlns:r="http://schemas.openxmlformats.org/officeDocument/2006/relationships" xmlns:p="http://schemas.openxmlformats.org/presentationml/2006/main">
+  <p:cSld>
+    <p:spTree>
+      <p:nvGrpSpPr>
+        <p:cNvPr id="1" name=""/>
+        <p:cNvGrpSpPr/>
+        <p:nvPr/>
+      </p:nvGrpSpPr>
+      <p:grpSpPr>
+        <a:xfrm>
+          <a:off x="0" y="0"/>
+          <a:ext cx="0" cy="0"/>
+          <a:chOff x="0" y="0"/>
+          <a:chExt cx="0" cy="0"/>
+        </a:xfrm>
+      </p:grpSpPr>
+      <p:sp>
+        <p:nvSpPr>
+          <p:cNvPr id="2" name="Title 1">
+            <a:extLst>
+              <a:ext uri="{FF2B5EF4-FFF2-40B4-BE49-F238E27FC236}">
+                <a16:creationId xmlns:a16="http://schemas.microsoft.com/office/drawing/2014/main" id="{7B5AF8A3-688C-4433-B27C-1BC216F81801}"/>
+              </a:ext>
+            </a:extLst>
+          </p:cNvPr>
+          <p:cNvSpPr>
+            <a:spLocks noGrp="1"/>
+          </p:cNvSpPr>
+          <p:nvPr>
+            <p:ph type="title"/>
+          </p:nvPr>
+        </p:nvSpPr>
+        <p:spPr/>
+        <p:txBody>
+          <a:bodyPr/>
+          <a:lstStyle/>
+          <a:p>
+            <a:r>
+              <a:rPr lang="en-US" dirty="0"/>
               <a:t>Data preprocessing</a:t>
             </a:r>
           </a:p>
@@ -10965,9 +11226,12 @@
           </a:bodyPr>
           <a:lstStyle/>
           <a:p>
+            <a:pPr marL="0" indent="0">
+              <a:buNone/>
+            </a:pPr>
             <a:r>
               <a:rPr lang="en-US" dirty="0"/>
-              <a:t>Challenge of THAI datasets 🥵</a:t>
+              <a:t>🥵 Challenge of THAI datasets</a:t>
             </a:r>
           </a:p>
         </p:txBody>
@@ -11248,7 +11512,7 @@
 </p:sld>
 </file>
 
-<file path=ppt/slides/slide7.xml><?xml version="1.0" encoding="utf-8"?>
+<file path=ppt/slides/slide8.xml><?xml version="1.0" encoding="utf-8"?>
 <p:sld xmlns:a="http://schemas.openxmlformats.org/drawingml/2006/main" xmlns:r="http://schemas.openxmlformats.org/officeDocument/2006/relationships" xmlns:p="http://schemas.openxmlformats.org/presentationml/2006/main">
   <p:cSld>
     <p:spTree>
@@ -11536,7 +11800,7 @@
 </p:sld>
 </file>
 
-<file path=ppt/slides/slide8.xml><?xml version="1.0" encoding="utf-8"?>
+<file path=ppt/slides/slide9.xml><?xml version="1.0" encoding="utf-8"?>
 <p:sld xmlns:a="http://schemas.openxmlformats.org/drawingml/2006/main" xmlns:r="http://schemas.openxmlformats.org/officeDocument/2006/relationships" xmlns:p="http://schemas.openxmlformats.org/presentationml/2006/main">
   <p:cSld>
     <p:spTree>
@@ -11788,86 +12052,6 @@
     <p:extLst>
       <p:ext uri="{BB962C8B-B14F-4D97-AF65-F5344CB8AC3E}">
         <p14:creationId xmlns:p14="http://schemas.microsoft.com/office/powerpoint/2010/main" val="3312985341"/>
-      </p:ext>
-    </p:extLst>
-  </p:cSld>
-  <p:clrMapOvr>
-    <a:masterClrMapping/>
-  </p:clrMapOvr>
-</p:sld>
-</file>
-
-<file path=ppt/slides/slide9.xml><?xml version="1.0" encoding="utf-8"?>
-<p:sld xmlns:a="http://schemas.openxmlformats.org/drawingml/2006/main" xmlns:r="http://schemas.openxmlformats.org/officeDocument/2006/relationships" xmlns:p="http://schemas.openxmlformats.org/presentationml/2006/main">
-  <p:cSld>
-    <p:spTree>
-      <p:nvGrpSpPr>
-        <p:cNvPr id="1" name=""/>
-        <p:cNvGrpSpPr/>
-        <p:nvPr/>
-      </p:nvGrpSpPr>
-      <p:grpSpPr>
-        <a:xfrm>
-          <a:off x="0" y="0"/>
-          <a:ext cx="0" cy="0"/>
-          <a:chOff x="0" y="0"/>
-          <a:chExt cx="0" cy="0"/>
-        </a:xfrm>
-      </p:grpSpPr>
-      <p:sp>
-        <p:nvSpPr>
-          <p:cNvPr id="2" name="Title 1">
-            <a:extLst>
-              <a:ext uri="{FF2B5EF4-FFF2-40B4-BE49-F238E27FC236}">
-                <a16:creationId xmlns:a16="http://schemas.microsoft.com/office/drawing/2014/main" id="{7B5AF8A3-688C-4433-B27C-1BC216F81801}"/>
-              </a:ext>
-            </a:extLst>
-          </p:cNvPr>
-          <p:cNvSpPr>
-            <a:spLocks noGrp="1"/>
-          </p:cNvSpPr>
-          <p:nvPr>
-            <p:ph type="title"/>
-          </p:nvPr>
-        </p:nvSpPr>
-        <p:spPr/>
-        <p:txBody>
-          <a:bodyPr/>
-          <a:lstStyle/>
-          <a:p>
-            <a:r>
-              <a:rPr lang="en-US" dirty="0"/>
-              <a:t>Data preprocessing</a:t>
-            </a:r>
-          </a:p>
-        </p:txBody>
-      </p:sp>
-      <p:graphicFrame>
-        <p:nvGraphicFramePr>
-          <p:cNvPr id="4" name="Diagram 3">
-            <a:extLst>
-              <a:ext uri="{FF2B5EF4-FFF2-40B4-BE49-F238E27FC236}">
-                <a16:creationId xmlns:a16="http://schemas.microsoft.com/office/drawing/2014/main" id="{F92A9884-09C3-4051-8114-ED7F68D0B546}"/>
-              </a:ext>
-            </a:extLst>
-          </p:cNvPr>
-          <p:cNvGraphicFramePr/>
-          <p:nvPr/>
-        </p:nvGraphicFramePr>
-        <p:xfrm>
-          <a:off x="2032000" y="719666"/>
-          <a:ext cx="8128000" cy="5418667"/>
-        </p:xfrm>
-        <a:graphic>
-          <a:graphicData uri="http://schemas.openxmlformats.org/drawingml/2006/diagram">
-            <dgm:relIds xmlns:dgm="http://schemas.openxmlformats.org/drawingml/2006/diagram" xmlns:r="http://schemas.openxmlformats.org/officeDocument/2006/relationships" r:dm="rId2" r:lo="rId3" r:qs="rId4" r:cs="rId5"/>
-          </a:graphicData>
-        </a:graphic>
-      </p:graphicFrame>
-    </p:spTree>
-    <p:extLst>
-      <p:ext uri="{BB962C8B-B14F-4D97-AF65-F5344CB8AC3E}">
-        <p14:creationId xmlns:p14="http://schemas.microsoft.com/office/powerpoint/2010/main" val="1249659327"/>
       </p:ext>
     </p:extLst>
   </p:cSld>

--- a/Presentation.pptx
+++ b/Presentation.pptx
@@ -17,13 +17,15 @@
     <p:sldId id="272" r:id="rId11"/>
     <p:sldId id="266" r:id="rId12"/>
     <p:sldId id="273" r:id="rId13"/>
-    <p:sldId id="264" r:id="rId14"/>
-    <p:sldId id="269" r:id="rId15"/>
-    <p:sldId id="281" r:id="rId16"/>
-    <p:sldId id="262" r:id="rId17"/>
-    <p:sldId id="282" r:id="rId18"/>
-    <p:sldId id="258" r:id="rId19"/>
-    <p:sldId id="278" r:id="rId20"/>
+    <p:sldId id="283" r:id="rId14"/>
+    <p:sldId id="264" r:id="rId15"/>
+    <p:sldId id="284" r:id="rId16"/>
+    <p:sldId id="269" r:id="rId17"/>
+    <p:sldId id="281" r:id="rId18"/>
+    <p:sldId id="262" r:id="rId19"/>
+    <p:sldId id="282" r:id="rId20"/>
+    <p:sldId id="258" r:id="rId21"/>
+    <p:sldId id="278" r:id="rId22"/>
   </p:sldIdLst>
   <p:sldSz cx="12192000" cy="6858000"/>
   <p:notesSz cx="6858000" cy="9144000"/>
@@ -155,75 +157,7 @@
     </mc:Fallback>
   </mc:AlternateContent>
   <c:chart>
-    <c:title>
-      <c:tx>
-        <c:rich>
-          <a:bodyPr rot="0" spcFirstLastPara="1" vertOverflow="ellipsis" vert="horz" wrap="square" anchor="ctr" anchorCtr="1"/>
-          <a:lstStyle/>
-          <a:p>
-            <a:pPr>
-              <a:defRPr sz="1862" b="0" i="0" u="none" strike="noStrike" kern="1200" spc="0" baseline="0">
-                <a:solidFill>
-                  <a:schemeClr val="tx1">
-                    <a:lumMod val="65000"/>
-                    <a:lumOff val="35000"/>
-                  </a:schemeClr>
-                </a:solidFill>
-                <a:latin typeface="+mn-lt"/>
-                <a:ea typeface="+mn-ea"/>
-                <a:cs typeface="+mn-cs"/>
-              </a:defRPr>
-            </a:pPr>
-            <a:r>
-              <a:rPr lang="en-US" dirty="0"/>
-              <a:t>Sample</a:t>
-            </a:r>
-            <a:r>
-              <a:rPr lang="en-US" baseline="0" dirty="0"/>
-              <a:t> of some province </a:t>
-            </a:r>
-            <a:r>
-              <a:rPr lang="en-US" dirty="0"/>
-              <a:t>Patient</a:t>
-            </a:r>
-            <a:r>
-              <a:rPr lang="en-US" baseline="0" dirty="0"/>
-              <a:t> and Rainfall</a:t>
-            </a:r>
-            <a:endParaRPr lang="en-US" dirty="0"/>
-          </a:p>
-        </c:rich>
-      </c:tx>
-      <c:overlay val="0"/>
-      <c:spPr>
-        <a:noFill/>
-        <a:ln>
-          <a:noFill/>
-        </a:ln>
-        <a:effectLst/>
-      </c:spPr>
-      <c:txPr>
-        <a:bodyPr rot="0" spcFirstLastPara="1" vertOverflow="ellipsis" vert="horz" wrap="square" anchor="ctr" anchorCtr="1"/>
-        <a:lstStyle/>
-        <a:p>
-          <a:pPr>
-            <a:defRPr sz="1862" b="0" i="0" u="none" strike="noStrike" kern="1200" spc="0" baseline="0">
-              <a:solidFill>
-                <a:schemeClr val="tx1">
-                  <a:lumMod val="65000"/>
-                  <a:lumOff val="35000"/>
-                </a:schemeClr>
-              </a:solidFill>
-              <a:latin typeface="+mn-lt"/>
-              <a:ea typeface="+mn-ea"/>
-              <a:cs typeface="+mn-cs"/>
-            </a:defRPr>
-          </a:pPr>
-          <a:endParaRPr lang="en-US"/>
-        </a:p>
-      </c:txPr>
-    </c:title>
-    <c:autoTitleDeleted val="0"/>
+    <c:autoTitleDeleted val="1"/>
     <c:plotArea>
       <c:layout/>
       <c:barChart>
@@ -232,21 +166,24 @@
         <c:varyColors val="0"/>
         <c:ser>
           <c:idx val="1"/>
-          <c:order val="0"/>
+          <c:order val="1"/>
           <c:tx>
             <c:strRef>
-              <c:f>Sheet1!$C$1</c:f>
+              <c:f>Sheet2!$C$1</c:f>
               <c:strCache>
                 <c:ptCount val="1"/>
                 <c:pt idx="0">
-                  <c:v>Rain</c:v>
+                  <c:v>Patient</c:v>
                 </c:pt>
               </c:strCache>
             </c:strRef>
           </c:tx>
           <c:spPr>
             <a:solidFill>
-              <a:schemeClr val="accent2"/>
+              <a:schemeClr val="tx1">
+                <a:lumMod val="50000"/>
+                <a:lumOff val="50000"/>
+              </a:schemeClr>
             </a:solidFill>
             <a:ln>
               <a:noFill/>
@@ -256,48 +193,54 @@
           <c:invertIfNegative val="0"/>
           <c:cat>
             <c:strRef>
-              <c:f>Sheet1!$A$2:$A$5</c:f>
+              <c:f>Sheet2!$A$2:$A$6</c:f>
               <c:strCache>
-                <c:ptCount val="4"/>
+                <c:ptCount val="5"/>
                 <c:pt idx="0">
-                  <c:v>June</c:v>
+                  <c:v>Nakornrachasima</c:v>
                 </c:pt>
                 <c:pt idx="1">
-                  <c:v>August</c:v>
+                  <c:v>Konkean</c:v>
                 </c:pt>
                 <c:pt idx="2">
-                  <c:v>September</c:v>
+                  <c:v>Trang</c:v>
                 </c:pt>
                 <c:pt idx="3">
-                  <c:v>October</c:v>
+                  <c:v>Mahasarakarm</c:v>
+                </c:pt>
+                <c:pt idx="4">
+                  <c:v>Puket</c:v>
                 </c:pt>
               </c:strCache>
             </c:strRef>
           </c:cat>
           <c:val>
             <c:numRef>
-              <c:f>Sheet1!$C$2:$C$5</c:f>
+              <c:f>Sheet2!$C$2:$C$6</c:f>
               <c:numCache>
                 <c:formatCode>General</c:formatCode>
-                <c:ptCount val="4"/>
+                <c:ptCount val="5"/>
                 <c:pt idx="0">
-                  <c:v>2.4</c:v>
+                  <c:v>6991</c:v>
                 </c:pt>
                 <c:pt idx="1">
-                  <c:v>2</c:v>
+                  <c:v>4595</c:v>
                 </c:pt>
                 <c:pt idx="2">
-                  <c:v>4</c:v>
+                  <c:v>3211</c:v>
                 </c:pt>
                 <c:pt idx="3">
-                  <c:v>5</c:v>
+                  <c:v>2509</c:v>
+                </c:pt>
+                <c:pt idx="4">
+                  <c:v>510</c:v>
                 </c:pt>
               </c:numCache>
             </c:numRef>
           </c:val>
           <c:extLst>
             <c:ext xmlns:c16="http://schemas.microsoft.com/office/drawing/2014/chart" uri="{C3380CC4-5D6E-409C-BE32-E72D297353CC}">
-              <c16:uniqueId val="{00000001-41A1-4383-A2A9-F0CEF9BB44DF}"/>
+              <c16:uniqueId val="{00000000-6F55-4CE4-8994-12EE33695E5E}"/>
             </c:ext>
           </c:extLst>
         </c:ser>
@@ -310,23 +253,22 @@
           <c:showBubbleSize val="0"/>
         </c:dLbls>
         <c:gapWidth val="219"/>
-        <c:overlap val="-27"/>
-        <c:axId val="614788192"/>
-        <c:axId val="614791104"/>
+        <c:axId val="1740297599"/>
+        <c:axId val="1740298431"/>
       </c:barChart>
       <c:lineChart>
         <c:grouping val="standard"/>
         <c:varyColors val="0"/>
         <c:ser>
-          <c:idx val="2"/>
-          <c:order val="1"/>
+          <c:idx val="0"/>
+          <c:order val="0"/>
           <c:tx>
             <c:strRef>
-              <c:f>Sheet1!$D$1</c:f>
+              <c:f>Sheet2!$B$1</c:f>
               <c:strCache>
                 <c:ptCount val="1"/>
                 <c:pt idx="0">
-                  <c:v>Patient</c:v>
+                  <c:v>Rainfall</c:v>
                 </c:pt>
               </c:strCache>
             </c:strRef>
@@ -334,7 +276,7 @@
           <c:spPr>
             <a:ln w="28575" cap="rnd">
               <a:solidFill>
-                <a:srgbClr val="FF0066"/>
+                <a:schemeClr val="accent1"/>
               </a:solidFill>
               <a:round/>
             </a:ln>
@@ -345,41 +287,47 @@
           </c:marker>
           <c:cat>
             <c:strRef>
-              <c:f>Sheet1!$A$2:$A$5</c:f>
+              <c:f>Sheet2!$A$2:$A$6</c:f>
               <c:strCache>
-                <c:ptCount val="4"/>
+                <c:ptCount val="5"/>
                 <c:pt idx="0">
-                  <c:v>June</c:v>
+                  <c:v>Nakornrachasima</c:v>
                 </c:pt>
                 <c:pt idx="1">
-                  <c:v>August</c:v>
+                  <c:v>Konkean</c:v>
                 </c:pt>
                 <c:pt idx="2">
-                  <c:v>September</c:v>
+                  <c:v>Trang</c:v>
                 </c:pt>
                 <c:pt idx="3">
-                  <c:v>October</c:v>
+                  <c:v>Mahasarakarm</c:v>
+                </c:pt>
+                <c:pt idx="4">
+                  <c:v>Puket</c:v>
                 </c:pt>
               </c:strCache>
             </c:strRef>
           </c:cat>
           <c:val>
             <c:numRef>
-              <c:f>Sheet1!$D$2:$D$5</c:f>
+              <c:f>Sheet2!$B$2:$B$6</c:f>
               <c:numCache>
                 <c:formatCode>General</c:formatCode>
-                <c:ptCount val="4"/>
+                <c:ptCount val="5"/>
                 <c:pt idx="0">
-                  <c:v>2</c:v>
+                  <c:v>114</c:v>
                 </c:pt>
                 <c:pt idx="1">
-                  <c:v>3</c:v>
+                  <c:v>110</c:v>
                 </c:pt>
                 <c:pt idx="2">
-                  <c:v>3.5</c:v>
+                  <c:v>192</c:v>
                 </c:pt>
                 <c:pt idx="3">
-                  <c:v>5</c:v>
+                  <c:v>98</c:v>
+                </c:pt>
+                <c:pt idx="4">
+                  <c:v>178</c:v>
                 </c:pt>
               </c:numCache>
             </c:numRef>
@@ -387,7 +335,7 @@
           <c:smooth val="0"/>
           <c:extLst>
             <c:ext xmlns:c16="http://schemas.microsoft.com/office/drawing/2014/chart" uri="{C3380CC4-5D6E-409C-BE32-E72D297353CC}">
-              <c16:uniqueId val="{00000002-41A1-4383-A2A9-F0CEF9BB44DF}"/>
+              <c16:uniqueId val="{00000001-6F55-4CE4-8994-12EE33695E5E}"/>
             </c:ext>
           </c:extLst>
         </c:ser>
@@ -401,11 +349,11 @@
         </c:dLbls>
         <c:marker val="1"/>
         <c:smooth val="0"/>
-        <c:axId val="614788192"/>
-        <c:axId val="614791104"/>
+        <c:axId val="1934279039"/>
+        <c:axId val="1809049503"/>
       </c:lineChart>
       <c:catAx>
-        <c:axId val="614788192"/>
+        <c:axId val="1740297599"/>
         <c:scaling>
           <c:orientation val="minMax"/>
         </c:scaling>
@@ -433,12 +381,9 @@
           <a:lstStyle/>
           <a:p>
             <a:pPr>
-              <a:defRPr sz="1197" b="0" i="0" u="none" strike="noStrike" kern="1200" baseline="0">
+              <a:defRPr sz="1600" b="0" i="0" u="none" strike="noStrike" kern="1200" baseline="0">
                 <a:solidFill>
-                  <a:schemeClr val="tx1">
-                    <a:lumMod val="65000"/>
-                    <a:lumOff val="35000"/>
-                  </a:schemeClr>
+                  <a:schemeClr val="tx1"/>
                 </a:solidFill>
                 <a:latin typeface="+mn-lt"/>
                 <a:ea typeface="+mn-ea"/>
@@ -448,7 +393,7 @@
             <a:endParaRPr lang="en-US"/>
           </a:p>
         </c:txPr>
-        <c:crossAx val="614791104"/>
+        <c:crossAx val="1740298431"/>
         <c:crosses val="autoZero"/>
         <c:auto val="1"/>
         <c:lblAlgn val="ctr"/>
@@ -456,7 +401,7 @@
         <c:noMultiLvlLbl val="0"/>
       </c:catAx>
       <c:valAx>
-        <c:axId val="614791104"/>
+        <c:axId val="1740298431"/>
         <c:scaling>
           <c:orientation val="minMax"/>
         </c:scaling>
@@ -492,12 +437,9 @@
           <a:lstStyle/>
           <a:p>
             <a:pPr>
-              <a:defRPr sz="1197" b="0" i="0" u="none" strike="noStrike" kern="1200" baseline="0">
+              <a:defRPr sz="1600" b="0" i="0" u="none" strike="noStrike" kern="1200" baseline="0">
                 <a:solidFill>
-                  <a:schemeClr val="tx1">
-                    <a:lumMod val="65000"/>
-                    <a:lumOff val="35000"/>
-                  </a:schemeClr>
+                  <a:schemeClr val="tx1"/>
                 </a:solidFill>
                 <a:latin typeface="+mn-lt"/>
                 <a:ea typeface="+mn-ea"/>
@@ -507,10 +449,67 @@
             <a:endParaRPr lang="en-US"/>
           </a:p>
         </c:txPr>
-        <c:crossAx val="614788192"/>
+        <c:crossAx val="1740297599"/>
         <c:crosses val="autoZero"/>
         <c:crossBetween val="between"/>
       </c:valAx>
+      <c:valAx>
+        <c:axId val="1809049503"/>
+        <c:scaling>
+          <c:orientation val="minMax"/>
+        </c:scaling>
+        <c:delete val="0"/>
+        <c:axPos val="r"/>
+        <c:numFmt formatCode="General" sourceLinked="1"/>
+        <c:majorTickMark val="out"/>
+        <c:minorTickMark val="none"/>
+        <c:tickLblPos val="nextTo"/>
+        <c:spPr>
+          <a:noFill/>
+          <a:ln>
+            <a:noFill/>
+          </a:ln>
+          <a:effectLst/>
+        </c:spPr>
+        <c:txPr>
+          <a:bodyPr rot="-60000000" spcFirstLastPara="1" vertOverflow="ellipsis" vert="horz" wrap="square" anchor="ctr" anchorCtr="1"/>
+          <a:lstStyle/>
+          <a:p>
+            <a:pPr>
+              <a:defRPr sz="1600" b="0" i="0" u="none" strike="noStrike" kern="1200" baseline="0">
+                <a:solidFill>
+                  <a:schemeClr val="tx1"/>
+                </a:solidFill>
+                <a:latin typeface="+mn-lt"/>
+                <a:ea typeface="+mn-ea"/>
+                <a:cs typeface="+mn-cs"/>
+              </a:defRPr>
+            </a:pPr>
+            <a:endParaRPr lang="en-US"/>
+          </a:p>
+        </c:txPr>
+        <c:crossAx val="1934279039"/>
+        <c:crosses val="max"/>
+        <c:crossBetween val="between"/>
+      </c:valAx>
+      <c:catAx>
+        <c:axId val="1934279039"/>
+        <c:scaling>
+          <c:orientation val="minMax"/>
+        </c:scaling>
+        <c:delete val="1"/>
+        <c:axPos val="b"/>
+        <c:numFmt formatCode="General" sourceLinked="1"/>
+        <c:majorTickMark val="out"/>
+        <c:minorTickMark val="none"/>
+        <c:tickLblPos val="nextTo"/>
+        <c:crossAx val="1809049503"/>
+        <c:crosses val="autoZero"/>
+        <c:auto val="1"/>
+        <c:lblAlgn val="ctr"/>
+        <c:lblOffset val="100"/>
+        <c:noMultiLvlLbl val="0"/>
+      </c:catAx>
       <c:spPr>
         <a:noFill/>
         <a:ln>
@@ -534,12 +533,9 @@
         <a:lstStyle/>
         <a:p>
           <a:pPr>
-            <a:defRPr sz="1197" b="0" i="0" u="none" strike="noStrike" kern="1200" baseline="0">
+            <a:defRPr sz="1600" b="0" i="0" u="none" strike="noStrike" kern="1200" baseline="0">
               <a:solidFill>
-                <a:schemeClr val="tx1">
-                  <a:lumMod val="65000"/>
-                  <a:lumOff val="35000"/>
-                </a:schemeClr>
+                <a:schemeClr val="tx1"/>
               </a:solidFill>
               <a:latin typeface="+mn-lt"/>
               <a:ea typeface="+mn-ea"/>
@@ -573,442 +569,11 @@
     <a:lstStyle/>
     <a:p>
       <a:pPr>
-        <a:defRPr/>
-      </a:pPr>
-      <a:endParaRPr lang="en-US"/>
-    </a:p>
-  </c:txPr>
-  <c:externalData r:id="rId3">
-    <c:autoUpdate val="0"/>
-  </c:externalData>
-</c:chartSpace>
-</file>
-
-<file path=ppt/charts/chart2.xml><?xml version="1.0" encoding="utf-8"?>
-<c:chartSpace xmlns:c="http://schemas.openxmlformats.org/drawingml/2006/chart" xmlns:a="http://schemas.openxmlformats.org/drawingml/2006/main" xmlns:r="http://schemas.openxmlformats.org/officeDocument/2006/relationships" xmlns:c16r2="http://schemas.microsoft.com/office/drawing/2015/06/chart">
-  <c:date1904 val="0"/>
-  <c:lang val="en-US"/>
-  <c:roundedCorners val="0"/>
-  <mc:AlternateContent xmlns:mc="http://schemas.openxmlformats.org/markup-compatibility/2006">
-    <mc:Choice xmlns:c14="http://schemas.microsoft.com/office/drawing/2007/8/2/chart" Requires="c14">
-      <c14:style val="102"/>
-    </mc:Choice>
-    <mc:Fallback>
-      <c:style val="2"/>
-    </mc:Fallback>
-  </mc:AlternateContent>
-  <c:chart>
-    <c:title>
-      <c:tx>
-        <c:rich>
-          <a:bodyPr rot="0" spcFirstLastPara="1" vertOverflow="ellipsis" vert="horz" wrap="square" anchor="ctr" anchorCtr="1"/>
-          <a:lstStyle/>
-          <a:p>
-            <a:pPr>
-              <a:defRPr sz="1862" b="0" i="0" u="none" strike="noStrike" kern="1200" spc="0" baseline="0">
-                <a:solidFill>
-                  <a:schemeClr val="tx1">
-                    <a:lumMod val="65000"/>
-                    <a:lumOff val="35000"/>
-                  </a:schemeClr>
-                </a:solidFill>
-                <a:latin typeface="+mn-lt"/>
-                <a:ea typeface="+mn-ea"/>
-                <a:cs typeface="+mn-cs"/>
-              </a:defRPr>
-            </a:pPr>
-            <a:r>
-              <a:rPr lang="th-TH" dirty="0"/>
-              <a:t>แสดงกราฟของจังหวัดที่</a:t>
-            </a:r>
-            <a:r>
-              <a:rPr lang="th-TH" baseline="0" dirty="0"/>
-              <a:t> จำนวนผู้ป่วย ไม่สอดคล้องกับ ปริมาณน้ำฝน</a:t>
-            </a:r>
-            <a:endParaRPr lang="en-US" dirty="0"/>
-          </a:p>
-        </c:rich>
-      </c:tx>
-      <c:overlay val="0"/>
-      <c:spPr>
-        <a:noFill/>
-        <a:ln>
-          <a:noFill/>
-        </a:ln>
-        <a:effectLst/>
-      </c:spPr>
-      <c:txPr>
-        <a:bodyPr rot="0" spcFirstLastPara="1" vertOverflow="ellipsis" vert="horz" wrap="square" anchor="ctr" anchorCtr="1"/>
-        <a:lstStyle/>
-        <a:p>
-          <a:pPr>
-            <a:defRPr sz="1862" b="0" i="0" u="none" strike="noStrike" kern="1200" spc="0" baseline="0">
-              <a:solidFill>
-                <a:schemeClr val="tx1">
-                  <a:lumMod val="65000"/>
-                  <a:lumOff val="35000"/>
-                </a:schemeClr>
-              </a:solidFill>
-              <a:latin typeface="+mn-lt"/>
-              <a:ea typeface="+mn-ea"/>
-              <a:cs typeface="+mn-cs"/>
-            </a:defRPr>
-          </a:pPr>
-          <a:endParaRPr lang="en-US"/>
-        </a:p>
-      </c:txPr>
-    </c:title>
-    <c:autoTitleDeleted val="0"/>
-    <c:plotArea>
-      <c:layout/>
-      <c:barChart>
-        <c:barDir val="col"/>
-        <c:grouping val="clustered"/>
-        <c:varyColors val="0"/>
-        <c:ser>
-          <c:idx val="1"/>
-          <c:order val="0"/>
-          <c:tx>
-            <c:strRef>
-              <c:f>Sheet1!$C$1</c:f>
-              <c:strCache>
-                <c:ptCount val="1"/>
-                <c:pt idx="0">
-                  <c:v>Rain</c:v>
-                </c:pt>
-              </c:strCache>
-            </c:strRef>
-          </c:tx>
-          <c:spPr>
-            <a:solidFill>
-              <a:schemeClr val="accent2"/>
-            </a:solidFill>
-            <a:ln>
-              <a:noFill/>
-            </a:ln>
-            <a:effectLst/>
-          </c:spPr>
-          <c:invertIfNegative val="0"/>
-          <c:cat>
-            <c:strRef>
-              <c:f>Sheet1!$A$2:$A$5</c:f>
-              <c:strCache>
-                <c:ptCount val="4"/>
-                <c:pt idx="0">
-                  <c:v>June</c:v>
-                </c:pt>
-                <c:pt idx="1">
-                  <c:v>August</c:v>
-                </c:pt>
-                <c:pt idx="2">
-                  <c:v>September</c:v>
-                </c:pt>
-                <c:pt idx="3">
-                  <c:v>October</c:v>
-                </c:pt>
-              </c:strCache>
-            </c:strRef>
-          </c:cat>
-          <c:val>
-            <c:numRef>
-              <c:f>Sheet1!$C$2:$C$5</c:f>
-              <c:numCache>
-                <c:formatCode>General</c:formatCode>
-                <c:ptCount val="4"/>
-                <c:pt idx="0">
-                  <c:v>2.4</c:v>
-                </c:pt>
-                <c:pt idx="1">
-                  <c:v>2</c:v>
-                </c:pt>
-                <c:pt idx="2">
-                  <c:v>4</c:v>
-                </c:pt>
-                <c:pt idx="3">
-                  <c:v>5</c:v>
-                </c:pt>
-              </c:numCache>
-            </c:numRef>
-          </c:val>
-          <c:extLst>
-            <c:ext xmlns:c16="http://schemas.microsoft.com/office/drawing/2014/chart" uri="{C3380CC4-5D6E-409C-BE32-E72D297353CC}">
-              <c16:uniqueId val="{00000001-41A1-4383-A2A9-F0CEF9BB44DF}"/>
-            </c:ext>
-          </c:extLst>
-        </c:ser>
-        <c:dLbls>
-          <c:showLegendKey val="0"/>
-          <c:showVal val="0"/>
-          <c:showCatName val="0"/>
-          <c:showSerName val="0"/>
-          <c:showPercent val="0"/>
-          <c:showBubbleSize val="0"/>
-        </c:dLbls>
-        <c:gapWidth val="219"/>
-        <c:overlap val="-27"/>
-        <c:axId val="614788192"/>
-        <c:axId val="614791104"/>
-      </c:barChart>
-      <c:lineChart>
-        <c:grouping val="standard"/>
-        <c:varyColors val="0"/>
-        <c:ser>
-          <c:idx val="2"/>
-          <c:order val="1"/>
-          <c:tx>
-            <c:strRef>
-              <c:f>Sheet1!$D$1</c:f>
-              <c:strCache>
-                <c:ptCount val="1"/>
-                <c:pt idx="0">
-                  <c:v>Patient</c:v>
-                </c:pt>
-              </c:strCache>
-            </c:strRef>
-          </c:tx>
-          <c:spPr>
-            <a:ln w="28575" cap="rnd">
-              <a:solidFill>
-                <a:srgbClr val="FF0066"/>
-              </a:solidFill>
-              <a:round/>
-            </a:ln>
-            <a:effectLst/>
-          </c:spPr>
-          <c:marker>
-            <c:symbol val="none"/>
-          </c:marker>
-          <c:cat>
-            <c:strRef>
-              <c:f>Sheet1!$A$2:$A$5</c:f>
-              <c:strCache>
-                <c:ptCount val="4"/>
-                <c:pt idx="0">
-                  <c:v>June</c:v>
-                </c:pt>
-                <c:pt idx="1">
-                  <c:v>August</c:v>
-                </c:pt>
-                <c:pt idx="2">
-                  <c:v>September</c:v>
-                </c:pt>
-                <c:pt idx="3">
-                  <c:v>October</c:v>
-                </c:pt>
-              </c:strCache>
-            </c:strRef>
-          </c:cat>
-          <c:val>
-            <c:numRef>
-              <c:f>Sheet1!$D$2:$D$5</c:f>
-              <c:numCache>
-                <c:formatCode>General</c:formatCode>
-                <c:ptCount val="4"/>
-                <c:pt idx="0">
-                  <c:v>2</c:v>
-                </c:pt>
-                <c:pt idx="1">
-                  <c:v>3</c:v>
-                </c:pt>
-                <c:pt idx="2">
-                  <c:v>3.5</c:v>
-                </c:pt>
-                <c:pt idx="3">
-                  <c:v>5</c:v>
-                </c:pt>
-              </c:numCache>
-            </c:numRef>
-          </c:val>
-          <c:smooth val="0"/>
-          <c:extLst>
-            <c:ext xmlns:c16="http://schemas.microsoft.com/office/drawing/2014/chart" uri="{C3380CC4-5D6E-409C-BE32-E72D297353CC}">
-              <c16:uniqueId val="{00000002-41A1-4383-A2A9-F0CEF9BB44DF}"/>
-            </c:ext>
-          </c:extLst>
-        </c:ser>
-        <c:dLbls>
-          <c:showLegendKey val="0"/>
-          <c:showVal val="0"/>
-          <c:showCatName val="0"/>
-          <c:showSerName val="0"/>
-          <c:showPercent val="0"/>
-          <c:showBubbleSize val="0"/>
-        </c:dLbls>
-        <c:marker val="1"/>
-        <c:smooth val="0"/>
-        <c:axId val="614788192"/>
-        <c:axId val="614791104"/>
-      </c:lineChart>
-      <c:catAx>
-        <c:axId val="614788192"/>
-        <c:scaling>
-          <c:orientation val="minMax"/>
-        </c:scaling>
-        <c:delete val="0"/>
-        <c:axPos val="b"/>
-        <c:numFmt formatCode="General" sourceLinked="1"/>
-        <c:majorTickMark val="none"/>
-        <c:minorTickMark val="none"/>
-        <c:tickLblPos val="nextTo"/>
-        <c:spPr>
-          <a:noFill/>
-          <a:ln w="9525" cap="flat" cmpd="sng" algn="ctr">
-            <a:solidFill>
-              <a:schemeClr val="tx1">
-                <a:lumMod val="15000"/>
-                <a:lumOff val="85000"/>
-              </a:schemeClr>
-            </a:solidFill>
-            <a:round/>
-          </a:ln>
-          <a:effectLst/>
-        </c:spPr>
-        <c:txPr>
-          <a:bodyPr rot="-60000000" spcFirstLastPara="1" vertOverflow="ellipsis" vert="horz" wrap="square" anchor="ctr" anchorCtr="1"/>
-          <a:lstStyle/>
-          <a:p>
-            <a:pPr>
-              <a:defRPr sz="1197" b="0" i="0" u="none" strike="noStrike" kern="1200" baseline="0">
-                <a:solidFill>
-                  <a:schemeClr val="tx1">
-                    <a:lumMod val="65000"/>
-                    <a:lumOff val="35000"/>
-                  </a:schemeClr>
-                </a:solidFill>
-                <a:latin typeface="+mn-lt"/>
-                <a:ea typeface="+mn-ea"/>
-                <a:cs typeface="+mn-cs"/>
-              </a:defRPr>
-            </a:pPr>
-            <a:endParaRPr lang="en-US"/>
-          </a:p>
-        </c:txPr>
-        <c:crossAx val="614791104"/>
-        <c:crosses val="autoZero"/>
-        <c:auto val="1"/>
-        <c:lblAlgn val="ctr"/>
-        <c:lblOffset val="100"/>
-        <c:noMultiLvlLbl val="0"/>
-      </c:catAx>
-      <c:valAx>
-        <c:axId val="614791104"/>
-        <c:scaling>
-          <c:orientation val="minMax"/>
-        </c:scaling>
-        <c:delete val="0"/>
-        <c:axPos val="l"/>
-        <c:majorGridlines>
-          <c:spPr>
-            <a:ln w="9525" cap="flat" cmpd="sng" algn="ctr">
-              <a:solidFill>
-                <a:schemeClr val="tx1">
-                  <a:lumMod val="15000"/>
-                  <a:lumOff val="85000"/>
-                </a:schemeClr>
-              </a:solidFill>
-              <a:round/>
-            </a:ln>
-            <a:effectLst/>
-          </c:spPr>
-        </c:majorGridlines>
-        <c:numFmt formatCode="General" sourceLinked="1"/>
-        <c:majorTickMark val="none"/>
-        <c:minorTickMark val="none"/>
-        <c:tickLblPos val="nextTo"/>
-        <c:spPr>
-          <a:noFill/>
-          <a:ln>
-            <a:noFill/>
-          </a:ln>
-          <a:effectLst/>
-        </c:spPr>
-        <c:txPr>
-          <a:bodyPr rot="-60000000" spcFirstLastPara="1" vertOverflow="ellipsis" vert="horz" wrap="square" anchor="ctr" anchorCtr="1"/>
-          <a:lstStyle/>
-          <a:p>
-            <a:pPr>
-              <a:defRPr sz="1197" b="0" i="0" u="none" strike="noStrike" kern="1200" baseline="0">
-                <a:solidFill>
-                  <a:schemeClr val="tx1">
-                    <a:lumMod val="65000"/>
-                    <a:lumOff val="35000"/>
-                  </a:schemeClr>
-                </a:solidFill>
-                <a:latin typeface="+mn-lt"/>
-                <a:ea typeface="+mn-ea"/>
-                <a:cs typeface="+mn-cs"/>
-              </a:defRPr>
-            </a:pPr>
-            <a:endParaRPr lang="en-US"/>
-          </a:p>
-        </c:txPr>
-        <c:crossAx val="614788192"/>
-        <c:crosses val="autoZero"/>
-        <c:crossBetween val="between"/>
-      </c:valAx>
-      <c:spPr>
-        <a:noFill/>
-        <a:ln>
-          <a:noFill/>
-        </a:ln>
-        <a:effectLst/>
-      </c:spPr>
-    </c:plotArea>
-    <c:legend>
-      <c:legendPos val="b"/>
-      <c:overlay val="0"/>
-      <c:spPr>
-        <a:noFill/>
-        <a:ln>
-          <a:noFill/>
-        </a:ln>
-        <a:effectLst/>
-      </c:spPr>
-      <c:txPr>
-        <a:bodyPr rot="0" spcFirstLastPara="1" vertOverflow="ellipsis" vert="horz" wrap="square" anchor="ctr" anchorCtr="1"/>
-        <a:lstStyle/>
-        <a:p>
-          <a:pPr>
-            <a:defRPr sz="1197" b="0" i="0" u="none" strike="noStrike" kern="1200" baseline="0">
-              <a:solidFill>
-                <a:schemeClr val="tx1">
-                  <a:lumMod val="65000"/>
-                  <a:lumOff val="35000"/>
-                </a:schemeClr>
-              </a:solidFill>
-              <a:latin typeface="+mn-lt"/>
-              <a:ea typeface="+mn-ea"/>
-              <a:cs typeface="+mn-cs"/>
-            </a:defRPr>
-          </a:pPr>
-          <a:endParaRPr lang="en-US"/>
-        </a:p>
-      </c:txPr>
-    </c:legend>
-    <c:plotVisOnly val="1"/>
-    <c:dispBlanksAs val="gap"/>
-    <c:extLst>
-      <c:ext xmlns:c16r3="http://schemas.microsoft.com/office/drawing/2017/03/chart" uri="{56B9EC1D-385E-4148-901F-78D8002777C0}">
-        <c16r3:dataDisplayOptions16>
-          <c16r3:dispNaAsBlank val="1"/>
-        </c16r3:dataDisplayOptions16>
-      </c:ext>
-    </c:extLst>
-    <c:showDLblsOverMax val="0"/>
-  </c:chart>
-  <c:spPr>
-    <a:noFill/>
-    <a:ln>
-      <a:noFill/>
-    </a:ln>
-    <a:effectLst/>
-  </c:spPr>
-  <c:txPr>
-    <a:bodyPr/>
-    <a:lstStyle/>
-    <a:p>
-      <a:pPr>
-        <a:defRPr/>
+        <a:defRPr sz="1600">
+          <a:solidFill>
+            <a:schemeClr val="tx1"/>
+          </a:solidFill>
+        </a:defRPr>
       </a:pPr>
       <a:endParaRPr lang="en-US"/>
     </a:p>
@@ -1020,46 +585,6 @@
 </file>
 
 <file path=ppt/charts/colors1.xml><?xml version="1.0" encoding="utf-8"?>
-<cs:colorStyle xmlns:cs="http://schemas.microsoft.com/office/drawing/2012/chartStyle" xmlns:a="http://schemas.openxmlformats.org/drawingml/2006/main" meth="cycle" id="10">
-  <a:schemeClr val="accent1"/>
-  <a:schemeClr val="accent2"/>
-  <a:schemeClr val="accent3"/>
-  <a:schemeClr val="accent4"/>
-  <a:schemeClr val="accent5"/>
-  <a:schemeClr val="accent6"/>
-  <cs:variation/>
-  <cs:variation>
-    <a:lumMod val="60000"/>
-  </cs:variation>
-  <cs:variation>
-    <a:lumMod val="80000"/>
-    <a:lumOff val="20000"/>
-  </cs:variation>
-  <cs:variation>
-    <a:lumMod val="80000"/>
-  </cs:variation>
-  <cs:variation>
-    <a:lumMod val="60000"/>
-    <a:lumOff val="40000"/>
-  </cs:variation>
-  <cs:variation>
-    <a:lumMod val="50000"/>
-  </cs:variation>
-  <cs:variation>
-    <a:lumMod val="70000"/>
-    <a:lumOff val="30000"/>
-  </cs:variation>
-  <cs:variation>
-    <a:lumMod val="70000"/>
-  </cs:variation>
-  <cs:variation>
-    <a:lumMod val="50000"/>
-    <a:lumOff val="50000"/>
-  </cs:variation>
-</cs:colorStyle>
-</file>
-
-<file path=ppt/charts/colors2.xml><?xml version="1.0" encoding="utf-8"?>
 <cs:colorStyle xmlns:cs="http://schemas.microsoft.com/office/drawing/2012/chartStyle" xmlns:a="http://schemas.openxmlformats.org/drawingml/2006/main" meth="cycle" id="10">
   <a:schemeClr val="accent1"/>
   <a:schemeClr val="accent2"/>
@@ -1111,7 +636,7 @@
         <a:lumOff val="35000"/>
       </a:schemeClr>
     </cs:fontRef>
-    <cs:defRPr sz="1330" kern="1200"/>
+    <cs:defRPr sz="1000" kern="1200"/>
   </cs:axisTitle>
   <cs:categoryAxis>
     <cs:lnRef idx="0"/>
@@ -1134,7 +659,7 @@
         <a:round/>
       </a:ln>
     </cs:spPr>
-    <cs:defRPr sz="1197" kern="1200"/>
+    <cs:defRPr sz="900" kern="1200"/>
   </cs:categoryAxis>
   <cs:chartArea mods="allowNoFillOverride allowNoLineOverride">
     <cs:lnRef idx="0"/>
@@ -1157,7 +682,7 @@
         <a:round/>
       </a:ln>
     </cs:spPr>
-    <cs:defRPr sz="1330" kern="1200"/>
+    <cs:defRPr sz="1000" kern="1200"/>
   </cs:chartArea>
   <cs:dataLabel>
     <cs:lnRef idx="0"/>
@@ -1169,7 +694,7 @@
         <a:lumOff val="25000"/>
       </a:schemeClr>
     </cs:fontRef>
-    <cs:defRPr sz="1197" kern="1200"/>
+    <cs:defRPr sz="900" kern="1200"/>
   </cs:dataLabel>
   <cs:dataLabelCallout>
     <cs:lnRef idx="0"/>
@@ -1194,7 +719,7 @@
         </a:solidFill>
       </a:ln>
     </cs:spPr>
-    <cs:defRPr sz="1197" kern="1200"/>
+    <cs:defRPr sz="900" kern="1200"/>
     <cs:bodyPr rot="0" spcFirstLastPara="1" vertOverflow="clip" horzOverflow="clip" vert="horz" wrap="square" lIns="36576" tIns="18288" rIns="36576" bIns="18288" anchor="ctr" anchorCtr="1">
       <a:spAutoFit/>
     </cs:bodyPr>
@@ -1297,7 +822,7 @@
         <a:round/>
       </a:ln>
     </cs:spPr>
-    <cs:defRPr sz="1197" kern="1200"/>
+    <cs:defRPr sz="900" kern="1200"/>
   </cs:dataTable>
   <cs:downBar>
     <cs:lnRef idx="0"/>
@@ -1461,7 +986,7 @@
         <a:lumOff val="35000"/>
       </a:schemeClr>
     </cs:fontRef>
-    <cs:defRPr sz="1197" kern="1200"/>
+    <cs:defRPr sz="900" kern="1200"/>
   </cs:legend>
   <cs:plotArea mods="allowNoFillOverride allowNoLineOverride">
     <cs:lnRef idx="0"/>
@@ -1489,7 +1014,7 @@
         <a:lumOff val="35000"/>
       </a:schemeClr>
     </cs:fontRef>
-    <cs:defRPr sz="1197" kern="1200"/>
+    <cs:defRPr sz="900" kern="1200"/>
   </cs:seriesAxis>
   <cs:seriesLine>
     <cs:lnRef idx="0"/>
@@ -1520,7 +1045,7 @@
         <a:lumOff val="35000"/>
       </a:schemeClr>
     </cs:fontRef>
-    <cs:defRPr sz="1862" b="0" kern="1200" spc="0" baseline="0"/>
+    <cs:defRPr sz="1400" b="0" kern="1200" spc="0" baseline="0"/>
   </cs:title>
   <cs:trendline>
     <cs:lnRef idx="0">
@@ -1550,7 +1075,7 @@
         <a:lumOff val="35000"/>
       </a:schemeClr>
     </cs:fontRef>
-    <cs:defRPr sz="1197" kern="1200"/>
+    <cs:defRPr sz="900" kern="1200"/>
   </cs:trendlineLabel>
   <cs:upBar>
     <cs:lnRef idx="0"/>
@@ -1583,510 +1108,7 @@
         <a:lumOff val="35000"/>
       </a:schemeClr>
     </cs:fontRef>
-    <cs:defRPr sz="1197" kern="1200"/>
-  </cs:valueAxis>
-  <cs:wall>
-    <cs:lnRef idx="0"/>
-    <cs:fillRef idx="0"/>
-    <cs:effectRef idx="0"/>
-    <cs:fontRef idx="minor">
-      <a:schemeClr val="tx1"/>
-    </cs:fontRef>
-    <cs:spPr>
-      <a:noFill/>
-      <a:ln>
-        <a:noFill/>
-      </a:ln>
-    </cs:spPr>
-  </cs:wall>
-</cs:chartStyle>
-</file>
-
-<file path=ppt/charts/style2.xml><?xml version="1.0" encoding="utf-8"?>
-<cs:chartStyle xmlns:cs="http://schemas.microsoft.com/office/drawing/2012/chartStyle" xmlns:a="http://schemas.openxmlformats.org/drawingml/2006/main" id="201">
-  <cs:axisTitle>
-    <cs:lnRef idx="0"/>
-    <cs:fillRef idx="0"/>
-    <cs:effectRef idx="0"/>
-    <cs:fontRef idx="minor">
-      <a:schemeClr val="tx1">
-        <a:lumMod val="65000"/>
-        <a:lumOff val="35000"/>
-      </a:schemeClr>
-    </cs:fontRef>
-    <cs:defRPr sz="1330" kern="1200"/>
-  </cs:axisTitle>
-  <cs:categoryAxis>
-    <cs:lnRef idx="0"/>
-    <cs:fillRef idx="0"/>
-    <cs:effectRef idx="0"/>
-    <cs:fontRef idx="minor">
-      <a:schemeClr val="tx1">
-        <a:lumMod val="65000"/>
-        <a:lumOff val="35000"/>
-      </a:schemeClr>
-    </cs:fontRef>
-    <cs:spPr>
-      <a:ln w="9525" cap="flat" cmpd="sng" algn="ctr">
-        <a:solidFill>
-          <a:schemeClr val="tx1">
-            <a:lumMod val="15000"/>
-            <a:lumOff val="85000"/>
-          </a:schemeClr>
-        </a:solidFill>
-        <a:round/>
-      </a:ln>
-    </cs:spPr>
-    <cs:defRPr sz="1197" kern="1200"/>
-  </cs:categoryAxis>
-  <cs:chartArea mods="allowNoFillOverride allowNoLineOverride">
-    <cs:lnRef idx="0"/>
-    <cs:fillRef idx="0"/>
-    <cs:effectRef idx="0"/>
-    <cs:fontRef idx="minor">
-      <a:schemeClr val="tx1"/>
-    </cs:fontRef>
-    <cs:spPr>
-      <a:solidFill>
-        <a:schemeClr val="bg1"/>
-      </a:solidFill>
-      <a:ln w="9525" cap="flat" cmpd="sng" algn="ctr">
-        <a:solidFill>
-          <a:schemeClr val="tx1">
-            <a:lumMod val="15000"/>
-            <a:lumOff val="85000"/>
-          </a:schemeClr>
-        </a:solidFill>
-        <a:round/>
-      </a:ln>
-    </cs:spPr>
-    <cs:defRPr sz="1330" kern="1200"/>
-  </cs:chartArea>
-  <cs:dataLabel>
-    <cs:lnRef idx="0"/>
-    <cs:fillRef idx="0"/>
-    <cs:effectRef idx="0"/>
-    <cs:fontRef idx="minor">
-      <a:schemeClr val="tx1">
-        <a:lumMod val="75000"/>
-        <a:lumOff val="25000"/>
-      </a:schemeClr>
-    </cs:fontRef>
-    <cs:defRPr sz="1197" kern="1200"/>
-  </cs:dataLabel>
-  <cs:dataLabelCallout>
-    <cs:lnRef idx="0"/>
-    <cs:fillRef idx="0"/>
-    <cs:effectRef idx="0"/>
-    <cs:fontRef idx="minor">
-      <a:schemeClr val="dk1">
-        <a:lumMod val="65000"/>
-        <a:lumOff val="35000"/>
-      </a:schemeClr>
-    </cs:fontRef>
-    <cs:spPr>
-      <a:solidFill>
-        <a:schemeClr val="lt1"/>
-      </a:solidFill>
-      <a:ln>
-        <a:solidFill>
-          <a:schemeClr val="dk1">
-            <a:lumMod val="25000"/>
-            <a:lumOff val="75000"/>
-          </a:schemeClr>
-        </a:solidFill>
-      </a:ln>
-    </cs:spPr>
-    <cs:defRPr sz="1197" kern="1200"/>
-    <cs:bodyPr rot="0" spcFirstLastPara="1" vertOverflow="clip" horzOverflow="clip" vert="horz" wrap="square" lIns="36576" tIns="18288" rIns="36576" bIns="18288" anchor="ctr" anchorCtr="1">
-      <a:spAutoFit/>
-    </cs:bodyPr>
-  </cs:dataLabelCallout>
-  <cs:dataPoint>
-    <cs:lnRef idx="0"/>
-    <cs:fillRef idx="1">
-      <cs:styleClr val="auto"/>
-    </cs:fillRef>
-    <cs:effectRef idx="0"/>
-    <cs:fontRef idx="minor">
-      <a:schemeClr val="tx1"/>
-    </cs:fontRef>
-  </cs:dataPoint>
-  <cs:dataPoint3D>
-    <cs:lnRef idx="0"/>
-    <cs:fillRef idx="1">
-      <cs:styleClr val="auto"/>
-    </cs:fillRef>
-    <cs:effectRef idx="0"/>
-    <cs:fontRef idx="minor">
-      <a:schemeClr val="tx1"/>
-    </cs:fontRef>
-  </cs:dataPoint3D>
-  <cs:dataPointLine>
-    <cs:lnRef idx="0">
-      <cs:styleClr val="auto"/>
-    </cs:lnRef>
-    <cs:fillRef idx="1"/>
-    <cs:effectRef idx="0"/>
-    <cs:fontRef idx="minor">
-      <a:schemeClr val="tx1"/>
-    </cs:fontRef>
-    <cs:spPr>
-      <a:ln w="28575" cap="rnd">
-        <a:solidFill>
-          <a:schemeClr val="phClr"/>
-        </a:solidFill>
-        <a:round/>
-      </a:ln>
-    </cs:spPr>
-  </cs:dataPointLine>
-  <cs:dataPointMarker>
-    <cs:lnRef idx="0">
-      <cs:styleClr val="auto"/>
-    </cs:lnRef>
-    <cs:fillRef idx="1">
-      <cs:styleClr val="auto"/>
-    </cs:fillRef>
-    <cs:effectRef idx="0"/>
-    <cs:fontRef idx="minor">
-      <a:schemeClr val="tx1"/>
-    </cs:fontRef>
-    <cs:spPr>
-      <a:ln w="9525">
-        <a:solidFill>
-          <a:schemeClr val="phClr"/>
-        </a:solidFill>
-      </a:ln>
-    </cs:spPr>
-  </cs:dataPointMarker>
-  <cs:dataPointMarkerLayout symbol="circle" size="5"/>
-  <cs:dataPointWireframe>
-    <cs:lnRef idx="0">
-      <cs:styleClr val="auto"/>
-    </cs:lnRef>
-    <cs:fillRef idx="1"/>
-    <cs:effectRef idx="0"/>
-    <cs:fontRef idx="minor">
-      <a:schemeClr val="tx1"/>
-    </cs:fontRef>
-    <cs:spPr>
-      <a:ln w="9525" cap="rnd">
-        <a:solidFill>
-          <a:schemeClr val="phClr"/>
-        </a:solidFill>
-        <a:round/>
-      </a:ln>
-    </cs:spPr>
-  </cs:dataPointWireframe>
-  <cs:dataTable>
-    <cs:lnRef idx="0"/>
-    <cs:fillRef idx="0"/>
-    <cs:effectRef idx="0"/>
-    <cs:fontRef idx="minor">
-      <a:schemeClr val="tx1">
-        <a:lumMod val="65000"/>
-        <a:lumOff val="35000"/>
-      </a:schemeClr>
-    </cs:fontRef>
-    <cs:spPr>
-      <a:noFill/>
-      <a:ln w="9525" cap="flat" cmpd="sng" algn="ctr">
-        <a:solidFill>
-          <a:schemeClr val="tx1">
-            <a:lumMod val="15000"/>
-            <a:lumOff val="85000"/>
-          </a:schemeClr>
-        </a:solidFill>
-        <a:round/>
-      </a:ln>
-    </cs:spPr>
-    <cs:defRPr sz="1197" kern="1200"/>
-  </cs:dataTable>
-  <cs:downBar>
-    <cs:lnRef idx="0"/>
-    <cs:fillRef idx="0"/>
-    <cs:effectRef idx="0"/>
-    <cs:fontRef idx="minor">
-      <a:schemeClr val="dk1"/>
-    </cs:fontRef>
-    <cs:spPr>
-      <a:solidFill>
-        <a:schemeClr val="dk1">
-          <a:lumMod val="65000"/>
-          <a:lumOff val="35000"/>
-        </a:schemeClr>
-      </a:solidFill>
-      <a:ln w="9525">
-        <a:solidFill>
-          <a:schemeClr val="tx1">
-            <a:lumMod val="65000"/>
-            <a:lumOff val="35000"/>
-          </a:schemeClr>
-        </a:solidFill>
-      </a:ln>
-    </cs:spPr>
-  </cs:downBar>
-  <cs:dropLine>
-    <cs:lnRef idx="0"/>
-    <cs:fillRef idx="0"/>
-    <cs:effectRef idx="0"/>
-    <cs:fontRef idx="minor">
-      <a:schemeClr val="tx1"/>
-    </cs:fontRef>
-    <cs:spPr>
-      <a:ln w="9525" cap="flat" cmpd="sng" algn="ctr">
-        <a:solidFill>
-          <a:schemeClr val="tx1">
-            <a:lumMod val="35000"/>
-            <a:lumOff val="65000"/>
-          </a:schemeClr>
-        </a:solidFill>
-        <a:round/>
-      </a:ln>
-    </cs:spPr>
-  </cs:dropLine>
-  <cs:errorBar>
-    <cs:lnRef idx="0"/>
-    <cs:fillRef idx="0"/>
-    <cs:effectRef idx="0"/>
-    <cs:fontRef idx="minor">
-      <a:schemeClr val="tx1"/>
-    </cs:fontRef>
-    <cs:spPr>
-      <a:ln w="9525" cap="flat" cmpd="sng" algn="ctr">
-        <a:solidFill>
-          <a:schemeClr val="tx1">
-            <a:lumMod val="65000"/>
-            <a:lumOff val="35000"/>
-          </a:schemeClr>
-        </a:solidFill>
-        <a:round/>
-      </a:ln>
-    </cs:spPr>
-  </cs:errorBar>
-  <cs:floor>
-    <cs:lnRef idx="0"/>
-    <cs:fillRef idx="0"/>
-    <cs:effectRef idx="0"/>
-    <cs:fontRef idx="minor">
-      <a:schemeClr val="tx1"/>
-    </cs:fontRef>
-    <cs:spPr>
-      <a:noFill/>
-      <a:ln>
-        <a:noFill/>
-      </a:ln>
-    </cs:spPr>
-  </cs:floor>
-  <cs:gridlineMajor>
-    <cs:lnRef idx="0"/>
-    <cs:fillRef idx="0"/>
-    <cs:effectRef idx="0"/>
-    <cs:fontRef idx="minor">
-      <a:schemeClr val="tx1"/>
-    </cs:fontRef>
-    <cs:spPr>
-      <a:ln w="9525" cap="flat" cmpd="sng" algn="ctr">
-        <a:solidFill>
-          <a:schemeClr val="tx1">
-            <a:lumMod val="15000"/>
-            <a:lumOff val="85000"/>
-          </a:schemeClr>
-        </a:solidFill>
-        <a:round/>
-      </a:ln>
-    </cs:spPr>
-  </cs:gridlineMajor>
-  <cs:gridlineMinor>
-    <cs:lnRef idx="0"/>
-    <cs:fillRef idx="0"/>
-    <cs:effectRef idx="0"/>
-    <cs:fontRef idx="minor">
-      <a:schemeClr val="tx1"/>
-    </cs:fontRef>
-    <cs:spPr>
-      <a:ln w="9525" cap="flat" cmpd="sng" algn="ctr">
-        <a:solidFill>
-          <a:schemeClr val="tx1">
-            <a:lumMod val="5000"/>
-            <a:lumOff val="95000"/>
-          </a:schemeClr>
-        </a:solidFill>
-        <a:round/>
-      </a:ln>
-    </cs:spPr>
-  </cs:gridlineMinor>
-  <cs:hiLoLine>
-    <cs:lnRef idx="0"/>
-    <cs:fillRef idx="0"/>
-    <cs:effectRef idx="0"/>
-    <cs:fontRef idx="minor">
-      <a:schemeClr val="tx1"/>
-    </cs:fontRef>
-    <cs:spPr>
-      <a:ln w="9525" cap="flat" cmpd="sng" algn="ctr">
-        <a:solidFill>
-          <a:schemeClr val="tx1">
-            <a:lumMod val="75000"/>
-            <a:lumOff val="25000"/>
-          </a:schemeClr>
-        </a:solidFill>
-        <a:round/>
-      </a:ln>
-    </cs:spPr>
-  </cs:hiLoLine>
-  <cs:leaderLine>
-    <cs:lnRef idx="0"/>
-    <cs:fillRef idx="0"/>
-    <cs:effectRef idx="0"/>
-    <cs:fontRef idx="minor">
-      <a:schemeClr val="tx1"/>
-    </cs:fontRef>
-    <cs:spPr>
-      <a:ln w="9525" cap="flat" cmpd="sng" algn="ctr">
-        <a:solidFill>
-          <a:schemeClr val="tx1">
-            <a:lumMod val="35000"/>
-            <a:lumOff val="65000"/>
-          </a:schemeClr>
-        </a:solidFill>
-        <a:round/>
-      </a:ln>
-    </cs:spPr>
-  </cs:leaderLine>
-  <cs:legend>
-    <cs:lnRef idx="0"/>
-    <cs:fillRef idx="0"/>
-    <cs:effectRef idx="0"/>
-    <cs:fontRef idx="minor">
-      <a:schemeClr val="tx1">
-        <a:lumMod val="65000"/>
-        <a:lumOff val="35000"/>
-      </a:schemeClr>
-    </cs:fontRef>
-    <cs:defRPr sz="1197" kern="1200"/>
-  </cs:legend>
-  <cs:plotArea mods="allowNoFillOverride allowNoLineOverride">
-    <cs:lnRef idx="0"/>
-    <cs:fillRef idx="0"/>
-    <cs:effectRef idx="0"/>
-    <cs:fontRef idx="minor">
-      <a:schemeClr val="tx1"/>
-    </cs:fontRef>
-  </cs:plotArea>
-  <cs:plotArea3D mods="allowNoFillOverride allowNoLineOverride">
-    <cs:lnRef idx="0"/>
-    <cs:fillRef idx="0"/>
-    <cs:effectRef idx="0"/>
-    <cs:fontRef idx="minor">
-      <a:schemeClr val="tx1"/>
-    </cs:fontRef>
-  </cs:plotArea3D>
-  <cs:seriesAxis>
-    <cs:lnRef idx="0"/>
-    <cs:fillRef idx="0"/>
-    <cs:effectRef idx="0"/>
-    <cs:fontRef idx="minor">
-      <a:schemeClr val="tx1">
-        <a:lumMod val="65000"/>
-        <a:lumOff val="35000"/>
-      </a:schemeClr>
-    </cs:fontRef>
-    <cs:defRPr sz="1197" kern="1200"/>
-  </cs:seriesAxis>
-  <cs:seriesLine>
-    <cs:lnRef idx="0"/>
-    <cs:fillRef idx="0"/>
-    <cs:effectRef idx="0"/>
-    <cs:fontRef idx="minor">
-      <a:schemeClr val="tx1"/>
-    </cs:fontRef>
-    <cs:spPr>
-      <a:ln w="9525" cap="flat" cmpd="sng" algn="ctr">
-        <a:solidFill>
-          <a:schemeClr val="tx1">
-            <a:lumMod val="35000"/>
-            <a:lumOff val="65000"/>
-          </a:schemeClr>
-        </a:solidFill>
-        <a:round/>
-      </a:ln>
-    </cs:spPr>
-  </cs:seriesLine>
-  <cs:title>
-    <cs:lnRef idx="0"/>
-    <cs:fillRef idx="0"/>
-    <cs:effectRef idx="0"/>
-    <cs:fontRef idx="minor">
-      <a:schemeClr val="tx1">
-        <a:lumMod val="65000"/>
-        <a:lumOff val="35000"/>
-      </a:schemeClr>
-    </cs:fontRef>
-    <cs:defRPr sz="1862" b="0" kern="1200" spc="0" baseline="0"/>
-  </cs:title>
-  <cs:trendline>
-    <cs:lnRef idx="0">
-      <cs:styleClr val="auto"/>
-    </cs:lnRef>
-    <cs:fillRef idx="0"/>
-    <cs:effectRef idx="0"/>
-    <cs:fontRef idx="minor">
-      <a:schemeClr val="tx1"/>
-    </cs:fontRef>
-    <cs:spPr>
-      <a:ln w="19050" cap="rnd">
-        <a:solidFill>
-          <a:schemeClr val="phClr"/>
-        </a:solidFill>
-        <a:prstDash val="sysDot"/>
-      </a:ln>
-    </cs:spPr>
-  </cs:trendline>
-  <cs:trendlineLabel>
-    <cs:lnRef idx="0"/>
-    <cs:fillRef idx="0"/>
-    <cs:effectRef idx="0"/>
-    <cs:fontRef idx="minor">
-      <a:schemeClr val="tx1">
-        <a:lumMod val="65000"/>
-        <a:lumOff val="35000"/>
-      </a:schemeClr>
-    </cs:fontRef>
-    <cs:defRPr sz="1197" kern="1200"/>
-  </cs:trendlineLabel>
-  <cs:upBar>
-    <cs:lnRef idx="0"/>
-    <cs:fillRef idx="0"/>
-    <cs:effectRef idx="0"/>
-    <cs:fontRef idx="minor">
-      <a:schemeClr val="dk1"/>
-    </cs:fontRef>
-    <cs:spPr>
-      <a:solidFill>
-        <a:schemeClr val="lt1"/>
-      </a:solidFill>
-      <a:ln w="9525">
-        <a:solidFill>
-          <a:schemeClr val="tx1">
-            <a:lumMod val="15000"/>
-            <a:lumOff val="85000"/>
-          </a:schemeClr>
-        </a:solidFill>
-      </a:ln>
-    </cs:spPr>
-  </cs:upBar>
-  <cs:valueAxis>
-    <cs:lnRef idx="0"/>
-    <cs:fillRef idx="0"/>
-    <cs:effectRef idx="0"/>
-    <cs:fontRef idx="minor">
-      <a:schemeClr val="tx1">
-        <a:lumMod val="65000"/>
-        <a:lumOff val="35000"/>
-      </a:schemeClr>
-    </cs:fontRef>
-    <cs:defRPr sz="1197" kern="1200"/>
+    <cs:defRPr sz="900" kern="1200"/>
   </cs:valueAxis>
   <cs:wall>
     <cs:lnRef idx="0"/>
@@ -5276,7 +4298,7 @@
           <a:p>
             <a:fld id="{DF7D3DBD-0B5D-4B79-92F9-F17AA9E647F4}" type="datetimeFigureOut">
               <a:rPr lang="en-US" smtClean="0"/>
-              <a:t>10/17/2021</a:t>
+              <a:t>10/18/2021</a:t>
             </a:fld>
             <a:endParaRPr lang="en-US"/>
           </a:p>
@@ -5446,7 +4468,7 @@
           <a:p>
             <a:fld id="{DF7D3DBD-0B5D-4B79-92F9-F17AA9E647F4}" type="datetimeFigureOut">
               <a:rPr lang="en-US" smtClean="0"/>
-              <a:t>10/17/2021</a:t>
+              <a:t>10/18/2021</a:t>
             </a:fld>
             <a:endParaRPr lang="en-US"/>
           </a:p>
@@ -5626,7 +4648,7 @@
           <a:p>
             <a:fld id="{DF7D3DBD-0B5D-4B79-92F9-F17AA9E647F4}" type="datetimeFigureOut">
               <a:rPr lang="en-US" smtClean="0"/>
-              <a:t>10/17/2021</a:t>
+              <a:t>10/18/2021</a:t>
             </a:fld>
             <a:endParaRPr lang="en-US"/>
           </a:p>
@@ -5796,7 +4818,7 @@
           <a:p>
             <a:fld id="{DF7D3DBD-0B5D-4B79-92F9-F17AA9E647F4}" type="datetimeFigureOut">
               <a:rPr lang="en-US" smtClean="0"/>
-              <a:t>10/17/2021</a:t>
+              <a:t>10/18/2021</a:t>
             </a:fld>
             <a:endParaRPr lang="en-US"/>
           </a:p>
@@ -6042,7 +5064,7 @@
           <a:p>
             <a:fld id="{DF7D3DBD-0B5D-4B79-92F9-F17AA9E647F4}" type="datetimeFigureOut">
               <a:rPr lang="en-US" smtClean="0"/>
-              <a:t>10/17/2021</a:t>
+              <a:t>10/18/2021</a:t>
             </a:fld>
             <a:endParaRPr lang="en-US"/>
           </a:p>
@@ -6274,7 +5296,7 @@
           <a:p>
             <a:fld id="{DF7D3DBD-0B5D-4B79-92F9-F17AA9E647F4}" type="datetimeFigureOut">
               <a:rPr lang="en-US" smtClean="0"/>
-              <a:t>10/17/2021</a:t>
+              <a:t>10/18/2021</a:t>
             </a:fld>
             <a:endParaRPr lang="en-US"/>
           </a:p>
@@ -6641,7 +5663,7 @@
           <a:p>
             <a:fld id="{DF7D3DBD-0B5D-4B79-92F9-F17AA9E647F4}" type="datetimeFigureOut">
               <a:rPr lang="en-US" smtClean="0"/>
-              <a:t>10/17/2021</a:t>
+              <a:t>10/18/2021</a:t>
             </a:fld>
             <a:endParaRPr lang="en-US"/>
           </a:p>
@@ -6759,7 +5781,7 @@
           <a:p>
             <a:fld id="{DF7D3DBD-0B5D-4B79-92F9-F17AA9E647F4}" type="datetimeFigureOut">
               <a:rPr lang="en-US" smtClean="0"/>
-              <a:t>10/17/2021</a:t>
+              <a:t>10/18/2021</a:t>
             </a:fld>
             <a:endParaRPr lang="en-US"/>
           </a:p>
@@ -6854,7 +5876,7 @@
           <a:p>
             <a:fld id="{DF7D3DBD-0B5D-4B79-92F9-F17AA9E647F4}" type="datetimeFigureOut">
               <a:rPr lang="en-US" smtClean="0"/>
-              <a:t>10/17/2021</a:t>
+              <a:t>10/18/2021</a:t>
             </a:fld>
             <a:endParaRPr lang="en-US"/>
           </a:p>
@@ -7131,7 +6153,7 @@
           <a:p>
             <a:fld id="{DF7D3DBD-0B5D-4B79-92F9-F17AA9E647F4}" type="datetimeFigureOut">
               <a:rPr lang="en-US" smtClean="0"/>
-              <a:t>10/17/2021</a:t>
+              <a:t>10/18/2021</a:t>
             </a:fld>
             <a:endParaRPr lang="en-US"/>
           </a:p>
@@ -7388,7 +6410,7 @@
           <a:p>
             <a:fld id="{DF7D3DBD-0B5D-4B79-92F9-F17AA9E647F4}" type="datetimeFigureOut">
               <a:rPr lang="en-US" smtClean="0"/>
-              <a:t>10/17/2021</a:t>
+              <a:t>10/18/2021</a:t>
             </a:fld>
             <a:endParaRPr lang="en-US"/>
           </a:p>
@@ -7601,7 +6623,7 @@
           <a:p>
             <a:fld id="{DF7D3DBD-0B5D-4B79-92F9-F17AA9E647F4}" type="datetimeFigureOut">
               <a:rPr lang="en-US" smtClean="0"/>
-              <a:t>10/17/2021</a:t>
+              <a:t>10/18/2021</a:t>
             </a:fld>
             <a:endParaRPr lang="en-US"/>
           </a:p>
@@ -8805,149 +7827,35 @@
           </a:p>
         </p:txBody>
       </p:sp>
-      <p:grpSp>
-        <p:nvGrpSpPr>
-          <p:cNvPr id="8" name="Group 7">
+      <p:pic>
+        <p:nvPicPr>
+          <p:cNvPr id="13" name="Picture 12">
             <a:extLst>
               <a:ext uri="{FF2B5EF4-FFF2-40B4-BE49-F238E27FC236}">
-                <a16:creationId xmlns:a16="http://schemas.microsoft.com/office/drawing/2014/main" id="{E71E5EF2-5CB7-4728-B38F-4559A98064D2}"/>
+                <a16:creationId xmlns:a16="http://schemas.microsoft.com/office/drawing/2014/main" id="{4E98657A-578F-4D69-ACFF-A90AF0B62A89}"/>
               </a:ext>
             </a:extLst>
           </p:cNvPr>
-          <p:cNvGrpSpPr/>
+          <p:cNvPicPr>
+            <a:picLocks noChangeAspect="1"/>
+          </p:cNvPicPr>
           <p:nvPr/>
-        </p:nvGrpSpPr>
-        <p:grpSpPr>
+        </p:nvPicPr>
+        <p:blipFill rotWithShape="1">
+          <a:blip r:embed="rId2"/>
+          <a:srcRect r="11726"/>
+          <a:stretch/>
+        </p:blipFill>
+        <p:spPr>
           <a:xfrm>
-            <a:off x="1557518" y="2472621"/>
-            <a:ext cx="1912758" cy="1912758"/>
-            <a:chOff x="5665375" y="1478316"/>
-            <a:chExt cx="2462033" cy="2462033"/>
+            <a:off x="5346710" y="0"/>
+            <a:ext cx="6845290" cy="6858000"/>
           </a:xfrm>
-        </p:grpSpPr>
-        <p:sp>
-          <p:nvSpPr>
-            <p:cNvPr id="9" name="Oval 8">
-              <a:extLst>
-                <a:ext uri="{FF2B5EF4-FFF2-40B4-BE49-F238E27FC236}">
-                  <a16:creationId xmlns:a16="http://schemas.microsoft.com/office/drawing/2014/main" id="{12FA4AC0-A606-4700-8912-F95CE18507E1}"/>
-                </a:ext>
-              </a:extLst>
-            </p:cNvPr>
-            <p:cNvSpPr/>
-            <p:nvPr/>
-          </p:nvSpPr>
-          <p:spPr>
-            <a:xfrm>
-              <a:off x="5665375" y="1478316"/>
-              <a:ext cx="2462033" cy="2462033"/>
-            </a:xfrm>
-            <a:prstGeom prst="ellipse">
-              <a:avLst/>
-            </a:prstGeom>
-          </p:spPr>
-          <p:style>
-            <a:lnRef idx="2">
-              <a:schemeClr val="dk1">
-                <a:shade val="80000"/>
-                <a:hueOff val="0"/>
-                <a:satOff val="0"/>
-                <a:lumOff val="0"/>
-                <a:alphaOff val="0"/>
-              </a:schemeClr>
-            </a:lnRef>
-            <a:fillRef idx="1">
-              <a:schemeClr val="lt1">
-                <a:hueOff val="0"/>
-                <a:satOff val="0"/>
-                <a:lumOff val="0"/>
-                <a:alphaOff val="0"/>
-              </a:schemeClr>
-            </a:fillRef>
-            <a:effectRef idx="0">
-              <a:schemeClr val="lt1">
-                <a:hueOff val="0"/>
-                <a:satOff val="0"/>
-                <a:lumOff val="0"/>
-                <a:alphaOff val="0"/>
-              </a:schemeClr>
-            </a:effectRef>
-            <a:fontRef idx="minor">
-              <a:schemeClr val="dk1">
-                <a:hueOff val="0"/>
-                <a:satOff val="0"/>
-                <a:lumOff val="0"/>
-                <a:alphaOff val="0"/>
-              </a:schemeClr>
-            </a:fontRef>
-          </p:style>
-        </p:sp>
-        <p:sp>
-          <p:nvSpPr>
-            <p:cNvPr id="10" name="Oval 4">
-              <a:extLst>
-                <a:ext uri="{FF2B5EF4-FFF2-40B4-BE49-F238E27FC236}">
-                  <a16:creationId xmlns:a16="http://schemas.microsoft.com/office/drawing/2014/main" id="{B1BBFA59-13E1-453B-B98A-95269EED1CA5}"/>
-                </a:ext>
-              </a:extLst>
-            </p:cNvPr>
-            <p:cNvSpPr txBox="1"/>
-            <p:nvPr/>
-          </p:nvSpPr>
-          <p:spPr>
-            <a:xfrm>
-              <a:off x="6025931" y="1838872"/>
-              <a:ext cx="1740921" cy="1740921"/>
-            </a:xfrm>
-            <a:prstGeom prst="rect">
-              <a:avLst/>
-            </a:prstGeom>
-          </p:spPr>
-          <p:style>
-            <a:lnRef idx="0">
-              <a:scrgbClr r="0" g="0" b="0"/>
-            </a:lnRef>
-            <a:fillRef idx="0">
-              <a:scrgbClr r="0" g="0" b="0"/>
-            </a:fillRef>
-            <a:effectRef idx="0">
-              <a:scrgbClr r="0" g="0" b="0"/>
-            </a:effectRef>
-            <a:fontRef idx="minor">
-              <a:schemeClr val="dk1">
-                <a:hueOff val="0"/>
-                <a:satOff val="0"/>
-                <a:lumOff val="0"/>
-                <a:alphaOff val="0"/>
-              </a:schemeClr>
-            </a:fontRef>
-          </p:style>
-          <p:txBody>
-            <a:bodyPr spcFirstLastPara="0" vert="horz" wrap="square" lIns="20320" tIns="20320" rIns="20320" bIns="20320" numCol="1" spcCol="1270" anchor="ctr" anchorCtr="0">
-              <a:noAutofit/>
-            </a:bodyPr>
-            <a:lstStyle/>
-            <a:p>
-              <a:pPr marL="0" lvl="0" indent="0" algn="ctr" defTabSz="711200">
-                <a:lnSpc>
-                  <a:spcPct val="90000"/>
-                </a:lnSpc>
-                <a:spcBef>
-                  <a:spcPct val="0"/>
-                </a:spcBef>
-                <a:spcAft>
-                  <a:spcPct val="35000"/>
-                </a:spcAft>
-                <a:buNone/>
-              </a:pPr>
-              <a:r>
-                <a:rPr lang="en-US" sz="1600" kern="1200" dirty="0"/>
-                <a:t>📈 Linear regression model</a:t>
-              </a:r>
-            </a:p>
-          </p:txBody>
-        </p:sp>
-      </p:grpSp>
+          <a:prstGeom prst="rect">
+            <a:avLst/>
+          </a:prstGeom>
+        </p:spPr>
+      </p:pic>
     </p:spTree>
     <p:extLst>
       <p:ext uri="{BB962C8B-B14F-4D97-AF65-F5344CB8AC3E}">
@@ -8962,6 +7870,143 @@
 </file>
 
 <file path=ppt/slides/slide13.xml><?xml version="1.0" encoding="utf-8"?>
+<p:sld xmlns:a="http://schemas.openxmlformats.org/drawingml/2006/main" xmlns:r="http://schemas.openxmlformats.org/officeDocument/2006/relationships" xmlns:p="http://schemas.openxmlformats.org/presentationml/2006/main">
+  <p:cSld>
+    <p:spTree>
+      <p:nvGrpSpPr>
+        <p:cNvPr id="1" name=""/>
+        <p:cNvGrpSpPr/>
+        <p:nvPr/>
+      </p:nvGrpSpPr>
+      <p:grpSpPr>
+        <a:xfrm>
+          <a:off x="0" y="0"/>
+          <a:ext cx="0" cy="0"/>
+          <a:chOff x="0" y="0"/>
+          <a:chExt cx="0" cy="0"/>
+        </a:xfrm>
+      </p:grpSpPr>
+      <p:sp>
+        <p:nvSpPr>
+          <p:cNvPr id="2" name="Title 1">
+            <a:extLst>
+              <a:ext uri="{FF2B5EF4-FFF2-40B4-BE49-F238E27FC236}">
+                <a16:creationId xmlns:a16="http://schemas.microsoft.com/office/drawing/2014/main" id="{765EBF66-776B-44CD-B84A-5B13AE020C97}"/>
+              </a:ext>
+            </a:extLst>
+          </p:cNvPr>
+          <p:cNvSpPr>
+            <a:spLocks noGrp="1"/>
+          </p:cNvSpPr>
+          <p:nvPr>
+            <p:ph type="title"/>
+          </p:nvPr>
+        </p:nvSpPr>
+        <p:spPr/>
+        <p:txBody>
+          <a:bodyPr/>
+          <a:lstStyle/>
+          <a:p>
+            <a:r>
+              <a:rPr lang="en-US" dirty="0"/>
+              <a:t>Try to test in 5 methods</a:t>
+            </a:r>
+          </a:p>
+        </p:txBody>
+      </p:sp>
+      <p:sp>
+        <p:nvSpPr>
+          <p:cNvPr id="5" name="Content Placeholder 2">
+            <a:extLst>
+              <a:ext uri="{FF2B5EF4-FFF2-40B4-BE49-F238E27FC236}">
+                <a16:creationId xmlns:a16="http://schemas.microsoft.com/office/drawing/2014/main" id="{831105EF-6455-4120-99AF-839E8D9C596F}"/>
+              </a:ext>
+            </a:extLst>
+          </p:cNvPr>
+          <p:cNvSpPr>
+            <a:spLocks noGrp="1"/>
+          </p:cNvSpPr>
+          <p:nvPr>
+            <p:ph idx="1"/>
+          </p:nvPr>
+        </p:nvSpPr>
+        <p:spPr>
+          <a:xfrm>
+            <a:off x="838200" y="1825625"/>
+            <a:ext cx="10515600" cy="4351338"/>
+          </a:xfrm>
+        </p:spPr>
+        <p:txBody>
+          <a:bodyPr>
+            <a:normAutofit/>
+          </a:bodyPr>
+          <a:lstStyle/>
+          <a:p>
+            <a:pPr marL="514350" indent="-514350">
+              <a:buFont typeface="+mj-lt"/>
+              <a:buAutoNum type="arabicPeriod"/>
+            </a:pPr>
+            <a:r>
+              <a:rPr lang="en-US" dirty="0"/>
+              <a:t>Multiple Linear Regression (Original)</a:t>
+            </a:r>
+          </a:p>
+          <a:p>
+            <a:pPr marL="514350" indent="-514350">
+              <a:buFont typeface="+mj-lt"/>
+              <a:buAutoNum type="arabicPeriod"/>
+            </a:pPr>
+            <a:r>
+              <a:rPr lang="en-US" dirty="0"/>
+              <a:t>K-folds Cross Validation (+ Repeats)</a:t>
+            </a:r>
+          </a:p>
+          <a:p>
+            <a:pPr marL="514350" indent="-514350">
+              <a:buFont typeface="+mj-lt"/>
+              <a:buAutoNum type="arabicPeriod"/>
+            </a:pPr>
+            <a:r>
+              <a:rPr lang="en-US" dirty="0"/>
+              <a:t>Features Selection: Recursive Feature Elimination (RFE)</a:t>
+            </a:r>
+          </a:p>
+          <a:p>
+            <a:pPr marL="514350" indent="-514350">
+              <a:buFont typeface="+mj-lt"/>
+              <a:buAutoNum type="arabicPeriod"/>
+            </a:pPr>
+            <a:r>
+              <a:rPr lang="en-US" dirty="0"/>
+              <a:t>Grid Search CV</a:t>
+            </a:r>
+          </a:p>
+          <a:p>
+            <a:pPr marL="514350" indent="-514350">
+              <a:buFont typeface="+mj-lt"/>
+              <a:buAutoNum type="arabicPeriod"/>
+            </a:pPr>
+            <a:r>
+              <a:rPr lang="en-US" dirty="0"/>
+              <a:t>Polynomial Regression ⭐</a:t>
+            </a:r>
+          </a:p>
+        </p:txBody>
+      </p:sp>
+    </p:spTree>
+    <p:extLst>
+      <p:ext uri="{BB962C8B-B14F-4D97-AF65-F5344CB8AC3E}">
+        <p14:creationId xmlns:p14="http://schemas.microsoft.com/office/powerpoint/2010/main" val="2156695451"/>
+      </p:ext>
+    </p:extLst>
+  </p:cSld>
+  <p:clrMapOvr>
+    <a:masterClrMapping/>
+  </p:clrMapOvr>
+</p:sld>
+</file>
+
+<file path=ppt/slides/slide14.xml><?xml version="1.0" encoding="utf-8"?>
 <p:sld xmlns:a="http://schemas.openxmlformats.org/drawingml/2006/main" xmlns:r="http://schemas.openxmlformats.org/officeDocument/2006/relationships" xmlns:p="http://schemas.openxmlformats.org/presentationml/2006/main">
   <p:cSld>
     <p:spTree>
@@ -9001,7 +8046,147 @@
           <a:p>
             <a:r>
               <a:rPr lang="en-US" dirty="0"/>
-              <a:t>Test results</a:t>
+              <a:t>Polynomial regression</a:t>
+            </a:r>
+          </a:p>
+        </p:txBody>
+      </p:sp>
+      <p:pic>
+        <p:nvPicPr>
+          <p:cNvPr id="1026" name="Picture 2">
+            <a:extLst>
+              <a:ext uri="{FF2B5EF4-FFF2-40B4-BE49-F238E27FC236}">
+                <a16:creationId xmlns:a16="http://schemas.microsoft.com/office/drawing/2014/main" id="{3183A202-FF3D-471D-B7C6-21E5BB26E310}"/>
+              </a:ext>
+            </a:extLst>
+          </p:cNvPr>
+          <p:cNvPicPr>
+            <a:picLocks noChangeAspect="1" noChangeArrowheads="1"/>
+          </p:cNvPicPr>
+          <p:nvPr/>
+        </p:nvPicPr>
+        <p:blipFill>
+          <a:blip r:embed="rId2">
+            <a:extLst>
+              <a:ext uri="{28A0092B-C50C-407E-A947-70E740481C1C}">
+                <a14:useLocalDpi xmlns:a14="http://schemas.microsoft.com/office/drawing/2010/main" val="0"/>
+              </a:ext>
+            </a:extLst>
+          </a:blip>
+          <a:srcRect/>
+          <a:stretch>
+            <a:fillRect/>
+          </a:stretch>
+        </p:blipFill>
+        <p:spPr bwMode="auto">
+          <a:xfrm>
+            <a:off x="3106738" y="2145358"/>
+            <a:ext cx="5978525" cy="3957935"/>
+          </a:xfrm>
+          <a:prstGeom prst="rect">
+            <a:avLst/>
+          </a:prstGeom>
+          <a:noFill/>
+          <a:extLst>
+            <a:ext uri="{909E8E84-426E-40DD-AFC4-6F175D3DCCD1}">
+              <a14:hiddenFill xmlns:a14="http://schemas.microsoft.com/office/drawing/2010/main">
+                <a:solidFill>
+                  <a:srgbClr val="FFFFFF"/>
+                </a:solidFill>
+              </a14:hiddenFill>
+            </a:ext>
+          </a:extLst>
+        </p:spPr>
+      </p:pic>
+      <p:sp>
+        <p:nvSpPr>
+          <p:cNvPr id="6" name="TextBox 5">
+            <a:extLst>
+              <a:ext uri="{FF2B5EF4-FFF2-40B4-BE49-F238E27FC236}">
+                <a16:creationId xmlns:a16="http://schemas.microsoft.com/office/drawing/2014/main" id="{A875ED3D-5738-43B3-A5F1-14BCAF507DED}"/>
+              </a:ext>
+            </a:extLst>
+          </p:cNvPr>
+          <p:cNvSpPr txBox="1"/>
+          <p:nvPr/>
+        </p:nvSpPr>
+        <p:spPr>
+          <a:xfrm>
+            <a:off x="5456242" y="1776026"/>
+            <a:ext cx="1279517" cy="369332"/>
+          </a:xfrm>
+          <a:prstGeom prst="rect">
+            <a:avLst/>
+          </a:prstGeom>
+          <a:noFill/>
+        </p:spPr>
+        <p:txBody>
+          <a:bodyPr wrap="none" rtlCol="0">
+            <a:spAutoFit/>
+          </a:bodyPr>
+          <a:lstStyle/>
+          <a:p>
+            <a:r>
+              <a:rPr lang="en-US" dirty="0"/>
+              <a:t>Degree = 2</a:t>
+            </a:r>
+          </a:p>
+        </p:txBody>
+      </p:sp>
+    </p:spTree>
+    <p:extLst>
+      <p:ext uri="{BB962C8B-B14F-4D97-AF65-F5344CB8AC3E}">
+        <p14:creationId xmlns:p14="http://schemas.microsoft.com/office/powerpoint/2010/main" val="2526082184"/>
+      </p:ext>
+    </p:extLst>
+  </p:cSld>
+  <p:clrMapOvr>
+    <a:masterClrMapping/>
+  </p:clrMapOvr>
+</p:sld>
+</file>
+
+<file path=ppt/slides/slide15.xml><?xml version="1.0" encoding="utf-8"?>
+<p:sld xmlns:a="http://schemas.openxmlformats.org/drawingml/2006/main" xmlns:r="http://schemas.openxmlformats.org/officeDocument/2006/relationships" xmlns:p="http://schemas.openxmlformats.org/presentationml/2006/main">
+  <p:cSld>
+    <p:spTree>
+      <p:nvGrpSpPr>
+        <p:cNvPr id="1" name=""/>
+        <p:cNvGrpSpPr/>
+        <p:nvPr/>
+      </p:nvGrpSpPr>
+      <p:grpSpPr>
+        <a:xfrm>
+          <a:off x="0" y="0"/>
+          <a:ext cx="0" cy="0"/>
+          <a:chOff x="0" y="0"/>
+          <a:chExt cx="0" cy="0"/>
+        </a:xfrm>
+      </p:grpSpPr>
+      <p:sp>
+        <p:nvSpPr>
+          <p:cNvPr id="2" name="Title 1">
+            <a:extLst>
+              <a:ext uri="{FF2B5EF4-FFF2-40B4-BE49-F238E27FC236}">
+                <a16:creationId xmlns:a16="http://schemas.microsoft.com/office/drawing/2014/main" id="{1F9FC55C-DFFA-419E-BB9C-906FAE015F85}"/>
+              </a:ext>
+            </a:extLst>
+          </p:cNvPr>
+          <p:cNvSpPr>
+            <a:spLocks noGrp="1"/>
+          </p:cNvSpPr>
+          <p:nvPr>
+            <p:ph type="title"/>
+          </p:nvPr>
+        </p:nvSpPr>
+        <p:spPr/>
+        <p:txBody>
+          <a:bodyPr/>
+          <a:lstStyle/>
+          <a:p>
+            <a:r>
+              <a:rPr lang="en-US" dirty="0"/>
+              <a:t>Polynomial regression</a:t>
             </a:r>
           </a:p>
         </p:txBody>
@@ -9074,7 +8259,7 @@
     </p:spTree>
     <p:extLst>
       <p:ext uri="{BB962C8B-B14F-4D97-AF65-F5344CB8AC3E}">
-        <p14:creationId xmlns:p14="http://schemas.microsoft.com/office/powerpoint/2010/main" val="2526082184"/>
+        <p14:creationId xmlns:p14="http://schemas.microsoft.com/office/powerpoint/2010/main" val="1525410695"/>
       </p:ext>
     </p:extLst>
   </p:cSld>
@@ -9084,7 +8269,7 @@
 </p:sld>
 </file>
 
-<file path=ppt/slides/slide14.xml><?xml version="1.0" encoding="utf-8"?>
+<file path=ppt/slides/slide16.xml><?xml version="1.0" encoding="utf-8"?>
 <p:sld xmlns:a="http://schemas.openxmlformats.org/drawingml/2006/main" xmlns:r="http://schemas.openxmlformats.org/officeDocument/2006/relationships" xmlns:p="http://schemas.openxmlformats.org/presentationml/2006/main">
   <p:cSld>
     <p:spTree>
@@ -9124,7 +8309,7 @@
           <a:p>
             <a:r>
               <a:rPr lang="en-US" dirty="0"/>
-              <a:t>Test results</a:t>
+              <a:t>Polynomial regression</a:t>
             </a:r>
           </a:p>
         </p:txBody>
@@ -9228,9 +8413,17 @@
 </p:sld>
 </file>
 
-<file path=ppt/slides/slide15.xml><?xml version="1.0" encoding="utf-8"?>
+<file path=ppt/slides/slide17.xml><?xml version="1.0" encoding="utf-8"?>
 <p:sld xmlns:a="http://schemas.openxmlformats.org/drawingml/2006/main" xmlns:r="http://schemas.openxmlformats.org/officeDocument/2006/relationships" xmlns:p="http://schemas.openxmlformats.org/presentationml/2006/main">
   <p:cSld>
+    <p:bg>
+      <p:bgPr>
+        <a:solidFill>
+          <a:schemeClr val="bg1"/>
+        </a:solidFill>
+        <a:effectLst/>
+      </p:bgPr>
+    </p:bg>
     <p:spTree>
       <p:nvGrpSpPr>
         <p:cNvPr id="1" name=""/>
@@ -9261,47 +8454,837 @@
             <p:ph type="title"/>
           </p:nvPr>
         </p:nvSpPr>
-        <p:spPr/>
+        <p:spPr>
+          <a:xfrm>
+            <a:off x="838199" y="291090"/>
+            <a:ext cx="10515599" cy="932688"/>
+          </a:xfrm>
+        </p:spPr>
         <p:txBody>
-          <a:bodyPr/>
+          <a:bodyPr vert="horz" lIns="91440" tIns="45720" rIns="91440" bIns="45720" rtlCol="0" anchor="b">
+            <a:normAutofit/>
+          </a:bodyPr>
           <a:lstStyle/>
           <a:p>
             <a:r>
-              <a:rPr lang="en-US" dirty="0"/>
-              <a:t>Test results</a:t>
+              <a:rPr lang="en-US" kern="1200" dirty="0">
+                <a:solidFill>
+                  <a:schemeClr val="tx1"/>
+                </a:solidFill>
+                <a:latin typeface="+mj-lt"/>
+                <a:ea typeface="+mj-ea"/>
+                <a:cs typeface="+mj-cs"/>
+              </a:rPr>
+              <a:t>Sample results</a:t>
             </a:r>
           </a:p>
         </p:txBody>
       </p:sp>
-      <p:sp>
-        <p:nvSpPr>
-          <p:cNvPr id="10" name="Content Placeholder 9">
+      <p:graphicFrame>
+        <p:nvGraphicFramePr>
+          <p:cNvPr id="3" name="Table 2">
             <a:extLst>
               <a:ext uri="{FF2B5EF4-FFF2-40B4-BE49-F238E27FC236}">
-                <a16:creationId xmlns:a16="http://schemas.microsoft.com/office/drawing/2014/main" id="{15609B95-D55E-41CF-980F-A1469278172F}"/>
+                <a16:creationId xmlns:a16="http://schemas.microsoft.com/office/drawing/2014/main" id="{6B8F52BD-FEDE-4FE6-B1EE-C7E00EE2A242}"/>
               </a:ext>
             </a:extLst>
           </p:cNvPr>
-          <p:cNvSpPr>
-            <a:spLocks noGrp="1"/>
-          </p:cNvSpPr>
+          <p:cNvGraphicFramePr>
+            <a:graphicFrameLocks noGrp="1"/>
+          </p:cNvGraphicFramePr>
           <p:nvPr>
-            <p:ph idx="1"/>
+            <p:extLst>
+              <p:ext uri="{D42A27DB-BD31-4B8C-83A1-F6EECF244321}">
+                <p14:modId xmlns:p14="http://schemas.microsoft.com/office/powerpoint/2010/main" val="1283023391"/>
+              </p:ext>
+            </p:extLst>
           </p:nvPr>
-        </p:nvSpPr>
-        <p:spPr/>
-        <p:txBody>
-          <a:bodyPr/>
-          <a:lstStyle/>
-          <a:p>
-            <a:r>
-              <a:rPr lang="th-TH" dirty="0"/>
-              <a:t>แสดง ตารางจังหวัดกับผลลัพธ์ที่พยากรออกมาได้</a:t>
-            </a:r>
-            <a:endParaRPr lang="en-US" dirty="0"/>
-          </a:p>
-        </p:txBody>
-      </p:sp>
+        </p:nvGraphicFramePr>
+        <p:xfrm>
+          <a:off x="838200" y="2065179"/>
+          <a:ext cx="10515600" cy="4037996"/>
+        </p:xfrm>
+        <a:graphic>
+          <a:graphicData uri="http://schemas.openxmlformats.org/drawingml/2006/table">
+            <a:tbl>
+              <a:tblPr firstRow="1" bandRow="1">
+                <a:tableStyleId>{9D7B26C5-4107-4FEC-AEDC-1716B250A1EF}</a:tableStyleId>
+              </a:tblPr>
+              <a:tblGrid>
+                <a:gridCol w="2876550">
+                  <a:extLst>
+                    <a:ext uri="{9D8B030D-6E8A-4147-A177-3AD203B41FA5}">
+                      <a16:colId xmlns:a16="http://schemas.microsoft.com/office/drawing/2014/main" val="3835800918"/>
+                    </a:ext>
+                  </a:extLst>
+                </a:gridCol>
+                <a:gridCol w="1329690">
+                  <a:extLst>
+                    <a:ext uri="{9D8B030D-6E8A-4147-A177-3AD203B41FA5}">
+                      <a16:colId xmlns:a16="http://schemas.microsoft.com/office/drawing/2014/main" val="1741944965"/>
+                    </a:ext>
+                  </a:extLst>
+                </a:gridCol>
+                <a:gridCol w="2103120">
+                  <a:extLst>
+                    <a:ext uri="{9D8B030D-6E8A-4147-A177-3AD203B41FA5}">
+                      <a16:colId xmlns:a16="http://schemas.microsoft.com/office/drawing/2014/main" val="471134121"/>
+                    </a:ext>
+                  </a:extLst>
+                </a:gridCol>
+                <a:gridCol w="2103120">
+                  <a:extLst>
+                    <a:ext uri="{9D8B030D-6E8A-4147-A177-3AD203B41FA5}">
+                      <a16:colId xmlns:a16="http://schemas.microsoft.com/office/drawing/2014/main" val="3599363067"/>
+                    </a:ext>
+                  </a:extLst>
+                </a:gridCol>
+                <a:gridCol w="2103120">
+                  <a:extLst>
+                    <a:ext uri="{9D8B030D-6E8A-4147-A177-3AD203B41FA5}">
+                      <a16:colId xmlns:a16="http://schemas.microsoft.com/office/drawing/2014/main" val="2439277073"/>
+                    </a:ext>
+                  </a:extLst>
+                </a:gridCol>
+              </a:tblGrid>
+              <a:tr h="811988">
+                <a:tc>
+                  <a:txBody>
+                    <a:bodyPr/>
+                    <a:lstStyle/>
+                    <a:p>
+                      <a:pPr algn="ctr" fontAlgn="ctr"/>
+                      <a:r>
+                        <a:rPr lang="en-US" sz="1800" dirty="0">
+                          <a:effectLst/>
+                          <a:latin typeface="+mj-lt"/>
+                        </a:rPr>
+                        <a:t>Province</a:t>
+                      </a:r>
+                    </a:p>
+                  </a:txBody>
+                  <a:tcPr marL="109728" marR="109728" marT="54864" marB="54864" anchor="ctr"/>
+                </a:tc>
+                <a:tc>
+                  <a:txBody>
+                    <a:bodyPr/>
+                    <a:lstStyle/>
+                    <a:p>
+                      <a:pPr algn="ctr" fontAlgn="ctr"/>
+                      <a:r>
+                        <a:rPr lang="en-US" sz="1800" dirty="0">
+                          <a:effectLst/>
+                          <a:latin typeface="+mj-lt"/>
+                        </a:rPr>
+                        <a:t>Year</a:t>
+                      </a:r>
+                    </a:p>
+                  </a:txBody>
+                  <a:tcPr marL="109728" marR="109728" marT="54864" marB="54864" anchor="ctr"/>
+                </a:tc>
+                <a:tc>
+                  <a:txBody>
+                    <a:bodyPr/>
+                    <a:lstStyle/>
+                    <a:p>
+                      <a:pPr algn="ctr" fontAlgn="ctr"/>
+                      <a:r>
+                        <a:rPr lang="en-US" sz="1800" dirty="0">
+                          <a:effectLst/>
+                          <a:latin typeface="+mj-lt"/>
+                        </a:rPr>
+                        <a:t>Actual Patient</a:t>
+                      </a:r>
+                    </a:p>
+                  </a:txBody>
+                  <a:tcPr marL="109728" marR="109728" marT="54864" marB="54864" anchor="ctr"/>
+                </a:tc>
+                <a:tc>
+                  <a:txBody>
+                    <a:bodyPr/>
+                    <a:lstStyle/>
+                    <a:p>
+                      <a:pPr algn="ctr" fontAlgn="ctr"/>
+                      <a:r>
+                        <a:rPr lang="en-US" sz="1800" dirty="0">
+                          <a:effectLst/>
+                          <a:latin typeface="+mj-lt"/>
+                        </a:rPr>
+                        <a:t>Predicted Patient</a:t>
+                      </a:r>
+                    </a:p>
+                  </a:txBody>
+                  <a:tcPr marL="109728" marR="109728" marT="54864" marB="54864" anchor="ctr"/>
+                </a:tc>
+                <a:tc>
+                  <a:txBody>
+                    <a:bodyPr/>
+                    <a:lstStyle/>
+                    <a:p>
+                      <a:pPr algn="ctr" fontAlgn="ctr"/>
+                      <a:r>
+                        <a:rPr lang="en-US" sz="1800" dirty="0">
+                          <a:effectLst/>
+                          <a:latin typeface="+mj-lt"/>
+                        </a:rPr>
+                        <a:t>Accuracy</a:t>
+                      </a:r>
+                    </a:p>
+                  </a:txBody>
+                  <a:tcPr marL="109728" marR="109728" marT="54864" marB="54864" anchor="ctr"/>
+                </a:tc>
+                <a:extLst>
+                  <a:ext uri="{0D108BD9-81ED-4DB2-BD59-A6C34878D82A}">
+                    <a16:rowId xmlns:a16="http://schemas.microsoft.com/office/drawing/2014/main" val="2714868485"/>
+                  </a:ext>
+                </a:extLst>
+              </a:tr>
+              <a:tr h="482804">
+                <a:tc>
+                  <a:txBody>
+                    <a:bodyPr/>
+                    <a:lstStyle/>
+                    <a:p>
+                      <a:pPr algn="l" fontAlgn="b"/>
+                      <a:r>
+                        <a:rPr lang="en-US" sz="1800" b="0" i="0" u="none" strike="noStrike" dirty="0">
+                          <a:solidFill>
+                            <a:srgbClr val="000000"/>
+                          </a:solidFill>
+                          <a:effectLst/>
+                          <a:latin typeface="+mn-lt"/>
+                        </a:rPr>
+                        <a:t>Trang</a:t>
+                      </a:r>
+                    </a:p>
+                  </a:txBody>
+                  <a:tcPr marL="6350" marR="6350" marT="6350" marB="0" anchor="b"/>
+                </a:tc>
+                <a:tc>
+                  <a:txBody>
+                    <a:bodyPr/>
+                    <a:lstStyle/>
+                    <a:p>
+                      <a:pPr algn="r" fontAlgn="b"/>
+                      <a:r>
+                        <a:rPr lang="en-US" sz="1800" b="0" i="0" u="none" strike="noStrike">
+                          <a:solidFill>
+                            <a:srgbClr val="000000"/>
+                          </a:solidFill>
+                          <a:effectLst/>
+                          <a:latin typeface="+mn-lt"/>
+                        </a:rPr>
+                        <a:t>2020</a:t>
+                      </a:r>
+                    </a:p>
+                  </a:txBody>
+                  <a:tcPr marL="6350" marR="6350" marT="6350" marB="0" anchor="b"/>
+                </a:tc>
+                <a:tc>
+                  <a:txBody>
+                    <a:bodyPr/>
+                    <a:lstStyle/>
+                    <a:p>
+                      <a:pPr algn="r" fontAlgn="b"/>
+                      <a:r>
+                        <a:rPr lang="en-US" sz="1800" b="0" i="0" u="none" strike="noStrike">
+                          <a:solidFill>
+                            <a:srgbClr val="000000"/>
+                          </a:solidFill>
+                          <a:effectLst/>
+                          <a:latin typeface="+mn-lt"/>
+                        </a:rPr>
+                        <a:t>3211</a:t>
+                      </a:r>
+                    </a:p>
+                  </a:txBody>
+                  <a:tcPr marL="6350" marR="6350" marT="6350" marB="0" anchor="b"/>
+                </a:tc>
+                <a:tc>
+                  <a:txBody>
+                    <a:bodyPr/>
+                    <a:lstStyle/>
+                    <a:p>
+                      <a:pPr algn="r" fontAlgn="b"/>
+                      <a:r>
+                        <a:rPr lang="en-US" sz="1800" b="0" i="0" u="none" strike="noStrike">
+                          <a:solidFill>
+                            <a:srgbClr val="000000"/>
+                          </a:solidFill>
+                          <a:effectLst/>
+                          <a:latin typeface="+mn-lt"/>
+                        </a:rPr>
+                        <a:t>3225.647</a:t>
+                      </a:r>
+                    </a:p>
+                  </a:txBody>
+                  <a:tcPr marL="6350" marR="6350" marT="6350" marB="0" anchor="b"/>
+                </a:tc>
+                <a:tc>
+                  <a:txBody>
+                    <a:bodyPr/>
+                    <a:lstStyle/>
+                    <a:p>
+                      <a:pPr algn="r" fontAlgn="b"/>
+                      <a:r>
+                        <a:rPr lang="en-US" sz="1800" b="0" i="0" u="none" strike="noStrike">
+                          <a:solidFill>
+                            <a:srgbClr val="000000"/>
+                          </a:solidFill>
+                          <a:effectLst/>
+                          <a:latin typeface="+mn-lt"/>
+                        </a:rPr>
+                        <a:t>0.995</a:t>
+                      </a:r>
+                    </a:p>
+                  </a:txBody>
+                  <a:tcPr marL="6350" marR="6350" marT="6350" marB="0" anchor="b"/>
+                </a:tc>
+                <a:extLst>
+                  <a:ext uri="{0D108BD9-81ED-4DB2-BD59-A6C34878D82A}">
+                    <a16:rowId xmlns:a16="http://schemas.microsoft.com/office/drawing/2014/main" val="641258082"/>
+                  </a:ext>
+                </a:extLst>
+              </a:tr>
+              <a:tr h="482804">
+                <a:tc>
+                  <a:txBody>
+                    <a:bodyPr/>
+                    <a:lstStyle/>
+                    <a:p>
+                      <a:pPr algn="l" fontAlgn="b"/>
+                      <a:r>
+                        <a:rPr lang="en-US" sz="1800" b="0" i="0" u="none" strike="noStrike" dirty="0">
+                          <a:solidFill>
+                            <a:srgbClr val="000000"/>
+                          </a:solidFill>
+                          <a:effectLst/>
+                          <a:latin typeface="+mn-lt"/>
+                        </a:rPr>
+                        <a:t>Songkhla</a:t>
+                      </a:r>
+                    </a:p>
+                  </a:txBody>
+                  <a:tcPr marL="6350" marR="6350" marT="6350" marB="0" anchor="b"/>
+                </a:tc>
+                <a:tc>
+                  <a:txBody>
+                    <a:bodyPr/>
+                    <a:lstStyle/>
+                    <a:p>
+                      <a:pPr algn="r" fontAlgn="b"/>
+                      <a:r>
+                        <a:rPr lang="en-US" sz="1800" b="0" i="0" u="none" strike="noStrike" dirty="0">
+                          <a:solidFill>
+                            <a:srgbClr val="000000"/>
+                          </a:solidFill>
+                          <a:effectLst/>
+                          <a:latin typeface="+mn-lt"/>
+                        </a:rPr>
+                        <a:t>2017</a:t>
+                      </a:r>
+                    </a:p>
+                  </a:txBody>
+                  <a:tcPr marL="6350" marR="6350" marT="6350" marB="0" anchor="b"/>
+                </a:tc>
+                <a:tc>
+                  <a:txBody>
+                    <a:bodyPr/>
+                    <a:lstStyle/>
+                    <a:p>
+                      <a:pPr algn="r" fontAlgn="b"/>
+                      <a:r>
+                        <a:rPr lang="en-US" sz="1800" b="0" i="0" u="none" strike="noStrike">
+                          <a:solidFill>
+                            <a:srgbClr val="000000"/>
+                          </a:solidFill>
+                          <a:effectLst/>
+                          <a:latin typeface="+mn-lt"/>
+                        </a:rPr>
+                        <a:t>7314</a:t>
+                      </a:r>
+                    </a:p>
+                  </a:txBody>
+                  <a:tcPr marL="6350" marR="6350" marT="6350" marB="0" anchor="b"/>
+                </a:tc>
+                <a:tc>
+                  <a:txBody>
+                    <a:bodyPr/>
+                    <a:lstStyle/>
+                    <a:p>
+                      <a:pPr algn="r" fontAlgn="b"/>
+                      <a:r>
+                        <a:rPr lang="en-US" sz="1800" b="0" i="0" u="none" strike="noStrike">
+                          <a:solidFill>
+                            <a:srgbClr val="000000"/>
+                          </a:solidFill>
+                          <a:effectLst/>
+                          <a:latin typeface="+mn-lt"/>
+                        </a:rPr>
+                        <a:t>7472.123</a:t>
+                      </a:r>
+                    </a:p>
+                  </a:txBody>
+                  <a:tcPr marL="6350" marR="6350" marT="6350" marB="0" anchor="b"/>
+                </a:tc>
+                <a:tc>
+                  <a:txBody>
+                    <a:bodyPr/>
+                    <a:lstStyle/>
+                    <a:p>
+                      <a:pPr algn="r" fontAlgn="b"/>
+                      <a:r>
+                        <a:rPr lang="en-US" sz="1800" b="0" i="0" u="none" strike="noStrike">
+                          <a:solidFill>
+                            <a:srgbClr val="000000"/>
+                          </a:solidFill>
+                          <a:effectLst/>
+                          <a:latin typeface="+mn-lt"/>
+                        </a:rPr>
+                        <a:t>0.979</a:t>
+                      </a:r>
+                    </a:p>
+                  </a:txBody>
+                  <a:tcPr marL="6350" marR="6350" marT="6350" marB="0" anchor="b"/>
+                </a:tc>
+                <a:extLst>
+                  <a:ext uri="{0D108BD9-81ED-4DB2-BD59-A6C34878D82A}">
+                    <a16:rowId xmlns:a16="http://schemas.microsoft.com/office/drawing/2014/main" val="3302351741"/>
+                  </a:ext>
+                </a:extLst>
+              </a:tr>
+              <a:tr h="482804">
+                <a:tc>
+                  <a:txBody>
+                    <a:bodyPr/>
+                    <a:lstStyle/>
+                    <a:p>
+                      <a:pPr algn="l" fontAlgn="b"/>
+                      <a:r>
+                        <a:rPr lang="en-US" sz="1800" b="0" i="0" u="none" strike="noStrike">
+                          <a:solidFill>
+                            <a:srgbClr val="000000"/>
+                          </a:solidFill>
+                          <a:effectLst/>
+                          <a:latin typeface="+mn-lt"/>
+                        </a:rPr>
+                        <a:t>Nakhon Sri Thammarat</a:t>
+                      </a:r>
+                    </a:p>
+                  </a:txBody>
+                  <a:tcPr marL="6350" marR="6350" marT="6350" marB="0" anchor="b"/>
+                </a:tc>
+                <a:tc>
+                  <a:txBody>
+                    <a:bodyPr/>
+                    <a:lstStyle/>
+                    <a:p>
+                      <a:pPr algn="r" fontAlgn="b"/>
+                      <a:r>
+                        <a:rPr lang="en-US" sz="1800" b="0" i="0" u="none" strike="noStrike">
+                          <a:solidFill>
+                            <a:srgbClr val="000000"/>
+                          </a:solidFill>
+                          <a:effectLst/>
+                          <a:latin typeface="+mn-lt"/>
+                        </a:rPr>
+                        <a:t>2020</a:t>
+                      </a:r>
+                    </a:p>
+                  </a:txBody>
+                  <a:tcPr marL="6350" marR="6350" marT="6350" marB="0" anchor="b"/>
+                </a:tc>
+                <a:tc>
+                  <a:txBody>
+                    <a:bodyPr/>
+                    <a:lstStyle/>
+                    <a:p>
+                      <a:pPr algn="r" fontAlgn="b"/>
+                      <a:r>
+                        <a:rPr lang="en-US" sz="1800" b="0" i="0" u="none" strike="noStrike" dirty="0">
+                          <a:solidFill>
+                            <a:srgbClr val="000000"/>
+                          </a:solidFill>
+                          <a:effectLst/>
+                          <a:latin typeface="+mn-lt"/>
+                        </a:rPr>
+                        <a:t>3419</a:t>
+                      </a:r>
+                    </a:p>
+                  </a:txBody>
+                  <a:tcPr marL="6350" marR="6350" marT="6350" marB="0" anchor="b"/>
+                </a:tc>
+                <a:tc>
+                  <a:txBody>
+                    <a:bodyPr/>
+                    <a:lstStyle/>
+                    <a:p>
+                      <a:pPr algn="r" fontAlgn="b"/>
+                      <a:r>
+                        <a:rPr lang="en-US" sz="1800" b="0" i="0" u="none" strike="noStrike">
+                          <a:solidFill>
+                            <a:srgbClr val="000000"/>
+                          </a:solidFill>
+                          <a:effectLst/>
+                          <a:latin typeface="+mn-lt"/>
+                        </a:rPr>
+                        <a:t>4024.796</a:t>
+                      </a:r>
+                    </a:p>
+                  </a:txBody>
+                  <a:tcPr marL="6350" marR="6350" marT="6350" marB="0" anchor="b"/>
+                </a:tc>
+                <a:tc>
+                  <a:txBody>
+                    <a:bodyPr/>
+                    <a:lstStyle/>
+                    <a:p>
+                      <a:pPr algn="r" fontAlgn="b"/>
+                      <a:r>
+                        <a:rPr lang="en-US" sz="1800" b="0" i="0" u="none" strike="noStrike">
+                          <a:solidFill>
+                            <a:srgbClr val="000000"/>
+                          </a:solidFill>
+                          <a:effectLst/>
+                          <a:latin typeface="+mn-lt"/>
+                        </a:rPr>
+                        <a:t>0.849</a:t>
+                      </a:r>
+                    </a:p>
+                  </a:txBody>
+                  <a:tcPr marL="6350" marR="6350" marT="6350" marB="0" anchor="b"/>
+                </a:tc>
+                <a:extLst>
+                  <a:ext uri="{0D108BD9-81ED-4DB2-BD59-A6C34878D82A}">
+                    <a16:rowId xmlns:a16="http://schemas.microsoft.com/office/drawing/2014/main" val="2641721395"/>
+                  </a:ext>
+                </a:extLst>
+              </a:tr>
+              <a:tr h="811988">
+                <a:tc>
+                  <a:txBody>
+                    <a:bodyPr/>
+                    <a:lstStyle/>
+                    <a:p>
+                      <a:pPr algn="l" fontAlgn="b"/>
+                      <a:r>
+                        <a:rPr lang="en-US" sz="1800" b="0" i="0" u="none" strike="noStrike" dirty="0">
+                          <a:solidFill>
+                            <a:srgbClr val="000000"/>
+                          </a:solidFill>
+                          <a:effectLst/>
+                          <a:latin typeface="+mn-lt"/>
+                        </a:rPr>
+                        <a:t>Kanjanaburi</a:t>
+                      </a:r>
+                    </a:p>
+                  </a:txBody>
+                  <a:tcPr marL="6350" marR="6350" marT="6350" marB="0" anchor="b"/>
+                </a:tc>
+                <a:tc>
+                  <a:txBody>
+                    <a:bodyPr/>
+                    <a:lstStyle/>
+                    <a:p>
+                      <a:pPr algn="r" fontAlgn="b"/>
+                      <a:r>
+                        <a:rPr lang="en-US" sz="1800" b="0" i="0" u="none" strike="noStrike">
+                          <a:solidFill>
+                            <a:srgbClr val="000000"/>
+                          </a:solidFill>
+                          <a:effectLst/>
+                          <a:latin typeface="+mn-lt"/>
+                        </a:rPr>
+                        <a:t>2020</a:t>
+                      </a:r>
+                    </a:p>
+                  </a:txBody>
+                  <a:tcPr marL="6350" marR="6350" marT="6350" marB="0" anchor="b"/>
+                </a:tc>
+                <a:tc>
+                  <a:txBody>
+                    <a:bodyPr/>
+                    <a:lstStyle/>
+                    <a:p>
+                      <a:pPr algn="r" fontAlgn="b"/>
+                      <a:r>
+                        <a:rPr lang="en-US" sz="1800" b="0" i="0" u="none" strike="noStrike" dirty="0">
+                          <a:solidFill>
+                            <a:srgbClr val="000000"/>
+                          </a:solidFill>
+                          <a:effectLst/>
+                          <a:latin typeface="+mn-lt"/>
+                        </a:rPr>
+                        <a:t>1491</a:t>
+                      </a:r>
+                    </a:p>
+                  </a:txBody>
+                  <a:tcPr marL="6350" marR="6350" marT="6350" marB="0" anchor="b"/>
+                </a:tc>
+                <a:tc>
+                  <a:txBody>
+                    <a:bodyPr/>
+                    <a:lstStyle/>
+                    <a:p>
+                      <a:pPr algn="r" fontAlgn="b"/>
+                      <a:r>
+                        <a:rPr lang="en-US" sz="1800" b="0" i="0" u="none" strike="noStrike">
+                          <a:solidFill>
+                            <a:srgbClr val="000000"/>
+                          </a:solidFill>
+                          <a:effectLst/>
+                          <a:latin typeface="+mn-lt"/>
+                        </a:rPr>
+                        <a:t>1769.510</a:t>
+                      </a:r>
+                    </a:p>
+                  </a:txBody>
+                  <a:tcPr marL="6350" marR="6350" marT="6350" marB="0" anchor="b"/>
+                </a:tc>
+                <a:tc>
+                  <a:txBody>
+                    <a:bodyPr/>
+                    <a:lstStyle/>
+                    <a:p>
+                      <a:pPr algn="r" fontAlgn="b"/>
+                      <a:r>
+                        <a:rPr lang="en-US" sz="1800" b="0" i="0" u="none" strike="noStrike">
+                          <a:solidFill>
+                            <a:srgbClr val="000000"/>
+                          </a:solidFill>
+                          <a:effectLst/>
+                          <a:latin typeface="+mn-lt"/>
+                        </a:rPr>
+                        <a:t>0.843</a:t>
+                      </a:r>
+                    </a:p>
+                  </a:txBody>
+                  <a:tcPr marL="6350" marR="6350" marT="6350" marB="0" anchor="b"/>
+                </a:tc>
+                <a:extLst>
+                  <a:ext uri="{0D108BD9-81ED-4DB2-BD59-A6C34878D82A}">
+                    <a16:rowId xmlns:a16="http://schemas.microsoft.com/office/drawing/2014/main" val="2085706532"/>
+                  </a:ext>
+                </a:extLst>
+              </a:tr>
+              <a:tr h="482804">
+                <a:tc>
+                  <a:txBody>
+                    <a:bodyPr/>
+                    <a:lstStyle/>
+                    <a:p>
+                      <a:pPr algn="l" fontAlgn="b"/>
+                      <a:r>
+                        <a:rPr lang="en-US" sz="1800" b="0" i="0" u="none" strike="noStrike">
+                          <a:solidFill>
+                            <a:srgbClr val="000000"/>
+                          </a:solidFill>
+                          <a:effectLst/>
+                          <a:latin typeface="+mn-lt"/>
+                        </a:rPr>
+                        <a:t>Ubon Ratchathani</a:t>
+                      </a:r>
+                    </a:p>
+                  </a:txBody>
+                  <a:tcPr marL="6350" marR="6350" marT="6350" marB="0" anchor="b"/>
+                </a:tc>
+                <a:tc>
+                  <a:txBody>
+                    <a:bodyPr/>
+                    <a:lstStyle/>
+                    <a:p>
+                      <a:pPr algn="r" fontAlgn="b"/>
+                      <a:r>
+                        <a:rPr lang="en-US" sz="1800" b="0" i="0" u="none" strike="noStrike">
+                          <a:solidFill>
+                            <a:srgbClr val="000000"/>
+                          </a:solidFill>
+                          <a:effectLst/>
+                          <a:latin typeface="+mn-lt"/>
+                        </a:rPr>
+                        <a:t>2020</a:t>
+                      </a:r>
+                    </a:p>
+                  </a:txBody>
+                  <a:tcPr marL="6350" marR="6350" marT="6350" marB="0" anchor="b"/>
+                </a:tc>
+                <a:tc>
+                  <a:txBody>
+                    <a:bodyPr/>
+                    <a:lstStyle/>
+                    <a:p>
+                      <a:pPr algn="r" fontAlgn="b"/>
+                      <a:r>
+                        <a:rPr lang="en-US" sz="1800" b="0" i="0" u="none" strike="noStrike" dirty="0">
+                          <a:solidFill>
+                            <a:srgbClr val="000000"/>
+                          </a:solidFill>
+                          <a:effectLst/>
+                          <a:latin typeface="+mn-lt"/>
+                        </a:rPr>
+                        <a:t>2092</a:t>
+                      </a:r>
+                    </a:p>
+                  </a:txBody>
+                  <a:tcPr marL="6350" marR="6350" marT="6350" marB="0" anchor="b"/>
+                </a:tc>
+                <a:tc>
+                  <a:txBody>
+                    <a:bodyPr/>
+                    <a:lstStyle/>
+                    <a:p>
+                      <a:pPr algn="r" fontAlgn="b"/>
+                      <a:r>
+                        <a:rPr lang="en-US" sz="1800" b="0" i="0" u="none" strike="noStrike">
+                          <a:solidFill>
+                            <a:srgbClr val="000000"/>
+                          </a:solidFill>
+                          <a:effectLst/>
+                          <a:latin typeface="+mn-lt"/>
+                        </a:rPr>
+                        <a:t>2635.774</a:t>
+                      </a:r>
+                    </a:p>
+                  </a:txBody>
+                  <a:tcPr marL="6350" marR="6350" marT="6350" marB="0" anchor="b"/>
+                </a:tc>
+                <a:tc>
+                  <a:txBody>
+                    <a:bodyPr/>
+                    <a:lstStyle/>
+                    <a:p>
+                      <a:pPr algn="r" fontAlgn="b"/>
+                      <a:r>
+                        <a:rPr lang="en-US" sz="1800" b="0" i="0" u="none" strike="noStrike">
+                          <a:solidFill>
+                            <a:srgbClr val="000000"/>
+                          </a:solidFill>
+                          <a:effectLst/>
+                          <a:latin typeface="+mn-lt"/>
+                        </a:rPr>
+                        <a:t>0.794</a:t>
+                      </a:r>
+                    </a:p>
+                  </a:txBody>
+                  <a:tcPr marL="6350" marR="6350" marT="6350" marB="0" anchor="b"/>
+                </a:tc>
+                <a:extLst>
+                  <a:ext uri="{0D108BD9-81ED-4DB2-BD59-A6C34878D82A}">
+                    <a16:rowId xmlns:a16="http://schemas.microsoft.com/office/drawing/2014/main" val="495392126"/>
+                  </a:ext>
+                </a:extLst>
+              </a:tr>
+              <a:tr h="482804">
+                <a:tc>
+                  <a:txBody>
+                    <a:bodyPr/>
+                    <a:lstStyle/>
+                    <a:p>
+                      <a:pPr algn="l" fontAlgn="b"/>
+                      <a:r>
+                        <a:rPr lang="en-US" sz="1800" b="0" i="0" u="none" strike="noStrike">
+                          <a:solidFill>
+                            <a:srgbClr val="000000"/>
+                          </a:solidFill>
+                          <a:effectLst/>
+                          <a:latin typeface="+mn-lt"/>
+                        </a:rPr>
+                        <a:t>Nakhon Ratchasima</a:t>
+                      </a:r>
+                    </a:p>
+                  </a:txBody>
+                  <a:tcPr marL="6350" marR="6350" marT="6350" marB="0" anchor="b"/>
+                </a:tc>
+                <a:tc>
+                  <a:txBody>
+                    <a:bodyPr/>
+                    <a:lstStyle/>
+                    <a:p>
+                      <a:pPr algn="r" fontAlgn="b"/>
+                      <a:r>
+                        <a:rPr lang="en-US" sz="1800" b="0" i="0" u="none" strike="noStrike">
+                          <a:solidFill>
+                            <a:srgbClr val="000000"/>
+                          </a:solidFill>
+                          <a:effectLst/>
+                          <a:latin typeface="+mn-lt"/>
+                        </a:rPr>
+                        <a:t>2016</a:t>
+                      </a:r>
+                    </a:p>
+                  </a:txBody>
+                  <a:tcPr marL="6350" marR="6350" marT="6350" marB="0" anchor="b"/>
+                </a:tc>
+                <a:tc>
+                  <a:txBody>
+                    <a:bodyPr/>
+                    <a:lstStyle/>
+                    <a:p>
+                      <a:pPr algn="r" fontAlgn="b"/>
+                      <a:r>
+                        <a:rPr lang="en-US" sz="1800" b="0" i="0" u="none" strike="noStrike">
+                          <a:solidFill>
+                            <a:srgbClr val="000000"/>
+                          </a:solidFill>
+                          <a:effectLst/>
+                          <a:latin typeface="+mn-lt"/>
+                        </a:rPr>
+                        <a:t>7194</a:t>
+                      </a:r>
+                    </a:p>
+                  </a:txBody>
+                  <a:tcPr marL="6350" marR="6350" marT="6350" marB="0" anchor="b"/>
+                </a:tc>
+                <a:tc>
+                  <a:txBody>
+                    <a:bodyPr/>
+                    <a:lstStyle/>
+                    <a:p>
+                      <a:pPr algn="r" fontAlgn="b"/>
+                      <a:r>
+                        <a:rPr lang="en-US" sz="1800" b="0" i="0" u="none" strike="noStrike">
+                          <a:solidFill>
+                            <a:srgbClr val="000000"/>
+                          </a:solidFill>
+                          <a:effectLst/>
+                          <a:latin typeface="+mn-lt"/>
+                        </a:rPr>
+                        <a:t>9131.089</a:t>
+                      </a:r>
+                    </a:p>
+                  </a:txBody>
+                  <a:tcPr marL="6350" marR="6350" marT="6350" marB="0" anchor="b"/>
+                </a:tc>
+                <a:tc>
+                  <a:txBody>
+                    <a:bodyPr/>
+                    <a:lstStyle/>
+                    <a:p>
+                      <a:pPr algn="r" fontAlgn="b"/>
+                      <a:r>
+                        <a:rPr lang="en-US" sz="1800" b="0" i="0" u="none" strike="noStrike" dirty="0">
+                          <a:solidFill>
+                            <a:srgbClr val="000000"/>
+                          </a:solidFill>
+                          <a:effectLst/>
+                          <a:latin typeface="+mn-lt"/>
+                        </a:rPr>
+                        <a:t>0.788</a:t>
+                      </a:r>
+                    </a:p>
+                  </a:txBody>
+                  <a:tcPr marL="6350" marR="6350" marT="6350" marB="0" anchor="b"/>
+                </a:tc>
+                <a:extLst>
+                  <a:ext uri="{0D108BD9-81ED-4DB2-BD59-A6C34878D82A}">
+                    <a16:rowId xmlns:a16="http://schemas.microsoft.com/office/drawing/2014/main" val="1094402251"/>
+                  </a:ext>
+                </a:extLst>
+              </a:tr>
+            </a:tbl>
+          </a:graphicData>
+        </a:graphic>
+      </p:graphicFrame>
     </p:spTree>
     <p:extLst>
       <p:ext uri="{BB962C8B-B14F-4D97-AF65-F5344CB8AC3E}">
@@ -9315,7 +9298,7 @@
 </p:sld>
 </file>
 
-<file path=ppt/slides/slide16.xml><?xml version="1.0" encoding="utf-8"?>
+<file path=ppt/slides/slide18.xml><?xml version="1.0" encoding="utf-8"?>
 <p:sld xmlns:a="http://schemas.openxmlformats.org/drawingml/2006/main" xmlns:r="http://schemas.openxmlformats.org/officeDocument/2006/relationships" xmlns:p="http://schemas.openxmlformats.org/presentationml/2006/main">
   <p:cSld>
     <p:spTree>
@@ -9425,7 +9408,101 @@
 </p:sld>
 </file>
 
-<file path=ppt/slides/slide17.xml><?xml version="1.0" encoding="utf-8"?>
+<file path=ppt/slides/slide19.xml><?xml version="1.0" encoding="utf-8"?>
+<p:sld xmlns:a="http://schemas.openxmlformats.org/drawingml/2006/main" xmlns:r="http://schemas.openxmlformats.org/officeDocument/2006/relationships" xmlns:p="http://schemas.openxmlformats.org/presentationml/2006/main">
+  <p:cSld>
+    <p:spTree>
+      <p:nvGrpSpPr>
+        <p:cNvPr id="1" name=""/>
+        <p:cNvGrpSpPr/>
+        <p:nvPr/>
+      </p:nvGrpSpPr>
+      <p:grpSpPr>
+        <a:xfrm>
+          <a:off x="0" y="0"/>
+          <a:ext cx="0" cy="0"/>
+          <a:chOff x="0" y="0"/>
+          <a:chExt cx="0" cy="0"/>
+        </a:xfrm>
+      </p:grpSpPr>
+      <p:sp>
+        <p:nvSpPr>
+          <p:cNvPr id="2" name="Title 1">
+            <a:extLst>
+              <a:ext uri="{FF2B5EF4-FFF2-40B4-BE49-F238E27FC236}">
+                <a16:creationId xmlns:a16="http://schemas.microsoft.com/office/drawing/2014/main" id="{B0DB5CBE-DFFA-4432-92F8-5639FE300EE5}"/>
+              </a:ext>
+            </a:extLst>
+          </p:cNvPr>
+          <p:cNvSpPr>
+            <a:spLocks noGrp="1"/>
+          </p:cNvSpPr>
+          <p:nvPr>
+            <p:ph type="title"/>
+          </p:nvPr>
+        </p:nvSpPr>
+        <p:spPr>
+          <a:xfrm>
+            <a:off x="838200" y="317500"/>
+            <a:ext cx="10515600" cy="1325563"/>
+          </a:xfrm>
+        </p:spPr>
+        <p:txBody>
+          <a:bodyPr/>
+          <a:lstStyle/>
+          <a:p>
+            <a:r>
+              <a:rPr lang="en-US" dirty="0"/>
+              <a:t>Rain fall</a:t>
+            </a:r>
+          </a:p>
+        </p:txBody>
+      </p:sp>
+      <p:graphicFrame>
+        <p:nvGraphicFramePr>
+          <p:cNvPr id="8" name="Content Placeholder 7">
+            <a:extLst>
+              <a:ext uri="{FF2B5EF4-FFF2-40B4-BE49-F238E27FC236}">
+                <a16:creationId xmlns:a16="http://schemas.microsoft.com/office/drawing/2014/main" id="{BFD04B86-82A4-4621-BC6E-210F5B24D833}"/>
+              </a:ext>
+            </a:extLst>
+          </p:cNvPr>
+          <p:cNvGraphicFramePr>
+            <a:graphicFrameLocks noGrp="1"/>
+          </p:cNvGraphicFramePr>
+          <p:nvPr>
+            <p:ph idx="1"/>
+            <p:extLst>
+              <p:ext uri="{D42A27DB-BD31-4B8C-83A1-F6EECF244321}">
+                <p14:modId xmlns:p14="http://schemas.microsoft.com/office/powerpoint/2010/main" val="1317073714"/>
+              </p:ext>
+            </p:extLst>
+          </p:nvPr>
+        </p:nvGraphicFramePr>
+        <p:xfrm>
+          <a:off x="838200" y="1825625"/>
+          <a:ext cx="10515600" cy="4351338"/>
+        </p:xfrm>
+        <a:graphic>
+          <a:graphicData uri="http://schemas.openxmlformats.org/drawingml/2006/chart">
+            <c:chart xmlns:c="http://schemas.openxmlformats.org/drawingml/2006/chart" xmlns:r="http://schemas.openxmlformats.org/officeDocument/2006/relationships" r:id="rId2"/>
+          </a:graphicData>
+        </a:graphic>
+      </p:graphicFrame>
+    </p:spTree>
+    <p:extLst>
+      <p:ext uri="{BB962C8B-B14F-4D97-AF65-F5344CB8AC3E}">
+        <p14:creationId xmlns:p14="http://schemas.microsoft.com/office/powerpoint/2010/main" val="127837137"/>
+      </p:ext>
+    </p:extLst>
+  </p:cSld>
+  <p:clrMapOvr>
+    <a:masterClrMapping/>
+  </p:clrMapOvr>
+</p:sld>
+</file>
+
+<file path=ppt/slides/slide2.xml><?xml version="1.0" encoding="utf-8"?>
 <p:sld xmlns:a="http://schemas.openxmlformats.org/drawingml/2006/main" xmlns:r="http://schemas.openxmlformats.org/officeDocument/2006/relationships" xmlns:p="http://schemas.openxmlformats.org/presentationml/2006/main">
   <p:cSld>
     <p:spTree>
@@ -9465,46 +9542,122 @@
           <a:p>
             <a:r>
               <a:rPr lang="en-US" dirty="0"/>
-              <a:t>Rain fall</a:t>
+              <a:t>Overview</a:t>
             </a:r>
           </a:p>
         </p:txBody>
       </p:sp>
-      <p:graphicFrame>
-        <p:nvGraphicFramePr>
-          <p:cNvPr id="24" name="Content Placeholder 23">
+      <p:sp>
+        <p:nvSpPr>
+          <p:cNvPr id="3" name="Content Placeholder 2">
             <a:extLst>
               <a:ext uri="{FF2B5EF4-FFF2-40B4-BE49-F238E27FC236}">
-                <a16:creationId xmlns:a16="http://schemas.microsoft.com/office/drawing/2014/main" id="{417523C1-FC67-4DFF-9443-0BE7AE37BA8A}"/>
+                <a16:creationId xmlns:a16="http://schemas.microsoft.com/office/drawing/2014/main" id="{D6497D47-5F29-4EDD-853A-BFE2A01FF6FF}"/>
               </a:ext>
             </a:extLst>
           </p:cNvPr>
-          <p:cNvGraphicFramePr>
-            <a:graphicFrameLocks noGrp="1"/>
-          </p:cNvGraphicFramePr>
+          <p:cNvSpPr>
+            <a:spLocks noGrp="1"/>
+          </p:cNvSpPr>
           <p:nvPr>
             <p:ph idx="1"/>
-            <p:extLst>
-              <p:ext uri="{D42A27DB-BD31-4B8C-83A1-F6EECF244321}">
-                <p14:modId xmlns:p14="http://schemas.microsoft.com/office/powerpoint/2010/main" val="3820269114"/>
-              </p:ext>
-            </p:extLst>
           </p:nvPr>
-        </p:nvGraphicFramePr>
-        <p:xfrm>
-          <a:off x="838200" y="1825625"/>
-          <a:ext cx="10515600" cy="4351338"/>
-        </p:xfrm>
-        <a:graphic>
-          <a:graphicData uri="http://schemas.openxmlformats.org/drawingml/2006/chart">
-            <c:chart xmlns:c="http://schemas.openxmlformats.org/drawingml/2006/chart" xmlns:r="http://schemas.openxmlformats.org/officeDocument/2006/relationships" r:id="rId2"/>
-          </a:graphicData>
-        </a:graphic>
-      </p:graphicFrame>
+        </p:nvSpPr>
+        <p:spPr/>
+        <p:txBody>
+          <a:bodyPr>
+            <a:normAutofit/>
+          </a:bodyPr>
+          <a:lstStyle/>
+          <a:p>
+            <a:r>
+              <a:rPr lang="en-US" dirty="0"/>
+              <a:t>Key facts</a:t>
+            </a:r>
+          </a:p>
+          <a:p>
+            <a:pPr marL="457200" lvl="1" indent="0">
+              <a:buNone/>
+            </a:pPr>
+            <a:r>
+              <a:rPr lang="en-US" dirty="0"/>
+              <a:t>⚠ The infection causes flu-like illness, and occasionally develops into a potentially lethal.</a:t>
+            </a:r>
+            <a:endParaRPr lang="en-US" dirty="0">
+              <a:latin typeface="Times New Roman" panose="02020603050405020304" pitchFamily="18" charset="0"/>
+              <a:cs typeface="Times New Roman" panose="02020603050405020304" pitchFamily="18" charset="0"/>
+            </a:endParaRPr>
+          </a:p>
+          <a:p>
+            <a:pPr marL="457200" lvl="1" indent="0">
+              <a:buNone/>
+            </a:pPr>
+            <a:r>
+              <a:rPr lang="en-US" dirty="0"/>
+              <a:t>⚠</a:t>
+            </a:r>
+            <a:r>
+              <a:rPr lang="en-US" b="0" i="0" dirty="0">
+                <a:effectLst/>
+              </a:rPr>
+              <a:t> There is no specific treatment for dengue, </a:t>
+            </a:r>
+            <a:r>
+              <a:rPr lang="en-US" b="0" dirty="0">
+                <a:effectLst/>
+                <a:latin typeface="+mj-lt"/>
+              </a:rPr>
+              <a:t>but early detection and access to proper medical care </a:t>
+            </a:r>
+            <a:r>
+              <a:rPr lang="en-US" b="0" i="0" dirty="0">
+                <a:effectLst/>
+              </a:rPr>
+              <a:t>lowers fatality rates below 1%.</a:t>
+            </a:r>
+            <a:endParaRPr lang="en-US" sz="1600" dirty="0">
+              <a:latin typeface="Times New Roman" panose="02020603050405020304" pitchFamily="18" charset="0"/>
+              <a:cs typeface="Times New Roman" panose="02020603050405020304" pitchFamily="18" charset="0"/>
+            </a:endParaRPr>
+          </a:p>
+          <a:p>
+            <a:r>
+              <a:rPr lang="en-US" dirty="0"/>
+              <a:t>Objectives</a:t>
+            </a:r>
+          </a:p>
+          <a:p>
+            <a:pPr marL="457200" lvl="1" indent="0">
+              <a:buNone/>
+            </a:pPr>
+            <a:r>
+              <a:rPr lang="en-US" dirty="0"/>
+              <a:t>🔮 To predict the number of</a:t>
+            </a:r>
+            <a:r>
+              <a:rPr lang="th-TH" dirty="0"/>
+              <a:t> </a:t>
+            </a:r>
+            <a:r>
+              <a:rPr lang="en-US" dirty="0"/>
+              <a:t>patients by temperature, rainfall, humidity.</a:t>
+            </a:r>
+          </a:p>
+          <a:p>
+            <a:pPr marL="457200" lvl="1" indent="0">
+              <a:buNone/>
+            </a:pPr>
+            <a:r>
+              <a:rPr lang="en-US" dirty="0"/>
+              <a:t>📊 To visualize information that is relevant to the data.</a:t>
+            </a:r>
+          </a:p>
+        </p:txBody>
+      </p:sp>
     </p:spTree>
     <p:extLst>
       <p:ext uri="{BB962C8B-B14F-4D97-AF65-F5344CB8AC3E}">
-        <p14:creationId xmlns:p14="http://schemas.microsoft.com/office/powerpoint/2010/main" val="127837137"/>
+        <p14:creationId xmlns:p14="http://schemas.microsoft.com/office/powerpoint/2010/main" val="2549193430"/>
       </p:ext>
     </p:extLst>
   </p:cSld>
@@ -9514,7 +9667,7 @@
 </p:sld>
 </file>
 
-<file path=ppt/slides/slide18.xml><?xml version="1.0" encoding="utf-8"?>
+<file path=ppt/slides/slide20.xml><?xml version="1.0" encoding="utf-8"?>
 <p:sld xmlns:a="http://schemas.openxmlformats.org/drawingml/2006/main" xmlns:r="http://schemas.openxmlformats.org/officeDocument/2006/relationships" xmlns:p="http://schemas.openxmlformats.org/presentationml/2006/main">
   <p:cSld>
     <p:spTree>
@@ -9942,7 +10095,7 @@
 </p:sld>
 </file>
 
-<file path=ppt/slides/slide19.xml><?xml version="1.0" encoding="utf-8"?>
+<file path=ppt/slides/slide21.xml><?xml version="1.0" encoding="utf-8"?>
 <p:sld xmlns:a="http://schemas.openxmlformats.org/drawingml/2006/main" xmlns:r="http://schemas.openxmlformats.org/officeDocument/2006/relationships" xmlns:p="http://schemas.openxmlformats.org/presentationml/2006/main">
   <p:cSld>
     <p:bg>
@@ -9967,126 +10120,6 @@
           <a:chExt cx="0" cy="0"/>
         </a:xfrm>
       </p:grpSpPr>
-      <p:pic>
-        <p:nvPicPr>
-          <p:cNvPr id="1026" name="Picture 2" descr="บิ๊กตู่&amp;#39; แถลงการณ์ ลั่นไทยต้องชนะ วอนอย่ากักตุน-วิตกเกินเหตุ ชี้ไม่มีอาการ  ไม่ต้องไปตรวจ">
-            <a:extLst>
-              <a:ext uri="{FF2B5EF4-FFF2-40B4-BE49-F238E27FC236}">
-                <a16:creationId xmlns:a16="http://schemas.microsoft.com/office/drawing/2014/main" id="{CBBEDEDD-2275-4D12-AE44-93C96E5E2E6F}"/>
-              </a:ext>
-            </a:extLst>
-          </p:cNvPr>
-          <p:cNvPicPr>
-            <a:picLocks noChangeAspect="1" noChangeArrowheads="1"/>
-          </p:cNvPicPr>
-          <p:nvPr/>
-        </p:nvPicPr>
-        <p:blipFill rotWithShape="1">
-          <a:blip r:embed="rId2">
-            <a:alphaModFix amt="30000"/>
-            <a:extLst>
-              <a:ext uri="{28A0092B-C50C-407E-A947-70E740481C1C}">
-                <a14:useLocalDpi xmlns:a14="http://schemas.microsoft.com/office/drawing/2010/main" val="0"/>
-              </a:ext>
-            </a:extLst>
-          </a:blip>
-          <a:srcRect l="19139" t="18410" r="19137" b="19867"/>
-          <a:stretch/>
-        </p:blipFill>
-        <p:spPr bwMode="auto">
-          <a:xfrm>
-            <a:off x="0" y="-1"/>
-            <a:ext cx="12192000" cy="6858001"/>
-          </a:xfrm>
-          <a:prstGeom prst="rect">
-            <a:avLst/>
-          </a:prstGeom>
-          <a:noFill/>
-          <a:extLst>
-            <a:ext uri="{909E8E84-426E-40DD-AFC4-6F175D3DCCD1}">
-              <a14:hiddenFill xmlns:a14="http://schemas.microsoft.com/office/drawing/2010/main">
-                <a:solidFill>
-                  <a:srgbClr val="FFFFFF"/>
-                </a:solidFill>
-              </a14:hiddenFill>
-            </a:ext>
-          </a:extLst>
-        </p:spPr>
-      </p:pic>
-      <p:sp>
-        <p:nvSpPr>
-          <p:cNvPr id="3" name="Rectangle 2">
-            <a:extLst>
-              <a:ext uri="{FF2B5EF4-FFF2-40B4-BE49-F238E27FC236}">
-                <a16:creationId xmlns:a16="http://schemas.microsoft.com/office/drawing/2014/main" id="{062835F2-3546-4248-9C60-D63A8BEEAEFE}"/>
-              </a:ext>
-            </a:extLst>
-          </p:cNvPr>
-          <p:cNvSpPr/>
-          <p:nvPr/>
-        </p:nvSpPr>
-        <p:spPr>
-          <a:xfrm>
-            <a:off x="0" y="0"/>
-            <a:ext cx="12192000" cy="4649002"/>
-          </a:xfrm>
-          <a:prstGeom prst="rect">
-            <a:avLst/>
-          </a:prstGeom>
-          <a:gradFill>
-            <a:gsLst>
-              <a:gs pos="0">
-                <a:schemeClr val="accent1">
-                  <a:lumMod val="5000"/>
-                  <a:lumOff val="95000"/>
-                  <a:alpha val="29000"/>
-                </a:schemeClr>
-              </a:gs>
-              <a:gs pos="61000">
-                <a:schemeClr val="bg1"/>
-              </a:gs>
-              <a:gs pos="83000">
-                <a:schemeClr val="bg1">
-                  <a:alpha val="78000"/>
-                </a:schemeClr>
-              </a:gs>
-              <a:gs pos="100000">
-                <a:schemeClr val="bg1">
-                  <a:alpha val="42000"/>
-                </a:schemeClr>
-              </a:gs>
-            </a:gsLst>
-            <a:lin ang="5400000" scaled="1"/>
-          </a:gradFill>
-          <a:ln>
-            <a:noFill/>
-          </a:ln>
-        </p:spPr>
-        <p:style>
-          <a:lnRef idx="2">
-            <a:schemeClr val="accent1">
-              <a:shade val="50000"/>
-            </a:schemeClr>
-          </a:lnRef>
-          <a:fillRef idx="1">
-            <a:schemeClr val="accent1"/>
-          </a:fillRef>
-          <a:effectRef idx="0">
-            <a:schemeClr val="accent1"/>
-          </a:effectRef>
-          <a:fontRef idx="minor">
-            <a:schemeClr val="lt1"/>
-          </a:fontRef>
-        </p:style>
-        <p:txBody>
-          <a:bodyPr rtlCol="0" anchor="ctr"/>
-          <a:lstStyle/>
-          <a:p>
-            <a:pPr algn="ctr"/>
-            <a:endParaRPr lang="en-US"/>
-          </a:p>
-        </p:txBody>
-      </p:sp>
       <p:sp>
         <p:nvSpPr>
           <p:cNvPr id="2" name="Title 1">
@@ -10170,171 +10203,6 @@
     <p:extLst>
       <p:ext uri="{BB962C8B-B14F-4D97-AF65-F5344CB8AC3E}">
         <p14:creationId xmlns:p14="http://schemas.microsoft.com/office/powerpoint/2010/main" val="596697024"/>
-      </p:ext>
-    </p:extLst>
-  </p:cSld>
-  <p:clrMapOvr>
-    <a:masterClrMapping/>
-  </p:clrMapOvr>
-</p:sld>
-</file>
-
-<file path=ppt/slides/slide2.xml><?xml version="1.0" encoding="utf-8"?>
-<p:sld xmlns:a="http://schemas.openxmlformats.org/drawingml/2006/main" xmlns:r="http://schemas.openxmlformats.org/officeDocument/2006/relationships" xmlns:p="http://schemas.openxmlformats.org/presentationml/2006/main">
-  <p:cSld>
-    <p:spTree>
-      <p:nvGrpSpPr>
-        <p:cNvPr id="1" name=""/>
-        <p:cNvGrpSpPr/>
-        <p:nvPr/>
-      </p:nvGrpSpPr>
-      <p:grpSpPr>
-        <a:xfrm>
-          <a:off x="0" y="0"/>
-          <a:ext cx="0" cy="0"/>
-          <a:chOff x="0" y="0"/>
-          <a:chExt cx="0" cy="0"/>
-        </a:xfrm>
-      </p:grpSpPr>
-      <p:sp>
-        <p:nvSpPr>
-          <p:cNvPr id="2" name="Title 1">
-            <a:extLst>
-              <a:ext uri="{FF2B5EF4-FFF2-40B4-BE49-F238E27FC236}">
-                <a16:creationId xmlns:a16="http://schemas.microsoft.com/office/drawing/2014/main" id="{B0DB5CBE-DFFA-4432-92F8-5639FE300EE5}"/>
-              </a:ext>
-            </a:extLst>
-          </p:cNvPr>
-          <p:cNvSpPr>
-            <a:spLocks noGrp="1"/>
-          </p:cNvSpPr>
-          <p:nvPr>
-            <p:ph type="title"/>
-          </p:nvPr>
-        </p:nvSpPr>
-        <p:spPr/>
-        <p:txBody>
-          <a:bodyPr/>
-          <a:lstStyle/>
-          <a:p>
-            <a:r>
-              <a:rPr lang="en-US" dirty="0"/>
-              <a:t>Overview</a:t>
-            </a:r>
-          </a:p>
-        </p:txBody>
-      </p:sp>
-      <p:sp>
-        <p:nvSpPr>
-          <p:cNvPr id="3" name="Content Placeholder 2">
-            <a:extLst>
-              <a:ext uri="{FF2B5EF4-FFF2-40B4-BE49-F238E27FC236}">
-                <a16:creationId xmlns:a16="http://schemas.microsoft.com/office/drawing/2014/main" id="{D6497D47-5F29-4EDD-853A-BFE2A01FF6FF}"/>
-              </a:ext>
-            </a:extLst>
-          </p:cNvPr>
-          <p:cNvSpPr>
-            <a:spLocks noGrp="1"/>
-          </p:cNvSpPr>
-          <p:nvPr>
-            <p:ph idx="1"/>
-          </p:nvPr>
-        </p:nvSpPr>
-        <p:spPr/>
-        <p:txBody>
-          <a:bodyPr>
-            <a:normAutofit/>
-          </a:bodyPr>
-          <a:lstStyle/>
-          <a:p>
-            <a:r>
-              <a:rPr lang="en-US" dirty="0"/>
-              <a:t>Key facts</a:t>
-            </a:r>
-          </a:p>
-          <a:p>
-            <a:pPr marL="457200" lvl="1" indent="0">
-              <a:buNone/>
-            </a:pPr>
-            <a:r>
-              <a:rPr lang="en-US" dirty="0"/>
-              <a:t>⚠ The infection causes flu-like illness, and occasionally develops into a potentially lethal.</a:t>
-            </a:r>
-            <a:endParaRPr lang="en-US" dirty="0">
-              <a:latin typeface="Times New Roman" panose="02020603050405020304" pitchFamily="18" charset="0"/>
-              <a:cs typeface="Times New Roman" panose="02020603050405020304" pitchFamily="18" charset="0"/>
-            </a:endParaRPr>
-          </a:p>
-          <a:p>
-            <a:pPr marL="457200" lvl="1" indent="0">
-              <a:buNone/>
-            </a:pPr>
-            <a:r>
-              <a:rPr lang="en-US" dirty="0"/>
-              <a:t>⚠</a:t>
-            </a:r>
-            <a:r>
-              <a:rPr lang="en-US" b="0" i="0" dirty="0">
-                <a:effectLst/>
-              </a:rPr>
-              <a:t> There is no specific treatment for dengue, </a:t>
-            </a:r>
-            <a:r>
-              <a:rPr lang="en-US" b="0" dirty="0">
-                <a:effectLst/>
-                <a:latin typeface="+mj-lt"/>
-              </a:rPr>
-              <a:t>but early detection and access to proper medical care </a:t>
-            </a:r>
-            <a:r>
-              <a:rPr lang="en-US" b="0" i="0" dirty="0">
-                <a:effectLst/>
-              </a:rPr>
-              <a:t>lowers fatality rates below 1%.</a:t>
-            </a:r>
-            <a:endParaRPr lang="en-US" sz="1600" dirty="0">
-              <a:latin typeface="Times New Roman" panose="02020603050405020304" pitchFamily="18" charset="0"/>
-              <a:cs typeface="Times New Roman" panose="02020603050405020304" pitchFamily="18" charset="0"/>
-            </a:endParaRPr>
-          </a:p>
-          <a:p>
-            <a:r>
-              <a:rPr lang="en-US" dirty="0"/>
-              <a:t>Objectives</a:t>
-            </a:r>
-          </a:p>
-          <a:p>
-            <a:pPr marL="457200" lvl="1" indent="0">
-              <a:buNone/>
-            </a:pPr>
-            <a:r>
-              <a:rPr lang="en-US" dirty="0"/>
-              <a:t>🔮 To predict the number of</a:t>
-            </a:r>
-            <a:r>
-              <a:rPr lang="th-TH" dirty="0"/>
-              <a:t> </a:t>
-            </a:r>
-            <a:r>
-              <a:rPr lang="en-US" dirty="0"/>
-              <a:t>patients by temperature, rainfall, humidity.</a:t>
-            </a:r>
-          </a:p>
-          <a:p>
-            <a:pPr marL="457200" lvl="1" indent="0">
-              <a:buNone/>
-            </a:pPr>
-            <a:r>
-              <a:rPr lang="en-US" dirty="0"/>
-              <a:t>📊 To visualize information that is relevant to the data.</a:t>
-            </a:r>
-          </a:p>
-        </p:txBody>
-      </p:sp>
-    </p:spTree>
-    <p:extLst>
-      <p:ext uri="{BB962C8B-B14F-4D97-AF65-F5344CB8AC3E}">
-        <p14:creationId xmlns:p14="http://schemas.microsoft.com/office/powerpoint/2010/main" val="2549193430"/>
       </p:ext>
     </p:extLst>
   </p:cSld>
@@ -10781,7 +10649,7 @@
           <a:p>
             <a:r>
               <a:rPr lang="en-US" sz="4000" dirty="0"/>
-              <a:t>Temperature 🌡</a:t>
+              <a:t>Temperature</a:t>
             </a:r>
           </a:p>
         </p:txBody>
@@ -10899,42 +10767,43 @@
           <a:p>
             <a:r>
               <a:rPr lang="en-US" dirty="0"/>
-              <a:t>Rainfall</a:t>
+              <a:t>Rainfall 🌧</a:t>
             </a:r>
           </a:p>
         </p:txBody>
       </p:sp>
-      <p:graphicFrame>
-        <p:nvGraphicFramePr>
-          <p:cNvPr id="24" name="Content Placeholder 23">
+      <p:pic>
+        <p:nvPicPr>
+          <p:cNvPr id="16" name="Content Placeholder 15">
             <a:extLst>
               <a:ext uri="{FF2B5EF4-FFF2-40B4-BE49-F238E27FC236}">
-                <a16:creationId xmlns:a16="http://schemas.microsoft.com/office/drawing/2014/main" id="{417523C1-FC67-4DFF-9443-0BE7AE37BA8A}"/>
+                <a16:creationId xmlns:a16="http://schemas.microsoft.com/office/drawing/2014/main" id="{FAE2D146-BC5E-43C9-AEBE-0FAF0F2AD26E}"/>
               </a:ext>
             </a:extLst>
           </p:cNvPr>
-          <p:cNvGraphicFramePr>
-            <a:graphicFrameLocks noGrp="1"/>
-          </p:cNvGraphicFramePr>
+          <p:cNvPicPr>
+            <a:picLocks noGrp="1" noChangeAspect="1"/>
+          </p:cNvPicPr>
           <p:nvPr>
             <p:ph idx="1"/>
-            <p:extLst>
-              <p:ext uri="{D42A27DB-BD31-4B8C-83A1-F6EECF244321}">
-                <p14:modId xmlns:p14="http://schemas.microsoft.com/office/powerpoint/2010/main" val="2084959747"/>
-              </p:ext>
-            </p:extLst>
           </p:nvPr>
-        </p:nvGraphicFramePr>
-        <p:xfrm>
-          <a:off x="838200" y="1825625"/>
-          <a:ext cx="10515600" cy="4351338"/>
-        </p:xfrm>
-        <a:graphic>
-          <a:graphicData uri="http://schemas.openxmlformats.org/drawingml/2006/chart">
-            <c:chart xmlns:c="http://schemas.openxmlformats.org/drawingml/2006/chart" xmlns:r="http://schemas.openxmlformats.org/officeDocument/2006/relationships" r:id="rId2"/>
-          </a:graphicData>
-        </a:graphic>
-      </p:graphicFrame>
+        </p:nvPicPr>
+        <p:blipFill>
+          <a:blip r:embed="rId2"/>
+          <a:stretch>
+            <a:fillRect/>
+          </a:stretch>
+        </p:blipFill>
+        <p:spPr>
+          <a:xfrm>
+            <a:off x="839657" y="1825625"/>
+            <a:ext cx="10512686" cy="4351338"/>
+          </a:xfrm>
+          <a:prstGeom prst="rect">
+            <a:avLst/>
+          </a:prstGeom>
+        </p:spPr>
+      </p:pic>
     </p:spTree>
     <p:extLst>
       <p:ext uri="{BB962C8B-B14F-4D97-AF65-F5344CB8AC3E}">

--- a/Presentation.pptx
+++ b/Presentation.pptx
@@ -8,24 +8,30 @@
     <p:sldId id="256" r:id="rId2"/>
     <p:sldId id="257" r:id="rId3"/>
     <p:sldId id="276" r:id="rId4"/>
-    <p:sldId id="268" r:id="rId5"/>
-    <p:sldId id="267" r:id="rId6"/>
+    <p:sldId id="267" r:id="rId5"/>
+    <p:sldId id="268" r:id="rId6"/>
     <p:sldId id="280" r:id="rId7"/>
-    <p:sldId id="271" r:id="rId8"/>
-    <p:sldId id="274" r:id="rId9"/>
-    <p:sldId id="275" r:id="rId10"/>
-    <p:sldId id="272" r:id="rId11"/>
-    <p:sldId id="266" r:id="rId12"/>
-    <p:sldId id="273" r:id="rId13"/>
+    <p:sldId id="266" r:id="rId8"/>
+    <p:sldId id="271" r:id="rId9"/>
+    <p:sldId id="274" r:id="rId10"/>
+    <p:sldId id="285" r:id="rId11"/>
+    <p:sldId id="275" r:id="rId12"/>
+    <p:sldId id="290" r:id="rId13"/>
     <p:sldId id="283" r:id="rId14"/>
-    <p:sldId id="264" r:id="rId15"/>
-    <p:sldId id="284" r:id="rId16"/>
-    <p:sldId id="269" r:id="rId17"/>
-    <p:sldId id="281" r:id="rId18"/>
-    <p:sldId id="262" r:id="rId19"/>
-    <p:sldId id="282" r:id="rId20"/>
-    <p:sldId id="258" r:id="rId21"/>
-    <p:sldId id="278" r:id="rId22"/>
+    <p:sldId id="291" r:id="rId15"/>
+    <p:sldId id="294" r:id="rId16"/>
+    <p:sldId id="264" r:id="rId17"/>
+    <p:sldId id="284" r:id="rId18"/>
+    <p:sldId id="269" r:id="rId19"/>
+    <p:sldId id="281" r:id="rId20"/>
+    <p:sldId id="286" r:id="rId21"/>
+    <p:sldId id="288" r:id="rId22"/>
+    <p:sldId id="287" r:id="rId23"/>
+    <p:sldId id="289" r:id="rId24"/>
+    <p:sldId id="282" r:id="rId25"/>
+    <p:sldId id="262" r:id="rId26"/>
+    <p:sldId id="258" r:id="rId27"/>
+    <p:sldId id="278" r:id="rId28"/>
   </p:sldIdLst>
   <p:sldSz cx="12192000" cy="6858000"/>
   <p:notesSz cx="6858000" cy="9144000"/>
@@ -157,7 +163,34 @@
     </mc:Fallback>
   </mc:AlternateContent>
   <c:chart>
-    <c:autoTitleDeleted val="1"/>
+    <c:title>
+      <c:overlay val="0"/>
+      <c:spPr>
+        <a:noFill/>
+        <a:ln>
+          <a:noFill/>
+        </a:ln>
+        <a:effectLst/>
+      </c:spPr>
+      <c:txPr>
+        <a:bodyPr rot="0" spcFirstLastPara="1" vertOverflow="ellipsis" vert="horz" wrap="square" anchor="ctr" anchorCtr="1"/>
+        <a:lstStyle/>
+        <a:p>
+          <a:pPr>
+            <a:defRPr sz="1680" b="0" i="0" u="none" strike="noStrike" kern="1200" spc="0" baseline="0">
+              <a:solidFill>
+                <a:schemeClr val="tx1"/>
+              </a:solidFill>
+              <a:latin typeface="+mn-lt"/>
+              <a:ea typeface="+mn-ea"/>
+              <a:cs typeface="+mn-cs"/>
+            </a:defRPr>
+          </a:pPr>
+          <a:endParaRPr lang="en-US"/>
+        </a:p>
+      </c:txPr>
+    </c:title>
+    <c:autoTitleDeleted val="0"/>
     <c:plotArea>
       <c:layout/>
       <c:barChart>
@@ -165,25 +198,22 @@
         <c:grouping val="clustered"/>
         <c:varyColors val="0"/>
         <c:ser>
-          <c:idx val="1"/>
-          <c:order val="1"/>
+          <c:idx val="0"/>
+          <c:order val="0"/>
           <c:tx>
             <c:strRef>
-              <c:f>Sheet2!$C$1</c:f>
+              <c:f>Sheet1!$B$1</c:f>
               <c:strCache>
                 <c:ptCount val="1"/>
                 <c:pt idx="0">
-                  <c:v>Patient</c:v>
+                  <c:v>R2 Score (Test)</c:v>
                 </c:pt>
               </c:strCache>
             </c:strRef>
           </c:tx>
           <c:spPr>
             <a:solidFill>
-              <a:schemeClr val="tx1">
-                <a:lumMod val="50000"/>
-                <a:lumOff val="50000"/>
-              </a:schemeClr>
+              <a:schemeClr val="accent1"/>
             </a:solidFill>
             <a:ln>
               <a:noFill/>
@@ -191,169 +221,186 @@
             <a:effectLst/>
           </c:spPr>
           <c:invertIfNegative val="0"/>
+          <c:dPt>
+            <c:idx val="4"/>
+            <c:invertIfNegative val="0"/>
+            <c:bubble3D val="0"/>
+            <c:spPr>
+              <a:solidFill>
+                <a:srgbClr val="00B050"/>
+              </a:solidFill>
+              <a:ln>
+                <a:noFill/>
+              </a:ln>
+              <a:effectLst/>
+            </c:spPr>
+            <c:extLst>
+              <c:ext xmlns:c16="http://schemas.microsoft.com/office/drawing/2014/chart" uri="{C3380CC4-5D6E-409C-BE32-E72D297353CC}">
+                <c16:uniqueId val="{00000004-2D5C-473B-AC23-96D652449C21}"/>
+              </c:ext>
+            </c:extLst>
+          </c:dPt>
+          <c:dLbls>
+            <c:dLbl>
+              <c:idx val="4"/>
+              <c:spPr>
+                <a:noFill/>
+                <a:ln>
+                  <a:noFill/>
+                </a:ln>
+                <a:effectLst/>
+              </c:spPr>
+              <c:txPr>
+                <a:bodyPr rot="0" spcFirstLastPara="1" vertOverflow="ellipsis" vert="horz" wrap="square" anchor="ctr" anchorCtr="1"/>
+                <a:lstStyle/>
+                <a:p>
+                  <a:pPr>
+                    <a:defRPr sz="1800" b="0" i="0" u="none" strike="noStrike" kern="1200" baseline="0">
+                      <a:solidFill>
+                        <a:schemeClr val="tx1"/>
+                      </a:solidFill>
+                      <a:latin typeface="+mn-lt"/>
+                      <a:ea typeface="+mn-ea"/>
+                      <a:cs typeface="+mn-cs"/>
+                    </a:defRPr>
+                  </a:pPr>
+                  <a:endParaRPr lang="en-US"/>
+                </a:p>
+              </c:txPr>
+              <c:dLblPos val="outEnd"/>
+              <c:showLegendKey val="0"/>
+              <c:showVal val="1"/>
+              <c:showCatName val="0"/>
+              <c:showSerName val="0"/>
+              <c:showPercent val="0"/>
+              <c:showBubbleSize val="0"/>
+              <c:extLst>
+                <c:ext xmlns:c16="http://schemas.microsoft.com/office/drawing/2014/chart" uri="{C3380CC4-5D6E-409C-BE32-E72D297353CC}">
+                  <c16:uniqueId val="{00000004-2D5C-473B-AC23-96D652449C21}"/>
+                </c:ext>
+              </c:extLst>
+            </c:dLbl>
+            <c:spPr>
+              <a:noFill/>
+              <a:ln>
+                <a:noFill/>
+              </a:ln>
+              <a:effectLst/>
+            </c:spPr>
+            <c:txPr>
+              <a:bodyPr rot="0" spcFirstLastPara="1" vertOverflow="ellipsis" vert="horz" wrap="square" anchor="ctr" anchorCtr="1"/>
+              <a:lstStyle/>
+              <a:p>
+                <a:pPr>
+                  <a:defRPr sz="1400" b="0" i="0" u="none" strike="noStrike" kern="1200" baseline="0">
+                    <a:solidFill>
+                      <a:schemeClr val="tx1"/>
+                    </a:solidFill>
+                    <a:latin typeface="+mn-lt"/>
+                    <a:ea typeface="+mn-ea"/>
+                    <a:cs typeface="+mn-cs"/>
+                  </a:defRPr>
+                </a:pPr>
+                <a:endParaRPr lang="en-US"/>
+              </a:p>
+            </c:txPr>
+            <c:dLblPos val="outEnd"/>
+            <c:showLegendKey val="0"/>
+            <c:showVal val="1"/>
+            <c:showCatName val="0"/>
+            <c:showSerName val="0"/>
+            <c:showPercent val="0"/>
+            <c:showBubbleSize val="0"/>
+            <c:showLeaderLines val="0"/>
+            <c:extLst>
+              <c:ext xmlns:c15="http://schemas.microsoft.com/office/drawing/2012/chart" uri="{CE6537A1-D6FC-4f65-9D91-7224C49458BB}">
+                <c15:showLeaderLines val="1"/>
+                <c15:leaderLines>
+                  <c:spPr>
+                    <a:ln w="9525" cap="flat" cmpd="sng" algn="ctr">
+                      <a:solidFill>
+                        <a:schemeClr val="tx1">
+                          <a:lumMod val="35000"/>
+                          <a:lumOff val="65000"/>
+                        </a:schemeClr>
+                      </a:solidFill>
+                      <a:round/>
+                    </a:ln>
+                    <a:effectLst/>
+                  </c:spPr>
+                </c15:leaderLines>
+              </c:ext>
+            </c:extLst>
+          </c:dLbls>
           <c:cat>
             <c:strRef>
-              <c:f>Sheet2!$A$2:$A$6</c:f>
+              <c:f>Sheet1!$A$2:$A$6</c:f>
               <c:strCache>
                 <c:ptCount val="5"/>
                 <c:pt idx="0">
-                  <c:v>Nakornrachasima</c:v>
+                  <c:v>Linear Regression (original)</c:v>
                 </c:pt>
                 <c:pt idx="1">
-                  <c:v>Konkean</c:v>
+                  <c:v>Repeat K-foldsCross-Validation</c:v>
                 </c:pt>
                 <c:pt idx="2">
-                  <c:v>Trang</c:v>
+                  <c:v>Recursive Feature Elimination (RFE)</c:v>
                 </c:pt>
                 <c:pt idx="3">
-                  <c:v>Mahasarakarm</c:v>
+                  <c:v>Grid Search CV</c:v>
                 </c:pt>
                 <c:pt idx="4">
-                  <c:v>Puket</c:v>
+                  <c:v>Polynomial Regression</c:v>
                 </c:pt>
               </c:strCache>
             </c:strRef>
           </c:cat>
           <c:val>
             <c:numRef>
-              <c:f>Sheet2!$C$2:$C$6</c:f>
+              <c:f>Sheet1!$B$2:$B$6</c:f>
               <c:numCache>
                 <c:formatCode>General</c:formatCode>
                 <c:ptCount val="5"/>
                 <c:pt idx="0">
-                  <c:v>6991</c:v>
+                  <c:v>49</c:v>
                 </c:pt>
                 <c:pt idx="1">
-                  <c:v>4595</c:v>
+                  <c:v>52</c:v>
                 </c:pt>
                 <c:pt idx="2">
-                  <c:v>3211</c:v>
+                  <c:v>52</c:v>
                 </c:pt>
                 <c:pt idx="3">
-                  <c:v>2509</c:v>
+                  <c:v>55</c:v>
                 </c:pt>
                 <c:pt idx="4">
-                  <c:v>510</c:v>
+                  <c:v>78</c:v>
                 </c:pt>
               </c:numCache>
             </c:numRef>
           </c:val>
           <c:extLst>
             <c:ext xmlns:c16="http://schemas.microsoft.com/office/drawing/2014/chart" uri="{C3380CC4-5D6E-409C-BE32-E72D297353CC}">
-              <c16:uniqueId val="{00000000-6F55-4CE4-8994-12EE33695E5E}"/>
+              <c16:uniqueId val="{00000000-2D5C-473B-AC23-96D652449C21}"/>
             </c:ext>
           </c:extLst>
         </c:ser>
         <c:dLbls>
+          <c:dLblPos val="outEnd"/>
           <c:showLegendKey val="0"/>
-          <c:showVal val="0"/>
+          <c:showVal val="1"/>
           <c:showCatName val="0"/>
           <c:showSerName val="0"/>
           <c:showPercent val="0"/>
           <c:showBubbleSize val="0"/>
         </c:dLbls>
         <c:gapWidth val="219"/>
-        <c:axId val="1740297599"/>
-        <c:axId val="1740298431"/>
+        <c:overlap val="-27"/>
+        <c:axId val="537455615"/>
+        <c:axId val="537453535"/>
       </c:barChart>
-      <c:lineChart>
-        <c:grouping val="standard"/>
-        <c:varyColors val="0"/>
-        <c:ser>
-          <c:idx val="0"/>
-          <c:order val="0"/>
-          <c:tx>
-            <c:strRef>
-              <c:f>Sheet2!$B$1</c:f>
-              <c:strCache>
-                <c:ptCount val="1"/>
-                <c:pt idx="0">
-                  <c:v>Rainfall</c:v>
-                </c:pt>
-              </c:strCache>
-            </c:strRef>
-          </c:tx>
-          <c:spPr>
-            <a:ln w="28575" cap="rnd">
-              <a:solidFill>
-                <a:schemeClr val="accent1"/>
-              </a:solidFill>
-              <a:round/>
-            </a:ln>
-            <a:effectLst/>
-          </c:spPr>
-          <c:marker>
-            <c:symbol val="none"/>
-          </c:marker>
-          <c:cat>
-            <c:strRef>
-              <c:f>Sheet2!$A$2:$A$6</c:f>
-              <c:strCache>
-                <c:ptCount val="5"/>
-                <c:pt idx="0">
-                  <c:v>Nakornrachasima</c:v>
-                </c:pt>
-                <c:pt idx="1">
-                  <c:v>Konkean</c:v>
-                </c:pt>
-                <c:pt idx="2">
-                  <c:v>Trang</c:v>
-                </c:pt>
-                <c:pt idx="3">
-                  <c:v>Mahasarakarm</c:v>
-                </c:pt>
-                <c:pt idx="4">
-                  <c:v>Puket</c:v>
-                </c:pt>
-              </c:strCache>
-            </c:strRef>
-          </c:cat>
-          <c:val>
-            <c:numRef>
-              <c:f>Sheet2!$B$2:$B$6</c:f>
-              <c:numCache>
-                <c:formatCode>General</c:formatCode>
-                <c:ptCount val="5"/>
-                <c:pt idx="0">
-                  <c:v>114</c:v>
-                </c:pt>
-                <c:pt idx="1">
-                  <c:v>110</c:v>
-                </c:pt>
-                <c:pt idx="2">
-                  <c:v>192</c:v>
-                </c:pt>
-                <c:pt idx="3">
-                  <c:v>98</c:v>
-                </c:pt>
-                <c:pt idx="4">
-                  <c:v>178</c:v>
-                </c:pt>
-              </c:numCache>
-            </c:numRef>
-          </c:val>
-          <c:smooth val="0"/>
-          <c:extLst>
-            <c:ext xmlns:c16="http://schemas.microsoft.com/office/drawing/2014/chart" uri="{C3380CC4-5D6E-409C-BE32-E72D297353CC}">
-              <c16:uniqueId val="{00000001-6F55-4CE4-8994-12EE33695E5E}"/>
-            </c:ext>
-          </c:extLst>
-        </c:ser>
-        <c:dLbls>
-          <c:showLegendKey val="0"/>
-          <c:showVal val="0"/>
-          <c:showCatName val="0"/>
-          <c:showSerName val="0"/>
-          <c:showPercent val="0"/>
-          <c:showBubbleSize val="0"/>
-        </c:dLbls>
-        <c:marker val="1"/>
-        <c:smooth val="0"/>
-        <c:axId val="1934279039"/>
-        <c:axId val="1809049503"/>
-      </c:lineChart>
       <c:catAx>
-        <c:axId val="1740297599"/>
+        <c:axId val="537455615"/>
         <c:scaling>
           <c:orientation val="minMax"/>
         </c:scaling>
@@ -381,7 +428,7 @@
           <a:lstStyle/>
           <a:p>
             <a:pPr>
-              <a:defRPr sz="1600" b="0" i="0" u="none" strike="noStrike" kern="1200" baseline="0">
+              <a:defRPr sz="1400" b="0" i="0" u="none" strike="noStrike" kern="1200" baseline="0">
                 <a:solidFill>
                   <a:schemeClr val="tx1"/>
                 </a:solidFill>
@@ -393,7 +440,7 @@
             <a:endParaRPr lang="en-US"/>
           </a:p>
         </c:txPr>
-        <c:crossAx val="1740298431"/>
+        <c:crossAx val="537453535"/>
         <c:crosses val="autoZero"/>
         <c:auto val="1"/>
         <c:lblAlgn val="ctr"/>
@@ -401,26 +448,12 @@
         <c:noMultiLvlLbl val="0"/>
       </c:catAx>
       <c:valAx>
-        <c:axId val="1740298431"/>
+        <c:axId val="537453535"/>
         <c:scaling>
           <c:orientation val="minMax"/>
         </c:scaling>
         <c:delete val="0"/>
         <c:axPos val="l"/>
-        <c:majorGridlines>
-          <c:spPr>
-            <a:ln w="9525" cap="flat" cmpd="sng" algn="ctr">
-              <a:solidFill>
-                <a:schemeClr val="tx1">
-                  <a:lumMod val="15000"/>
-                  <a:lumOff val="85000"/>
-                </a:schemeClr>
-              </a:solidFill>
-              <a:round/>
-            </a:ln>
-            <a:effectLst/>
-          </c:spPr>
-        </c:majorGridlines>
         <c:numFmt formatCode="General" sourceLinked="1"/>
         <c:majorTickMark val="none"/>
         <c:minorTickMark val="none"/>
@@ -437,7 +470,7 @@
           <a:lstStyle/>
           <a:p>
             <a:pPr>
-              <a:defRPr sz="1600" b="0" i="0" u="none" strike="noStrike" kern="1200" baseline="0">
+              <a:defRPr sz="1400" b="0" i="0" u="none" strike="noStrike" kern="1200" baseline="0">
                 <a:solidFill>
                   <a:schemeClr val="tx1"/>
                 </a:solidFill>
@@ -449,17 +482,459 @@
             <a:endParaRPr lang="en-US"/>
           </a:p>
         </c:txPr>
-        <c:crossAx val="1740297599"/>
+        <c:crossAx val="537455615"/>
         <c:crosses val="autoZero"/>
         <c:crossBetween val="between"/>
       </c:valAx>
-      <c:valAx>
-        <c:axId val="1809049503"/>
+      <c:spPr>
+        <a:noFill/>
+        <a:ln>
+          <a:noFill/>
+        </a:ln>
+        <a:effectLst/>
+      </c:spPr>
+    </c:plotArea>
+    <c:plotVisOnly val="1"/>
+    <c:dispBlanksAs val="gap"/>
+    <c:extLst>
+      <c:ext xmlns:c16r3="http://schemas.microsoft.com/office/drawing/2017/03/chart" uri="{56B9EC1D-385E-4148-901F-78D8002777C0}">
+        <c16r3:dataDisplayOptions16>
+          <c16r3:dispNaAsBlank val="1"/>
+        </c16r3:dataDisplayOptions16>
+      </c:ext>
+    </c:extLst>
+    <c:showDLblsOverMax val="0"/>
+  </c:chart>
+  <c:spPr>
+    <a:noFill/>
+    <a:ln>
+      <a:noFill/>
+    </a:ln>
+    <a:effectLst/>
+  </c:spPr>
+  <c:txPr>
+    <a:bodyPr/>
+    <a:lstStyle/>
+    <a:p>
+      <a:pPr>
+        <a:defRPr sz="1400">
+          <a:solidFill>
+            <a:schemeClr val="tx1"/>
+          </a:solidFill>
+        </a:defRPr>
+      </a:pPr>
+      <a:endParaRPr lang="en-US"/>
+    </a:p>
+  </c:txPr>
+  <c:externalData r:id="rId3">
+    <c:autoUpdate val="0"/>
+  </c:externalData>
+</c:chartSpace>
+</file>
+
+<file path=ppt/charts/chart2.xml><?xml version="1.0" encoding="utf-8"?>
+<c:chartSpace xmlns:c="http://schemas.openxmlformats.org/drawingml/2006/chart" xmlns:a="http://schemas.openxmlformats.org/drawingml/2006/main" xmlns:r="http://schemas.openxmlformats.org/officeDocument/2006/relationships" xmlns:c16r2="http://schemas.microsoft.com/office/drawing/2015/06/chart">
+  <c:date1904 val="0"/>
+  <c:lang val="en-US"/>
+  <c:roundedCorners val="0"/>
+  <mc:AlternateContent xmlns:mc="http://schemas.openxmlformats.org/markup-compatibility/2006">
+    <mc:Choice xmlns:c14="http://schemas.microsoft.com/office/drawing/2007/8/2/chart" Requires="c14">
+      <c14:style val="103"/>
+    </mc:Choice>
+    <mc:Fallback>
+      <c:style val="3"/>
+    </mc:Fallback>
+  </mc:AlternateContent>
+  <c:chart>
+    <c:title>
+      <c:tx>
+        <c:rich>
+          <a:bodyPr rot="0" spcFirstLastPara="1" vertOverflow="ellipsis" vert="horz" wrap="square" anchor="ctr" anchorCtr="1"/>
+          <a:lstStyle/>
+          <a:p>
+            <a:pPr>
+              <a:defRPr sz="1440" b="0" i="0" u="none" strike="noStrike" kern="1200" spc="0" baseline="0">
+                <a:solidFill>
+                  <a:schemeClr val="tx1"/>
+                </a:solidFill>
+                <a:latin typeface="+mn-lt"/>
+                <a:ea typeface="+mn-ea"/>
+                <a:cs typeface="+mn-cs"/>
+              </a:defRPr>
+            </a:pPr>
+            <a:r>
+              <a:rPr lang="en-US"/>
+              <a:t>RMSE and MAE Score</a:t>
+            </a:r>
+          </a:p>
+        </c:rich>
+      </c:tx>
+      <c:overlay val="0"/>
+      <c:spPr>
+        <a:noFill/>
+        <a:ln>
+          <a:noFill/>
+        </a:ln>
+        <a:effectLst/>
+      </c:spPr>
+      <c:txPr>
+        <a:bodyPr rot="0" spcFirstLastPara="1" vertOverflow="ellipsis" vert="horz" wrap="square" anchor="ctr" anchorCtr="1"/>
+        <a:lstStyle/>
+        <a:p>
+          <a:pPr>
+            <a:defRPr sz="1440" b="0" i="0" u="none" strike="noStrike" kern="1200" spc="0" baseline="0">
+              <a:solidFill>
+                <a:schemeClr val="tx1"/>
+              </a:solidFill>
+              <a:latin typeface="+mn-lt"/>
+              <a:ea typeface="+mn-ea"/>
+              <a:cs typeface="+mn-cs"/>
+            </a:defRPr>
+          </a:pPr>
+          <a:endParaRPr lang="en-US"/>
+        </a:p>
+      </c:txPr>
+    </c:title>
+    <c:autoTitleDeleted val="0"/>
+    <c:plotArea>
+      <c:layout/>
+      <c:barChart>
+        <c:barDir val="col"/>
+        <c:grouping val="clustered"/>
+        <c:varyColors val="0"/>
+        <c:ser>
+          <c:idx val="0"/>
+          <c:order val="0"/>
+          <c:tx>
+            <c:strRef>
+              <c:f>Sheet1!$B$1</c:f>
+              <c:strCache>
+                <c:ptCount val="1"/>
+                <c:pt idx="0">
+                  <c:v>RMSE</c:v>
+                </c:pt>
+              </c:strCache>
+            </c:strRef>
+          </c:tx>
+          <c:spPr>
+            <a:solidFill>
+              <a:schemeClr val="accent1">
+                <a:shade val="76000"/>
+              </a:schemeClr>
+            </a:solidFill>
+            <a:ln>
+              <a:noFill/>
+            </a:ln>
+            <a:effectLst/>
+          </c:spPr>
+          <c:invertIfNegative val="0"/>
+          <c:dLbls>
+            <c:spPr>
+              <a:noFill/>
+              <a:ln>
+                <a:noFill/>
+              </a:ln>
+              <a:effectLst/>
+            </c:spPr>
+            <c:txPr>
+              <a:bodyPr rot="0" spcFirstLastPara="1" vertOverflow="ellipsis" vert="horz" wrap="square" anchor="ctr" anchorCtr="1"/>
+              <a:lstStyle/>
+              <a:p>
+                <a:pPr>
+                  <a:defRPr sz="1200" b="0" i="0" u="none" strike="noStrike" kern="1200" baseline="0">
+                    <a:solidFill>
+                      <a:schemeClr val="tx1"/>
+                    </a:solidFill>
+                    <a:latin typeface="+mn-lt"/>
+                    <a:ea typeface="+mn-ea"/>
+                    <a:cs typeface="+mn-cs"/>
+                  </a:defRPr>
+                </a:pPr>
+                <a:endParaRPr lang="en-US"/>
+              </a:p>
+            </c:txPr>
+            <c:dLblPos val="outEnd"/>
+            <c:showLegendKey val="0"/>
+            <c:showVal val="1"/>
+            <c:showCatName val="0"/>
+            <c:showSerName val="0"/>
+            <c:showPercent val="0"/>
+            <c:showBubbleSize val="0"/>
+            <c:showLeaderLines val="0"/>
+            <c:extLst>
+              <c:ext xmlns:c15="http://schemas.microsoft.com/office/drawing/2012/chart" uri="{CE6537A1-D6FC-4f65-9D91-7224C49458BB}">
+                <c15:showLeaderLines val="1"/>
+                <c15:leaderLines>
+                  <c:spPr>
+                    <a:ln w="9525" cap="flat" cmpd="sng" algn="ctr">
+                      <a:solidFill>
+                        <a:schemeClr val="tx1">
+                          <a:lumMod val="35000"/>
+                          <a:lumOff val="65000"/>
+                        </a:schemeClr>
+                      </a:solidFill>
+                      <a:round/>
+                    </a:ln>
+                    <a:effectLst/>
+                  </c:spPr>
+                </c15:leaderLines>
+              </c:ext>
+            </c:extLst>
+          </c:dLbls>
+          <c:cat>
+            <c:strRef>
+              <c:f>Sheet1!$A$2:$A$6</c:f>
+              <c:strCache>
+                <c:ptCount val="5"/>
+                <c:pt idx="0">
+                  <c:v>Linear Regression (original)</c:v>
+                </c:pt>
+                <c:pt idx="1">
+                  <c:v>Repeat K-foldsCross-Validation</c:v>
+                </c:pt>
+                <c:pt idx="2">
+                  <c:v>Recursive Feature Elimination (RFE)</c:v>
+                </c:pt>
+                <c:pt idx="3">
+                  <c:v>Grid Search CV</c:v>
+                </c:pt>
+                <c:pt idx="4">
+                  <c:v>Polynomial Regression</c:v>
+                </c:pt>
+              </c:strCache>
+            </c:strRef>
+          </c:cat>
+          <c:val>
+            <c:numRef>
+              <c:f>Sheet1!$B$2:$B$6</c:f>
+              <c:numCache>
+                <c:formatCode>General</c:formatCode>
+                <c:ptCount val="5"/>
+                <c:pt idx="0">
+                  <c:v>812.88</c:v>
+                </c:pt>
+                <c:pt idx="1">
+                  <c:v>975.68</c:v>
+                </c:pt>
+                <c:pt idx="2">
+                  <c:v>970.6</c:v>
+                </c:pt>
+                <c:pt idx="3">
+                  <c:v>864.66</c:v>
+                </c:pt>
+                <c:pt idx="4">
+                  <c:v>753.65</c:v>
+                </c:pt>
+              </c:numCache>
+            </c:numRef>
+          </c:val>
+          <c:extLst>
+            <c:ext xmlns:c16="http://schemas.microsoft.com/office/drawing/2014/chart" uri="{C3380CC4-5D6E-409C-BE32-E72D297353CC}">
+              <c16:uniqueId val="{00000000-C76E-4936-AA2A-CA110DF1EACA}"/>
+            </c:ext>
+          </c:extLst>
+        </c:ser>
+        <c:ser>
+          <c:idx val="1"/>
+          <c:order val="1"/>
+          <c:tx>
+            <c:strRef>
+              <c:f>Sheet1!$C$1</c:f>
+              <c:strCache>
+                <c:ptCount val="1"/>
+                <c:pt idx="0">
+                  <c:v>MAE</c:v>
+                </c:pt>
+              </c:strCache>
+            </c:strRef>
+          </c:tx>
+          <c:spPr>
+            <a:solidFill>
+              <a:schemeClr val="accent1">
+                <a:tint val="77000"/>
+              </a:schemeClr>
+            </a:solidFill>
+            <a:ln>
+              <a:noFill/>
+            </a:ln>
+            <a:effectLst/>
+          </c:spPr>
+          <c:invertIfNegative val="0"/>
+          <c:dLbls>
+            <c:spPr>
+              <a:noFill/>
+              <a:ln>
+                <a:noFill/>
+              </a:ln>
+              <a:effectLst/>
+            </c:spPr>
+            <c:txPr>
+              <a:bodyPr rot="0" spcFirstLastPara="1" vertOverflow="ellipsis" vert="horz" wrap="square" anchor="ctr" anchorCtr="1"/>
+              <a:lstStyle/>
+              <a:p>
+                <a:pPr>
+                  <a:defRPr sz="1200" b="0" i="0" u="none" strike="noStrike" kern="1200" baseline="0">
+                    <a:solidFill>
+                      <a:schemeClr val="tx1"/>
+                    </a:solidFill>
+                    <a:latin typeface="+mn-lt"/>
+                    <a:ea typeface="+mn-ea"/>
+                    <a:cs typeface="+mn-cs"/>
+                  </a:defRPr>
+                </a:pPr>
+                <a:endParaRPr lang="en-US"/>
+              </a:p>
+            </c:txPr>
+            <c:dLblPos val="outEnd"/>
+            <c:showLegendKey val="0"/>
+            <c:showVal val="1"/>
+            <c:showCatName val="0"/>
+            <c:showSerName val="0"/>
+            <c:showPercent val="0"/>
+            <c:showBubbleSize val="0"/>
+            <c:showLeaderLines val="0"/>
+            <c:extLst>
+              <c:ext xmlns:c15="http://schemas.microsoft.com/office/drawing/2012/chart" uri="{CE6537A1-D6FC-4f65-9D91-7224C49458BB}">
+                <c15:showLeaderLines val="1"/>
+                <c15:leaderLines>
+                  <c:spPr>
+                    <a:ln w="9525" cap="flat" cmpd="sng" algn="ctr">
+                      <a:solidFill>
+                        <a:schemeClr val="tx1">
+                          <a:lumMod val="35000"/>
+                          <a:lumOff val="65000"/>
+                        </a:schemeClr>
+                      </a:solidFill>
+                      <a:round/>
+                    </a:ln>
+                    <a:effectLst/>
+                  </c:spPr>
+                </c15:leaderLines>
+              </c:ext>
+            </c:extLst>
+          </c:dLbls>
+          <c:cat>
+            <c:strRef>
+              <c:f>Sheet1!$A$2:$A$6</c:f>
+              <c:strCache>
+                <c:ptCount val="5"/>
+                <c:pt idx="0">
+                  <c:v>Linear Regression (original)</c:v>
+                </c:pt>
+                <c:pt idx="1">
+                  <c:v>Repeat K-foldsCross-Validation</c:v>
+                </c:pt>
+                <c:pt idx="2">
+                  <c:v>Recursive Feature Elimination (RFE)</c:v>
+                </c:pt>
+                <c:pt idx="3">
+                  <c:v>Grid Search CV</c:v>
+                </c:pt>
+                <c:pt idx="4">
+                  <c:v>Polynomial Regression</c:v>
+                </c:pt>
+              </c:strCache>
+            </c:strRef>
+          </c:cat>
+          <c:val>
+            <c:numRef>
+              <c:f>Sheet1!$C$2:$C$6</c:f>
+              <c:numCache>
+                <c:formatCode>General</c:formatCode>
+                <c:ptCount val="5"/>
+                <c:pt idx="0">
+                  <c:v>622</c:v>
+                </c:pt>
+                <c:pt idx="1">
+                  <c:v>671.32</c:v>
+                </c:pt>
+                <c:pt idx="2">
+                  <c:v>605.22</c:v>
+                </c:pt>
+                <c:pt idx="3">
+                  <c:v>601.58000000000004</c:v>
+                </c:pt>
+                <c:pt idx="4">
+                  <c:v>544.95000000000005</c:v>
+                </c:pt>
+              </c:numCache>
+            </c:numRef>
+          </c:val>
+          <c:extLst>
+            <c:ext xmlns:c16="http://schemas.microsoft.com/office/drawing/2014/chart" uri="{C3380CC4-5D6E-409C-BE32-E72D297353CC}">
+              <c16:uniqueId val="{00000001-C76E-4936-AA2A-CA110DF1EACA}"/>
+            </c:ext>
+          </c:extLst>
+        </c:ser>
+        <c:dLbls>
+          <c:dLblPos val="outEnd"/>
+          <c:showLegendKey val="0"/>
+          <c:showVal val="1"/>
+          <c:showCatName val="0"/>
+          <c:showSerName val="0"/>
+          <c:showPercent val="0"/>
+          <c:showBubbleSize val="0"/>
+        </c:dLbls>
+        <c:gapWidth val="219"/>
+        <c:overlap val="-27"/>
+        <c:axId val="623602751"/>
+        <c:axId val="623603167"/>
+      </c:barChart>
+      <c:catAx>
+        <c:axId val="623602751"/>
         <c:scaling>
           <c:orientation val="minMax"/>
         </c:scaling>
         <c:delete val="0"/>
-        <c:axPos val="r"/>
+        <c:axPos val="b"/>
+        <c:numFmt formatCode="General" sourceLinked="1"/>
+        <c:majorTickMark val="out"/>
+        <c:minorTickMark val="none"/>
+        <c:tickLblPos val="nextTo"/>
+        <c:spPr>
+          <a:noFill/>
+          <a:ln w="9525" cap="flat" cmpd="sng" algn="ctr">
+            <a:solidFill>
+              <a:schemeClr val="tx1">
+                <a:lumMod val="15000"/>
+                <a:lumOff val="85000"/>
+              </a:schemeClr>
+            </a:solidFill>
+            <a:round/>
+          </a:ln>
+          <a:effectLst/>
+        </c:spPr>
+        <c:txPr>
+          <a:bodyPr rot="-60000000" spcFirstLastPara="1" vertOverflow="ellipsis" vert="horz" wrap="square" anchor="ctr" anchorCtr="1"/>
+          <a:lstStyle/>
+          <a:p>
+            <a:pPr>
+              <a:defRPr sz="1200" b="0" i="0" u="none" strike="noStrike" kern="1200" baseline="0">
+                <a:solidFill>
+                  <a:schemeClr val="tx1"/>
+                </a:solidFill>
+                <a:latin typeface="+mn-lt"/>
+                <a:ea typeface="+mn-ea"/>
+                <a:cs typeface="+mn-cs"/>
+              </a:defRPr>
+            </a:pPr>
+            <a:endParaRPr lang="en-US"/>
+          </a:p>
+        </c:txPr>
+        <c:crossAx val="623603167"/>
+        <c:crosses val="autoZero"/>
+        <c:auto val="1"/>
+        <c:lblAlgn val="ctr"/>
+        <c:lblOffset val="100"/>
+        <c:noMultiLvlLbl val="0"/>
+      </c:catAx>
+      <c:valAx>
+        <c:axId val="623603167"/>
+        <c:scaling>
+          <c:orientation val="minMax"/>
+        </c:scaling>
+        <c:delete val="0"/>
+        <c:axPos val="l"/>
         <c:numFmt formatCode="General" sourceLinked="1"/>
         <c:majorTickMark val="out"/>
         <c:minorTickMark val="none"/>
@@ -476,7 +951,7 @@
           <a:lstStyle/>
           <a:p>
             <a:pPr>
-              <a:defRPr sz="1600" b="0" i="0" u="none" strike="noStrike" kern="1200" baseline="0">
+              <a:defRPr sz="1200" b="0" i="0" u="none" strike="noStrike" kern="1200" baseline="0">
                 <a:solidFill>
                   <a:schemeClr val="tx1"/>
                 </a:solidFill>
@@ -488,28 +963,10 @@
             <a:endParaRPr lang="en-US"/>
           </a:p>
         </c:txPr>
-        <c:crossAx val="1934279039"/>
-        <c:crosses val="max"/>
+        <c:crossAx val="623602751"/>
+        <c:crosses val="autoZero"/>
         <c:crossBetween val="between"/>
       </c:valAx>
-      <c:catAx>
-        <c:axId val="1934279039"/>
-        <c:scaling>
-          <c:orientation val="minMax"/>
-        </c:scaling>
-        <c:delete val="1"/>
-        <c:axPos val="b"/>
-        <c:numFmt formatCode="General" sourceLinked="1"/>
-        <c:majorTickMark val="out"/>
-        <c:minorTickMark val="none"/>
-        <c:tickLblPos val="nextTo"/>
-        <c:crossAx val="1809049503"/>
-        <c:crosses val="autoZero"/>
-        <c:auto val="1"/>
-        <c:lblAlgn val="ctr"/>
-        <c:lblOffset val="100"/>
-        <c:noMultiLvlLbl val="0"/>
-      </c:catAx>
       <c:spPr>
         <a:noFill/>
         <a:ln>
@@ -519,7 +976,7 @@
       </c:spPr>
     </c:plotArea>
     <c:legend>
-      <c:legendPos val="b"/>
+      <c:legendPos val="r"/>
       <c:overlay val="0"/>
       <c:spPr>
         <a:noFill/>
@@ -533,7 +990,7 @@
         <a:lstStyle/>
         <a:p>
           <a:pPr>
-            <a:defRPr sz="1600" b="0" i="0" u="none" strike="noStrike" kern="1200" baseline="0">
+            <a:defRPr sz="1200" b="0" i="0" u="none" strike="noStrike" kern="1200" baseline="0">
               <a:solidFill>
                 <a:schemeClr val="tx1"/>
               </a:solidFill>
@@ -569,7 +1026,7 @@
     <a:lstStyle/>
     <a:p>
       <a:pPr>
-        <a:defRPr sz="1600">
+        <a:defRPr sz="1200">
           <a:solidFill>
             <a:schemeClr val="tx1"/>
           </a:solidFill>
@@ -624,6 +1081,12 @@
 </cs:colorStyle>
 </file>
 
+<file path=ppt/charts/colors2.xml><?xml version="1.0" encoding="utf-8"?>
+<cs:colorStyle xmlns:cs="http://schemas.microsoft.com/office/drawing/2012/chartStyle" xmlns:a="http://schemas.openxmlformats.org/drawingml/2006/main" meth="withinLinear" id="14">
+  <a:schemeClr val="accent1"/>
+</cs:colorStyle>
+</file>
+
 <file path=ppt/charts/style1.xml><?xml version="1.0" encoding="utf-8"?>
 <cs:chartStyle xmlns:cs="http://schemas.microsoft.com/office/drawing/2012/chartStyle" xmlns:a="http://schemas.openxmlformats.org/drawingml/2006/main" id="201">
   <cs:axisTitle>
@@ -636,7 +1099,7 @@
         <a:lumOff val="35000"/>
       </a:schemeClr>
     </cs:fontRef>
-    <cs:defRPr sz="1000" kern="1200"/>
+    <cs:defRPr sz="1330" kern="1200"/>
   </cs:axisTitle>
   <cs:categoryAxis>
     <cs:lnRef idx="0"/>
@@ -659,7 +1122,7 @@
         <a:round/>
       </a:ln>
     </cs:spPr>
-    <cs:defRPr sz="900" kern="1200"/>
+    <cs:defRPr sz="1197" kern="1200"/>
   </cs:categoryAxis>
   <cs:chartArea mods="allowNoFillOverride allowNoLineOverride">
     <cs:lnRef idx="0"/>
@@ -682,7 +1145,7 @@
         <a:round/>
       </a:ln>
     </cs:spPr>
-    <cs:defRPr sz="1000" kern="1200"/>
+    <cs:defRPr sz="1330" kern="1200"/>
   </cs:chartArea>
   <cs:dataLabel>
     <cs:lnRef idx="0"/>
@@ -694,7 +1157,7 @@
         <a:lumOff val="25000"/>
       </a:schemeClr>
     </cs:fontRef>
-    <cs:defRPr sz="900" kern="1200"/>
+    <cs:defRPr sz="1197" kern="1200"/>
   </cs:dataLabel>
   <cs:dataLabelCallout>
     <cs:lnRef idx="0"/>
@@ -719,7 +1182,7 @@
         </a:solidFill>
       </a:ln>
     </cs:spPr>
-    <cs:defRPr sz="900" kern="1200"/>
+    <cs:defRPr sz="1197" kern="1200"/>
     <cs:bodyPr rot="0" spcFirstLastPara="1" vertOverflow="clip" horzOverflow="clip" vert="horz" wrap="square" lIns="36576" tIns="18288" rIns="36576" bIns="18288" anchor="ctr" anchorCtr="1">
       <a:spAutoFit/>
     </cs:bodyPr>
@@ -822,7 +1285,7 @@
         <a:round/>
       </a:ln>
     </cs:spPr>
-    <cs:defRPr sz="900" kern="1200"/>
+    <cs:defRPr sz="1197" kern="1200"/>
   </cs:dataTable>
   <cs:downBar>
     <cs:lnRef idx="0"/>
@@ -986,7 +1449,7 @@
         <a:lumOff val="35000"/>
       </a:schemeClr>
     </cs:fontRef>
-    <cs:defRPr sz="900" kern="1200"/>
+    <cs:defRPr sz="1197" kern="1200"/>
   </cs:legend>
   <cs:plotArea mods="allowNoFillOverride allowNoLineOverride">
     <cs:lnRef idx="0"/>
@@ -1014,7 +1477,7 @@
         <a:lumOff val="35000"/>
       </a:schemeClr>
     </cs:fontRef>
-    <cs:defRPr sz="900" kern="1200"/>
+    <cs:defRPr sz="1197" kern="1200"/>
   </cs:seriesAxis>
   <cs:seriesLine>
     <cs:lnRef idx="0"/>
@@ -1045,7 +1508,7 @@
         <a:lumOff val="35000"/>
       </a:schemeClr>
     </cs:fontRef>
-    <cs:defRPr sz="1400" b="0" kern="1200" spc="0" baseline="0"/>
+    <cs:defRPr sz="1862" b="0" kern="1200" spc="0" baseline="0"/>
   </cs:title>
   <cs:trendline>
     <cs:lnRef idx="0">
@@ -1075,7 +1538,7 @@
         <a:lumOff val="35000"/>
       </a:schemeClr>
     </cs:fontRef>
-    <cs:defRPr sz="900" kern="1200"/>
+    <cs:defRPr sz="1197" kern="1200"/>
   </cs:trendlineLabel>
   <cs:upBar>
     <cs:lnRef idx="0"/>
@@ -1108,7 +1571,510 @@
         <a:lumOff val="35000"/>
       </a:schemeClr>
     </cs:fontRef>
-    <cs:defRPr sz="900" kern="1200"/>
+    <cs:defRPr sz="1197" kern="1200"/>
+  </cs:valueAxis>
+  <cs:wall>
+    <cs:lnRef idx="0"/>
+    <cs:fillRef idx="0"/>
+    <cs:effectRef idx="0"/>
+    <cs:fontRef idx="minor">
+      <a:schemeClr val="tx1"/>
+    </cs:fontRef>
+    <cs:spPr>
+      <a:noFill/>
+      <a:ln>
+        <a:noFill/>
+      </a:ln>
+    </cs:spPr>
+  </cs:wall>
+</cs:chartStyle>
+</file>
+
+<file path=ppt/charts/style2.xml><?xml version="1.0" encoding="utf-8"?>
+<cs:chartStyle xmlns:cs="http://schemas.microsoft.com/office/drawing/2012/chartStyle" xmlns:a="http://schemas.openxmlformats.org/drawingml/2006/main" id="201">
+  <cs:axisTitle>
+    <cs:lnRef idx="0"/>
+    <cs:fillRef idx="0"/>
+    <cs:effectRef idx="0"/>
+    <cs:fontRef idx="minor">
+      <a:schemeClr val="tx1">
+        <a:lumMod val="65000"/>
+        <a:lumOff val="35000"/>
+      </a:schemeClr>
+    </cs:fontRef>
+    <cs:defRPr sz="1330" kern="1200"/>
+  </cs:axisTitle>
+  <cs:categoryAxis>
+    <cs:lnRef idx="0"/>
+    <cs:fillRef idx="0"/>
+    <cs:effectRef idx="0"/>
+    <cs:fontRef idx="minor">
+      <a:schemeClr val="tx1">
+        <a:lumMod val="65000"/>
+        <a:lumOff val="35000"/>
+      </a:schemeClr>
+    </cs:fontRef>
+    <cs:spPr>
+      <a:ln w="9525" cap="flat" cmpd="sng" algn="ctr">
+        <a:solidFill>
+          <a:schemeClr val="tx1">
+            <a:lumMod val="15000"/>
+            <a:lumOff val="85000"/>
+          </a:schemeClr>
+        </a:solidFill>
+        <a:round/>
+      </a:ln>
+    </cs:spPr>
+    <cs:defRPr sz="1197" kern="1200"/>
+  </cs:categoryAxis>
+  <cs:chartArea mods="allowNoFillOverride allowNoLineOverride">
+    <cs:lnRef idx="0"/>
+    <cs:fillRef idx="0"/>
+    <cs:effectRef idx="0"/>
+    <cs:fontRef idx="minor">
+      <a:schemeClr val="tx1"/>
+    </cs:fontRef>
+    <cs:spPr>
+      <a:solidFill>
+        <a:schemeClr val="bg1"/>
+      </a:solidFill>
+      <a:ln w="9525" cap="flat" cmpd="sng" algn="ctr">
+        <a:solidFill>
+          <a:schemeClr val="tx1">
+            <a:lumMod val="15000"/>
+            <a:lumOff val="85000"/>
+          </a:schemeClr>
+        </a:solidFill>
+        <a:round/>
+      </a:ln>
+    </cs:spPr>
+    <cs:defRPr sz="1330" kern="1200"/>
+  </cs:chartArea>
+  <cs:dataLabel>
+    <cs:lnRef idx="0"/>
+    <cs:fillRef idx="0"/>
+    <cs:effectRef idx="0"/>
+    <cs:fontRef idx="minor">
+      <a:schemeClr val="tx1">
+        <a:lumMod val="75000"/>
+        <a:lumOff val="25000"/>
+      </a:schemeClr>
+    </cs:fontRef>
+    <cs:defRPr sz="1197" kern="1200"/>
+  </cs:dataLabel>
+  <cs:dataLabelCallout>
+    <cs:lnRef idx="0"/>
+    <cs:fillRef idx="0"/>
+    <cs:effectRef idx="0"/>
+    <cs:fontRef idx="minor">
+      <a:schemeClr val="dk1">
+        <a:lumMod val="65000"/>
+        <a:lumOff val="35000"/>
+      </a:schemeClr>
+    </cs:fontRef>
+    <cs:spPr>
+      <a:solidFill>
+        <a:schemeClr val="lt1"/>
+      </a:solidFill>
+      <a:ln>
+        <a:solidFill>
+          <a:schemeClr val="dk1">
+            <a:lumMod val="25000"/>
+            <a:lumOff val="75000"/>
+          </a:schemeClr>
+        </a:solidFill>
+      </a:ln>
+    </cs:spPr>
+    <cs:defRPr sz="1197" kern="1200"/>
+    <cs:bodyPr rot="0" spcFirstLastPara="1" vertOverflow="clip" horzOverflow="clip" vert="horz" wrap="square" lIns="36576" tIns="18288" rIns="36576" bIns="18288" anchor="ctr" anchorCtr="1">
+      <a:spAutoFit/>
+    </cs:bodyPr>
+  </cs:dataLabelCallout>
+  <cs:dataPoint>
+    <cs:lnRef idx="0"/>
+    <cs:fillRef idx="1">
+      <cs:styleClr val="auto"/>
+    </cs:fillRef>
+    <cs:effectRef idx="0"/>
+    <cs:fontRef idx="minor">
+      <a:schemeClr val="tx1"/>
+    </cs:fontRef>
+  </cs:dataPoint>
+  <cs:dataPoint3D>
+    <cs:lnRef idx="0"/>
+    <cs:fillRef idx="1">
+      <cs:styleClr val="auto"/>
+    </cs:fillRef>
+    <cs:effectRef idx="0"/>
+    <cs:fontRef idx="minor">
+      <a:schemeClr val="tx1"/>
+    </cs:fontRef>
+  </cs:dataPoint3D>
+  <cs:dataPointLine>
+    <cs:lnRef idx="0">
+      <cs:styleClr val="auto"/>
+    </cs:lnRef>
+    <cs:fillRef idx="1"/>
+    <cs:effectRef idx="0"/>
+    <cs:fontRef idx="minor">
+      <a:schemeClr val="tx1"/>
+    </cs:fontRef>
+    <cs:spPr>
+      <a:ln w="28575" cap="rnd">
+        <a:solidFill>
+          <a:schemeClr val="phClr"/>
+        </a:solidFill>
+        <a:round/>
+      </a:ln>
+    </cs:spPr>
+  </cs:dataPointLine>
+  <cs:dataPointMarker>
+    <cs:lnRef idx="0">
+      <cs:styleClr val="auto"/>
+    </cs:lnRef>
+    <cs:fillRef idx="1">
+      <cs:styleClr val="auto"/>
+    </cs:fillRef>
+    <cs:effectRef idx="0"/>
+    <cs:fontRef idx="minor">
+      <a:schemeClr val="tx1"/>
+    </cs:fontRef>
+    <cs:spPr>
+      <a:ln w="9525">
+        <a:solidFill>
+          <a:schemeClr val="phClr"/>
+        </a:solidFill>
+      </a:ln>
+    </cs:spPr>
+  </cs:dataPointMarker>
+  <cs:dataPointMarkerLayout symbol="circle" size="5"/>
+  <cs:dataPointWireframe>
+    <cs:lnRef idx="0">
+      <cs:styleClr val="auto"/>
+    </cs:lnRef>
+    <cs:fillRef idx="1"/>
+    <cs:effectRef idx="0"/>
+    <cs:fontRef idx="minor">
+      <a:schemeClr val="tx1"/>
+    </cs:fontRef>
+    <cs:spPr>
+      <a:ln w="9525" cap="rnd">
+        <a:solidFill>
+          <a:schemeClr val="phClr"/>
+        </a:solidFill>
+        <a:round/>
+      </a:ln>
+    </cs:spPr>
+  </cs:dataPointWireframe>
+  <cs:dataTable>
+    <cs:lnRef idx="0"/>
+    <cs:fillRef idx="0"/>
+    <cs:effectRef idx="0"/>
+    <cs:fontRef idx="minor">
+      <a:schemeClr val="tx1">
+        <a:lumMod val="65000"/>
+        <a:lumOff val="35000"/>
+      </a:schemeClr>
+    </cs:fontRef>
+    <cs:spPr>
+      <a:noFill/>
+      <a:ln w="9525" cap="flat" cmpd="sng" algn="ctr">
+        <a:solidFill>
+          <a:schemeClr val="tx1">
+            <a:lumMod val="15000"/>
+            <a:lumOff val="85000"/>
+          </a:schemeClr>
+        </a:solidFill>
+        <a:round/>
+      </a:ln>
+    </cs:spPr>
+    <cs:defRPr sz="1197" kern="1200"/>
+  </cs:dataTable>
+  <cs:downBar>
+    <cs:lnRef idx="0"/>
+    <cs:fillRef idx="0"/>
+    <cs:effectRef idx="0"/>
+    <cs:fontRef idx="minor">
+      <a:schemeClr val="dk1"/>
+    </cs:fontRef>
+    <cs:spPr>
+      <a:solidFill>
+        <a:schemeClr val="dk1">
+          <a:lumMod val="65000"/>
+          <a:lumOff val="35000"/>
+        </a:schemeClr>
+      </a:solidFill>
+      <a:ln w="9525">
+        <a:solidFill>
+          <a:schemeClr val="tx1">
+            <a:lumMod val="65000"/>
+            <a:lumOff val="35000"/>
+          </a:schemeClr>
+        </a:solidFill>
+      </a:ln>
+    </cs:spPr>
+  </cs:downBar>
+  <cs:dropLine>
+    <cs:lnRef idx="0"/>
+    <cs:fillRef idx="0"/>
+    <cs:effectRef idx="0"/>
+    <cs:fontRef idx="minor">
+      <a:schemeClr val="tx1"/>
+    </cs:fontRef>
+    <cs:spPr>
+      <a:ln w="9525" cap="flat" cmpd="sng" algn="ctr">
+        <a:solidFill>
+          <a:schemeClr val="tx1">
+            <a:lumMod val="35000"/>
+            <a:lumOff val="65000"/>
+          </a:schemeClr>
+        </a:solidFill>
+        <a:round/>
+      </a:ln>
+    </cs:spPr>
+  </cs:dropLine>
+  <cs:errorBar>
+    <cs:lnRef idx="0"/>
+    <cs:fillRef idx="0"/>
+    <cs:effectRef idx="0"/>
+    <cs:fontRef idx="minor">
+      <a:schemeClr val="tx1"/>
+    </cs:fontRef>
+    <cs:spPr>
+      <a:ln w="9525" cap="flat" cmpd="sng" algn="ctr">
+        <a:solidFill>
+          <a:schemeClr val="tx1">
+            <a:lumMod val="65000"/>
+            <a:lumOff val="35000"/>
+          </a:schemeClr>
+        </a:solidFill>
+        <a:round/>
+      </a:ln>
+    </cs:spPr>
+  </cs:errorBar>
+  <cs:floor>
+    <cs:lnRef idx="0"/>
+    <cs:fillRef idx="0"/>
+    <cs:effectRef idx="0"/>
+    <cs:fontRef idx="minor">
+      <a:schemeClr val="tx1"/>
+    </cs:fontRef>
+    <cs:spPr>
+      <a:noFill/>
+      <a:ln>
+        <a:noFill/>
+      </a:ln>
+    </cs:spPr>
+  </cs:floor>
+  <cs:gridlineMajor>
+    <cs:lnRef idx="0"/>
+    <cs:fillRef idx="0"/>
+    <cs:effectRef idx="0"/>
+    <cs:fontRef idx="minor">
+      <a:schemeClr val="tx1"/>
+    </cs:fontRef>
+    <cs:spPr>
+      <a:ln w="9525" cap="flat" cmpd="sng" algn="ctr">
+        <a:solidFill>
+          <a:schemeClr val="tx1">
+            <a:lumMod val="15000"/>
+            <a:lumOff val="85000"/>
+          </a:schemeClr>
+        </a:solidFill>
+        <a:round/>
+      </a:ln>
+    </cs:spPr>
+  </cs:gridlineMajor>
+  <cs:gridlineMinor>
+    <cs:lnRef idx="0"/>
+    <cs:fillRef idx="0"/>
+    <cs:effectRef idx="0"/>
+    <cs:fontRef idx="minor">
+      <a:schemeClr val="tx1"/>
+    </cs:fontRef>
+    <cs:spPr>
+      <a:ln w="9525" cap="flat" cmpd="sng" algn="ctr">
+        <a:solidFill>
+          <a:schemeClr val="tx1">
+            <a:lumMod val="5000"/>
+            <a:lumOff val="95000"/>
+          </a:schemeClr>
+        </a:solidFill>
+        <a:round/>
+      </a:ln>
+    </cs:spPr>
+  </cs:gridlineMinor>
+  <cs:hiLoLine>
+    <cs:lnRef idx="0"/>
+    <cs:fillRef idx="0"/>
+    <cs:effectRef idx="0"/>
+    <cs:fontRef idx="minor">
+      <a:schemeClr val="tx1"/>
+    </cs:fontRef>
+    <cs:spPr>
+      <a:ln w="9525" cap="flat" cmpd="sng" algn="ctr">
+        <a:solidFill>
+          <a:schemeClr val="tx1">
+            <a:lumMod val="75000"/>
+            <a:lumOff val="25000"/>
+          </a:schemeClr>
+        </a:solidFill>
+        <a:round/>
+      </a:ln>
+    </cs:spPr>
+  </cs:hiLoLine>
+  <cs:leaderLine>
+    <cs:lnRef idx="0"/>
+    <cs:fillRef idx="0"/>
+    <cs:effectRef idx="0"/>
+    <cs:fontRef idx="minor">
+      <a:schemeClr val="tx1"/>
+    </cs:fontRef>
+    <cs:spPr>
+      <a:ln w="9525" cap="flat" cmpd="sng" algn="ctr">
+        <a:solidFill>
+          <a:schemeClr val="tx1">
+            <a:lumMod val="35000"/>
+            <a:lumOff val="65000"/>
+          </a:schemeClr>
+        </a:solidFill>
+        <a:round/>
+      </a:ln>
+    </cs:spPr>
+  </cs:leaderLine>
+  <cs:legend>
+    <cs:lnRef idx="0"/>
+    <cs:fillRef idx="0"/>
+    <cs:effectRef idx="0"/>
+    <cs:fontRef idx="minor">
+      <a:schemeClr val="tx1">
+        <a:lumMod val="65000"/>
+        <a:lumOff val="35000"/>
+      </a:schemeClr>
+    </cs:fontRef>
+    <cs:defRPr sz="1197" kern="1200"/>
+  </cs:legend>
+  <cs:plotArea mods="allowNoFillOverride allowNoLineOverride">
+    <cs:lnRef idx="0"/>
+    <cs:fillRef idx="0"/>
+    <cs:effectRef idx="0"/>
+    <cs:fontRef idx="minor">
+      <a:schemeClr val="tx1"/>
+    </cs:fontRef>
+  </cs:plotArea>
+  <cs:plotArea3D mods="allowNoFillOverride allowNoLineOverride">
+    <cs:lnRef idx="0"/>
+    <cs:fillRef idx="0"/>
+    <cs:effectRef idx="0"/>
+    <cs:fontRef idx="minor">
+      <a:schemeClr val="tx1"/>
+    </cs:fontRef>
+  </cs:plotArea3D>
+  <cs:seriesAxis>
+    <cs:lnRef idx="0"/>
+    <cs:fillRef idx="0"/>
+    <cs:effectRef idx="0"/>
+    <cs:fontRef idx="minor">
+      <a:schemeClr val="tx1">
+        <a:lumMod val="65000"/>
+        <a:lumOff val="35000"/>
+      </a:schemeClr>
+    </cs:fontRef>
+    <cs:defRPr sz="1197" kern="1200"/>
+  </cs:seriesAxis>
+  <cs:seriesLine>
+    <cs:lnRef idx="0"/>
+    <cs:fillRef idx="0"/>
+    <cs:effectRef idx="0"/>
+    <cs:fontRef idx="minor">
+      <a:schemeClr val="tx1"/>
+    </cs:fontRef>
+    <cs:spPr>
+      <a:ln w="9525" cap="flat" cmpd="sng" algn="ctr">
+        <a:solidFill>
+          <a:schemeClr val="tx1">
+            <a:lumMod val="35000"/>
+            <a:lumOff val="65000"/>
+          </a:schemeClr>
+        </a:solidFill>
+        <a:round/>
+      </a:ln>
+    </cs:spPr>
+  </cs:seriesLine>
+  <cs:title>
+    <cs:lnRef idx="0"/>
+    <cs:fillRef idx="0"/>
+    <cs:effectRef idx="0"/>
+    <cs:fontRef idx="minor">
+      <a:schemeClr val="tx1">
+        <a:lumMod val="65000"/>
+        <a:lumOff val="35000"/>
+      </a:schemeClr>
+    </cs:fontRef>
+    <cs:defRPr sz="1862" b="0" kern="1200" spc="0" baseline="0"/>
+  </cs:title>
+  <cs:trendline>
+    <cs:lnRef idx="0">
+      <cs:styleClr val="auto"/>
+    </cs:lnRef>
+    <cs:fillRef idx="0"/>
+    <cs:effectRef idx="0"/>
+    <cs:fontRef idx="minor">
+      <a:schemeClr val="tx1"/>
+    </cs:fontRef>
+    <cs:spPr>
+      <a:ln w="19050" cap="rnd">
+        <a:solidFill>
+          <a:schemeClr val="phClr"/>
+        </a:solidFill>
+        <a:prstDash val="sysDot"/>
+      </a:ln>
+    </cs:spPr>
+  </cs:trendline>
+  <cs:trendlineLabel>
+    <cs:lnRef idx="0"/>
+    <cs:fillRef idx="0"/>
+    <cs:effectRef idx="0"/>
+    <cs:fontRef idx="minor">
+      <a:schemeClr val="tx1">
+        <a:lumMod val="65000"/>
+        <a:lumOff val="35000"/>
+      </a:schemeClr>
+    </cs:fontRef>
+    <cs:defRPr sz="1197" kern="1200"/>
+  </cs:trendlineLabel>
+  <cs:upBar>
+    <cs:lnRef idx="0"/>
+    <cs:fillRef idx="0"/>
+    <cs:effectRef idx="0"/>
+    <cs:fontRef idx="minor">
+      <a:schemeClr val="dk1"/>
+    </cs:fontRef>
+    <cs:spPr>
+      <a:solidFill>
+        <a:schemeClr val="lt1"/>
+      </a:solidFill>
+      <a:ln w="9525">
+        <a:solidFill>
+          <a:schemeClr val="tx1">
+            <a:lumMod val="15000"/>
+            <a:lumOff val="85000"/>
+          </a:schemeClr>
+        </a:solidFill>
+      </a:ln>
+    </cs:spPr>
+  </cs:upBar>
+  <cs:valueAxis>
+    <cs:lnRef idx="0"/>
+    <cs:fillRef idx="0"/>
+    <cs:effectRef idx="0"/>
+    <cs:fontRef idx="minor">
+      <a:schemeClr val="tx1">
+        <a:lumMod val="65000"/>
+        <a:lumOff val="35000"/>
+      </a:schemeClr>
+    </cs:fontRef>
+    <cs:defRPr sz="1197" kern="1200"/>
   </cs:valueAxis>
   <cs:wall>
     <cs:lnRef idx="0"/>
@@ -2069,42 +3035,6 @@
         </a:p>
       </dgm:t>
     </dgm:pt>
-    <dgm:pt modelId="{361251AC-E347-40D4-947E-6C6CE48C8E89}">
-      <dgm:prSet phldrT="[Text]" custT="1"/>
-      <dgm:spPr/>
-      <dgm:t>
-        <a:bodyPr/>
-        <a:lstStyle/>
-        <a:p>
-          <a:r>
-            <a:rPr lang="en-US" sz="4800" dirty="0"/>
-            <a:t>🦟</a:t>
-          </a:r>
-        </a:p>
-      </dgm:t>
-    </dgm:pt>
-    <dgm:pt modelId="{951D0B83-360F-4504-A3AC-BD6A604C7CDE}" type="parTrans" cxnId="{15224619-AF79-4B8D-A583-44D3A77B2889}">
-      <dgm:prSet/>
-      <dgm:spPr/>
-      <dgm:t>
-        <a:bodyPr/>
-        <a:lstStyle/>
-        <a:p>
-          <a:endParaRPr lang="en-US" sz="2400"/>
-        </a:p>
-      </dgm:t>
-    </dgm:pt>
-    <dgm:pt modelId="{396569FB-CB3D-4E95-90A8-4D4A6695612D}" type="sibTrans" cxnId="{15224619-AF79-4B8D-A583-44D3A77B2889}">
-      <dgm:prSet/>
-      <dgm:spPr/>
-      <dgm:t>
-        <a:bodyPr/>
-        <a:lstStyle/>
-        <a:p>
-          <a:endParaRPr lang="en-US" sz="2400"/>
-        </a:p>
-      </dgm:t>
-    </dgm:pt>
     <dgm:pt modelId="{640AE8F9-9241-4DBB-8325-87C7D0449013}">
       <dgm:prSet phldrT="[Text]" custT="1"/>
       <dgm:spPr/>
@@ -2155,7 +3085,7 @@
       <dgm:spPr/>
     </dgm:pt>
     <dgm:pt modelId="{28519C97-3817-4C41-ABB3-65CB9F8FF5A9}" type="pres">
-      <dgm:prSet presAssocID="{0B101086-8C9C-49F0-819C-4CC1B254B248}" presName="node" presStyleLbl="node1" presStyleIdx="0" presStyleCnt="5" custScaleX="339934" custScaleY="339934" custLinFactNeighborY="0">
+      <dgm:prSet presAssocID="{0B101086-8C9C-49F0-819C-4CC1B254B248}" presName="node" presStyleLbl="node1" presStyleIdx="0" presStyleCnt="4" custScaleX="339934" custScaleY="339934" custLinFactNeighborY="0">
         <dgm:presLayoutVars>
           <dgm:bulletEnabled val="1"/>
         </dgm:presLayoutVars>
@@ -2167,7 +3097,7 @@
       <dgm:spPr/>
     </dgm:pt>
     <dgm:pt modelId="{E4D3122E-3D6C-48F7-A0ED-194EAFCBEC4D}" type="pres">
-      <dgm:prSet presAssocID="{6BDC1B75-6348-4BA2-8DF5-76D916C7288D}" presName="sibTrans" presStyleLbl="sibTrans2D1" presStyleIdx="0" presStyleCnt="4"/>
+      <dgm:prSet presAssocID="{6BDC1B75-6348-4BA2-8DF5-76D916C7288D}" presName="sibTrans" presStyleLbl="sibTrans2D1" presStyleIdx="0" presStyleCnt="3"/>
       <dgm:spPr/>
     </dgm:pt>
     <dgm:pt modelId="{E4906562-D712-4559-B75E-16441AC41535}" type="pres">
@@ -2175,7 +3105,7 @@
       <dgm:spPr/>
     </dgm:pt>
     <dgm:pt modelId="{F74EC1DF-09A7-4B49-81A9-AD2040812377}" type="pres">
-      <dgm:prSet presAssocID="{318210C6-57CD-473C-8718-5FDBE98E1326}" presName="node" presStyleLbl="node1" presStyleIdx="1" presStyleCnt="5" custScaleX="339934" custScaleY="339934" custLinFactNeighborY="0">
+      <dgm:prSet presAssocID="{318210C6-57CD-473C-8718-5FDBE98E1326}" presName="node" presStyleLbl="node1" presStyleIdx="1" presStyleCnt="4" custScaleX="339934" custScaleY="339934" custLinFactNeighborY="0">
         <dgm:presLayoutVars>
           <dgm:bulletEnabled val="1"/>
         </dgm:presLayoutVars>
@@ -2187,7 +3117,7 @@
       <dgm:spPr/>
     </dgm:pt>
     <dgm:pt modelId="{4A8A29AF-1CE5-418C-8007-01F2D38693D2}" type="pres">
-      <dgm:prSet presAssocID="{60CB00FF-F159-47C8-9000-F977F58416CB}" presName="sibTrans" presStyleLbl="sibTrans2D1" presStyleIdx="1" presStyleCnt="4"/>
+      <dgm:prSet presAssocID="{60CB00FF-F159-47C8-9000-F977F58416CB}" presName="sibTrans" presStyleLbl="sibTrans2D1" presStyleIdx="1" presStyleCnt="3"/>
       <dgm:spPr/>
     </dgm:pt>
     <dgm:pt modelId="{A58E88E1-E7DE-437F-A540-09CE6AE980CA}" type="pres">
@@ -2195,7 +3125,7 @@
       <dgm:spPr/>
     </dgm:pt>
     <dgm:pt modelId="{B15E77CE-2F1E-4B24-A638-A19434CB4AE4}" type="pres">
-      <dgm:prSet presAssocID="{640AE8F9-9241-4DBB-8325-87C7D0449013}" presName="node" presStyleLbl="node1" presStyleIdx="2" presStyleCnt="5" custScaleX="334993" custScaleY="334993" custLinFactNeighborY="0">
+      <dgm:prSet presAssocID="{640AE8F9-9241-4DBB-8325-87C7D0449013}" presName="node" presStyleLbl="node1" presStyleIdx="2" presStyleCnt="4" custScaleX="334993" custScaleY="334993" custLinFactNeighborY="0">
         <dgm:presLayoutVars>
           <dgm:bulletEnabled val="1"/>
         </dgm:presLayoutVars>
@@ -2207,35 +3137,19 @@
       <dgm:spPr/>
     </dgm:pt>
     <dgm:pt modelId="{12CB181B-1E9B-458A-B041-1FEB164C3498}" type="pres">
-      <dgm:prSet presAssocID="{C0455EFD-1F00-415A-B32A-85AC724B1A2C}" presName="sibTrans" presStyleLbl="sibTrans2D1" presStyleIdx="2" presStyleCnt="4"/>
-      <dgm:spPr/>
+      <dgm:prSet presAssocID="{C0455EFD-1F00-415A-B32A-85AC724B1A2C}" presName="sibTrans" presStyleLbl="sibTrans2D1" presStyleIdx="2" presStyleCnt="3"/>
+      <dgm:spPr>
+        <a:prstGeom prst="mathPlus">
+          <a:avLst/>
+        </a:prstGeom>
+      </dgm:spPr>
     </dgm:pt>
     <dgm:pt modelId="{FDB24E3F-A50C-456A-919C-F20EEC620CC6}" type="pres">
       <dgm:prSet presAssocID="{C0455EFD-1F00-415A-B32A-85AC724B1A2C}" presName="spacerR" presStyleCnt="0"/>
       <dgm:spPr/>
     </dgm:pt>
     <dgm:pt modelId="{7D1B93CF-87E9-46F6-8FFD-9F655E37CDA4}" type="pres">
-      <dgm:prSet presAssocID="{4653F6D8-62B2-4D56-86A5-DBDB078E7A84}" presName="node" presStyleLbl="node1" presStyleIdx="3" presStyleCnt="5" custScaleX="339934" custScaleY="339934" custLinFactNeighborY="0">
-        <dgm:presLayoutVars>
-          <dgm:bulletEnabled val="1"/>
-        </dgm:presLayoutVars>
-      </dgm:prSet>
-      <dgm:spPr/>
-    </dgm:pt>
-    <dgm:pt modelId="{B3A9D2F0-122B-4E2B-8860-BDD6399A5397}" type="pres">
-      <dgm:prSet presAssocID="{F48C5690-3040-48D5-A97C-A2F4525BC23C}" presName="spacerL" presStyleCnt="0"/>
-      <dgm:spPr/>
-    </dgm:pt>
-    <dgm:pt modelId="{FD71648D-91C2-4B59-AF39-EEF0BD055F3E}" type="pres">
-      <dgm:prSet presAssocID="{F48C5690-3040-48D5-A97C-A2F4525BC23C}" presName="sibTrans" presStyleLbl="sibTrans2D1" presStyleIdx="3" presStyleCnt="4"/>
-      <dgm:spPr/>
-    </dgm:pt>
-    <dgm:pt modelId="{D6BB7CAA-4248-44D0-A538-7A40CB5BB259}" type="pres">
-      <dgm:prSet presAssocID="{F48C5690-3040-48D5-A97C-A2F4525BC23C}" presName="spacerR" presStyleCnt="0"/>
-      <dgm:spPr/>
-    </dgm:pt>
-    <dgm:pt modelId="{DCD4D832-91B7-4853-A402-407036EBDAA5}" type="pres">
-      <dgm:prSet presAssocID="{361251AC-E347-40D4-947E-6C6CE48C8E89}" presName="node" presStyleLbl="node1" presStyleIdx="4" presStyleCnt="5" custScaleX="540026" custScaleY="540026">
+      <dgm:prSet presAssocID="{4653F6D8-62B2-4D56-86A5-DBDB078E7A84}" presName="node" presStyleLbl="node1" presStyleIdx="3" presStyleCnt="4" custScaleX="339934" custScaleY="339934" custLinFactNeighborY="0">
         <dgm:presLayoutVars>
           <dgm:bulletEnabled val="1"/>
         </dgm:presLayoutVars>
@@ -2244,7 +3158,6 @@
     </dgm:pt>
   </dgm:ptLst>
   <dgm:cxnLst>
-    <dgm:cxn modelId="{15224619-AF79-4B8D-A583-44D3A77B2889}" srcId="{1A692B48-E74C-43CB-A0D6-181EFC142D46}" destId="{361251AC-E347-40D4-947E-6C6CE48C8E89}" srcOrd="4" destOrd="0" parTransId="{951D0B83-360F-4504-A3AC-BD6A604C7CDE}" sibTransId="{396569FB-CB3D-4E95-90A8-4D4A6695612D}"/>
     <dgm:cxn modelId="{A7FA2334-4EA8-4095-9EFD-54F6AA337EF6}" type="presOf" srcId="{4653F6D8-62B2-4D56-86A5-DBDB078E7A84}" destId="{7D1B93CF-87E9-46F6-8FFD-9F655E37CDA4}" srcOrd="0" destOrd="0" presId="urn:microsoft.com/office/officeart/2005/8/layout/equation1"/>
     <dgm:cxn modelId="{BAAE3C64-DB78-4D78-9032-63FD4743928B}" type="presOf" srcId="{1A692B48-E74C-43CB-A0D6-181EFC142D46}" destId="{E2439B4D-F4BF-414F-B0C2-191147A2CA17}" srcOrd="0" destOrd="0" presId="urn:microsoft.com/office/officeart/2005/8/layout/equation1"/>
     <dgm:cxn modelId="{D247BD4E-ABBE-4401-A11A-99344E8D3363}" type="presOf" srcId="{6BDC1B75-6348-4BA2-8DF5-76D916C7288D}" destId="{E4D3122E-3D6C-48F7-A0ED-194EAFCBEC4D}" srcOrd="0" destOrd="0" presId="urn:microsoft.com/office/officeart/2005/8/layout/equation1"/>
@@ -2253,8 +3166,6 @@
     <dgm:cxn modelId="{5388E680-94FB-42F0-971A-82A91D306D2B}" srcId="{1A692B48-E74C-43CB-A0D6-181EFC142D46}" destId="{640AE8F9-9241-4DBB-8325-87C7D0449013}" srcOrd="2" destOrd="0" parTransId="{C1471A29-8126-4844-A76C-0E189571966C}" sibTransId="{C0455EFD-1F00-415A-B32A-85AC724B1A2C}"/>
     <dgm:cxn modelId="{311DF992-A4BF-405F-B79D-9EB041D7CF18}" srcId="{1A692B48-E74C-43CB-A0D6-181EFC142D46}" destId="{0B101086-8C9C-49F0-819C-4CC1B254B248}" srcOrd="0" destOrd="0" parTransId="{9F4EC513-2A3A-4421-8FA7-77D9DC4FEB30}" sibTransId="{6BDC1B75-6348-4BA2-8DF5-76D916C7288D}"/>
     <dgm:cxn modelId="{01D7DFBD-BEDB-477D-992B-2857E7EF0C49}" type="presOf" srcId="{318210C6-57CD-473C-8718-5FDBE98E1326}" destId="{F74EC1DF-09A7-4B49-81A9-AD2040812377}" srcOrd="0" destOrd="0" presId="urn:microsoft.com/office/officeart/2005/8/layout/equation1"/>
-    <dgm:cxn modelId="{BF1E56BE-2DCA-469E-8E24-35BA7037282D}" type="presOf" srcId="{F48C5690-3040-48D5-A97C-A2F4525BC23C}" destId="{FD71648D-91C2-4B59-AF39-EEF0BD055F3E}" srcOrd="0" destOrd="0" presId="urn:microsoft.com/office/officeart/2005/8/layout/equation1"/>
-    <dgm:cxn modelId="{6DC56AC6-CB0D-428F-908B-F88F9886C7ED}" type="presOf" srcId="{361251AC-E347-40D4-947E-6C6CE48C8E89}" destId="{DCD4D832-91B7-4853-A402-407036EBDAA5}" srcOrd="0" destOrd="0" presId="urn:microsoft.com/office/officeart/2005/8/layout/equation1"/>
     <dgm:cxn modelId="{D55F23DF-9578-48BB-93B4-2673E24AC67E}" type="presOf" srcId="{0B101086-8C9C-49F0-819C-4CC1B254B248}" destId="{28519C97-3817-4C41-ABB3-65CB9F8FF5A9}" srcOrd="0" destOrd="0" presId="urn:microsoft.com/office/officeart/2005/8/layout/equation1"/>
     <dgm:cxn modelId="{32153DEE-A0EE-4E90-9ECE-523BD3C1068F}" srcId="{1A692B48-E74C-43CB-A0D6-181EFC142D46}" destId="{318210C6-57CD-473C-8718-5FDBE98E1326}" srcOrd="1" destOrd="0" parTransId="{CA33A5B7-7241-45B9-8284-6C64558C5039}" sibTransId="{60CB00FF-F159-47C8-9000-F977F58416CB}"/>
     <dgm:cxn modelId="{6A720DF6-43A1-4BEB-9A61-B27B9AAAFBD3}" srcId="{1A692B48-E74C-43CB-A0D6-181EFC142D46}" destId="{4653F6D8-62B2-4D56-86A5-DBDB078E7A84}" srcOrd="3" destOrd="0" parTransId="{7A1F7F05-17DA-43D5-8214-CD56A1F97D2A}" sibTransId="{F48C5690-3040-48D5-A97C-A2F4525BC23C}"/>
@@ -2272,10 +3183,6 @@
     <dgm:cxn modelId="{2760C81D-2C1D-46EE-AD7A-39499E15AE93}" type="presParOf" srcId="{E2439B4D-F4BF-414F-B0C2-191147A2CA17}" destId="{12CB181B-1E9B-458A-B041-1FEB164C3498}" srcOrd="10" destOrd="0" presId="urn:microsoft.com/office/officeart/2005/8/layout/equation1"/>
     <dgm:cxn modelId="{90DEFBBB-724E-4E92-ABED-673A40CB5A83}" type="presParOf" srcId="{E2439B4D-F4BF-414F-B0C2-191147A2CA17}" destId="{FDB24E3F-A50C-456A-919C-F20EEC620CC6}" srcOrd="11" destOrd="0" presId="urn:microsoft.com/office/officeart/2005/8/layout/equation1"/>
     <dgm:cxn modelId="{6AF9F3BF-E6CB-4E6D-A163-026593C371DB}" type="presParOf" srcId="{E2439B4D-F4BF-414F-B0C2-191147A2CA17}" destId="{7D1B93CF-87E9-46F6-8FFD-9F655E37CDA4}" srcOrd="12" destOrd="0" presId="urn:microsoft.com/office/officeart/2005/8/layout/equation1"/>
-    <dgm:cxn modelId="{F4E23E1F-9066-477E-B85D-7E2CFC551117}" type="presParOf" srcId="{E2439B4D-F4BF-414F-B0C2-191147A2CA17}" destId="{B3A9D2F0-122B-4E2B-8860-BDD6399A5397}" srcOrd="13" destOrd="0" presId="urn:microsoft.com/office/officeart/2005/8/layout/equation1"/>
-    <dgm:cxn modelId="{C7908F31-5F91-40D0-B878-BEC993EB6FEE}" type="presParOf" srcId="{E2439B4D-F4BF-414F-B0C2-191147A2CA17}" destId="{FD71648D-91C2-4B59-AF39-EEF0BD055F3E}" srcOrd="14" destOrd="0" presId="urn:microsoft.com/office/officeart/2005/8/layout/equation1"/>
-    <dgm:cxn modelId="{45157F1E-FF5C-4400-B1CE-E1CD29F611E0}" type="presParOf" srcId="{E2439B4D-F4BF-414F-B0C2-191147A2CA17}" destId="{D6BB7CAA-4248-44D0-A538-7A40CB5BB259}" srcOrd="15" destOrd="0" presId="urn:microsoft.com/office/officeart/2005/8/layout/equation1"/>
-    <dgm:cxn modelId="{4DAFB75E-AE3F-4D46-83B6-5FDA14187D10}" type="presParOf" srcId="{E2439B4D-F4BF-414F-B0C2-191147A2CA17}" destId="{DCD4D832-91B7-4853-A402-407036EBDAA5}" srcOrd="16" destOrd="0" presId="urn:microsoft.com/office/officeart/2005/8/layout/equation1"/>
   </dgm:cxnLst>
   <dgm:bg/>
   <dgm:whole/>
@@ -2302,8 +3209,8 @@
       </dsp:nvSpPr>
       <dsp:spPr>
         <a:xfrm>
-          <a:off x="2826" y="724799"/>
-          <a:ext cx="1259734" cy="1259734"/>
+          <a:off x="2330" y="479429"/>
+          <a:ext cx="1750474" cy="1750474"/>
         </a:xfrm>
         <a:prstGeom prst="ellipse">
           <a:avLst/>
@@ -2374,8 +3281,8 @@
         </a:p>
       </dsp:txBody>
       <dsp:txXfrm>
-        <a:off x="187310" y="909283"/>
-        <a:ext cx="890766" cy="890766"/>
+        <a:off x="258681" y="735780"/>
+        <a:ext cx="1237772" cy="1237772"/>
       </dsp:txXfrm>
     </dsp:sp>
     <dsp:sp modelId="{E4D3122E-3D6C-48F7-A0ED-194EAFCBEC4D}">
@@ -2385,8 +3292,8 @@
       </dsp:nvSpPr>
       <dsp:spPr>
         <a:xfrm>
-          <a:off x="1292652" y="1247197"/>
-          <a:ext cx="214937" cy="214937"/>
+          <a:off x="1794617" y="1205332"/>
+          <a:ext cx="298668" cy="298668"/>
         </a:xfrm>
         <a:prstGeom prst="mathPlus">
           <a:avLst/>
@@ -2441,8 +3348,8 @@
         </a:p>
       </dsp:txBody>
       <dsp:txXfrm>
-        <a:off x="1321142" y="1329389"/>
-        <a:ext cx="157957" cy="50553"/>
+        <a:off x="1834205" y="1319543"/>
+        <a:ext cx="219492" cy="70246"/>
       </dsp:txXfrm>
     </dsp:sp>
     <dsp:sp modelId="{F74EC1DF-09A7-4B49-81A9-AD2040812377}">
@@ -2452,8 +3359,8 @@
       </dsp:nvSpPr>
       <dsp:spPr>
         <a:xfrm>
-          <a:off x="1537681" y="724799"/>
-          <a:ext cx="1259734" cy="1259734"/>
+          <a:off x="2135099" y="479429"/>
+          <a:ext cx="1750474" cy="1750474"/>
         </a:xfrm>
         <a:prstGeom prst="ellipse">
           <a:avLst/>
@@ -2524,8 +3431,8 @@
         </a:p>
       </dsp:txBody>
       <dsp:txXfrm>
-        <a:off x="1722165" y="909283"/>
-        <a:ext cx="890766" cy="890766"/>
+        <a:off x="2391450" y="735780"/>
+        <a:ext cx="1237772" cy="1237772"/>
       </dsp:txXfrm>
     </dsp:sp>
     <dsp:sp modelId="{4A8A29AF-1CE5-418C-8007-01F2D38693D2}">
@@ -2535,8 +3442,8 @@
       </dsp:nvSpPr>
       <dsp:spPr>
         <a:xfrm>
-          <a:off x="2827506" y="1247197"/>
-          <a:ext cx="214937" cy="214937"/>
+          <a:off x="3927387" y="1205332"/>
+          <a:ext cx="298668" cy="298668"/>
         </a:xfrm>
         <a:prstGeom prst="mathPlus">
           <a:avLst/>
@@ -2591,8 +3498,8 @@
         </a:p>
       </dsp:txBody>
       <dsp:txXfrm>
-        <a:off x="2855996" y="1329389"/>
-        <a:ext cx="157957" cy="50553"/>
+        <a:off x="3966975" y="1319543"/>
+        <a:ext cx="219492" cy="70246"/>
       </dsp:txXfrm>
     </dsp:sp>
     <dsp:sp modelId="{B15E77CE-2F1E-4B24-A638-A19434CB4AE4}">
@@ -2602,8 +3509,8 @@
       </dsp:nvSpPr>
       <dsp:spPr>
         <a:xfrm>
-          <a:off x="3072535" y="733954"/>
-          <a:ext cx="1241423" cy="1241423"/>
+          <a:off x="4267869" y="492151"/>
+          <a:ext cx="1725030" cy="1725030"/>
         </a:xfrm>
         <a:prstGeom prst="ellipse">
           <a:avLst/>
@@ -2674,8 +3581,8 @@
         </a:p>
       </dsp:txBody>
       <dsp:txXfrm>
-        <a:off x="3254337" y="915756"/>
-        <a:ext cx="877819" cy="877819"/>
+        <a:off x="4520494" y="744776"/>
+        <a:ext cx="1219780" cy="1219780"/>
       </dsp:txXfrm>
     </dsp:sp>
     <dsp:sp modelId="{12CB181B-1E9B-458A-B041-1FEB164C3498}">
@@ -2685,8 +3592,8 @@
       </dsp:nvSpPr>
       <dsp:spPr>
         <a:xfrm>
-          <a:off x="4344050" y="1247197"/>
-          <a:ext cx="214937" cy="214937"/>
+          <a:off x="6034713" y="1205332"/>
+          <a:ext cx="298668" cy="298668"/>
         </a:xfrm>
         <a:prstGeom prst="mathPlus">
           <a:avLst/>
@@ -2741,8 +3648,8 @@
         </a:p>
       </dsp:txBody>
       <dsp:txXfrm>
-        <a:off x="4372540" y="1329389"/>
-        <a:ext cx="157957" cy="50553"/>
+        <a:off x="6074301" y="1319543"/>
+        <a:ext cx="219492" cy="70246"/>
       </dsp:txXfrm>
     </dsp:sp>
     <dsp:sp modelId="{7D1B93CF-87E9-46F6-8FFD-9F655E37CDA4}">
@@ -2752,8 +3659,8 @@
       </dsp:nvSpPr>
       <dsp:spPr>
         <a:xfrm>
-          <a:off x="4589079" y="724799"/>
-          <a:ext cx="1259734" cy="1259734"/>
+          <a:off x="6375195" y="479429"/>
+          <a:ext cx="1750474" cy="1750474"/>
         </a:xfrm>
         <a:prstGeom prst="ellipse">
           <a:avLst/>
@@ -2824,154 +3731,8 @@
         </a:p>
       </dsp:txBody>
       <dsp:txXfrm>
-        <a:off x="4773563" y="909283"/>
-        <a:ext cx="890766" cy="890766"/>
-      </dsp:txXfrm>
-    </dsp:sp>
-    <dsp:sp modelId="{FD71648D-91C2-4B59-AF39-EEF0BD055F3E}">
-      <dsp:nvSpPr>
-        <dsp:cNvPr id="0" name=""/>
-        <dsp:cNvSpPr/>
-      </dsp:nvSpPr>
-      <dsp:spPr>
-        <a:xfrm>
-          <a:off x="5878905" y="1247197"/>
-          <a:ext cx="214937" cy="214937"/>
-        </a:xfrm>
-        <a:prstGeom prst="mathEqual">
-          <a:avLst/>
-        </a:prstGeom>
-        <a:solidFill>
-          <a:schemeClr val="dk1">
-            <a:tint val="60000"/>
-            <a:hueOff val="0"/>
-            <a:satOff val="0"/>
-            <a:lumOff val="0"/>
-            <a:alphaOff val="0"/>
-          </a:schemeClr>
-        </a:solidFill>
-        <a:ln>
-          <a:noFill/>
-        </a:ln>
-        <a:effectLst/>
-      </dsp:spPr>
-      <dsp:style>
-        <a:lnRef idx="0">
-          <a:scrgbClr r="0" g="0" b="0"/>
-        </a:lnRef>
-        <a:fillRef idx="1">
-          <a:scrgbClr r="0" g="0" b="0"/>
-        </a:fillRef>
-        <a:effectRef idx="0">
-          <a:scrgbClr r="0" g="0" b="0"/>
-        </a:effectRef>
-        <a:fontRef idx="minor">
-          <a:schemeClr val="lt1"/>
-        </a:fontRef>
-      </dsp:style>
-      <dsp:txBody>
-        <a:bodyPr spcFirstLastPara="0" vert="horz" wrap="square" lIns="0" tIns="0" rIns="0" bIns="0" numCol="1" spcCol="1270" anchor="ctr" anchorCtr="0">
-          <a:noAutofit/>
-        </a:bodyPr>
-        <a:lstStyle/>
-        <a:p>
-          <a:pPr marL="0" lvl="0" indent="0" algn="ctr" defTabSz="488950">
-            <a:lnSpc>
-              <a:spcPct val="90000"/>
-            </a:lnSpc>
-            <a:spcBef>
-              <a:spcPct val="0"/>
-            </a:spcBef>
-            <a:spcAft>
-              <a:spcPct val="35000"/>
-            </a:spcAft>
-            <a:buNone/>
-          </a:pPr>
-          <a:endParaRPr lang="en-US" sz="1100" kern="1200"/>
-        </a:p>
-      </dsp:txBody>
-      <dsp:txXfrm>
-        <a:off x="5907395" y="1291474"/>
-        <a:ext cx="157957" cy="126383"/>
-      </dsp:txXfrm>
-    </dsp:sp>
-    <dsp:sp modelId="{DCD4D832-91B7-4853-A402-407036EBDAA5}">
-      <dsp:nvSpPr>
-        <dsp:cNvPr id="0" name=""/>
-        <dsp:cNvSpPr/>
-      </dsp:nvSpPr>
-      <dsp:spPr>
-        <a:xfrm>
-          <a:off x="6123933" y="354046"/>
-          <a:ext cx="2001239" cy="2001239"/>
-        </a:xfrm>
-        <a:prstGeom prst="ellipse">
-          <a:avLst/>
-        </a:prstGeom>
-        <a:solidFill>
-          <a:schemeClr val="lt1">
-            <a:hueOff val="0"/>
-            <a:satOff val="0"/>
-            <a:lumOff val="0"/>
-            <a:alphaOff val="0"/>
-          </a:schemeClr>
-        </a:solidFill>
-        <a:ln w="12700" cap="flat" cmpd="sng" algn="ctr">
-          <a:solidFill>
-            <a:schemeClr val="dk1">
-              <a:shade val="80000"/>
-              <a:hueOff val="0"/>
-              <a:satOff val="0"/>
-              <a:lumOff val="0"/>
-              <a:alphaOff val="0"/>
-            </a:schemeClr>
-          </a:solidFill>
-          <a:prstDash val="solid"/>
-          <a:miter lim="800000"/>
-        </a:ln>
-        <a:effectLst/>
-      </dsp:spPr>
-      <dsp:style>
-        <a:lnRef idx="2">
-          <a:scrgbClr r="0" g="0" b="0"/>
-        </a:lnRef>
-        <a:fillRef idx="1">
-          <a:scrgbClr r="0" g="0" b="0"/>
-        </a:fillRef>
-        <a:effectRef idx="0">
-          <a:scrgbClr r="0" g="0" b="0"/>
-        </a:effectRef>
-        <a:fontRef idx="minor">
-          <a:schemeClr val="lt1"/>
-        </a:fontRef>
-      </dsp:style>
-      <dsp:txBody>
-        <a:bodyPr spcFirstLastPara="0" vert="horz" wrap="square" lIns="60960" tIns="60960" rIns="60960" bIns="60960" numCol="1" spcCol="1270" anchor="ctr" anchorCtr="0">
-          <a:noAutofit/>
-        </a:bodyPr>
-        <a:lstStyle/>
-        <a:p>
-          <a:pPr marL="0" lvl="0" indent="0" algn="ctr" defTabSz="2133600">
-            <a:lnSpc>
-              <a:spcPct val="90000"/>
-            </a:lnSpc>
-            <a:spcBef>
-              <a:spcPct val="0"/>
-            </a:spcBef>
-            <a:spcAft>
-              <a:spcPct val="35000"/>
-            </a:spcAft>
-            <a:buNone/>
-          </a:pPr>
-          <a:r>
-            <a:rPr lang="en-US" sz="4800" kern="1200" dirty="0"/>
-            <a:t>🦟</a:t>
-          </a:r>
-        </a:p>
-      </dsp:txBody>
-      <dsp:txXfrm>
-        <a:off x="6417008" y="647121"/>
-        <a:ext cx="1415089" cy="1415089"/>
+        <a:off x="6631546" y="735780"/>
+        <a:ext cx="1237772" cy="1237772"/>
       </dsp:txXfrm>
     </dsp:sp>
   </dsp:spTree>
@@ -4298,7 +5059,7 @@
           <a:p>
             <a:fld id="{DF7D3DBD-0B5D-4B79-92F9-F17AA9E647F4}" type="datetimeFigureOut">
               <a:rPr lang="en-US" smtClean="0"/>
-              <a:t>10/18/2021</a:t>
+              <a:t>10/23/2021</a:t>
             </a:fld>
             <a:endParaRPr lang="en-US"/>
           </a:p>
@@ -4468,7 +5229,7 @@
           <a:p>
             <a:fld id="{DF7D3DBD-0B5D-4B79-92F9-F17AA9E647F4}" type="datetimeFigureOut">
               <a:rPr lang="en-US" smtClean="0"/>
-              <a:t>10/18/2021</a:t>
+              <a:t>10/23/2021</a:t>
             </a:fld>
             <a:endParaRPr lang="en-US"/>
           </a:p>
@@ -4648,7 +5409,7 @@
           <a:p>
             <a:fld id="{DF7D3DBD-0B5D-4B79-92F9-F17AA9E647F4}" type="datetimeFigureOut">
               <a:rPr lang="en-US" smtClean="0"/>
-              <a:t>10/18/2021</a:t>
+              <a:t>10/23/2021</a:t>
             </a:fld>
             <a:endParaRPr lang="en-US"/>
           </a:p>
@@ -4818,7 +5579,7 @@
           <a:p>
             <a:fld id="{DF7D3DBD-0B5D-4B79-92F9-F17AA9E647F4}" type="datetimeFigureOut">
               <a:rPr lang="en-US" smtClean="0"/>
-              <a:t>10/18/2021</a:t>
+              <a:t>10/23/2021</a:t>
             </a:fld>
             <a:endParaRPr lang="en-US"/>
           </a:p>
@@ -5064,7 +5825,7 @@
           <a:p>
             <a:fld id="{DF7D3DBD-0B5D-4B79-92F9-F17AA9E647F4}" type="datetimeFigureOut">
               <a:rPr lang="en-US" smtClean="0"/>
-              <a:t>10/18/2021</a:t>
+              <a:t>10/23/2021</a:t>
             </a:fld>
             <a:endParaRPr lang="en-US"/>
           </a:p>
@@ -5296,7 +6057,7 @@
           <a:p>
             <a:fld id="{DF7D3DBD-0B5D-4B79-92F9-F17AA9E647F4}" type="datetimeFigureOut">
               <a:rPr lang="en-US" smtClean="0"/>
-              <a:t>10/18/2021</a:t>
+              <a:t>10/23/2021</a:t>
             </a:fld>
             <a:endParaRPr lang="en-US"/>
           </a:p>
@@ -5663,7 +6424,7 @@
           <a:p>
             <a:fld id="{DF7D3DBD-0B5D-4B79-92F9-F17AA9E647F4}" type="datetimeFigureOut">
               <a:rPr lang="en-US" smtClean="0"/>
-              <a:t>10/18/2021</a:t>
+              <a:t>10/23/2021</a:t>
             </a:fld>
             <a:endParaRPr lang="en-US"/>
           </a:p>
@@ -5781,7 +6542,7 @@
           <a:p>
             <a:fld id="{DF7D3DBD-0B5D-4B79-92F9-F17AA9E647F4}" type="datetimeFigureOut">
               <a:rPr lang="en-US" smtClean="0"/>
-              <a:t>10/18/2021</a:t>
+              <a:t>10/23/2021</a:t>
             </a:fld>
             <a:endParaRPr lang="en-US"/>
           </a:p>
@@ -5876,7 +6637,7 @@
           <a:p>
             <a:fld id="{DF7D3DBD-0B5D-4B79-92F9-F17AA9E647F4}" type="datetimeFigureOut">
               <a:rPr lang="en-US" smtClean="0"/>
-              <a:t>10/18/2021</a:t>
+              <a:t>10/23/2021</a:t>
             </a:fld>
             <a:endParaRPr lang="en-US"/>
           </a:p>
@@ -6153,7 +6914,7 @@
           <a:p>
             <a:fld id="{DF7D3DBD-0B5D-4B79-92F9-F17AA9E647F4}" type="datetimeFigureOut">
               <a:rPr lang="en-US" smtClean="0"/>
-              <a:t>10/18/2021</a:t>
+              <a:t>10/23/2021</a:t>
             </a:fld>
             <a:endParaRPr lang="en-US"/>
           </a:p>
@@ -6410,7 +7171,7 @@
           <a:p>
             <a:fld id="{DF7D3DBD-0B5D-4B79-92F9-F17AA9E647F4}" type="datetimeFigureOut">
               <a:rPr lang="en-US" smtClean="0"/>
-              <a:t>10/18/2021</a:t>
+              <a:t>10/23/2021</a:t>
             </a:fld>
             <a:endParaRPr lang="en-US"/>
           </a:p>
@@ -6623,7 +7384,7 @@
           <a:p>
             <a:fld id="{DF7D3DBD-0B5D-4B79-92F9-F17AA9E647F4}" type="datetimeFigureOut">
               <a:rPr lang="en-US" smtClean="0"/>
-              <a:t>10/18/2021</a:t>
+              <a:t>10/23/2021</a:t>
             </a:fld>
             <a:endParaRPr lang="en-US"/>
           </a:p>
@@ -7168,49 +7929,12 @@
           </a:p>
         </p:txBody>
       </p:sp>
-      <p:pic>
-        <p:nvPicPr>
-          <p:cNvPr id="4" name="Picture 3" descr="Graphical user interface&#10;&#10;Description automatically generated">
-            <a:extLst>
-              <a:ext uri="{FF2B5EF4-FFF2-40B4-BE49-F238E27FC236}">
-                <a16:creationId xmlns:a16="http://schemas.microsoft.com/office/drawing/2014/main" id="{98F7ABFF-0122-48C6-8C44-E5AA579569A9}"/>
-              </a:ext>
-            </a:extLst>
-          </p:cNvPr>
-          <p:cNvPicPr>
-            <a:picLocks noChangeAspect="1"/>
-          </p:cNvPicPr>
-          <p:nvPr/>
-        </p:nvPicPr>
-        <p:blipFill>
-          <a:blip r:embed="rId2">
-            <a:alphaModFix amt="10000"/>
-            <a:extLst>
-              <a:ext uri="{28A0092B-C50C-407E-A947-70E740481C1C}">
-                <a14:useLocalDpi xmlns:a14="http://schemas.microsoft.com/office/drawing/2010/main" val="0"/>
-              </a:ext>
-            </a:extLst>
-          </a:blip>
-          <a:stretch>
-            <a:fillRect/>
-          </a:stretch>
-        </p:blipFill>
-        <p:spPr>
-          <a:xfrm>
-            <a:off x="2026880" y="720410"/>
-            <a:ext cx="8138239" cy="5417180"/>
-          </a:xfrm>
-          <a:prstGeom prst="rect">
-            <a:avLst/>
-          </a:prstGeom>
-        </p:spPr>
-      </p:pic>
       <p:sp>
         <p:nvSpPr>
           <p:cNvPr id="6" name="Content Placeholder 2">
             <a:extLst>
               <a:ext uri="{FF2B5EF4-FFF2-40B4-BE49-F238E27FC236}">
-                <a16:creationId xmlns:a16="http://schemas.microsoft.com/office/drawing/2014/main" id="{AB4049CB-CA14-43EE-88EF-340D8FD3209B}"/>
+                <a16:creationId xmlns:a16="http://schemas.microsoft.com/office/drawing/2014/main" id="{2CB017C7-D5AC-43F3-B369-F7E14A201B1D}"/>
               </a:ext>
             </a:extLst>
           </p:cNvPr>
@@ -7235,58 +7959,21 @@
           <a:p>
             <a:r>
               <a:rPr lang="en-US" dirty="0"/>
-              <a:t>What are you doing?</a:t>
-            </a:r>
-          </a:p>
-          <a:p>
-            <a:pPr marL="457200" lvl="1" indent="0">
-              <a:buNone/>
-            </a:pPr>
+              <a:t>Convert wide data type to long data type</a:t>
+            </a:r>
+          </a:p>
+          <a:p>
             <a:r>
               <a:rPr lang="en-US" dirty="0"/>
-              <a:t>☠ The infection causes flu-like illness, and occasionally develops into a potentially lethal. </a:t>
-            </a:r>
-            <a:r>
-              <a:rPr lang="en-US" dirty="0">
-                <a:latin typeface="Angsana New" panose="02020603050405020304" pitchFamily="18" charset="-34"/>
-                <a:cs typeface="Angsana New" panose="02020603050405020304" pitchFamily="18" charset="-34"/>
-              </a:rPr>
-              <a:t>[1]</a:t>
-            </a:r>
-          </a:p>
-          <a:p>
-            <a:pPr marL="457200" lvl="1" indent="0">
-              <a:buNone/>
-            </a:pPr>
-            <a:r>
-              <a:rPr lang="en-US" b="0" i="0" dirty="0">
-                <a:effectLst/>
-              </a:rPr>
-              <a:t>⏲ There is no specific treatment for dengue, </a:t>
-            </a:r>
-            <a:r>
-              <a:rPr lang="en-US" b="0" i="0" u="sng" dirty="0">
-                <a:effectLst/>
-              </a:rPr>
-              <a:t>but early detection and access to proper medical care</a:t>
-            </a:r>
-            <a:r>
-              <a:rPr lang="en-US" b="0" i="0" dirty="0">
-                <a:effectLst/>
-              </a:rPr>
-              <a:t> lowers fatality rates below 1%.</a:t>
-            </a:r>
-            <a:endParaRPr lang="en-US" dirty="0">
-              <a:latin typeface="Angsana New" panose="02020603050405020304" pitchFamily="18" charset="-34"/>
-              <a:cs typeface="Angsana New" panose="02020603050405020304" pitchFamily="18" charset="-34"/>
-            </a:endParaRPr>
+              <a:t>Detect the NA</a:t>
+            </a:r>
           </a:p>
         </p:txBody>
       </p:sp>
     </p:spTree>
     <p:extLst>
       <p:ext uri="{BB962C8B-B14F-4D97-AF65-F5344CB8AC3E}">
-        <p14:creationId xmlns:p14="http://schemas.microsoft.com/office/powerpoint/2010/main" val="3627107895"/>
+        <p14:creationId xmlns:p14="http://schemas.microsoft.com/office/powerpoint/2010/main" val="3170640082"/>
       </p:ext>
     </p:extLst>
   </p:cSld>
@@ -7318,7 +8005,7 @@
           <p:cNvPr id="2" name="Title 1">
             <a:extLst>
               <a:ext uri="{FF2B5EF4-FFF2-40B4-BE49-F238E27FC236}">
-                <a16:creationId xmlns:a16="http://schemas.microsoft.com/office/drawing/2014/main" id="{765EBF66-776B-44CD-B84A-5B13AE020C97}"/>
+                <a16:creationId xmlns:a16="http://schemas.microsoft.com/office/drawing/2014/main" id="{7B5AF8A3-688C-4433-B27C-1BC216F81801}"/>
               </a:ext>
             </a:extLst>
           </p:cNvPr>
@@ -7341,438 +8028,213 @@
           </a:p>
         </p:txBody>
       </p:sp>
-      <p:grpSp>
-        <p:nvGrpSpPr>
-          <p:cNvPr id="5" name="Group 4">
+      <p:sp>
+        <p:nvSpPr>
+          <p:cNvPr id="6" name="Content Placeholder 2">
             <a:extLst>
               <a:ext uri="{FF2B5EF4-FFF2-40B4-BE49-F238E27FC236}">
-                <a16:creationId xmlns:a16="http://schemas.microsoft.com/office/drawing/2014/main" id="{B5832450-4DAE-48AC-8729-D74DB02D3730}"/>
+                <a16:creationId xmlns:a16="http://schemas.microsoft.com/office/drawing/2014/main" id="{2CB017C7-D5AC-43F3-B369-F7E14A201B1D}"/>
               </a:ext>
             </a:extLst>
           </p:cNvPr>
-          <p:cNvGrpSpPr/>
-          <p:nvPr/>
-        </p:nvGrpSpPr>
-        <p:grpSpPr>
+          <p:cNvSpPr>
+            <a:spLocks noGrp="1"/>
+          </p:cNvSpPr>
+          <p:nvPr>
+            <p:ph idx="1"/>
+          </p:nvPr>
+        </p:nvSpPr>
+        <p:spPr>
           <a:xfrm>
-            <a:off x="3527424" y="2430463"/>
-            <a:ext cx="2462033" cy="2462033"/>
-            <a:chOff x="5665375" y="1478316"/>
-            <a:chExt cx="2462033" cy="2462033"/>
+            <a:off x="838200" y="1825625"/>
+            <a:ext cx="10515600" cy="4351338"/>
           </a:xfrm>
-        </p:grpSpPr>
-        <p:sp>
-          <p:nvSpPr>
-            <p:cNvPr id="6" name="Oval 5">
-              <a:extLst>
-                <a:ext uri="{FF2B5EF4-FFF2-40B4-BE49-F238E27FC236}">
-                  <a16:creationId xmlns:a16="http://schemas.microsoft.com/office/drawing/2014/main" id="{50F958EC-BEB2-4591-8535-6C043747678E}"/>
-                </a:ext>
-              </a:extLst>
-            </p:cNvPr>
-            <p:cNvSpPr/>
-            <p:nvPr/>
-          </p:nvSpPr>
-          <p:spPr>
-            <a:xfrm>
-              <a:off x="5665375" y="1478316"/>
-              <a:ext cx="2462033" cy="2462033"/>
-            </a:xfrm>
-            <a:prstGeom prst="ellipse">
-              <a:avLst/>
-            </a:prstGeom>
-          </p:spPr>
-          <p:style>
-            <a:lnRef idx="2">
-              <a:schemeClr val="dk1">
-                <a:shade val="80000"/>
-                <a:hueOff val="0"/>
-                <a:satOff val="0"/>
-                <a:lumOff val="0"/>
-                <a:alphaOff val="0"/>
-              </a:schemeClr>
-            </a:lnRef>
-            <a:fillRef idx="1">
-              <a:schemeClr val="lt1">
-                <a:hueOff val="0"/>
-                <a:satOff val="0"/>
-                <a:lumOff val="0"/>
-                <a:alphaOff val="0"/>
-              </a:schemeClr>
-            </a:fillRef>
-            <a:effectRef idx="0">
-              <a:schemeClr val="lt1">
-                <a:hueOff val="0"/>
-                <a:satOff val="0"/>
-                <a:lumOff val="0"/>
-                <a:alphaOff val="0"/>
-              </a:schemeClr>
-            </a:effectRef>
-            <a:fontRef idx="minor">
-              <a:schemeClr val="dk1">
-                <a:hueOff val="0"/>
-                <a:satOff val="0"/>
-                <a:lumOff val="0"/>
-                <a:alphaOff val="0"/>
-              </a:schemeClr>
-            </a:fontRef>
-          </p:style>
-        </p:sp>
-        <p:sp>
-          <p:nvSpPr>
-            <p:cNvPr id="7" name="Oval 4">
-              <a:extLst>
-                <a:ext uri="{FF2B5EF4-FFF2-40B4-BE49-F238E27FC236}">
-                  <a16:creationId xmlns:a16="http://schemas.microsoft.com/office/drawing/2014/main" id="{6C8D6689-4F48-4B67-8BB9-C6552D2778E7}"/>
-                </a:ext>
-              </a:extLst>
-            </p:cNvPr>
-            <p:cNvSpPr txBox="1"/>
-            <p:nvPr/>
-          </p:nvSpPr>
-          <p:spPr>
-            <a:xfrm>
-              <a:off x="6025931" y="1838872"/>
-              <a:ext cx="1740921" cy="1740921"/>
-            </a:xfrm>
-            <a:prstGeom prst="rect">
-              <a:avLst/>
-            </a:prstGeom>
-          </p:spPr>
-          <p:style>
-            <a:lnRef idx="0">
-              <a:scrgbClr r="0" g="0" b="0"/>
-            </a:lnRef>
-            <a:fillRef idx="0">
-              <a:scrgbClr r="0" g="0" b="0"/>
-            </a:fillRef>
-            <a:effectRef idx="0">
-              <a:scrgbClr r="0" g="0" b="0"/>
-            </a:effectRef>
-            <a:fontRef idx="minor">
-              <a:schemeClr val="dk1">
-                <a:hueOff val="0"/>
-                <a:satOff val="0"/>
-                <a:lumOff val="0"/>
-                <a:alphaOff val="0"/>
-              </a:schemeClr>
-            </a:fontRef>
-          </p:style>
-          <p:txBody>
-            <a:bodyPr spcFirstLastPara="0" vert="horz" wrap="square" lIns="20320" tIns="20320" rIns="20320" bIns="20320" numCol="1" spcCol="1270" anchor="ctr" anchorCtr="0">
-              <a:noAutofit/>
-            </a:bodyPr>
-            <a:lstStyle/>
-            <a:p>
-              <a:pPr marL="0" lvl="0" indent="0" algn="ctr" defTabSz="711200">
-                <a:lnSpc>
-                  <a:spcPct val="90000"/>
-                </a:lnSpc>
-                <a:spcBef>
-                  <a:spcPct val="0"/>
-                </a:spcBef>
-                <a:spcAft>
-                  <a:spcPct val="35000"/>
-                </a:spcAft>
-                <a:buNone/>
-              </a:pPr>
-              <a:r>
-                <a:rPr lang="en-US" sz="1600" kern="1200" dirty="0"/>
-                <a:t>⚙ Processed</a:t>
-              </a:r>
-            </a:p>
-          </p:txBody>
-        </p:sp>
-      </p:grpSp>
-      <p:grpSp>
-        <p:nvGrpSpPr>
-          <p:cNvPr id="8" name="Group 7">
+        </p:spPr>
+        <p:txBody>
+          <a:bodyPr>
+            <a:normAutofit/>
+          </a:bodyPr>
+          <a:lstStyle/>
+          <a:p>
+            <a:r>
+              <a:rPr lang="en-US" dirty="0"/>
+              <a:t>One hot encoding</a:t>
+            </a:r>
+          </a:p>
+        </p:txBody>
+      </p:sp>
+      <p:sp>
+        <p:nvSpPr>
+          <p:cNvPr id="15" name="Equals 4">
             <a:extLst>
               <a:ext uri="{FF2B5EF4-FFF2-40B4-BE49-F238E27FC236}">
-                <a16:creationId xmlns:a16="http://schemas.microsoft.com/office/drawing/2014/main" id="{E71E5EF2-5CB7-4728-B38F-4559A98064D2}"/>
+                <a16:creationId xmlns:a16="http://schemas.microsoft.com/office/drawing/2014/main" id="{8DFB079C-C907-4273-94BC-8456CC4F2E2D}"/>
               </a:ext>
             </a:extLst>
           </p:cNvPr>
-          <p:cNvGrpSpPr/>
+          <p:cNvSpPr txBox="1"/>
           <p:nvPr/>
-        </p:nvGrpSpPr>
-        <p:grpSpPr>
-          <a:xfrm>
-            <a:off x="6751818" y="1474084"/>
-            <a:ext cx="1912758" cy="1912758"/>
-            <a:chOff x="5665375" y="1478316"/>
-            <a:chExt cx="2462033" cy="2462033"/>
+        </p:nvSpPr>
+        <p:spPr>
+          <a:xfrm rot="16200000">
+            <a:off x="2849420" y="3723223"/>
+            <a:ext cx="359039" cy="287271"/>
           </a:xfrm>
-        </p:grpSpPr>
-        <p:sp>
-          <p:nvSpPr>
-            <p:cNvPr id="9" name="Oval 8">
-              <a:extLst>
-                <a:ext uri="{FF2B5EF4-FFF2-40B4-BE49-F238E27FC236}">
-                  <a16:creationId xmlns:a16="http://schemas.microsoft.com/office/drawing/2014/main" id="{12FA4AC0-A606-4700-8912-F95CE18507E1}"/>
-                </a:ext>
-              </a:extLst>
-            </p:cNvPr>
-            <p:cNvSpPr/>
-            <p:nvPr/>
-          </p:nvSpPr>
-          <p:spPr>
-            <a:xfrm>
-              <a:off x="5665375" y="1478316"/>
-              <a:ext cx="2462033" cy="2462033"/>
-            </a:xfrm>
-            <a:prstGeom prst="ellipse">
-              <a:avLst/>
-            </a:prstGeom>
-          </p:spPr>
-          <p:style>
-            <a:lnRef idx="2">
-              <a:schemeClr val="dk1">
-                <a:shade val="80000"/>
-                <a:hueOff val="0"/>
-                <a:satOff val="0"/>
-                <a:lumOff val="0"/>
-                <a:alphaOff val="0"/>
-              </a:schemeClr>
-            </a:lnRef>
-            <a:fillRef idx="1">
-              <a:schemeClr val="lt1">
-                <a:hueOff val="0"/>
-                <a:satOff val="0"/>
-                <a:lumOff val="0"/>
-                <a:alphaOff val="0"/>
-              </a:schemeClr>
-            </a:fillRef>
-            <a:effectRef idx="0">
-              <a:schemeClr val="lt1">
-                <a:hueOff val="0"/>
-                <a:satOff val="0"/>
-                <a:lumOff val="0"/>
-                <a:alphaOff val="0"/>
-              </a:schemeClr>
-            </a:effectRef>
-            <a:fontRef idx="minor">
-              <a:schemeClr val="dk1">
-                <a:hueOff val="0"/>
-                <a:satOff val="0"/>
-                <a:lumOff val="0"/>
-                <a:alphaOff val="0"/>
-              </a:schemeClr>
-            </a:fontRef>
-          </p:style>
-        </p:sp>
-        <p:sp>
-          <p:nvSpPr>
-            <p:cNvPr id="10" name="Oval 4">
-              <a:extLst>
-                <a:ext uri="{FF2B5EF4-FFF2-40B4-BE49-F238E27FC236}">
-                  <a16:creationId xmlns:a16="http://schemas.microsoft.com/office/drawing/2014/main" id="{B1BBFA59-13E1-453B-B98A-95269EED1CA5}"/>
-                </a:ext>
-              </a:extLst>
-            </p:cNvPr>
-            <p:cNvSpPr txBox="1"/>
-            <p:nvPr/>
-          </p:nvSpPr>
-          <p:spPr>
-            <a:xfrm>
-              <a:off x="6025931" y="1838872"/>
-              <a:ext cx="1740921" cy="1740921"/>
-            </a:xfrm>
-            <a:prstGeom prst="rect">
-              <a:avLst/>
-            </a:prstGeom>
-          </p:spPr>
-          <p:style>
-            <a:lnRef idx="0">
-              <a:scrgbClr r="0" g="0" b="0"/>
-            </a:lnRef>
-            <a:fillRef idx="0">
-              <a:scrgbClr r="0" g="0" b="0"/>
-            </a:fillRef>
-            <a:effectRef idx="0">
-              <a:scrgbClr r="0" g="0" b="0"/>
-            </a:effectRef>
-            <a:fontRef idx="minor">
-              <a:schemeClr val="dk1">
-                <a:hueOff val="0"/>
-                <a:satOff val="0"/>
-                <a:lumOff val="0"/>
-                <a:alphaOff val="0"/>
-              </a:schemeClr>
-            </a:fontRef>
-          </p:style>
-          <p:txBody>
-            <a:bodyPr spcFirstLastPara="0" vert="horz" wrap="square" lIns="20320" tIns="20320" rIns="20320" bIns="20320" numCol="1" spcCol="1270" anchor="ctr" anchorCtr="0">
-              <a:noAutofit/>
-            </a:bodyPr>
-            <a:lstStyle/>
-            <a:p>
-              <a:pPr marL="0" lvl="0" indent="0" algn="ctr" defTabSz="711200">
-                <a:lnSpc>
-                  <a:spcPct val="90000"/>
-                </a:lnSpc>
-                <a:spcBef>
-                  <a:spcPct val="0"/>
-                </a:spcBef>
-                <a:spcAft>
-                  <a:spcPct val="35000"/>
-                </a:spcAft>
-                <a:buNone/>
-              </a:pPr>
-              <a:r>
-                <a:rPr lang="en-US" sz="1600" kern="1200" dirty="0"/>
-                <a:t>📈 Linear regression model</a:t>
-              </a:r>
-            </a:p>
-          </p:txBody>
-        </p:sp>
-      </p:grpSp>
-      <p:grpSp>
-        <p:nvGrpSpPr>
-          <p:cNvPr id="16" name="Group 15">
+          <a:prstGeom prst="downArrow">
+            <a:avLst/>
+          </a:prstGeom>
+          <a:solidFill>
+            <a:srgbClr val="C00000"/>
+          </a:solidFill>
+        </p:spPr>
+        <p:style>
+          <a:lnRef idx="0">
+            <a:scrgbClr r="0" g="0" b="0"/>
+          </a:lnRef>
+          <a:fillRef idx="0">
+            <a:scrgbClr r="0" g="0" b="0"/>
+          </a:fillRef>
+          <a:effectRef idx="0">
+            <a:scrgbClr r="0" g="0" b="0"/>
+          </a:effectRef>
+          <a:fontRef idx="minor">
+            <a:schemeClr val="dk1">
+              <a:hueOff val="0"/>
+              <a:satOff val="0"/>
+              <a:lumOff val="0"/>
+              <a:alphaOff val="0"/>
+            </a:schemeClr>
+          </a:fontRef>
+        </p:style>
+        <p:txBody>
+          <a:bodyPr spcFirstLastPara="0" vert="horz" wrap="square" lIns="0" tIns="0" rIns="0" bIns="0" numCol="1" spcCol="1270" anchor="ctr" anchorCtr="0">
+            <a:noAutofit/>
+          </a:bodyPr>
+          <a:lstStyle/>
+          <a:p>
+            <a:pPr marL="0" lvl="0" indent="0" algn="ctr" defTabSz="488950">
+              <a:lnSpc>
+                <a:spcPct val="90000"/>
+              </a:lnSpc>
+              <a:spcBef>
+                <a:spcPct val="0"/>
+              </a:spcBef>
+              <a:spcAft>
+                <a:spcPct val="35000"/>
+              </a:spcAft>
+              <a:buNone/>
+            </a:pPr>
+            <a:endParaRPr lang="en-US" sz="1100" kern="1200"/>
+          </a:p>
+        </p:txBody>
+      </p:sp>
+      <p:sp>
+        <p:nvSpPr>
+          <p:cNvPr id="18" name="TextBox 17">
             <a:extLst>
               <a:ext uri="{FF2B5EF4-FFF2-40B4-BE49-F238E27FC236}">
-                <a16:creationId xmlns:a16="http://schemas.microsoft.com/office/drawing/2014/main" id="{7CB81C2A-E647-4DD8-9A0D-E093C5991C0B}"/>
+                <a16:creationId xmlns:a16="http://schemas.microsoft.com/office/drawing/2014/main" id="{3485E101-A320-4672-8E48-7C3861AD7A8D}"/>
               </a:ext>
             </a:extLst>
           </p:cNvPr>
-          <p:cNvGrpSpPr/>
+          <p:cNvSpPr txBox="1"/>
           <p:nvPr/>
-        </p:nvGrpSpPr>
-        <p:grpSpPr>
-          <a:xfrm rot="18900000">
-            <a:off x="6350013" y="2974512"/>
-            <a:ext cx="264427" cy="264427"/>
-            <a:chOff x="1587404" y="2577119"/>
-            <a:chExt cx="264427" cy="264427"/>
+        </p:nvSpPr>
+        <p:spPr>
+          <a:xfrm>
+            <a:off x="2275693" y="5064069"/>
+            <a:ext cx="1456575" cy="369332"/>
           </a:xfrm>
-        </p:grpSpPr>
-        <p:sp>
-          <p:nvSpPr>
-            <p:cNvPr id="17" name="Plus Sign 16">
-              <a:extLst>
-                <a:ext uri="{FF2B5EF4-FFF2-40B4-BE49-F238E27FC236}">
-                  <a16:creationId xmlns:a16="http://schemas.microsoft.com/office/drawing/2014/main" id="{9CBAAFCA-6EEC-400B-86D4-DB5CBD6C7C46}"/>
-                </a:ext>
-              </a:extLst>
-            </p:cNvPr>
-            <p:cNvSpPr/>
-            <p:nvPr/>
-          </p:nvSpPr>
-          <p:spPr>
-            <a:xfrm>
-              <a:off x="1587404" y="2577119"/>
-              <a:ext cx="264427" cy="264427"/>
-            </a:xfrm>
-            <a:prstGeom prst="rightArrow">
-              <a:avLst/>
-            </a:prstGeom>
-          </p:spPr>
-          <p:style>
-            <a:lnRef idx="0">
-              <a:schemeClr val="dk1">
-                <a:tint val="60000"/>
-                <a:hueOff val="0"/>
-                <a:satOff val="0"/>
-                <a:lumOff val="0"/>
-                <a:alphaOff val="0"/>
+          <a:prstGeom prst="rect">
+            <a:avLst/>
+          </a:prstGeom>
+          <a:noFill/>
+        </p:spPr>
+        <p:txBody>
+          <a:bodyPr wrap="square" rtlCol="0">
+            <a:spAutoFit/>
+          </a:bodyPr>
+          <a:lstStyle/>
+          <a:p>
+            <a:r>
+              <a:rPr lang="en-US" dirty="0"/>
+              <a:t>Extract year</a:t>
+            </a:r>
+          </a:p>
+        </p:txBody>
+      </p:sp>
+      <p:pic>
+        <p:nvPicPr>
+          <p:cNvPr id="4" name="Picture 3">
+            <a:extLst>
+              <a:ext uri="{FF2B5EF4-FFF2-40B4-BE49-F238E27FC236}">
+                <a16:creationId xmlns:a16="http://schemas.microsoft.com/office/drawing/2014/main" id="{2B9DEBE0-00E2-45F2-BAAC-239AD699D13C}"/>
+              </a:ext>
+            </a:extLst>
+          </p:cNvPr>
+          <p:cNvPicPr>
+            <a:picLocks noChangeAspect="1"/>
+          </p:cNvPicPr>
+          <p:nvPr/>
+        </p:nvPicPr>
+        <p:blipFill>
+          <a:blip r:embed="rId2"/>
+          <a:stretch>
+            <a:fillRect/>
+          </a:stretch>
+        </p:blipFill>
+        <p:spPr>
+          <a:xfrm>
+            <a:off x="1692258" y="2475023"/>
+            <a:ext cx="822341" cy="2424632"/>
+          </a:xfrm>
+          <a:prstGeom prst="rect">
+            <a:avLst/>
+          </a:prstGeom>
+        </p:spPr>
+      </p:pic>
+      <p:pic>
+        <p:nvPicPr>
+          <p:cNvPr id="8" name="Picture 7">
+            <a:extLst>
+              <a:ext uri="{FF2B5EF4-FFF2-40B4-BE49-F238E27FC236}">
+                <a16:creationId xmlns:a16="http://schemas.microsoft.com/office/drawing/2014/main" id="{26EB9C02-A597-44A6-BDA7-D96596E4DE46}"/>
+              </a:ext>
+            </a:extLst>
+          </p:cNvPr>
+          <p:cNvPicPr>
+            <a:picLocks noChangeAspect="1"/>
+          </p:cNvPicPr>
+          <p:nvPr/>
+        </p:nvPicPr>
+        <p:blipFill>
+          <a:blip r:embed="rId3"/>
+          <a:stretch>
+            <a:fillRect/>
+          </a:stretch>
+        </p:blipFill>
+        <p:spPr>
+          <a:xfrm>
+            <a:off x="3543280" y="2659803"/>
+            <a:ext cx="5825385" cy="2239852"/>
+          </a:xfrm>
+          <a:prstGeom prst="rect">
+            <a:avLst/>
+          </a:prstGeom>
+          <a:effectLst>
+            <a:glow rad="228600">
+              <a:schemeClr val="accent6">
+                <a:satMod val="175000"/>
+                <a:alpha val="40000"/>
               </a:schemeClr>
-            </a:lnRef>
-            <a:fillRef idx="1">
-              <a:schemeClr val="dk1">
-                <a:tint val="60000"/>
-                <a:hueOff val="0"/>
-                <a:satOff val="0"/>
-                <a:lumOff val="0"/>
-                <a:alphaOff val="0"/>
-              </a:schemeClr>
-            </a:fillRef>
-            <a:effectRef idx="0">
-              <a:schemeClr val="dk1">
-                <a:tint val="60000"/>
-                <a:hueOff val="0"/>
-                <a:satOff val="0"/>
-                <a:lumOff val="0"/>
-                <a:alphaOff val="0"/>
-              </a:schemeClr>
-            </a:effectRef>
-            <a:fontRef idx="minor">
-              <a:schemeClr val="dk1">
-                <a:hueOff val="0"/>
-                <a:satOff val="0"/>
-                <a:lumOff val="0"/>
-                <a:alphaOff val="0"/>
-              </a:schemeClr>
-            </a:fontRef>
-          </p:style>
-        </p:sp>
-        <p:sp>
-          <p:nvSpPr>
-            <p:cNvPr id="18" name="Plus Sign 4">
-              <a:extLst>
-                <a:ext uri="{FF2B5EF4-FFF2-40B4-BE49-F238E27FC236}">
-                  <a16:creationId xmlns:a16="http://schemas.microsoft.com/office/drawing/2014/main" id="{B99EC8D4-D13F-4284-905E-4691E6F18FD4}"/>
-                </a:ext>
-              </a:extLst>
-            </p:cNvPr>
-            <p:cNvSpPr txBox="1"/>
-            <p:nvPr/>
-          </p:nvSpPr>
-          <p:spPr>
-            <a:xfrm>
-              <a:off x="1622454" y="2678236"/>
-              <a:ext cx="194327" cy="62193"/>
-            </a:xfrm>
-            <a:prstGeom prst="rightArrow">
-              <a:avLst/>
-            </a:prstGeom>
-          </p:spPr>
-          <p:style>
-            <a:lnRef idx="0">
-              <a:scrgbClr r="0" g="0" b="0"/>
-            </a:lnRef>
-            <a:fillRef idx="0">
-              <a:scrgbClr r="0" g="0" b="0"/>
-            </a:fillRef>
-            <a:effectRef idx="0">
-              <a:scrgbClr r="0" g="0" b="0"/>
-            </a:effectRef>
-            <a:fontRef idx="minor">
-              <a:schemeClr val="dk1">
-                <a:hueOff val="0"/>
-                <a:satOff val="0"/>
-                <a:lumOff val="0"/>
-                <a:alphaOff val="0"/>
-              </a:schemeClr>
-            </a:fontRef>
-          </p:style>
-          <p:txBody>
-            <a:bodyPr spcFirstLastPara="0" vert="horz" wrap="square" lIns="0" tIns="0" rIns="0" bIns="0" numCol="1" spcCol="1270" anchor="ctr" anchorCtr="0">
-              <a:noAutofit/>
-            </a:bodyPr>
-            <a:lstStyle/>
-            <a:p>
-              <a:pPr marL="0" lvl="0" indent="0" algn="ctr" defTabSz="488950">
-                <a:lnSpc>
-                  <a:spcPct val="90000"/>
-                </a:lnSpc>
-                <a:spcBef>
-                  <a:spcPct val="0"/>
-                </a:spcBef>
-                <a:spcAft>
-                  <a:spcPct val="35000"/>
-                </a:spcAft>
-                <a:buNone/>
-              </a:pPr>
-              <a:endParaRPr lang="en-US" sz="1100" kern="1200"/>
-            </a:p>
-          </p:txBody>
-        </p:sp>
-      </p:grpSp>
+            </a:glow>
+          </a:effectLst>
+        </p:spPr>
+      </p:pic>
     </p:spTree>
     <p:extLst>
       <p:ext uri="{BB962C8B-B14F-4D97-AF65-F5344CB8AC3E}">
-        <p14:creationId xmlns:p14="http://schemas.microsoft.com/office/powerpoint/2010/main" val="3940567905"/>
+        <p14:creationId xmlns:p14="http://schemas.microsoft.com/office/powerpoint/2010/main" val="3312985341"/>
       </p:ext>
     </p:extLst>
   </p:cSld>
@@ -7804,7 +8266,7 @@
           <p:cNvPr id="2" name="Title 1">
             <a:extLst>
               <a:ext uri="{FF2B5EF4-FFF2-40B4-BE49-F238E27FC236}">
-                <a16:creationId xmlns:a16="http://schemas.microsoft.com/office/drawing/2014/main" id="{765EBF66-776B-44CD-B84A-5B13AE020C97}"/>
+                <a16:creationId xmlns:a16="http://schemas.microsoft.com/office/drawing/2014/main" id="{7B5AF8A3-688C-4433-B27C-1BC216F81801}"/>
               </a:ext>
             </a:extLst>
           </p:cNvPr>
@@ -7822,44 +8284,55 @@
           <a:p>
             <a:r>
               <a:rPr lang="en-US" dirty="0"/>
-              <a:t>Regression model</a:t>
+              <a:t>Done</a:t>
             </a:r>
           </a:p>
         </p:txBody>
       </p:sp>
       <p:pic>
         <p:nvPicPr>
-          <p:cNvPr id="13" name="Picture 12">
+          <p:cNvPr id="9" name="Content Placeholder 8">
             <a:extLst>
               <a:ext uri="{FF2B5EF4-FFF2-40B4-BE49-F238E27FC236}">
-                <a16:creationId xmlns:a16="http://schemas.microsoft.com/office/drawing/2014/main" id="{4E98657A-578F-4D69-ACFF-A90AF0B62A89}"/>
+                <a16:creationId xmlns:a16="http://schemas.microsoft.com/office/drawing/2014/main" id="{7E4630F3-6912-41B7-9BFD-4BF03D94ED95}"/>
               </a:ext>
             </a:extLst>
           </p:cNvPr>
           <p:cNvPicPr>
-            <a:picLocks noChangeAspect="1"/>
+            <a:picLocks noGrp="1" noChangeAspect="1"/>
           </p:cNvPicPr>
-          <p:nvPr/>
+          <p:nvPr>
+            <p:ph idx="1"/>
+          </p:nvPr>
         </p:nvPicPr>
-        <p:blipFill rotWithShape="1">
+        <p:blipFill>
           <a:blip r:embed="rId2"/>
-          <a:srcRect r="11726"/>
-          <a:stretch/>
+          <a:stretch>
+            <a:fillRect/>
+          </a:stretch>
         </p:blipFill>
         <p:spPr>
           <a:xfrm>
-            <a:off x="5346710" y="0"/>
-            <a:ext cx="6845290" cy="6858000"/>
+            <a:off x="2375798" y="2333625"/>
+            <a:ext cx="6971509" cy="2680535"/>
           </a:xfrm>
           <a:prstGeom prst="rect">
             <a:avLst/>
           </a:prstGeom>
+          <a:effectLst>
+            <a:glow rad="228600">
+              <a:schemeClr val="accent6">
+                <a:satMod val="175000"/>
+                <a:alpha val="40000"/>
+              </a:schemeClr>
+            </a:glow>
+          </a:effectLst>
         </p:spPr>
       </p:pic>
     </p:spTree>
     <p:extLst>
       <p:ext uri="{BB962C8B-B14F-4D97-AF65-F5344CB8AC3E}">
-        <p14:creationId xmlns:p14="http://schemas.microsoft.com/office/powerpoint/2010/main" val="2518818147"/>
+        <p14:creationId xmlns:p14="http://schemas.microsoft.com/office/powerpoint/2010/main" val="2918231412"/>
       </p:ext>
     </p:extLst>
   </p:cSld>
@@ -7909,7 +8382,7 @@
           <a:p>
             <a:r>
               <a:rPr lang="en-US" dirty="0"/>
-              <a:t>Try to test in 5 methods</a:t>
+              <a:t>Try to test in 5 methods 🛠</a:t>
             </a:r>
           </a:p>
         </p:txBody>
@@ -7988,7 +8461,7 @@
             </a:pPr>
             <a:r>
               <a:rPr lang="en-US" dirty="0"/>
-              <a:t>Polynomial Regression ⭐</a:t>
+              <a:t>Polynomial Regression</a:t>
             </a:r>
           </a:p>
         </p:txBody>
@@ -8028,7 +8501,7 @@
           <p:cNvPr id="2" name="Title 1">
             <a:extLst>
               <a:ext uri="{FF2B5EF4-FFF2-40B4-BE49-F238E27FC236}">
-                <a16:creationId xmlns:a16="http://schemas.microsoft.com/office/drawing/2014/main" id="{1F9FC55C-DFFA-419E-BB9C-906FAE015F85}"/>
+                <a16:creationId xmlns:a16="http://schemas.microsoft.com/office/drawing/2014/main" id="{765EBF66-776B-44CD-B84A-5B13AE020C97}"/>
               </a:ext>
             </a:extLst>
           </p:cNvPr>
@@ -8045,98 +8518,42 @@
           <a:lstStyle/>
           <a:p>
             <a:r>
-              <a:rPr lang="en-US" dirty="0"/>
-              <a:t>Polynomial regression</a:t>
-            </a:r>
+              <a:rPr lang="en-US" sz="4400" dirty="0"/>
+              <a:t>Multiple Linear Regression</a:t>
+            </a:r>
+            <a:endParaRPr lang="en-US" dirty="0"/>
           </a:p>
         </p:txBody>
       </p:sp>
-      <p:pic>
-        <p:nvPicPr>
-          <p:cNvPr id="1026" name="Picture 2">
+      <p:sp>
+        <p:nvSpPr>
+          <p:cNvPr id="8" name="Content Placeholder 7">
             <a:extLst>
               <a:ext uri="{FF2B5EF4-FFF2-40B4-BE49-F238E27FC236}">
-                <a16:creationId xmlns:a16="http://schemas.microsoft.com/office/drawing/2014/main" id="{3183A202-FF3D-471D-B7C6-21E5BB26E310}"/>
+                <a16:creationId xmlns:a16="http://schemas.microsoft.com/office/drawing/2014/main" id="{B4F1FBF7-40ED-4691-850B-058E2C08F123}"/>
               </a:ext>
             </a:extLst>
           </p:cNvPr>
-          <p:cNvPicPr>
-            <a:picLocks noChangeAspect="1" noChangeArrowheads="1"/>
-          </p:cNvPicPr>
-          <p:nvPr/>
-        </p:nvPicPr>
-        <p:blipFill>
-          <a:blip r:embed="rId2">
-            <a:extLst>
-              <a:ext uri="{28A0092B-C50C-407E-A947-70E740481C1C}">
-                <a14:useLocalDpi xmlns:a14="http://schemas.microsoft.com/office/drawing/2010/main" val="0"/>
-              </a:ext>
-            </a:extLst>
-          </a:blip>
-          <a:srcRect/>
-          <a:stretch>
-            <a:fillRect/>
-          </a:stretch>
-        </p:blipFill>
-        <p:spPr bwMode="auto">
-          <a:xfrm>
-            <a:off x="3106738" y="2145358"/>
-            <a:ext cx="5978525" cy="3957935"/>
-          </a:xfrm>
-          <a:prstGeom prst="rect">
-            <a:avLst/>
-          </a:prstGeom>
-          <a:noFill/>
-          <a:extLst>
-            <a:ext uri="{909E8E84-426E-40DD-AFC4-6F175D3DCCD1}">
-              <a14:hiddenFill xmlns:a14="http://schemas.microsoft.com/office/drawing/2010/main">
-                <a:solidFill>
-                  <a:srgbClr val="FFFFFF"/>
-                </a:solidFill>
-              </a14:hiddenFill>
-            </a:ext>
-          </a:extLst>
-        </p:spPr>
-      </p:pic>
-      <p:sp>
-        <p:nvSpPr>
-          <p:cNvPr id="6" name="TextBox 5">
-            <a:extLst>
-              <a:ext uri="{FF2B5EF4-FFF2-40B4-BE49-F238E27FC236}">
-                <a16:creationId xmlns:a16="http://schemas.microsoft.com/office/drawing/2014/main" id="{A875ED3D-5738-43B3-A5F1-14BCAF507DED}"/>
-              </a:ext>
-            </a:extLst>
-          </p:cNvPr>
-          <p:cNvSpPr txBox="1"/>
-          <p:nvPr/>
+          <p:cNvSpPr>
+            <a:spLocks noGrp="1"/>
+          </p:cNvSpPr>
+          <p:nvPr>
+            <p:ph idx="1"/>
+          </p:nvPr>
         </p:nvSpPr>
-        <p:spPr>
-          <a:xfrm>
-            <a:off x="5456242" y="1776026"/>
-            <a:ext cx="1279517" cy="369332"/>
-          </a:xfrm>
-          <a:prstGeom prst="rect">
-            <a:avLst/>
-          </a:prstGeom>
-          <a:noFill/>
-        </p:spPr>
+        <p:spPr/>
         <p:txBody>
-          <a:bodyPr wrap="none" rtlCol="0">
-            <a:spAutoFit/>
-          </a:bodyPr>
+          <a:bodyPr/>
           <a:lstStyle/>
           <a:p>
-            <a:r>
-              <a:rPr lang="en-US" dirty="0"/>
-              <a:t>Degree = 2</a:t>
-            </a:r>
+            <a:endParaRPr lang="en-US"/>
           </a:p>
         </p:txBody>
       </p:sp>
     </p:spTree>
     <p:extLst>
       <p:ext uri="{BB962C8B-B14F-4D97-AF65-F5344CB8AC3E}">
-        <p14:creationId xmlns:p14="http://schemas.microsoft.com/office/powerpoint/2010/main" val="2526082184"/>
+        <p14:creationId xmlns:p14="http://schemas.microsoft.com/office/powerpoint/2010/main" val="1160613658"/>
       </p:ext>
     </p:extLst>
   </p:cSld>
@@ -8168,7 +8585,7 @@
           <p:cNvPr id="2" name="Title 1">
             <a:extLst>
               <a:ext uri="{FF2B5EF4-FFF2-40B4-BE49-F238E27FC236}">
-                <a16:creationId xmlns:a16="http://schemas.microsoft.com/office/drawing/2014/main" id="{1F9FC55C-DFFA-419E-BB9C-906FAE015F85}"/>
+                <a16:creationId xmlns:a16="http://schemas.microsoft.com/office/drawing/2014/main" id="{765EBF66-776B-44CD-B84A-5B13AE020C97}"/>
               </a:ext>
             </a:extLst>
           </p:cNvPr>
@@ -8184,82 +8601,45 @@
           <a:bodyPr/>
           <a:lstStyle/>
           <a:p>
-            <a:r>
-              <a:rPr lang="en-US" dirty="0"/>
-              <a:t>Polynomial regression</a:t>
+            <a:pPr marL="0" indent="0">
+              <a:buNone/>
+            </a:pPr>
+            <a:r>
+              <a:rPr lang="en-US" sz="4400" dirty="0"/>
+              <a:t>Grid Search CV</a:t>
             </a:r>
           </a:p>
         </p:txBody>
       </p:sp>
-      <p:pic>
-        <p:nvPicPr>
-          <p:cNvPr id="13" name="Picture 12">
+      <p:sp>
+        <p:nvSpPr>
+          <p:cNvPr id="4" name="Content Placeholder 3">
             <a:extLst>
               <a:ext uri="{FF2B5EF4-FFF2-40B4-BE49-F238E27FC236}">
-                <a16:creationId xmlns:a16="http://schemas.microsoft.com/office/drawing/2014/main" id="{D0117421-52A5-4FB5-822E-0486EF3FBFC2}"/>
+                <a16:creationId xmlns:a16="http://schemas.microsoft.com/office/drawing/2014/main" id="{47994EFF-978E-4416-B5A4-F8407CCDCCC7}"/>
               </a:ext>
             </a:extLst>
           </p:cNvPr>
-          <p:cNvPicPr>
-            <a:picLocks noChangeAspect="1"/>
-          </p:cNvPicPr>
-          <p:nvPr/>
-        </p:nvPicPr>
-        <p:blipFill>
-          <a:blip r:embed="rId2"/>
-          <a:stretch>
-            <a:fillRect/>
-          </a:stretch>
-        </p:blipFill>
-        <p:spPr>
-          <a:xfrm>
-            <a:off x="2602689" y="1865194"/>
-            <a:ext cx="6986622" cy="4194412"/>
-          </a:xfrm>
-          <a:prstGeom prst="rect">
-            <a:avLst/>
-          </a:prstGeom>
-        </p:spPr>
-      </p:pic>
-      <p:sp>
-        <p:nvSpPr>
-          <p:cNvPr id="14" name="TextBox 13">
-            <a:extLst>
-              <a:ext uri="{FF2B5EF4-FFF2-40B4-BE49-F238E27FC236}">
-                <a16:creationId xmlns:a16="http://schemas.microsoft.com/office/drawing/2014/main" id="{72CDA68F-7ED5-4E17-BD16-D219973481CD}"/>
-              </a:ext>
-            </a:extLst>
-          </p:cNvPr>
-          <p:cNvSpPr txBox="1"/>
-          <p:nvPr/>
+          <p:cNvSpPr>
+            <a:spLocks noGrp="1"/>
+          </p:cNvSpPr>
+          <p:nvPr>
+            <p:ph idx="1"/>
+          </p:nvPr>
         </p:nvSpPr>
-        <p:spPr>
-          <a:xfrm>
-            <a:off x="3457575" y="2152650"/>
-            <a:ext cx="537327" cy="400110"/>
-          </a:xfrm>
-          <a:prstGeom prst="rect">
-            <a:avLst/>
-          </a:prstGeom>
-          <a:noFill/>
-        </p:spPr>
+        <p:spPr/>
         <p:txBody>
-          <a:bodyPr wrap="none" rtlCol="0">
-            <a:spAutoFit/>
-          </a:bodyPr>
+          <a:bodyPr/>
           <a:lstStyle/>
           <a:p>
-            <a:r>
-              <a:rPr lang="en-US" sz="2000" dirty="0"/>
-              <a:t>👑</a:t>
-            </a:r>
+            <a:endParaRPr lang="en-US"/>
           </a:p>
         </p:txBody>
       </p:sp>
     </p:spTree>
     <p:extLst>
       <p:ext uri="{BB962C8B-B14F-4D97-AF65-F5344CB8AC3E}">
-        <p14:creationId xmlns:p14="http://schemas.microsoft.com/office/powerpoint/2010/main" val="1525410695"/>
+        <p14:creationId xmlns:p14="http://schemas.microsoft.com/office/powerpoint/2010/main" val="4043397771"/>
       </p:ext>
     </p:extLst>
   </p:cSld>
@@ -8314,92 +8694,409 @@
           </a:p>
         </p:txBody>
       </p:sp>
-      <p:pic>
-        <p:nvPicPr>
-          <p:cNvPr id="7" name="Content Placeholder 6">
+      <p:grpSp>
+        <p:nvGrpSpPr>
+          <p:cNvPr id="3" name="Group 2">
             <a:extLst>
               <a:ext uri="{FF2B5EF4-FFF2-40B4-BE49-F238E27FC236}">
-                <a16:creationId xmlns:a16="http://schemas.microsoft.com/office/drawing/2014/main" id="{0A49E833-0D8C-46AE-8525-91BE355516CD}"/>
+                <a16:creationId xmlns:a16="http://schemas.microsoft.com/office/drawing/2014/main" id="{BC45F9E2-1435-42F6-93A8-DFDCFFC987CD}"/>
               </a:ext>
             </a:extLst>
           </p:cNvPr>
-          <p:cNvPicPr>
-            <a:picLocks noGrp="1" noChangeAspect="1"/>
-          </p:cNvPicPr>
-          <p:nvPr>
-            <p:ph idx="1"/>
-          </p:nvPr>
-        </p:nvPicPr>
-        <p:blipFill>
-          <a:blip r:embed="rId2"/>
-          <a:stretch>
-            <a:fillRect/>
-          </a:stretch>
-        </p:blipFill>
+          <p:cNvGrpSpPr/>
+          <p:nvPr/>
+        </p:nvGrpSpPr>
+        <p:grpSpPr>
+          <a:xfrm>
+            <a:off x="838200" y="1795463"/>
+            <a:ext cx="5978525" cy="4327267"/>
+            <a:chOff x="3106738" y="1690688"/>
+            <a:chExt cx="5978525" cy="4327267"/>
+          </a:xfrm>
+        </p:grpSpPr>
+        <p:pic>
+          <p:nvPicPr>
+            <p:cNvPr id="1026" name="Picture 2">
+              <a:extLst>
+                <a:ext uri="{FF2B5EF4-FFF2-40B4-BE49-F238E27FC236}">
+                  <a16:creationId xmlns:a16="http://schemas.microsoft.com/office/drawing/2014/main" id="{3183A202-FF3D-471D-B7C6-21E5BB26E310}"/>
+                </a:ext>
+              </a:extLst>
+            </p:cNvPr>
+            <p:cNvPicPr>
+              <a:picLocks noChangeAspect="1" noChangeArrowheads="1"/>
+            </p:cNvPicPr>
+            <p:nvPr/>
+          </p:nvPicPr>
+          <p:blipFill>
+            <a:blip r:embed="rId2">
+              <a:extLst>
+                <a:ext uri="{28A0092B-C50C-407E-A947-70E740481C1C}">
+                  <a14:useLocalDpi xmlns:a14="http://schemas.microsoft.com/office/drawing/2010/main" val="0"/>
+                </a:ext>
+              </a:extLst>
+            </a:blip>
+            <a:srcRect/>
+            <a:stretch>
+              <a:fillRect/>
+            </a:stretch>
+          </p:blipFill>
+          <p:spPr bwMode="auto">
+            <a:xfrm>
+              <a:off x="3106738" y="2060020"/>
+              <a:ext cx="5978525" cy="3957935"/>
+            </a:xfrm>
+            <a:prstGeom prst="rect">
+              <a:avLst/>
+            </a:prstGeom>
+            <a:noFill/>
+            <a:extLst>
+              <a:ext uri="{909E8E84-426E-40DD-AFC4-6F175D3DCCD1}">
+                <a14:hiddenFill xmlns:a14="http://schemas.microsoft.com/office/drawing/2010/main">
+                  <a:solidFill>
+                    <a:srgbClr val="FFFFFF"/>
+                  </a:solidFill>
+                </a14:hiddenFill>
+              </a:ext>
+            </a:extLst>
+          </p:spPr>
+        </p:pic>
+        <p:sp>
+          <p:nvSpPr>
+            <p:cNvPr id="6" name="TextBox 5">
+              <a:extLst>
+                <a:ext uri="{FF2B5EF4-FFF2-40B4-BE49-F238E27FC236}">
+                  <a16:creationId xmlns:a16="http://schemas.microsoft.com/office/drawing/2014/main" id="{A875ED3D-5738-43B3-A5F1-14BCAF507DED}"/>
+                </a:ext>
+              </a:extLst>
+            </p:cNvPr>
+            <p:cNvSpPr txBox="1"/>
+            <p:nvPr/>
+          </p:nvSpPr>
+          <p:spPr>
+            <a:xfrm>
+              <a:off x="5516354" y="1690688"/>
+              <a:ext cx="1159292" cy="338554"/>
+            </a:xfrm>
+            <a:prstGeom prst="rect">
+              <a:avLst/>
+            </a:prstGeom>
+            <a:noFill/>
+          </p:spPr>
+          <p:txBody>
+            <a:bodyPr wrap="none" rtlCol="0">
+              <a:spAutoFit/>
+            </a:bodyPr>
+            <a:lstStyle/>
+            <a:p>
+              <a:r>
+                <a:rPr lang="en-US" sz="1600" dirty="0"/>
+                <a:t>Degree = 2</a:t>
+              </a:r>
+            </a:p>
+          </p:txBody>
+        </p:sp>
+      </p:grpSp>
+      <p:sp>
+        <p:nvSpPr>
+          <p:cNvPr id="7" name="TextBox 6">
+            <a:extLst>
+              <a:ext uri="{FF2B5EF4-FFF2-40B4-BE49-F238E27FC236}">
+                <a16:creationId xmlns:a16="http://schemas.microsoft.com/office/drawing/2014/main" id="{D6E1CF32-79DD-4064-8CFE-EFFB1D86158A}"/>
+              </a:ext>
+            </a:extLst>
+          </p:cNvPr>
+          <p:cNvSpPr txBox="1"/>
+          <p:nvPr/>
+        </p:nvSpPr>
         <p:spPr>
           <a:xfrm>
-            <a:off x="842704" y="1825625"/>
-            <a:ext cx="10506592" cy="4351338"/>
+            <a:off x="8077200" y="2662535"/>
+            <a:ext cx="2857500" cy="1815882"/>
           </a:xfrm>
           <a:prstGeom prst="rect">
             <a:avLst/>
           </a:prstGeom>
+          <a:noFill/>
         </p:spPr>
-      </p:pic>
-      <p:sp>
-        <p:nvSpPr>
-          <p:cNvPr id="8" name="Rectangle 7">
+        <p:txBody>
+          <a:bodyPr wrap="square">
+            <a:spAutoFit/>
+          </a:bodyPr>
+          <a:lstStyle/>
+          <a:p>
+            <a:r>
+              <a:rPr lang="en-US" sz="1600" b="1" i="0" u="none" strike="noStrike" baseline="0" dirty="0">
+                <a:solidFill>
+                  <a:srgbClr val="000000"/>
+                </a:solidFill>
+                <a:latin typeface="+mj-lt"/>
+              </a:rPr>
+              <a:t>Polynomial Regression </a:t>
+            </a:r>
+            <a:r>
+              <a:rPr lang="en-US" sz="1600" b="0" i="0" u="none" strike="noStrike" baseline="0" dirty="0">
+                <a:solidFill>
+                  <a:srgbClr val="000000"/>
+                </a:solidFill>
+              </a:rPr>
+              <a:t>is a form of linear regression in which the relationship between the independent variable x and dependent variable y is modelled as an nth degree polynomial. </a:t>
+            </a:r>
+            <a:endParaRPr lang="en-US" sz="1600" dirty="0"/>
+          </a:p>
+        </p:txBody>
+      </p:sp>
+    </p:spTree>
+    <p:extLst>
+      <p:ext uri="{BB962C8B-B14F-4D97-AF65-F5344CB8AC3E}">
+        <p14:creationId xmlns:p14="http://schemas.microsoft.com/office/powerpoint/2010/main" val="2526082184"/>
+      </p:ext>
+    </p:extLst>
+  </p:cSld>
+  <p:clrMapOvr>
+    <a:masterClrMapping/>
+  </p:clrMapOvr>
+</p:sld>
+</file>
+
+<file path=ppt/slides/slide17.xml><?xml version="1.0" encoding="utf-8"?>
+<p:sld xmlns:a="http://schemas.openxmlformats.org/drawingml/2006/main" xmlns:r="http://schemas.openxmlformats.org/officeDocument/2006/relationships" xmlns:p="http://schemas.openxmlformats.org/presentationml/2006/main">
+  <p:cSld>
+    <p:spTree>
+      <p:nvGrpSpPr>
+        <p:cNvPr id="1" name=""/>
+        <p:cNvGrpSpPr/>
+        <p:nvPr/>
+      </p:nvGrpSpPr>
+      <p:grpSpPr>
+        <a:xfrm>
+          <a:off x="0" y="0"/>
+          <a:ext cx="0" cy="0"/>
+          <a:chOff x="0" y="0"/>
+          <a:chExt cx="0" cy="0"/>
+        </a:xfrm>
+      </p:grpSpPr>
+      <p:graphicFrame>
+        <p:nvGraphicFramePr>
+          <p:cNvPr id="6" name="Chart 5">
             <a:extLst>
               <a:ext uri="{FF2B5EF4-FFF2-40B4-BE49-F238E27FC236}">
-                <a16:creationId xmlns:a16="http://schemas.microsoft.com/office/drawing/2014/main" id="{183E08C1-1A31-4472-8C5C-7CAA52A6B27B}"/>
+                <a16:creationId xmlns:a16="http://schemas.microsoft.com/office/drawing/2014/main" id="{72F2B5F3-01D4-48BF-B959-C4A2562079AA}"/>
               </a:ext>
             </a:extLst>
           </p:cNvPr>
-          <p:cNvSpPr/>
+          <p:cNvGraphicFramePr/>
+          <p:nvPr>
+            <p:extLst>
+              <p:ext uri="{D42A27DB-BD31-4B8C-83A1-F6EECF244321}">
+                <p14:modId xmlns:p14="http://schemas.microsoft.com/office/powerpoint/2010/main" val="514463370"/>
+              </p:ext>
+            </p:extLst>
+          </p:nvPr>
+        </p:nvGraphicFramePr>
+        <p:xfrm>
+          <a:off x="785812" y="1466850"/>
+          <a:ext cx="10620375" cy="4795308"/>
+        </p:xfrm>
+        <a:graphic>
+          <a:graphicData uri="http://schemas.openxmlformats.org/drawingml/2006/chart">
+            <c:chart xmlns:c="http://schemas.openxmlformats.org/drawingml/2006/chart" xmlns:r="http://schemas.openxmlformats.org/officeDocument/2006/relationships" r:id="rId2"/>
+          </a:graphicData>
+        </a:graphic>
+      </p:graphicFrame>
+      <p:sp>
+        <p:nvSpPr>
+          <p:cNvPr id="2" name="Title 1">
+            <a:extLst>
+              <a:ext uri="{FF2B5EF4-FFF2-40B4-BE49-F238E27FC236}">
+                <a16:creationId xmlns:a16="http://schemas.microsoft.com/office/drawing/2014/main" id="{1F9FC55C-DFFA-419E-BB9C-906FAE015F85}"/>
+              </a:ext>
+            </a:extLst>
+          </p:cNvPr>
+          <p:cNvSpPr>
+            <a:spLocks noGrp="1"/>
+          </p:cNvSpPr>
+          <p:nvPr>
+            <p:ph type="title"/>
+          </p:nvPr>
+        </p:nvSpPr>
+        <p:spPr/>
+        <p:txBody>
+          <a:bodyPr/>
+          <a:lstStyle/>
+          <a:p>
+            <a:r>
+              <a:rPr lang="en-US" dirty="0"/>
+              <a:t>Polynomial regression</a:t>
+            </a:r>
+          </a:p>
+        </p:txBody>
+      </p:sp>
+      <p:sp>
+        <p:nvSpPr>
+          <p:cNvPr id="9" name="TextBox 8">
+            <a:extLst>
+              <a:ext uri="{FF2B5EF4-FFF2-40B4-BE49-F238E27FC236}">
+                <a16:creationId xmlns:a16="http://schemas.microsoft.com/office/drawing/2014/main" id="{4FE1B89A-BA2F-4F7D-8F33-C1E16D591692}"/>
+              </a:ext>
+            </a:extLst>
+          </p:cNvPr>
+          <p:cNvSpPr txBox="1"/>
           <p:nvPr/>
         </p:nvSpPr>
         <p:spPr>
           <a:xfrm>
-            <a:off x="3458718" y="2745740"/>
-            <a:ext cx="7791450" cy="3095625"/>
+            <a:off x="10010775" y="1843088"/>
+            <a:ext cx="495300" cy="369332"/>
           </a:xfrm>
           <a:prstGeom prst="rect">
             <a:avLst/>
           </a:prstGeom>
-          <a:solidFill>
-            <a:schemeClr val="bg1">
-              <a:alpha val="30000"/>
-            </a:schemeClr>
-          </a:solidFill>
-          <a:ln>
-            <a:noFill/>
+          <a:noFill/>
+        </p:spPr>
+        <p:txBody>
+          <a:bodyPr wrap="square">
+            <a:spAutoFit/>
+          </a:bodyPr>
+          <a:lstStyle/>
+          <a:p>
+            <a:r>
+              <a:rPr lang="en-US" dirty="0"/>
+              <a:t>⭐</a:t>
+            </a:r>
+          </a:p>
+        </p:txBody>
+      </p:sp>
+    </p:spTree>
+    <p:extLst>
+      <p:ext uri="{BB962C8B-B14F-4D97-AF65-F5344CB8AC3E}">
+        <p14:creationId xmlns:p14="http://schemas.microsoft.com/office/powerpoint/2010/main" val="1525410695"/>
+      </p:ext>
+    </p:extLst>
+  </p:cSld>
+  <p:clrMapOvr>
+    <a:masterClrMapping/>
+  </p:clrMapOvr>
+</p:sld>
+</file>
+
+<file path=ppt/slides/slide18.xml><?xml version="1.0" encoding="utf-8"?>
+<p:sld xmlns:a="http://schemas.openxmlformats.org/drawingml/2006/main" xmlns:r="http://schemas.openxmlformats.org/officeDocument/2006/relationships" xmlns:p="http://schemas.openxmlformats.org/presentationml/2006/main">
+  <p:cSld>
+    <p:spTree>
+      <p:nvGrpSpPr>
+        <p:cNvPr id="1" name=""/>
+        <p:cNvGrpSpPr/>
+        <p:nvPr/>
+      </p:nvGrpSpPr>
+      <p:grpSpPr>
+        <a:xfrm>
+          <a:off x="0" y="0"/>
+          <a:ext cx="0" cy="0"/>
+          <a:chOff x="0" y="0"/>
+          <a:chExt cx="0" cy="0"/>
+        </a:xfrm>
+      </p:grpSpPr>
+      <p:graphicFrame>
+        <p:nvGraphicFramePr>
+          <p:cNvPr id="7" name="Content Placeholder 6">
+            <a:extLst>
+              <a:ext uri="{FF2B5EF4-FFF2-40B4-BE49-F238E27FC236}">
+                <a16:creationId xmlns:a16="http://schemas.microsoft.com/office/drawing/2014/main" id="{51D1FEAA-6675-4BBF-957A-813C8ADD9CA8}"/>
+              </a:ext>
+            </a:extLst>
+          </p:cNvPr>
+          <p:cNvGraphicFramePr>
+            <a:graphicFrameLocks noGrp="1"/>
+          </p:cNvGraphicFramePr>
+          <p:nvPr>
+            <p:ph idx="1"/>
+            <p:extLst>
+              <p:ext uri="{D42A27DB-BD31-4B8C-83A1-F6EECF244321}">
+                <p14:modId xmlns:p14="http://schemas.microsoft.com/office/powerpoint/2010/main" val="3892904010"/>
+              </p:ext>
+            </p:extLst>
+          </p:nvPr>
+        </p:nvGraphicFramePr>
+        <p:xfrm>
+          <a:off x="838200" y="1825625"/>
+          <a:ext cx="10515600" cy="4351338"/>
+        </p:xfrm>
+        <a:graphic>
+          <a:graphicData uri="http://schemas.openxmlformats.org/drawingml/2006/chart">
+            <c:chart xmlns:c="http://schemas.openxmlformats.org/drawingml/2006/chart" xmlns:r="http://schemas.openxmlformats.org/officeDocument/2006/relationships" r:id="rId2"/>
+          </a:graphicData>
+        </a:graphic>
+      </p:graphicFrame>
+      <p:sp>
+        <p:nvSpPr>
+          <p:cNvPr id="2" name="Title 1">
+            <a:extLst>
+              <a:ext uri="{FF2B5EF4-FFF2-40B4-BE49-F238E27FC236}">
+                <a16:creationId xmlns:a16="http://schemas.microsoft.com/office/drawing/2014/main" id="{1F9FC55C-DFFA-419E-BB9C-906FAE015F85}"/>
+              </a:ext>
+            </a:extLst>
+          </p:cNvPr>
+          <p:cNvSpPr>
+            <a:spLocks noGrp="1"/>
+          </p:cNvSpPr>
+          <p:nvPr>
+            <p:ph type="title"/>
+          </p:nvPr>
+        </p:nvSpPr>
+        <p:spPr/>
+        <p:txBody>
+          <a:bodyPr/>
+          <a:lstStyle/>
+          <a:p>
+            <a:r>
+              <a:rPr lang="en-US" dirty="0"/>
+              <a:t>Polynomial regression</a:t>
+            </a:r>
+          </a:p>
+        </p:txBody>
+      </p:sp>
+      <p:cxnSp>
+        <p:nvCxnSpPr>
+          <p:cNvPr id="9" name="Straight Connector 8">
+            <a:extLst>
+              <a:ext uri="{FF2B5EF4-FFF2-40B4-BE49-F238E27FC236}">
+                <a16:creationId xmlns:a16="http://schemas.microsoft.com/office/drawing/2014/main" id="{D441B3C1-1A15-437C-8F35-DE286E1FFF53}"/>
+              </a:ext>
+            </a:extLst>
+          </p:cNvPr>
+          <p:cNvCxnSpPr/>
+          <p:nvPr/>
+        </p:nvCxnSpPr>
+        <p:spPr>
+          <a:xfrm>
+            <a:off x="8763000" y="5962650"/>
+            <a:ext cx="1647825" cy="0"/>
+          </a:xfrm>
+          <a:prstGeom prst="line">
+            <a:avLst/>
+          </a:prstGeom>
+          <a:ln w="28575">
+            <a:solidFill>
+              <a:schemeClr val="tx1"/>
+            </a:solidFill>
           </a:ln>
         </p:spPr>
         <p:style>
-          <a:lnRef idx="2">
-            <a:schemeClr val="accent1">
-              <a:shade val="50000"/>
-            </a:schemeClr>
+          <a:lnRef idx="1">
+            <a:schemeClr val="accent1"/>
           </a:lnRef>
-          <a:fillRef idx="1">
+          <a:fillRef idx="0">
             <a:schemeClr val="accent1"/>
           </a:fillRef>
           <a:effectRef idx="0">
             <a:schemeClr val="accent1"/>
           </a:effectRef>
           <a:fontRef idx="minor">
-            <a:schemeClr val="lt1"/>
+            <a:schemeClr val="tx1"/>
           </a:fontRef>
         </p:style>
-        <p:txBody>
-          <a:bodyPr rtlCol="0" anchor="ctr"/>
-          <a:lstStyle/>
-          <a:p>
-            <a:pPr algn="ctr"/>
-            <a:endParaRPr lang="en-US"/>
-          </a:p>
-        </p:txBody>
-      </p:sp>
+      </p:cxnSp>
     </p:spTree>
     <p:extLst>
       <p:ext uri="{BB962C8B-B14F-4D97-AF65-F5344CB8AC3E}">
@@ -8413,7 +9110,7 @@
 </p:sld>
 </file>
 
-<file path=ppt/slides/slide17.xml><?xml version="1.0" encoding="utf-8"?>
+<file path=ppt/slides/slide19.xml><?xml version="1.0" encoding="utf-8"?>
 <p:sld xmlns:a="http://schemas.openxmlformats.org/drawingml/2006/main" xmlns:r="http://schemas.openxmlformats.org/officeDocument/2006/relationships" xmlns:p="http://schemas.openxmlformats.org/presentationml/2006/main">
   <p:cSld>
     <p:bg>
@@ -8475,7 +9172,7 @@
                 <a:ea typeface="+mj-ea"/>
                 <a:cs typeface="+mj-cs"/>
               </a:rPr>
-              <a:t>Sample results</a:t>
+              <a:t>Prediction results</a:t>
             </a:r>
           </a:p>
         </p:txBody>
@@ -8495,51 +9192,44 @@
           <p:nvPr>
             <p:extLst>
               <p:ext uri="{D42A27DB-BD31-4B8C-83A1-F6EECF244321}">
-                <p14:modId xmlns:p14="http://schemas.microsoft.com/office/powerpoint/2010/main" val="1283023391"/>
+                <p14:modId xmlns:p14="http://schemas.microsoft.com/office/powerpoint/2010/main" val="699982964"/>
               </p:ext>
             </p:extLst>
           </p:nvPr>
         </p:nvGraphicFramePr>
         <p:xfrm>
-          <a:off x="838200" y="2065179"/>
-          <a:ext cx="10515600" cy="4037996"/>
+          <a:off x="1503045" y="1722279"/>
+          <a:ext cx="9185912" cy="4037999"/>
         </p:xfrm>
         <a:graphic>
           <a:graphicData uri="http://schemas.openxmlformats.org/drawingml/2006/table">
             <a:tbl>
               <a:tblPr firstRow="1" bandRow="1">
-                <a:tableStyleId>{9D7B26C5-4107-4FEC-AEDC-1716B250A1EF}</a:tableStyleId>
+                <a:tableStyleId>{2D5ABB26-0587-4C30-8999-92F81FD0307C}</a:tableStyleId>
               </a:tblPr>
               <a:tblGrid>
-                <a:gridCol w="2876550">
+                <a:gridCol w="2296478">
                   <a:extLst>
                     <a:ext uri="{9D8B030D-6E8A-4147-A177-3AD203B41FA5}">
                       <a16:colId xmlns:a16="http://schemas.microsoft.com/office/drawing/2014/main" val="3835800918"/>
                     </a:ext>
                   </a:extLst>
                 </a:gridCol>
-                <a:gridCol w="1329690">
-                  <a:extLst>
-                    <a:ext uri="{9D8B030D-6E8A-4147-A177-3AD203B41FA5}">
-                      <a16:colId xmlns:a16="http://schemas.microsoft.com/office/drawing/2014/main" val="1741944965"/>
-                    </a:ext>
-                  </a:extLst>
-                </a:gridCol>
-                <a:gridCol w="2103120">
+                <a:gridCol w="2296478">
                   <a:extLst>
                     <a:ext uri="{9D8B030D-6E8A-4147-A177-3AD203B41FA5}">
                       <a16:colId xmlns:a16="http://schemas.microsoft.com/office/drawing/2014/main" val="471134121"/>
                     </a:ext>
                   </a:extLst>
                 </a:gridCol>
-                <a:gridCol w="2103120">
+                <a:gridCol w="2296478">
                   <a:extLst>
                     <a:ext uri="{9D8B030D-6E8A-4147-A177-3AD203B41FA5}">
                       <a16:colId xmlns:a16="http://schemas.microsoft.com/office/drawing/2014/main" val="3599363067"/>
                     </a:ext>
                   </a:extLst>
                 </a:gridCol>
-                <a:gridCol w="2103120">
+                <a:gridCol w="2296478">
                   <a:extLst>
                     <a:ext uri="{9D8B030D-6E8A-4147-A177-3AD203B41FA5}">
                       <a16:colId xmlns:a16="http://schemas.microsoft.com/office/drawing/2014/main" val="2439277073"/>
@@ -8547,7 +9237,7 @@
                   </a:extLst>
                 </a:gridCol>
               </a:tblGrid>
-              <a:tr h="811988">
+              <a:tr h="576857">
                 <a:tc>
                   <a:txBody>
                     <a:bodyPr/>
@@ -8555,12 +9245,39 @@
                     <a:p>
                       <a:pPr algn="ctr" fontAlgn="ctr"/>
                       <a:r>
-                        <a:rPr lang="en-US" sz="1800" dirty="0">
+                        <a:rPr lang="en-US" sz="1600" dirty="0">
                           <a:effectLst/>
-                          <a:latin typeface="+mj-lt"/>
                         </a:rPr>
                         <a:t>Province</a:t>
                       </a:r>
+                      <a:endParaRPr lang="en-US" sz="1600" dirty="0">
+                        <a:effectLst/>
+                        <a:latin typeface="+mj-lt"/>
+                      </a:endParaRPr>
+                    </a:p>
+                  </a:txBody>
+                  <a:tcPr marL="109728" marR="109728" marT="54864" marB="54864" anchor="ctr">
+                    <a:lnB>
+                      <a:noFill/>
+                    </a:lnB>
+                  </a:tcPr>
+                </a:tc>
+                <a:tc>
+                  <a:txBody>
+                    <a:bodyPr/>
+                    <a:lstStyle/>
+                    <a:p>
+                      <a:pPr algn="ctr" fontAlgn="ctr"/>
+                      <a:r>
+                        <a:rPr lang="en-US" sz="1600" dirty="0">
+                          <a:effectLst/>
+                        </a:rPr>
+                        <a:t>Actual Patient</a:t>
+                      </a:r>
+                      <a:endParaRPr lang="en-US" sz="1600" dirty="0">
+                        <a:effectLst/>
+                        <a:latin typeface="+mj-lt"/>
+                      </a:endParaRPr>
                     </a:p>
                   </a:txBody>
                   <a:tcPr marL="109728" marR="109728" marT="54864" marB="54864" anchor="ctr"/>
@@ -8572,12 +9289,15 @@
                     <a:p>
                       <a:pPr algn="ctr" fontAlgn="ctr"/>
                       <a:r>
-                        <a:rPr lang="en-US" sz="1800" dirty="0">
+                        <a:rPr lang="en-US" sz="1600" dirty="0">
                           <a:effectLst/>
-                          <a:latin typeface="+mj-lt"/>
                         </a:rPr>
-                        <a:t>Year</a:t>
+                        <a:t>Predicted Patient</a:t>
                       </a:r>
+                      <a:endParaRPr lang="en-US" sz="1600" dirty="0">
+                        <a:effectLst/>
+                        <a:latin typeface="+mj-lt"/>
+                      </a:endParaRPr>
                     </a:p>
                   </a:txBody>
                   <a:tcPr marL="109728" marR="109728" marT="54864" marB="54864" anchor="ctr"/>
@@ -8589,46 +9309,15 @@
                     <a:p>
                       <a:pPr algn="ctr" fontAlgn="ctr"/>
                       <a:r>
-                        <a:rPr lang="en-US" sz="1800" dirty="0">
+                        <a:rPr lang="en-US" sz="1600" dirty="0">
                           <a:effectLst/>
-                          <a:latin typeface="+mj-lt"/>
-                        </a:rPr>
-                        <a:t>Actual Patient</a:t>
-                      </a:r>
-                    </a:p>
-                  </a:txBody>
-                  <a:tcPr marL="109728" marR="109728" marT="54864" marB="54864" anchor="ctr"/>
-                </a:tc>
-                <a:tc>
-                  <a:txBody>
-                    <a:bodyPr/>
-                    <a:lstStyle/>
-                    <a:p>
-                      <a:pPr algn="ctr" fontAlgn="ctr"/>
-                      <a:r>
-                        <a:rPr lang="en-US" sz="1800" dirty="0">
-                          <a:effectLst/>
-                          <a:latin typeface="+mj-lt"/>
-                        </a:rPr>
-                        <a:t>Predicted Patient</a:t>
-                      </a:r>
-                    </a:p>
-                  </a:txBody>
-                  <a:tcPr marL="109728" marR="109728" marT="54864" marB="54864" anchor="ctr"/>
-                </a:tc>
-                <a:tc>
-                  <a:txBody>
-                    <a:bodyPr/>
-                    <a:lstStyle/>
-                    <a:p>
-                      <a:pPr algn="ctr" fontAlgn="ctr"/>
-                      <a:r>
-                        <a:rPr lang="en-US" sz="1800" dirty="0">
-                          <a:effectLst/>
-                          <a:latin typeface="+mj-lt"/>
                         </a:rPr>
                         <a:t>Accuracy</a:t>
                       </a:r>
+                      <a:endParaRPr lang="en-US" sz="1600" dirty="0">
+                        <a:effectLst/>
+                        <a:latin typeface="+mj-lt"/>
+                      </a:endParaRPr>
                     </a:p>
                   </a:txBody>
                   <a:tcPr marL="109728" marR="109728" marT="54864" marB="54864" anchor="ctr"/>
@@ -8639,23 +9328,106 @@
                   </a:ext>
                 </a:extLst>
               </a:tr>
-              <a:tr h="482804">
+              <a:tr h="576857">
                 <a:tc>
                   <a:txBody>
                     <a:bodyPr/>
                     <a:lstStyle/>
                     <a:p>
-                      <a:pPr algn="l" fontAlgn="b"/>
+                      <a:pPr algn="ctr" fontAlgn="b"/>
                       <a:r>
-                        <a:rPr lang="en-US" sz="1800" b="0" i="0" u="none" strike="noStrike" dirty="0">
+                        <a:rPr lang="en-US" sz="1600" b="0" u="none" strike="noStrike" dirty="0">
                           <a:solidFill>
                             <a:srgbClr val="000000"/>
                           </a:solidFill>
                           <a:effectLst/>
-                          <a:latin typeface="+mn-lt"/>
                         </a:rPr>
                         <a:t>Trang</a:t>
                       </a:r>
+                      <a:endParaRPr lang="en-US" sz="1600" b="0" i="0" u="none" strike="noStrike" dirty="0">
+                        <a:solidFill>
+                          <a:srgbClr val="000000"/>
+                        </a:solidFill>
+                        <a:effectLst/>
+                        <a:latin typeface="+mn-lt"/>
+                      </a:endParaRPr>
+                    </a:p>
+                  </a:txBody>
+                  <a:tcPr marL="6350" marR="6350" marT="6350" marB="0" anchor="b">
+                    <a:lnL>
+                      <a:noFill/>
+                    </a:lnL>
+                    <a:lnR>
+                      <a:noFill/>
+                    </a:lnR>
+                    <a:lnT>
+                      <a:noFill/>
+                    </a:lnT>
+                    <a:lnB>
+                      <a:noFill/>
+                    </a:lnB>
+                    <a:lnTlToBr w="12700" cmpd="sng">
+                      <a:noFill/>
+                      <a:prstDash val="solid"/>
+                    </a:lnTlToBr>
+                    <a:lnBlToTr w="12700" cmpd="sng">
+                      <a:noFill/>
+                      <a:prstDash val="solid"/>
+                    </a:lnBlToTr>
+                  </a:tcPr>
+                </a:tc>
+                <a:tc>
+                  <a:txBody>
+                    <a:bodyPr/>
+                    <a:lstStyle/>
+                    <a:p>
+                      <a:pPr algn="r" fontAlgn="b"/>
+                      <a:r>
+                        <a:rPr lang="en-US" sz="1600" b="0" u="none" strike="noStrike" dirty="0">
+                          <a:solidFill>
+                            <a:srgbClr val="000000"/>
+                          </a:solidFill>
+                          <a:effectLst/>
+                        </a:rPr>
+                        <a:t>3211</a:t>
+                      </a:r>
+                      <a:endParaRPr lang="en-US" sz="1600" b="0" i="0" u="none" strike="noStrike" dirty="0">
+                        <a:solidFill>
+                          <a:srgbClr val="000000"/>
+                        </a:solidFill>
+                        <a:effectLst/>
+                        <a:latin typeface="+mn-lt"/>
+                      </a:endParaRPr>
+                    </a:p>
+                  </a:txBody>
+                  <a:tcPr marL="6350" marR="6350" marT="6350" marB="0" anchor="b">
+                    <a:lnL>
+                      <a:noFill/>
+                    </a:lnL>
+                  </a:tcPr>
+                </a:tc>
+                <a:tc>
+                  <a:txBody>
+                    <a:bodyPr/>
+                    <a:lstStyle/>
+                    <a:p>
+                      <a:pPr algn="r" fontAlgn="b"/>
+                      <a:r>
+                        <a:rPr lang="en-US" sz="1600" b="0" u="none" strike="noStrike" dirty="0">
+                          <a:solidFill>
+                            <a:srgbClr val="000000"/>
+                          </a:solidFill>
+                          <a:effectLst/>
+                        </a:rPr>
+                        <a:t>3225.647</a:t>
+                      </a:r>
+                      <a:endParaRPr lang="en-US" sz="1600" b="0" i="0" u="none" strike="noStrike" dirty="0">
+                        <a:solidFill>
+                          <a:srgbClr val="000000"/>
+                        </a:solidFill>
+                        <a:effectLst/>
+                        <a:latin typeface="+mn-lt"/>
+                      </a:endParaRPr>
                     </a:p>
                   </a:txBody>
                   <a:tcPr marL="6350" marR="6350" marT="6350" marB="0" anchor="b"/>
@@ -8667,15 +9439,84 @@
                     <a:p>
                       <a:pPr algn="r" fontAlgn="b"/>
                       <a:r>
-                        <a:rPr lang="en-US" sz="1800" b="0" i="0" u="none" strike="noStrike">
+                        <a:rPr lang="en-US" sz="1600" b="0" u="none" strike="noStrike" dirty="0">
                           <a:solidFill>
                             <a:srgbClr val="000000"/>
                           </a:solidFill>
                           <a:effectLst/>
-                          <a:latin typeface="+mn-lt"/>
                         </a:rPr>
-                        <a:t>2020</a:t>
+                        <a:t>0.995</a:t>
                       </a:r>
+                      <a:endParaRPr lang="en-US" sz="1600" b="0" i="0" u="none" strike="noStrike" dirty="0">
+                        <a:solidFill>
+                          <a:srgbClr val="000000"/>
+                        </a:solidFill>
+                        <a:effectLst/>
+                        <a:latin typeface="+mn-lt"/>
+                      </a:endParaRPr>
+                    </a:p>
+                  </a:txBody>
+                  <a:tcPr marL="6350" marR="6350" marT="6350" marB="0" anchor="b"/>
+                </a:tc>
+                <a:extLst>
+                  <a:ext uri="{0D108BD9-81ED-4DB2-BD59-A6C34878D82A}">
+                    <a16:rowId xmlns:a16="http://schemas.microsoft.com/office/drawing/2014/main" val="641258082"/>
+                  </a:ext>
+                </a:extLst>
+              </a:tr>
+              <a:tr h="576857">
+                <a:tc>
+                  <a:txBody>
+                    <a:bodyPr/>
+                    <a:lstStyle/>
+                    <a:p>
+                      <a:pPr algn="ctr" fontAlgn="b"/>
+                      <a:r>
+                        <a:rPr lang="en-US" sz="1600" b="0" u="none" strike="noStrike" dirty="0">
+                          <a:solidFill>
+                            <a:srgbClr val="000000"/>
+                          </a:solidFill>
+                          <a:effectLst/>
+                        </a:rPr>
+                        <a:t>Songkhla</a:t>
+                      </a:r>
+                      <a:endParaRPr lang="en-US" sz="1600" b="0" i="0" u="none" strike="noStrike" dirty="0">
+                        <a:solidFill>
+                          <a:srgbClr val="000000"/>
+                        </a:solidFill>
+                        <a:effectLst/>
+                        <a:latin typeface="+mn-lt"/>
+                      </a:endParaRPr>
+                    </a:p>
+                  </a:txBody>
+                  <a:tcPr marL="6350" marR="6350" marT="6350" marB="0" anchor="b">
+                    <a:lnT>
+                      <a:noFill/>
+                    </a:lnT>
+                  </a:tcPr>
+                </a:tc>
+                <a:tc>
+                  <a:txBody>
+                    <a:bodyPr/>
+                    <a:lstStyle/>
+                    <a:p>
+                      <a:pPr algn="r" fontAlgn="b"/>
+                      <a:r>
+                        <a:rPr lang="en-US" sz="1600" b="0" u="none" strike="noStrike" dirty="0">
+                          <a:solidFill>
+                            <a:srgbClr val="000000"/>
+                          </a:solidFill>
+                          <a:effectLst/>
+                        </a:rPr>
+                        <a:t>7314</a:t>
+                      </a:r>
+                      <a:endParaRPr lang="en-US" sz="1600" b="0" i="0" u="none" strike="noStrike" dirty="0">
+                        <a:solidFill>
+                          <a:srgbClr val="000000"/>
+                        </a:solidFill>
+                        <a:effectLst/>
+                        <a:latin typeface="+mn-lt"/>
+                      </a:endParaRPr>
                     </a:p>
                   </a:txBody>
                   <a:tcPr marL="6350" marR="6350" marT="6350" marB="0" anchor="b"/>
@@ -8687,15 +9528,21 @@
                     <a:p>
                       <a:pPr algn="r" fontAlgn="b"/>
                       <a:r>
-                        <a:rPr lang="en-US" sz="1800" b="0" i="0" u="none" strike="noStrike">
+                        <a:rPr lang="en-US" sz="1600" b="0" u="none" strike="noStrike" dirty="0">
                           <a:solidFill>
                             <a:srgbClr val="000000"/>
                           </a:solidFill>
                           <a:effectLst/>
-                          <a:latin typeface="+mn-lt"/>
                         </a:rPr>
-                        <a:t>3211</a:t>
+                        <a:t>7472.123</a:t>
                       </a:r>
+                      <a:endParaRPr lang="en-US" sz="1600" b="0" i="0" u="none" strike="noStrike" dirty="0">
+                        <a:solidFill>
+                          <a:srgbClr val="000000"/>
+                        </a:solidFill>
+                        <a:effectLst/>
+                        <a:latin typeface="+mn-lt"/>
+                      </a:endParaRPr>
                     </a:p>
                   </a:txBody>
                   <a:tcPr marL="6350" marR="6350" marT="6350" marB="0" anchor="b"/>
@@ -8707,15 +9554,54 @@
                     <a:p>
                       <a:pPr algn="r" fontAlgn="b"/>
                       <a:r>
-                        <a:rPr lang="en-US" sz="1800" b="0" i="0" u="none" strike="noStrike">
+                        <a:rPr lang="en-US" sz="1600" b="0" u="none" strike="noStrike" dirty="0">
                           <a:solidFill>
                             <a:srgbClr val="000000"/>
                           </a:solidFill>
                           <a:effectLst/>
-                          <a:latin typeface="+mn-lt"/>
                         </a:rPr>
-                        <a:t>3225.647</a:t>
+                        <a:t>0.979</a:t>
                       </a:r>
+                      <a:endParaRPr lang="en-US" sz="1600" b="0" i="0" u="none" strike="noStrike" dirty="0">
+                        <a:solidFill>
+                          <a:srgbClr val="000000"/>
+                        </a:solidFill>
+                        <a:effectLst/>
+                        <a:latin typeface="+mn-lt"/>
+                      </a:endParaRPr>
+                    </a:p>
+                  </a:txBody>
+                  <a:tcPr marL="6350" marR="6350" marT="6350" marB="0" anchor="b"/>
+                </a:tc>
+                <a:extLst>
+                  <a:ext uri="{0D108BD9-81ED-4DB2-BD59-A6C34878D82A}">
+                    <a16:rowId xmlns:a16="http://schemas.microsoft.com/office/drawing/2014/main" val="3302351741"/>
+                  </a:ext>
+                </a:extLst>
+              </a:tr>
+              <a:tr h="576857">
+                <a:tc>
+                  <a:txBody>
+                    <a:bodyPr/>
+                    <a:lstStyle/>
+                    <a:p>
+                      <a:pPr algn="ctr" fontAlgn="b"/>
+                      <a:r>
+                        <a:rPr lang="en-US" sz="1600" b="0" u="none" strike="noStrike" dirty="0">
+                          <a:solidFill>
+                            <a:srgbClr val="000000"/>
+                          </a:solidFill>
+                          <a:effectLst/>
+                        </a:rPr>
+                        <a:t>Nakhon Sri Thammarat</a:t>
+                      </a:r>
+                      <a:endParaRPr lang="en-US" sz="1600" b="0" i="0" u="none" strike="noStrike" dirty="0">
+                        <a:solidFill>
+                          <a:srgbClr val="000000"/>
+                        </a:solidFill>
+                        <a:effectLst/>
+                        <a:latin typeface="+mn-lt"/>
+                      </a:endParaRPr>
                     </a:p>
                   </a:txBody>
                   <a:tcPr marL="6350" marR="6350" marT="6350" marB="0" anchor="b"/>
@@ -8727,42 +9613,21 @@
                     <a:p>
                       <a:pPr algn="r" fontAlgn="b"/>
                       <a:r>
-                        <a:rPr lang="en-US" sz="1800" b="0" i="0" u="none" strike="noStrike">
+                        <a:rPr lang="en-US" sz="1600" b="0" u="none" strike="noStrike" dirty="0">
                           <a:solidFill>
                             <a:srgbClr val="000000"/>
                           </a:solidFill>
                           <a:effectLst/>
-                          <a:latin typeface="+mn-lt"/>
                         </a:rPr>
-                        <a:t>0.995</a:t>
+                        <a:t>3419</a:t>
                       </a:r>
-                    </a:p>
-                  </a:txBody>
-                  <a:tcPr marL="6350" marR="6350" marT="6350" marB="0" anchor="b"/>
-                </a:tc>
-                <a:extLst>
-                  <a:ext uri="{0D108BD9-81ED-4DB2-BD59-A6C34878D82A}">
-                    <a16:rowId xmlns:a16="http://schemas.microsoft.com/office/drawing/2014/main" val="641258082"/>
-                  </a:ext>
-                </a:extLst>
-              </a:tr>
-              <a:tr h="482804">
-                <a:tc>
-                  <a:txBody>
-                    <a:bodyPr/>
-                    <a:lstStyle/>
-                    <a:p>
-                      <a:pPr algn="l" fontAlgn="b"/>
-                      <a:r>
-                        <a:rPr lang="en-US" sz="1800" b="0" i="0" u="none" strike="noStrike" dirty="0">
-                          <a:solidFill>
-                            <a:srgbClr val="000000"/>
-                          </a:solidFill>
-                          <a:effectLst/>
-                          <a:latin typeface="+mn-lt"/>
-                        </a:rPr>
-                        <a:t>Songkhla</a:t>
-                      </a:r>
+                      <a:endParaRPr lang="en-US" sz="1600" b="0" i="0" u="none" strike="noStrike" dirty="0">
+                        <a:solidFill>
+                          <a:srgbClr val="000000"/>
+                        </a:solidFill>
+                        <a:effectLst/>
+                        <a:latin typeface="+mn-lt"/>
+                      </a:endParaRPr>
                     </a:p>
                   </a:txBody>
                   <a:tcPr marL="6350" marR="6350" marT="6350" marB="0" anchor="b"/>
@@ -8774,15 +9639,21 @@
                     <a:p>
                       <a:pPr algn="r" fontAlgn="b"/>
                       <a:r>
-                        <a:rPr lang="en-US" sz="1800" b="0" i="0" u="none" strike="noStrike" dirty="0">
+                        <a:rPr lang="en-US" sz="1600" b="0" u="none" strike="noStrike" dirty="0">
                           <a:solidFill>
                             <a:srgbClr val="000000"/>
                           </a:solidFill>
                           <a:effectLst/>
-                          <a:latin typeface="+mn-lt"/>
                         </a:rPr>
-                        <a:t>2017</a:t>
+                        <a:t>4024.796</a:t>
                       </a:r>
+                      <a:endParaRPr lang="en-US" sz="1600" b="0" i="0" u="none" strike="noStrike" dirty="0">
+                        <a:solidFill>
+                          <a:srgbClr val="000000"/>
+                        </a:solidFill>
+                        <a:effectLst/>
+                        <a:latin typeface="+mn-lt"/>
+                      </a:endParaRPr>
                     </a:p>
                   </a:txBody>
                   <a:tcPr marL="6350" marR="6350" marT="6350" marB="0" anchor="b"/>
@@ -8794,15 +9665,54 @@
                     <a:p>
                       <a:pPr algn="r" fontAlgn="b"/>
                       <a:r>
-                        <a:rPr lang="en-US" sz="1800" b="0" i="0" u="none" strike="noStrike">
+                        <a:rPr lang="en-US" sz="1600" b="0" u="none" strike="noStrike" dirty="0">
                           <a:solidFill>
                             <a:srgbClr val="000000"/>
                           </a:solidFill>
                           <a:effectLst/>
-                          <a:latin typeface="+mn-lt"/>
                         </a:rPr>
-                        <a:t>7314</a:t>
+                        <a:t>0.849</a:t>
                       </a:r>
+                      <a:endParaRPr lang="en-US" sz="1600" b="0" i="0" u="none" strike="noStrike" dirty="0">
+                        <a:solidFill>
+                          <a:srgbClr val="000000"/>
+                        </a:solidFill>
+                        <a:effectLst/>
+                        <a:latin typeface="+mn-lt"/>
+                      </a:endParaRPr>
+                    </a:p>
+                  </a:txBody>
+                  <a:tcPr marL="6350" marR="6350" marT="6350" marB="0" anchor="b"/>
+                </a:tc>
+                <a:extLst>
+                  <a:ext uri="{0D108BD9-81ED-4DB2-BD59-A6C34878D82A}">
+                    <a16:rowId xmlns:a16="http://schemas.microsoft.com/office/drawing/2014/main" val="2641721395"/>
+                  </a:ext>
+                </a:extLst>
+              </a:tr>
+              <a:tr h="576857">
+                <a:tc>
+                  <a:txBody>
+                    <a:bodyPr/>
+                    <a:lstStyle/>
+                    <a:p>
+                      <a:pPr algn="ctr" fontAlgn="b"/>
+                      <a:r>
+                        <a:rPr lang="en-US" sz="1600" b="0" u="none" strike="noStrike" dirty="0">
+                          <a:solidFill>
+                            <a:srgbClr val="000000"/>
+                          </a:solidFill>
+                          <a:effectLst/>
+                        </a:rPr>
+                        <a:t>Kanjanaburi</a:t>
+                      </a:r>
+                      <a:endParaRPr lang="en-US" sz="1600" b="0" i="0" u="none" strike="noStrike" dirty="0">
+                        <a:solidFill>
+                          <a:srgbClr val="000000"/>
+                        </a:solidFill>
+                        <a:effectLst/>
+                        <a:latin typeface="+mn-lt"/>
+                      </a:endParaRPr>
                     </a:p>
                   </a:txBody>
                   <a:tcPr marL="6350" marR="6350" marT="6350" marB="0" anchor="b"/>
@@ -8814,15 +9724,21 @@
                     <a:p>
                       <a:pPr algn="r" fontAlgn="b"/>
                       <a:r>
-                        <a:rPr lang="en-US" sz="1800" b="0" i="0" u="none" strike="noStrike">
+                        <a:rPr lang="en-US" sz="1600" b="0" u="none" strike="noStrike" dirty="0">
                           <a:solidFill>
                             <a:srgbClr val="000000"/>
                           </a:solidFill>
                           <a:effectLst/>
-                          <a:latin typeface="+mn-lt"/>
                         </a:rPr>
-                        <a:t>7472.123</a:t>
+                        <a:t>1491</a:t>
                       </a:r>
+                      <a:endParaRPr lang="en-US" sz="1600" b="0" i="0" u="none" strike="noStrike" dirty="0">
+                        <a:solidFill>
+                          <a:srgbClr val="000000"/>
+                        </a:solidFill>
+                        <a:effectLst/>
+                        <a:latin typeface="+mn-lt"/>
+                      </a:endParaRPr>
                     </a:p>
                   </a:txBody>
                   <a:tcPr marL="6350" marR="6350" marT="6350" marB="0" anchor="b"/>
@@ -8834,42 +9750,21 @@
                     <a:p>
                       <a:pPr algn="r" fontAlgn="b"/>
                       <a:r>
-                        <a:rPr lang="en-US" sz="1800" b="0" i="0" u="none" strike="noStrike">
+                        <a:rPr lang="en-US" sz="1600" b="0" u="none" strike="noStrike" dirty="0">
                           <a:solidFill>
                             <a:srgbClr val="000000"/>
                           </a:solidFill>
                           <a:effectLst/>
-                          <a:latin typeface="+mn-lt"/>
                         </a:rPr>
-                        <a:t>0.979</a:t>
+                        <a:t>1769.510</a:t>
                       </a:r>
-                    </a:p>
-                  </a:txBody>
-                  <a:tcPr marL="6350" marR="6350" marT="6350" marB="0" anchor="b"/>
-                </a:tc>
-                <a:extLst>
-                  <a:ext uri="{0D108BD9-81ED-4DB2-BD59-A6C34878D82A}">
-                    <a16:rowId xmlns:a16="http://schemas.microsoft.com/office/drawing/2014/main" val="3302351741"/>
-                  </a:ext>
-                </a:extLst>
-              </a:tr>
-              <a:tr h="482804">
-                <a:tc>
-                  <a:txBody>
-                    <a:bodyPr/>
-                    <a:lstStyle/>
-                    <a:p>
-                      <a:pPr algn="l" fontAlgn="b"/>
-                      <a:r>
-                        <a:rPr lang="en-US" sz="1800" b="0" i="0" u="none" strike="noStrike">
-                          <a:solidFill>
-                            <a:srgbClr val="000000"/>
-                          </a:solidFill>
-                          <a:effectLst/>
-                          <a:latin typeface="+mn-lt"/>
-                        </a:rPr>
-                        <a:t>Nakhon Sri Thammarat</a:t>
-                      </a:r>
+                      <a:endParaRPr lang="en-US" sz="1600" b="0" i="0" u="none" strike="noStrike" dirty="0">
+                        <a:solidFill>
+                          <a:srgbClr val="000000"/>
+                        </a:solidFill>
+                        <a:effectLst/>
+                        <a:latin typeface="+mn-lt"/>
+                      </a:endParaRPr>
                     </a:p>
                   </a:txBody>
                   <a:tcPr marL="6350" marR="6350" marT="6350" marB="0" anchor="b"/>
@@ -8881,15 +9776,54 @@
                     <a:p>
                       <a:pPr algn="r" fontAlgn="b"/>
                       <a:r>
-                        <a:rPr lang="en-US" sz="1800" b="0" i="0" u="none" strike="noStrike">
+                        <a:rPr lang="en-US" sz="1600" b="0" u="none" strike="noStrike" dirty="0">
                           <a:solidFill>
                             <a:srgbClr val="000000"/>
                           </a:solidFill>
                           <a:effectLst/>
-                          <a:latin typeface="+mn-lt"/>
                         </a:rPr>
-                        <a:t>2020</a:t>
+                        <a:t>0.843</a:t>
                       </a:r>
+                      <a:endParaRPr lang="en-US" sz="1600" b="0" i="0" u="none" strike="noStrike" dirty="0">
+                        <a:solidFill>
+                          <a:srgbClr val="000000"/>
+                        </a:solidFill>
+                        <a:effectLst/>
+                        <a:latin typeface="+mn-lt"/>
+                      </a:endParaRPr>
+                    </a:p>
+                  </a:txBody>
+                  <a:tcPr marL="6350" marR="6350" marT="6350" marB="0" anchor="b"/>
+                </a:tc>
+                <a:extLst>
+                  <a:ext uri="{0D108BD9-81ED-4DB2-BD59-A6C34878D82A}">
+                    <a16:rowId xmlns:a16="http://schemas.microsoft.com/office/drawing/2014/main" val="2085706532"/>
+                  </a:ext>
+                </a:extLst>
+              </a:tr>
+              <a:tr h="576857">
+                <a:tc>
+                  <a:txBody>
+                    <a:bodyPr/>
+                    <a:lstStyle/>
+                    <a:p>
+                      <a:pPr algn="ctr" fontAlgn="b"/>
+                      <a:r>
+                        <a:rPr lang="en-US" sz="1600" b="0" u="none" strike="noStrike" dirty="0">
+                          <a:solidFill>
+                            <a:srgbClr val="000000"/>
+                          </a:solidFill>
+                          <a:effectLst/>
+                        </a:rPr>
+                        <a:t>Ubon Ratchathani</a:t>
+                      </a:r>
+                      <a:endParaRPr lang="en-US" sz="1600" b="0" i="0" u="none" strike="noStrike" dirty="0">
+                        <a:solidFill>
+                          <a:srgbClr val="000000"/>
+                        </a:solidFill>
+                        <a:effectLst/>
+                        <a:latin typeface="+mn-lt"/>
+                      </a:endParaRPr>
                     </a:p>
                   </a:txBody>
                   <a:tcPr marL="6350" marR="6350" marT="6350" marB="0" anchor="b"/>
@@ -8901,15 +9835,21 @@
                     <a:p>
                       <a:pPr algn="r" fontAlgn="b"/>
                       <a:r>
-                        <a:rPr lang="en-US" sz="1800" b="0" i="0" u="none" strike="noStrike" dirty="0">
+                        <a:rPr lang="en-US" sz="1600" b="0" u="none" strike="noStrike" dirty="0">
                           <a:solidFill>
                             <a:srgbClr val="000000"/>
                           </a:solidFill>
                           <a:effectLst/>
-                          <a:latin typeface="+mn-lt"/>
                         </a:rPr>
-                        <a:t>3419</a:t>
+                        <a:t>2092</a:t>
                       </a:r>
+                      <a:endParaRPr lang="en-US" sz="1600" b="0" i="0" u="none" strike="noStrike" dirty="0">
+                        <a:solidFill>
+                          <a:srgbClr val="000000"/>
+                        </a:solidFill>
+                        <a:effectLst/>
+                        <a:latin typeface="+mn-lt"/>
+                      </a:endParaRPr>
                     </a:p>
                   </a:txBody>
                   <a:tcPr marL="6350" marR="6350" marT="6350" marB="0" anchor="b"/>
@@ -8921,15 +9861,21 @@
                     <a:p>
                       <a:pPr algn="r" fontAlgn="b"/>
                       <a:r>
-                        <a:rPr lang="en-US" sz="1800" b="0" i="0" u="none" strike="noStrike">
+                        <a:rPr lang="en-US" sz="1600" b="0" u="none" strike="noStrike" dirty="0">
                           <a:solidFill>
                             <a:srgbClr val="000000"/>
                           </a:solidFill>
                           <a:effectLst/>
-                          <a:latin typeface="+mn-lt"/>
                         </a:rPr>
-                        <a:t>4024.796</a:t>
+                        <a:t>2635.774</a:t>
                       </a:r>
+                      <a:endParaRPr lang="en-US" sz="1600" b="0" i="0" u="none" strike="noStrike" dirty="0">
+                        <a:solidFill>
+                          <a:srgbClr val="000000"/>
+                        </a:solidFill>
+                        <a:effectLst/>
+                        <a:latin typeface="+mn-lt"/>
+                      </a:endParaRPr>
                     </a:p>
                   </a:txBody>
                   <a:tcPr marL="6350" marR="6350" marT="6350" marB="0" anchor="b"/>
@@ -8941,42 +9887,54 @@
                     <a:p>
                       <a:pPr algn="r" fontAlgn="b"/>
                       <a:r>
-                        <a:rPr lang="en-US" sz="1800" b="0" i="0" u="none" strike="noStrike">
+                        <a:rPr lang="en-US" sz="1600" b="0" u="none" strike="noStrike" dirty="0">
                           <a:solidFill>
                             <a:srgbClr val="000000"/>
                           </a:solidFill>
                           <a:effectLst/>
-                          <a:latin typeface="+mn-lt"/>
                         </a:rPr>
-                        <a:t>0.849</a:t>
+                        <a:t>0.794</a:t>
                       </a:r>
+                      <a:endParaRPr lang="en-US" sz="1600" b="0" i="0" u="none" strike="noStrike" dirty="0">
+                        <a:solidFill>
+                          <a:srgbClr val="000000"/>
+                        </a:solidFill>
+                        <a:effectLst/>
+                        <a:latin typeface="+mn-lt"/>
+                      </a:endParaRPr>
                     </a:p>
                   </a:txBody>
                   <a:tcPr marL="6350" marR="6350" marT="6350" marB="0" anchor="b"/>
                 </a:tc>
                 <a:extLst>
                   <a:ext uri="{0D108BD9-81ED-4DB2-BD59-A6C34878D82A}">
-                    <a16:rowId xmlns:a16="http://schemas.microsoft.com/office/drawing/2014/main" val="2641721395"/>
+                    <a16:rowId xmlns:a16="http://schemas.microsoft.com/office/drawing/2014/main" val="495392126"/>
                   </a:ext>
                 </a:extLst>
               </a:tr>
-              <a:tr h="811988">
+              <a:tr h="576857">
                 <a:tc>
                   <a:txBody>
                     <a:bodyPr/>
                     <a:lstStyle/>
                     <a:p>
-                      <a:pPr algn="l" fontAlgn="b"/>
+                      <a:pPr algn="ctr" fontAlgn="b"/>
                       <a:r>
-                        <a:rPr lang="en-US" sz="1800" b="0" i="0" u="none" strike="noStrike" dirty="0">
+                        <a:rPr lang="en-US" sz="1600" b="0" u="none" strike="noStrike" dirty="0">
                           <a:solidFill>
                             <a:srgbClr val="000000"/>
                           </a:solidFill>
                           <a:effectLst/>
-                          <a:latin typeface="+mn-lt"/>
                         </a:rPr>
-                        <a:t>Kanjanaburi</a:t>
+                        <a:t>Nakhon Ratchasima</a:t>
                       </a:r>
+                      <a:endParaRPr lang="en-US" sz="1600" b="0" i="0" u="none" strike="noStrike" dirty="0">
+                        <a:solidFill>
+                          <a:srgbClr val="000000"/>
+                        </a:solidFill>
+                        <a:effectLst/>
+                        <a:latin typeface="+mn-lt"/>
+                      </a:endParaRPr>
                     </a:p>
                   </a:txBody>
                   <a:tcPr marL="6350" marR="6350" marT="6350" marB="0" anchor="b"/>
@@ -8988,15 +9946,21 @@
                     <a:p>
                       <a:pPr algn="r" fontAlgn="b"/>
                       <a:r>
-                        <a:rPr lang="en-US" sz="1800" b="0" i="0" u="none" strike="noStrike">
+                        <a:rPr lang="en-US" sz="1600" b="0" u="none" strike="noStrike" dirty="0">
                           <a:solidFill>
                             <a:srgbClr val="000000"/>
                           </a:solidFill>
                           <a:effectLst/>
-                          <a:latin typeface="+mn-lt"/>
                         </a:rPr>
-                        <a:t>2020</a:t>
+                        <a:t>7194</a:t>
                       </a:r>
+                      <a:endParaRPr lang="en-US" sz="1600" b="0" i="0" u="none" strike="noStrike" dirty="0">
+                        <a:solidFill>
+                          <a:srgbClr val="000000"/>
+                        </a:solidFill>
+                        <a:effectLst/>
+                        <a:latin typeface="+mn-lt"/>
+                      </a:endParaRPr>
                     </a:p>
                   </a:txBody>
                   <a:tcPr marL="6350" marR="6350" marT="6350" marB="0" anchor="b"/>
@@ -9008,15 +9972,21 @@
                     <a:p>
                       <a:pPr algn="r" fontAlgn="b"/>
                       <a:r>
-                        <a:rPr lang="en-US" sz="1800" b="0" i="0" u="none" strike="noStrike" dirty="0">
+                        <a:rPr lang="en-US" sz="1600" b="0" u="none" strike="noStrike" dirty="0">
                           <a:solidFill>
                             <a:srgbClr val="000000"/>
                           </a:solidFill>
                           <a:effectLst/>
-                          <a:latin typeface="+mn-lt"/>
                         </a:rPr>
-                        <a:t>1491</a:t>
+                        <a:t>9131.089</a:t>
                       </a:r>
+                      <a:endParaRPr lang="en-US" sz="1600" b="0" i="0" u="none" strike="noStrike" dirty="0">
+                        <a:solidFill>
+                          <a:srgbClr val="000000"/>
+                        </a:solidFill>
+                        <a:effectLst/>
+                        <a:latin typeface="+mn-lt"/>
+                      </a:endParaRPr>
                     </a:p>
                   </a:txBody>
                   <a:tcPr marL="6350" marR="6350" marT="6350" marB="0" anchor="b"/>
@@ -9028,249 +9998,21 @@
                     <a:p>
                       <a:pPr algn="r" fontAlgn="b"/>
                       <a:r>
-                        <a:rPr lang="en-US" sz="1800" b="0" i="0" u="none" strike="noStrike">
+                        <a:rPr lang="en-US" sz="1600" b="0" u="none" strike="noStrike" dirty="0">
                           <a:solidFill>
                             <a:srgbClr val="000000"/>
                           </a:solidFill>
                           <a:effectLst/>
-                          <a:latin typeface="+mn-lt"/>
-                        </a:rPr>
-                        <a:t>1769.510</a:t>
-                      </a:r>
-                    </a:p>
-                  </a:txBody>
-                  <a:tcPr marL="6350" marR="6350" marT="6350" marB="0" anchor="b"/>
-                </a:tc>
-                <a:tc>
-                  <a:txBody>
-                    <a:bodyPr/>
-                    <a:lstStyle/>
-                    <a:p>
-                      <a:pPr algn="r" fontAlgn="b"/>
-                      <a:r>
-                        <a:rPr lang="en-US" sz="1800" b="0" i="0" u="none" strike="noStrike">
-                          <a:solidFill>
-                            <a:srgbClr val="000000"/>
-                          </a:solidFill>
-                          <a:effectLst/>
-                          <a:latin typeface="+mn-lt"/>
-                        </a:rPr>
-                        <a:t>0.843</a:t>
-                      </a:r>
-                    </a:p>
-                  </a:txBody>
-                  <a:tcPr marL="6350" marR="6350" marT="6350" marB="0" anchor="b"/>
-                </a:tc>
-                <a:extLst>
-                  <a:ext uri="{0D108BD9-81ED-4DB2-BD59-A6C34878D82A}">
-                    <a16:rowId xmlns:a16="http://schemas.microsoft.com/office/drawing/2014/main" val="2085706532"/>
-                  </a:ext>
-                </a:extLst>
-              </a:tr>
-              <a:tr h="482804">
-                <a:tc>
-                  <a:txBody>
-                    <a:bodyPr/>
-                    <a:lstStyle/>
-                    <a:p>
-                      <a:pPr algn="l" fontAlgn="b"/>
-                      <a:r>
-                        <a:rPr lang="en-US" sz="1800" b="0" i="0" u="none" strike="noStrike">
-                          <a:solidFill>
-                            <a:srgbClr val="000000"/>
-                          </a:solidFill>
-                          <a:effectLst/>
-                          <a:latin typeface="+mn-lt"/>
-                        </a:rPr>
-                        <a:t>Ubon Ratchathani</a:t>
-                      </a:r>
-                    </a:p>
-                  </a:txBody>
-                  <a:tcPr marL="6350" marR="6350" marT="6350" marB="0" anchor="b"/>
-                </a:tc>
-                <a:tc>
-                  <a:txBody>
-                    <a:bodyPr/>
-                    <a:lstStyle/>
-                    <a:p>
-                      <a:pPr algn="r" fontAlgn="b"/>
-                      <a:r>
-                        <a:rPr lang="en-US" sz="1800" b="0" i="0" u="none" strike="noStrike">
-                          <a:solidFill>
-                            <a:srgbClr val="000000"/>
-                          </a:solidFill>
-                          <a:effectLst/>
-                          <a:latin typeface="+mn-lt"/>
-                        </a:rPr>
-                        <a:t>2020</a:t>
-                      </a:r>
-                    </a:p>
-                  </a:txBody>
-                  <a:tcPr marL="6350" marR="6350" marT="6350" marB="0" anchor="b"/>
-                </a:tc>
-                <a:tc>
-                  <a:txBody>
-                    <a:bodyPr/>
-                    <a:lstStyle/>
-                    <a:p>
-                      <a:pPr algn="r" fontAlgn="b"/>
-                      <a:r>
-                        <a:rPr lang="en-US" sz="1800" b="0" i="0" u="none" strike="noStrike" dirty="0">
-                          <a:solidFill>
-                            <a:srgbClr val="000000"/>
-                          </a:solidFill>
-                          <a:effectLst/>
-                          <a:latin typeface="+mn-lt"/>
-                        </a:rPr>
-                        <a:t>2092</a:t>
-                      </a:r>
-                    </a:p>
-                  </a:txBody>
-                  <a:tcPr marL="6350" marR="6350" marT="6350" marB="0" anchor="b"/>
-                </a:tc>
-                <a:tc>
-                  <a:txBody>
-                    <a:bodyPr/>
-                    <a:lstStyle/>
-                    <a:p>
-                      <a:pPr algn="r" fontAlgn="b"/>
-                      <a:r>
-                        <a:rPr lang="en-US" sz="1800" b="0" i="0" u="none" strike="noStrike">
-                          <a:solidFill>
-                            <a:srgbClr val="000000"/>
-                          </a:solidFill>
-                          <a:effectLst/>
-                          <a:latin typeface="+mn-lt"/>
-                        </a:rPr>
-                        <a:t>2635.774</a:t>
-                      </a:r>
-                    </a:p>
-                  </a:txBody>
-                  <a:tcPr marL="6350" marR="6350" marT="6350" marB="0" anchor="b"/>
-                </a:tc>
-                <a:tc>
-                  <a:txBody>
-                    <a:bodyPr/>
-                    <a:lstStyle/>
-                    <a:p>
-                      <a:pPr algn="r" fontAlgn="b"/>
-                      <a:r>
-                        <a:rPr lang="en-US" sz="1800" b="0" i="0" u="none" strike="noStrike">
-                          <a:solidFill>
-                            <a:srgbClr val="000000"/>
-                          </a:solidFill>
-                          <a:effectLst/>
-                          <a:latin typeface="+mn-lt"/>
-                        </a:rPr>
-                        <a:t>0.794</a:t>
-                      </a:r>
-                    </a:p>
-                  </a:txBody>
-                  <a:tcPr marL="6350" marR="6350" marT="6350" marB="0" anchor="b"/>
-                </a:tc>
-                <a:extLst>
-                  <a:ext uri="{0D108BD9-81ED-4DB2-BD59-A6C34878D82A}">
-                    <a16:rowId xmlns:a16="http://schemas.microsoft.com/office/drawing/2014/main" val="495392126"/>
-                  </a:ext>
-                </a:extLst>
-              </a:tr>
-              <a:tr h="482804">
-                <a:tc>
-                  <a:txBody>
-                    <a:bodyPr/>
-                    <a:lstStyle/>
-                    <a:p>
-                      <a:pPr algn="l" fontAlgn="b"/>
-                      <a:r>
-                        <a:rPr lang="en-US" sz="1800" b="0" i="0" u="none" strike="noStrike">
-                          <a:solidFill>
-                            <a:srgbClr val="000000"/>
-                          </a:solidFill>
-                          <a:effectLst/>
-                          <a:latin typeface="+mn-lt"/>
-                        </a:rPr>
-                        <a:t>Nakhon Ratchasima</a:t>
-                      </a:r>
-                    </a:p>
-                  </a:txBody>
-                  <a:tcPr marL="6350" marR="6350" marT="6350" marB="0" anchor="b"/>
-                </a:tc>
-                <a:tc>
-                  <a:txBody>
-                    <a:bodyPr/>
-                    <a:lstStyle/>
-                    <a:p>
-                      <a:pPr algn="r" fontAlgn="b"/>
-                      <a:r>
-                        <a:rPr lang="en-US" sz="1800" b="0" i="0" u="none" strike="noStrike">
-                          <a:solidFill>
-                            <a:srgbClr val="000000"/>
-                          </a:solidFill>
-                          <a:effectLst/>
-                          <a:latin typeface="+mn-lt"/>
-                        </a:rPr>
-                        <a:t>2016</a:t>
-                      </a:r>
-                    </a:p>
-                  </a:txBody>
-                  <a:tcPr marL="6350" marR="6350" marT="6350" marB="0" anchor="b"/>
-                </a:tc>
-                <a:tc>
-                  <a:txBody>
-                    <a:bodyPr/>
-                    <a:lstStyle/>
-                    <a:p>
-                      <a:pPr algn="r" fontAlgn="b"/>
-                      <a:r>
-                        <a:rPr lang="en-US" sz="1800" b="0" i="0" u="none" strike="noStrike">
-                          <a:solidFill>
-                            <a:srgbClr val="000000"/>
-                          </a:solidFill>
-                          <a:effectLst/>
-                          <a:latin typeface="+mn-lt"/>
-                        </a:rPr>
-                        <a:t>7194</a:t>
-                      </a:r>
-                    </a:p>
-                  </a:txBody>
-                  <a:tcPr marL="6350" marR="6350" marT="6350" marB="0" anchor="b"/>
-                </a:tc>
-                <a:tc>
-                  <a:txBody>
-                    <a:bodyPr/>
-                    <a:lstStyle/>
-                    <a:p>
-                      <a:pPr algn="r" fontAlgn="b"/>
-                      <a:r>
-                        <a:rPr lang="en-US" sz="1800" b="0" i="0" u="none" strike="noStrike">
-                          <a:solidFill>
-                            <a:srgbClr val="000000"/>
-                          </a:solidFill>
-                          <a:effectLst/>
-                          <a:latin typeface="+mn-lt"/>
-                        </a:rPr>
-                        <a:t>9131.089</a:t>
-                      </a:r>
-                    </a:p>
-                  </a:txBody>
-                  <a:tcPr marL="6350" marR="6350" marT="6350" marB="0" anchor="b"/>
-                </a:tc>
-                <a:tc>
-                  <a:txBody>
-                    <a:bodyPr/>
-                    <a:lstStyle/>
-                    <a:p>
-                      <a:pPr algn="r" fontAlgn="b"/>
-                      <a:r>
-                        <a:rPr lang="en-US" sz="1800" b="0" i="0" u="none" strike="noStrike" dirty="0">
-                          <a:solidFill>
-                            <a:srgbClr val="000000"/>
-                          </a:solidFill>
-                          <a:effectLst/>
-                          <a:latin typeface="+mn-lt"/>
                         </a:rPr>
                         <a:t>0.788</a:t>
                       </a:r>
+                      <a:endParaRPr lang="en-US" sz="1600" b="0" i="0" u="none" strike="noStrike" dirty="0">
+                        <a:solidFill>
+                          <a:srgbClr val="000000"/>
+                        </a:solidFill>
+                        <a:effectLst/>
+                        <a:latin typeface="+mn-lt"/>
+                      </a:endParaRPr>
                     </a:p>
                   </a:txBody>
                   <a:tcPr marL="6350" marR="6350" marT="6350" marB="0" anchor="b"/>
@@ -9289,210 +10031,6 @@
     <p:extLst>
       <p:ext uri="{BB962C8B-B14F-4D97-AF65-F5344CB8AC3E}">
         <p14:creationId xmlns:p14="http://schemas.microsoft.com/office/powerpoint/2010/main" val="1255768980"/>
-      </p:ext>
-    </p:extLst>
-  </p:cSld>
-  <p:clrMapOvr>
-    <a:masterClrMapping/>
-  </p:clrMapOvr>
-</p:sld>
-</file>
-
-<file path=ppt/slides/slide18.xml><?xml version="1.0" encoding="utf-8"?>
-<p:sld xmlns:a="http://schemas.openxmlformats.org/drawingml/2006/main" xmlns:r="http://schemas.openxmlformats.org/officeDocument/2006/relationships" xmlns:p="http://schemas.openxmlformats.org/presentationml/2006/main">
-  <p:cSld>
-    <p:spTree>
-      <p:nvGrpSpPr>
-        <p:cNvPr id="1" name=""/>
-        <p:cNvGrpSpPr/>
-        <p:nvPr/>
-      </p:nvGrpSpPr>
-      <p:grpSpPr>
-        <a:xfrm>
-          <a:off x="0" y="0"/>
-          <a:ext cx="0" cy="0"/>
-          <a:chOff x="0" y="0"/>
-          <a:chExt cx="0" cy="0"/>
-        </a:xfrm>
-      </p:grpSpPr>
-      <p:sp>
-        <p:nvSpPr>
-          <p:cNvPr id="2" name="Title 1">
-            <a:extLst>
-              <a:ext uri="{FF2B5EF4-FFF2-40B4-BE49-F238E27FC236}">
-                <a16:creationId xmlns:a16="http://schemas.microsoft.com/office/drawing/2014/main" id="{E38C19CB-2073-4F3D-B531-DEB9A015FD4B}"/>
-              </a:ext>
-            </a:extLst>
-          </p:cNvPr>
-          <p:cNvSpPr>
-            <a:spLocks noGrp="1"/>
-          </p:cNvSpPr>
-          <p:nvPr>
-            <p:ph type="title"/>
-          </p:nvPr>
-        </p:nvSpPr>
-        <p:spPr/>
-        <p:txBody>
-          <a:bodyPr/>
-          <a:lstStyle/>
-          <a:p>
-            <a:r>
-              <a:rPr lang="en-US" dirty="0"/>
-              <a:t>Conclusion</a:t>
-            </a:r>
-          </a:p>
-        </p:txBody>
-      </p:sp>
-      <p:sp>
-        <p:nvSpPr>
-          <p:cNvPr id="3" name="Content Placeholder 2">
-            <a:extLst>
-              <a:ext uri="{FF2B5EF4-FFF2-40B4-BE49-F238E27FC236}">
-                <a16:creationId xmlns:a16="http://schemas.microsoft.com/office/drawing/2014/main" id="{57655C61-4CE0-4A43-BA56-FDAD1F83BF1B}"/>
-              </a:ext>
-            </a:extLst>
-          </p:cNvPr>
-          <p:cNvSpPr>
-            <a:spLocks noGrp="1"/>
-          </p:cNvSpPr>
-          <p:nvPr>
-            <p:ph idx="1"/>
-          </p:nvPr>
-        </p:nvSpPr>
-        <p:spPr/>
-        <p:txBody>
-          <a:bodyPr/>
-          <a:lstStyle/>
-          <a:p>
-            <a:r>
-              <a:rPr lang="en-US" dirty="0"/>
-              <a:t>👍🏽 Machine learning</a:t>
-            </a:r>
-          </a:p>
-          <a:p>
-            <a:r>
-              <a:rPr lang="en-US" dirty="0"/>
-              <a:t>👍🏽 Visualization</a:t>
-            </a:r>
-          </a:p>
-          <a:p>
-            <a:r>
-              <a:rPr lang="en-US" dirty="0"/>
-              <a:t>👍🏽 </a:t>
-            </a:r>
-          </a:p>
-          <a:p>
-            <a:r>
-              <a:rPr lang="en-US" dirty="0"/>
-              <a:t>🤔 More observations more dataset.</a:t>
-            </a:r>
-          </a:p>
-          <a:p>
-            <a:r>
-              <a:rPr lang="en-US" dirty="0"/>
-              <a:t>🤔 For decision making or second opinion.</a:t>
-            </a:r>
-          </a:p>
-        </p:txBody>
-      </p:sp>
-    </p:spTree>
-    <p:extLst>
-      <p:ext uri="{BB962C8B-B14F-4D97-AF65-F5344CB8AC3E}">
-        <p14:creationId xmlns:p14="http://schemas.microsoft.com/office/powerpoint/2010/main" val="2829512395"/>
-      </p:ext>
-    </p:extLst>
-  </p:cSld>
-  <p:clrMapOvr>
-    <a:masterClrMapping/>
-  </p:clrMapOvr>
-</p:sld>
-</file>
-
-<file path=ppt/slides/slide19.xml><?xml version="1.0" encoding="utf-8"?>
-<p:sld xmlns:a="http://schemas.openxmlformats.org/drawingml/2006/main" xmlns:r="http://schemas.openxmlformats.org/officeDocument/2006/relationships" xmlns:p="http://schemas.openxmlformats.org/presentationml/2006/main">
-  <p:cSld>
-    <p:spTree>
-      <p:nvGrpSpPr>
-        <p:cNvPr id="1" name=""/>
-        <p:cNvGrpSpPr/>
-        <p:nvPr/>
-      </p:nvGrpSpPr>
-      <p:grpSpPr>
-        <a:xfrm>
-          <a:off x="0" y="0"/>
-          <a:ext cx="0" cy="0"/>
-          <a:chOff x="0" y="0"/>
-          <a:chExt cx="0" cy="0"/>
-        </a:xfrm>
-      </p:grpSpPr>
-      <p:sp>
-        <p:nvSpPr>
-          <p:cNvPr id="2" name="Title 1">
-            <a:extLst>
-              <a:ext uri="{FF2B5EF4-FFF2-40B4-BE49-F238E27FC236}">
-                <a16:creationId xmlns:a16="http://schemas.microsoft.com/office/drawing/2014/main" id="{B0DB5CBE-DFFA-4432-92F8-5639FE300EE5}"/>
-              </a:ext>
-            </a:extLst>
-          </p:cNvPr>
-          <p:cNvSpPr>
-            <a:spLocks noGrp="1"/>
-          </p:cNvSpPr>
-          <p:nvPr>
-            <p:ph type="title"/>
-          </p:nvPr>
-        </p:nvSpPr>
-        <p:spPr>
-          <a:xfrm>
-            <a:off x="838200" y="317500"/>
-            <a:ext cx="10515600" cy="1325563"/>
-          </a:xfrm>
-        </p:spPr>
-        <p:txBody>
-          <a:bodyPr/>
-          <a:lstStyle/>
-          <a:p>
-            <a:r>
-              <a:rPr lang="en-US" dirty="0"/>
-              <a:t>Rain fall</a:t>
-            </a:r>
-          </a:p>
-        </p:txBody>
-      </p:sp>
-      <p:graphicFrame>
-        <p:nvGraphicFramePr>
-          <p:cNvPr id="8" name="Content Placeholder 7">
-            <a:extLst>
-              <a:ext uri="{FF2B5EF4-FFF2-40B4-BE49-F238E27FC236}">
-                <a16:creationId xmlns:a16="http://schemas.microsoft.com/office/drawing/2014/main" id="{BFD04B86-82A4-4621-BC6E-210F5B24D833}"/>
-              </a:ext>
-            </a:extLst>
-          </p:cNvPr>
-          <p:cNvGraphicFramePr>
-            <a:graphicFrameLocks noGrp="1"/>
-          </p:cNvGraphicFramePr>
-          <p:nvPr>
-            <p:ph idx="1"/>
-            <p:extLst>
-              <p:ext uri="{D42A27DB-BD31-4B8C-83A1-F6EECF244321}">
-                <p14:modId xmlns:p14="http://schemas.microsoft.com/office/powerpoint/2010/main" val="1317073714"/>
-              </p:ext>
-            </p:extLst>
-          </p:nvPr>
-        </p:nvGraphicFramePr>
-        <p:xfrm>
-          <a:off x="838200" y="1825625"/>
-          <a:ext cx="10515600" cy="4351338"/>
-        </p:xfrm>
-        <a:graphic>
-          <a:graphicData uri="http://schemas.openxmlformats.org/drawingml/2006/chart">
-            <c:chart xmlns:c="http://schemas.openxmlformats.org/drawingml/2006/chart" xmlns:r="http://schemas.openxmlformats.org/officeDocument/2006/relationships" r:id="rId2"/>
-          </a:graphicData>
-        </a:graphic>
-      </p:graphicFrame>
-    </p:spTree>
-    <p:extLst>
-      <p:ext uri="{BB962C8B-B14F-4D97-AF65-F5344CB8AC3E}">
-        <p14:creationId xmlns:p14="http://schemas.microsoft.com/office/powerpoint/2010/main" val="127837137"/>
       </p:ext>
     </p:extLst>
   </p:cSld>
@@ -9581,7 +10119,7 @@
             </a:pPr>
             <a:r>
               <a:rPr lang="en-US" dirty="0"/>
-              <a:t>⚠ The infection causes flu-like illness, and occasionally develops into a potentially lethal.</a:t>
+              <a:t>- The infection causes flu-like illness, and occasionally develops into a potentially lethal.</a:t>
             </a:r>
             <a:endParaRPr lang="en-US" dirty="0">
               <a:latin typeface="Times New Roman" panose="02020603050405020304" pitchFamily="18" charset="0"/>
@@ -9593,14 +10131,10 @@
               <a:buNone/>
             </a:pPr>
             <a:r>
-              <a:rPr lang="en-US" dirty="0"/>
-              <a:t>⚠</a:t>
-            </a:r>
-            <a:r>
               <a:rPr lang="en-US" b="0" i="0" dirty="0">
                 <a:effectLst/>
               </a:rPr>
-              <a:t> There is no specific treatment for dengue, </a:t>
+              <a:t>- There is no specific treatment for dengue, </a:t>
             </a:r>
             <a:r>
               <a:rPr lang="en-US" b="0" dirty="0">
@@ -9641,6 +10175,16 @@
             <a:r>
               <a:rPr lang="en-US" dirty="0"/>
               <a:t>patients by temperature, rainfall, humidity.</a:t>
+            </a:r>
+            <a:endParaRPr lang="th-TH" dirty="0"/>
+          </a:p>
+          <a:p>
+            <a:pPr marL="457200" lvl="1" indent="0">
+              <a:buNone/>
+            </a:pPr>
+            <a:r>
+              <a:rPr lang="en-US" dirty="0"/>
+              <a:t>✨ To cluster the patient into multiple groups of regions.</a:t>
             </a:r>
           </a:p>
           <a:p>
@@ -9668,6 +10212,2127 @@
 </file>
 
 <file path=ppt/slides/slide20.xml><?xml version="1.0" encoding="utf-8"?>
+<p:sld xmlns:a="http://schemas.openxmlformats.org/drawingml/2006/main" xmlns:r="http://schemas.openxmlformats.org/officeDocument/2006/relationships" xmlns:p="http://schemas.openxmlformats.org/presentationml/2006/main">
+  <p:cSld>
+    <p:spTree>
+      <p:nvGrpSpPr>
+        <p:cNvPr id="1" name=""/>
+        <p:cNvGrpSpPr/>
+        <p:nvPr/>
+      </p:nvGrpSpPr>
+      <p:grpSpPr>
+        <a:xfrm>
+          <a:off x="0" y="0"/>
+          <a:ext cx="0" cy="0"/>
+          <a:chOff x="0" y="0"/>
+          <a:chExt cx="0" cy="0"/>
+        </a:xfrm>
+      </p:grpSpPr>
+      <p:pic>
+        <p:nvPicPr>
+          <p:cNvPr id="6" name="Picture 2">
+            <a:extLst>
+              <a:ext uri="{FF2B5EF4-FFF2-40B4-BE49-F238E27FC236}">
+                <a16:creationId xmlns:a16="http://schemas.microsoft.com/office/drawing/2014/main" id="{8EBD732B-A97B-4A1E-8F79-EDB67838AE7B}"/>
+              </a:ext>
+            </a:extLst>
+          </p:cNvPr>
+          <p:cNvPicPr>
+            <a:picLocks noChangeAspect="1" noChangeArrowheads="1"/>
+          </p:cNvPicPr>
+          <p:nvPr/>
+        </p:nvPicPr>
+        <p:blipFill rotWithShape="1">
+          <a:blip r:embed="rId2">
+            <a:alphaModFix amt="35000"/>
+            <a:extLst>
+              <a:ext uri="{28A0092B-C50C-407E-A947-70E740481C1C}">
+                <a14:useLocalDpi xmlns:a14="http://schemas.microsoft.com/office/drawing/2010/main" val="0"/>
+              </a:ext>
+            </a:extLst>
+          </a:blip>
+          <a:srcRect l="48220" t="15814" r="2078" b="44922"/>
+          <a:stretch/>
+        </p:blipFill>
+        <p:spPr bwMode="auto">
+          <a:xfrm>
+            <a:off x="7026562" y="1"/>
+            <a:ext cx="5165437" cy="6858000"/>
+          </a:xfrm>
+          <a:prstGeom prst="rect">
+            <a:avLst/>
+          </a:prstGeom>
+          <a:noFill/>
+          <a:extLst>
+            <a:ext uri="{909E8E84-426E-40DD-AFC4-6F175D3DCCD1}">
+              <a14:hiddenFill xmlns:a14="http://schemas.microsoft.com/office/drawing/2010/main">
+                <a:solidFill>
+                  <a:srgbClr val="FFFFFF"/>
+                </a:solidFill>
+              </a14:hiddenFill>
+            </a:ext>
+          </a:extLst>
+        </p:spPr>
+      </p:pic>
+      <p:sp>
+        <p:nvSpPr>
+          <p:cNvPr id="2" name="Title 1">
+            <a:extLst>
+              <a:ext uri="{FF2B5EF4-FFF2-40B4-BE49-F238E27FC236}">
+                <a16:creationId xmlns:a16="http://schemas.microsoft.com/office/drawing/2014/main" id="{AA677C4D-8506-4732-8FBC-CFDFB80C0CC4}"/>
+              </a:ext>
+            </a:extLst>
+          </p:cNvPr>
+          <p:cNvSpPr>
+            <a:spLocks noGrp="1"/>
+          </p:cNvSpPr>
+          <p:nvPr>
+            <p:ph type="title"/>
+          </p:nvPr>
+        </p:nvSpPr>
+        <p:spPr/>
+        <p:txBody>
+          <a:bodyPr/>
+          <a:lstStyle/>
+          <a:p>
+            <a:r>
+              <a:rPr lang="en-US" dirty="0"/>
+              <a:t>Clusters</a:t>
+            </a:r>
+          </a:p>
+        </p:txBody>
+      </p:sp>
+      <p:pic>
+        <p:nvPicPr>
+          <p:cNvPr id="2050" name="Picture 2">
+            <a:extLst>
+              <a:ext uri="{FF2B5EF4-FFF2-40B4-BE49-F238E27FC236}">
+                <a16:creationId xmlns:a16="http://schemas.microsoft.com/office/drawing/2014/main" id="{582FF436-CBC5-4264-ACA3-C3B691623862}"/>
+              </a:ext>
+            </a:extLst>
+          </p:cNvPr>
+          <p:cNvPicPr>
+            <a:picLocks noGrp="1" noChangeAspect="1" noChangeArrowheads="1"/>
+          </p:cNvPicPr>
+          <p:nvPr>
+            <p:ph idx="1"/>
+          </p:nvPr>
+        </p:nvPicPr>
+        <p:blipFill rotWithShape="1">
+          <a:blip r:embed="rId2">
+            <a:extLst>
+              <a:ext uri="{28A0092B-C50C-407E-A947-70E740481C1C}">
+                <a14:useLocalDpi xmlns:a14="http://schemas.microsoft.com/office/drawing/2010/main" val="0"/>
+              </a:ext>
+            </a:extLst>
+          </a:blip>
+          <a:srcRect l="16615" t="5025" r="2077" b="9411"/>
+          <a:stretch/>
+        </p:blipFill>
+        <p:spPr bwMode="auto">
+          <a:xfrm>
+            <a:off x="7026563" y="182562"/>
+            <a:ext cx="3671267" cy="6492875"/>
+          </a:xfrm>
+          <a:prstGeom prst="rect">
+            <a:avLst/>
+          </a:prstGeom>
+          <a:noFill/>
+          <a:extLst>
+            <a:ext uri="{909E8E84-426E-40DD-AFC4-6F175D3DCCD1}">
+              <a14:hiddenFill xmlns:a14="http://schemas.microsoft.com/office/drawing/2010/main">
+                <a:solidFill>
+                  <a:srgbClr val="FFFFFF"/>
+                </a:solidFill>
+              </a14:hiddenFill>
+            </a:ext>
+          </a:extLst>
+        </p:spPr>
+      </p:pic>
+      <p:sp>
+        <p:nvSpPr>
+          <p:cNvPr id="5" name="TextBox 4">
+            <a:extLst>
+              <a:ext uri="{FF2B5EF4-FFF2-40B4-BE49-F238E27FC236}">
+                <a16:creationId xmlns:a16="http://schemas.microsoft.com/office/drawing/2014/main" id="{23C1E52E-58D2-41EA-A4FE-AFF66DC21DF7}"/>
+              </a:ext>
+            </a:extLst>
+          </p:cNvPr>
+          <p:cNvSpPr txBox="1"/>
+          <p:nvPr/>
+        </p:nvSpPr>
+        <p:spPr>
+          <a:xfrm>
+            <a:off x="838200" y="2055812"/>
+            <a:ext cx="3511838" cy="2308324"/>
+          </a:xfrm>
+          <a:prstGeom prst="rect">
+            <a:avLst/>
+          </a:prstGeom>
+          <a:noFill/>
+        </p:spPr>
+        <p:txBody>
+          <a:bodyPr wrap="square">
+            <a:spAutoFit/>
+          </a:bodyPr>
+          <a:lstStyle/>
+          <a:p>
+            <a:pPr marL="285750" indent="-285750">
+              <a:buFontTx/>
+              <a:buChar char="-"/>
+            </a:pPr>
+            <a:r>
+              <a:rPr lang="en-US" sz="1600" i="0" u="none" strike="noStrike" baseline="0" dirty="0">
+                <a:solidFill>
+                  <a:srgbClr val="000000"/>
+                </a:solidFill>
+              </a:rPr>
+              <a:t>Green color is low rain amount (1181)</a:t>
+            </a:r>
+          </a:p>
+          <a:p>
+            <a:pPr marL="285750" indent="-285750">
+              <a:buFontTx/>
+              <a:buChar char="-"/>
+            </a:pPr>
+            <a:r>
+              <a:rPr lang="en-US" sz="1600" i="0" u="none" strike="noStrike" baseline="0" dirty="0">
+                <a:solidFill>
+                  <a:srgbClr val="000000"/>
+                </a:solidFill>
+              </a:rPr>
+              <a:t>Blue color is medium rain amount (2155)</a:t>
+            </a:r>
+          </a:p>
+          <a:p>
+            <a:pPr marL="285750" indent="-285750">
+              <a:buFontTx/>
+              <a:buChar char="-"/>
+            </a:pPr>
+            <a:r>
+              <a:rPr lang="en-US" sz="1600" i="0" u="none" strike="noStrike" baseline="0" dirty="0">
+                <a:solidFill>
+                  <a:srgbClr val="000000"/>
+                </a:solidFill>
+              </a:rPr>
+              <a:t>Red color is high rain amount (3647)</a:t>
+            </a:r>
+          </a:p>
+          <a:p>
+            <a:pPr marL="285750" indent="-285750">
+              <a:buFontTx/>
+              <a:buChar char="-"/>
+            </a:pPr>
+            <a:r>
+              <a:rPr lang="en-US" sz="1600" i="0" u="none" strike="noStrike" baseline="0" dirty="0">
+                <a:solidFill>
+                  <a:srgbClr val="000000"/>
+                </a:solidFill>
+              </a:rPr>
+              <a:t>Size of the circle is demonstrated by the percentage of deaths by Dengue</a:t>
+            </a:r>
+          </a:p>
+        </p:txBody>
+      </p:sp>
+      <p:cxnSp>
+        <p:nvCxnSpPr>
+          <p:cNvPr id="24" name="Straight Arrow Connector 23">
+            <a:extLst>
+              <a:ext uri="{FF2B5EF4-FFF2-40B4-BE49-F238E27FC236}">
+                <a16:creationId xmlns:a16="http://schemas.microsoft.com/office/drawing/2014/main" id="{47DAB32E-2114-4492-9D2D-6CE08A011F42}"/>
+              </a:ext>
+            </a:extLst>
+          </p:cNvPr>
+          <p:cNvCxnSpPr>
+            <a:cxnSpLocks/>
+          </p:cNvCxnSpPr>
+          <p:nvPr/>
+        </p:nvCxnSpPr>
+        <p:spPr>
+          <a:xfrm flipV="1">
+            <a:off x="5759738" y="2428875"/>
+            <a:ext cx="2543175" cy="2000250"/>
+          </a:xfrm>
+          <a:prstGeom prst="straightConnector1">
+            <a:avLst/>
+          </a:prstGeom>
+          <a:ln w="19050">
+            <a:solidFill>
+              <a:schemeClr val="tx1"/>
+            </a:solidFill>
+            <a:tailEnd type="triangle"/>
+          </a:ln>
+        </p:spPr>
+        <p:style>
+          <a:lnRef idx="1">
+            <a:schemeClr val="accent1"/>
+          </a:lnRef>
+          <a:fillRef idx="0">
+            <a:schemeClr val="accent1"/>
+          </a:fillRef>
+          <a:effectRef idx="0">
+            <a:schemeClr val="accent1"/>
+          </a:effectRef>
+          <a:fontRef idx="minor">
+            <a:schemeClr val="tx1"/>
+          </a:fontRef>
+        </p:style>
+      </p:cxnSp>
+      <p:cxnSp>
+        <p:nvCxnSpPr>
+          <p:cNvPr id="30" name="Straight Arrow Connector 29">
+            <a:extLst>
+              <a:ext uri="{FF2B5EF4-FFF2-40B4-BE49-F238E27FC236}">
+                <a16:creationId xmlns:a16="http://schemas.microsoft.com/office/drawing/2014/main" id="{B51C90B3-1EC7-486B-AB93-C0FA7A5D0C60}"/>
+              </a:ext>
+            </a:extLst>
+          </p:cNvPr>
+          <p:cNvCxnSpPr>
+            <a:cxnSpLocks/>
+          </p:cNvCxnSpPr>
+          <p:nvPr/>
+        </p:nvCxnSpPr>
+        <p:spPr>
+          <a:xfrm flipV="1">
+            <a:off x="5759738" y="3829052"/>
+            <a:ext cx="2628900" cy="590548"/>
+          </a:xfrm>
+          <a:prstGeom prst="straightConnector1">
+            <a:avLst/>
+          </a:prstGeom>
+          <a:ln w="19050">
+            <a:solidFill>
+              <a:schemeClr val="tx1"/>
+            </a:solidFill>
+            <a:tailEnd type="triangle"/>
+          </a:ln>
+        </p:spPr>
+        <p:style>
+          <a:lnRef idx="1">
+            <a:schemeClr val="accent1"/>
+          </a:lnRef>
+          <a:fillRef idx="0">
+            <a:schemeClr val="accent1"/>
+          </a:fillRef>
+          <a:effectRef idx="0">
+            <a:schemeClr val="accent1"/>
+          </a:effectRef>
+          <a:fontRef idx="minor">
+            <a:schemeClr val="tx1"/>
+          </a:fontRef>
+        </p:style>
+      </p:cxnSp>
+      <p:cxnSp>
+        <p:nvCxnSpPr>
+          <p:cNvPr id="32" name="Straight Arrow Connector 31">
+            <a:extLst>
+              <a:ext uri="{FF2B5EF4-FFF2-40B4-BE49-F238E27FC236}">
+                <a16:creationId xmlns:a16="http://schemas.microsoft.com/office/drawing/2014/main" id="{05AAC887-436A-46E3-8C45-0BCEB53A40BE}"/>
+              </a:ext>
+            </a:extLst>
+          </p:cNvPr>
+          <p:cNvCxnSpPr>
+            <a:cxnSpLocks/>
+          </p:cNvCxnSpPr>
+          <p:nvPr/>
+        </p:nvCxnSpPr>
+        <p:spPr>
+          <a:xfrm flipV="1">
+            <a:off x="5759738" y="4305300"/>
+            <a:ext cx="2266950" cy="114300"/>
+          </a:xfrm>
+          <a:prstGeom prst="straightConnector1">
+            <a:avLst/>
+          </a:prstGeom>
+          <a:ln w="19050">
+            <a:solidFill>
+              <a:schemeClr val="tx1"/>
+            </a:solidFill>
+            <a:tailEnd type="triangle"/>
+          </a:ln>
+        </p:spPr>
+        <p:style>
+          <a:lnRef idx="1">
+            <a:schemeClr val="accent1"/>
+          </a:lnRef>
+          <a:fillRef idx="0">
+            <a:schemeClr val="accent1"/>
+          </a:fillRef>
+          <a:effectRef idx="0">
+            <a:schemeClr val="accent1"/>
+          </a:effectRef>
+          <a:fontRef idx="minor">
+            <a:schemeClr val="tx1"/>
+          </a:fontRef>
+        </p:style>
+      </p:cxnSp>
+      <p:sp>
+        <p:nvSpPr>
+          <p:cNvPr id="40" name="TextBox 39">
+            <a:extLst>
+              <a:ext uri="{FF2B5EF4-FFF2-40B4-BE49-F238E27FC236}">
+                <a16:creationId xmlns:a16="http://schemas.microsoft.com/office/drawing/2014/main" id="{43DE852D-1B08-40FC-B1EE-FED418E7E5EF}"/>
+              </a:ext>
+            </a:extLst>
+          </p:cNvPr>
+          <p:cNvSpPr txBox="1"/>
+          <p:nvPr/>
+        </p:nvSpPr>
+        <p:spPr>
+          <a:xfrm>
+            <a:off x="4392273" y="3905012"/>
+            <a:ext cx="1409700" cy="738664"/>
+          </a:xfrm>
+          <a:prstGeom prst="rect">
+            <a:avLst/>
+          </a:prstGeom>
+          <a:noFill/>
+        </p:spPr>
+        <p:txBody>
+          <a:bodyPr wrap="square">
+            <a:spAutoFit/>
+          </a:bodyPr>
+          <a:lstStyle/>
+          <a:p>
+            <a:pPr algn="ctr"/>
+            <a:r>
+              <a:rPr lang="en-US" dirty="0">
+                <a:solidFill>
+                  <a:srgbClr val="000000"/>
+                </a:solidFill>
+              </a:rPr>
+              <a:t>🎯 </a:t>
+            </a:r>
+            <a:r>
+              <a:rPr lang="en-US" sz="2400" dirty="0">
+                <a:solidFill>
+                  <a:srgbClr val="000000"/>
+                </a:solidFill>
+              </a:rPr>
+              <a:t>C</a:t>
+            </a:r>
+            <a:r>
+              <a:rPr lang="en-US" sz="2400" i="0" u="none" strike="noStrike" baseline="0" dirty="0">
+                <a:solidFill>
+                  <a:srgbClr val="000000"/>
+                </a:solidFill>
+              </a:rPr>
+              <a:t>entroid</a:t>
+            </a:r>
+            <a:endParaRPr lang="en-US" sz="2400" dirty="0"/>
+          </a:p>
+        </p:txBody>
+      </p:sp>
+    </p:spTree>
+    <p:extLst>
+      <p:ext uri="{BB962C8B-B14F-4D97-AF65-F5344CB8AC3E}">
+        <p14:creationId xmlns:p14="http://schemas.microsoft.com/office/powerpoint/2010/main" val="3537711448"/>
+      </p:ext>
+    </p:extLst>
+  </p:cSld>
+  <p:clrMapOvr>
+    <a:masterClrMapping/>
+  </p:clrMapOvr>
+</p:sld>
+</file>
+
+<file path=ppt/slides/slide21.xml><?xml version="1.0" encoding="utf-8"?>
+<p:sld xmlns:a="http://schemas.openxmlformats.org/drawingml/2006/main" xmlns:r="http://schemas.openxmlformats.org/officeDocument/2006/relationships" xmlns:p="http://schemas.openxmlformats.org/presentationml/2006/main">
+  <p:cSld>
+    <p:spTree>
+      <p:nvGrpSpPr>
+        <p:cNvPr id="1" name=""/>
+        <p:cNvGrpSpPr/>
+        <p:nvPr/>
+      </p:nvGrpSpPr>
+      <p:grpSpPr>
+        <a:xfrm>
+          <a:off x="0" y="0"/>
+          <a:ext cx="0" cy="0"/>
+          <a:chOff x="0" y="0"/>
+          <a:chExt cx="0" cy="0"/>
+        </a:xfrm>
+      </p:grpSpPr>
+      <p:pic>
+        <p:nvPicPr>
+          <p:cNvPr id="18" name="Picture 2">
+            <a:extLst>
+              <a:ext uri="{FF2B5EF4-FFF2-40B4-BE49-F238E27FC236}">
+                <a16:creationId xmlns:a16="http://schemas.microsoft.com/office/drawing/2014/main" id="{0B45B51F-7155-4E59-B9F7-BB7C964152C3}"/>
+              </a:ext>
+            </a:extLst>
+          </p:cNvPr>
+          <p:cNvPicPr>
+            <a:picLocks noChangeAspect="1" noChangeArrowheads="1"/>
+          </p:cNvPicPr>
+          <p:nvPr/>
+        </p:nvPicPr>
+        <p:blipFill rotWithShape="1">
+          <a:blip r:embed="rId2">
+            <a:extLst>
+              <a:ext uri="{28A0092B-C50C-407E-A947-70E740481C1C}">
+                <a14:useLocalDpi xmlns:a14="http://schemas.microsoft.com/office/drawing/2010/main" val="0"/>
+              </a:ext>
+            </a:extLst>
+          </a:blip>
+          <a:srcRect l="32534" t="11108" r="2776" b="46850"/>
+          <a:stretch/>
+        </p:blipFill>
+        <p:spPr bwMode="auto">
+          <a:xfrm>
+            <a:off x="2165192" y="1628774"/>
+            <a:ext cx="3670617" cy="4009137"/>
+          </a:xfrm>
+          <a:prstGeom prst="rect">
+            <a:avLst/>
+          </a:prstGeom>
+          <a:noFill/>
+          <a:effectLst>
+            <a:glow rad="228600">
+              <a:schemeClr val="accent4">
+                <a:satMod val="175000"/>
+                <a:alpha val="40000"/>
+              </a:schemeClr>
+            </a:glow>
+          </a:effectLst>
+          <a:extLst>
+            <a:ext uri="{909E8E84-426E-40DD-AFC4-6F175D3DCCD1}">
+              <a14:hiddenFill xmlns:a14="http://schemas.microsoft.com/office/drawing/2010/main">
+                <a:solidFill>
+                  <a:srgbClr val="FFFFFF"/>
+                </a:solidFill>
+              </a14:hiddenFill>
+            </a:ext>
+          </a:extLst>
+        </p:spPr>
+      </p:pic>
+      <p:sp>
+        <p:nvSpPr>
+          <p:cNvPr id="2" name="Title 1">
+            <a:extLst>
+              <a:ext uri="{FF2B5EF4-FFF2-40B4-BE49-F238E27FC236}">
+                <a16:creationId xmlns:a16="http://schemas.microsoft.com/office/drawing/2014/main" id="{AA677C4D-8506-4732-8FBC-CFDFB80C0CC4}"/>
+              </a:ext>
+            </a:extLst>
+          </p:cNvPr>
+          <p:cNvSpPr>
+            <a:spLocks noGrp="1"/>
+          </p:cNvSpPr>
+          <p:nvPr>
+            <p:ph type="title"/>
+          </p:nvPr>
+        </p:nvSpPr>
+        <p:spPr/>
+        <p:txBody>
+          <a:bodyPr/>
+          <a:lstStyle/>
+          <a:p>
+            <a:r>
+              <a:rPr lang="en-US" dirty="0"/>
+              <a:t>Clusters</a:t>
+            </a:r>
+          </a:p>
+        </p:txBody>
+      </p:sp>
+      <p:sp>
+        <p:nvSpPr>
+          <p:cNvPr id="14" name="TextBox 13">
+            <a:extLst>
+              <a:ext uri="{FF2B5EF4-FFF2-40B4-BE49-F238E27FC236}">
+                <a16:creationId xmlns:a16="http://schemas.microsoft.com/office/drawing/2014/main" id="{5B369205-DB11-4A77-9A99-C51A286DA46D}"/>
+              </a:ext>
+            </a:extLst>
+          </p:cNvPr>
+          <p:cNvSpPr txBox="1"/>
+          <p:nvPr/>
+        </p:nvSpPr>
+        <p:spPr>
+          <a:xfrm>
+            <a:off x="6153150" y="2384078"/>
+            <a:ext cx="3581400" cy="646331"/>
+          </a:xfrm>
+          <a:prstGeom prst="rect">
+            <a:avLst/>
+          </a:prstGeom>
+          <a:noFill/>
+        </p:spPr>
+        <p:txBody>
+          <a:bodyPr wrap="square">
+            <a:spAutoFit/>
+          </a:bodyPr>
+          <a:lstStyle/>
+          <a:p>
+            <a:r>
+              <a:rPr lang="en-US" dirty="0"/>
+              <a:t>The northeastern</a:t>
+            </a:r>
+            <a:r>
+              <a:rPr lang="th-TH" dirty="0"/>
+              <a:t> </a:t>
+            </a:r>
+            <a:r>
+              <a:rPr lang="en-US" dirty="0"/>
+              <a:t>is the region with the highest rate of dengue.</a:t>
+            </a:r>
+          </a:p>
+        </p:txBody>
+      </p:sp>
+      <p:grpSp>
+        <p:nvGrpSpPr>
+          <p:cNvPr id="13" name="Group 12">
+            <a:extLst>
+              <a:ext uri="{FF2B5EF4-FFF2-40B4-BE49-F238E27FC236}">
+                <a16:creationId xmlns:a16="http://schemas.microsoft.com/office/drawing/2014/main" id="{C32642B9-9CB9-4AE1-8D2B-923ACB1C1FD0}"/>
+              </a:ext>
+            </a:extLst>
+          </p:cNvPr>
+          <p:cNvGrpSpPr/>
+          <p:nvPr/>
+        </p:nvGrpSpPr>
+        <p:grpSpPr>
+          <a:xfrm>
+            <a:off x="6153150" y="3351342"/>
+            <a:ext cx="4232753" cy="1249192"/>
+            <a:chOff x="1209040" y="3616883"/>
+            <a:chExt cx="7741761" cy="2284788"/>
+          </a:xfrm>
+        </p:grpSpPr>
+        <p:pic>
+          <p:nvPicPr>
+            <p:cNvPr id="6" name="Picture 5">
+              <a:extLst>
+                <a:ext uri="{FF2B5EF4-FFF2-40B4-BE49-F238E27FC236}">
+                  <a16:creationId xmlns:a16="http://schemas.microsoft.com/office/drawing/2014/main" id="{98E75B11-8259-4FFE-B25C-C8EACCBBD90F}"/>
+                </a:ext>
+              </a:extLst>
+            </p:cNvPr>
+            <p:cNvPicPr>
+              <a:picLocks noChangeAspect="1"/>
+            </p:cNvPicPr>
+            <p:nvPr/>
+          </p:nvPicPr>
+          <p:blipFill rotWithShape="1">
+            <a:blip r:embed="rId3"/>
+            <a:srcRect l="94343" r="-1"/>
+            <a:stretch/>
+          </p:blipFill>
+          <p:spPr>
+            <a:xfrm>
+              <a:off x="7934960" y="3619947"/>
+              <a:ext cx="1015841" cy="2281132"/>
+            </a:xfrm>
+            <a:prstGeom prst="rect">
+              <a:avLst/>
+            </a:prstGeom>
+          </p:spPr>
+        </p:pic>
+        <p:pic>
+          <p:nvPicPr>
+            <p:cNvPr id="17" name="Picture 16">
+              <a:extLst>
+                <a:ext uri="{FF2B5EF4-FFF2-40B4-BE49-F238E27FC236}">
+                  <a16:creationId xmlns:a16="http://schemas.microsoft.com/office/drawing/2014/main" id="{9AEA4457-7D75-4190-A168-B67EA0A84360}"/>
+                </a:ext>
+              </a:extLst>
+            </p:cNvPr>
+            <p:cNvPicPr>
+              <a:picLocks noChangeAspect="1"/>
+            </p:cNvPicPr>
+            <p:nvPr/>
+          </p:nvPicPr>
+          <p:blipFill rotWithShape="1">
+            <a:blip r:embed="rId3"/>
+            <a:srcRect l="64824" r="20917"/>
+            <a:stretch/>
+          </p:blipFill>
+          <p:spPr>
+            <a:xfrm>
+              <a:off x="5374640" y="3620539"/>
+              <a:ext cx="2560320" cy="2281132"/>
+            </a:xfrm>
+            <a:prstGeom prst="rect">
+              <a:avLst/>
+            </a:prstGeom>
+          </p:spPr>
+        </p:pic>
+        <p:pic>
+          <p:nvPicPr>
+            <p:cNvPr id="20" name="Picture 19">
+              <a:extLst>
+                <a:ext uri="{FF2B5EF4-FFF2-40B4-BE49-F238E27FC236}">
+                  <a16:creationId xmlns:a16="http://schemas.microsoft.com/office/drawing/2014/main" id="{74E54F1D-32BE-40FE-BFAE-1AA3608D0197}"/>
+                </a:ext>
+              </a:extLst>
+            </p:cNvPr>
+            <p:cNvPicPr>
+              <a:picLocks noChangeAspect="1"/>
+            </p:cNvPicPr>
+            <p:nvPr/>
+          </p:nvPicPr>
+          <p:blipFill rotWithShape="1">
+            <a:blip r:embed="rId3"/>
+            <a:srcRect l="11241" r="65561"/>
+            <a:stretch/>
+          </p:blipFill>
+          <p:spPr>
+            <a:xfrm>
+              <a:off x="1209040" y="3616883"/>
+              <a:ext cx="4165600" cy="2281132"/>
+            </a:xfrm>
+            <a:prstGeom prst="rect">
+              <a:avLst/>
+            </a:prstGeom>
+          </p:spPr>
+        </p:pic>
+      </p:grpSp>
+      <p:sp>
+        <p:nvSpPr>
+          <p:cNvPr id="21" name="TextBox 20">
+            <a:extLst>
+              <a:ext uri="{FF2B5EF4-FFF2-40B4-BE49-F238E27FC236}">
+                <a16:creationId xmlns:a16="http://schemas.microsoft.com/office/drawing/2014/main" id="{6B0F6A1D-4A23-4E81-92D1-6EAEAAD0124D}"/>
+              </a:ext>
+            </a:extLst>
+          </p:cNvPr>
+          <p:cNvSpPr txBox="1"/>
+          <p:nvPr/>
+        </p:nvSpPr>
+        <p:spPr>
+          <a:xfrm>
+            <a:off x="2003267" y="5793085"/>
+            <a:ext cx="3670617" cy="461665"/>
+          </a:xfrm>
+          <a:prstGeom prst="rect">
+            <a:avLst/>
+          </a:prstGeom>
+          <a:noFill/>
+        </p:spPr>
+        <p:txBody>
+          <a:bodyPr wrap="square" rtlCol="0">
+            <a:spAutoFit/>
+          </a:bodyPr>
+          <a:lstStyle/>
+          <a:p>
+            <a:r>
+              <a:rPr lang="en-US" sz="1200" dirty="0"/>
+              <a:t>* Northeastern 66.62 per 100,000 population</a:t>
+            </a:r>
+            <a:r>
+              <a:rPr lang="th-TH" sz="1200" dirty="0"/>
+              <a:t> </a:t>
+            </a:r>
+            <a:r>
+              <a:rPr lang="en-US" sz="1200" dirty="0"/>
+              <a:t>sick with dengue BBC Thai</a:t>
+            </a:r>
+          </a:p>
+        </p:txBody>
+      </p:sp>
+    </p:spTree>
+    <p:extLst>
+      <p:ext uri="{BB962C8B-B14F-4D97-AF65-F5344CB8AC3E}">
+        <p14:creationId xmlns:p14="http://schemas.microsoft.com/office/powerpoint/2010/main" val="3549821572"/>
+      </p:ext>
+    </p:extLst>
+  </p:cSld>
+  <p:clrMapOvr>
+    <a:masterClrMapping/>
+  </p:clrMapOvr>
+</p:sld>
+</file>
+
+<file path=ppt/slides/slide22.xml><?xml version="1.0" encoding="utf-8"?>
+<p:sld xmlns:a="http://schemas.openxmlformats.org/drawingml/2006/main" xmlns:r="http://schemas.openxmlformats.org/officeDocument/2006/relationships" xmlns:p="http://schemas.openxmlformats.org/presentationml/2006/main">
+  <p:cSld>
+    <p:spTree>
+      <p:nvGrpSpPr>
+        <p:cNvPr id="1" name=""/>
+        <p:cNvGrpSpPr/>
+        <p:nvPr/>
+      </p:nvGrpSpPr>
+      <p:grpSpPr>
+        <a:xfrm>
+          <a:off x="0" y="0"/>
+          <a:ext cx="0" cy="0"/>
+          <a:chOff x="0" y="0"/>
+          <a:chExt cx="0" cy="0"/>
+        </a:xfrm>
+      </p:grpSpPr>
+      <p:sp>
+        <p:nvSpPr>
+          <p:cNvPr id="2" name="Title 1">
+            <a:extLst>
+              <a:ext uri="{FF2B5EF4-FFF2-40B4-BE49-F238E27FC236}">
+                <a16:creationId xmlns:a16="http://schemas.microsoft.com/office/drawing/2014/main" id="{AA677C4D-8506-4732-8FBC-CFDFB80C0CC4}"/>
+              </a:ext>
+            </a:extLst>
+          </p:cNvPr>
+          <p:cNvSpPr>
+            <a:spLocks noGrp="1"/>
+          </p:cNvSpPr>
+          <p:nvPr>
+            <p:ph type="title"/>
+          </p:nvPr>
+        </p:nvSpPr>
+        <p:spPr/>
+        <p:txBody>
+          <a:bodyPr/>
+          <a:lstStyle/>
+          <a:p>
+            <a:r>
+              <a:rPr lang="en-US" dirty="0"/>
+              <a:t>Clusters</a:t>
+            </a:r>
+          </a:p>
+        </p:txBody>
+      </p:sp>
+      <p:pic>
+        <p:nvPicPr>
+          <p:cNvPr id="10" name="Picture 2">
+            <a:extLst>
+              <a:ext uri="{FF2B5EF4-FFF2-40B4-BE49-F238E27FC236}">
+                <a16:creationId xmlns:a16="http://schemas.microsoft.com/office/drawing/2014/main" id="{C90F665E-8977-4965-8C6F-8AAB66FCDBE6}"/>
+              </a:ext>
+            </a:extLst>
+          </p:cNvPr>
+          <p:cNvPicPr>
+            <a:picLocks noGrp="1" noChangeAspect="1" noChangeArrowheads="1"/>
+          </p:cNvPicPr>
+          <p:nvPr>
+            <p:ph idx="1"/>
+          </p:nvPr>
+        </p:nvPicPr>
+        <p:blipFill rotWithShape="1">
+          <a:blip r:embed="rId2">
+            <a:extLst>
+              <a:ext uri="{28A0092B-C50C-407E-A947-70E740481C1C}">
+                <a14:useLocalDpi xmlns:a14="http://schemas.microsoft.com/office/drawing/2010/main" val="0"/>
+              </a:ext>
+            </a:extLst>
+          </a:blip>
+          <a:srcRect l="16828" t="4754" r="28893" b="59098"/>
+          <a:stretch/>
+        </p:blipFill>
+        <p:spPr bwMode="auto">
+          <a:xfrm>
+            <a:off x="1685927" y="1690688"/>
+            <a:ext cx="2209800" cy="2473325"/>
+          </a:xfrm>
+          <a:prstGeom prst="rect">
+            <a:avLst/>
+          </a:prstGeom>
+          <a:noFill/>
+          <a:extLst>
+            <a:ext uri="{909E8E84-426E-40DD-AFC4-6F175D3DCCD1}">
+              <a14:hiddenFill xmlns:a14="http://schemas.microsoft.com/office/drawing/2010/main">
+                <a:solidFill>
+                  <a:srgbClr val="FFFFFF"/>
+                </a:solidFill>
+              </a14:hiddenFill>
+            </a:ext>
+          </a:extLst>
+        </p:spPr>
+      </p:pic>
+      <p:pic>
+        <p:nvPicPr>
+          <p:cNvPr id="11" name="Picture 2">
+            <a:extLst>
+              <a:ext uri="{FF2B5EF4-FFF2-40B4-BE49-F238E27FC236}">
+                <a16:creationId xmlns:a16="http://schemas.microsoft.com/office/drawing/2014/main" id="{CA2298A9-0149-4B81-A9D0-25BE0F458380}"/>
+              </a:ext>
+            </a:extLst>
+          </p:cNvPr>
+          <p:cNvPicPr>
+            <a:picLocks noChangeAspect="1" noChangeArrowheads="1"/>
+          </p:cNvPicPr>
+          <p:nvPr/>
+        </p:nvPicPr>
+        <p:blipFill rotWithShape="1">
+          <a:blip r:embed="rId2">
+            <a:extLst>
+              <a:ext uri="{28A0092B-C50C-407E-A947-70E740481C1C}">
+                <a14:useLocalDpi xmlns:a14="http://schemas.microsoft.com/office/drawing/2010/main" val="0"/>
+              </a:ext>
+            </a:extLst>
+          </a:blip>
+          <a:srcRect l="16665" t="48698" r="38648" b="9446"/>
+          <a:stretch/>
+        </p:blipFill>
+        <p:spPr bwMode="auto">
+          <a:xfrm>
+            <a:off x="6251141" y="1678865"/>
+            <a:ext cx="1819275" cy="2863851"/>
+          </a:xfrm>
+          <a:prstGeom prst="rect">
+            <a:avLst/>
+          </a:prstGeom>
+          <a:noFill/>
+          <a:extLst>
+            <a:ext uri="{909E8E84-426E-40DD-AFC4-6F175D3DCCD1}">
+              <a14:hiddenFill xmlns:a14="http://schemas.microsoft.com/office/drawing/2010/main">
+                <a:solidFill>
+                  <a:srgbClr val="FFFFFF"/>
+                </a:solidFill>
+              </a14:hiddenFill>
+            </a:ext>
+          </a:extLst>
+        </p:spPr>
+      </p:pic>
+      <p:grpSp>
+        <p:nvGrpSpPr>
+          <p:cNvPr id="13" name="Group 12">
+            <a:extLst>
+              <a:ext uri="{FF2B5EF4-FFF2-40B4-BE49-F238E27FC236}">
+                <a16:creationId xmlns:a16="http://schemas.microsoft.com/office/drawing/2014/main" id="{478E94BA-003B-431E-BB8A-86F7658158BE}"/>
+              </a:ext>
+            </a:extLst>
+          </p:cNvPr>
+          <p:cNvGrpSpPr/>
+          <p:nvPr/>
+        </p:nvGrpSpPr>
+        <p:grpSpPr>
+          <a:xfrm>
+            <a:off x="1154230" y="4542716"/>
+            <a:ext cx="4232753" cy="1249192"/>
+            <a:chOff x="1209040" y="3616883"/>
+            <a:chExt cx="7741761" cy="2284788"/>
+          </a:xfrm>
+        </p:grpSpPr>
+        <p:pic>
+          <p:nvPicPr>
+            <p:cNvPr id="14" name="Picture 13">
+              <a:extLst>
+                <a:ext uri="{FF2B5EF4-FFF2-40B4-BE49-F238E27FC236}">
+                  <a16:creationId xmlns:a16="http://schemas.microsoft.com/office/drawing/2014/main" id="{D4D804EF-CD2D-4D16-A9FD-51ABDF79FF48}"/>
+                </a:ext>
+              </a:extLst>
+            </p:cNvPr>
+            <p:cNvPicPr>
+              <a:picLocks noChangeAspect="1"/>
+            </p:cNvPicPr>
+            <p:nvPr/>
+          </p:nvPicPr>
+          <p:blipFill rotWithShape="1">
+            <a:blip r:embed="rId3"/>
+            <a:srcRect l="94343" r="-1"/>
+            <a:stretch/>
+          </p:blipFill>
+          <p:spPr>
+            <a:xfrm>
+              <a:off x="7934960" y="3619947"/>
+              <a:ext cx="1015841" cy="2281132"/>
+            </a:xfrm>
+            <a:prstGeom prst="rect">
+              <a:avLst/>
+            </a:prstGeom>
+          </p:spPr>
+        </p:pic>
+        <p:pic>
+          <p:nvPicPr>
+            <p:cNvPr id="15" name="Picture 14">
+              <a:extLst>
+                <a:ext uri="{FF2B5EF4-FFF2-40B4-BE49-F238E27FC236}">
+                  <a16:creationId xmlns:a16="http://schemas.microsoft.com/office/drawing/2014/main" id="{EE39A016-3A2D-4812-A434-A209D4AFDA13}"/>
+                </a:ext>
+              </a:extLst>
+            </p:cNvPr>
+            <p:cNvPicPr>
+              <a:picLocks noChangeAspect="1"/>
+            </p:cNvPicPr>
+            <p:nvPr/>
+          </p:nvPicPr>
+          <p:blipFill rotWithShape="1">
+            <a:blip r:embed="rId3"/>
+            <a:srcRect l="64824" r="20917"/>
+            <a:stretch/>
+          </p:blipFill>
+          <p:spPr>
+            <a:xfrm>
+              <a:off x="5374640" y="3620539"/>
+              <a:ext cx="2560320" cy="2281132"/>
+            </a:xfrm>
+            <a:prstGeom prst="rect">
+              <a:avLst/>
+            </a:prstGeom>
+          </p:spPr>
+        </p:pic>
+        <p:pic>
+          <p:nvPicPr>
+            <p:cNvPr id="16" name="Picture 15">
+              <a:extLst>
+                <a:ext uri="{FF2B5EF4-FFF2-40B4-BE49-F238E27FC236}">
+                  <a16:creationId xmlns:a16="http://schemas.microsoft.com/office/drawing/2014/main" id="{2347337E-891D-4031-AA52-8684EB2E7765}"/>
+                </a:ext>
+              </a:extLst>
+            </p:cNvPr>
+            <p:cNvPicPr>
+              <a:picLocks noChangeAspect="1"/>
+            </p:cNvPicPr>
+            <p:nvPr/>
+          </p:nvPicPr>
+          <p:blipFill rotWithShape="1">
+            <a:blip r:embed="rId3"/>
+            <a:srcRect l="11241" r="65561"/>
+            <a:stretch/>
+          </p:blipFill>
+          <p:spPr>
+            <a:xfrm>
+              <a:off x="1209040" y="3616883"/>
+              <a:ext cx="4165600" cy="2281132"/>
+            </a:xfrm>
+            <a:prstGeom prst="rect">
+              <a:avLst/>
+            </a:prstGeom>
+          </p:spPr>
+        </p:pic>
+      </p:grpSp>
+      <p:grpSp>
+        <p:nvGrpSpPr>
+          <p:cNvPr id="17" name="Group 16">
+            <a:extLst>
+              <a:ext uri="{FF2B5EF4-FFF2-40B4-BE49-F238E27FC236}">
+                <a16:creationId xmlns:a16="http://schemas.microsoft.com/office/drawing/2014/main" id="{7A9C1CF5-75DE-482C-9ECD-58585806B793}"/>
+              </a:ext>
+            </a:extLst>
+          </p:cNvPr>
+          <p:cNvGrpSpPr/>
+          <p:nvPr/>
+        </p:nvGrpSpPr>
+        <p:grpSpPr>
+          <a:xfrm>
+            <a:off x="6231416" y="4541716"/>
+            <a:ext cx="4232753" cy="1249192"/>
+            <a:chOff x="1209040" y="3616883"/>
+            <a:chExt cx="7741761" cy="2284788"/>
+          </a:xfrm>
+        </p:grpSpPr>
+        <p:pic>
+          <p:nvPicPr>
+            <p:cNvPr id="18" name="Picture 17">
+              <a:extLst>
+                <a:ext uri="{FF2B5EF4-FFF2-40B4-BE49-F238E27FC236}">
+                  <a16:creationId xmlns:a16="http://schemas.microsoft.com/office/drawing/2014/main" id="{3801D0B4-0FAE-42A8-A7BD-A81B4368DF5D}"/>
+                </a:ext>
+              </a:extLst>
+            </p:cNvPr>
+            <p:cNvPicPr>
+              <a:picLocks noChangeAspect="1"/>
+            </p:cNvPicPr>
+            <p:nvPr/>
+          </p:nvPicPr>
+          <p:blipFill rotWithShape="1">
+            <a:blip r:embed="rId3"/>
+            <a:srcRect l="94343" r="-1"/>
+            <a:stretch/>
+          </p:blipFill>
+          <p:spPr>
+            <a:xfrm>
+              <a:off x="7934960" y="3619947"/>
+              <a:ext cx="1015841" cy="2281132"/>
+            </a:xfrm>
+            <a:prstGeom prst="rect">
+              <a:avLst/>
+            </a:prstGeom>
+          </p:spPr>
+        </p:pic>
+        <p:pic>
+          <p:nvPicPr>
+            <p:cNvPr id="19" name="Picture 18">
+              <a:extLst>
+                <a:ext uri="{FF2B5EF4-FFF2-40B4-BE49-F238E27FC236}">
+                  <a16:creationId xmlns:a16="http://schemas.microsoft.com/office/drawing/2014/main" id="{E458B0B4-61FE-486E-A2BF-8EA5D796B71B}"/>
+                </a:ext>
+              </a:extLst>
+            </p:cNvPr>
+            <p:cNvPicPr>
+              <a:picLocks noChangeAspect="1"/>
+            </p:cNvPicPr>
+            <p:nvPr/>
+          </p:nvPicPr>
+          <p:blipFill rotWithShape="1">
+            <a:blip r:embed="rId3"/>
+            <a:srcRect l="64824" r="20917"/>
+            <a:stretch/>
+          </p:blipFill>
+          <p:spPr>
+            <a:xfrm>
+              <a:off x="5374640" y="3620539"/>
+              <a:ext cx="2560320" cy="2281132"/>
+            </a:xfrm>
+            <a:prstGeom prst="rect">
+              <a:avLst/>
+            </a:prstGeom>
+          </p:spPr>
+        </p:pic>
+        <p:pic>
+          <p:nvPicPr>
+            <p:cNvPr id="20" name="Picture 19">
+              <a:extLst>
+                <a:ext uri="{FF2B5EF4-FFF2-40B4-BE49-F238E27FC236}">
+                  <a16:creationId xmlns:a16="http://schemas.microsoft.com/office/drawing/2014/main" id="{D40F9878-306C-4FF2-9EC3-E05FE7D1E8B5}"/>
+                </a:ext>
+              </a:extLst>
+            </p:cNvPr>
+            <p:cNvPicPr>
+              <a:picLocks noChangeAspect="1"/>
+            </p:cNvPicPr>
+            <p:nvPr/>
+          </p:nvPicPr>
+          <p:blipFill rotWithShape="1">
+            <a:blip r:embed="rId3"/>
+            <a:srcRect l="11241" r="65561"/>
+            <a:stretch/>
+          </p:blipFill>
+          <p:spPr>
+            <a:xfrm>
+              <a:off x="1209040" y="3616883"/>
+              <a:ext cx="4165600" cy="2281132"/>
+            </a:xfrm>
+            <a:prstGeom prst="rect">
+              <a:avLst/>
+            </a:prstGeom>
+          </p:spPr>
+        </p:pic>
+      </p:grpSp>
+    </p:spTree>
+    <p:extLst>
+      <p:ext uri="{BB962C8B-B14F-4D97-AF65-F5344CB8AC3E}">
+        <p14:creationId xmlns:p14="http://schemas.microsoft.com/office/powerpoint/2010/main" val="1695408946"/>
+      </p:ext>
+    </p:extLst>
+  </p:cSld>
+  <p:clrMapOvr>
+    <a:masterClrMapping/>
+  </p:clrMapOvr>
+</p:sld>
+</file>
+
+<file path=ppt/slides/slide23.xml><?xml version="1.0" encoding="utf-8"?>
+<p:sld xmlns:a="http://schemas.openxmlformats.org/drawingml/2006/main" xmlns:r="http://schemas.openxmlformats.org/officeDocument/2006/relationships" xmlns:p="http://schemas.openxmlformats.org/presentationml/2006/main">
+  <p:cSld>
+    <p:spTree>
+      <p:nvGrpSpPr>
+        <p:cNvPr id="1" name=""/>
+        <p:cNvGrpSpPr/>
+        <p:nvPr/>
+      </p:nvGrpSpPr>
+      <p:grpSpPr>
+        <a:xfrm>
+          <a:off x="0" y="0"/>
+          <a:ext cx="0" cy="0"/>
+          <a:chOff x="0" y="0"/>
+          <a:chExt cx="0" cy="0"/>
+        </a:xfrm>
+      </p:grpSpPr>
+      <p:sp>
+        <p:nvSpPr>
+          <p:cNvPr id="2" name="Title 1">
+            <a:extLst>
+              <a:ext uri="{FF2B5EF4-FFF2-40B4-BE49-F238E27FC236}">
+                <a16:creationId xmlns:a16="http://schemas.microsoft.com/office/drawing/2014/main" id="{9BA3AE59-F638-4509-B7DD-BAF324EC710A}"/>
+              </a:ext>
+            </a:extLst>
+          </p:cNvPr>
+          <p:cNvSpPr>
+            <a:spLocks noGrp="1"/>
+          </p:cNvSpPr>
+          <p:nvPr>
+            <p:ph type="title"/>
+          </p:nvPr>
+        </p:nvSpPr>
+        <p:spPr/>
+        <p:txBody>
+          <a:bodyPr/>
+          <a:lstStyle/>
+          <a:p>
+            <a:r>
+              <a:rPr lang="en-US" dirty="0"/>
+              <a:t>Heatmap</a:t>
+            </a:r>
+          </a:p>
+        </p:txBody>
+      </p:sp>
+      <p:grpSp>
+        <p:nvGrpSpPr>
+          <p:cNvPr id="14" name="Group 13">
+            <a:extLst>
+              <a:ext uri="{FF2B5EF4-FFF2-40B4-BE49-F238E27FC236}">
+                <a16:creationId xmlns:a16="http://schemas.microsoft.com/office/drawing/2014/main" id="{94AC2D8A-57F2-4810-AD75-2D342138D88A}"/>
+              </a:ext>
+            </a:extLst>
+          </p:cNvPr>
+          <p:cNvGrpSpPr/>
+          <p:nvPr/>
+        </p:nvGrpSpPr>
+        <p:grpSpPr>
+          <a:xfrm>
+            <a:off x="1210366" y="1843979"/>
+            <a:ext cx="9771268" cy="4302100"/>
+            <a:chOff x="838200" y="1843979"/>
+            <a:chExt cx="9771268" cy="4302100"/>
+          </a:xfrm>
+        </p:grpSpPr>
+        <p:grpSp>
+          <p:nvGrpSpPr>
+            <p:cNvPr id="9" name="Group 8">
+              <a:extLst>
+                <a:ext uri="{FF2B5EF4-FFF2-40B4-BE49-F238E27FC236}">
+                  <a16:creationId xmlns:a16="http://schemas.microsoft.com/office/drawing/2014/main" id="{CC8EB70E-0BC2-4848-9FEE-1990CC4F61E2}"/>
+                </a:ext>
+              </a:extLst>
+            </p:cNvPr>
+            <p:cNvGrpSpPr/>
+            <p:nvPr/>
+          </p:nvGrpSpPr>
+          <p:grpSpPr>
+            <a:xfrm>
+              <a:off x="6029799" y="2405254"/>
+              <a:ext cx="4579669" cy="2845347"/>
+              <a:chOff x="5755480" y="1929837"/>
+              <a:chExt cx="4579669" cy="2845347"/>
+            </a:xfrm>
+          </p:grpSpPr>
+          <p:pic>
+            <p:nvPicPr>
+              <p:cNvPr id="10" name="Picture 4">
+                <a:extLst>
+                  <a:ext uri="{FF2B5EF4-FFF2-40B4-BE49-F238E27FC236}">
+                    <a16:creationId xmlns:a16="http://schemas.microsoft.com/office/drawing/2014/main" id="{CCFDC783-2425-4B8D-89E2-DEDCD1E3EB77}"/>
+                  </a:ext>
+                </a:extLst>
+              </p:cNvPr>
+              <p:cNvPicPr>
+                <a:picLocks noChangeAspect="1" noChangeArrowheads="1"/>
+              </p:cNvPicPr>
+              <p:nvPr/>
+            </p:nvPicPr>
+            <p:blipFill rotWithShape="1">
+              <a:blip r:embed="rId2">
+                <a:alphaModFix/>
+                <a:extLst>
+                  <a:ext uri="{28A0092B-C50C-407E-A947-70E740481C1C}">
+                    <a14:useLocalDpi xmlns:a14="http://schemas.microsoft.com/office/drawing/2010/main" val="0"/>
+                  </a:ext>
+                </a:extLst>
+              </a:blip>
+              <a:srcRect l="21313" t="3029" r="22917" b="6620"/>
+              <a:stretch/>
+            </p:blipFill>
+            <p:spPr bwMode="auto">
+              <a:xfrm>
+                <a:off x="5755480" y="1929837"/>
+                <a:ext cx="3790004" cy="2824028"/>
+              </a:xfrm>
+              <a:prstGeom prst="rect">
+                <a:avLst/>
+              </a:prstGeom>
+              <a:noFill/>
+              <a:extLst>
+                <a:ext uri="{909E8E84-426E-40DD-AFC4-6F175D3DCCD1}">
+                  <a14:hiddenFill xmlns:a14="http://schemas.microsoft.com/office/drawing/2010/main">
+                    <a:solidFill>
+                      <a:srgbClr val="FFFFFF"/>
+                    </a:solidFill>
+                  </a14:hiddenFill>
+                </a:ext>
+              </a:extLst>
+            </p:spPr>
+          </p:pic>
+          <p:pic>
+            <p:nvPicPr>
+              <p:cNvPr id="15" name="Picture 4">
+                <a:extLst>
+                  <a:ext uri="{FF2B5EF4-FFF2-40B4-BE49-F238E27FC236}">
+                    <a16:creationId xmlns:a16="http://schemas.microsoft.com/office/drawing/2014/main" id="{A9B310FD-8528-41F4-A39D-9924FC18C0D9}"/>
+                  </a:ext>
+                </a:extLst>
+              </p:cNvPr>
+              <p:cNvPicPr>
+                <a:picLocks noChangeAspect="1" noChangeArrowheads="1"/>
+              </p:cNvPicPr>
+              <p:nvPr/>
+            </p:nvPicPr>
+            <p:blipFill rotWithShape="1">
+              <a:blip r:embed="rId2">
+                <a:alphaModFix/>
+                <a:extLst>
+                  <a:ext uri="{28A0092B-C50C-407E-A947-70E740481C1C}">
+                    <a14:useLocalDpi xmlns:a14="http://schemas.microsoft.com/office/drawing/2010/main" val="0"/>
+                  </a:ext>
+                </a:extLst>
+              </a:blip>
+              <a:srcRect l="88242" t="1045" b="6620"/>
+              <a:stretch/>
+            </p:blipFill>
+            <p:spPr bwMode="auto">
+              <a:xfrm>
+                <a:off x="9547400" y="1929837"/>
+                <a:ext cx="787749" cy="2845347"/>
+              </a:xfrm>
+              <a:prstGeom prst="rect">
+                <a:avLst/>
+              </a:prstGeom>
+              <a:noFill/>
+              <a:extLst>
+                <a:ext uri="{909E8E84-426E-40DD-AFC4-6F175D3DCCD1}">
+                  <a14:hiddenFill xmlns:a14="http://schemas.microsoft.com/office/drawing/2010/main">
+                    <a:solidFill>
+                      <a:srgbClr val="FFFFFF"/>
+                    </a:solidFill>
+                  </a14:hiddenFill>
+                </a:ext>
+              </a:extLst>
+            </p:spPr>
+          </p:pic>
+        </p:grpSp>
+        <p:sp>
+          <p:nvSpPr>
+            <p:cNvPr id="6" name="TextBox 5">
+              <a:extLst>
+                <a:ext uri="{FF2B5EF4-FFF2-40B4-BE49-F238E27FC236}">
+                  <a16:creationId xmlns:a16="http://schemas.microsoft.com/office/drawing/2014/main" id="{FC16B6C2-5B11-45D9-854A-7793D6446466}"/>
+                </a:ext>
+              </a:extLst>
+            </p:cNvPr>
+            <p:cNvSpPr txBox="1"/>
+            <p:nvPr/>
+          </p:nvSpPr>
+          <p:spPr>
+            <a:xfrm>
+              <a:off x="838200" y="5315082"/>
+              <a:ext cx="3369943" cy="830997"/>
+            </a:xfrm>
+            <a:prstGeom prst="rect">
+              <a:avLst/>
+            </a:prstGeom>
+            <a:noFill/>
+          </p:spPr>
+          <p:txBody>
+            <a:bodyPr wrap="square">
+              <a:spAutoFit/>
+            </a:bodyPr>
+            <a:lstStyle/>
+            <a:p>
+              <a:r>
+                <a:rPr lang="en-US" sz="1600" dirty="0">
+                  <a:solidFill>
+                    <a:srgbClr val="000000"/>
+                  </a:solidFill>
+                </a:rPr>
+                <a:t>F</a:t>
+              </a:r>
+              <a:r>
+                <a:rPr lang="en-US" sz="1600" i="0" u="none" strike="noStrike" baseline="0" dirty="0">
+                  <a:solidFill>
+                    <a:srgbClr val="000000"/>
+                  </a:solidFill>
+                </a:rPr>
+                <a:t>rom figure x shows the number of cases and the concentration of patients in Thailand in 2020</a:t>
+              </a:r>
+              <a:endParaRPr lang="en-US" sz="1600" dirty="0"/>
+            </a:p>
+          </p:txBody>
+        </p:sp>
+        <p:sp>
+          <p:nvSpPr>
+            <p:cNvPr id="7" name="TextBox 6">
+              <a:extLst>
+                <a:ext uri="{FF2B5EF4-FFF2-40B4-BE49-F238E27FC236}">
+                  <a16:creationId xmlns:a16="http://schemas.microsoft.com/office/drawing/2014/main" id="{B52F4C70-A902-4CDA-A480-5E3C7554D4A6}"/>
+                </a:ext>
+              </a:extLst>
+            </p:cNvPr>
+            <p:cNvSpPr txBox="1"/>
+            <p:nvPr/>
+          </p:nvSpPr>
+          <p:spPr>
+            <a:xfrm>
+              <a:off x="5929606" y="5345762"/>
+              <a:ext cx="3108960" cy="584775"/>
+            </a:xfrm>
+            <a:prstGeom prst="rect">
+              <a:avLst/>
+            </a:prstGeom>
+            <a:noFill/>
+          </p:spPr>
+          <p:txBody>
+            <a:bodyPr wrap="square">
+              <a:spAutoFit/>
+            </a:bodyPr>
+            <a:lstStyle/>
+            <a:p>
+              <a:r>
+                <a:rPr lang="en-US" sz="1600" dirty="0">
+                  <a:solidFill>
+                    <a:srgbClr val="000000"/>
+                  </a:solidFill>
+                </a:rPr>
+                <a:t>From figure x  shows the rainfall in Thailand in 2020.</a:t>
+              </a:r>
+              <a:endParaRPr lang="en-US" sz="1600" dirty="0"/>
+            </a:p>
+          </p:txBody>
+        </p:sp>
+        <p:grpSp>
+          <p:nvGrpSpPr>
+            <p:cNvPr id="3" name="Group 2">
+              <a:extLst>
+                <a:ext uri="{FF2B5EF4-FFF2-40B4-BE49-F238E27FC236}">
+                  <a16:creationId xmlns:a16="http://schemas.microsoft.com/office/drawing/2014/main" id="{B62521EA-02BF-4C98-BF80-9D08F7136CF2}"/>
+                </a:ext>
+              </a:extLst>
+            </p:cNvPr>
+            <p:cNvGrpSpPr/>
+            <p:nvPr/>
+          </p:nvGrpSpPr>
+          <p:grpSpPr>
+            <a:xfrm>
+              <a:off x="925827" y="1843979"/>
+              <a:ext cx="4955215" cy="3385245"/>
+              <a:chOff x="670558" y="1843980"/>
+              <a:chExt cx="3848101" cy="2628900"/>
+            </a:xfrm>
+          </p:grpSpPr>
+          <p:pic>
+            <p:nvPicPr>
+              <p:cNvPr id="5122" name="Picture 2">
+                <a:extLst>
+                  <a:ext uri="{FF2B5EF4-FFF2-40B4-BE49-F238E27FC236}">
+                    <a16:creationId xmlns:a16="http://schemas.microsoft.com/office/drawing/2014/main" id="{2B94123E-F882-4836-9D5E-F77B8CFCF5BE}"/>
+                  </a:ext>
+                </a:extLst>
+              </p:cNvPr>
+              <p:cNvPicPr>
+                <a:picLocks noChangeAspect="1" noChangeArrowheads="1"/>
+              </p:cNvPicPr>
+              <p:nvPr/>
+            </p:nvPicPr>
+            <p:blipFill rotWithShape="1">
+              <a:blip r:embed="rId3">
+                <a:extLst>
+                  <a:ext uri="{28A0092B-C50C-407E-A947-70E740481C1C}">
+                    <a14:useLocalDpi xmlns:a14="http://schemas.microsoft.com/office/drawing/2010/main" val="0"/>
+                  </a:ext>
+                </a:extLst>
+              </a:blip>
+              <a:srcRect l="27725" t="2536" r="22756"/>
+              <a:stretch/>
+            </p:blipFill>
+            <p:spPr bwMode="auto">
+              <a:xfrm>
+                <a:off x="670558" y="1910655"/>
+                <a:ext cx="2943226" cy="2562225"/>
+              </a:xfrm>
+              <a:prstGeom prst="rect">
+                <a:avLst/>
+              </a:prstGeom>
+              <a:noFill/>
+              <a:extLst>
+                <a:ext uri="{909E8E84-426E-40DD-AFC4-6F175D3DCCD1}">
+                  <a14:hiddenFill xmlns:a14="http://schemas.microsoft.com/office/drawing/2010/main">
+                    <a:solidFill>
+                      <a:srgbClr val="FFFFFF"/>
+                    </a:solidFill>
+                  </a14:hiddenFill>
+                </a:ext>
+              </a:extLst>
+            </p:spPr>
+          </p:pic>
+          <p:pic>
+            <p:nvPicPr>
+              <p:cNvPr id="8" name="Picture 2">
+                <a:extLst>
+                  <a:ext uri="{FF2B5EF4-FFF2-40B4-BE49-F238E27FC236}">
+                    <a16:creationId xmlns:a16="http://schemas.microsoft.com/office/drawing/2014/main" id="{F856AB24-702F-486A-BD72-DD8A1E1C074C}"/>
+                  </a:ext>
+                </a:extLst>
+              </p:cNvPr>
+              <p:cNvPicPr>
+                <a:picLocks noChangeAspect="1" noChangeArrowheads="1"/>
+              </p:cNvPicPr>
+              <p:nvPr/>
+            </p:nvPicPr>
+            <p:blipFill rotWithShape="1">
+              <a:blip r:embed="rId3">
+                <a:extLst>
+                  <a:ext uri="{28A0092B-C50C-407E-A947-70E740481C1C}">
+                    <a14:useLocalDpi xmlns:a14="http://schemas.microsoft.com/office/drawing/2010/main" val="0"/>
+                  </a:ext>
+                </a:extLst>
+              </a:blip>
+              <a:srcRect l="84776"/>
+              <a:stretch/>
+            </p:blipFill>
+            <p:spPr bwMode="auto">
+              <a:xfrm>
+                <a:off x="3613784" y="1843980"/>
+                <a:ext cx="904875" cy="2628900"/>
+              </a:xfrm>
+              <a:prstGeom prst="rect">
+                <a:avLst/>
+              </a:prstGeom>
+              <a:noFill/>
+              <a:extLst>
+                <a:ext uri="{909E8E84-426E-40DD-AFC4-6F175D3DCCD1}">
+                  <a14:hiddenFill xmlns:a14="http://schemas.microsoft.com/office/drawing/2010/main">
+                    <a:solidFill>
+                      <a:srgbClr val="FFFFFF"/>
+                    </a:solidFill>
+                  </a14:hiddenFill>
+                </a:ext>
+              </a:extLst>
+            </p:spPr>
+          </p:pic>
+        </p:grpSp>
+        <p:sp>
+          <p:nvSpPr>
+            <p:cNvPr id="4" name="Oval 3">
+              <a:extLst>
+                <a:ext uri="{FF2B5EF4-FFF2-40B4-BE49-F238E27FC236}">
+                  <a16:creationId xmlns:a16="http://schemas.microsoft.com/office/drawing/2014/main" id="{02A6CE59-7C74-4474-8406-6AA894EC9C00}"/>
+                </a:ext>
+              </a:extLst>
+            </p:cNvPr>
+            <p:cNvSpPr/>
+            <p:nvPr/>
+          </p:nvSpPr>
+          <p:spPr>
+            <a:xfrm>
+              <a:off x="1459630" y="2691259"/>
+              <a:ext cx="1231492" cy="1231492"/>
+            </a:xfrm>
+            <a:prstGeom prst="ellipse">
+              <a:avLst/>
+            </a:prstGeom>
+            <a:noFill/>
+            <a:ln w="38100">
+              <a:solidFill>
+                <a:schemeClr val="tx1">
+                  <a:alpha val="60000"/>
+                </a:schemeClr>
+              </a:solidFill>
+            </a:ln>
+          </p:spPr>
+          <p:style>
+            <a:lnRef idx="2">
+              <a:schemeClr val="accent1">
+                <a:shade val="50000"/>
+              </a:schemeClr>
+            </a:lnRef>
+            <a:fillRef idx="1">
+              <a:schemeClr val="accent1"/>
+            </a:fillRef>
+            <a:effectRef idx="0">
+              <a:schemeClr val="accent1"/>
+            </a:effectRef>
+            <a:fontRef idx="minor">
+              <a:schemeClr val="lt1"/>
+            </a:fontRef>
+          </p:style>
+          <p:txBody>
+            <a:bodyPr rtlCol="0" anchor="ctr"/>
+            <a:lstStyle/>
+            <a:p>
+              <a:pPr algn="ctr"/>
+              <a:endParaRPr lang="en-US"/>
+            </a:p>
+          </p:txBody>
+        </p:sp>
+        <p:grpSp>
+          <p:nvGrpSpPr>
+            <p:cNvPr id="5" name="Group 4">
+              <a:extLst>
+                <a:ext uri="{FF2B5EF4-FFF2-40B4-BE49-F238E27FC236}">
+                  <a16:creationId xmlns:a16="http://schemas.microsoft.com/office/drawing/2014/main" id="{EADA7F49-3315-4F4B-B8DC-9FD74378F7E7}"/>
+                </a:ext>
+              </a:extLst>
+            </p:cNvPr>
+            <p:cNvGrpSpPr/>
+            <p:nvPr/>
+          </p:nvGrpSpPr>
+          <p:grpSpPr>
+            <a:xfrm>
+              <a:off x="6910685" y="2484389"/>
+              <a:ext cx="1509188" cy="2859504"/>
+              <a:chOff x="6655416" y="2030349"/>
+              <a:chExt cx="1509188" cy="2859504"/>
+            </a:xfrm>
+          </p:grpSpPr>
+          <p:sp>
+            <p:nvSpPr>
+              <p:cNvPr id="11" name="Oval 10">
+                <a:extLst>
+                  <a:ext uri="{FF2B5EF4-FFF2-40B4-BE49-F238E27FC236}">
+                    <a16:creationId xmlns:a16="http://schemas.microsoft.com/office/drawing/2014/main" id="{A9470E78-D30D-42A9-8AAB-B948D2EEFD73}"/>
+                  </a:ext>
+                </a:extLst>
+              </p:cNvPr>
+              <p:cNvSpPr/>
+              <p:nvPr/>
+            </p:nvSpPr>
+            <p:spPr>
+              <a:xfrm rot="18970562">
+                <a:off x="6655416" y="3646797"/>
+                <a:ext cx="728574" cy="1243056"/>
+              </a:xfrm>
+              <a:prstGeom prst="ellipse">
+                <a:avLst/>
+              </a:prstGeom>
+              <a:noFill/>
+              <a:ln w="28575">
+                <a:solidFill>
+                  <a:schemeClr val="tx1">
+                    <a:alpha val="65000"/>
+                  </a:schemeClr>
+                </a:solidFill>
+              </a:ln>
+            </p:spPr>
+            <p:style>
+              <a:lnRef idx="2">
+                <a:schemeClr val="accent1">
+                  <a:shade val="50000"/>
+                </a:schemeClr>
+              </a:lnRef>
+              <a:fillRef idx="1">
+                <a:schemeClr val="accent1"/>
+              </a:fillRef>
+              <a:effectRef idx="0">
+                <a:schemeClr val="accent1"/>
+              </a:effectRef>
+              <a:fontRef idx="minor">
+                <a:schemeClr val="lt1"/>
+              </a:fontRef>
+            </p:style>
+            <p:txBody>
+              <a:bodyPr rtlCol="0" anchor="ctr"/>
+              <a:lstStyle/>
+              <a:p>
+                <a:pPr algn="ctr"/>
+                <a:endParaRPr lang="en-US"/>
+              </a:p>
+            </p:txBody>
+          </p:sp>
+          <p:sp>
+            <p:nvSpPr>
+              <p:cNvPr id="12" name="Oval 11">
+                <a:extLst>
+                  <a:ext uri="{FF2B5EF4-FFF2-40B4-BE49-F238E27FC236}">
+                    <a16:creationId xmlns:a16="http://schemas.microsoft.com/office/drawing/2014/main" id="{DFAD8FCC-D8A8-4901-A7B8-5043C6304420}"/>
+                  </a:ext>
+                </a:extLst>
+              </p:cNvPr>
+              <p:cNvSpPr/>
+              <p:nvPr/>
+            </p:nvSpPr>
+            <p:spPr>
+              <a:xfrm rot="18970562">
+                <a:off x="6874055" y="2659501"/>
+                <a:ext cx="728574" cy="1243056"/>
+              </a:xfrm>
+              <a:prstGeom prst="ellipse">
+                <a:avLst/>
+              </a:prstGeom>
+              <a:noFill/>
+              <a:ln w="28575">
+                <a:solidFill>
+                  <a:schemeClr val="tx1">
+                    <a:alpha val="65000"/>
+                  </a:schemeClr>
+                </a:solidFill>
+              </a:ln>
+            </p:spPr>
+            <p:style>
+              <a:lnRef idx="2">
+                <a:schemeClr val="accent1">
+                  <a:shade val="50000"/>
+                </a:schemeClr>
+              </a:lnRef>
+              <a:fillRef idx="1">
+                <a:schemeClr val="accent1"/>
+              </a:fillRef>
+              <a:effectRef idx="0">
+                <a:schemeClr val="accent1"/>
+              </a:effectRef>
+              <a:fontRef idx="minor">
+                <a:schemeClr val="lt1"/>
+              </a:fontRef>
+            </p:style>
+            <p:txBody>
+              <a:bodyPr rtlCol="0" anchor="ctr"/>
+              <a:lstStyle/>
+              <a:p>
+                <a:pPr algn="ctr"/>
+                <a:endParaRPr lang="en-US"/>
+              </a:p>
+            </p:txBody>
+          </p:sp>
+          <p:sp>
+            <p:nvSpPr>
+              <p:cNvPr id="13" name="Oval 12">
+                <a:extLst>
+                  <a:ext uri="{FF2B5EF4-FFF2-40B4-BE49-F238E27FC236}">
+                    <a16:creationId xmlns:a16="http://schemas.microsoft.com/office/drawing/2014/main" id="{6E0D2767-1766-43DC-9877-529CCD053B8C}"/>
+                  </a:ext>
+                </a:extLst>
+              </p:cNvPr>
+              <p:cNvSpPr/>
+              <p:nvPr/>
+            </p:nvSpPr>
+            <p:spPr>
+              <a:xfrm rot="18970562">
+                <a:off x="7436030" y="2030349"/>
+                <a:ext cx="728574" cy="1243056"/>
+              </a:xfrm>
+              <a:prstGeom prst="ellipse">
+                <a:avLst/>
+              </a:prstGeom>
+              <a:noFill/>
+              <a:ln w="28575">
+                <a:solidFill>
+                  <a:schemeClr val="tx1">
+                    <a:alpha val="65000"/>
+                  </a:schemeClr>
+                </a:solidFill>
+              </a:ln>
+            </p:spPr>
+            <p:style>
+              <a:lnRef idx="2">
+                <a:schemeClr val="accent1">
+                  <a:shade val="50000"/>
+                </a:schemeClr>
+              </a:lnRef>
+              <a:fillRef idx="1">
+                <a:schemeClr val="accent1"/>
+              </a:fillRef>
+              <a:effectRef idx="0">
+                <a:schemeClr val="accent1"/>
+              </a:effectRef>
+              <a:fontRef idx="minor">
+                <a:schemeClr val="lt1"/>
+              </a:fontRef>
+            </p:style>
+            <p:txBody>
+              <a:bodyPr rtlCol="0" anchor="ctr"/>
+              <a:lstStyle/>
+              <a:p>
+                <a:pPr algn="ctr"/>
+                <a:endParaRPr lang="en-US"/>
+              </a:p>
+            </p:txBody>
+          </p:sp>
+        </p:grpSp>
+      </p:grpSp>
+    </p:spTree>
+    <p:extLst>
+      <p:ext uri="{BB962C8B-B14F-4D97-AF65-F5344CB8AC3E}">
+        <p14:creationId xmlns:p14="http://schemas.microsoft.com/office/powerpoint/2010/main" val="277980784"/>
+      </p:ext>
+    </p:extLst>
+  </p:cSld>
+  <p:clrMapOvr>
+    <a:masterClrMapping/>
+  </p:clrMapOvr>
+</p:sld>
+</file>
+
+<file path=ppt/slides/slide24.xml><?xml version="1.0" encoding="utf-8"?>
+<p:sld xmlns:a="http://schemas.openxmlformats.org/drawingml/2006/main" xmlns:r="http://schemas.openxmlformats.org/officeDocument/2006/relationships" xmlns:p="http://schemas.openxmlformats.org/presentationml/2006/main">
+  <p:cSld>
+    <p:spTree>
+      <p:nvGrpSpPr>
+        <p:cNvPr id="1" name=""/>
+        <p:cNvGrpSpPr/>
+        <p:nvPr/>
+      </p:nvGrpSpPr>
+      <p:grpSpPr>
+        <a:xfrm>
+          <a:off x="0" y="0"/>
+          <a:ext cx="0" cy="0"/>
+          <a:chOff x="0" y="0"/>
+          <a:chExt cx="0" cy="0"/>
+        </a:xfrm>
+      </p:grpSpPr>
+      <p:sp>
+        <p:nvSpPr>
+          <p:cNvPr id="2" name="Title 1">
+            <a:extLst>
+              <a:ext uri="{FF2B5EF4-FFF2-40B4-BE49-F238E27FC236}">
+                <a16:creationId xmlns:a16="http://schemas.microsoft.com/office/drawing/2014/main" id="{B0DB5CBE-DFFA-4432-92F8-5639FE300EE5}"/>
+              </a:ext>
+            </a:extLst>
+          </p:cNvPr>
+          <p:cNvSpPr>
+            <a:spLocks noGrp="1"/>
+          </p:cNvSpPr>
+          <p:nvPr>
+            <p:ph type="title"/>
+          </p:nvPr>
+        </p:nvSpPr>
+        <p:spPr>
+          <a:xfrm>
+            <a:off x="838200" y="317500"/>
+            <a:ext cx="10515600" cy="1325563"/>
+          </a:xfrm>
+        </p:spPr>
+        <p:txBody>
+          <a:bodyPr/>
+          <a:lstStyle/>
+          <a:p>
+            <a:r>
+              <a:rPr lang="en-US" dirty="0"/>
+              <a:t>However</a:t>
+            </a:r>
+          </a:p>
+        </p:txBody>
+      </p:sp>
+      <p:pic>
+        <p:nvPicPr>
+          <p:cNvPr id="7" name="Content Placeholder 6">
+            <a:extLst>
+              <a:ext uri="{FF2B5EF4-FFF2-40B4-BE49-F238E27FC236}">
+                <a16:creationId xmlns:a16="http://schemas.microsoft.com/office/drawing/2014/main" id="{8C0AAC1C-AF1F-4555-9736-786F7D67F05F}"/>
+              </a:ext>
+            </a:extLst>
+          </p:cNvPr>
+          <p:cNvPicPr>
+            <a:picLocks noGrp="1" noChangeAspect="1"/>
+          </p:cNvPicPr>
+          <p:nvPr>
+            <p:ph idx="1"/>
+          </p:nvPr>
+        </p:nvPicPr>
+        <p:blipFill>
+          <a:blip r:embed="rId2"/>
+          <a:stretch>
+            <a:fillRect/>
+          </a:stretch>
+        </p:blipFill>
+        <p:spPr>
+          <a:xfrm>
+            <a:off x="1219200" y="1976438"/>
+            <a:ext cx="5913633" cy="3987130"/>
+          </a:xfrm>
+          <a:prstGeom prst="rect">
+            <a:avLst/>
+          </a:prstGeom>
+        </p:spPr>
+      </p:pic>
+      <p:sp>
+        <p:nvSpPr>
+          <p:cNvPr id="9" name="TextBox 8">
+            <a:extLst>
+              <a:ext uri="{FF2B5EF4-FFF2-40B4-BE49-F238E27FC236}">
+                <a16:creationId xmlns:a16="http://schemas.microsoft.com/office/drawing/2014/main" id="{F58734FA-6FDA-48B7-A251-0BCD119E9834}"/>
+              </a:ext>
+            </a:extLst>
+          </p:cNvPr>
+          <p:cNvSpPr txBox="1"/>
+          <p:nvPr/>
+        </p:nvSpPr>
+        <p:spPr>
+          <a:xfrm>
+            <a:off x="7781923" y="2662535"/>
+            <a:ext cx="3390901" cy="1477328"/>
+          </a:xfrm>
+          <a:prstGeom prst="rect">
+            <a:avLst/>
+          </a:prstGeom>
+          <a:noFill/>
+        </p:spPr>
+        <p:txBody>
+          <a:bodyPr wrap="square">
+            <a:spAutoFit/>
+          </a:bodyPr>
+          <a:lstStyle/>
+          <a:p>
+            <a:r>
+              <a:rPr lang="en-US" dirty="0">
+                <a:solidFill>
+                  <a:srgbClr val="000000"/>
+                </a:solidFill>
+              </a:rPr>
+              <a:t>T</a:t>
+            </a:r>
+            <a:r>
+              <a:rPr lang="en-US" i="0" u="none" strike="noStrike" baseline="0" dirty="0">
+                <a:solidFill>
+                  <a:srgbClr val="000000"/>
+                </a:solidFill>
+              </a:rPr>
+              <a:t>he outbreak of dengue cannot be described as caused by the proliferation of Aedes mosquitoes only in the </a:t>
+            </a:r>
+            <a:r>
+              <a:rPr lang="en-US" i="0" u="none" strike="noStrike" baseline="0" dirty="0">
+                <a:solidFill>
+                  <a:srgbClr val="000000"/>
+                </a:solidFill>
+                <a:latin typeface="+mj-lt"/>
+              </a:rPr>
+              <a:t>rainy season</a:t>
+            </a:r>
+            <a:r>
+              <a:rPr lang="en-US" i="0" u="none" strike="noStrike" baseline="0" dirty="0">
+                <a:solidFill>
+                  <a:srgbClr val="000000"/>
+                </a:solidFill>
+              </a:rPr>
+              <a:t> (Tonn et al., 1969).</a:t>
+            </a:r>
+            <a:endParaRPr lang="en-US" dirty="0"/>
+          </a:p>
+        </p:txBody>
+      </p:sp>
+      <p:sp>
+        <p:nvSpPr>
+          <p:cNvPr id="10" name="Oval 9">
+            <a:extLst>
+              <a:ext uri="{FF2B5EF4-FFF2-40B4-BE49-F238E27FC236}">
+                <a16:creationId xmlns:a16="http://schemas.microsoft.com/office/drawing/2014/main" id="{F71F284E-41C0-4798-8D11-585063B33D7E}"/>
+              </a:ext>
+            </a:extLst>
+          </p:cNvPr>
+          <p:cNvSpPr/>
+          <p:nvPr/>
+        </p:nvSpPr>
+        <p:spPr>
+          <a:xfrm>
+            <a:off x="4876799" y="4187903"/>
+            <a:ext cx="561975" cy="561975"/>
+          </a:xfrm>
+          <a:prstGeom prst="ellipse">
+            <a:avLst/>
+          </a:prstGeom>
+          <a:noFill/>
+          <a:ln w="19050">
+            <a:solidFill>
+              <a:srgbClr val="FF0000"/>
+            </a:solidFill>
+          </a:ln>
+        </p:spPr>
+        <p:style>
+          <a:lnRef idx="2">
+            <a:schemeClr val="accent1">
+              <a:shade val="50000"/>
+            </a:schemeClr>
+          </a:lnRef>
+          <a:fillRef idx="1">
+            <a:schemeClr val="accent1"/>
+          </a:fillRef>
+          <a:effectRef idx="0">
+            <a:schemeClr val="accent1"/>
+          </a:effectRef>
+          <a:fontRef idx="minor">
+            <a:schemeClr val="lt1"/>
+          </a:fontRef>
+        </p:style>
+        <p:txBody>
+          <a:bodyPr rtlCol="0" anchor="ctr"/>
+          <a:lstStyle/>
+          <a:p>
+            <a:pPr algn="ctr"/>
+            <a:endParaRPr lang="en-US"/>
+          </a:p>
+        </p:txBody>
+      </p:sp>
+      <p:sp>
+        <p:nvSpPr>
+          <p:cNvPr id="11" name="Oval 10">
+            <a:extLst>
+              <a:ext uri="{FF2B5EF4-FFF2-40B4-BE49-F238E27FC236}">
+                <a16:creationId xmlns:a16="http://schemas.microsoft.com/office/drawing/2014/main" id="{900FF7B9-034E-4E16-A8FB-B850FAFCD816}"/>
+              </a:ext>
+            </a:extLst>
+          </p:cNvPr>
+          <p:cNvSpPr/>
+          <p:nvPr/>
+        </p:nvSpPr>
+        <p:spPr>
+          <a:xfrm>
+            <a:off x="4876798" y="2534568"/>
+            <a:ext cx="561975" cy="561975"/>
+          </a:xfrm>
+          <a:prstGeom prst="ellipse">
+            <a:avLst/>
+          </a:prstGeom>
+          <a:noFill/>
+          <a:ln w="19050">
+            <a:solidFill>
+              <a:srgbClr val="FF0000"/>
+            </a:solidFill>
+          </a:ln>
+        </p:spPr>
+        <p:style>
+          <a:lnRef idx="2">
+            <a:schemeClr val="accent1">
+              <a:shade val="50000"/>
+            </a:schemeClr>
+          </a:lnRef>
+          <a:fillRef idx="1">
+            <a:schemeClr val="accent1"/>
+          </a:fillRef>
+          <a:effectRef idx="0">
+            <a:schemeClr val="accent1"/>
+          </a:effectRef>
+          <a:fontRef idx="minor">
+            <a:schemeClr val="lt1"/>
+          </a:fontRef>
+        </p:style>
+        <p:txBody>
+          <a:bodyPr rtlCol="0" anchor="ctr"/>
+          <a:lstStyle/>
+          <a:p>
+            <a:pPr algn="ctr"/>
+            <a:endParaRPr lang="en-US"/>
+          </a:p>
+        </p:txBody>
+      </p:sp>
+    </p:spTree>
+    <p:extLst>
+      <p:ext uri="{BB962C8B-B14F-4D97-AF65-F5344CB8AC3E}">
+        <p14:creationId xmlns:p14="http://schemas.microsoft.com/office/powerpoint/2010/main" val="127837137"/>
+      </p:ext>
+    </p:extLst>
+  </p:cSld>
+  <p:clrMapOvr>
+    <a:masterClrMapping/>
+  </p:clrMapOvr>
+</p:sld>
+</file>
+
+<file path=ppt/slides/slide25.xml><?xml version="1.0" encoding="utf-8"?>
+<p:sld xmlns:a="http://schemas.openxmlformats.org/drawingml/2006/main" xmlns:r="http://schemas.openxmlformats.org/officeDocument/2006/relationships" xmlns:p="http://schemas.openxmlformats.org/presentationml/2006/main">
+  <p:cSld>
+    <p:spTree>
+      <p:nvGrpSpPr>
+        <p:cNvPr id="1" name=""/>
+        <p:cNvGrpSpPr/>
+        <p:nvPr/>
+      </p:nvGrpSpPr>
+      <p:grpSpPr>
+        <a:xfrm>
+          <a:off x="0" y="0"/>
+          <a:ext cx="0" cy="0"/>
+          <a:chOff x="0" y="0"/>
+          <a:chExt cx="0" cy="0"/>
+        </a:xfrm>
+      </p:grpSpPr>
+      <p:sp>
+        <p:nvSpPr>
+          <p:cNvPr id="2" name="Title 1">
+            <a:extLst>
+              <a:ext uri="{FF2B5EF4-FFF2-40B4-BE49-F238E27FC236}">
+                <a16:creationId xmlns:a16="http://schemas.microsoft.com/office/drawing/2014/main" id="{E38C19CB-2073-4F3D-B531-DEB9A015FD4B}"/>
+              </a:ext>
+            </a:extLst>
+          </p:cNvPr>
+          <p:cNvSpPr>
+            <a:spLocks noGrp="1"/>
+          </p:cNvSpPr>
+          <p:nvPr>
+            <p:ph type="title"/>
+          </p:nvPr>
+        </p:nvSpPr>
+        <p:spPr/>
+        <p:txBody>
+          <a:bodyPr/>
+          <a:lstStyle/>
+          <a:p>
+            <a:r>
+              <a:rPr lang="en-US" dirty="0"/>
+              <a:t>Conclusion</a:t>
+            </a:r>
+          </a:p>
+        </p:txBody>
+      </p:sp>
+      <p:sp>
+        <p:nvSpPr>
+          <p:cNvPr id="3" name="Content Placeholder 2">
+            <a:extLst>
+              <a:ext uri="{FF2B5EF4-FFF2-40B4-BE49-F238E27FC236}">
+                <a16:creationId xmlns:a16="http://schemas.microsoft.com/office/drawing/2014/main" id="{57655C61-4CE0-4A43-BA56-FDAD1F83BF1B}"/>
+              </a:ext>
+            </a:extLst>
+          </p:cNvPr>
+          <p:cNvSpPr>
+            <a:spLocks noGrp="1"/>
+          </p:cNvSpPr>
+          <p:nvPr>
+            <p:ph idx="1"/>
+          </p:nvPr>
+        </p:nvSpPr>
+        <p:spPr/>
+        <p:txBody>
+          <a:bodyPr>
+            <a:normAutofit/>
+          </a:bodyPr>
+          <a:lstStyle/>
+          <a:p>
+            <a:pPr marL="0" indent="0">
+              <a:buNone/>
+            </a:pPr>
+            <a:r>
+              <a:rPr lang="en-US" sz="2400" dirty="0"/>
+              <a:t>👍🏽</a:t>
+            </a:r>
+          </a:p>
+          <a:p>
+            <a:r>
+              <a:rPr lang="en-US" sz="1800" dirty="0"/>
+              <a:t>The predicted results of the model are satisfied in some provinces, on the other hand, some provinces need more variables or more data to improve results.</a:t>
+            </a:r>
+          </a:p>
+          <a:p>
+            <a:r>
+              <a:rPr lang="en-US" sz="1800" dirty="0"/>
+              <a:t>Clustering are related with visualization.</a:t>
+            </a:r>
+          </a:p>
+          <a:p>
+            <a:r>
+              <a:rPr lang="en-US" sz="1800" dirty="0"/>
+              <a:t>Visualization are related with clustering.</a:t>
+            </a:r>
+          </a:p>
+          <a:p>
+            <a:pPr marL="0" indent="0">
+              <a:buNone/>
+            </a:pPr>
+            <a:r>
+              <a:rPr lang="en-US" sz="2400" dirty="0"/>
+              <a:t>🤔</a:t>
+            </a:r>
+          </a:p>
+          <a:p>
+            <a:r>
+              <a:rPr lang="en-US" sz="1800" dirty="0"/>
+              <a:t>Limitation data the same kind of data is distributed. such as climate data are under the organization that does not own the data and is difficult to access information.</a:t>
+            </a:r>
+          </a:p>
+          <a:p>
+            <a:r>
+              <a:rPr lang="en-US" sz="1800" dirty="0"/>
+              <a:t>For more accuracy of prediction and clustering dengue patients with adding more features like “swamp” that are a source of Aedes for growth and cause to illness.</a:t>
+            </a:r>
+          </a:p>
+          <a:p>
+            <a:endParaRPr lang="en-US" sz="1800" dirty="0"/>
+          </a:p>
+        </p:txBody>
+      </p:sp>
+    </p:spTree>
+    <p:extLst>
+      <p:ext uri="{BB962C8B-B14F-4D97-AF65-F5344CB8AC3E}">
+        <p14:creationId xmlns:p14="http://schemas.microsoft.com/office/powerpoint/2010/main" val="2829512395"/>
+      </p:ext>
+    </p:extLst>
+  </p:cSld>
+  <p:clrMapOvr>
+    <a:masterClrMapping/>
+  </p:clrMapOvr>
+</p:sld>
+</file>
+
+<file path=ppt/slides/slide26.xml><?xml version="1.0" encoding="utf-8"?>
 <p:sld xmlns:a="http://schemas.openxmlformats.org/drawingml/2006/main" xmlns:r="http://schemas.openxmlformats.org/officeDocument/2006/relationships" xmlns:p="http://schemas.openxmlformats.org/presentationml/2006/main">
   <p:cSld>
     <p:spTree>
@@ -9768,6 +12433,16 @@
               <a:t>Dengue fever situation in Thailand 2020. Chulabhorn Hospital.</a:t>
             </a:r>
             <a:endParaRPr lang="en-US" sz="1600" dirty="0"/>
+          </a:p>
+          <a:p>
+            <a:r>
+              <a:rPr lang="th-TH" sz="1600" dirty="0"/>
+              <a:t>ไข้เลือดออก: กรมควบคุมโรคเผยผู้ป่วยเพิ่มจากปี 61 เกือบสองเท่า แนะป้องกันยุงกัด-กำจัดยุงลาย</a:t>
+            </a:r>
+            <a:r>
+              <a:rPr lang="en-US" sz="1600" dirty="0"/>
+              <a:t> https://www.bbc.com/thai/48838308</a:t>
+            </a:r>
           </a:p>
           <a:p>
             <a:r>
@@ -10095,7 +12770,7 @@
 </p:sld>
 </file>
 
-<file path=ppt/slides/slide21.xml><?xml version="1.0" encoding="utf-8"?>
+<file path=ppt/slides/slide27.xml><?xml version="1.0" encoding="utf-8"?>
 <p:sld xmlns:a="http://schemas.openxmlformats.org/drawingml/2006/main" xmlns:r="http://schemas.openxmlformats.org/officeDocument/2006/relationships" xmlns:p="http://schemas.openxmlformats.org/presentationml/2006/main">
   <p:cSld>
     <p:bg>
@@ -10270,7 +12945,7 @@
           <p:nvPr>
             <p:extLst>
               <p:ext uri="{D42A27DB-BD31-4B8C-83A1-F6EECF244321}">
-                <p14:modId xmlns:p14="http://schemas.microsoft.com/office/powerpoint/2010/main" val="1241881974"/>
+                <p14:modId xmlns:p14="http://schemas.microsoft.com/office/powerpoint/2010/main" val="819330292"/>
               </p:ext>
             </p:extLst>
           </p:nvPr>
@@ -10362,6 +13037,131 @@
 </file>
 
 <file path=ppt/slides/slide4.xml><?xml version="1.0" encoding="utf-8"?>
+<p:sld xmlns:a="http://schemas.openxmlformats.org/drawingml/2006/main" xmlns:r="http://schemas.openxmlformats.org/officeDocument/2006/relationships" xmlns:p="http://schemas.openxmlformats.org/presentationml/2006/main">
+  <p:cSld>
+    <p:spTree>
+      <p:nvGrpSpPr>
+        <p:cNvPr id="1" name=""/>
+        <p:cNvGrpSpPr/>
+        <p:nvPr/>
+      </p:nvGrpSpPr>
+      <p:grpSpPr>
+        <a:xfrm>
+          <a:off x="0" y="0"/>
+          <a:ext cx="0" cy="0"/>
+          <a:chOff x="0" y="0"/>
+          <a:chExt cx="0" cy="0"/>
+        </a:xfrm>
+      </p:grpSpPr>
+      <p:sp>
+        <p:nvSpPr>
+          <p:cNvPr id="2" name="Title 1">
+            <a:extLst>
+              <a:ext uri="{FF2B5EF4-FFF2-40B4-BE49-F238E27FC236}">
+                <a16:creationId xmlns:a16="http://schemas.microsoft.com/office/drawing/2014/main" id="{B0DB5CBE-DFFA-4432-92F8-5639FE300EE5}"/>
+              </a:ext>
+            </a:extLst>
+          </p:cNvPr>
+          <p:cNvSpPr>
+            <a:spLocks noGrp="1"/>
+          </p:cNvSpPr>
+          <p:nvPr>
+            <p:ph type="title"/>
+          </p:nvPr>
+        </p:nvSpPr>
+        <p:spPr/>
+        <p:txBody>
+          <a:bodyPr/>
+          <a:lstStyle/>
+          <a:p>
+            <a:r>
+              <a:rPr lang="en-US" dirty="0"/>
+              <a:t>Why ? Rainfall</a:t>
+            </a:r>
+          </a:p>
+        </p:txBody>
+      </p:sp>
+      <p:pic>
+        <p:nvPicPr>
+          <p:cNvPr id="16" name="Content Placeholder 15">
+            <a:extLst>
+              <a:ext uri="{FF2B5EF4-FFF2-40B4-BE49-F238E27FC236}">
+                <a16:creationId xmlns:a16="http://schemas.microsoft.com/office/drawing/2014/main" id="{FAE2D146-BC5E-43C9-AEBE-0FAF0F2AD26E}"/>
+              </a:ext>
+            </a:extLst>
+          </p:cNvPr>
+          <p:cNvPicPr>
+            <a:picLocks noGrp="1" noChangeAspect="1"/>
+          </p:cNvPicPr>
+          <p:nvPr>
+            <p:ph idx="1"/>
+          </p:nvPr>
+        </p:nvPicPr>
+        <p:blipFill>
+          <a:blip r:embed="rId2"/>
+          <a:stretch>
+            <a:fillRect/>
+          </a:stretch>
+        </p:blipFill>
+        <p:spPr>
+          <a:xfrm>
+            <a:off x="1338991" y="1690688"/>
+            <a:ext cx="9514018" cy="3937976"/>
+          </a:xfrm>
+          <a:prstGeom prst="rect">
+            <a:avLst/>
+          </a:prstGeom>
+        </p:spPr>
+      </p:pic>
+      <p:sp>
+        <p:nvSpPr>
+          <p:cNvPr id="6" name="TextBox 5">
+            <a:extLst>
+              <a:ext uri="{FF2B5EF4-FFF2-40B4-BE49-F238E27FC236}">
+                <a16:creationId xmlns:a16="http://schemas.microsoft.com/office/drawing/2014/main" id="{DB7EAF90-4B02-431F-B5CC-6F70C321AE09}"/>
+              </a:ext>
+            </a:extLst>
+          </p:cNvPr>
+          <p:cNvSpPr txBox="1"/>
+          <p:nvPr/>
+        </p:nvSpPr>
+        <p:spPr>
+          <a:xfrm>
+            <a:off x="1338991" y="5704864"/>
+            <a:ext cx="8500334" cy="461665"/>
+          </a:xfrm>
+          <a:prstGeom prst="rect">
+            <a:avLst/>
+          </a:prstGeom>
+          <a:noFill/>
+        </p:spPr>
+        <p:txBody>
+          <a:bodyPr wrap="square" rtlCol="0">
+            <a:spAutoFit/>
+          </a:bodyPr>
+          <a:lstStyle/>
+          <a:p>
+            <a:r>
+              <a:rPr lang="en-US" sz="1200" dirty="0"/>
+              <a:t>Environmental and climatic affecting the rapid spread of the disease. Rainfall, humidity and temperature are relative to the Aedes larvae index (Papanit Suangto, Watcharee Kaewnokkhao and Saman Sayumpuruchinan, 2013).</a:t>
+            </a:r>
+          </a:p>
+        </p:txBody>
+      </p:sp>
+    </p:spTree>
+    <p:extLst>
+      <p:ext uri="{BB962C8B-B14F-4D97-AF65-F5344CB8AC3E}">
+        <p14:creationId xmlns:p14="http://schemas.microsoft.com/office/powerpoint/2010/main" val="3192938357"/>
+      </p:ext>
+    </p:extLst>
+  </p:cSld>
+  <p:clrMapOvr>
+    <a:masterClrMapping/>
+  </p:clrMapOvr>
+</p:sld>
+</file>
+
+<file path=ppt/slides/slide5.xml><?xml version="1.0" encoding="utf-8"?>
 <p:sld xmlns:a="http://schemas.openxmlformats.org/drawingml/2006/main" xmlns:r="http://schemas.openxmlformats.org/officeDocument/2006/relationships" xmlns:p="http://schemas.openxmlformats.org/presentationml/2006/main">
   <p:cSld>
     <p:bg>
@@ -10727,96 +13527,6 @@
 </p:sld>
 </file>
 
-<file path=ppt/slides/slide5.xml><?xml version="1.0" encoding="utf-8"?>
-<p:sld xmlns:a="http://schemas.openxmlformats.org/drawingml/2006/main" xmlns:r="http://schemas.openxmlformats.org/officeDocument/2006/relationships" xmlns:p="http://schemas.openxmlformats.org/presentationml/2006/main">
-  <p:cSld>
-    <p:spTree>
-      <p:nvGrpSpPr>
-        <p:cNvPr id="1" name=""/>
-        <p:cNvGrpSpPr/>
-        <p:nvPr/>
-      </p:nvGrpSpPr>
-      <p:grpSpPr>
-        <a:xfrm>
-          <a:off x="0" y="0"/>
-          <a:ext cx="0" cy="0"/>
-          <a:chOff x="0" y="0"/>
-          <a:chExt cx="0" cy="0"/>
-        </a:xfrm>
-      </p:grpSpPr>
-      <p:sp>
-        <p:nvSpPr>
-          <p:cNvPr id="2" name="Title 1">
-            <a:extLst>
-              <a:ext uri="{FF2B5EF4-FFF2-40B4-BE49-F238E27FC236}">
-                <a16:creationId xmlns:a16="http://schemas.microsoft.com/office/drawing/2014/main" id="{B0DB5CBE-DFFA-4432-92F8-5639FE300EE5}"/>
-              </a:ext>
-            </a:extLst>
-          </p:cNvPr>
-          <p:cNvSpPr>
-            <a:spLocks noGrp="1"/>
-          </p:cNvSpPr>
-          <p:nvPr>
-            <p:ph type="title"/>
-          </p:nvPr>
-        </p:nvSpPr>
-        <p:spPr/>
-        <p:txBody>
-          <a:bodyPr/>
-          <a:lstStyle/>
-          <a:p>
-            <a:r>
-              <a:rPr lang="en-US" dirty="0"/>
-              <a:t>Rainfall 🌧</a:t>
-            </a:r>
-          </a:p>
-        </p:txBody>
-      </p:sp>
-      <p:pic>
-        <p:nvPicPr>
-          <p:cNvPr id="16" name="Content Placeholder 15">
-            <a:extLst>
-              <a:ext uri="{FF2B5EF4-FFF2-40B4-BE49-F238E27FC236}">
-                <a16:creationId xmlns:a16="http://schemas.microsoft.com/office/drawing/2014/main" id="{FAE2D146-BC5E-43C9-AEBE-0FAF0F2AD26E}"/>
-              </a:ext>
-            </a:extLst>
-          </p:cNvPr>
-          <p:cNvPicPr>
-            <a:picLocks noGrp="1" noChangeAspect="1"/>
-          </p:cNvPicPr>
-          <p:nvPr>
-            <p:ph idx="1"/>
-          </p:nvPr>
-        </p:nvPicPr>
-        <p:blipFill>
-          <a:blip r:embed="rId2"/>
-          <a:stretch>
-            <a:fillRect/>
-          </a:stretch>
-        </p:blipFill>
-        <p:spPr>
-          <a:xfrm>
-            <a:off x="839657" y="1825625"/>
-            <a:ext cx="10512686" cy="4351338"/>
-          </a:xfrm>
-          <a:prstGeom prst="rect">
-            <a:avLst/>
-          </a:prstGeom>
-        </p:spPr>
-      </p:pic>
-    </p:spTree>
-    <p:extLst>
-      <p:ext uri="{BB962C8B-B14F-4D97-AF65-F5344CB8AC3E}">
-        <p14:creationId xmlns:p14="http://schemas.microsoft.com/office/powerpoint/2010/main" val="3192938357"/>
-      </p:ext>
-    </p:extLst>
-  </p:cSld>
-  <p:clrMapOvr>
-    <a:masterClrMapping/>
-  </p:clrMapOvr>
-</p:sld>
-</file>
-
 <file path=ppt/slides/slide6.xml><?xml version="1.0" encoding="utf-8"?>
 <p:sld xmlns:a="http://schemas.openxmlformats.org/drawingml/2006/main" xmlns:r="http://schemas.openxmlformats.org/officeDocument/2006/relationships" xmlns:p="http://schemas.openxmlformats.org/presentationml/2006/main">
   <p:cSld>
@@ -10857,7 +13567,7 @@
           <a:p>
             <a:r>
               <a:rPr lang="en-US" dirty="0"/>
-              <a:t>Sample</a:t>
+              <a:t>Sample data</a:t>
             </a:r>
           </a:p>
         </p:txBody>
@@ -10876,26 +13586,24 @@
           </p:cNvPicPr>
           <p:nvPr/>
         </p:nvPicPr>
-        <p:blipFill>
+        <p:blipFill rotWithShape="1">
           <a:blip r:embed="rId2"/>
-          <a:stretch>
-            <a:fillRect/>
-          </a:stretch>
+          <a:srcRect r="46235"/>
+          <a:stretch/>
         </p:blipFill>
         <p:spPr>
           <a:xfrm>
-            <a:off x="2047667" y="1970710"/>
-            <a:ext cx="8096666" cy="1251014"/>
+            <a:off x="1399967" y="2098226"/>
+            <a:ext cx="4353133" cy="1251014"/>
           </a:xfrm>
           <a:prstGeom prst="rect">
             <a:avLst/>
           </a:prstGeom>
           <a:effectLst>
-            <a:glow rad="228600">
-              <a:schemeClr val="accent4">
-                <a:satMod val="175000"/>
-                <a:alpha val="40000"/>
-              </a:schemeClr>
+            <a:glow rad="190500">
+              <a:srgbClr val="00B050">
+                <a:alpha val="17000"/>
+              </a:srgbClr>
             </a:glow>
           </a:effectLst>
         </p:spPr>
@@ -10914,7 +13622,7 @@
         </p:nvSpPr>
         <p:spPr>
           <a:xfrm>
-            <a:off x="2009671" y="1506022"/>
+            <a:off x="1276246" y="1595438"/>
             <a:ext cx="3730752" cy="369332"/>
           </a:xfrm>
           <a:prstGeom prst="rect">
@@ -10951,23 +13659,22 @@
         </p:nvPicPr>
         <p:blipFill rotWithShape="1">
           <a:blip r:embed="rId3"/>
-          <a:srcRect r="13800"/>
+          <a:srcRect r="53685"/>
           <a:stretch/>
         </p:blipFill>
         <p:spPr>
           <a:xfrm>
-            <a:off x="2009671" y="3829365"/>
-            <a:ext cx="8172658" cy="1968601"/>
+            <a:off x="1361971" y="3956881"/>
+            <a:ext cx="4391129" cy="1968601"/>
           </a:xfrm>
           <a:prstGeom prst="rect">
             <a:avLst/>
           </a:prstGeom>
           <a:effectLst>
-            <a:glow rad="228600">
-              <a:schemeClr val="accent4">
-                <a:satMod val="175000"/>
-                <a:alpha val="40000"/>
-              </a:schemeClr>
+            <a:glow rad="190500">
+              <a:srgbClr val="00B050">
+                <a:alpha val="17000"/>
+              </a:srgbClr>
             </a:glow>
           </a:effectLst>
         </p:spPr>
@@ -10986,7 +13693,7 @@
         </p:nvSpPr>
         <p:spPr>
           <a:xfrm>
-            <a:off x="2009671" y="3380935"/>
+            <a:off x="1285771" y="3479876"/>
             <a:ext cx="3730752" cy="369332"/>
           </a:xfrm>
           <a:prstGeom prst="rect">
@@ -11006,6 +13713,77 @@
               <a:t>Humidity</a:t>
             </a:r>
             <a:endParaRPr lang="en-US" dirty="0"/>
+          </a:p>
+        </p:txBody>
+      </p:sp>
+      <p:pic>
+        <p:nvPicPr>
+          <p:cNvPr id="4" name="Picture 3">
+            <a:extLst>
+              <a:ext uri="{FF2B5EF4-FFF2-40B4-BE49-F238E27FC236}">
+                <a16:creationId xmlns:a16="http://schemas.microsoft.com/office/drawing/2014/main" id="{1EDE844A-7B22-422A-A1A7-BD0460542F4D}"/>
+              </a:ext>
+            </a:extLst>
+          </p:cNvPr>
+          <p:cNvPicPr>
+            <a:picLocks noChangeAspect="1"/>
+          </p:cNvPicPr>
+          <p:nvPr/>
+        </p:nvPicPr>
+        <p:blipFill rotWithShape="1">
+          <a:blip r:embed="rId4"/>
+          <a:srcRect l="100" t="1107" r="49025" b="23136"/>
+          <a:stretch/>
+        </p:blipFill>
+        <p:spPr>
+          <a:xfrm>
+            <a:off x="6181725" y="2800350"/>
+            <a:ext cx="4972050" cy="2140831"/>
+          </a:xfrm>
+          <a:prstGeom prst="rect">
+            <a:avLst/>
+          </a:prstGeom>
+          <a:effectLst>
+            <a:glow rad="190500">
+              <a:srgbClr val="00B050">
+                <a:alpha val="17000"/>
+              </a:srgbClr>
+            </a:glow>
+          </a:effectLst>
+        </p:spPr>
+      </p:pic>
+      <p:sp>
+        <p:nvSpPr>
+          <p:cNvPr id="9" name="TextBox 8">
+            <a:extLst>
+              <a:ext uri="{FF2B5EF4-FFF2-40B4-BE49-F238E27FC236}">
+                <a16:creationId xmlns:a16="http://schemas.microsoft.com/office/drawing/2014/main" id="{12D864F6-D359-4BC6-BA58-10F0193FC4D6}"/>
+              </a:ext>
+            </a:extLst>
+          </p:cNvPr>
+          <p:cNvSpPr txBox="1"/>
+          <p:nvPr/>
+        </p:nvSpPr>
+        <p:spPr>
+          <a:xfrm>
+            <a:off x="6096000" y="2269786"/>
+            <a:ext cx="3730752" cy="369332"/>
+          </a:xfrm>
+          <a:prstGeom prst="rect">
+            <a:avLst/>
+          </a:prstGeom>
+          <a:noFill/>
+        </p:spPr>
+        <p:txBody>
+          <a:bodyPr wrap="square" rtlCol="0">
+            <a:spAutoFit/>
+          </a:bodyPr>
+          <a:lstStyle/>
+          <a:p>
+            <a:r>
+              <a:rPr lang="en-US" dirty="0"/>
+              <a:t>Average temp.</a:t>
+            </a:r>
           </a:p>
         </p:txBody>
       </p:sp>
@@ -11044,6 +13822,1158 @@
           <p:cNvPr id="2" name="Title 1">
             <a:extLst>
               <a:ext uri="{FF2B5EF4-FFF2-40B4-BE49-F238E27FC236}">
+                <a16:creationId xmlns:a16="http://schemas.microsoft.com/office/drawing/2014/main" id="{765EBF66-776B-44CD-B84A-5B13AE020C97}"/>
+              </a:ext>
+            </a:extLst>
+          </p:cNvPr>
+          <p:cNvSpPr>
+            <a:spLocks noGrp="1"/>
+          </p:cNvSpPr>
+          <p:nvPr>
+            <p:ph type="title"/>
+          </p:nvPr>
+        </p:nvSpPr>
+        <p:spPr/>
+        <p:txBody>
+          <a:bodyPr/>
+          <a:lstStyle/>
+          <a:p>
+            <a:r>
+              <a:rPr lang="en-US" dirty="0"/>
+              <a:t>Data preprocessing</a:t>
+            </a:r>
+          </a:p>
+        </p:txBody>
+      </p:sp>
+      <p:grpSp>
+        <p:nvGrpSpPr>
+          <p:cNvPr id="3" name="Group 2">
+            <a:extLst>
+              <a:ext uri="{FF2B5EF4-FFF2-40B4-BE49-F238E27FC236}">
+                <a16:creationId xmlns:a16="http://schemas.microsoft.com/office/drawing/2014/main" id="{A330E872-DA82-4811-9368-3243EF2FAE75}"/>
+              </a:ext>
+            </a:extLst>
+          </p:cNvPr>
+          <p:cNvGrpSpPr/>
+          <p:nvPr/>
+        </p:nvGrpSpPr>
+        <p:grpSpPr>
+          <a:xfrm>
+            <a:off x="1156605" y="2155779"/>
+            <a:ext cx="10091779" cy="2546441"/>
+            <a:chOff x="1156605" y="2556212"/>
+            <a:chExt cx="10091779" cy="2546441"/>
+          </a:xfrm>
+        </p:grpSpPr>
+        <p:grpSp>
+          <p:nvGrpSpPr>
+            <p:cNvPr id="5" name="Group 4">
+              <a:extLst>
+                <a:ext uri="{FF2B5EF4-FFF2-40B4-BE49-F238E27FC236}">
+                  <a16:creationId xmlns:a16="http://schemas.microsoft.com/office/drawing/2014/main" id="{B5832450-4DAE-48AC-8729-D74DB02D3730}"/>
+                </a:ext>
+              </a:extLst>
+            </p:cNvPr>
+            <p:cNvGrpSpPr/>
+            <p:nvPr/>
+          </p:nvGrpSpPr>
+          <p:grpSpPr>
+            <a:xfrm>
+              <a:off x="1156605" y="3062634"/>
+              <a:ext cx="1480000" cy="1480000"/>
+              <a:chOff x="4814921" y="653186"/>
+              <a:chExt cx="2462033" cy="2462034"/>
+            </a:xfrm>
+          </p:grpSpPr>
+          <p:sp>
+            <p:nvSpPr>
+              <p:cNvPr id="6" name="Oval 5">
+                <a:extLst>
+                  <a:ext uri="{FF2B5EF4-FFF2-40B4-BE49-F238E27FC236}">
+                    <a16:creationId xmlns:a16="http://schemas.microsoft.com/office/drawing/2014/main" id="{50F958EC-BEB2-4591-8535-6C043747678E}"/>
+                  </a:ext>
+                </a:extLst>
+              </p:cNvPr>
+              <p:cNvSpPr/>
+              <p:nvPr/>
+            </p:nvSpPr>
+            <p:spPr>
+              <a:xfrm>
+                <a:off x="4814921" y="653186"/>
+                <a:ext cx="2462033" cy="2462034"/>
+              </a:xfrm>
+              <a:prstGeom prst="ellipse">
+                <a:avLst/>
+              </a:prstGeom>
+            </p:spPr>
+            <p:style>
+              <a:lnRef idx="2">
+                <a:schemeClr val="dk1">
+                  <a:shade val="80000"/>
+                  <a:hueOff val="0"/>
+                  <a:satOff val="0"/>
+                  <a:lumOff val="0"/>
+                  <a:alphaOff val="0"/>
+                </a:schemeClr>
+              </a:lnRef>
+              <a:fillRef idx="1">
+                <a:schemeClr val="lt1">
+                  <a:hueOff val="0"/>
+                  <a:satOff val="0"/>
+                  <a:lumOff val="0"/>
+                  <a:alphaOff val="0"/>
+                </a:schemeClr>
+              </a:fillRef>
+              <a:effectRef idx="0">
+                <a:schemeClr val="lt1">
+                  <a:hueOff val="0"/>
+                  <a:satOff val="0"/>
+                  <a:lumOff val="0"/>
+                  <a:alphaOff val="0"/>
+                </a:schemeClr>
+              </a:effectRef>
+              <a:fontRef idx="minor">
+                <a:schemeClr val="dk1">
+                  <a:hueOff val="0"/>
+                  <a:satOff val="0"/>
+                  <a:lumOff val="0"/>
+                  <a:alphaOff val="0"/>
+                </a:schemeClr>
+              </a:fontRef>
+            </p:style>
+          </p:sp>
+          <p:sp>
+            <p:nvSpPr>
+              <p:cNvPr id="7" name="Oval 4">
+                <a:extLst>
+                  <a:ext uri="{FF2B5EF4-FFF2-40B4-BE49-F238E27FC236}">
+                    <a16:creationId xmlns:a16="http://schemas.microsoft.com/office/drawing/2014/main" id="{6C8D6689-4F48-4B67-8BB9-C6552D2778E7}"/>
+                  </a:ext>
+                </a:extLst>
+              </p:cNvPr>
+              <p:cNvSpPr txBox="1"/>
+              <p:nvPr/>
+            </p:nvSpPr>
+            <p:spPr>
+              <a:xfrm>
+                <a:off x="5175477" y="1013743"/>
+                <a:ext cx="1740920" cy="1740921"/>
+              </a:xfrm>
+              <a:prstGeom prst="rect">
+                <a:avLst/>
+              </a:prstGeom>
+            </p:spPr>
+            <p:style>
+              <a:lnRef idx="0">
+                <a:scrgbClr r="0" g="0" b="0"/>
+              </a:lnRef>
+              <a:fillRef idx="0">
+                <a:scrgbClr r="0" g="0" b="0"/>
+              </a:fillRef>
+              <a:effectRef idx="0">
+                <a:scrgbClr r="0" g="0" b="0"/>
+              </a:effectRef>
+              <a:fontRef idx="minor">
+                <a:schemeClr val="dk1">
+                  <a:hueOff val="0"/>
+                  <a:satOff val="0"/>
+                  <a:lumOff val="0"/>
+                  <a:alphaOff val="0"/>
+                </a:schemeClr>
+              </a:fontRef>
+            </p:style>
+            <p:txBody>
+              <a:bodyPr spcFirstLastPara="0" vert="horz" wrap="square" lIns="20320" tIns="20320" rIns="20320" bIns="20320" numCol="1" spcCol="1270" anchor="ctr" anchorCtr="0">
+                <a:noAutofit/>
+              </a:bodyPr>
+              <a:lstStyle/>
+              <a:p>
+                <a:pPr marL="0" lvl="0" indent="0" algn="ctr" defTabSz="711200">
+                  <a:lnSpc>
+                    <a:spcPct val="90000"/>
+                  </a:lnSpc>
+                  <a:spcBef>
+                    <a:spcPct val="0"/>
+                  </a:spcBef>
+                  <a:spcAft>
+                    <a:spcPct val="35000"/>
+                  </a:spcAft>
+                  <a:buNone/>
+                </a:pPr>
+                <a:r>
+                  <a:rPr lang="en-US" sz="2400" dirty="0"/>
+                  <a:t>👐🏽</a:t>
+                </a:r>
+                <a:endParaRPr lang="en-US" sz="2400" kern="1200" dirty="0"/>
+              </a:p>
+              <a:p>
+                <a:pPr marL="0" lvl="0" indent="0" algn="ctr" defTabSz="711200">
+                  <a:lnSpc>
+                    <a:spcPct val="90000"/>
+                  </a:lnSpc>
+                  <a:spcBef>
+                    <a:spcPct val="0"/>
+                  </a:spcBef>
+                  <a:spcAft>
+                    <a:spcPct val="35000"/>
+                  </a:spcAft>
+                  <a:buNone/>
+                </a:pPr>
+                <a:r>
+                  <a:rPr lang="en-US" sz="1600" dirty="0"/>
+                  <a:t>Collecting</a:t>
+                </a:r>
+                <a:endParaRPr lang="en-US" sz="1600" kern="1200" dirty="0"/>
+              </a:p>
+            </p:txBody>
+          </p:sp>
+        </p:grpSp>
+        <p:grpSp>
+          <p:nvGrpSpPr>
+            <p:cNvPr id="8" name="Group 7">
+              <a:extLst>
+                <a:ext uri="{FF2B5EF4-FFF2-40B4-BE49-F238E27FC236}">
+                  <a16:creationId xmlns:a16="http://schemas.microsoft.com/office/drawing/2014/main" id="{E71E5EF2-5CB7-4728-B38F-4559A98064D2}"/>
+                </a:ext>
+              </a:extLst>
+            </p:cNvPr>
+            <p:cNvGrpSpPr/>
+            <p:nvPr/>
+          </p:nvGrpSpPr>
+          <p:grpSpPr>
+            <a:xfrm>
+              <a:off x="3285754" y="2959223"/>
+              <a:ext cx="1818210" cy="1818210"/>
+              <a:chOff x="5165363" y="1086807"/>
+              <a:chExt cx="2462033" cy="2462033"/>
+            </a:xfrm>
+          </p:grpSpPr>
+          <p:sp>
+            <p:nvSpPr>
+              <p:cNvPr id="9" name="Oval 8">
+                <a:extLst>
+                  <a:ext uri="{FF2B5EF4-FFF2-40B4-BE49-F238E27FC236}">
+                    <a16:creationId xmlns:a16="http://schemas.microsoft.com/office/drawing/2014/main" id="{12FA4AC0-A606-4700-8912-F95CE18507E1}"/>
+                  </a:ext>
+                </a:extLst>
+              </p:cNvPr>
+              <p:cNvSpPr/>
+              <p:nvPr/>
+            </p:nvSpPr>
+            <p:spPr>
+              <a:xfrm>
+                <a:off x="5165363" y="1086807"/>
+                <a:ext cx="2462033" cy="2462033"/>
+              </a:xfrm>
+              <a:prstGeom prst="ellipse">
+                <a:avLst/>
+              </a:prstGeom>
+            </p:spPr>
+            <p:style>
+              <a:lnRef idx="2">
+                <a:schemeClr val="dk1">
+                  <a:shade val="80000"/>
+                  <a:hueOff val="0"/>
+                  <a:satOff val="0"/>
+                  <a:lumOff val="0"/>
+                  <a:alphaOff val="0"/>
+                </a:schemeClr>
+              </a:lnRef>
+              <a:fillRef idx="1">
+                <a:schemeClr val="lt1">
+                  <a:hueOff val="0"/>
+                  <a:satOff val="0"/>
+                  <a:lumOff val="0"/>
+                  <a:alphaOff val="0"/>
+                </a:schemeClr>
+              </a:fillRef>
+              <a:effectRef idx="0">
+                <a:schemeClr val="lt1">
+                  <a:hueOff val="0"/>
+                  <a:satOff val="0"/>
+                  <a:lumOff val="0"/>
+                  <a:alphaOff val="0"/>
+                </a:schemeClr>
+              </a:effectRef>
+              <a:fontRef idx="minor">
+                <a:schemeClr val="dk1">
+                  <a:hueOff val="0"/>
+                  <a:satOff val="0"/>
+                  <a:lumOff val="0"/>
+                  <a:alphaOff val="0"/>
+                </a:schemeClr>
+              </a:fontRef>
+            </p:style>
+          </p:sp>
+          <p:sp>
+            <p:nvSpPr>
+              <p:cNvPr id="10" name="Oval 4">
+                <a:extLst>
+                  <a:ext uri="{FF2B5EF4-FFF2-40B4-BE49-F238E27FC236}">
+                    <a16:creationId xmlns:a16="http://schemas.microsoft.com/office/drawing/2014/main" id="{B1BBFA59-13E1-453B-B98A-95269EED1CA5}"/>
+                  </a:ext>
+                </a:extLst>
+              </p:cNvPr>
+              <p:cNvSpPr txBox="1"/>
+              <p:nvPr/>
+            </p:nvSpPr>
+            <p:spPr>
+              <a:xfrm>
+                <a:off x="5525919" y="1447364"/>
+                <a:ext cx="1740921" cy="1740920"/>
+              </a:xfrm>
+              <a:prstGeom prst="rect">
+                <a:avLst/>
+              </a:prstGeom>
+            </p:spPr>
+            <p:style>
+              <a:lnRef idx="0">
+                <a:scrgbClr r="0" g="0" b="0"/>
+              </a:lnRef>
+              <a:fillRef idx="0">
+                <a:scrgbClr r="0" g="0" b="0"/>
+              </a:fillRef>
+              <a:effectRef idx="0">
+                <a:scrgbClr r="0" g="0" b="0"/>
+              </a:effectRef>
+              <a:fontRef idx="minor">
+                <a:schemeClr val="dk1">
+                  <a:hueOff val="0"/>
+                  <a:satOff val="0"/>
+                  <a:lumOff val="0"/>
+                  <a:alphaOff val="0"/>
+                </a:schemeClr>
+              </a:fontRef>
+            </p:style>
+            <p:txBody>
+              <a:bodyPr spcFirstLastPara="0" vert="horz" wrap="square" lIns="20320" tIns="20320" rIns="20320" bIns="20320" numCol="1" spcCol="1270" anchor="ctr" anchorCtr="0">
+                <a:noAutofit/>
+              </a:bodyPr>
+              <a:lstStyle/>
+              <a:p>
+                <a:pPr marL="0" lvl="0" indent="0" algn="ctr" defTabSz="711200">
+                  <a:lnSpc>
+                    <a:spcPct val="90000"/>
+                  </a:lnSpc>
+                  <a:spcBef>
+                    <a:spcPct val="0"/>
+                  </a:spcBef>
+                  <a:spcAft>
+                    <a:spcPct val="35000"/>
+                  </a:spcAft>
+                  <a:buNone/>
+                </a:pPr>
+                <a:r>
+                  <a:rPr lang="en-US" sz="2400" kern="1200" dirty="0"/>
+                  <a:t>✔</a:t>
+                </a:r>
+              </a:p>
+              <a:p>
+                <a:pPr marL="0" lvl="0" indent="0" algn="ctr" defTabSz="711200">
+                  <a:lnSpc>
+                    <a:spcPct val="90000"/>
+                  </a:lnSpc>
+                  <a:spcBef>
+                    <a:spcPct val="0"/>
+                  </a:spcBef>
+                  <a:spcAft>
+                    <a:spcPct val="35000"/>
+                  </a:spcAft>
+                  <a:buNone/>
+                </a:pPr>
+                <a:r>
+                  <a:rPr lang="en-US" sz="1600" kern="1200" dirty="0"/>
+                  <a:t>Features selection</a:t>
+                </a:r>
+              </a:p>
+            </p:txBody>
+          </p:sp>
+        </p:grpSp>
+        <p:grpSp>
+          <p:nvGrpSpPr>
+            <p:cNvPr id="16" name="Group 15">
+              <a:extLst>
+                <a:ext uri="{FF2B5EF4-FFF2-40B4-BE49-F238E27FC236}">
+                  <a16:creationId xmlns:a16="http://schemas.microsoft.com/office/drawing/2014/main" id="{7CB81C2A-E647-4DD8-9A0D-E093C5991C0B}"/>
+                </a:ext>
+              </a:extLst>
+            </p:cNvPr>
+            <p:cNvGrpSpPr/>
+            <p:nvPr/>
+          </p:nvGrpSpPr>
+          <p:grpSpPr>
+            <a:xfrm>
+              <a:off x="2848478" y="3697221"/>
+              <a:ext cx="264427" cy="264427"/>
+              <a:chOff x="1587404" y="2577119"/>
+              <a:chExt cx="264427" cy="264427"/>
+            </a:xfrm>
+          </p:grpSpPr>
+          <p:sp>
+            <p:nvSpPr>
+              <p:cNvPr id="17" name="Plus Sign 16">
+                <a:extLst>
+                  <a:ext uri="{FF2B5EF4-FFF2-40B4-BE49-F238E27FC236}">
+                    <a16:creationId xmlns:a16="http://schemas.microsoft.com/office/drawing/2014/main" id="{9CBAAFCA-6EEC-400B-86D4-DB5CBD6C7C46}"/>
+                  </a:ext>
+                </a:extLst>
+              </p:cNvPr>
+              <p:cNvSpPr/>
+              <p:nvPr/>
+            </p:nvSpPr>
+            <p:spPr>
+              <a:xfrm>
+                <a:off x="1587404" y="2577119"/>
+                <a:ext cx="264427" cy="264427"/>
+              </a:xfrm>
+              <a:prstGeom prst="rightArrow">
+                <a:avLst/>
+              </a:prstGeom>
+            </p:spPr>
+            <p:style>
+              <a:lnRef idx="0">
+                <a:schemeClr val="dk1">
+                  <a:tint val="60000"/>
+                  <a:hueOff val="0"/>
+                  <a:satOff val="0"/>
+                  <a:lumOff val="0"/>
+                  <a:alphaOff val="0"/>
+                </a:schemeClr>
+              </a:lnRef>
+              <a:fillRef idx="1">
+                <a:schemeClr val="dk1">
+                  <a:tint val="60000"/>
+                  <a:hueOff val="0"/>
+                  <a:satOff val="0"/>
+                  <a:lumOff val="0"/>
+                  <a:alphaOff val="0"/>
+                </a:schemeClr>
+              </a:fillRef>
+              <a:effectRef idx="0">
+                <a:schemeClr val="dk1">
+                  <a:tint val="60000"/>
+                  <a:hueOff val="0"/>
+                  <a:satOff val="0"/>
+                  <a:lumOff val="0"/>
+                  <a:alphaOff val="0"/>
+                </a:schemeClr>
+              </a:effectRef>
+              <a:fontRef idx="minor">
+                <a:schemeClr val="dk1">
+                  <a:hueOff val="0"/>
+                  <a:satOff val="0"/>
+                  <a:lumOff val="0"/>
+                  <a:alphaOff val="0"/>
+                </a:schemeClr>
+              </a:fontRef>
+            </p:style>
+          </p:sp>
+          <p:sp>
+            <p:nvSpPr>
+              <p:cNvPr id="18" name="Plus Sign 4">
+                <a:extLst>
+                  <a:ext uri="{FF2B5EF4-FFF2-40B4-BE49-F238E27FC236}">
+                    <a16:creationId xmlns:a16="http://schemas.microsoft.com/office/drawing/2014/main" id="{B99EC8D4-D13F-4284-905E-4691E6F18FD4}"/>
+                  </a:ext>
+                </a:extLst>
+              </p:cNvPr>
+              <p:cNvSpPr txBox="1"/>
+              <p:nvPr/>
+            </p:nvSpPr>
+            <p:spPr>
+              <a:xfrm>
+                <a:off x="1622454" y="2678236"/>
+                <a:ext cx="194327" cy="62193"/>
+              </a:xfrm>
+              <a:prstGeom prst="rightArrow">
+                <a:avLst/>
+              </a:prstGeom>
+            </p:spPr>
+            <p:style>
+              <a:lnRef idx="0">
+                <a:scrgbClr r="0" g="0" b="0"/>
+              </a:lnRef>
+              <a:fillRef idx="0">
+                <a:scrgbClr r="0" g="0" b="0"/>
+              </a:fillRef>
+              <a:effectRef idx="0">
+                <a:scrgbClr r="0" g="0" b="0"/>
+              </a:effectRef>
+              <a:fontRef idx="minor">
+                <a:schemeClr val="dk1">
+                  <a:hueOff val="0"/>
+                  <a:satOff val="0"/>
+                  <a:lumOff val="0"/>
+                  <a:alphaOff val="0"/>
+                </a:schemeClr>
+              </a:fontRef>
+            </p:style>
+            <p:txBody>
+              <a:bodyPr spcFirstLastPara="0" vert="horz" wrap="square" lIns="0" tIns="0" rIns="0" bIns="0" numCol="1" spcCol="1270" anchor="ctr" anchorCtr="0">
+                <a:noAutofit/>
+              </a:bodyPr>
+              <a:lstStyle/>
+              <a:p>
+                <a:pPr marL="0" lvl="0" indent="0" algn="ctr" defTabSz="488950">
+                  <a:lnSpc>
+                    <a:spcPct val="90000"/>
+                  </a:lnSpc>
+                  <a:spcBef>
+                    <a:spcPct val="0"/>
+                  </a:spcBef>
+                  <a:spcAft>
+                    <a:spcPct val="35000"/>
+                  </a:spcAft>
+                  <a:buNone/>
+                </a:pPr>
+                <a:endParaRPr lang="en-US" sz="1100" kern="1200"/>
+              </a:p>
+            </p:txBody>
+          </p:sp>
+        </p:grpSp>
+        <p:grpSp>
+          <p:nvGrpSpPr>
+            <p:cNvPr id="12" name="Group 11">
+              <a:extLst>
+                <a:ext uri="{FF2B5EF4-FFF2-40B4-BE49-F238E27FC236}">
+                  <a16:creationId xmlns:a16="http://schemas.microsoft.com/office/drawing/2014/main" id="{A3286860-6491-44B9-9583-4482A6BC3310}"/>
+                </a:ext>
+              </a:extLst>
+            </p:cNvPr>
+            <p:cNvGrpSpPr/>
+            <p:nvPr/>
+          </p:nvGrpSpPr>
+          <p:grpSpPr>
+            <a:xfrm>
+              <a:off x="5442283" y="3697220"/>
+              <a:ext cx="264427" cy="264427"/>
+              <a:chOff x="1587404" y="2577119"/>
+              <a:chExt cx="264427" cy="264427"/>
+            </a:xfrm>
+          </p:grpSpPr>
+          <p:sp>
+            <p:nvSpPr>
+              <p:cNvPr id="13" name="Plus Sign 16">
+                <a:extLst>
+                  <a:ext uri="{FF2B5EF4-FFF2-40B4-BE49-F238E27FC236}">
+                    <a16:creationId xmlns:a16="http://schemas.microsoft.com/office/drawing/2014/main" id="{F4D72915-F390-437A-8768-4F5FB9749290}"/>
+                  </a:ext>
+                </a:extLst>
+              </p:cNvPr>
+              <p:cNvSpPr/>
+              <p:nvPr/>
+            </p:nvSpPr>
+            <p:spPr>
+              <a:xfrm>
+                <a:off x="1587404" y="2577119"/>
+                <a:ext cx="264427" cy="264427"/>
+              </a:xfrm>
+              <a:prstGeom prst="rightArrow">
+                <a:avLst/>
+              </a:prstGeom>
+            </p:spPr>
+            <p:style>
+              <a:lnRef idx="0">
+                <a:schemeClr val="dk1">
+                  <a:tint val="60000"/>
+                  <a:hueOff val="0"/>
+                  <a:satOff val="0"/>
+                  <a:lumOff val="0"/>
+                  <a:alphaOff val="0"/>
+                </a:schemeClr>
+              </a:lnRef>
+              <a:fillRef idx="1">
+                <a:schemeClr val="dk1">
+                  <a:tint val="60000"/>
+                  <a:hueOff val="0"/>
+                  <a:satOff val="0"/>
+                  <a:lumOff val="0"/>
+                  <a:alphaOff val="0"/>
+                </a:schemeClr>
+              </a:fillRef>
+              <a:effectRef idx="0">
+                <a:schemeClr val="dk1">
+                  <a:tint val="60000"/>
+                  <a:hueOff val="0"/>
+                  <a:satOff val="0"/>
+                  <a:lumOff val="0"/>
+                  <a:alphaOff val="0"/>
+                </a:schemeClr>
+              </a:effectRef>
+              <a:fontRef idx="minor">
+                <a:schemeClr val="dk1">
+                  <a:hueOff val="0"/>
+                  <a:satOff val="0"/>
+                  <a:lumOff val="0"/>
+                  <a:alphaOff val="0"/>
+                </a:schemeClr>
+              </a:fontRef>
+            </p:style>
+          </p:sp>
+          <p:sp>
+            <p:nvSpPr>
+              <p:cNvPr id="14" name="Plus Sign 4">
+                <a:extLst>
+                  <a:ext uri="{FF2B5EF4-FFF2-40B4-BE49-F238E27FC236}">
+                    <a16:creationId xmlns:a16="http://schemas.microsoft.com/office/drawing/2014/main" id="{558160C0-B544-4B8A-8F37-07B30DCBE424}"/>
+                  </a:ext>
+                </a:extLst>
+              </p:cNvPr>
+              <p:cNvSpPr txBox="1"/>
+              <p:nvPr/>
+            </p:nvSpPr>
+            <p:spPr>
+              <a:xfrm>
+                <a:off x="1622454" y="2678236"/>
+                <a:ext cx="194327" cy="62193"/>
+              </a:xfrm>
+              <a:prstGeom prst="rightArrow">
+                <a:avLst/>
+              </a:prstGeom>
+            </p:spPr>
+            <p:style>
+              <a:lnRef idx="0">
+                <a:scrgbClr r="0" g="0" b="0"/>
+              </a:lnRef>
+              <a:fillRef idx="0">
+                <a:scrgbClr r="0" g="0" b="0"/>
+              </a:fillRef>
+              <a:effectRef idx="0">
+                <a:scrgbClr r="0" g="0" b="0"/>
+              </a:effectRef>
+              <a:fontRef idx="minor">
+                <a:schemeClr val="dk1">
+                  <a:hueOff val="0"/>
+                  <a:satOff val="0"/>
+                  <a:lumOff val="0"/>
+                  <a:alphaOff val="0"/>
+                </a:schemeClr>
+              </a:fontRef>
+            </p:style>
+            <p:txBody>
+              <a:bodyPr spcFirstLastPara="0" vert="horz" wrap="square" lIns="0" tIns="0" rIns="0" bIns="0" numCol="1" spcCol="1270" anchor="ctr" anchorCtr="0">
+                <a:noAutofit/>
+              </a:bodyPr>
+              <a:lstStyle/>
+              <a:p>
+                <a:pPr marL="0" lvl="0" indent="0" algn="ctr" defTabSz="488950">
+                  <a:lnSpc>
+                    <a:spcPct val="90000"/>
+                  </a:lnSpc>
+                  <a:spcBef>
+                    <a:spcPct val="0"/>
+                  </a:spcBef>
+                  <a:spcAft>
+                    <a:spcPct val="35000"/>
+                  </a:spcAft>
+                  <a:buNone/>
+                </a:pPr>
+                <a:endParaRPr lang="en-US" sz="1100" kern="1200"/>
+              </a:p>
+            </p:txBody>
+          </p:sp>
+        </p:grpSp>
+        <p:grpSp>
+          <p:nvGrpSpPr>
+            <p:cNvPr id="15" name="Group 14">
+              <a:extLst>
+                <a:ext uri="{FF2B5EF4-FFF2-40B4-BE49-F238E27FC236}">
+                  <a16:creationId xmlns:a16="http://schemas.microsoft.com/office/drawing/2014/main" id="{FCCFD5A6-FDBE-4B7B-9C60-303744B2866D}"/>
+                </a:ext>
+              </a:extLst>
+            </p:cNvPr>
+            <p:cNvGrpSpPr/>
+            <p:nvPr/>
+          </p:nvGrpSpPr>
+          <p:grpSpPr>
+            <a:xfrm>
+              <a:off x="8701943" y="2556212"/>
+              <a:ext cx="2546441" cy="2546441"/>
+              <a:chOff x="5665375" y="1478316"/>
+              <a:chExt cx="2462033" cy="2462033"/>
+            </a:xfrm>
+          </p:grpSpPr>
+          <p:sp>
+            <p:nvSpPr>
+              <p:cNvPr id="19" name="Oval 18">
+                <a:extLst>
+                  <a:ext uri="{FF2B5EF4-FFF2-40B4-BE49-F238E27FC236}">
+                    <a16:creationId xmlns:a16="http://schemas.microsoft.com/office/drawing/2014/main" id="{2CAF7B69-8DD6-4B5E-B70E-6DE672CCC654}"/>
+                  </a:ext>
+                </a:extLst>
+              </p:cNvPr>
+              <p:cNvSpPr/>
+              <p:nvPr/>
+            </p:nvSpPr>
+            <p:spPr>
+              <a:xfrm>
+                <a:off x="5665375" y="1478316"/>
+                <a:ext cx="2462033" cy="2462033"/>
+              </a:xfrm>
+              <a:prstGeom prst="ellipse">
+                <a:avLst/>
+              </a:prstGeom>
+            </p:spPr>
+            <p:style>
+              <a:lnRef idx="2">
+                <a:schemeClr val="dk1">
+                  <a:shade val="80000"/>
+                  <a:hueOff val="0"/>
+                  <a:satOff val="0"/>
+                  <a:lumOff val="0"/>
+                  <a:alphaOff val="0"/>
+                </a:schemeClr>
+              </a:lnRef>
+              <a:fillRef idx="1">
+                <a:schemeClr val="lt1">
+                  <a:hueOff val="0"/>
+                  <a:satOff val="0"/>
+                  <a:lumOff val="0"/>
+                  <a:alphaOff val="0"/>
+                </a:schemeClr>
+              </a:fillRef>
+              <a:effectRef idx="0">
+                <a:schemeClr val="lt1">
+                  <a:hueOff val="0"/>
+                  <a:satOff val="0"/>
+                  <a:lumOff val="0"/>
+                  <a:alphaOff val="0"/>
+                </a:schemeClr>
+              </a:effectRef>
+              <a:fontRef idx="minor">
+                <a:schemeClr val="dk1">
+                  <a:hueOff val="0"/>
+                  <a:satOff val="0"/>
+                  <a:lumOff val="0"/>
+                  <a:alphaOff val="0"/>
+                </a:schemeClr>
+              </a:fontRef>
+            </p:style>
+          </p:sp>
+          <p:sp>
+            <p:nvSpPr>
+              <p:cNvPr id="20" name="Oval 4">
+                <a:extLst>
+                  <a:ext uri="{FF2B5EF4-FFF2-40B4-BE49-F238E27FC236}">
+                    <a16:creationId xmlns:a16="http://schemas.microsoft.com/office/drawing/2014/main" id="{D190C052-272C-47B7-8890-8BCFAECCE3A5}"/>
+                  </a:ext>
+                </a:extLst>
+              </p:cNvPr>
+              <p:cNvSpPr txBox="1"/>
+              <p:nvPr/>
+            </p:nvSpPr>
+            <p:spPr>
+              <a:xfrm>
+                <a:off x="5954517" y="1838871"/>
+                <a:ext cx="1883748" cy="1740920"/>
+              </a:xfrm>
+              <a:prstGeom prst="rect">
+                <a:avLst/>
+              </a:prstGeom>
+            </p:spPr>
+            <p:style>
+              <a:lnRef idx="0">
+                <a:scrgbClr r="0" g="0" b="0"/>
+              </a:lnRef>
+              <a:fillRef idx="0">
+                <a:scrgbClr r="0" g="0" b="0"/>
+              </a:fillRef>
+              <a:effectRef idx="0">
+                <a:scrgbClr r="0" g="0" b="0"/>
+              </a:effectRef>
+              <a:fontRef idx="minor">
+                <a:schemeClr val="dk1">
+                  <a:hueOff val="0"/>
+                  <a:satOff val="0"/>
+                  <a:lumOff val="0"/>
+                  <a:alphaOff val="0"/>
+                </a:schemeClr>
+              </a:fontRef>
+            </p:style>
+            <p:txBody>
+              <a:bodyPr spcFirstLastPara="0" vert="horz" wrap="square" lIns="20320" tIns="20320" rIns="20320" bIns="20320" numCol="1" spcCol="1270" anchor="ctr" anchorCtr="0">
+                <a:noAutofit/>
+              </a:bodyPr>
+              <a:lstStyle/>
+              <a:p>
+                <a:pPr marL="0" lvl="0" indent="0" algn="ctr" defTabSz="711200">
+                  <a:lnSpc>
+                    <a:spcPct val="90000"/>
+                  </a:lnSpc>
+                  <a:spcBef>
+                    <a:spcPct val="0"/>
+                  </a:spcBef>
+                  <a:spcAft>
+                    <a:spcPct val="35000"/>
+                  </a:spcAft>
+                  <a:buNone/>
+                </a:pPr>
+                <a:r>
+                  <a:rPr lang="en-US" sz="2800" kern="1200" dirty="0"/>
+                  <a:t>🎁</a:t>
+                </a:r>
+              </a:p>
+              <a:p>
+                <a:pPr marL="0" lvl="0" indent="0" algn="ctr" defTabSz="711200">
+                  <a:lnSpc>
+                    <a:spcPct val="90000"/>
+                  </a:lnSpc>
+                  <a:spcBef>
+                    <a:spcPct val="0"/>
+                  </a:spcBef>
+                  <a:spcAft>
+                    <a:spcPct val="35000"/>
+                  </a:spcAft>
+                  <a:buNone/>
+                </a:pPr>
+                <a:r>
+                  <a:rPr lang="en-US" sz="1600" kern="1200" dirty="0"/>
+                  <a:t>Preparation</a:t>
+                </a:r>
+              </a:p>
+            </p:txBody>
+          </p:sp>
+        </p:grpSp>
+        <p:grpSp>
+          <p:nvGrpSpPr>
+            <p:cNvPr id="24" name="Group 23">
+              <a:extLst>
+                <a:ext uri="{FF2B5EF4-FFF2-40B4-BE49-F238E27FC236}">
+                  <a16:creationId xmlns:a16="http://schemas.microsoft.com/office/drawing/2014/main" id="{35D82D81-74A6-4B75-BA14-094B8FB3A3C8}"/>
+                </a:ext>
+              </a:extLst>
+            </p:cNvPr>
+            <p:cNvGrpSpPr/>
+            <p:nvPr/>
+          </p:nvGrpSpPr>
+          <p:grpSpPr>
+            <a:xfrm>
+              <a:off x="8262005" y="3697220"/>
+              <a:ext cx="264427" cy="264427"/>
+              <a:chOff x="1587404" y="2577119"/>
+              <a:chExt cx="264427" cy="264427"/>
+            </a:xfrm>
+          </p:grpSpPr>
+          <p:sp>
+            <p:nvSpPr>
+              <p:cNvPr id="25" name="Plus Sign 16">
+                <a:extLst>
+                  <a:ext uri="{FF2B5EF4-FFF2-40B4-BE49-F238E27FC236}">
+                    <a16:creationId xmlns:a16="http://schemas.microsoft.com/office/drawing/2014/main" id="{752415D3-4CD2-4695-B8A0-4341A3140441}"/>
+                  </a:ext>
+                </a:extLst>
+              </p:cNvPr>
+              <p:cNvSpPr/>
+              <p:nvPr/>
+            </p:nvSpPr>
+            <p:spPr>
+              <a:xfrm>
+                <a:off x="1587404" y="2577119"/>
+                <a:ext cx="264427" cy="264427"/>
+              </a:xfrm>
+              <a:prstGeom prst="rightArrow">
+                <a:avLst/>
+              </a:prstGeom>
+            </p:spPr>
+            <p:style>
+              <a:lnRef idx="0">
+                <a:schemeClr val="dk1">
+                  <a:tint val="60000"/>
+                  <a:hueOff val="0"/>
+                  <a:satOff val="0"/>
+                  <a:lumOff val="0"/>
+                  <a:alphaOff val="0"/>
+                </a:schemeClr>
+              </a:lnRef>
+              <a:fillRef idx="1">
+                <a:schemeClr val="dk1">
+                  <a:tint val="60000"/>
+                  <a:hueOff val="0"/>
+                  <a:satOff val="0"/>
+                  <a:lumOff val="0"/>
+                  <a:alphaOff val="0"/>
+                </a:schemeClr>
+              </a:fillRef>
+              <a:effectRef idx="0">
+                <a:schemeClr val="dk1">
+                  <a:tint val="60000"/>
+                  <a:hueOff val="0"/>
+                  <a:satOff val="0"/>
+                  <a:lumOff val="0"/>
+                  <a:alphaOff val="0"/>
+                </a:schemeClr>
+              </a:effectRef>
+              <a:fontRef idx="minor">
+                <a:schemeClr val="dk1">
+                  <a:hueOff val="0"/>
+                  <a:satOff val="0"/>
+                  <a:lumOff val="0"/>
+                  <a:alphaOff val="0"/>
+                </a:schemeClr>
+              </a:fontRef>
+            </p:style>
+          </p:sp>
+          <p:sp>
+            <p:nvSpPr>
+              <p:cNvPr id="26" name="Plus Sign 4">
+                <a:extLst>
+                  <a:ext uri="{FF2B5EF4-FFF2-40B4-BE49-F238E27FC236}">
+                    <a16:creationId xmlns:a16="http://schemas.microsoft.com/office/drawing/2014/main" id="{6B5DCD5C-491F-42A3-927E-986A9C817850}"/>
+                  </a:ext>
+                </a:extLst>
+              </p:cNvPr>
+              <p:cNvSpPr txBox="1"/>
+              <p:nvPr/>
+            </p:nvSpPr>
+            <p:spPr>
+              <a:xfrm>
+                <a:off x="1622454" y="2678236"/>
+                <a:ext cx="194327" cy="62193"/>
+              </a:xfrm>
+              <a:prstGeom prst="rightArrow">
+                <a:avLst/>
+              </a:prstGeom>
+            </p:spPr>
+            <p:style>
+              <a:lnRef idx="0">
+                <a:scrgbClr r="0" g="0" b="0"/>
+              </a:lnRef>
+              <a:fillRef idx="0">
+                <a:scrgbClr r="0" g="0" b="0"/>
+              </a:fillRef>
+              <a:effectRef idx="0">
+                <a:scrgbClr r="0" g="0" b="0"/>
+              </a:effectRef>
+              <a:fontRef idx="minor">
+                <a:schemeClr val="dk1">
+                  <a:hueOff val="0"/>
+                  <a:satOff val="0"/>
+                  <a:lumOff val="0"/>
+                  <a:alphaOff val="0"/>
+                </a:schemeClr>
+              </a:fontRef>
+            </p:style>
+            <p:txBody>
+              <a:bodyPr spcFirstLastPara="0" vert="horz" wrap="square" lIns="0" tIns="0" rIns="0" bIns="0" numCol="1" spcCol="1270" anchor="ctr" anchorCtr="0">
+                <a:noAutofit/>
+              </a:bodyPr>
+              <a:lstStyle/>
+              <a:p>
+                <a:pPr marL="0" lvl="0" indent="0" algn="ctr" defTabSz="488950">
+                  <a:lnSpc>
+                    <a:spcPct val="90000"/>
+                  </a:lnSpc>
+                  <a:spcBef>
+                    <a:spcPct val="0"/>
+                  </a:spcBef>
+                  <a:spcAft>
+                    <a:spcPct val="35000"/>
+                  </a:spcAft>
+                  <a:buNone/>
+                </a:pPr>
+                <a:endParaRPr lang="en-US" sz="1100" kern="1200"/>
+              </a:p>
+            </p:txBody>
+          </p:sp>
+        </p:grpSp>
+        <p:grpSp>
+          <p:nvGrpSpPr>
+            <p:cNvPr id="31" name="Group 30">
+              <a:extLst>
+                <a:ext uri="{FF2B5EF4-FFF2-40B4-BE49-F238E27FC236}">
+                  <a16:creationId xmlns:a16="http://schemas.microsoft.com/office/drawing/2014/main" id="{39DEC803-E0D2-4D9C-9EB3-611D40F2DC44}"/>
+                </a:ext>
+              </a:extLst>
+            </p:cNvPr>
+            <p:cNvGrpSpPr/>
+            <p:nvPr/>
+          </p:nvGrpSpPr>
+          <p:grpSpPr>
+            <a:xfrm>
+              <a:off x="5885532" y="2764739"/>
+              <a:ext cx="2129391" cy="2129391"/>
+              <a:chOff x="5665375" y="1478316"/>
+              <a:chExt cx="2462033" cy="2462033"/>
+            </a:xfrm>
+          </p:grpSpPr>
+          <p:sp>
+            <p:nvSpPr>
+              <p:cNvPr id="32" name="Oval 31">
+                <a:extLst>
+                  <a:ext uri="{FF2B5EF4-FFF2-40B4-BE49-F238E27FC236}">
+                    <a16:creationId xmlns:a16="http://schemas.microsoft.com/office/drawing/2014/main" id="{B58DF7C2-1F71-426A-8136-C0DEB8B49597}"/>
+                  </a:ext>
+                </a:extLst>
+              </p:cNvPr>
+              <p:cNvSpPr/>
+              <p:nvPr/>
+            </p:nvSpPr>
+            <p:spPr>
+              <a:xfrm>
+                <a:off x="5665375" y="1478316"/>
+                <a:ext cx="2462033" cy="2462033"/>
+              </a:xfrm>
+              <a:prstGeom prst="ellipse">
+                <a:avLst/>
+              </a:prstGeom>
+            </p:spPr>
+            <p:style>
+              <a:lnRef idx="2">
+                <a:schemeClr val="dk1">
+                  <a:shade val="80000"/>
+                  <a:hueOff val="0"/>
+                  <a:satOff val="0"/>
+                  <a:lumOff val="0"/>
+                  <a:alphaOff val="0"/>
+                </a:schemeClr>
+              </a:lnRef>
+              <a:fillRef idx="1">
+                <a:schemeClr val="lt1">
+                  <a:hueOff val="0"/>
+                  <a:satOff val="0"/>
+                  <a:lumOff val="0"/>
+                  <a:alphaOff val="0"/>
+                </a:schemeClr>
+              </a:fillRef>
+              <a:effectRef idx="0">
+                <a:schemeClr val="lt1">
+                  <a:hueOff val="0"/>
+                  <a:satOff val="0"/>
+                  <a:lumOff val="0"/>
+                  <a:alphaOff val="0"/>
+                </a:schemeClr>
+              </a:effectRef>
+              <a:fontRef idx="minor">
+                <a:schemeClr val="dk1">
+                  <a:hueOff val="0"/>
+                  <a:satOff val="0"/>
+                  <a:lumOff val="0"/>
+                  <a:alphaOff val="0"/>
+                </a:schemeClr>
+              </a:fontRef>
+            </p:style>
+          </p:sp>
+          <p:sp>
+            <p:nvSpPr>
+              <p:cNvPr id="33" name="Oval 4">
+                <a:extLst>
+                  <a:ext uri="{FF2B5EF4-FFF2-40B4-BE49-F238E27FC236}">
+                    <a16:creationId xmlns:a16="http://schemas.microsoft.com/office/drawing/2014/main" id="{940362A5-AA80-465B-8F9F-1E80408B033F}"/>
+                  </a:ext>
+                </a:extLst>
+              </p:cNvPr>
+              <p:cNvSpPr txBox="1"/>
+              <p:nvPr/>
+            </p:nvSpPr>
+            <p:spPr>
+              <a:xfrm>
+                <a:off x="6025931" y="1838872"/>
+                <a:ext cx="1740921" cy="1740921"/>
+              </a:xfrm>
+              <a:prstGeom prst="rect">
+                <a:avLst/>
+              </a:prstGeom>
+            </p:spPr>
+            <p:style>
+              <a:lnRef idx="0">
+                <a:scrgbClr r="0" g="0" b="0"/>
+              </a:lnRef>
+              <a:fillRef idx="0">
+                <a:scrgbClr r="0" g="0" b="0"/>
+              </a:fillRef>
+              <a:effectRef idx="0">
+                <a:scrgbClr r="0" g="0" b="0"/>
+              </a:effectRef>
+              <a:fontRef idx="minor">
+                <a:schemeClr val="dk1">
+                  <a:hueOff val="0"/>
+                  <a:satOff val="0"/>
+                  <a:lumOff val="0"/>
+                  <a:alphaOff val="0"/>
+                </a:schemeClr>
+              </a:fontRef>
+            </p:style>
+            <p:txBody>
+              <a:bodyPr spcFirstLastPara="0" vert="horz" wrap="square" lIns="20320" tIns="20320" rIns="20320" bIns="20320" numCol="1" spcCol="1270" anchor="ctr" anchorCtr="0">
+                <a:noAutofit/>
+              </a:bodyPr>
+              <a:lstStyle/>
+              <a:p>
+                <a:pPr marL="0" lvl="0" indent="0" algn="ctr" defTabSz="711200">
+                  <a:lnSpc>
+                    <a:spcPct val="90000"/>
+                  </a:lnSpc>
+                  <a:spcBef>
+                    <a:spcPct val="0"/>
+                  </a:spcBef>
+                  <a:spcAft>
+                    <a:spcPct val="35000"/>
+                  </a:spcAft>
+                  <a:buNone/>
+                </a:pPr>
+                <a:r>
+                  <a:rPr lang="en-US" sz="2400" dirty="0"/>
+                  <a:t>🧹</a:t>
+                </a:r>
+                <a:endParaRPr lang="en-US" sz="2400" kern="1200" dirty="0"/>
+              </a:p>
+              <a:p>
+                <a:pPr marL="0" lvl="0" indent="0" algn="ctr" defTabSz="711200">
+                  <a:lnSpc>
+                    <a:spcPct val="90000"/>
+                  </a:lnSpc>
+                  <a:spcBef>
+                    <a:spcPct val="0"/>
+                  </a:spcBef>
+                  <a:spcAft>
+                    <a:spcPct val="35000"/>
+                  </a:spcAft>
+                  <a:buNone/>
+                </a:pPr>
+                <a:r>
+                  <a:rPr lang="en-US" sz="1600" kern="1200" dirty="0"/>
+                  <a:t>Cleaning</a:t>
+                </a:r>
+              </a:p>
+            </p:txBody>
+          </p:sp>
+        </p:grpSp>
+      </p:grpSp>
+    </p:spTree>
+    <p:extLst>
+      <p:ext uri="{BB962C8B-B14F-4D97-AF65-F5344CB8AC3E}">
+        <p14:creationId xmlns:p14="http://schemas.microsoft.com/office/powerpoint/2010/main" val="3940567905"/>
+      </p:ext>
+    </p:extLst>
+  </p:cSld>
+  <p:clrMapOvr>
+    <a:masterClrMapping/>
+  </p:clrMapOvr>
+</p:sld>
+</file>
+
+<file path=ppt/slides/slide8.xml><?xml version="1.0" encoding="utf-8"?>
+<p:sld xmlns:a="http://schemas.openxmlformats.org/drawingml/2006/main" xmlns:r="http://schemas.openxmlformats.org/officeDocument/2006/relationships" xmlns:p="http://schemas.openxmlformats.org/presentationml/2006/main">
+  <p:cSld>
+    <p:spTree>
+      <p:nvGrpSpPr>
+        <p:cNvPr id="1" name=""/>
+        <p:cNvGrpSpPr/>
+        <p:nvPr/>
+      </p:nvGrpSpPr>
+      <p:grpSpPr>
+        <a:xfrm>
+          <a:off x="0" y="0"/>
+          <a:ext cx="0" cy="0"/>
+          <a:chOff x="0" y="0"/>
+          <a:chExt cx="0" cy="0"/>
+        </a:xfrm>
+      </p:grpSpPr>
+      <p:sp>
+        <p:nvSpPr>
+          <p:cNvPr id="2" name="Title 1">
+            <a:extLst>
+              <a:ext uri="{FF2B5EF4-FFF2-40B4-BE49-F238E27FC236}">
                 <a16:creationId xmlns:a16="http://schemas.microsoft.com/office/drawing/2014/main" id="{7B5AF8A3-688C-4433-B27C-1BC216F81801}"/>
               </a:ext>
             </a:extLst>
@@ -11095,22 +15025,85 @@
           </a:bodyPr>
           <a:lstStyle/>
           <a:p>
-            <a:pPr marL="0" indent="0">
-              <a:buNone/>
-            </a:pPr>
             <a:r>
               <a:rPr lang="en-US" dirty="0"/>
-              <a:t>🥵 Challenge of THAI datasets</a:t>
+              <a:t>Challenge of THAI datasets</a:t>
             </a:r>
           </a:p>
         </p:txBody>
       </p:sp>
+      <p:pic>
+        <p:nvPicPr>
+          <p:cNvPr id="4" name="Picture 3">
+            <a:extLst>
+              <a:ext uri="{FF2B5EF4-FFF2-40B4-BE49-F238E27FC236}">
+                <a16:creationId xmlns:a16="http://schemas.microsoft.com/office/drawing/2014/main" id="{FA336E43-B01D-4E2B-8418-3DDA812749A1}"/>
+              </a:ext>
+            </a:extLst>
+          </p:cNvPr>
+          <p:cNvPicPr>
+            <a:picLocks noChangeAspect="1"/>
+          </p:cNvPicPr>
+          <p:nvPr/>
+        </p:nvPicPr>
+        <p:blipFill rotWithShape="1">
+          <a:blip r:embed="rId2"/>
+          <a:srcRect l="3784" r="15706"/>
+          <a:stretch/>
+        </p:blipFill>
+        <p:spPr>
+          <a:xfrm>
+            <a:off x="2905760" y="2392715"/>
+            <a:ext cx="6380480" cy="1295587"/>
+          </a:xfrm>
+          <a:prstGeom prst="rect">
+            <a:avLst/>
+          </a:prstGeom>
+        </p:spPr>
+      </p:pic>
+      <p:pic>
+        <p:nvPicPr>
+          <p:cNvPr id="8" name="Picture 7">
+            <a:extLst>
+              <a:ext uri="{FF2B5EF4-FFF2-40B4-BE49-F238E27FC236}">
+                <a16:creationId xmlns:a16="http://schemas.microsoft.com/office/drawing/2014/main" id="{E11ED4B9-2491-46D7-8060-0AEDFD2778AB}"/>
+              </a:ext>
+            </a:extLst>
+          </p:cNvPr>
+          <p:cNvPicPr>
+            <a:picLocks noChangeAspect="1"/>
+          </p:cNvPicPr>
+          <p:nvPr/>
+        </p:nvPicPr>
+        <p:blipFill rotWithShape="1">
+          <a:blip r:embed="rId3"/>
+          <a:srcRect l="17255" r="28737"/>
+          <a:stretch/>
+        </p:blipFill>
+        <p:spPr>
+          <a:xfrm>
+            <a:off x="2176445" y="4782742"/>
+            <a:ext cx="7839109" cy="1593579"/>
+          </a:xfrm>
+          <a:prstGeom prst="rect">
+            <a:avLst/>
+          </a:prstGeom>
+          <a:effectLst>
+            <a:glow rad="63500">
+              <a:schemeClr val="accent5">
+                <a:satMod val="175000"/>
+                <a:alpha val="40000"/>
+              </a:schemeClr>
+            </a:glow>
+          </a:effectLst>
+        </p:spPr>
+      </p:pic>
       <p:grpSp>
         <p:nvGrpSpPr>
-          <p:cNvPr id="14" name="Group 13">
+          <p:cNvPr id="3" name="Group 2">
             <a:extLst>
               <a:ext uri="{FF2B5EF4-FFF2-40B4-BE49-F238E27FC236}">
-                <a16:creationId xmlns:a16="http://schemas.microsoft.com/office/drawing/2014/main" id="{DB3F2ADD-DE22-47D6-A9A9-A7BF0DB4DBD8}"/>
+                <a16:creationId xmlns:a16="http://schemas.microsoft.com/office/drawing/2014/main" id="{DEBBCE47-3E9D-42A7-BE8E-30BE0C3D171E}"/>
               </a:ext>
             </a:extLst>
           </p:cNvPr>
@@ -11119,70 +15112,12 @@
         </p:nvGrpSpPr>
         <p:grpSpPr>
           <a:xfrm>
-            <a:off x="2576496" y="2524532"/>
-            <a:ext cx="7839109" cy="3465835"/>
-            <a:chOff x="2176446" y="2524532"/>
-            <a:chExt cx="7839109" cy="3465835"/>
+            <a:off x="3561440" y="4001294"/>
+            <a:ext cx="5069120" cy="631437"/>
+            <a:chOff x="3965360" y="3950069"/>
+            <a:chExt cx="5069120" cy="631437"/>
           </a:xfrm>
         </p:grpSpPr>
-        <p:pic>
-          <p:nvPicPr>
-            <p:cNvPr id="4" name="Picture 3">
-              <a:extLst>
-                <a:ext uri="{FF2B5EF4-FFF2-40B4-BE49-F238E27FC236}">
-                  <a16:creationId xmlns:a16="http://schemas.microsoft.com/office/drawing/2014/main" id="{FA336E43-B01D-4E2B-8418-3DDA812749A1}"/>
-                </a:ext>
-              </a:extLst>
-            </p:cNvPr>
-            <p:cNvPicPr>
-              <a:picLocks noChangeAspect="1"/>
-            </p:cNvPicPr>
-            <p:nvPr/>
-          </p:nvPicPr>
-          <p:blipFill rotWithShape="1">
-            <a:blip r:embed="rId2"/>
-            <a:srcRect l="3784" r="15706"/>
-            <a:stretch/>
-          </p:blipFill>
-          <p:spPr>
-            <a:xfrm>
-              <a:off x="2905760" y="2524532"/>
-              <a:ext cx="6380480" cy="1295587"/>
-            </a:xfrm>
-            <a:prstGeom prst="rect">
-              <a:avLst/>
-            </a:prstGeom>
-          </p:spPr>
-        </p:pic>
-        <p:pic>
-          <p:nvPicPr>
-            <p:cNvPr id="8" name="Picture 7">
-              <a:extLst>
-                <a:ext uri="{FF2B5EF4-FFF2-40B4-BE49-F238E27FC236}">
-                  <a16:creationId xmlns:a16="http://schemas.microsoft.com/office/drawing/2014/main" id="{E11ED4B9-2491-46D7-8060-0AEDFD2778AB}"/>
-                </a:ext>
-              </a:extLst>
-            </p:cNvPr>
-            <p:cNvPicPr>
-              <a:picLocks noChangeAspect="1"/>
-            </p:cNvPicPr>
-            <p:nvPr/>
-          </p:nvPicPr>
-          <p:blipFill rotWithShape="1">
-            <a:blip r:embed="rId3"/>
-            <a:srcRect l="17255" r="28737"/>
-            <a:stretch/>
-          </p:blipFill>
-          <p:spPr>
-            <a:xfrm>
-              <a:off x="2176446" y="4396788"/>
-              <a:ext cx="7839109" cy="1593579"/>
-            </a:xfrm>
-            <a:prstGeom prst="rect">
-              <a:avLst/>
-            </a:prstGeom>
-          </p:spPr>
-        </p:pic>
         <p:grpSp>
           <p:nvGrpSpPr>
             <p:cNvPr id="9" name="Group 8">
@@ -11197,8 +15132,8 @@
           </p:nvGrpSpPr>
           <p:grpSpPr>
             <a:xfrm>
-              <a:off x="5963786" y="4064892"/>
-              <a:ext cx="264427" cy="264427"/>
+              <a:off x="3965360" y="3950069"/>
+              <a:ext cx="631437" cy="631437"/>
               <a:chOff x="5363927" y="2577119"/>
               <a:chExt cx="264427" cy="264427"/>
             </a:xfrm>
@@ -11330,336 +15265,48 @@
             </p:txBody>
           </p:sp>
         </p:grpSp>
+        <p:pic>
+          <p:nvPicPr>
+            <p:cNvPr id="13" name="Picture 12">
+              <a:extLst>
+                <a:ext uri="{FF2B5EF4-FFF2-40B4-BE49-F238E27FC236}">
+                  <a16:creationId xmlns:a16="http://schemas.microsoft.com/office/drawing/2014/main" id="{3F4C8692-64F2-43DE-A230-8C6AD9123C5A}"/>
+                </a:ext>
+              </a:extLst>
+            </p:cNvPr>
+            <p:cNvPicPr>
+              <a:picLocks noChangeAspect="1"/>
+            </p:cNvPicPr>
+            <p:nvPr/>
+          </p:nvPicPr>
+          <p:blipFill rotWithShape="1">
+            <a:blip r:embed="rId4"/>
+            <a:srcRect l="11743" t="-2794" b="676"/>
+            <a:stretch/>
+          </p:blipFill>
+          <p:spPr>
+            <a:xfrm>
+              <a:off x="4918205" y="3950069"/>
+              <a:ext cx="4116275" cy="631437"/>
+            </a:xfrm>
+            <a:prstGeom prst="rect">
+              <a:avLst/>
+            </a:prstGeom>
+            <a:effectLst>
+              <a:glow rad="228600">
+                <a:schemeClr val="accent6">
+                  <a:satMod val="175000"/>
+                  <a:alpha val="40000"/>
+                </a:schemeClr>
+              </a:glow>
+            </a:effectLst>
+          </p:spPr>
+        </p:pic>
       </p:grpSp>
-      <p:pic>
-        <p:nvPicPr>
-          <p:cNvPr id="13" name="Picture 12">
-            <a:extLst>
-              <a:ext uri="{FF2B5EF4-FFF2-40B4-BE49-F238E27FC236}">
-                <a16:creationId xmlns:a16="http://schemas.microsoft.com/office/drawing/2014/main" id="{3F4C8692-64F2-43DE-A230-8C6AD9123C5A}"/>
-              </a:ext>
-            </a:extLst>
-          </p:cNvPr>
-          <p:cNvPicPr>
-            <a:picLocks noChangeAspect="1"/>
-          </p:cNvPicPr>
-          <p:nvPr/>
-        </p:nvPicPr>
-        <p:blipFill rotWithShape="1">
-          <a:blip r:embed="rId4"/>
-          <a:srcRect l="11743" t="-2794" b="676"/>
-          <a:stretch/>
-        </p:blipFill>
-        <p:spPr>
-          <a:xfrm>
-            <a:off x="1304924" y="3887589"/>
-            <a:ext cx="4116275" cy="631437"/>
-          </a:xfrm>
-          <a:prstGeom prst="rect">
-            <a:avLst/>
-          </a:prstGeom>
-          <a:effectLst>
-            <a:glow rad="228600">
-              <a:schemeClr val="accent6">
-                <a:satMod val="175000"/>
-                <a:alpha val="40000"/>
-              </a:schemeClr>
-            </a:glow>
-          </a:effectLst>
-        </p:spPr>
-      </p:pic>
     </p:spTree>
     <p:extLst>
       <p:ext uri="{BB962C8B-B14F-4D97-AF65-F5344CB8AC3E}">
         <p14:creationId xmlns:p14="http://schemas.microsoft.com/office/powerpoint/2010/main" val="212424170"/>
-      </p:ext>
-    </p:extLst>
-  </p:cSld>
-  <p:clrMapOvr>
-    <a:masterClrMapping/>
-  </p:clrMapOvr>
-</p:sld>
-</file>
-
-<file path=ppt/slides/slide8.xml><?xml version="1.0" encoding="utf-8"?>
-<p:sld xmlns:a="http://schemas.openxmlformats.org/drawingml/2006/main" xmlns:r="http://schemas.openxmlformats.org/officeDocument/2006/relationships" xmlns:p="http://schemas.openxmlformats.org/presentationml/2006/main">
-  <p:cSld>
-    <p:spTree>
-      <p:nvGrpSpPr>
-        <p:cNvPr id="1" name=""/>
-        <p:cNvGrpSpPr/>
-        <p:nvPr/>
-      </p:nvGrpSpPr>
-      <p:grpSpPr>
-        <a:xfrm>
-          <a:off x="0" y="0"/>
-          <a:ext cx="0" cy="0"/>
-          <a:chOff x="0" y="0"/>
-          <a:chExt cx="0" cy="0"/>
-        </a:xfrm>
-      </p:grpSpPr>
-      <p:sp>
-        <p:nvSpPr>
-          <p:cNvPr id="2" name="Title 1">
-            <a:extLst>
-              <a:ext uri="{FF2B5EF4-FFF2-40B4-BE49-F238E27FC236}">
-                <a16:creationId xmlns:a16="http://schemas.microsoft.com/office/drawing/2014/main" id="{7B5AF8A3-688C-4433-B27C-1BC216F81801}"/>
-              </a:ext>
-            </a:extLst>
-          </p:cNvPr>
-          <p:cNvSpPr>
-            <a:spLocks noGrp="1"/>
-          </p:cNvSpPr>
-          <p:nvPr>
-            <p:ph type="title"/>
-          </p:nvPr>
-        </p:nvSpPr>
-        <p:spPr/>
-        <p:txBody>
-          <a:bodyPr/>
-          <a:lstStyle/>
-          <a:p>
-            <a:r>
-              <a:rPr lang="en-US" dirty="0"/>
-              <a:t>Data preprocessing</a:t>
-            </a:r>
-          </a:p>
-        </p:txBody>
-      </p:sp>
-      <p:sp>
-        <p:nvSpPr>
-          <p:cNvPr id="6" name="Content Placeholder 2">
-            <a:extLst>
-              <a:ext uri="{FF2B5EF4-FFF2-40B4-BE49-F238E27FC236}">
-                <a16:creationId xmlns:a16="http://schemas.microsoft.com/office/drawing/2014/main" id="{2CB017C7-D5AC-43F3-B369-F7E14A201B1D}"/>
-              </a:ext>
-            </a:extLst>
-          </p:cNvPr>
-          <p:cNvSpPr>
-            <a:spLocks noGrp="1"/>
-          </p:cNvSpPr>
-          <p:nvPr>
-            <p:ph idx="1"/>
-          </p:nvPr>
-        </p:nvSpPr>
-        <p:spPr>
-          <a:xfrm>
-            <a:off x="838200" y="1825625"/>
-            <a:ext cx="10515600" cy="4351338"/>
-          </a:xfrm>
-        </p:spPr>
-        <p:txBody>
-          <a:bodyPr>
-            <a:normAutofit/>
-          </a:bodyPr>
-          <a:lstStyle/>
-          <a:p>
-            <a:r>
-              <a:rPr lang="en-US" dirty="0"/>
-              <a:t>Challenge of THAI datasets 🥵</a:t>
-            </a:r>
-          </a:p>
-        </p:txBody>
-      </p:sp>
-      <p:pic>
-        <p:nvPicPr>
-          <p:cNvPr id="5" name="Picture 4">
-            <a:extLst>
-              <a:ext uri="{FF2B5EF4-FFF2-40B4-BE49-F238E27FC236}">
-                <a16:creationId xmlns:a16="http://schemas.microsoft.com/office/drawing/2014/main" id="{D79145BE-0312-4745-BE03-07682F8D3F2E}"/>
-              </a:ext>
-            </a:extLst>
-          </p:cNvPr>
-          <p:cNvPicPr>
-            <a:picLocks noChangeAspect="1"/>
-          </p:cNvPicPr>
-          <p:nvPr/>
-        </p:nvPicPr>
-        <p:blipFill>
-          <a:blip r:embed="rId2"/>
-          <a:stretch>
-            <a:fillRect/>
-          </a:stretch>
-        </p:blipFill>
-        <p:spPr>
-          <a:xfrm>
-            <a:off x="1485882" y="2673313"/>
-            <a:ext cx="1123967" cy="2387093"/>
-          </a:xfrm>
-          <a:prstGeom prst="rect">
-            <a:avLst/>
-          </a:prstGeom>
-        </p:spPr>
-      </p:pic>
-      <p:pic>
-        <p:nvPicPr>
-          <p:cNvPr id="12" name="Picture 11">
-            <a:extLst>
-              <a:ext uri="{FF2B5EF4-FFF2-40B4-BE49-F238E27FC236}">
-                <a16:creationId xmlns:a16="http://schemas.microsoft.com/office/drawing/2014/main" id="{7B95BFEB-550E-4137-B7BE-F7809F73EE0D}"/>
-              </a:ext>
-            </a:extLst>
-          </p:cNvPr>
-          <p:cNvPicPr>
-            <a:picLocks noChangeAspect="1"/>
-          </p:cNvPicPr>
-          <p:nvPr/>
-        </p:nvPicPr>
-        <p:blipFill>
-          <a:blip r:embed="rId3"/>
-          <a:stretch>
-            <a:fillRect/>
-          </a:stretch>
-        </p:blipFill>
-        <p:spPr>
-          <a:xfrm>
-            <a:off x="3448030" y="2673313"/>
-            <a:ext cx="647719" cy="2389859"/>
-          </a:xfrm>
-          <a:prstGeom prst="rect">
-            <a:avLst/>
-          </a:prstGeom>
-        </p:spPr>
-      </p:pic>
-      <p:sp>
-        <p:nvSpPr>
-          <p:cNvPr id="15" name="Equals 4">
-            <a:extLst>
-              <a:ext uri="{FF2B5EF4-FFF2-40B4-BE49-F238E27FC236}">
-                <a16:creationId xmlns:a16="http://schemas.microsoft.com/office/drawing/2014/main" id="{8DFB079C-C907-4273-94BC-8456CC4F2E2D}"/>
-              </a:ext>
-            </a:extLst>
-          </p:cNvPr>
-          <p:cNvSpPr txBox="1"/>
-          <p:nvPr/>
-        </p:nvSpPr>
-        <p:spPr>
-          <a:xfrm rot="16200000">
-            <a:off x="2849420" y="3723223"/>
-            <a:ext cx="359039" cy="287271"/>
-          </a:xfrm>
-          <a:prstGeom prst="downArrow">
-            <a:avLst/>
-          </a:prstGeom>
-          <a:solidFill>
-            <a:srgbClr val="C00000"/>
-          </a:solidFill>
-        </p:spPr>
-        <p:style>
-          <a:lnRef idx="0">
-            <a:scrgbClr r="0" g="0" b="0"/>
-          </a:lnRef>
-          <a:fillRef idx="0">
-            <a:scrgbClr r="0" g="0" b="0"/>
-          </a:fillRef>
-          <a:effectRef idx="0">
-            <a:scrgbClr r="0" g="0" b="0"/>
-          </a:effectRef>
-          <a:fontRef idx="minor">
-            <a:schemeClr val="dk1">
-              <a:hueOff val="0"/>
-              <a:satOff val="0"/>
-              <a:lumOff val="0"/>
-              <a:alphaOff val="0"/>
-            </a:schemeClr>
-          </a:fontRef>
-        </p:style>
-        <p:txBody>
-          <a:bodyPr spcFirstLastPara="0" vert="horz" wrap="square" lIns="0" tIns="0" rIns="0" bIns="0" numCol="1" spcCol="1270" anchor="ctr" anchorCtr="0">
-            <a:noAutofit/>
-          </a:bodyPr>
-          <a:lstStyle/>
-          <a:p>
-            <a:pPr marL="0" lvl="0" indent="0" algn="ctr" defTabSz="488950">
-              <a:lnSpc>
-                <a:spcPct val="90000"/>
-              </a:lnSpc>
-              <a:spcBef>
-                <a:spcPct val="0"/>
-              </a:spcBef>
-              <a:spcAft>
-                <a:spcPct val="35000"/>
-              </a:spcAft>
-              <a:buNone/>
-            </a:pPr>
-            <a:endParaRPr lang="en-US" sz="1100" kern="1200"/>
-          </a:p>
-        </p:txBody>
-      </p:sp>
-      <p:sp>
-        <p:nvSpPr>
-          <p:cNvPr id="18" name="TextBox 17">
-            <a:extLst>
-              <a:ext uri="{FF2B5EF4-FFF2-40B4-BE49-F238E27FC236}">
-                <a16:creationId xmlns:a16="http://schemas.microsoft.com/office/drawing/2014/main" id="{3485E101-A320-4672-8E48-7C3861AD7A8D}"/>
-              </a:ext>
-            </a:extLst>
-          </p:cNvPr>
-          <p:cNvSpPr txBox="1"/>
-          <p:nvPr/>
-        </p:nvSpPr>
-        <p:spPr>
-          <a:xfrm>
-            <a:off x="2275693" y="5064069"/>
-            <a:ext cx="1456575" cy="369332"/>
-          </a:xfrm>
-          <a:prstGeom prst="rect">
-            <a:avLst/>
-          </a:prstGeom>
-          <a:noFill/>
-        </p:spPr>
-        <p:txBody>
-          <a:bodyPr wrap="square" rtlCol="0">
-            <a:spAutoFit/>
-          </a:bodyPr>
-          <a:lstStyle/>
-          <a:p>
-            <a:r>
-              <a:rPr lang="en-US" dirty="0"/>
-              <a:t>Extract year</a:t>
-            </a:r>
-          </a:p>
-        </p:txBody>
-      </p:sp>
-      <p:sp>
-        <p:nvSpPr>
-          <p:cNvPr id="19" name="TextBox 18">
-            <a:extLst>
-              <a:ext uri="{FF2B5EF4-FFF2-40B4-BE49-F238E27FC236}">
-                <a16:creationId xmlns:a16="http://schemas.microsoft.com/office/drawing/2014/main" id="{A26E91EF-03E0-427F-81B1-8CE4AB0D6274}"/>
-              </a:ext>
-            </a:extLst>
-          </p:cNvPr>
-          <p:cNvSpPr txBox="1"/>
-          <p:nvPr/>
-        </p:nvSpPr>
-        <p:spPr>
-          <a:xfrm>
-            <a:off x="5539912" y="5060406"/>
-            <a:ext cx="1456575" cy="369332"/>
-          </a:xfrm>
-          <a:prstGeom prst="rect">
-            <a:avLst/>
-          </a:prstGeom>
-          <a:noFill/>
-        </p:spPr>
-        <p:txBody>
-          <a:bodyPr wrap="square" rtlCol="0">
-            <a:spAutoFit/>
-          </a:bodyPr>
-          <a:lstStyle/>
-          <a:p>
-            <a:r>
-              <a:rPr lang="en-US" dirty="0"/>
-              <a:t>B.E. to A.D</a:t>
-            </a:r>
-          </a:p>
-        </p:txBody>
-      </p:sp>
-    </p:spTree>
-    <p:extLst>
-      <p:ext uri="{BB962C8B-B14F-4D97-AF65-F5344CB8AC3E}">
-        <p14:creationId xmlns:p14="http://schemas.microsoft.com/office/powerpoint/2010/main" val="319577151"/>
       </p:ext>
     </p:extLst>
   </p:cSld>
@@ -11744,11 +15391,77 @@
           <a:p>
             <a:r>
               <a:rPr lang="en-US" dirty="0"/>
-              <a:t>One hot encoding</a:t>
+              <a:t>Challenge of THAI datasets</a:t>
+            </a:r>
+          </a:p>
+          <a:p>
+            <a:r>
+              <a:rPr lang="en-US" dirty="0"/>
+              <a:t>Count number of patient by “Year”</a:t>
             </a:r>
           </a:p>
         </p:txBody>
       </p:sp>
+      <p:pic>
+        <p:nvPicPr>
+          <p:cNvPr id="5" name="Picture 4">
+            <a:extLst>
+              <a:ext uri="{FF2B5EF4-FFF2-40B4-BE49-F238E27FC236}">
+                <a16:creationId xmlns:a16="http://schemas.microsoft.com/office/drawing/2014/main" id="{D79145BE-0312-4745-BE03-07682F8D3F2E}"/>
+              </a:ext>
+            </a:extLst>
+          </p:cNvPr>
+          <p:cNvPicPr>
+            <a:picLocks noChangeAspect="1"/>
+          </p:cNvPicPr>
+          <p:nvPr/>
+        </p:nvPicPr>
+        <p:blipFill>
+          <a:blip r:embed="rId2"/>
+          <a:stretch>
+            <a:fillRect/>
+          </a:stretch>
+        </p:blipFill>
+        <p:spPr>
+          <a:xfrm>
+            <a:off x="1485882" y="3865476"/>
+            <a:ext cx="1123967" cy="2387093"/>
+          </a:xfrm>
+          <a:prstGeom prst="rect">
+            <a:avLst/>
+          </a:prstGeom>
+        </p:spPr>
+      </p:pic>
+      <p:pic>
+        <p:nvPicPr>
+          <p:cNvPr id="12" name="Picture 11">
+            <a:extLst>
+              <a:ext uri="{FF2B5EF4-FFF2-40B4-BE49-F238E27FC236}">
+                <a16:creationId xmlns:a16="http://schemas.microsoft.com/office/drawing/2014/main" id="{7B95BFEB-550E-4137-B7BE-F7809F73EE0D}"/>
+              </a:ext>
+            </a:extLst>
+          </p:cNvPr>
+          <p:cNvPicPr>
+            <a:picLocks noChangeAspect="1"/>
+          </p:cNvPicPr>
+          <p:nvPr/>
+        </p:nvPicPr>
+        <p:blipFill>
+          <a:blip r:embed="rId3"/>
+          <a:stretch>
+            <a:fillRect/>
+          </a:stretch>
+        </p:blipFill>
+        <p:spPr>
+          <a:xfrm>
+            <a:off x="3448030" y="3865476"/>
+            <a:ext cx="647719" cy="2389859"/>
+          </a:xfrm>
+          <a:prstGeom prst="rect">
+            <a:avLst/>
+          </a:prstGeom>
+        </p:spPr>
+      </p:pic>
       <p:sp>
         <p:nvSpPr>
           <p:cNvPr id="15" name="Equals 4">
@@ -11763,7 +15476,7 @@
         </p:nvSpPr>
         <p:spPr>
           <a:xfrm rot="16200000">
-            <a:off x="2849420" y="3723223"/>
+            <a:off x="2849420" y="4915386"/>
             <a:ext cx="359039" cy="287271"/>
           </a:xfrm>
           <a:prstGeom prst="downArrow">
@@ -11828,7 +15541,7 @@
         </p:nvSpPr>
         <p:spPr>
           <a:xfrm>
-            <a:off x="2275693" y="5064069"/>
+            <a:off x="2275693" y="6256232"/>
             <a:ext cx="1456575" cy="369332"/>
           </a:xfrm>
           <a:prstGeom prst="rect">
@@ -11849,78 +15562,45 @@
           </a:p>
         </p:txBody>
       </p:sp>
-      <p:pic>
-        <p:nvPicPr>
-          <p:cNvPr id="4" name="Picture 3">
+      <p:sp>
+        <p:nvSpPr>
+          <p:cNvPr id="19" name="TextBox 18">
             <a:extLst>
               <a:ext uri="{FF2B5EF4-FFF2-40B4-BE49-F238E27FC236}">
-                <a16:creationId xmlns:a16="http://schemas.microsoft.com/office/drawing/2014/main" id="{2B9DEBE0-00E2-45F2-BAAC-239AD699D13C}"/>
+                <a16:creationId xmlns:a16="http://schemas.microsoft.com/office/drawing/2014/main" id="{A26E91EF-03E0-427F-81B1-8CE4AB0D6274}"/>
               </a:ext>
             </a:extLst>
           </p:cNvPr>
-          <p:cNvPicPr>
-            <a:picLocks noChangeAspect="1"/>
-          </p:cNvPicPr>
+          <p:cNvSpPr txBox="1"/>
           <p:nvPr/>
-        </p:nvPicPr>
-        <p:blipFill>
-          <a:blip r:embed="rId2"/>
-          <a:stretch>
-            <a:fillRect/>
-          </a:stretch>
-        </p:blipFill>
+        </p:nvSpPr>
         <p:spPr>
           <a:xfrm>
-            <a:off x="1692258" y="2475023"/>
-            <a:ext cx="822341" cy="2424632"/>
+            <a:off x="5539912" y="5060406"/>
+            <a:ext cx="1456575" cy="369332"/>
           </a:xfrm>
           <a:prstGeom prst="rect">
             <a:avLst/>
           </a:prstGeom>
+          <a:noFill/>
         </p:spPr>
-      </p:pic>
-      <p:pic>
-        <p:nvPicPr>
-          <p:cNvPr id="8" name="Picture 7">
-            <a:extLst>
-              <a:ext uri="{FF2B5EF4-FFF2-40B4-BE49-F238E27FC236}">
-                <a16:creationId xmlns:a16="http://schemas.microsoft.com/office/drawing/2014/main" id="{26EB9C02-A597-44A6-BDA7-D96596E4DE46}"/>
-              </a:ext>
-            </a:extLst>
-          </p:cNvPr>
-          <p:cNvPicPr>
-            <a:picLocks noChangeAspect="1"/>
-          </p:cNvPicPr>
-          <p:nvPr/>
-        </p:nvPicPr>
-        <p:blipFill>
-          <a:blip r:embed="rId3"/>
-          <a:stretch>
-            <a:fillRect/>
-          </a:stretch>
-        </p:blipFill>
-        <p:spPr>
-          <a:xfrm>
-            <a:off x="3543280" y="2659803"/>
-            <a:ext cx="5825385" cy="2239852"/>
-          </a:xfrm>
-          <a:prstGeom prst="rect">
-            <a:avLst/>
-          </a:prstGeom>
-          <a:effectLst>
-            <a:glow rad="228600">
-              <a:schemeClr val="accent6">
-                <a:satMod val="175000"/>
-                <a:alpha val="40000"/>
-              </a:schemeClr>
-            </a:glow>
-          </a:effectLst>
-        </p:spPr>
-      </p:pic>
+        <p:txBody>
+          <a:bodyPr wrap="square" rtlCol="0">
+            <a:spAutoFit/>
+          </a:bodyPr>
+          <a:lstStyle/>
+          <a:p>
+            <a:r>
+              <a:rPr lang="en-US" dirty="0"/>
+              <a:t>B.E. to A.D</a:t>
+            </a:r>
+          </a:p>
+        </p:txBody>
+      </p:sp>
     </p:spTree>
     <p:extLst>
       <p:ext uri="{BB962C8B-B14F-4D97-AF65-F5344CB8AC3E}">
-        <p14:creationId xmlns:p14="http://schemas.microsoft.com/office/powerpoint/2010/main" val="3312985341"/>
+        <p14:creationId xmlns:p14="http://schemas.microsoft.com/office/powerpoint/2010/main" val="319577151"/>
       </p:ext>
     </p:extLst>
   </p:cSld>

--- a/Presentation.pptx
+++ b/Presentation.pptx
@@ -11,27 +11,23 @@
     <p:sldId id="267" r:id="rId5"/>
     <p:sldId id="268" r:id="rId6"/>
     <p:sldId id="280" r:id="rId7"/>
-    <p:sldId id="266" r:id="rId8"/>
-    <p:sldId id="271" r:id="rId9"/>
-    <p:sldId id="274" r:id="rId10"/>
-    <p:sldId id="285" r:id="rId11"/>
-    <p:sldId id="275" r:id="rId12"/>
-    <p:sldId id="290" r:id="rId13"/>
-    <p:sldId id="283" r:id="rId14"/>
-    <p:sldId id="291" r:id="rId15"/>
-    <p:sldId id="294" r:id="rId16"/>
-    <p:sldId id="264" r:id="rId17"/>
-    <p:sldId id="284" r:id="rId18"/>
-    <p:sldId id="269" r:id="rId19"/>
-    <p:sldId id="281" r:id="rId20"/>
-    <p:sldId id="286" r:id="rId21"/>
-    <p:sldId id="288" r:id="rId22"/>
-    <p:sldId id="287" r:id="rId23"/>
-    <p:sldId id="289" r:id="rId24"/>
-    <p:sldId id="282" r:id="rId25"/>
-    <p:sldId id="262" r:id="rId26"/>
-    <p:sldId id="258" r:id="rId27"/>
-    <p:sldId id="278" r:id="rId28"/>
+    <p:sldId id="271" r:id="rId8"/>
+    <p:sldId id="274" r:id="rId9"/>
+    <p:sldId id="285" r:id="rId10"/>
+    <p:sldId id="275" r:id="rId11"/>
+    <p:sldId id="283" r:id="rId12"/>
+    <p:sldId id="291" r:id="rId13"/>
+    <p:sldId id="264" r:id="rId14"/>
+    <p:sldId id="284" r:id="rId15"/>
+    <p:sldId id="269" r:id="rId16"/>
+    <p:sldId id="281" r:id="rId17"/>
+    <p:sldId id="286" r:id="rId18"/>
+    <p:sldId id="288" r:id="rId19"/>
+    <p:sldId id="289" r:id="rId20"/>
+    <p:sldId id="282" r:id="rId21"/>
+    <p:sldId id="262" r:id="rId22"/>
+    <p:sldId id="258" r:id="rId23"/>
+    <p:sldId id="278" r:id="rId24"/>
   </p:sldIdLst>
   <p:sldSz cx="12192000" cy="6858000"/>
   <p:notesSz cx="6858000" cy="9144000"/>
@@ -7947,7 +7943,7 @@
         </p:nvSpPr>
         <p:spPr>
           <a:xfrm>
-            <a:off x="838200" y="1825625"/>
+            <a:off x="838200" y="1803638"/>
             <a:ext cx="10515600" cy="4351338"/>
           </a:xfrm>
         </p:spPr>
@@ -7959,216 +7955,17 @@
           <a:p>
             <a:r>
               <a:rPr lang="en-US" dirty="0"/>
-              <a:t>Convert wide data type to long data type</a:t>
-            </a:r>
-          </a:p>
-          <a:p>
-            <a:r>
-              <a:rPr lang="en-US" dirty="0"/>
-              <a:t>Detect the NA</a:t>
-            </a:r>
-          </a:p>
-        </p:txBody>
-      </p:sp>
-    </p:spTree>
-    <p:extLst>
-      <p:ext uri="{BB962C8B-B14F-4D97-AF65-F5344CB8AC3E}">
-        <p14:creationId xmlns:p14="http://schemas.microsoft.com/office/powerpoint/2010/main" val="3170640082"/>
-      </p:ext>
-    </p:extLst>
-  </p:cSld>
-  <p:clrMapOvr>
-    <a:masterClrMapping/>
-  </p:clrMapOvr>
-</p:sld>
-</file>
-
-<file path=ppt/slides/slide11.xml><?xml version="1.0" encoding="utf-8"?>
-<p:sld xmlns:a="http://schemas.openxmlformats.org/drawingml/2006/main" xmlns:r="http://schemas.openxmlformats.org/officeDocument/2006/relationships" xmlns:p="http://schemas.openxmlformats.org/presentationml/2006/main">
-  <p:cSld>
-    <p:spTree>
-      <p:nvGrpSpPr>
-        <p:cNvPr id="1" name=""/>
-        <p:cNvGrpSpPr/>
-        <p:nvPr/>
-      </p:nvGrpSpPr>
-      <p:grpSpPr>
-        <a:xfrm>
-          <a:off x="0" y="0"/>
-          <a:ext cx="0" cy="0"/>
-          <a:chOff x="0" y="0"/>
-          <a:chExt cx="0" cy="0"/>
-        </a:xfrm>
-      </p:grpSpPr>
-      <p:sp>
-        <p:nvSpPr>
-          <p:cNvPr id="2" name="Title 1">
-            <a:extLst>
-              <a:ext uri="{FF2B5EF4-FFF2-40B4-BE49-F238E27FC236}">
-                <a16:creationId xmlns:a16="http://schemas.microsoft.com/office/drawing/2014/main" id="{7B5AF8A3-688C-4433-B27C-1BC216F81801}"/>
-              </a:ext>
-            </a:extLst>
-          </p:cNvPr>
-          <p:cNvSpPr>
-            <a:spLocks noGrp="1"/>
-          </p:cNvSpPr>
-          <p:nvPr>
-            <p:ph type="title"/>
-          </p:nvPr>
-        </p:nvSpPr>
-        <p:spPr/>
-        <p:txBody>
-          <a:bodyPr/>
-          <a:lstStyle/>
-          <a:p>
-            <a:r>
-              <a:rPr lang="en-US" dirty="0"/>
-              <a:t>Data preprocessing</a:t>
-            </a:r>
-          </a:p>
-        </p:txBody>
-      </p:sp>
-      <p:sp>
-        <p:nvSpPr>
-          <p:cNvPr id="6" name="Content Placeholder 2">
-            <a:extLst>
-              <a:ext uri="{FF2B5EF4-FFF2-40B4-BE49-F238E27FC236}">
-                <a16:creationId xmlns:a16="http://schemas.microsoft.com/office/drawing/2014/main" id="{2CB017C7-D5AC-43F3-B369-F7E14A201B1D}"/>
-              </a:ext>
-            </a:extLst>
-          </p:cNvPr>
-          <p:cNvSpPr>
-            <a:spLocks noGrp="1"/>
-          </p:cNvSpPr>
-          <p:nvPr>
-            <p:ph idx="1"/>
-          </p:nvPr>
-        </p:nvSpPr>
-        <p:spPr>
-          <a:xfrm>
-            <a:off x="838200" y="1825625"/>
-            <a:ext cx="10515600" cy="4351338"/>
-          </a:xfrm>
-        </p:spPr>
-        <p:txBody>
-          <a:bodyPr>
-            <a:normAutofit/>
-          </a:bodyPr>
-          <a:lstStyle/>
-          <a:p>
-            <a:r>
-              <a:rPr lang="en-US" dirty="0"/>
               <a:t>One hot encoding</a:t>
-            </a:r>
-          </a:p>
-        </p:txBody>
-      </p:sp>
-      <p:sp>
-        <p:nvSpPr>
-          <p:cNvPr id="15" name="Equals 4">
-            <a:extLst>
-              <a:ext uri="{FF2B5EF4-FFF2-40B4-BE49-F238E27FC236}">
-                <a16:creationId xmlns:a16="http://schemas.microsoft.com/office/drawing/2014/main" id="{8DFB079C-C907-4273-94BC-8456CC4F2E2D}"/>
-              </a:ext>
-            </a:extLst>
-          </p:cNvPr>
-          <p:cNvSpPr txBox="1"/>
-          <p:nvPr/>
-        </p:nvSpPr>
-        <p:spPr>
-          <a:xfrm rot="16200000">
-            <a:off x="2849420" y="3723223"/>
-            <a:ext cx="359039" cy="287271"/>
-          </a:xfrm>
-          <a:prstGeom prst="downArrow">
-            <a:avLst/>
-          </a:prstGeom>
-          <a:solidFill>
-            <a:srgbClr val="C00000"/>
-          </a:solidFill>
-        </p:spPr>
-        <p:style>
-          <a:lnRef idx="0">
-            <a:scrgbClr r="0" g="0" b="0"/>
-          </a:lnRef>
-          <a:fillRef idx="0">
-            <a:scrgbClr r="0" g="0" b="0"/>
-          </a:fillRef>
-          <a:effectRef idx="0">
-            <a:scrgbClr r="0" g="0" b="0"/>
-          </a:effectRef>
-          <a:fontRef idx="minor">
-            <a:schemeClr val="dk1">
-              <a:hueOff val="0"/>
-              <a:satOff val="0"/>
-              <a:lumOff val="0"/>
-              <a:alphaOff val="0"/>
-            </a:schemeClr>
-          </a:fontRef>
-        </p:style>
-        <p:txBody>
-          <a:bodyPr spcFirstLastPara="0" vert="horz" wrap="square" lIns="0" tIns="0" rIns="0" bIns="0" numCol="1" spcCol="1270" anchor="ctr" anchorCtr="0">
-            <a:noAutofit/>
-          </a:bodyPr>
-          <a:lstStyle/>
-          <a:p>
-            <a:pPr marL="0" lvl="0" indent="0" algn="ctr" defTabSz="488950">
-              <a:lnSpc>
-                <a:spcPct val="90000"/>
-              </a:lnSpc>
-              <a:spcBef>
-                <a:spcPct val="0"/>
-              </a:spcBef>
-              <a:spcAft>
-                <a:spcPct val="35000"/>
-              </a:spcAft>
-              <a:buNone/>
-            </a:pPr>
-            <a:endParaRPr lang="en-US" sz="1100" kern="1200"/>
-          </a:p>
-        </p:txBody>
-      </p:sp>
-      <p:sp>
-        <p:nvSpPr>
-          <p:cNvPr id="18" name="TextBox 17">
-            <a:extLst>
-              <a:ext uri="{FF2B5EF4-FFF2-40B4-BE49-F238E27FC236}">
-                <a16:creationId xmlns:a16="http://schemas.microsoft.com/office/drawing/2014/main" id="{3485E101-A320-4672-8E48-7C3861AD7A8D}"/>
-              </a:ext>
-            </a:extLst>
-          </p:cNvPr>
-          <p:cNvSpPr txBox="1"/>
-          <p:nvPr/>
-        </p:nvSpPr>
-        <p:spPr>
-          <a:xfrm>
-            <a:off x="2275693" y="5064069"/>
-            <a:ext cx="1456575" cy="369332"/>
-          </a:xfrm>
-          <a:prstGeom prst="rect">
-            <a:avLst/>
-          </a:prstGeom>
-          <a:noFill/>
-        </p:spPr>
-        <p:txBody>
-          <a:bodyPr wrap="square" rtlCol="0">
-            <a:spAutoFit/>
-          </a:bodyPr>
-          <a:lstStyle/>
-          <a:p>
-            <a:r>
-              <a:rPr lang="en-US" dirty="0"/>
-              <a:t>Extract year</a:t>
             </a:r>
           </a:p>
         </p:txBody>
       </p:sp>
       <p:pic>
         <p:nvPicPr>
-          <p:cNvPr id="4" name="Picture 3">
+          <p:cNvPr id="8" name="Picture 7">
             <a:extLst>
               <a:ext uri="{FF2B5EF4-FFF2-40B4-BE49-F238E27FC236}">
-                <a16:creationId xmlns:a16="http://schemas.microsoft.com/office/drawing/2014/main" id="{2B9DEBE0-00E2-45F2-BAAC-239AD699D13C}"/>
+                <a16:creationId xmlns:a16="http://schemas.microsoft.com/office/drawing/2014/main" id="{26EB9C02-A597-44A6-BDA7-D96596E4DE46}"/>
               </a:ext>
             </a:extLst>
           </p:cNvPr>
@@ -8185,45 +7982,15 @@
         </p:blipFill>
         <p:spPr>
           <a:xfrm>
-            <a:off x="1692258" y="2475023"/>
-            <a:ext cx="822341" cy="2424632"/>
-          </a:xfrm>
-          <a:prstGeom prst="rect">
-            <a:avLst/>
-          </a:prstGeom>
-        </p:spPr>
-      </p:pic>
-      <p:pic>
-        <p:nvPicPr>
-          <p:cNvPr id="8" name="Picture 7">
-            <a:extLst>
-              <a:ext uri="{FF2B5EF4-FFF2-40B4-BE49-F238E27FC236}">
-                <a16:creationId xmlns:a16="http://schemas.microsoft.com/office/drawing/2014/main" id="{26EB9C02-A597-44A6-BDA7-D96596E4DE46}"/>
-              </a:ext>
-            </a:extLst>
-          </p:cNvPr>
-          <p:cNvPicPr>
-            <a:picLocks noChangeAspect="1"/>
-          </p:cNvPicPr>
-          <p:nvPr/>
-        </p:nvPicPr>
-        <p:blipFill>
-          <a:blip r:embed="rId3"/>
-          <a:stretch>
-            <a:fillRect/>
-          </a:stretch>
-        </p:blipFill>
-        <p:spPr>
-          <a:xfrm>
-            <a:off x="3543280" y="2659803"/>
-            <a:ext cx="5825385" cy="2239852"/>
+            <a:off x="3495655" y="2782198"/>
+            <a:ext cx="7160644" cy="2753257"/>
           </a:xfrm>
           <a:prstGeom prst="rect">
             <a:avLst/>
           </a:prstGeom>
           <a:effectLst>
-            <a:glow rad="228600">
-              <a:schemeClr val="accent6">
+            <a:glow rad="101600">
+              <a:schemeClr val="accent5">
                 <a:satMod val="175000"/>
                 <a:alpha val="40000"/>
               </a:schemeClr>
@@ -8231,6 +7998,205 @@
           </a:effectLst>
         </p:spPr>
       </p:pic>
+      <p:grpSp>
+        <p:nvGrpSpPr>
+          <p:cNvPr id="3" name="Group 2">
+            <a:extLst>
+              <a:ext uri="{FF2B5EF4-FFF2-40B4-BE49-F238E27FC236}">
+                <a16:creationId xmlns:a16="http://schemas.microsoft.com/office/drawing/2014/main" id="{44DEDAFF-7E82-4D31-A6F0-7A095C9A6335}"/>
+              </a:ext>
+            </a:extLst>
+          </p:cNvPr>
+          <p:cNvGrpSpPr/>
+          <p:nvPr/>
+        </p:nvGrpSpPr>
+        <p:grpSpPr>
+          <a:xfrm>
+            <a:off x="1688304" y="2933013"/>
+            <a:ext cx="835820" cy="2451626"/>
+            <a:chOff x="2497929" y="2736003"/>
+            <a:chExt cx="835820" cy="2451626"/>
+          </a:xfrm>
+        </p:grpSpPr>
+        <p:pic>
+          <p:nvPicPr>
+            <p:cNvPr id="4" name="Picture 3">
+              <a:extLst>
+                <a:ext uri="{FF2B5EF4-FFF2-40B4-BE49-F238E27FC236}">
+                  <a16:creationId xmlns:a16="http://schemas.microsoft.com/office/drawing/2014/main" id="{2B9DEBE0-00E2-45F2-BAAC-239AD699D13C}"/>
+                </a:ext>
+              </a:extLst>
+            </p:cNvPr>
+            <p:cNvPicPr>
+              <a:picLocks noChangeAspect="1"/>
+            </p:cNvPicPr>
+            <p:nvPr/>
+          </p:nvPicPr>
+          <p:blipFill rotWithShape="1">
+            <a:blip r:embed="rId3"/>
+            <a:srcRect b="74943"/>
+            <a:stretch/>
+          </p:blipFill>
+          <p:spPr>
+            <a:xfrm>
+              <a:off x="2511408" y="2736003"/>
+              <a:ext cx="822341" cy="607550"/>
+            </a:xfrm>
+            <a:prstGeom prst="rect">
+              <a:avLst/>
+            </a:prstGeom>
+          </p:spPr>
+        </p:pic>
+        <p:pic>
+          <p:nvPicPr>
+            <p:cNvPr id="14" name="Picture 13">
+              <a:extLst>
+                <a:ext uri="{FF2B5EF4-FFF2-40B4-BE49-F238E27FC236}">
+                  <a16:creationId xmlns:a16="http://schemas.microsoft.com/office/drawing/2014/main" id="{C807008A-7EA3-401E-847D-1A9E1527040C}"/>
+                </a:ext>
+              </a:extLst>
+            </p:cNvPr>
+            <p:cNvPicPr>
+              <a:picLocks noChangeAspect="1"/>
+            </p:cNvPicPr>
+            <p:nvPr/>
+          </p:nvPicPr>
+          <p:blipFill rotWithShape="1">
+            <a:blip r:embed="rId3"/>
+            <a:srcRect t="74151" b="12493"/>
+            <a:stretch/>
+          </p:blipFill>
+          <p:spPr>
+            <a:xfrm>
+              <a:off x="2499516" y="3363543"/>
+              <a:ext cx="822341" cy="323850"/>
+            </a:xfrm>
+            <a:prstGeom prst="rect">
+              <a:avLst/>
+            </a:prstGeom>
+          </p:spPr>
+        </p:pic>
+        <p:pic>
+          <p:nvPicPr>
+            <p:cNvPr id="16" name="Picture 15">
+              <a:extLst>
+                <a:ext uri="{FF2B5EF4-FFF2-40B4-BE49-F238E27FC236}">
+                  <a16:creationId xmlns:a16="http://schemas.microsoft.com/office/drawing/2014/main" id="{E8709695-EFD3-4F22-995F-E17DC16C672A}"/>
+                </a:ext>
+              </a:extLst>
+            </p:cNvPr>
+            <p:cNvPicPr>
+              <a:picLocks noChangeAspect="1"/>
+            </p:cNvPicPr>
+            <p:nvPr/>
+          </p:nvPicPr>
+          <p:blipFill rotWithShape="1">
+            <a:blip r:embed="rId3"/>
+            <a:srcRect t="26814" b="22863"/>
+            <a:stretch/>
+          </p:blipFill>
+          <p:spPr>
+            <a:xfrm>
+              <a:off x="2511408" y="3710987"/>
+              <a:ext cx="822341" cy="1220145"/>
+            </a:xfrm>
+            <a:prstGeom prst="rect">
+              <a:avLst/>
+            </a:prstGeom>
+          </p:spPr>
+        </p:pic>
+        <p:pic>
+          <p:nvPicPr>
+            <p:cNvPr id="17" name="Picture 16">
+              <a:extLst>
+                <a:ext uri="{FF2B5EF4-FFF2-40B4-BE49-F238E27FC236}">
+                  <a16:creationId xmlns:a16="http://schemas.microsoft.com/office/drawing/2014/main" id="{B8383DA2-0300-48BF-AAC3-82EB4C4E7F55}"/>
+                </a:ext>
+              </a:extLst>
+            </p:cNvPr>
+            <p:cNvPicPr>
+              <a:picLocks noChangeAspect="1"/>
+            </p:cNvPicPr>
+            <p:nvPr/>
+          </p:nvPicPr>
+          <p:blipFill rotWithShape="1">
+            <a:blip r:embed="rId3"/>
+            <a:srcRect t="86094"/>
+            <a:stretch/>
+          </p:blipFill>
+          <p:spPr>
+            <a:xfrm>
+              <a:off x="2497929" y="4850471"/>
+              <a:ext cx="822341" cy="337158"/>
+            </a:xfrm>
+            <a:prstGeom prst="rect">
+              <a:avLst/>
+            </a:prstGeom>
+          </p:spPr>
+        </p:pic>
+      </p:grpSp>
+      <p:sp>
+        <p:nvSpPr>
+          <p:cNvPr id="18" name="Equals 9">
+            <a:extLst>
+              <a:ext uri="{FF2B5EF4-FFF2-40B4-BE49-F238E27FC236}">
+                <a16:creationId xmlns:a16="http://schemas.microsoft.com/office/drawing/2014/main" id="{8D4AA552-EFD5-4932-BC13-2E79DA0E21AA}"/>
+              </a:ext>
+            </a:extLst>
+          </p:cNvPr>
+          <p:cNvSpPr/>
+          <p:nvPr/>
+        </p:nvSpPr>
+        <p:spPr>
+          <a:xfrm rot="16200000">
+            <a:off x="2798154" y="3884403"/>
+            <a:ext cx="477605" cy="477605"/>
+          </a:xfrm>
+          <a:prstGeom prst="downArrow">
+            <a:avLst/>
+          </a:prstGeom>
+          <a:solidFill>
+            <a:srgbClr val="C00000"/>
+          </a:solidFill>
+        </p:spPr>
+        <p:style>
+          <a:lnRef idx="0">
+            <a:schemeClr val="dk1">
+              <a:tint val="60000"/>
+              <a:hueOff val="0"/>
+              <a:satOff val="0"/>
+              <a:lumOff val="0"/>
+              <a:alphaOff val="0"/>
+            </a:schemeClr>
+          </a:lnRef>
+          <a:fillRef idx="1">
+            <a:schemeClr val="dk1">
+              <a:tint val="60000"/>
+              <a:hueOff val="0"/>
+              <a:satOff val="0"/>
+              <a:lumOff val="0"/>
+              <a:alphaOff val="0"/>
+            </a:schemeClr>
+          </a:fillRef>
+          <a:effectRef idx="0">
+            <a:schemeClr val="dk1">
+              <a:tint val="60000"/>
+              <a:hueOff val="0"/>
+              <a:satOff val="0"/>
+              <a:lumOff val="0"/>
+              <a:alphaOff val="0"/>
+            </a:schemeClr>
+          </a:effectRef>
+          <a:fontRef idx="minor">
+            <a:schemeClr val="dk1">
+              <a:hueOff val="0"/>
+              <a:satOff val="0"/>
+              <a:lumOff val="0"/>
+              <a:alphaOff val="0"/>
+            </a:schemeClr>
+          </a:fontRef>
+        </p:style>
+      </p:sp>
     </p:spTree>
     <p:extLst>
       <p:ext uri="{BB962C8B-B14F-4D97-AF65-F5344CB8AC3E}">
@@ -8244,105 +8210,7 @@
 </p:sld>
 </file>
 
-<file path=ppt/slides/slide12.xml><?xml version="1.0" encoding="utf-8"?>
-<p:sld xmlns:a="http://schemas.openxmlformats.org/drawingml/2006/main" xmlns:r="http://schemas.openxmlformats.org/officeDocument/2006/relationships" xmlns:p="http://schemas.openxmlformats.org/presentationml/2006/main">
-  <p:cSld>
-    <p:spTree>
-      <p:nvGrpSpPr>
-        <p:cNvPr id="1" name=""/>
-        <p:cNvGrpSpPr/>
-        <p:nvPr/>
-      </p:nvGrpSpPr>
-      <p:grpSpPr>
-        <a:xfrm>
-          <a:off x="0" y="0"/>
-          <a:ext cx="0" cy="0"/>
-          <a:chOff x="0" y="0"/>
-          <a:chExt cx="0" cy="0"/>
-        </a:xfrm>
-      </p:grpSpPr>
-      <p:sp>
-        <p:nvSpPr>
-          <p:cNvPr id="2" name="Title 1">
-            <a:extLst>
-              <a:ext uri="{FF2B5EF4-FFF2-40B4-BE49-F238E27FC236}">
-                <a16:creationId xmlns:a16="http://schemas.microsoft.com/office/drawing/2014/main" id="{7B5AF8A3-688C-4433-B27C-1BC216F81801}"/>
-              </a:ext>
-            </a:extLst>
-          </p:cNvPr>
-          <p:cNvSpPr>
-            <a:spLocks noGrp="1"/>
-          </p:cNvSpPr>
-          <p:nvPr>
-            <p:ph type="title"/>
-          </p:nvPr>
-        </p:nvSpPr>
-        <p:spPr/>
-        <p:txBody>
-          <a:bodyPr/>
-          <a:lstStyle/>
-          <a:p>
-            <a:r>
-              <a:rPr lang="en-US" dirty="0"/>
-              <a:t>Done</a:t>
-            </a:r>
-          </a:p>
-        </p:txBody>
-      </p:sp>
-      <p:pic>
-        <p:nvPicPr>
-          <p:cNvPr id="9" name="Content Placeholder 8">
-            <a:extLst>
-              <a:ext uri="{FF2B5EF4-FFF2-40B4-BE49-F238E27FC236}">
-                <a16:creationId xmlns:a16="http://schemas.microsoft.com/office/drawing/2014/main" id="{7E4630F3-6912-41B7-9BFD-4BF03D94ED95}"/>
-              </a:ext>
-            </a:extLst>
-          </p:cNvPr>
-          <p:cNvPicPr>
-            <a:picLocks noGrp="1" noChangeAspect="1"/>
-          </p:cNvPicPr>
-          <p:nvPr>
-            <p:ph idx="1"/>
-          </p:nvPr>
-        </p:nvPicPr>
-        <p:blipFill>
-          <a:blip r:embed="rId2"/>
-          <a:stretch>
-            <a:fillRect/>
-          </a:stretch>
-        </p:blipFill>
-        <p:spPr>
-          <a:xfrm>
-            <a:off x="2375798" y="2333625"/>
-            <a:ext cx="6971509" cy="2680535"/>
-          </a:xfrm>
-          <a:prstGeom prst="rect">
-            <a:avLst/>
-          </a:prstGeom>
-          <a:effectLst>
-            <a:glow rad="228600">
-              <a:schemeClr val="accent6">
-                <a:satMod val="175000"/>
-                <a:alpha val="40000"/>
-              </a:schemeClr>
-            </a:glow>
-          </a:effectLst>
-        </p:spPr>
-      </p:pic>
-    </p:spTree>
-    <p:extLst>
-      <p:ext uri="{BB962C8B-B14F-4D97-AF65-F5344CB8AC3E}">
-        <p14:creationId xmlns:p14="http://schemas.microsoft.com/office/powerpoint/2010/main" val="2918231412"/>
-      </p:ext>
-    </p:extLst>
-  </p:cSld>
-  <p:clrMapOvr>
-    <a:masterClrMapping/>
-  </p:clrMapOvr>
-</p:sld>
-</file>
-
-<file path=ppt/slides/slide13.xml><?xml version="1.0" encoding="utf-8"?>
+<file path=ppt/slides/slide11.xml><?xml version="1.0" encoding="utf-8"?>
 <p:sld xmlns:a="http://schemas.openxmlformats.org/drawingml/2006/main" xmlns:r="http://schemas.openxmlformats.org/officeDocument/2006/relationships" xmlns:p="http://schemas.openxmlformats.org/presentationml/2006/main">
   <p:cSld>
     <p:spTree>
@@ -8479,7 +8347,7 @@
 </p:sld>
 </file>
 
-<file path=ppt/slides/slide14.xml><?xml version="1.0" encoding="utf-8"?>
+<file path=ppt/slides/slide12.xml><?xml version="1.0" encoding="utf-8"?>
 <p:sld xmlns:a="http://schemas.openxmlformats.org/drawingml/2006/main" xmlns:r="http://schemas.openxmlformats.org/officeDocument/2006/relationships" xmlns:p="http://schemas.openxmlformats.org/presentationml/2006/main">
   <p:cSld>
     <p:spTree>
@@ -8525,27 +8393,384 @@
           </a:p>
         </p:txBody>
       </p:sp>
-      <p:sp>
-        <p:nvSpPr>
-          <p:cNvPr id="8" name="Content Placeholder 7">
+      <p:pic>
+        <p:nvPicPr>
+          <p:cNvPr id="4" name="Picture 2">
             <a:extLst>
               <a:ext uri="{FF2B5EF4-FFF2-40B4-BE49-F238E27FC236}">
-                <a16:creationId xmlns:a16="http://schemas.microsoft.com/office/drawing/2014/main" id="{B4F1FBF7-40ED-4691-850B-058E2C08F123}"/>
+                <a16:creationId xmlns:a16="http://schemas.microsoft.com/office/drawing/2014/main" id="{3BD8653B-26DC-418C-996A-46163FC829C0}"/>
               </a:ext>
             </a:extLst>
           </p:cNvPr>
-          <p:cNvSpPr>
-            <a:spLocks noGrp="1"/>
-          </p:cNvSpPr>
+          <p:cNvPicPr>
+            <a:picLocks noGrp="1" noChangeAspect="1" noChangeArrowheads="1"/>
+          </p:cNvPicPr>
           <p:nvPr>
             <p:ph idx="1"/>
           </p:nvPr>
+        </p:nvPicPr>
+        <p:blipFill>
+          <a:blip r:embed="rId2">
+            <a:extLst>
+              <a:ext uri="{28A0092B-C50C-407E-A947-70E740481C1C}">
+                <a14:useLocalDpi xmlns:a14="http://schemas.microsoft.com/office/drawing/2010/main" val="0"/>
+              </a:ext>
+            </a:extLst>
+          </a:blip>
+          <a:srcRect/>
+          <a:stretch>
+            <a:fillRect/>
+          </a:stretch>
+        </p:blipFill>
+        <p:spPr bwMode="auto">
+          <a:xfrm>
+            <a:off x="838200" y="1995488"/>
+            <a:ext cx="5016758" cy="3321221"/>
+          </a:xfrm>
+          <a:prstGeom prst="rect">
+            <a:avLst/>
+          </a:prstGeom>
+          <a:noFill/>
+          <a:extLst>
+            <a:ext uri="{909E8E84-426E-40DD-AFC4-6F175D3DCCD1}">
+              <a14:hiddenFill xmlns:a14="http://schemas.microsoft.com/office/drawing/2010/main">
+                <a:solidFill>
+                  <a:srgbClr val="FFFFFF"/>
+                </a:solidFill>
+              </a14:hiddenFill>
+            </a:ext>
+          </a:extLst>
+        </p:spPr>
+      </p:pic>
+      <p:pic>
+        <p:nvPicPr>
+          <p:cNvPr id="3074" name="Picture 2">
+            <a:extLst>
+              <a:ext uri="{FF2B5EF4-FFF2-40B4-BE49-F238E27FC236}">
+                <a16:creationId xmlns:a16="http://schemas.microsoft.com/office/drawing/2014/main" id="{5D810C87-003A-4C7E-B99E-664EE317B5C8}"/>
+              </a:ext>
+            </a:extLst>
+          </p:cNvPr>
+          <p:cNvPicPr>
+            <a:picLocks noChangeAspect="1" noChangeArrowheads="1"/>
+          </p:cNvPicPr>
+          <p:nvPr/>
+        </p:nvPicPr>
+        <p:blipFill>
+          <a:blip r:embed="rId3">
+            <a:extLst>
+              <a:ext uri="{28A0092B-C50C-407E-A947-70E740481C1C}">
+                <a14:useLocalDpi xmlns:a14="http://schemas.microsoft.com/office/drawing/2010/main" val="0"/>
+              </a:ext>
+            </a:extLst>
+          </a:blip>
+          <a:srcRect/>
+          <a:stretch>
+            <a:fillRect/>
+          </a:stretch>
+        </p:blipFill>
+        <p:spPr bwMode="auto">
+          <a:xfrm>
+            <a:off x="6548438" y="1995488"/>
+            <a:ext cx="3709987" cy="2411735"/>
+          </a:xfrm>
+          <a:prstGeom prst="rect">
+            <a:avLst/>
+          </a:prstGeom>
+          <a:noFill/>
+          <a:extLst>
+            <a:ext uri="{909E8E84-426E-40DD-AFC4-6F175D3DCCD1}">
+              <a14:hiddenFill xmlns:a14="http://schemas.microsoft.com/office/drawing/2010/main">
+                <a:solidFill>
+                  <a:srgbClr val="FFFFFF"/>
+                </a:solidFill>
+              </a14:hiddenFill>
+            </a:ext>
+          </a:extLst>
+        </p:spPr>
+      </p:pic>
+      <p:sp>
+        <p:nvSpPr>
+          <p:cNvPr id="7" name="Equals 9">
+            <a:extLst>
+              <a:ext uri="{FF2B5EF4-FFF2-40B4-BE49-F238E27FC236}">
+                <a16:creationId xmlns:a16="http://schemas.microsoft.com/office/drawing/2014/main" id="{BA58B091-7A5B-453D-8AB3-1AF975E0AD0A}"/>
+              </a:ext>
+            </a:extLst>
+          </p:cNvPr>
+          <p:cNvSpPr/>
+          <p:nvPr/>
         </p:nvSpPr>
-        <p:spPr/>
+        <p:spPr>
+          <a:xfrm rot="16200000">
+            <a:off x="5962895" y="3003514"/>
+            <a:ext cx="477605" cy="477605"/>
+          </a:xfrm>
+          <a:prstGeom prst="downArrow">
+            <a:avLst/>
+          </a:prstGeom>
+          <a:solidFill>
+            <a:srgbClr val="C00000"/>
+          </a:solidFill>
+        </p:spPr>
+        <p:style>
+          <a:lnRef idx="0">
+            <a:schemeClr val="dk1">
+              <a:tint val="60000"/>
+              <a:hueOff val="0"/>
+              <a:satOff val="0"/>
+              <a:lumOff val="0"/>
+              <a:alphaOff val="0"/>
+            </a:schemeClr>
+          </a:lnRef>
+          <a:fillRef idx="1">
+            <a:schemeClr val="dk1">
+              <a:tint val="60000"/>
+              <a:hueOff val="0"/>
+              <a:satOff val="0"/>
+              <a:lumOff val="0"/>
+              <a:alphaOff val="0"/>
+            </a:schemeClr>
+          </a:fillRef>
+          <a:effectRef idx="0">
+            <a:schemeClr val="dk1">
+              <a:tint val="60000"/>
+              <a:hueOff val="0"/>
+              <a:satOff val="0"/>
+              <a:lumOff val="0"/>
+              <a:alphaOff val="0"/>
+            </a:schemeClr>
+          </a:effectRef>
+          <a:fontRef idx="minor">
+            <a:schemeClr val="dk1">
+              <a:hueOff val="0"/>
+              <a:satOff val="0"/>
+              <a:lumOff val="0"/>
+              <a:alphaOff val="0"/>
+            </a:schemeClr>
+          </a:fontRef>
+        </p:style>
+      </p:sp>
+      <p:sp>
+        <p:nvSpPr>
+          <p:cNvPr id="9" name="TextBox 8">
+            <a:extLst>
+              <a:ext uri="{FF2B5EF4-FFF2-40B4-BE49-F238E27FC236}">
+                <a16:creationId xmlns:a16="http://schemas.microsoft.com/office/drawing/2014/main" id="{3F2233DE-8807-4F29-A8CA-868E2E9AB1FF}"/>
+              </a:ext>
+            </a:extLst>
+          </p:cNvPr>
+          <p:cNvSpPr txBox="1"/>
+          <p:nvPr/>
+        </p:nvSpPr>
+        <p:spPr>
+          <a:xfrm>
+            <a:off x="8074938" y="2714786"/>
+            <a:ext cx="983337" cy="307777"/>
+          </a:xfrm>
+          <a:prstGeom prst="rect">
+            <a:avLst/>
+          </a:prstGeom>
+          <a:noFill/>
+        </p:spPr>
         <p:txBody>
-          <a:bodyPr/>
+          <a:bodyPr wrap="square">
+            <a:spAutoFit/>
+          </a:bodyPr>
           <a:lstStyle/>
           <a:p>
+            <a:pPr algn="ctr"/>
+            <a:r>
+              <a:rPr lang="en-US" sz="1400" dirty="0"/>
+              <a:t>Kalasin</a:t>
+            </a:r>
+          </a:p>
+        </p:txBody>
+      </p:sp>
+      <p:sp>
+        <p:nvSpPr>
+          <p:cNvPr id="10" name="TextBox 9">
+            <a:extLst>
+              <a:ext uri="{FF2B5EF4-FFF2-40B4-BE49-F238E27FC236}">
+                <a16:creationId xmlns:a16="http://schemas.microsoft.com/office/drawing/2014/main" id="{239DFC8B-431C-41AF-8DBE-5B268F7DBC34}"/>
+              </a:ext>
+            </a:extLst>
+          </p:cNvPr>
+          <p:cNvSpPr txBox="1"/>
+          <p:nvPr/>
+        </p:nvSpPr>
+        <p:spPr>
+          <a:xfrm>
+            <a:off x="6836688" y="1676919"/>
+            <a:ext cx="983337" cy="369332"/>
+          </a:xfrm>
+          <a:prstGeom prst="rect">
+            <a:avLst/>
+          </a:prstGeom>
+          <a:noFill/>
+        </p:spPr>
+        <p:txBody>
+          <a:bodyPr wrap="square">
+            <a:spAutoFit/>
+          </a:bodyPr>
+          <a:lstStyle/>
+          <a:p>
+            <a:r>
+              <a:rPr lang="en-US" dirty="0"/>
+              <a:t>Sample</a:t>
+            </a:r>
+          </a:p>
+        </p:txBody>
+      </p:sp>
+      <p:sp>
+        <p:nvSpPr>
+          <p:cNvPr id="14" name="TextBox 13">
+            <a:extLst>
+              <a:ext uri="{FF2B5EF4-FFF2-40B4-BE49-F238E27FC236}">
+                <a16:creationId xmlns:a16="http://schemas.microsoft.com/office/drawing/2014/main" id="{1306998A-D082-4966-BAF4-87DBED3F339D}"/>
+              </a:ext>
+            </a:extLst>
+          </p:cNvPr>
+          <p:cNvSpPr txBox="1"/>
+          <p:nvPr/>
+        </p:nvSpPr>
+        <p:spPr>
+          <a:xfrm>
+            <a:off x="6836688" y="4480190"/>
+            <a:ext cx="3421737" cy="523220"/>
+          </a:xfrm>
+          <a:prstGeom prst="rect">
+            <a:avLst/>
+          </a:prstGeom>
+          <a:noFill/>
+        </p:spPr>
+        <p:txBody>
+          <a:bodyPr wrap="square">
+            <a:spAutoFit/>
+          </a:bodyPr>
+          <a:lstStyle/>
+          <a:p>
+            <a:r>
+              <a:rPr lang="en-US" sz="1400" dirty="0"/>
+              <a:t>Actual Patient 1604.0</a:t>
+            </a:r>
+          </a:p>
+          <a:p>
+            <a:r>
+              <a:rPr lang="en-US" sz="1400" dirty="0"/>
+              <a:t>Predicted Patient 1748</a:t>
+            </a:r>
+          </a:p>
+        </p:txBody>
+      </p:sp>
+      <p:sp>
+        <p:nvSpPr>
+          <p:cNvPr id="13" name="Oval 12">
+            <a:extLst>
+              <a:ext uri="{FF2B5EF4-FFF2-40B4-BE49-F238E27FC236}">
+                <a16:creationId xmlns:a16="http://schemas.microsoft.com/office/drawing/2014/main" id="{3B56B8C0-0CD9-4E45-9980-AC5F6C774781}"/>
+              </a:ext>
+            </a:extLst>
+          </p:cNvPr>
+          <p:cNvSpPr/>
+          <p:nvPr/>
+        </p:nvSpPr>
+        <p:spPr>
+          <a:xfrm rot="19800000">
+            <a:off x="3082155" y="2840376"/>
+            <a:ext cx="2795224" cy="1091044"/>
+          </a:xfrm>
+          <a:prstGeom prst="ellipse">
+            <a:avLst/>
+          </a:prstGeom>
+          <a:noFill/>
+          <a:ln w="12700">
+            <a:solidFill>
+              <a:schemeClr val="tx1">
+                <a:lumMod val="95000"/>
+                <a:lumOff val="5000"/>
+                <a:alpha val="65000"/>
+              </a:schemeClr>
+            </a:solidFill>
+          </a:ln>
+        </p:spPr>
+        <p:style>
+          <a:lnRef idx="2">
+            <a:schemeClr val="accent1">
+              <a:shade val="50000"/>
+            </a:schemeClr>
+          </a:lnRef>
+          <a:fillRef idx="1">
+            <a:schemeClr val="accent1"/>
+          </a:fillRef>
+          <a:effectRef idx="0">
+            <a:schemeClr val="accent1"/>
+          </a:effectRef>
+          <a:fontRef idx="minor">
+            <a:schemeClr val="lt1"/>
+          </a:fontRef>
+        </p:style>
+        <p:txBody>
+          <a:bodyPr rtlCol="0" anchor="ctr"/>
+          <a:lstStyle/>
+          <a:p>
+            <a:pPr algn="ctr"/>
+            <a:endParaRPr lang="en-US"/>
+          </a:p>
+        </p:txBody>
+      </p:sp>
+      <p:sp>
+        <p:nvSpPr>
+          <p:cNvPr id="16" name="Oval 15">
+            <a:extLst>
+              <a:ext uri="{FF2B5EF4-FFF2-40B4-BE49-F238E27FC236}">
+                <a16:creationId xmlns:a16="http://schemas.microsoft.com/office/drawing/2014/main" id="{979FBE39-DBAE-4A47-B591-72E15A5ADB0B}"/>
+              </a:ext>
+            </a:extLst>
+          </p:cNvPr>
+          <p:cNvSpPr/>
+          <p:nvPr/>
+        </p:nvSpPr>
+        <p:spPr>
+          <a:xfrm rot="19800000">
+            <a:off x="1372933" y="3630045"/>
+            <a:ext cx="1698733" cy="551649"/>
+          </a:xfrm>
+          <a:prstGeom prst="ellipse">
+            <a:avLst/>
+          </a:prstGeom>
+          <a:noFill/>
+          <a:ln w="12700">
+            <a:solidFill>
+              <a:schemeClr val="tx1">
+                <a:lumMod val="95000"/>
+                <a:lumOff val="5000"/>
+                <a:alpha val="65000"/>
+              </a:schemeClr>
+            </a:solidFill>
+          </a:ln>
+        </p:spPr>
+        <p:style>
+          <a:lnRef idx="2">
+            <a:schemeClr val="accent1">
+              <a:shade val="50000"/>
+            </a:schemeClr>
+          </a:lnRef>
+          <a:fillRef idx="1">
+            <a:schemeClr val="accent1"/>
+          </a:fillRef>
+          <a:effectRef idx="0">
+            <a:schemeClr val="accent1"/>
+          </a:effectRef>
+          <a:fontRef idx="minor">
+            <a:schemeClr val="lt1"/>
+          </a:fontRef>
+        </p:style>
+        <p:txBody>
+          <a:bodyPr rtlCol="0" anchor="ctr"/>
+          <a:lstStyle/>
+          <a:p>
+            <a:pPr algn="ctr"/>
             <a:endParaRPr lang="en-US"/>
           </a:p>
         </p:txBody>
@@ -8563,93 +8788,7 @@
 </p:sld>
 </file>
 
-<file path=ppt/slides/slide15.xml><?xml version="1.0" encoding="utf-8"?>
-<p:sld xmlns:a="http://schemas.openxmlformats.org/drawingml/2006/main" xmlns:r="http://schemas.openxmlformats.org/officeDocument/2006/relationships" xmlns:p="http://schemas.openxmlformats.org/presentationml/2006/main">
-  <p:cSld>
-    <p:spTree>
-      <p:nvGrpSpPr>
-        <p:cNvPr id="1" name=""/>
-        <p:cNvGrpSpPr/>
-        <p:nvPr/>
-      </p:nvGrpSpPr>
-      <p:grpSpPr>
-        <a:xfrm>
-          <a:off x="0" y="0"/>
-          <a:ext cx="0" cy="0"/>
-          <a:chOff x="0" y="0"/>
-          <a:chExt cx="0" cy="0"/>
-        </a:xfrm>
-      </p:grpSpPr>
-      <p:sp>
-        <p:nvSpPr>
-          <p:cNvPr id="2" name="Title 1">
-            <a:extLst>
-              <a:ext uri="{FF2B5EF4-FFF2-40B4-BE49-F238E27FC236}">
-                <a16:creationId xmlns:a16="http://schemas.microsoft.com/office/drawing/2014/main" id="{765EBF66-776B-44CD-B84A-5B13AE020C97}"/>
-              </a:ext>
-            </a:extLst>
-          </p:cNvPr>
-          <p:cNvSpPr>
-            <a:spLocks noGrp="1"/>
-          </p:cNvSpPr>
-          <p:nvPr>
-            <p:ph type="title"/>
-          </p:nvPr>
-        </p:nvSpPr>
-        <p:spPr/>
-        <p:txBody>
-          <a:bodyPr/>
-          <a:lstStyle/>
-          <a:p>
-            <a:pPr marL="0" indent="0">
-              <a:buNone/>
-            </a:pPr>
-            <a:r>
-              <a:rPr lang="en-US" sz="4400" dirty="0"/>
-              <a:t>Grid Search CV</a:t>
-            </a:r>
-          </a:p>
-        </p:txBody>
-      </p:sp>
-      <p:sp>
-        <p:nvSpPr>
-          <p:cNvPr id="4" name="Content Placeholder 3">
-            <a:extLst>
-              <a:ext uri="{FF2B5EF4-FFF2-40B4-BE49-F238E27FC236}">
-                <a16:creationId xmlns:a16="http://schemas.microsoft.com/office/drawing/2014/main" id="{47994EFF-978E-4416-B5A4-F8407CCDCCC7}"/>
-              </a:ext>
-            </a:extLst>
-          </p:cNvPr>
-          <p:cNvSpPr>
-            <a:spLocks noGrp="1"/>
-          </p:cNvSpPr>
-          <p:nvPr>
-            <p:ph idx="1"/>
-          </p:nvPr>
-        </p:nvSpPr>
-        <p:spPr/>
-        <p:txBody>
-          <a:bodyPr/>
-          <a:lstStyle/>
-          <a:p>
-            <a:endParaRPr lang="en-US"/>
-          </a:p>
-        </p:txBody>
-      </p:sp>
-    </p:spTree>
-    <p:extLst>
-      <p:ext uri="{BB962C8B-B14F-4D97-AF65-F5344CB8AC3E}">
-        <p14:creationId xmlns:p14="http://schemas.microsoft.com/office/powerpoint/2010/main" val="4043397771"/>
-      </p:ext>
-    </p:extLst>
-  </p:cSld>
-  <p:clrMapOvr>
-    <a:masterClrMapping/>
-  </p:clrMapOvr>
-</p:sld>
-</file>
-
-<file path=ppt/slides/slide16.xml><?xml version="1.0" encoding="utf-8"?>
+<file path=ppt/slides/slide13.xml><?xml version="1.0" encoding="utf-8"?>
 <p:sld xmlns:a="http://schemas.openxmlformats.org/drawingml/2006/main" xmlns:r="http://schemas.openxmlformats.org/officeDocument/2006/relationships" xmlns:p="http://schemas.openxmlformats.org/presentationml/2006/main">
   <p:cSld>
     <p:spTree>
@@ -8859,7 +8998,7 @@
 </p:sld>
 </file>
 
-<file path=ppt/slides/slide17.xml><?xml version="1.0" encoding="utf-8"?>
+<file path=ppt/slides/slide14.xml><?xml version="1.0" encoding="utf-8"?>
 <p:sld xmlns:a="http://schemas.openxmlformats.org/drawingml/2006/main" xmlns:r="http://schemas.openxmlformats.org/officeDocument/2006/relationships" xmlns:p="http://schemas.openxmlformats.org/presentationml/2006/main">
   <p:cSld>
     <p:spTree>
@@ -8980,7 +9119,7 @@
 </p:sld>
 </file>
 
-<file path=ppt/slides/slide18.xml><?xml version="1.0" encoding="utf-8"?>
+<file path=ppt/slides/slide15.xml><?xml version="1.0" encoding="utf-8"?>
 <p:sld xmlns:a="http://schemas.openxmlformats.org/drawingml/2006/main" xmlns:r="http://schemas.openxmlformats.org/officeDocument/2006/relationships" xmlns:p="http://schemas.openxmlformats.org/presentationml/2006/main">
   <p:cSld>
     <p:spTree>
@@ -9110,7 +9249,7 @@
 </p:sld>
 </file>
 
-<file path=ppt/slides/slide19.xml><?xml version="1.0" encoding="utf-8"?>
+<file path=ppt/slides/slide16.xml><?xml version="1.0" encoding="utf-8"?>
 <p:sld xmlns:a="http://schemas.openxmlformats.org/drawingml/2006/main" xmlns:r="http://schemas.openxmlformats.org/officeDocument/2006/relationships" xmlns:p="http://schemas.openxmlformats.org/presentationml/2006/main">
   <p:cSld>
     <p:bg>
@@ -9192,14 +9331,14 @@
           <p:nvPr>
             <p:extLst>
               <p:ext uri="{D42A27DB-BD31-4B8C-83A1-F6EECF244321}">
-                <p14:modId xmlns:p14="http://schemas.microsoft.com/office/powerpoint/2010/main" val="699982964"/>
+                <p14:modId xmlns:p14="http://schemas.microsoft.com/office/powerpoint/2010/main" val="3423572880"/>
               </p:ext>
             </p:extLst>
           </p:nvPr>
         </p:nvGraphicFramePr>
         <p:xfrm>
           <a:off x="1503045" y="1722279"/>
-          <a:ext cx="9185912" cy="4037999"/>
+          <a:ext cx="9185912" cy="4614856"/>
         </p:xfrm>
         <a:graphic>
           <a:graphicData uri="http://schemas.openxmlformats.org/drawingml/2006/table">
@@ -9247,18 +9386,21 @@
                       <a:r>
                         <a:rPr lang="en-US" sz="1600" dirty="0">
                           <a:effectLst/>
+                          <a:latin typeface="+mj-lt"/>
                         </a:rPr>
                         <a:t>Province</a:t>
                       </a:r>
-                      <a:endParaRPr lang="en-US" sz="1600" dirty="0">
-                        <a:effectLst/>
-                        <a:latin typeface="+mj-lt"/>
-                      </a:endParaRPr>
                     </a:p>
                   </a:txBody>
                   <a:tcPr marL="109728" marR="109728" marT="54864" marB="54864" anchor="ctr">
-                    <a:lnB>
-                      <a:noFill/>
+                    <a:lnB w="12700" cap="flat" cmpd="sng" algn="ctr">
+                      <a:solidFill>
+                        <a:schemeClr val="tx1"/>
+                      </a:solidFill>
+                      <a:prstDash val="solid"/>
+                      <a:round/>
+                      <a:headEnd type="none" w="med" len="med"/>
+                      <a:tailEnd type="none" w="med" len="med"/>
                     </a:lnB>
                   </a:tcPr>
                 </a:tc>
@@ -9271,16 +9413,23 @@
                       <a:r>
                         <a:rPr lang="en-US" sz="1600" dirty="0">
                           <a:effectLst/>
+                          <a:latin typeface="+mj-lt"/>
                         </a:rPr>
                         <a:t>Actual Patient</a:t>
                       </a:r>
-                      <a:endParaRPr lang="en-US" sz="1600" dirty="0">
-                        <a:effectLst/>
-                        <a:latin typeface="+mj-lt"/>
-                      </a:endParaRPr>
                     </a:p>
                   </a:txBody>
-                  <a:tcPr marL="109728" marR="109728" marT="54864" marB="54864" anchor="ctr"/>
+                  <a:tcPr marL="109728" marR="109728" marT="54864" marB="54864" anchor="ctr">
+                    <a:lnB w="12700" cap="flat" cmpd="sng" algn="ctr">
+                      <a:solidFill>
+                        <a:schemeClr val="tx1"/>
+                      </a:solidFill>
+                      <a:prstDash val="solid"/>
+                      <a:round/>
+                      <a:headEnd type="none" w="med" len="med"/>
+                      <a:tailEnd type="none" w="med" len="med"/>
+                    </a:lnB>
+                  </a:tcPr>
                 </a:tc>
                 <a:tc>
                   <a:txBody>
@@ -9291,16 +9440,23 @@
                       <a:r>
                         <a:rPr lang="en-US" sz="1600" dirty="0">
                           <a:effectLst/>
+                          <a:latin typeface="+mj-lt"/>
                         </a:rPr>
                         <a:t>Predicted Patient</a:t>
                       </a:r>
-                      <a:endParaRPr lang="en-US" sz="1600" dirty="0">
-                        <a:effectLst/>
-                        <a:latin typeface="+mj-lt"/>
-                      </a:endParaRPr>
                     </a:p>
                   </a:txBody>
-                  <a:tcPr marL="109728" marR="109728" marT="54864" marB="54864" anchor="ctr"/>
+                  <a:tcPr marL="109728" marR="109728" marT="54864" marB="54864" anchor="ctr">
+                    <a:lnB w="12700" cap="flat" cmpd="sng" algn="ctr">
+                      <a:solidFill>
+                        <a:schemeClr val="tx1"/>
+                      </a:solidFill>
+                      <a:prstDash val="solid"/>
+                      <a:round/>
+                      <a:headEnd type="none" w="med" len="med"/>
+                      <a:tailEnd type="none" w="med" len="med"/>
+                    </a:lnB>
+                  </a:tcPr>
                 </a:tc>
                 <a:tc>
                   <a:txBody>
@@ -9311,16 +9467,23 @@
                       <a:r>
                         <a:rPr lang="en-US" sz="1600" dirty="0">
                           <a:effectLst/>
+                          <a:latin typeface="+mj-lt"/>
                         </a:rPr>
                         <a:t>Accuracy</a:t>
                       </a:r>
-                      <a:endParaRPr lang="en-US" sz="1600" dirty="0">
-                        <a:effectLst/>
-                        <a:latin typeface="+mj-lt"/>
-                      </a:endParaRPr>
                     </a:p>
                   </a:txBody>
-                  <a:tcPr marL="109728" marR="109728" marT="54864" marB="54864" anchor="ctr"/>
+                  <a:tcPr marL="109728" marR="109728" marT="54864" marB="54864" anchor="ctr">
+                    <a:lnB w="12700" cap="flat" cmpd="sng" algn="ctr">
+                      <a:solidFill>
+                        <a:schemeClr val="tx1"/>
+                      </a:solidFill>
+                      <a:prstDash val="solid"/>
+                      <a:round/>
+                      <a:headEnd type="none" w="med" len="med"/>
+                      <a:tailEnd type="none" w="med" len="med"/>
+                    </a:lnB>
+                  </a:tcPr>
                 </a:tc>
                 <a:extLst>
                   <a:ext uri="{0D108BD9-81ED-4DB2-BD59-A6C34878D82A}">
@@ -9360,8 +9523,14 @@
                     <a:lnR>
                       <a:noFill/>
                     </a:lnR>
-                    <a:lnT>
-                      <a:noFill/>
+                    <a:lnT w="12700" cap="flat" cmpd="sng" algn="ctr">
+                      <a:solidFill>
+                        <a:schemeClr val="tx1"/>
+                      </a:solidFill>
+                      <a:prstDash val="solid"/>
+                      <a:round/>
+                      <a:headEnd type="none" w="med" len="med"/>
+                      <a:tailEnd type="none" w="med" len="med"/>
                     </a:lnT>
                     <a:lnB>
                       <a:noFill/>
@@ -9404,6 +9573,15 @@
                     <a:lnL>
                       <a:noFill/>
                     </a:lnL>
+                    <a:lnT w="12700" cap="flat" cmpd="sng" algn="ctr">
+                      <a:solidFill>
+                        <a:schemeClr val="tx1"/>
+                      </a:solidFill>
+                      <a:prstDash val="solid"/>
+                      <a:round/>
+                      <a:headEnd type="none" w="med" len="med"/>
+                      <a:tailEnd type="none" w="med" len="med"/>
+                    </a:lnT>
                   </a:tcPr>
                 </a:tc>
                 <a:tc>
@@ -9430,7 +9608,17 @@
                       </a:endParaRPr>
                     </a:p>
                   </a:txBody>
-                  <a:tcPr marL="6350" marR="6350" marT="6350" marB="0" anchor="b"/>
+                  <a:tcPr marL="6350" marR="6350" marT="6350" marB="0" anchor="b">
+                    <a:lnT w="12700" cap="flat" cmpd="sng" algn="ctr">
+                      <a:solidFill>
+                        <a:schemeClr val="tx1"/>
+                      </a:solidFill>
+                      <a:prstDash val="solid"/>
+                      <a:round/>
+                      <a:headEnd type="none" w="med" len="med"/>
+                      <a:tailEnd type="none" w="med" len="med"/>
+                    </a:lnT>
+                  </a:tcPr>
                 </a:tc>
                 <a:tc>
                   <a:txBody>
@@ -9456,7 +9644,17 @@
                       </a:endParaRPr>
                     </a:p>
                   </a:txBody>
-                  <a:tcPr marL="6350" marR="6350" marT="6350" marB="0" anchor="b"/>
+                  <a:tcPr marL="6350" marR="6350" marT="6350" marB="0" anchor="b">
+                    <a:lnT w="12700" cap="flat" cmpd="sng" algn="ctr">
+                      <a:solidFill>
+                        <a:schemeClr val="tx1"/>
+                      </a:solidFill>
+                      <a:prstDash val="solid"/>
+                      <a:round/>
+                      <a:headEnd type="none" w="med" len="med"/>
+                      <a:tailEnd type="none" w="med" len="med"/>
+                    </a:lnT>
+                  </a:tcPr>
                 </a:tc>
                 <a:extLst>
                   <a:ext uri="{0D108BD9-81ED-4DB2-BD59-A6C34878D82A}">
@@ -10023,6 +10221,93 @@
                   </a:ext>
                 </a:extLst>
               </a:tr>
+              <a:tr h="576857">
+                <a:tc>
+                  <a:txBody>
+                    <a:bodyPr/>
+                    <a:lstStyle/>
+                    <a:p>
+                      <a:pPr algn="ctr" fontAlgn="b"/>
+                      <a:r>
+                        <a:rPr lang="en-US" sz="1600" b="0" i="0" u="none" strike="noStrike" dirty="0">
+                          <a:solidFill>
+                            <a:srgbClr val="000000"/>
+                          </a:solidFill>
+                          <a:effectLst/>
+                          <a:latin typeface="+mn-lt"/>
+                        </a:rPr>
+                        <a:t>…</a:t>
+                      </a:r>
+                    </a:p>
+                  </a:txBody>
+                  <a:tcPr marL="6350" marR="6350" marT="6350" marB="0" anchor="b"/>
+                </a:tc>
+                <a:tc>
+                  <a:txBody>
+                    <a:bodyPr/>
+                    <a:lstStyle/>
+                    <a:p>
+                      <a:pPr algn="ctr" fontAlgn="b"/>
+                      <a:r>
+                        <a:rPr lang="en-US" sz="1600" b="0" i="0" u="none" strike="noStrike" dirty="0">
+                          <a:solidFill>
+                            <a:srgbClr val="000000"/>
+                          </a:solidFill>
+                          <a:effectLst/>
+                          <a:latin typeface="+mn-lt"/>
+                        </a:rPr>
+                        <a:t>…</a:t>
+                      </a:r>
+                    </a:p>
+                  </a:txBody>
+                  <a:tcPr marL="6350" marR="6350" marT="6350" marB="0" anchor="b"/>
+                </a:tc>
+                <a:tc>
+                  <a:txBody>
+                    <a:bodyPr/>
+                    <a:lstStyle/>
+                    <a:p>
+                      <a:pPr algn="ctr" fontAlgn="b"/>
+                      <a:r>
+                        <a:rPr lang="en-US" sz="1600" b="0" i="0" u="none" strike="noStrike" dirty="0">
+                          <a:solidFill>
+                            <a:srgbClr val="000000"/>
+                          </a:solidFill>
+                          <a:effectLst/>
+                          <a:latin typeface="+mn-lt"/>
+                        </a:rPr>
+                        <a:t>…</a:t>
+                      </a:r>
+                    </a:p>
+                  </a:txBody>
+                  <a:tcPr marL="6350" marR="6350" marT="6350" marB="0" anchor="b"/>
+                </a:tc>
+                <a:tc>
+                  <a:txBody>
+                    <a:bodyPr/>
+                    <a:lstStyle/>
+                    <a:p>
+                      <a:pPr algn="ctr" fontAlgn="b"/>
+                      <a:r>
+                        <a:rPr lang="en-US" sz="1600" b="0" i="0" u="none" strike="noStrike" dirty="0">
+                          <a:solidFill>
+                            <a:srgbClr val="000000"/>
+                          </a:solidFill>
+                          <a:effectLst/>
+                          <a:latin typeface="+mn-lt"/>
+                        </a:rPr>
+                        <a:t>…</a:t>
+                      </a:r>
+                    </a:p>
+                  </a:txBody>
+                  <a:tcPr marL="6350" marR="6350" marT="6350" marB="0" anchor="b"/>
+                </a:tc>
+                <a:extLst>
+                  <a:ext uri="{0D108BD9-81ED-4DB2-BD59-A6C34878D82A}">
+                    <a16:rowId xmlns:a16="http://schemas.microsoft.com/office/drawing/2014/main" val="1766368982"/>
+                  </a:ext>
+                </a:extLst>
+              </a:tr>
             </a:tbl>
           </a:graphicData>
         </a:graphic>
@@ -10040,7 +10325,7 @@
 </p:sld>
 </file>
 
-<file path=ppt/slides/slide2.xml><?xml version="1.0" encoding="utf-8"?>
+<file path=ppt/slides/slide17.xml><?xml version="1.0" encoding="utf-8"?>
 <p:sld xmlns:a="http://schemas.openxmlformats.org/drawingml/2006/main" xmlns:r="http://schemas.openxmlformats.org/officeDocument/2006/relationships" xmlns:p="http://schemas.openxmlformats.org/presentationml/2006/main">
   <p:cSld>
     <p:spTree>
@@ -10057,223 +10342,6 @@
           <a:chExt cx="0" cy="0"/>
         </a:xfrm>
       </p:grpSpPr>
-      <p:sp>
-        <p:nvSpPr>
-          <p:cNvPr id="2" name="Title 1">
-            <a:extLst>
-              <a:ext uri="{FF2B5EF4-FFF2-40B4-BE49-F238E27FC236}">
-                <a16:creationId xmlns:a16="http://schemas.microsoft.com/office/drawing/2014/main" id="{B0DB5CBE-DFFA-4432-92F8-5639FE300EE5}"/>
-              </a:ext>
-            </a:extLst>
-          </p:cNvPr>
-          <p:cNvSpPr>
-            <a:spLocks noGrp="1"/>
-          </p:cNvSpPr>
-          <p:nvPr>
-            <p:ph type="title"/>
-          </p:nvPr>
-        </p:nvSpPr>
-        <p:spPr/>
-        <p:txBody>
-          <a:bodyPr/>
-          <a:lstStyle/>
-          <a:p>
-            <a:r>
-              <a:rPr lang="en-US" dirty="0"/>
-              <a:t>Overview</a:t>
-            </a:r>
-          </a:p>
-        </p:txBody>
-      </p:sp>
-      <p:sp>
-        <p:nvSpPr>
-          <p:cNvPr id="3" name="Content Placeholder 2">
-            <a:extLst>
-              <a:ext uri="{FF2B5EF4-FFF2-40B4-BE49-F238E27FC236}">
-                <a16:creationId xmlns:a16="http://schemas.microsoft.com/office/drawing/2014/main" id="{D6497D47-5F29-4EDD-853A-BFE2A01FF6FF}"/>
-              </a:ext>
-            </a:extLst>
-          </p:cNvPr>
-          <p:cNvSpPr>
-            <a:spLocks noGrp="1"/>
-          </p:cNvSpPr>
-          <p:nvPr>
-            <p:ph idx="1"/>
-          </p:nvPr>
-        </p:nvSpPr>
-        <p:spPr/>
-        <p:txBody>
-          <a:bodyPr>
-            <a:normAutofit/>
-          </a:bodyPr>
-          <a:lstStyle/>
-          <a:p>
-            <a:r>
-              <a:rPr lang="en-US" dirty="0"/>
-              <a:t>Key facts</a:t>
-            </a:r>
-          </a:p>
-          <a:p>
-            <a:pPr marL="457200" lvl="1" indent="0">
-              <a:buNone/>
-            </a:pPr>
-            <a:r>
-              <a:rPr lang="en-US" dirty="0"/>
-              <a:t>- The infection causes flu-like illness, and occasionally develops into a potentially lethal.</a:t>
-            </a:r>
-            <a:endParaRPr lang="en-US" dirty="0">
-              <a:latin typeface="Times New Roman" panose="02020603050405020304" pitchFamily="18" charset="0"/>
-              <a:cs typeface="Times New Roman" panose="02020603050405020304" pitchFamily="18" charset="0"/>
-            </a:endParaRPr>
-          </a:p>
-          <a:p>
-            <a:pPr marL="457200" lvl="1" indent="0">
-              <a:buNone/>
-            </a:pPr>
-            <a:r>
-              <a:rPr lang="en-US" b="0" i="0" dirty="0">
-                <a:effectLst/>
-              </a:rPr>
-              <a:t>- There is no specific treatment for dengue, </a:t>
-            </a:r>
-            <a:r>
-              <a:rPr lang="en-US" b="0" dirty="0">
-                <a:effectLst/>
-                <a:latin typeface="+mj-lt"/>
-              </a:rPr>
-              <a:t>but early detection and access to proper medical care </a:t>
-            </a:r>
-            <a:r>
-              <a:rPr lang="en-US" b="0" i="0" dirty="0">
-                <a:effectLst/>
-              </a:rPr>
-              <a:t>lowers fatality rates below 1%.</a:t>
-            </a:r>
-            <a:endParaRPr lang="en-US" sz="1600" dirty="0">
-              <a:latin typeface="Times New Roman" panose="02020603050405020304" pitchFamily="18" charset="0"/>
-              <a:cs typeface="Times New Roman" panose="02020603050405020304" pitchFamily="18" charset="0"/>
-            </a:endParaRPr>
-          </a:p>
-          <a:p>
-            <a:r>
-              <a:rPr lang="en-US" dirty="0"/>
-              <a:t>Objectives</a:t>
-            </a:r>
-          </a:p>
-          <a:p>
-            <a:pPr marL="457200" lvl="1" indent="0">
-              <a:buNone/>
-            </a:pPr>
-            <a:r>
-              <a:rPr lang="en-US" dirty="0"/>
-              <a:t>🔮 To predict the number of</a:t>
-            </a:r>
-            <a:r>
-              <a:rPr lang="th-TH" dirty="0"/>
-              <a:t> </a:t>
-            </a:r>
-            <a:r>
-              <a:rPr lang="en-US" dirty="0"/>
-              <a:t>patients by temperature, rainfall, humidity.</a:t>
-            </a:r>
-            <a:endParaRPr lang="th-TH" dirty="0"/>
-          </a:p>
-          <a:p>
-            <a:pPr marL="457200" lvl="1" indent="0">
-              <a:buNone/>
-            </a:pPr>
-            <a:r>
-              <a:rPr lang="en-US" dirty="0"/>
-              <a:t>✨ To cluster the patient into multiple groups of regions.</a:t>
-            </a:r>
-          </a:p>
-          <a:p>
-            <a:pPr marL="457200" lvl="1" indent="0">
-              <a:buNone/>
-            </a:pPr>
-            <a:r>
-              <a:rPr lang="en-US" dirty="0"/>
-              <a:t>📊 To visualize information that is relevant to the data.</a:t>
-            </a:r>
-          </a:p>
-        </p:txBody>
-      </p:sp>
-    </p:spTree>
-    <p:extLst>
-      <p:ext uri="{BB962C8B-B14F-4D97-AF65-F5344CB8AC3E}">
-        <p14:creationId xmlns:p14="http://schemas.microsoft.com/office/powerpoint/2010/main" val="2549193430"/>
-      </p:ext>
-    </p:extLst>
-  </p:cSld>
-  <p:clrMapOvr>
-    <a:masterClrMapping/>
-  </p:clrMapOvr>
-</p:sld>
-</file>
-
-<file path=ppt/slides/slide20.xml><?xml version="1.0" encoding="utf-8"?>
-<p:sld xmlns:a="http://schemas.openxmlformats.org/drawingml/2006/main" xmlns:r="http://schemas.openxmlformats.org/officeDocument/2006/relationships" xmlns:p="http://schemas.openxmlformats.org/presentationml/2006/main">
-  <p:cSld>
-    <p:spTree>
-      <p:nvGrpSpPr>
-        <p:cNvPr id="1" name=""/>
-        <p:cNvGrpSpPr/>
-        <p:nvPr/>
-      </p:nvGrpSpPr>
-      <p:grpSpPr>
-        <a:xfrm>
-          <a:off x="0" y="0"/>
-          <a:ext cx="0" cy="0"/>
-          <a:chOff x="0" y="0"/>
-          <a:chExt cx="0" cy="0"/>
-        </a:xfrm>
-      </p:grpSpPr>
-      <p:pic>
-        <p:nvPicPr>
-          <p:cNvPr id="6" name="Picture 2">
-            <a:extLst>
-              <a:ext uri="{FF2B5EF4-FFF2-40B4-BE49-F238E27FC236}">
-                <a16:creationId xmlns:a16="http://schemas.microsoft.com/office/drawing/2014/main" id="{8EBD732B-A97B-4A1E-8F79-EDB67838AE7B}"/>
-              </a:ext>
-            </a:extLst>
-          </p:cNvPr>
-          <p:cNvPicPr>
-            <a:picLocks noChangeAspect="1" noChangeArrowheads="1"/>
-          </p:cNvPicPr>
-          <p:nvPr/>
-        </p:nvPicPr>
-        <p:blipFill rotWithShape="1">
-          <a:blip r:embed="rId2">
-            <a:alphaModFix amt="35000"/>
-            <a:extLst>
-              <a:ext uri="{28A0092B-C50C-407E-A947-70E740481C1C}">
-                <a14:useLocalDpi xmlns:a14="http://schemas.microsoft.com/office/drawing/2010/main" val="0"/>
-              </a:ext>
-            </a:extLst>
-          </a:blip>
-          <a:srcRect l="48220" t="15814" r="2078" b="44922"/>
-          <a:stretch/>
-        </p:blipFill>
-        <p:spPr bwMode="auto">
-          <a:xfrm>
-            <a:off x="7026562" y="1"/>
-            <a:ext cx="5165437" cy="6858000"/>
-          </a:xfrm>
-          <a:prstGeom prst="rect">
-            <a:avLst/>
-          </a:prstGeom>
-          <a:noFill/>
-          <a:extLst>
-            <a:ext uri="{909E8E84-426E-40DD-AFC4-6F175D3DCCD1}">
-              <a14:hiddenFill xmlns:a14="http://schemas.microsoft.com/office/drawing/2010/main">
-                <a:solidFill>
-                  <a:srgbClr val="FFFFFF"/>
-                </a:solidFill>
-              </a14:hiddenFill>
-            </a:ext>
-          </a:extLst>
-        </p:spPr>
-      </p:pic>
       <p:sp>
         <p:nvSpPr>
           <p:cNvPr id="2" name="Title 1">
@@ -10364,7 +10432,7 @@
         <p:spPr>
           <a:xfrm>
             <a:off x="838200" y="2055812"/>
-            <a:ext cx="3511838" cy="2308324"/>
+            <a:ext cx="3511838" cy="1569660"/>
           </a:xfrm>
           <a:prstGeom prst="rect">
             <a:avLst/>
@@ -10387,7 +10455,7 @@
                   <a:srgbClr val="000000"/>
                 </a:solidFill>
               </a:rPr>
-              <a:t>Green color is low rain amount (1181)</a:t>
+              <a:t>Green color is low rain (1181)</a:t>
             </a:r>
           </a:p>
           <a:p>
@@ -10401,7 +10469,7 @@
                   <a:srgbClr val="000000"/>
                 </a:solidFill>
               </a:rPr>
-              <a:t>Blue color is medium rain amount (2155)</a:t>
+              <a:t>Blue color is medium rain (2155)</a:t>
             </a:r>
           </a:p>
           <a:p>
@@ -10415,7 +10483,7 @@
                   <a:srgbClr val="000000"/>
                 </a:solidFill>
               </a:rPr>
-              <a:t>Red color is high rain amount (3647)</a:t>
+              <a:t>Red color is high rain (3647)</a:t>
             </a:r>
           </a:p>
           <a:p>
@@ -10450,8 +10518,8 @@
         </p:nvCxnSpPr>
         <p:spPr>
           <a:xfrm flipV="1">
-            <a:off x="5759738" y="2428875"/>
-            <a:ext cx="2543175" cy="2000250"/>
+            <a:off x="6872438" y="2428876"/>
+            <a:ext cx="1430475" cy="1565090"/>
           </a:xfrm>
           <a:prstGeom prst="straightConnector1">
             <a:avLst/>
@@ -10494,8 +10562,8 @@
         </p:nvCxnSpPr>
         <p:spPr>
           <a:xfrm flipV="1">
-            <a:off x="5759738" y="3829052"/>
-            <a:ext cx="2628900" cy="590548"/>
+            <a:off x="6872438" y="3829052"/>
+            <a:ext cx="1516200" cy="164914"/>
           </a:xfrm>
           <a:prstGeom prst="straightConnector1">
             <a:avLst/>
@@ -10537,9 +10605,9 @@
           <p:nvPr/>
         </p:nvCxnSpPr>
         <p:spPr>
-          <a:xfrm flipV="1">
-            <a:off x="5759738" y="4305300"/>
-            <a:ext cx="2266950" cy="114300"/>
+          <a:xfrm>
+            <a:off x="6872438" y="3993966"/>
+            <a:ext cx="1154250" cy="311334"/>
           </a:xfrm>
           <a:prstGeom prst="straightConnector1">
             <a:avLst/>
@@ -10580,8 +10648,8 @@
         </p:nvSpPr>
         <p:spPr>
           <a:xfrm>
-            <a:off x="4392273" y="3905012"/>
-            <a:ext cx="1409700" cy="738664"/>
+            <a:off x="5518451" y="3721397"/>
+            <a:ext cx="1409700" cy="461665"/>
           </a:xfrm>
           <a:prstGeom prst="rect">
             <a:avLst/>
@@ -10596,14 +10664,6 @@
           <a:p>
             <a:pPr algn="ctr"/>
             <a:r>
-              <a:rPr lang="en-US" dirty="0">
-                <a:solidFill>
-                  <a:srgbClr val="000000"/>
-                </a:solidFill>
-              </a:rPr>
-              <a:t>🎯 </a:t>
-            </a:r>
-            <a:r>
               <a:rPr lang="en-US" sz="2400" dirty="0">
                 <a:solidFill>
                   <a:srgbClr val="000000"/>
@@ -10623,6 +10683,59 @@
           </a:p>
         </p:txBody>
       </p:sp>
+      <p:pic>
+        <p:nvPicPr>
+          <p:cNvPr id="20" name="Picture 2">
+            <a:extLst>
+              <a:ext uri="{FF2B5EF4-FFF2-40B4-BE49-F238E27FC236}">
+                <a16:creationId xmlns:a16="http://schemas.microsoft.com/office/drawing/2014/main" id="{42739621-09B2-420B-83E4-5C86702EAC67}"/>
+              </a:ext>
+            </a:extLst>
+          </p:cNvPr>
+          <p:cNvPicPr>
+            <a:picLocks noChangeAspect="1" noChangeArrowheads="1"/>
+          </p:cNvPicPr>
+          <p:nvPr/>
+        </p:nvPicPr>
+        <p:blipFill rotWithShape="1">
+          <a:blip r:embed="rId2">
+            <a:extLst>
+              <a:ext uri="{28A0092B-C50C-407E-A947-70E740481C1C}">
+                <a14:useLocalDpi xmlns:a14="http://schemas.microsoft.com/office/drawing/2010/main" val="0"/>
+              </a:ext>
+            </a:extLst>
+          </a:blip>
+          <a:srcRect l="62085" t="54083" r="6694" b="31482"/>
+          <a:stretch/>
+        </p:blipFill>
+        <p:spPr bwMode="auto">
+          <a:xfrm>
+            <a:off x="4477521" y="2055812"/>
+            <a:ext cx="1597777" cy="1241516"/>
+          </a:xfrm>
+          <a:prstGeom prst="rect">
+            <a:avLst/>
+          </a:prstGeom>
+          <a:noFill/>
+          <a:effectLst>
+            <a:glow rad="63500">
+              <a:schemeClr val="accent5">
+                <a:satMod val="175000"/>
+                <a:alpha val="40000"/>
+              </a:schemeClr>
+            </a:glow>
+          </a:effectLst>
+          <a:extLst>
+            <a:ext uri="{909E8E84-426E-40DD-AFC4-6F175D3DCCD1}">
+              <a14:hiddenFill xmlns:a14="http://schemas.microsoft.com/office/drawing/2010/main">
+                <a:solidFill>
+                  <a:srgbClr val="FFFFFF"/>
+                </a:solidFill>
+              </a14:hiddenFill>
+            </a:ext>
+          </a:extLst>
+        </p:spPr>
+      </p:pic>
     </p:spTree>
     <p:extLst>
       <p:ext uri="{BB962C8B-B14F-4D97-AF65-F5344CB8AC3E}">
@@ -10636,7 +10749,7 @@
 </p:sld>
 </file>
 
-<file path=ppt/slides/slide21.xml><?xml version="1.0" encoding="utf-8"?>
+<file path=ppt/slides/slide18.xml><?xml version="1.0" encoding="utf-8"?>
 <p:sld xmlns:a="http://schemas.openxmlformats.org/drawingml/2006/main" xmlns:r="http://schemas.openxmlformats.org/officeDocument/2006/relationships" xmlns:p="http://schemas.openxmlformats.org/presentationml/2006/main">
   <p:cSld>
     <p:spTree>
@@ -10655,17 +10768,19 @@
       </p:grpSpPr>
       <p:pic>
         <p:nvPicPr>
-          <p:cNvPr id="18" name="Picture 2">
+          <p:cNvPr id="10" name="Picture 2">
             <a:extLst>
               <a:ext uri="{FF2B5EF4-FFF2-40B4-BE49-F238E27FC236}">
-                <a16:creationId xmlns:a16="http://schemas.microsoft.com/office/drawing/2014/main" id="{0B45B51F-7155-4E59-B9F7-BB7C964152C3}"/>
+                <a16:creationId xmlns:a16="http://schemas.microsoft.com/office/drawing/2014/main" id="{A0F113B5-F690-4D32-8376-D6F9214AAC5F}"/>
               </a:ext>
             </a:extLst>
           </p:cNvPr>
           <p:cNvPicPr>
-            <a:picLocks noChangeAspect="1" noChangeArrowheads="1"/>
+            <a:picLocks noGrp="1" noChangeAspect="1" noChangeArrowheads="1"/>
           </p:cNvPicPr>
-          <p:nvPr/>
+          <p:nvPr>
+            <p:ph idx="1"/>
+          </p:nvPr>
         </p:nvPicPr>
         <p:blipFill rotWithShape="1">
           <a:blip r:embed="rId2">
@@ -10675,26 +10790,18 @@
               </a:ext>
             </a:extLst>
           </a:blip>
-          <a:srcRect l="32534" t="11108" r="2776" b="46850"/>
+          <a:srcRect l="16615" t="5025" r="2077" b="42889"/>
           <a:stretch/>
         </p:blipFill>
         <p:spPr bwMode="auto">
           <a:xfrm>
-            <a:off x="2165192" y="1628774"/>
-            <a:ext cx="3670617" cy="4009137"/>
+            <a:off x="0" y="1571625"/>
+            <a:ext cx="4910283" cy="5286375"/>
           </a:xfrm>
           <a:prstGeom prst="rect">
             <a:avLst/>
           </a:prstGeom>
           <a:noFill/>
-          <a:effectLst>
-            <a:glow rad="228600">
-              <a:schemeClr val="accent4">
-                <a:satMod val="175000"/>
-                <a:alpha val="40000"/>
-              </a:schemeClr>
-            </a:glow>
-          </a:effectLst>
           <a:extLst>
             <a:ext uri="{909E8E84-426E-40DD-AFC4-6F175D3DCCD1}">
               <a14:hiddenFill xmlns:a14="http://schemas.microsoft.com/office/drawing/2010/main">
@@ -10736,157 +10843,6 @@
       </p:sp>
       <p:sp>
         <p:nvSpPr>
-          <p:cNvPr id="14" name="TextBox 13">
-            <a:extLst>
-              <a:ext uri="{FF2B5EF4-FFF2-40B4-BE49-F238E27FC236}">
-                <a16:creationId xmlns:a16="http://schemas.microsoft.com/office/drawing/2014/main" id="{5B369205-DB11-4A77-9A99-C51A286DA46D}"/>
-              </a:ext>
-            </a:extLst>
-          </p:cNvPr>
-          <p:cNvSpPr txBox="1"/>
-          <p:nvPr/>
-        </p:nvSpPr>
-        <p:spPr>
-          <a:xfrm>
-            <a:off x="6153150" y="2384078"/>
-            <a:ext cx="3581400" cy="646331"/>
-          </a:xfrm>
-          <a:prstGeom prst="rect">
-            <a:avLst/>
-          </a:prstGeom>
-          <a:noFill/>
-        </p:spPr>
-        <p:txBody>
-          <a:bodyPr wrap="square">
-            <a:spAutoFit/>
-          </a:bodyPr>
-          <a:lstStyle/>
-          <a:p>
-            <a:r>
-              <a:rPr lang="en-US" dirty="0"/>
-              <a:t>The northeastern</a:t>
-            </a:r>
-            <a:r>
-              <a:rPr lang="th-TH" dirty="0"/>
-              <a:t> </a:t>
-            </a:r>
-            <a:r>
-              <a:rPr lang="en-US" dirty="0"/>
-              <a:t>is the region with the highest rate of dengue.</a:t>
-            </a:r>
-          </a:p>
-        </p:txBody>
-      </p:sp>
-      <p:grpSp>
-        <p:nvGrpSpPr>
-          <p:cNvPr id="13" name="Group 12">
-            <a:extLst>
-              <a:ext uri="{FF2B5EF4-FFF2-40B4-BE49-F238E27FC236}">
-                <a16:creationId xmlns:a16="http://schemas.microsoft.com/office/drawing/2014/main" id="{C32642B9-9CB9-4AE1-8D2B-923ACB1C1FD0}"/>
-              </a:ext>
-            </a:extLst>
-          </p:cNvPr>
-          <p:cNvGrpSpPr/>
-          <p:nvPr/>
-        </p:nvGrpSpPr>
-        <p:grpSpPr>
-          <a:xfrm>
-            <a:off x="6153150" y="3351342"/>
-            <a:ext cx="4232753" cy="1249192"/>
-            <a:chOff x="1209040" y="3616883"/>
-            <a:chExt cx="7741761" cy="2284788"/>
-          </a:xfrm>
-        </p:grpSpPr>
-        <p:pic>
-          <p:nvPicPr>
-            <p:cNvPr id="6" name="Picture 5">
-              <a:extLst>
-                <a:ext uri="{FF2B5EF4-FFF2-40B4-BE49-F238E27FC236}">
-                  <a16:creationId xmlns:a16="http://schemas.microsoft.com/office/drawing/2014/main" id="{98E75B11-8259-4FFE-B25C-C8EACCBBD90F}"/>
-                </a:ext>
-              </a:extLst>
-            </p:cNvPr>
-            <p:cNvPicPr>
-              <a:picLocks noChangeAspect="1"/>
-            </p:cNvPicPr>
-            <p:nvPr/>
-          </p:nvPicPr>
-          <p:blipFill rotWithShape="1">
-            <a:blip r:embed="rId3"/>
-            <a:srcRect l="94343" r="-1"/>
-            <a:stretch/>
-          </p:blipFill>
-          <p:spPr>
-            <a:xfrm>
-              <a:off x="7934960" y="3619947"/>
-              <a:ext cx="1015841" cy="2281132"/>
-            </a:xfrm>
-            <a:prstGeom prst="rect">
-              <a:avLst/>
-            </a:prstGeom>
-          </p:spPr>
-        </p:pic>
-        <p:pic>
-          <p:nvPicPr>
-            <p:cNvPr id="17" name="Picture 16">
-              <a:extLst>
-                <a:ext uri="{FF2B5EF4-FFF2-40B4-BE49-F238E27FC236}">
-                  <a16:creationId xmlns:a16="http://schemas.microsoft.com/office/drawing/2014/main" id="{9AEA4457-7D75-4190-A168-B67EA0A84360}"/>
-                </a:ext>
-              </a:extLst>
-            </p:cNvPr>
-            <p:cNvPicPr>
-              <a:picLocks noChangeAspect="1"/>
-            </p:cNvPicPr>
-            <p:nvPr/>
-          </p:nvPicPr>
-          <p:blipFill rotWithShape="1">
-            <a:blip r:embed="rId3"/>
-            <a:srcRect l="64824" r="20917"/>
-            <a:stretch/>
-          </p:blipFill>
-          <p:spPr>
-            <a:xfrm>
-              <a:off x="5374640" y="3620539"/>
-              <a:ext cx="2560320" cy="2281132"/>
-            </a:xfrm>
-            <a:prstGeom prst="rect">
-              <a:avLst/>
-            </a:prstGeom>
-          </p:spPr>
-        </p:pic>
-        <p:pic>
-          <p:nvPicPr>
-            <p:cNvPr id="20" name="Picture 19">
-              <a:extLst>
-                <a:ext uri="{FF2B5EF4-FFF2-40B4-BE49-F238E27FC236}">
-                  <a16:creationId xmlns:a16="http://schemas.microsoft.com/office/drawing/2014/main" id="{74E54F1D-32BE-40FE-BFAE-1AA3608D0197}"/>
-                </a:ext>
-              </a:extLst>
-            </p:cNvPr>
-            <p:cNvPicPr>
-              <a:picLocks noChangeAspect="1"/>
-            </p:cNvPicPr>
-            <p:nvPr/>
-          </p:nvPicPr>
-          <p:blipFill rotWithShape="1">
-            <a:blip r:embed="rId3"/>
-            <a:srcRect l="11241" r="65561"/>
-            <a:stretch/>
-          </p:blipFill>
-          <p:spPr>
-            <a:xfrm>
-              <a:off x="1209040" y="3616883"/>
-              <a:ext cx="4165600" cy="2281132"/>
-            </a:xfrm>
-            <a:prstGeom prst="rect">
-              <a:avLst/>
-            </a:prstGeom>
-          </p:spPr>
-        </p:pic>
-      </p:grpSp>
-      <p:sp>
-        <p:nvSpPr>
           <p:cNvPr id="21" name="TextBox 20">
             <a:extLst>
               <a:ext uri="{FF2B5EF4-FFF2-40B4-BE49-F238E27FC236}">
@@ -10899,8 +10855,8 @@
         </p:nvSpPr>
         <p:spPr>
           <a:xfrm>
-            <a:off x="2003267" y="5793085"/>
-            <a:ext cx="3670617" cy="461665"/>
+            <a:off x="5377350" y="4404133"/>
+            <a:ext cx="5119200" cy="276999"/>
           </a:xfrm>
           <a:prstGeom prst="rect">
             <a:avLst/>
@@ -10923,8 +10879,766 @@
             </a:r>
             <a:r>
               <a:rPr lang="en-US" sz="1200" dirty="0"/>
-              <a:t>sick with dengue BBC Thai</a:t>
-            </a:r>
+              <a:t>sick with dengue. BBC Thai.</a:t>
+            </a:r>
+          </a:p>
+        </p:txBody>
+      </p:sp>
+      <p:graphicFrame>
+        <p:nvGraphicFramePr>
+          <p:cNvPr id="3" name="Table 3">
+            <a:extLst>
+              <a:ext uri="{FF2B5EF4-FFF2-40B4-BE49-F238E27FC236}">
+                <a16:creationId xmlns:a16="http://schemas.microsoft.com/office/drawing/2014/main" id="{C208E5B5-835A-4950-B617-EE5E2B56A1C4}"/>
+              </a:ext>
+            </a:extLst>
+          </p:cNvPr>
+          <p:cNvGraphicFramePr>
+            <a:graphicFrameLocks noGrp="1"/>
+          </p:cNvGraphicFramePr>
+          <p:nvPr>
+            <p:extLst>
+              <p:ext uri="{D42A27DB-BD31-4B8C-83A1-F6EECF244321}">
+                <p14:modId xmlns:p14="http://schemas.microsoft.com/office/powerpoint/2010/main" val="1604726192"/>
+              </p:ext>
+            </p:extLst>
+          </p:nvPr>
+        </p:nvGraphicFramePr>
+        <p:xfrm>
+          <a:off x="5377350" y="2289648"/>
+          <a:ext cx="6109800" cy="1899661"/>
+        </p:xfrm>
+        <a:graphic>
+          <a:graphicData uri="http://schemas.openxmlformats.org/drawingml/2006/table">
+            <a:tbl>
+              <a:tblPr firstRow="1" bandRow="1">
+                <a:tableStyleId>{2D5ABB26-0587-4C30-8999-92F81FD0307C}</a:tableStyleId>
+              </a:tblPr>
+              <a:tblGrid>
+                <a:gridCol w="1221960">
+                  <a:extLst>
+                    <a:ext uri="{9D8B030D-6E8A-4147-A177-3AD203B41FA5}">
+                      <a16:colId xmlns:a16="http://schemas.microsoft.com/office/drawing/2014/main" val="1510278683"/>
+                    </a:ext>
+                  </a:extLst>
+                </a:gridCol>
+                <a:gridCol w="1221960">
+                  <a:extLst>
+                    <a:ext uri="{9D8B030D-6E8A-4147-A177-3AD203B41FA5}">
+                      <a16:colId xmlns:a16="http://schemas.microsoft.com/office/drawing/2014/main" val="3299477824"/>
+                    </a:ext>
+                  </a:extLst>
+                </a:gridCol>
+                <a:gridCol w="1221960">
+                  <a:extLst>
+                    <a:ext uri="{9D8B030D-6E8A-4147-A177-3AD203B41FA5}">
+                      <a16:colId xmlns:a16="http://schemas.microsoft.com/office/drawing/2014/main" val="2503921379"/>
+                    </a:ext>
+                  </a:extLst>
+                </a:gridCol>
+                <a:gridCol w="1221960">
+                  <a:extLst>
+                    <a:ext uri="{9D8B030D-6E8A-4147-A177-3AD203B41FA5}">
+                      <a16:colId xmlns:a16="http://schemas.microsoft.com/office/drawing/2014/main" val="659652739"/>
+                    </a:ext>
+                  </a:extLst>
+                </a:gridCol>
+                <a:gridCol w="1221960">
+                  <a:extLst>
+                    <a:ext uri="{9D8B030D-6E8A-4147-A177-3AD203B41FA5}">
+                      <a16:colId xmlns:a16="http://schemas.microsoft.com/office/drawing/2014/main" val="321829204"/>
+                    </a:ext>
+                  </a:extLst>
+                </a:gridCol>
+              </a:tblGrid>
+              <a:tr h="292417">
+                <a:tc>
+                  <a:txBody>
+                    <a:bodyPr/>
+                    <a:lstStyle/>
+                    <a:p>
+                      <a:pPr algn="ctr"/>
+                      <a:r>
+                        <a:rPr lang="en-US" sz="1400" b="0" dirty="0">
+                          <a:latin typeface="+mj-lt"/>
+                        </a:rPr>
+                        <a:t>Province</a:t>
+                      </a:r>
+                    </a:p>
+                  </a:txBody>
+                  <a:tcPr marL="72103" marR="72103" marT="36051" marB="36051">
+                    <a:lnB w="12700" cap="flat" cmpd="sng" algn="ctr">
+                      <a:solidFill>
+                        <a:schemeClr val="tx1"/>
+                      </a:solidFill>
+                      <a:prstDash val="solid"/>
+                      <a:round/>
+                      <a:headEnd type="none" w="med" len="med"/>
+                      <a:tailEnd type="none" w="med" len="med"/>
+                    </a:lnB>
+                  </a:tcPr>
+                </a:tc>
+                <a:tc>
+                  <a:txBody>
+                    <a:bodyPr/>
+                    <a:lstStyle/>
+                    <a:p>
+                      <a:pPr algn="ctr"/>
+                      <a:r>
+                        <a:rPr lang="en-US" sz="1400" b="0" dirty="0" err="1">
+                          <a:latin typeface="+mj-lt"/>
+                        </a:rPr>
+                        <a:t>patient_count</a:t>
+                      </a:r>
+                      <a:endParaRPr lang="en-US" sz="1400" b="0" dirty="0">
+                        <a:latin typeface="+mj-lt"/>
+                      </a:endParaRPr>
+                    </a:p>
+                  </a:txBody>
+                  <a:tcPr marL="72103" marR="72103" marT="36051" marB="36051">
+                    <a:lnB w="12700" cap="flat" cmpd="sng" algn="ctr">
+                      <a:solidFill>
+                        <a:schemeClr val="tx1"/>
+                      </a:solidFill>
+                      <a:prstDash val="solid"/>
+                      <a:round/>
+                      <a:headEnd type="none" w="med" len="med"/>
+                      <a:tailEnd type="none" w="med" len="med"/>
+                    </a:lnB>
+                  </a:tcPr>
+                </a:tc>
+                <a:tc>
+                  <a:txBody>
+                    <a:bodyPr/>
+                    <a:lstStyle/>
+                    <a:p>
+                      <a:pPr algn="ctr"/>
+                      <a:r>
+                        <a:rPr lang="en-US" sz="1400" b="0" dirty="0" err="1">
+                          <a:latin typeface="+mj-lt"/>
+                        </a:rPr>
+                        <a:t>rain_ml</a:t>
+                      </a:r>
+                      <a:endParaRPr lang="en-US" sz="1400" b="0" dirty="0">
+                        <a:latin typeface="+mj-lt"/>
+                      </a:endParaRPr>
+                    </a:p>
+                  </a:txBody>
+                  <a:tcPr marL="72103" marR="72103" marT="36051" marB="36051">
+                    <a:lnB w="12700" cap="flat" cmpd="sng" algn="ctr">
+                      <a:solidFill>
+                        <a:schemeClr val="tx1"/>
+                      </a:solidFill>
+                      <a:prstDash val="solid"/>
+                      <a:round/>
+                      <a:headEnd type="none" w="med" len="med"/>
+                      <a:tailEnd type="none" w="med" len="med"/>
+                    </a:lnB>
+                  </a:tcPr>
+                </a:tc>
+                <a:tc>
+                  <a:txBody>
+                    <a:bodyPr/>
+                    <a:lstStyle/>
+                    <a:p>
+                      <a:pPr algn="ctr"/>
+                      <a:r>
+                        <a:rPr lang="en-US" sz="1400" b="0" dirty="0" err="1">
+                          <a:latin typeface="+mj-lt"/>
+                        </a:rPr>
+                        <a:t>rain_day</a:t>
+                      </a:r>
+                      <a:endParaRPr lang="en-US" sz="1400" b="0" dirty="0">
+                        <a:latin typeface="+mj-lt"/>
+                      </a:endParaRPr>
+                    </a:p>
+                  </a:txBody>
+                  <a:tcPr marL="72103" marR="72103" marT="36051" marB="36051">
+                    <a:lnB w="12700" cap="flat" cmpd="sng" algn="ctr">
+                      <a:solidFill>
+                        <a:schemeClr val="tx1"/>
+                      </a:solidFill>
+                      <a:prstDash val="solid"/>
+                      <a:round/>
+                      <a:headEnd type="none" w="med" len="med"/>
+                      <a:tailEnd type="none" w="med" len="med"/>
+                    </a:lnB>
+                  </a:tcPr>
+                </a:tc>
+                <a:tc>
+                  <a:txBody>
+                    <a:bodyPr/>
+                    <a:lstStyle/>
+                    <a:p>
+                      <a:pPr algn="ctr"/>
+                      <a:r>
+                        <a:rPr lang="en-US" sz="1400" b="0" dirty="0" err="1">
+                          <a:latin typeface="+mj-lt"/>
+                        </a:rPr>
+                        <a:t>rain_amount</a:t>
+                      </a:r>
+                      <a:endParaRPr lang="en-US" sz="1400" b="0" dirty="0">
+                        <a:latin typeface="+mj-lt"/>
+                      </a:endParaRPr>
+                    </a:p>
+                  </a:txBody>
+                  <a:tcPr marL="72103" marR="72103" marT="36051" marB="36051">
+                    <a:lnB w="12700" cap="flat" cmpd="sng" algn="ctr">
+                      <a:solidFill>
+                        <a:schemeClr val="tx1"/>
+                      </a:solidFill>
+                      <a:prstDash val="solid"/>
+                      <a:round/>
+                      <a:headEnd type="none" w="med" len="med"/>
+                      <a:tailEnd type="none" w="med" len="med"/>
+                    </a:lnB>
+                  </a:tcPr>
+                </a:tc>
+                <a:extLst>
+                  <a:ext uri="{0D108BD9-81ED-4DB2-BD59-A6C34878D82A}">
+                    <a16:rowId xmlns:a16="http://schemas.microsoft.com/office/drawing/2014/main" val="565428491"/>
+                  </a:ext>
+                </a:extLst>
+              </a:tr>
+              <a:tr h="292417">
+                <a:tc>
+                  <a:txBody>
+                    <a:bodyPr/>
+                    <a:lstStyle/>
+                    <a:p>
+                      <a:r>
+                        <a:rPr lang="en-US" sz="1400" b="0" kern="1200" dirty="0">
+                          <a:solidFill>
+                            <a:schemeClr val="dk1"/>
+                          </a:solidFill>
+                          <a:effectLst/>
+                        </a:rPr>
+                        <a:t>Mukdahan</a:t>
+                      </a:r>
+                      <a:endParaRPr lang="en-US" sz="1400" b="0" dirty="0">
+                        <a:latin typeface="+mn-lt"/>
+                      </a:endParaRPr>
+                    </a:p>
+                  </a:txBody>
+                  <a:tcPr marL="72103" marR="72103" marT="36051" marB="36051">
+                    <a:lnT w="12700" cap="flat" cmpd="sng" algn="ctr">
+                      <a:solidFill>
+                        <a:schemeClr val="tx1"/>
+                      </a:solidFill>
+                      <a:prstDash val="solid"/>
+                      <a:round/>
+                      <a:headEnd type="none" w="med" len="med"/>
+                      <a:tailEnd type="none" w="med" len="med"/>
+                    </a:lnT>
+                  </a:tcPr>
+                </a:tc>
+                <a:tc>
+                  <a:txBody>
+                    <a:bodyPr/>
+                    <a:lstStyle/>
+                    <a:p>
+                      <a:r>
+                        <a:rPr lang="en-US" sz="1400" b="0" kern="1200" dirty="0">
+                          <a:solidFill>
+                            <a:schemeClr val="dk1"/>
+                          </a:solidFill>
+                          <a:effectLst/>
+                        </a:rPr>
+                        <a:t>1576</a:t>
+                      </a:r>
+                      <a:endParaRPr lang="en-US" sz="1400" b="0" dirty="0">
+                        <a:latin typeface="+mn-lt"/>
+                      </a:endParaRPr>
+                    </a:p>
+                  </a:txBody>
+                  <a:tcPr marL="72103" marR="72103" marT="36051" marB="36051">
+                    <a:lnT w="12700" cap="flat" cmpd="sng" algn="ctr">
+                      <a:solidFill>
+                        <a:schemeClr val="tx1"/>
+                      </a:solidFill>
+                      <a:prstDash val="solid"/>
+                      <a:round/>
+                      <a:headEnd type="none" w="med" len="med"/>
+                      <a:tailEnd type="none" w="med" len="med"/>
+                    </a:lnT>
+                  </a:tcPr>
+                </a:tc>
+                <a:tc>
+                  <a:txBody>
+                    <a:bodyPr/>
+                    <a:lstStyle/>
+                    <a:p>
+                      <a:pPr algn="r" fontAlgn="ctr"/>
+                      <a:r>
+                        <a:rPr lang="en-US" sz="1400" dirty="0">
+                          <a:effectLst/>
+                        </a:rPr>
+                        <a:t>1587.0</a:t>
+                      </a:r>
+                      <a:endParaRPr lang="en-US" sz="1400" dirty="0">
+                        <a:effectLst/>
+                        <a:latin typeface="+mn-lt"/>
+                      </a:endParaRPr>
+                    </a:p>
+                  </a:txBody>
+                  <a:tcPr anchor="ctr">
+                    <a:lnT w="12700" cap="flat" cmpd="sng" algn="ctr">
+                      <a:solidFill>
+                        <a:schemeClr val="tx1"/>
+                      </a:solidFill>
+                      <a:prstDash val="solid"/>
+                      <a:round/>
+                      <a:headEnd type="none" w="med" len="med"/>
+                      <a:tailEnd type="none" w="med" len="med"/>
+                    </a:lnT>
+                  </a:tcPr>
+                </a:tc>
+                <a:tc>
+                  <a:txBody>
+                    <a:bodyPr/>
+                    <a:lstStyle/>
+                    <a:p>
+                      <a:pPr algn="r" fontAlgn="ctr"/>
+                      <a:r>
+                        <a:rPr lang="en-US" sz="1400" dirty="0">
+                          <a:effectLst/>
+                        </a:rPr>
+                        <a:t>110</a:t>
+                      </a:r>
+                      <a:endParaRPr lang="en-US" sz="1400" dirty="0">
+                        <a:effectLst/>
+                        <a:latin typeface="+mn-lt"/>
+                      </a:endParaRPr>
+                    </a:p>
+                  </a:txBody>
+                  <a:tcPr anchor="ctr">
+                    <a:lnT w="12700" cap="flat" cmpd="sng" algn="ctr">
+                      <a:solidFill>
+                        <a:schemeClr val="tx1"/>
+                      </a:solidFill>
+                      <a:prstDash val="solid"/>
+                      <a:round/>
+                      <a:headEnd type="none" w="med" len="med"/>
+                      <a:tailEnd type="none" w="med" len="med"/>
+                    </a:lnT>
+                  </a:tcPr>
+                </a:tc>
+                <a:tc>
+                  <a:txBody>
+                    <a:bodyPr/>
+                    <a:lstStyle/>
+                    <a:p>
+                      <a:r>
+                        <a:rPr lang="en-US" sz="1400" b="0">
+                          <a:solidFill>
+                            <a:srgbClr val="000000"/>
+                          </a:solidFill>
+                          <a:effectLst/>
+                        </a:rPr>
+                        <a:t>Medium</a:t>
+                      </a:r>
+                      <a:endParaRPr lang="en-US" sz="1400" b="0" dirty="0">
+                        <a:latin typeface="+mn-lt"/>
+                      </a:endParaRPr>
+                    </a:p>
+                  </a:txBody>
+                  <a:tcPr marL="72103" marR="72103" marT="36051" marB="36051">
+                    <a:lnT w="12700" cap="flat" cmpd="sng" algn="ctr">
+                      <a:solidFill>
+                        <a:schemeClr val="tx1"/>
+                      </a:solidFill>
+                      <a:prstDash val="solid"/>
+                      <a:round/>
+                      <a:headEnd type="none" w="med" len="med"/>
+                      <a:tailEnd type="none" w="med" len="med"/>
+                    </a:lnT>
+                  </a:tcPr>
+                </a:tc>
+                <a:extLst>
+                  <a:ext uri="{0D108BD9-81ED-4DB2-BD59-A6C34878D82A}">
+                    <a16:rowId xmlns:a16="http://schemas.microsoft.com/office/drawing/2014/main" val="1504070970"/>
+                  </a:ext>
+                </a:extLst>
+              </a:tr>
+              <a:tr h="292417">
+                <a:tc>
+                  <a:txBody>
+                    <a:bodyPr/>
+                    <a:lstStyle/>
+                    <a:p>
+                      <a:r>
+                        <a:rPr lang="en-US" sz="1400" b="0" dirty="0" err="1"/>
+                        <a:t>Ubon</a:t>
+                      </a:r>
+                      <a:r>
+                        <a:rPr lang="en-US" sz="1400" b="0" dirty="0"/>
+                        <a:t> </a:t>
+                      </a:r>
+                      <a:r>
+                        <a:rPr lang="en-US" sz="1400" b="0" dirty="0" err="1"/>
+                        <a:t>Ratchathani</a:t>
+                      </a:r>
+                      <a:endParaRPr lang="en-US" sz="1400" b="0" dirty="0">
+                        <a:latin typeface="+mn-lt"/>
+                      </a:endParaRPr>
+                    </a:p>
+                  </a:txBody>
+                  <a:tcPr marL="72103" marR="72103" marT="36051" marB="36051"/>
+                </a:tc>
+                <a:tc>
+                  <a:txBody>
+                    <a:bodyPr/>
+                    <a:lstStyle/>
+                    <a:p>
+                      <a:r>
+                        <a:rPr lang="en-US" sz="1400" b="0" kern="1200" dirty="0">
+                          <a:solidFill>
+                            <a:schemeClr val="dk1"/>
+                          </a:solidFill>
+                          <a:effectLst/>
+                        </a:rPr>
+                        <a:t>7583</a:t>
+                      </a:r>
+                      <a:endParaRPr lang="en-US" sz="1400" b="0" dirty="0">
+                        <a:latin typeface="+mn-lt"/>
+                      </a:endParaRPr>
+                    </a:p>
+                  </a:txBody>
+                  <a:tcPr marL="72103" marR="72103" marT="36051" marB="36051"/>
+                </a:tc>
+                <a:tc>
+                  <a:txBody>
+                    <a:bodyPr/>
+                    <a:lstStyle/>
+                    <a:p>
+                      <a:pPr algn="r" fontAlgn="ctr"/>
+                      <a:r>
+                        <a:rPr lang="en-US" sz="1400" dirty="0">
+                          <a:effectLst/>
+                        </a:rPr>
+                        <a:t>1697.7</a:t>
+                      </a:r>
+                      <a:endParaRPr lang="en-US" sz="1400" dirty="0">
+                        <a:effectLst/>
+                        <a:latin typeface="+mn-lt"/>
+                      </a:endParaRPr>
+                    </a:p>
+                  </a:txBody>
+                  <a:tcPr anchor="ctr"/>
+                </a:tc>
+                <a:tc>
+                  <a:txBody>
+                    <a:bodyPr/>
+                    <a:lstStyle/>
+                    <a:p>
+                      <a:pPr algn="r" fontAlgn="ctr"/>
+                      <a:r>
+                        <a:rPr lang="en-US" sz="1400" dirty="0">
+                          <a:effectLst/>
+                        </a:rPr>
+                        <a:t>130</a:t>
+                      </a:r>
+                      <a:endParaRPr lang="en-US" sz="1400" dirty="0">
+                        <a:effectLst/>
+                        <a:latin typeface="+mn-lt"/>
+                      </a:endParaRPr>
+                    </a:p>
+                  </a:txBody>
+                  <a:tcPr anchor="ctr"/>
+                </a:tc>
+                <a:tc>
+                  <a:txBody>
+                    <a:bodyPr/>
+                    <a:lstStyle/>
+                    <a:p>
+                      <a:r>
+                        <a:rPr lang="en-US" sz="1400" b="0">
+                          <a:solidFill>
+                            <a:srgbClr val="000000"/>
+                          </a:solidFill>
+                          <a:effectLst/>
+                        </a:rPr>
+                        <a:t>Medium</a:t>
+                      </a:r>
+                      <a:endParaRPr lang="en-US" sz="1400" b="0" dirty="0">
+                        <a:latin typeface="+mn-lt"/>
+                      </a:endParaRPr>
+                    </a:p>
+                  </a:txBody>
+                  <a:tcPr marL="72103" marR="72103" marT="36051" marB="36051"/>
+                </a:tc>
+                <a:extLst>
+                  <a:ext uri="{0D108BD9-81ED-4DB2-BD59-A6C34878D82A}">
+                    <a16:rowId xmlns:a16="http://schemas.microsoft.com/office/drawing/2014/main" val="3639187466"/>
+                  </a:ext>
+                </a:extLst>
+              </a:tr>
+              <a:tr h="292417">
+                <a:tc>
+                  <a:txBody>
+                    <a:bodyPr/>
+                    <a:lstStyle/>
+                    <a:p>
+                      <a:r>
+                        <a:rPr lang="en-US" sz="1400" b="0" dirty="0"/>
+                        <a:t>Sa </a:t>
+                      </a:r>
+                      <a:r>
+                        <a:rPr lang="en-US" sz="1400" b="0" dirty="0" err="1"/>
+                        <a:t>kaeo</a:t>
+                      </a:r>
+                      <a:endParaRPr lang="en-US" sz="1400" b="0" dirty="0">
+                        <a:latin typeface="+mn-lt"/>
+                      </a:endParaRPr>
+                    </a:p>
+                  </a:txBody>
+                  <a:tcPr marL="72103" marR="72103" marT="36051" marB="36051"/>
+                </a:tc>
+                <a:tc>
+                  <a:txBody>
+                    <a:bodyPr/>
+                    <a:lstStyle/>
+                    <a:p>
+                      <a:r>
+                        <a:rPr lang="en-US" sz="1400" b="0" kern="1200" dirty="0">
+                          <a:solidFill>
+                            <a:schemeClr val="dk1"/>
+                          </a:solidFill>
+                          <a:effectLst/>
+                        </a:rPr>
+                        <a:t>1503</a:t>
+                      </a:r>
+                      <a:endParaRPr lang="en-US" sz="1400" b="0" dirty="0">
+                        <a:latin typeface="+mn-lt"/>
+                      </a:endParaRPr>
+                    </a:p>
+                  </a:txBody>
+                  <a:tcPr marL="72103" marR="72103" marT="36051" marB="36051"/>
+                </a:tc>
+                <a:tc>
+                  <a:txBody>
+                    <a:bodyPr/>
+                    <a:lstStyle/>
+                    <a:p>
+                      <a:pPr algn="r" fontAlgn="ctr"/>
+                      <a:r>
+                        <a:rPr lang="en-US" sz="1400" dirty="0">
+                          <a:effectLst/>
+                        </a:rPr>
+                        <a:t>1638.0</a:t>
+                      </a:r>
+                      <a:endParaRPr lang="en-US" sz="1400" dirty="0">
+                        <a:effectLst/>
+                        <a:latin typeface="+mn-lt"/>
+                      </a:endParaRPr>
+                    </a:p>
+                  </a:txBody>
+                  <a:tcPr anchor="ctr"/>
+                </a:tc>
+                <a:tc>
+                  <a:txBody>
+                    <a:bodyPr/>
+                    <a:lstStyle/>
+                    <a:p>
+                      <a:pPr algn="r" fontAlgn="ctr"/>
+                      <a:r>
+                        <a:rPr lang="en-US" sz="1400" dirty="0">
+                          <a:effectLst/>
+                        </a:rPr>
+                        <a:t>130</a:t>
+                      </a:r>
+                      <a:endParaRPr lang="en-US" sz="1400" dirty="0">
+                        <a:effectLst/>
+                        <a:latin typeface="+mn-lt"/>
+                      </a:endParaRPr>
+                    </a:p>
+                  </a:txBody>
+                  <a:tcPr anchor="ctr"/>
+                </a:tc>
+                <a:tc>
+                  <a:txBody>
+                    <a:bodyPr/>
+                    <a:lstStyle/>
+                    <a:p>
+                      <a:r>
+                        <a:rPr lang="en-US" sz="1400" b="0">
+                          <a:solidFill>
+                            <a:srgbClr val="000000"/>
+                          </a:solidFill>
+                          <a:effectLst/>
+                        </a:rPr>
+                        <a:t>Medium</a:t>
+                      </a:r>
+                      <a:endParaRPr lang="en-US" sz="1400" b="0" dirty="0">
+                        <a:latin typeface="+mn-lt"/>
+                      </a:endParaRPr>
+                    </a:p>
+                  </a:txBody>
+                  <a:tcPr marL="72103" marR="72103" marT="36051" marB="36051"/>
+                </a:tc>
+                <a:extLst>
+                  <a:ext uri="{0D108BD9-81ED-4DB2-BD59-A6C34878D82A}">
+                    <a16:rowId xmlns:a16="http://schemas.microsoft.com/office/drawing/2014/main" val="4096132453"/>
+                  </a:ext>
+                </a:extLst>
+              </a:tr>
+              <a:tr h="292417">
+                <a:tc>
+                  <a:txBody>
+                    <a:bodyPr/>
+                    <a:lstStyle/>
+                    <a:p>
+                      <a:r>
+                        <a:rPr lang="en-US" sz="1400" b="0" dirty="0"/>
+                        <a:t>Nakhon </a:t>
+                      </a:r>
+                      <a:r>
+                        <a:rPr lang="en-US" sz="1400" b="0" dirty="0" err="1"/>
+                        <a:t>Phanom</a:t>
+                      </a:r>
+                      <a:endParaRPr lang="en-US" sz="1400" b="0" dirty="0">
+                        <a:latin typeface="+mn-lt"/>
+                      </a:endParaRPr>
+                    </a:p>
+                  </a:txBody>
+                  <a:tcPr marL="72103" marR="72103" marT="36051" marB="36051"/>
+                </a:tc>
+                <a:tc>
+                  <a:txBody>
+                    <a:bodyPr/>
+                    <a:lstStyle/>
+                    <a:p>
+                      <a:r>
+                        <a:rPr lang="en-US" sz="1400" b="0" dirty="0"/>
+                        <a:t>1038</a:t>
+                      </a:r>
+                      <a:endParaRPr lang="en-US" sz="1400" b="0" dirty="0">
+                        <a:latin typeface="+mn-lt"/>
+                      </a:endParaRPr>
+                    </a:p>
+                  </a:txBody>
+                  <a:tcPr marL="72103" marR="72103" marT="36051" marB="36051"/>
+                </a:tc>
+                <a:tc>
+                  <a:txBody>
+                    <a:bodyPr/>
+                    <a:lstStyle/>
+                    <a:p>
+                      <a:pPr algn="r" fontAlgn="ctr"/>
+                      <a:r>
+                        <a:rPr lang="en-US" sz="1400">
+                          <a:effectLst/>
+                        </a:rPr>
+                        <a:t>2178.1</a:t>
+                      </a:r>
+                      <a:endParaRPr lang="en-US" sz="1400">
+                        <a:effectLst/>
+                        <a:latin typeface="+mn-lt"/>
+                      </a:endParaRPr>
+                    </a:p>
+                  </a:txBody>
+                  <a:tcPr anchor="ctr"/>
+                </a:tc>
+                <a:tc>
+                  <a:txBody>
+                    <a:bodyPr/>
+                    <a:lstStyle/>
+                    <a:p>
+                      <a:pPr algn="r" fontAlgn="ctr"/>
+                      <a:r>
+                        <a:rPr lang="en-US" sz="1400" dirty="0">
+                          <a:effectLst/>
+                        </a:rPr>
+                        <a:t>127</a:t>
+                      </a:r>
+                      <a:endParaRPr lang="en-US" sz="1400" dirty="0">
+                        <a:effectLst/>
+                        <a:latin typeface="+mn-lt"/>
+                      </a:endParaRPr>
+                    </a:p>
+                  </a:txBody>
+                  <a:tcPr anchor="ctr"/>
+                </a:tc>
+                <a:tc>
+                  <a:txBody>
+                    <a:bodyPr/>
+                    <a:lstStyle/>
+                    <a:p>
+                      <a:r>
+                        <a:rPr lang="en-US" sz="1400" b="0" dirty="0">
+                          <a:solidFill>
+                            <a:srgbClr val="000000"/>
+                          </a:solidFill>
+                          <a:effectLst/>
+                        </a:rPr>
+                        <a:t>Medium</a:t>
+                      </a:r>
+                      <a:endParaRPr lang="en-US" sz="1400" b="0" dirty="0">
+                        <a:latin typeface="+mn-lt"/>
+                      </a:endParaRPr>
+                    </a:p>
+                  </a:txBody>
+                  <a:tcPr marL="72103" marR="72103" marT="36051" marB="36051"/>
+                </a:tc>
+                <a:extLst>
+                  <a:ext uri="{0D108BD9-81ED-4DB2-BD59-A6C34878D82A}">
+                    <a16:rowId xmlns:a16="http://schemas.microsoft.com/office/drawing/2014/main" val="2885511966"/>
+                  </a:ext>
+                </a:extLst>
+              </a:tr>
+            </a:tbl>
+          </a:graphicData>
+        </a:graphic>
+      </p:graphicFrame>
+      <p:sp>
+        <p:nvSpPr>
+          <p:cNvPr id="4" name="Oval 3">
+            <a:extLst>
+              <a:ext uri="{FF2B5EF4-FFF2-40B4-BE49-F238E27FC236}">
+                <a16:creationId xmlns:a16="http://schemas.microsoft.com/office/drawing/2014/main" id="{DCFC088A-5743-4013-89A7-8A5704587CE1}"/>
+              </a:ext>
+            </a:extLst>
+          </p:cNvPr>
+          <p:cNvSpPr/>
+          <p:nvPr/>
+        </p:nvSpPr>
+        <p:spPr>
+          <a:xfrm>
+            <a:off x="1105681" y="2266950"/>
+            <a:ext cx="3928427" cy="3928427"/>
+          </a:xfrm>
+          <a:prstGeom prst="ellipse">
+            <a:avLst/>
+          </a:prstGeom>
+          <a:noFill/>
+          <a:ln>
+            <a:solidFill>
+              <a:srgbClr val="C00000"/>
+            </a:solidFill>
+          </a:ln>
+        </p:spPr>
+        <p:style>
+          <a:lnRef idx="2">
+            <a:schemeClr val="accent1">
+              <a:shade val="50000"/>
+            </a:schemeClr>
+          </a:lnRef>
+          <a:fillRef idx="1">
+            <a:schemeClr val="accent1"/>
+          </a:fillRef>
+          <a:effectRef idx="0">
+            <a:schemeClr val="accent1"/>
+          </a:effectRef>
+          <a:fontRef idx="minor">
+            <a:schemeClr val="lt1"/>
+          </a:fontRef>
+        </p:style>
+        <p:txBody>
+          <a:bodyPr rtlCol="0" anchor="ctr"/>
+          <a:lstStyle/>
+          <a:p>
+            <a:pPr algn="ctr"/>
+            <a:endParaRPr lang="en-US"/>
           </a:p>
         </p:txBody>
       </p:sp>
@@ -10941,373 +11655,7 @@
 </p:sld>
 </file>
 
-<file path=ppt/slides/slide22.xml><?xml version="1.0" encoding="utf-8"?>
-<p:sld xmlns:a="http://schemas.openxmlformats.org/drawingml/2006/main" xmlns:r="http://schemas.openxmlformats.org/officeDocument/2006/relationships" xmlns:p="http://schemas.openxmlformats.org/presentationml/2006/main">
-  <p:cSld>
-    <p:spTree>
-      <p:nvGrpSpPr>
-        <p:cNvPr id="1" name=""/>
-        <p:cNvGrpSpPr/>
-        <p:nvPr/>
-      </p:nvGrpSpPr>
-      <p:grpSpPr>
-        <a:xfrm>
-          <a:off x="0" y="0"/>
-          <a:ext cx="0" cy="0"/>
-          <a:chOff x="0" y="0"/>
-          <a:chExt cx="0" cy="0"/>
-        </a:xfrm>
-      </p:grpSpPr>
-      <p:sp>
-        <p:nvSpPr>
-          <p:cNvPr id="2" name="Title 1">
-            <a:extLst>
-              <a:ext uri="{FF2B5EF4-FFF2-40B4-BE49-F238E27FC236}">
-                <a16:creationId xmlns:a16="http://schemas.microsoft.com/office/drawing/2014/main" id="{AA677C4D-8506-4732-8FBC-CFDFB80C0CC4}"/>
-              </a:ext>
-            </a:extLst>
-          </p:cNvPr>
-          <p:cNvSpPr>
-            <a:spLocks noGrp="1"/>
-          </p:cNvSpPr>
-          <p:nvPr>
-            <p:ph type="title"/>
-          </p:nvPr>
-        </p:nvSpPr>
-        <p:spPr/>
-        <p:txBody>
-          <a:bodyPr/>
-          <a:lstStyle/>
-          <a:p>
-            <a:r>
-              <a:rPr lang="en-US" dirty="0"/>
-              <a:t>Clusters</a:t>
-            </a:r>
-          </a:p>
-        </p:txBody>
-      </p:sp>
-      <p:pic>
-        <p:nvPicPr>
-          <p:cNvPr id="10" name="Picture 2">
-            <a:extLst>
-              <a:ext uri="{FF2B5EF4-FFF2-40B4-BE49-F238E27FC236}">
-                <a16:creationId xmlns:a16="http://schemas.microsoft.com/office/drawing/2014/main" id="{C90F665E-8977-4965-8C6F-8AAB66FCDBE6}"/>
-              </a:ext>
-            </a:extLst>
-          </p:cNvPr>
-          <p:cNvPicPr>
-            <a:picLocks noGrp="1" noChangeAspect="1" noChangeArrowheads="1"/>
-          </p:cNvPicPr>
-          <p:nvPr>
-            <p:ph idx="1"/>
-          </p:nvPr>
-        </p:nvPicPr>
-        <p:blipFill rotWithShape="1">
-          <a:blip r:embed="rId2">
-            <a:extLst>
-              <a:ext uri="{28A0092B-C50C-407E-A947-70E740481C1C}">
-                <a14:useLocalDpi xmlns:a14="http://schemas.microsoft.com/office/drawing/2010/main" val="0"/>
-              </a:ext>
-            </a:extLst>
-          </a:blip>
-          <a:srcRect l="16828" t="4754" r="28893" b="59098"/>
-          <a:stretch/>
-        </p:blipFill>
-        <p:spPr bwMode="auto">
-          <a:xfrm>
-            <a:off x="1685927" y="1690688"/>
-            <a:ext cx="2209800" cy="2473325"/>
-          </a:xfrm>
-          <a:prstGeom prst="rect">
-            <a:avLst/>
-          </a:prstGeom>
-          <a:noFill/>
-          <a:extLst>
-            <a:ext uri="{909E8E84-426E-40DD-AFC4-6F175D3DCCD1}">
-              <a14:hiddenFill xmlns:a14="http://schemas.microsoft.com/office/drawing/2010/main">
-                <a:solidFill>
-                  <a:srgbClr val="FFFFFF"/>
-                </a:solidFill>
-              </a14:hiddenFill>
-            </a:ext>
-          </a:extLst>
-        </p:spPr>
-      </p:pic>
-      <p:pic>
-        <p:nvPicPr>
-          <p:cNvPr id="11" name="Picture 2">
-            <a:extLst>
-              <a:ext uri="{FF2B5EF4-FFF2-40B4-BE49-F238E27FC236}">
-                <a16:creationId xmlns:a16="http://schemas.microsoft.com/office/drawing/2014/main" id="{CA2298A9-0149-4B81-A9D0-25BE0F458380}"/>
-              </a:ext>
-            </a:extLst>
-          </p:cNvPr>
-          <p:cNvPicPr>
-            <a:picLocks noChangeAspect="1" noChangeArrowheads="1"/>
-          </p:cNvPicPr>
-          <p:nvPr/>
-        </p:nvPicPr>
-        <p:blipFill rotWithShape="1">
-          <a:blip r:embed="rId2">
-            <a:extLst>
-              <a:ext uri="{28A0092B-C50C-407E-A947-70E740481C1C}">
-                <a14:useLocalDpi xmlns:a14="http://schemas.microsoft.com/office/drawing/2010/main" val="0"/>
-              </a:ext>
-            </a:extLst>
-          </a:blip>
-          <a:srcRect l="16665" t="48698" r="38648" b="9446"/>
-          <a:stretch/>
-        </p:blipFill>
-        <p:spPr bwMode="auto">
-          <a:xfrm>
-            <a:off x="6251141" y="1678865"/>
-            <a:ext cx="1819275" cy="2863851"/>
-          </a:xfrm>
-          <a:prstGeom prst="rect">
-            <a:avLst/>
-          </a:prstGeom>
-          <a:noFill/>
-          <a:extLst>
-            <a:ext uri="{909E8E84-426E-40DD-AFC4-6F175D3DCCD1}">
-              <a14:hiddenFill xmlns:a14="http://schemas.microsoft.com/office/drawing/2010/main">
-                <a:solidFill>
-                  <a:srgbClr val="FFFFFF"/>
-                </a:solidFill>
-              </a14:hiddenFill>
-            </a:ext>
-          </a:extLst>
-        </p:spPr>
-      </p:pic>
-      <p:grpSp>
-        <p:nvGrpSpPr>
-          <p:cNvPr id="13" name="Group 12">
-            <a:extLst>
-              <a:ext uri="{FF2B5EF4-FFF2-40B4-BE49-F238E27FC236}">
-                <a16:creationId xmlns:a16="http://schemas.microsoft.com/office/drawing/2014/main" id="{478E94BA-003B-431E-BB8A-86F7658158BE}"/>
-              </a:ext>
-            </a:extLst>
-          </p:cNvPr>
-          <p:cNvGrpSpPr/>
-          <p:nvPr/>
-        </p:nvGrpSpPr>
-        <p:grpSpPr>
-          <a:xfrm>
-            <a:off x="1154230" y="4542716"/>
-            <a:ext cx="4232753" cy="1249192"/>
-            <a:chOff x="1209040" y="3616883"/>
-            <a:chExt cx="7741761" cy="2284788"/>
-          </a:xfrm>
-        </p:grpSpPr>
-        <p:pic>
-          <p:nvPicPr>
-            <p:cNvPr id="14" name="Picture 13">
-              <a:extLst>
-                <a:ext uri="{FF2B5EF4-FFF2-40B4-BE49-F238E27FC236}">
-                  <a16:creationId xmlns:a16="http://schemas.microsoft.com/office/drawing/2014/main" id="{D4D804EF-CD2D-4D16-A9FD-51ABDF79FF48}"/>
-                </a:ext>
-              </a:extLst>
-            </p:cNvPr>
-            <p:cNvPicPr>
-              <a:picLocks noChangeAspect="1"/>
-            </p:cNvPicPr>
-            <p:nvPr/>
-          </p:nvPicPr>
-          <p:blipFill rotWithShape="1">
-            <a:blip r:embed="rId3"/>
-            <a:srcRect l="94343" r="-1"/>
-            <a:stretch/>
-          </p:blipFill>
-          <p:spPr>
-            <a:xfrm>
-              <a:off x="7934960" y="3619947"/>
-              <a:ext cx="1015841" cy="2281132"/>
-            </a:xfrm>
-            <a:prstGeom prst="rect">
-              <a:avLst/>
-            </a:prstGeom>
-          </p:spPr>
-        </p:pic>
-        <p:pic>
-          <p:nvPicPr>
-            <p:cNvPr id="15" name="Picture 14">
-              <a:extLst>
-                <a:ext uri="{FF2B5EF4-FFF2-40B4-BE49-F238E27FC236}">
-                  <a16:creationId xmlns:a16="http://schemas.microsoft.com/office/drawing/2014/main" id="{EE39A016-3A2D-4812-A434-A209D4AFDA13}"/>
-                </a:ext>
-              </a:extLst>
-            </p:cNvPr>
-            <p:cNvPicPr>
-              <a:picLocks noChangeAspect="1"/>
-            </p:cNvPicPr>
-            <p:nvPr/>
-          </p:nvPicPr>
-          <p:blipFill rotWithShape="1">
-            <a:blip r:embed="rId3"/>
-            <a:srcRect l="64824" r="20917"/>
-            <a:stretch/>
-          </p:blipFill>
-          <p:spPr>
-            <a:xfrm>
-              <a:off x="5374640" y="3620539"/>
-              <a:ext cx="2560320" cy="2281132"/>
-            </a:xfrm>
-            <a:prstGeom prst="rect">
-              <a:avLst/>
-            </a:prstGeom>
-          </p:spPr>
-        </p:pic>
-        <p:pic>
-          <p:nvPicPr>
-            <p:cNvPr id="16" name="Picture 15">
-              <a:extLst>
-                <a:ext uri="{FF2B5EF4-FFF2-40B4-BE49-F238E27FC236}">
-                  <a16:creationId xmlns:a16="http://schemas.microsoft.com/office/drawing/2014/main" id="{2347337E-891D-4031-AA52-8684EB2E7765}"/>
-                </a:ext>
-              </a:extLst>
-            </p:cNvPr>
-            <p:cNvPicPr>
-              <a:picLocks noChangeAspect="1"/>
-            </p:cNvPicPr>
-            <p:nvPr/>
-          </p:nvPicPr>
-          <p:blipFill rotWithShape="1">
-            <a:blip r:embed="rId3"/>
-            <a:srcRect l="11241" r="65561"/>
-            <a:stretch/>
-          </p:blipFill>
-          <p:spPr>
-            <a:xfrm>
-              <a:off x="1209040" y="3616883"/>
-              <a:ext cx="4165600" cy="2281132"/>
-            </a:xfrm>
-            <a:prstGeom prst="rect">
-              <a:avLst/>
-            </a:prstGeom>
-          </p:spPr>
-        </p:pic>
-      </p:grpSp>
-      <p:grpSp>
-        <p:nvGrpSpPr>
-          <p:cNvPr id="17" name="Group 16">
-            <a:extLst>
-              <a:ext uri="{FF2B5EF4-FFF2-40B4-BE49-F238E27FC236}">
-                <a16:creationId xmlns:a16="http://schemas.microsoft.com/office/drawing/2014/main" id="{7A9C1CF5-75DE-482C-9ECD-58585806B793}"/>
-              </a:ext>
-            </a:extLst>
-          </p:cNvPr>
-          <p:cNvGrpSpPr/>
-          <p:nvPr/>
-        </p:nvGrpSpPr>
-        <p:grpSpPr>
-          <a:xfrm>
-            <a:off x="6231416" y="4541716"/>
-            <a:ext cx="4232753" cy="1249192"/>
-            <a:chOff x="1209040" y="3616883"/>
-            <a:chExt cx="7741761" cy="2284788"/>
-          </a:xfrm>
-        </p:grpSpPr>
-        <p:pic>
-          <p:nvPicPr>
-            <p:cNvPr id="18" name="Picture 17">
-              <a:extLst>
-                <a:ext uri="{FF2B5EF4-FFF2-40B4-BE49-F238E27FC236}">
-                  <a16:creationId xmlns:a16="http://schemas.microsoft.com/office/drawing/2014/main" id="{3801D0B4-0FAE-42A8-A7BD-A81B4368DF5D}"/>
-                </a:ext>
-              </a:extLst>
-            </p:cNvPr>
-            <p:cNvPicPr>
-              <a:picLocks noChangeAspect="1"/>
-            </p:cNvPicPr>
-            <p:nvPr/>
-          </p:nvPicPr>
-          <p:blipFill rotWithShape="1">
-            <a:blip r:embed="rId3"/>
-            <a:srcRect l="94343" r="-1"/>
-            <a:stretch/>
-          </p:blipFill>
-          <p:spPr>
-            <a:xfrm>
-              <a:off x="7934960" y="3619947"/>
-              <a:ext cx="1015841" cy="2281132"/>
-            </a:xfrm>
-            <a:prstGeom prst="rect">
-              <a:avLst/>
-            </a:prstGeom>
-          </p:spPr>
-        </p:pic>
-        <p:pic>
-          <p:nvPicPr>
-            <p:cNvPr id="19" name="Picture 18">
-              <a:extLst>
-                <a:ext uri="{FF2B5EF4-FFF2-40B4-BE49-F238E27FC236}">
-                  <a16:creationId xmlns:a16="http://schemas.microsoft.com/office/drawing/2014/main" id="{E458B0B4-61FE-486E-A2BF-8EA5D796B71B}"/>
-                </a:ext>
-              </a:extLst>
-            </p:cNvPr>
-            <p:cNvPicPr>
-              <a:picLocks noChangeAspect="1"/>
-            </p:cNvPicPr>
-            <p:nvPr/>
-          </p:nvPicPr>
-          <p:blipFill rotWithShape="1">
-            <a:blip r:embed="rId3"/>
-            <a:srcRect l="64824" r="20917"/>
-            <a:stretch/>
-          </p:blipFill>
-          <p:spPr>
-            <a:xfrm>
-              <a:off x="5374640" y="3620539"/>
-              <a:ext cx="2560320" cy="2281132"/>
-            </a:xfrm>
-            <a:prstGeom prst="rect">
-              <a:avLst/>
-            </a:prstGeom>
-          </p:spPr>
-        </p:pic>
-        <p:pic>
-          <p:nvPicPr>
-            <p:cNvPr id="20" name="Picture 19">
-              <a:extLst>
-                <a:ext uri="{FF2B5EF4-FFF2-40B4-BE49-F238E27FC236}">
-                  <a16:creationId xmlns:a16="http://schemas.microsoft.com/office/drawing/2014/main" id="{D40F9878-306C-4FF2-9EC3-E05FE7D1E8B5}"/>
-                </a:ext>
-              </a:extLst>
-            </p:cNvPr>
-            <p:cNvPicPr>
-              <a:picLocks noChangeAspect="1"/>
-            </p:cNvPicPr>
-            <p:nvPr/>
-          </p:nvPicPr>
-          <p:blipFill rotWithShape="1">
-            <a:blip r:embed="rId3"/>
-            <a:srcRect l="11241" r="65561"/>
-            <a:stretch/>
-          </p:blipFill>
-          <p:spPr>
-            <a:xfrm>
-              <a:off x="1209040" y="3616883"/>
-              <a:ext cx="4165600" cy="2281132"/>
-            </a:xfrm>
-            <a:prstGeom prst="rect">
-              <a:avLst/>
-            </a:prstGeom>
-          </p:spPr>
-        </p:pic>
-      </p:grpSp>
-    </p:spTree>
-    <p:extLst>
-      <p:ext uri="{BB962C8B-B14F-4D97-AF65-F5344CB8AC3E}">
-        <p14:creationId xmlns:p14="http://schemas.microsoft.com/office/powerpoint/2010/main" val="1695408946"/>
-      </p:ext>
-    </p:extLst>
-  </p:cSld>
-  <p:clrMapOvr>
-    <a:masterClrMapping/>
-  </p:clrMapOvr>
-</p:sld>
-</file>
-
-<file path=ppt/slides/slide23.xml><?xml version="1.0" encoding="utf-8"?>
+<file path=ppt/slides/slide19.xml><?xml version="1.0" encoding="utf-8"?>
 <p:sld xmlns:a="http://schemas.openxmlformats.org/drawingml/2006/main" xmlns:r="http://schemas.openxmlformats.org/officeDocument/2006/relationships" xmlns:p="http://schemas.openxmlformats.org/presentationml/2006/main">
   <p:cSld>
     <p:spTree>
@@ -11354,10 +11702,10 @@
       </p:sp>
       <p:grpSp>
         <p:nvGrpSpPr>
-          <p:cNvPr id="14" name="Group 13">
+          <p:cNvPr id="9" name="Group 8">
             <a:extLst>
               <a:ext uri="{FF2B5EF4-FFF2-40B4-BE49-F238E27FC236}">
-                <a16:creationId xmlns:a16="http://schemas.microsoft.com/office/drawing/2014/main" id="{94AC2D8A-57F2-4810-AD75-2D342138D88A}"/>
+                <a16:creationId xmlns:a16="http://schemas.microsoft.com/office/drawing/2014/main" id="{CC8EB70E-0BC2-4848-9FEE-1990CC4F61E2}"/>
               </a:ext>
             </a:extLst>
           </p:cNvPr>
@@ -11366,330 +11714,378 @@
         </p:nvGrpSpPr>
         <p:grpSpPr>
           <a:xfrm>
-            <a:off x="1210366" y="1843979"/>
-            <a:ext cx="9771268" cy="4302100"/>
-            <a:chOff x="838200" y="1843979"/>
-            <a:chExt cx="9771268" cy="4302100"/>
+            <a:off x="6351869" y="2782073"/>
+            <a:ext cx="4579669" cy="2845347"/>
+            <a:chOff x="5755480" y="1929837"/>
+            <a:chExt cx="4579669" cy="2845347"/>
           </a:xfrm>
         </p:grpSpPr>
-        <p:grpSp>
-          <p:nvGrpSpPr>
-            <p:cNvPr id="9" name="Group 8">
+        <p:pic>
+          <p:nvPicPr>
+            <p:cNvPr id="10" name="Picture 4">
               <a:extLst>
                 <a:ext uri="{FF2B5EF4-FFF2-40B4-BE49-F238E27FC236}">
-                  <a16:creationId xmlns:a16="http://schemas.microsoft.com/office/drawing/2014/main" id="{CC8EB70E-0BC2-4848-9FEE-1990CC4F61E2}"/>
+                  <a16:creationId xmlns:a16="http://schemas.microsoft.com/office/drawing/2014/main" id="{CCFDC783-2425-4B8D-89E2-DEDCD1E3EB77}"/>
                 </a:ext>
               </a:extLst>
             </p:cNvPr>
-            <p:cNvGrpSpPr/>
+            <p:cNvPicPr>
+              <a:picLocks noChangeAspect="1" noChangeArrowheads="1"/>
+            </p:cNvPicPr>
             <p:nvPr/>
-          </p:nvGrpSpPr>
-          <p:grpSpPr>
-            <a:xfrm>
-              <a:off x="6029799" y="2405254"/>
-              <a:ext cx="4579669" cy="2845347"/>
-              <a:chOff x="5755480" y="1929837"/>
-              <a:chExt cx="4579669" cy="2845347"/>
-            </a:xfrm>
-          </p:grpSpPr>
-          <p:pic>
-            <p:nvPicPr>
-              <p:cNvPr id="10" name="Picture 4">
-                <a:extLst>
-                  <a:ext uri="{FF2B5EF4-FFF2-40B4-BE49-F238E27FC236}">
-                    <a16:creationId xmlns:a16="http://schemas.microsoft.com/office/drawing/2014/main" id="{CCFDC783-2425-4B8D-89E2-DEDCD1E3EB77}"/>
-                  </a:ext>
-                </a:extLst>
-              </p:cNvPr>
-              <p:cNvPicPr>
-                <a:picLocks noChangeAspect="1" noChangeArrowheads="1"/>
-              </p:cNvPicPr>
-              <p:nvPr/>
-            </p:nvPicPr>
-            <p:blipFill rotWithShape="1">
-              <a:blip r:embed="rId2">
-                <a:alphaModFix/>
-                <a:extLst>
-                  <a:ext uri="{28A0092B-C50C-407E-A947-70E740481C1C}">
-                    <a14:useLocalDpi xmlns:a14="http://schemas.microsoft.com/office/drawing/2010/main" val="0"/>
-                  </a:ext>
-                </a:extLst>
-              </a:blip>
-              <a:srcRect l="21313" t="3029" r="22917" b="6620"/>
-              <a:stretch/>
-            </p:blipFill>
-            <p:spPr bwMode="auto">
-              <a:xfrm>
-                <a:off x="5755480" y="1929837"/>
-                <a:ext cx="3790004" cy="2824028"/>
-              </a:xfrm>
-              <a:prstGeom prst="rect">
-                <a:avLst/>
-              </a:prstGeom>
-              <a:noFill/>
+          </p:nvPicPr>
+          <p:blipFill rotWithShape="1">
+            <a:blip r:embed="rId2">
+              <a:alphaModFix/>
               <a:extLst>
-                <a:ext uri="{909E8E84-426E-40DD-AFC4-6F175D3DCCD1}">
-                  <a14:hiddenFill xmlns:a14="http://schemas.microsoft.com/office/drawing/2010/main">
-                    <a:solidFill>
-                      <a:srgbClr val="FFFFFF"/>
-                    </a:solidFill>
-                  </a14:hiddenFill>
+                <a:ext uri="{28A0092B-C50C-407E-A947-70E740481C1C}">
+                  <a14:useLocalDpi xmlns:a14="http://schemas.microsoft.com/office/drawing/2010/main" val="0"/>
                 </a:ext>
               </a:extLst>
-            </p:spPr>
-          </p:pic>
-          <p:pic>
-            <p:nvPicPr>
-              <p:cNvPr id="15" name="Picture 4">
-                <a:extLst>
-                  <a:ext uri="{FF2B5EF4-FFF2-40B4-BE49-F238E27FC236}">
-                    <a16:creationId xmlns:a16="http://schemas.microsoft.com/office/drawing/2014/main" id="{A9B310FD-8528-41F4-A39D-9924FC18C0D9}"/>
-                  </a:ext>
-                </a:extLst>
-              </p:cNvPr>
-              <p:cNvPicPr>
-                <a:picLocks noChangeAspect="1" noChangeArrowheads="1"/>
-              </p:cNvPicPr>
-              <p:nvPr/>
-            </p:nvPicPr>
-            <p:blipFill rotWithShape="1">
-              <a:blip r:embed="rId2">
-                <a:alphaModFix/>
-                <a:extLst>
-                  <a:ext uri="{28A0092B-C50C-407E-A947-70E740481C1C}">
-                    <a14:useLocalDpi xmlns:a14="http://schemas.microsoft.com/office/drawing/2010/main" val="0"/>
-                  </a:ext>
-                </a:extLst>
-              </a:blip>
-              <a:srcRect l="88242" t="1045" b="6620"/>
-              <a:stretch/>
-            </p:blipFill>
-            <p:spPr bwMode="auto">
-              <a:xfrm>
-                <a:off x="9547400" y="1929837"/>
-                <a:ext cx="787749" cy="2845347"/>
-              </a:xfrm>
-              <a:prstGeom prst="rect">
-                <a:avLst/>
-              </a:prstGeom>
-              <a:noFill/>
-              <a:extLst>
-                <a:ext uri="{909E8E84-426E-40DD-AFC4-6F175D3DCCD1}">
-                  <a14:hiddenFill xmlns:a14="http://schemas.microsoft.com/office/drawing/2010/main">
-                    <a:solidFill>
-                      <a:srgbClr val="FFFFFF"/>
-                    </a:solidFill>
-                  </a14:hiddenFill>
-                </a:ext>
-              </a:extLst>
-            </p:spPr>
-          </p:pic>
-        </p:grpSp>
-        <p:sp>
-          <p:nvSpPr>
-            <p:cNvPr id="6" name="TextBox 5">
-              <a:extLst>
-                <a:ext uri="{FF2B5EF4-FFF2-40B4-BE49-F238E27FC236}">
-                  <a16:creationId xmlns:a16="http://schemas.microsoft.com/office/drawing/2014/main" id="{FC16B6C2-5B11-45D9-854A-7793D6446466}"/>
-                </a:ext>
-              </a:extLst>
-            </p:cNvPr>
-            <p:cNvSpPr txBox="1"/>
-            <p:nvPr/>
-          </p:nvSpPr>
-          <p:spPr>
+            </a:blip>
+            <a:srcRect l="21313" t="3029" r="22917" b="6620"/>
+            <a:stretch/>
+          </p:blipFill>
+          <p:spPr bwMode="auto">
             <a:xfrm>
-              <a:off x="838200" y="5315082"/>
-              <a:ext cx="3369943" cy="830997"/>
+              <a:off x="5755480" y="1929837"/>
+              <a:ext cx="3790004" cy="2824028"/>
             </a:xfrm>
             <a:prstGeom prst="rect">
               <a:avLst/>
             </a:prstGeom>
             <a:noFill/>
+            <a:extLst>
+              <a:ext uri="{909E8E84-426E-40DD-AFC4-6F175D3DCCD1}">
+                <a14:hiddenFill xmlns:a14="http://schemas.microsoft.com/office/drawing/2010/main">
+                  <a:solidFill>
+                    <a:srgbClr val="FFFFFF"/>
+                  </a:solidFill>
+                </a14:hiddenFill>
+              </a:ext>
+            </a:extLst>
           </p:spPr>
-          <p:txBody>
-            <a:bodyPr wrap="square">
-              <a:spAutoFit/>
-            </a:bodyPr>
-            <a:lstStyle/>
-            <a:p>
-              <a:r>
-                <a:rPr lang="en-US" sz="1600" dirty="0">
-                  <a:solidFill>
-                    <a:srgbClr val="000000"/>
-                  </a:solidFill>
-                </a:rPr>
-                <a:t>F</a:t>
-              </a:r>
-              <a:r>
-                <a:rPr lang="en-US" sz="1600" i="0" u="none" strike="noStrike" baseline="0" dirty="0">
-                  <a:solidFill>
-                    <a:srgbClr val="000000"/>
-                  </a:solidFill>
-                </a:rPr>
-                <a:t>rom figure x shows the number of cases and the concentration of patients in Thailand in 2020</a:t>
-              </a:r>
-              <a:endParaRPr lang="en-US" sz="1600" dirty="0"/>
-            </a:p>
-          </p:txBody>
-        </p:sp>
-        <p:sp>
-          <p:nvSpPr>
-            <p:cNvPr id="7" name="TextBox 6">
+        </p:pic>
+        <p:pic>
+          <p:nvPicPr>
+            <p:cNvPr id="15" name="Picture 4">
               <a:extLst>
                 <a:ext uri="{FF2B5EF4-FFF2-40B4-BE49-F238E27FC236}">
-                  <a16:creationId xmlns:a16="http://schemas.microsoft.com/office/drawing/2014/main" id="{B52F4C70-A902-4CDA-A480-5E3C7554D4A6}"/>
+                  <a16:creationId xmlns:a16="http://schemas.microsoft.com/office/drawing/2014/main" id="{A9B310FD-8528-41F4-A39D-9924FC18C0D9}"/>
                 </a:ext>
               </a:extLst>
             </p:cNvPr>
-            <p:cNvSpPr txBox="1"/>
+            <p:cNvPicPr>
+              <a:picLocks noChangeAspect="1" noChangeArrowheads="1"/>
+            </p:cNvPicPr>
             <p:nvPr/>
-          </p:nvSpPr>
-          <p:spPr>
+          </p:nvPicPr>
+          <p:blipFill rotWithShape="1">
+            <a:blip r:embed="rId2">
+              <a:alphaModFix/>
+              <a:extLst>
+                <a:ext uri="{28A0092B-C50C-407E-A947-70E740481C1C}">
+                  <a14:useLocalDpi xmlns:a14="http://schemas.microsoft.com/office/drawing/2010/main" val="0"/>
+                </a:ext>
+              </a:extLst>
+            </a:blip>
+            <a:srcRect l="88242" t="1045" b="6620"/>
+            <a:stretch/>
+          </p:blipFill>
+          <p:spPr bwMode="auto">
             <a:xfrm>
-              <a:off x="5929606" y="5345762"/>
-              <a:ext cx="3108960" cy="584775"/>
+              <a:off x="9547400" y="1929837"/>
+              <a:ext cx="787749" cy="2845347"/>
             </a:xfrm>
             <a:prstGeom prst="rect">
               <a:avLst/>
             </a:prstGeom>
             <a:noFill/>
+            <a:extLst>
+              <a:ext uri="{909E8E84-426E-40DD-AFC4-6F175D3DCCD1}">
+                <a14:hiddenFill xmlns:a14="http://schemas.microsoft.com/office/drawing/2010/main">
+                  <a:solidFill>
+                    <a:srgbClr val="FFFFFF"/>
+                  </a:solidFill>
+                </a14:hiddenFill>
+              </a:ext>
+            </a:extLst>
           </p:spPr>
-          <p:txBody>
-            <a:bodyPr wrap="square">
-              <a:spAutoFit/>
-            </a:bodyPr>
-            <a:lstStyle/>
-            <a:p>
-              <a:r>
-                <a:rPr lang="en-US" sz="1600" dirty="0">
-                  <a:solidFill>
-                    <a:srgbClr val="000000"/>
-                  </a:solidFill>
-                </a:rPr>
-                <a:t>From figure x  shows the rainfall in Thailand in 2020.</a:t>
-              </a:r>
-              <a:endParaRPr lang="en-US" sz="1600" dirty="0"/>
-            </a:p>
-          </p:txBody>
-        </p:sp>
-        <p:grpSp>
-          <p:nvGrpSpPr>
-            <p:cNvPr id="3" name="Group 2">
+        </p:pic>
+      </p:grpSp>
+      <p:sp>
+        <p:nvSpPr>
+          <p:cNvPr id="6" name="TextBox 5">
+            <a:extLst>
+              <a:ext uri="{FF2B5EF4-FFF2-40B4-BE49-F238E27FC236}">
+                <a16:creationId xmlns:a16="http://schemas.microsoft.com/office/drawing/2014/main" id="{FC16B6C2-5B11-45D9-854A-7793D6446466}"/>
+              </a:ext>
+            </a:extLst>
+          </p:cNvPr>
+          <p:cNvSpPr txBox="1"/>
+          <p:nvPr/>
+        </p:nvSpPr>
+        <p:spPr>
+          <a:xfrm>
+            <a:off x="1783040" y="5691901"/>
+            <a:ext cx="3872404" cy="338554"/>
+          </a:xfrm>
+          <a:prstGeom prst="rect">
+            <a:avLst/>
+          </a:prstGeom>
+          <a:noFill/>
+        </p:spPr>
+        <p:txBody>
+          <a:bodyPr wrap="square">
+            <a:spAutoFit/>
+          </a:bodyPr>
+          <a:lstStyle/>
+          <a:p>
+            <a:pPr algn="ctr"/>
+            <a:r>
+              <a:rPr lang="en-US" sz="1600" i="0" u="none" strike="noStrike" baseline="0" dirty="0">
+                <a:solidFill>
+                  <a:srgbClr val="000000"/>
+                </a:solidFill>
+              </a:rPr>
+              <a:t>Cases and the concentration of patients</a:t>
+            </a:r>
+            <a:endParaRPr lang="en-US" sz="1600" dirty="0"/>
+          </a:p>
+        </p:txBody>
+      </p:sp>
+      <p:sp>
+        <p:nvSpPr>
+          <p:cNvPr id="7" name="TextBox 6">
+            <a:extLst>
+              <a:ext uri="{FF2B5EF4-FFF2-40B4-BE49-F238E27FC236}">
+                <a16:creationId xmlns:a16="http://schemas.microsoft.com/office/drawing/2014/main" id="{B52F4C70-A902-4CDA-A480-5E3C7554D4A6}"/>
+              </a:ext>
+            </a:extLst>
+          </p:cNvPr>
+          <p:cNvSpPr txBox="1"/>
+          <p:nvPr/>
+        </p:nvSpPr>
+        <p:spPr>
+          <a:xfrm>
+            <a:off x="7624840" y="5722581"/>
+            <a:ext cx="2033726" cy="338554"/>
+          </a:xfrm>
+          <a:prstGeom prst="rect">
+            <a:avLst/>
+          </a:prstGeom>
+          <a:noFill/>
+        </p:spPr>
+        <p:txBody>
+          <a:bodyPr wrap="square">
+            <a:spAutoFit/>
+          </a:bodyPr>
+          <a:lstStyle/>
+          <a:p>
+            <a:pPr algn="ctr"/>
+            <a:r>
+              <a:rPr lang="en-US" sz="1600" dirty="0">
+                <a:solidFill>
+                  <a:srgbClr val="000000"/>
+                </a:solidFill>
+              </a:rPr>
+              <a:t>Rainfall in Thailand</a:t>
+            </a:r>
+            <a:endParaRPr lang="en-US" sz="1600" dirty="0"/>
+          </a:p>
+        </p:txBody>
+      </p:sp>
+      <p:grpSp>
+        <p:nvGrpSpPr>
+          <p:cNvPr id="3" name="Group 2">
+            <a:extLst>
+              <a:ext uri="{FF2B5EF4-FFF2-40B4-BE49-F238E27FC236}">
+                <a16:creationId xmlns:a16="http://schemas.microsoft.com/office/drawing/2014/main" id="{B62521EA-02BF-4C98-BF80-9D08F7136CF2}"/>
+              </a:ext>
+            </a:extLst>
+          </p:cNvPr>
+          <p:cNvGrpSpPr/>
+          <p:nvPr/>
+        </p:nvGrpSpPr>
+        <p:grpSpPr>
+          <a:xfrm>
+            <a:off x="1241635" y="2220798"/>
+            <a:ext cx="4955215" cy="3385245"/>
+            <a:chOff x="670558" y="1843980"/>
+            <a:chExt cx="3848101" cy="2628900"/>
+          </a:xfrm>
+        </p:grpSpPr>
+        <p:pic>
+          <p:nvPicPr>
+            <p:cNvPr id="5122" name="Picture 2">
               <a:extLst>
                 <a:ext uri="{FF2B5EF4-FFF2-40B4-BE49-F238E27FC236}">
-                  <a16:creationId xmlns:a16="http://schemas.microsoft.com/office/drawing/2014/main" id="{B62521EA-02BF-4C98-BF80-9D08F7136CF2}"/>
+                  <a16:creationId xmlns:a16="http://schemas.microsoft.com/office/drawing/2014/main" id="{2B94123E-F882-4836-9D5E-F77B8CFCF5BE}"/>
                 </a:ext>
               </a:extLst>
             </p:cNvPr>
-            <p:cNvGrpSpPr/>
+            <p:cNvPicPr>
+              <a:picLocks noChangeAspect="1" noChangeArrowheads="1"/>
+            </p:cNvPicPr>
             <p:nvPr/>
-          </p:nvGrpSpPr>
-          <p:grpSpPr>
-            <a:xfrm>
-              <a:off x="925827" y="1843979"/>
-              <a:ext cx="4955215" cy="3385245"/>
-              <a:chOff x="670558" y="1843980"/>
-              <a:chExt cx="3848101" cy="2628900"/>
-            </a:xfrm>
-          </p:grpSpPr>
-          <p:pic>
-            <p:nvPicPr>
-              <p:cNvPr id="5122" name="Picture 2">
-                <a:extLst>
-                  <a:ext uri="{FF2B5EF4-FFF2-40B4-BE49-F238E27FC236}">
-                    <a16:creationId xmlns:a16="http://schemas.microsoft.com/office/drawing/2014/main" id="{2B94123E-F882-4836-9D5E-F77B8CFCF5BE}"/>
-                  </a:ext>
-                </a:extLst>
-              </p:cNvPr>
-              <p:cNvPicPr>
-                <a:picLocks noChangeAspect="1" noChangeArrowheads="1"/>
-              </p:cNvPicPr>
-              <p:nvPr/>
-            </p:nvPicPr>
-            <p:blipFill rotWithShape="1">
-              <a:blip r:embed="rId3">
-                <a:extLst>
-                  <a:ext uri="{28A0092B-C50C-407E-A947-70E740481C1C}">
-                    <a14:useLocalDpi xmlns:a14="http://schemas.microsoft.com/office/drawing/2010/main" val="0"/>
-                  </a:ext>
-                </a:extLst>
-              </a:blip>
-              <a:srcRect l="27725" t="2536" r="22756"/>
-              <a:stretch/>
-            </p:blipFill>
-            <p:spPr bwMode="auto">
-              <a:xfrm>
-                <a:off x="670558" y="1910655"/>
-                <a:ext cx="2943226" cy="2562225"/>
-              </a:xfrm>
-              <a:prstGeom prst="rect">
-                <a:avLst/>
-              </a:prstGeom>
-              <a:noFill/>
+          </p:nvPicPr>
+          <p:blipFill rotWithShape="1">
+            <a:blip r:embed="rId3">
               <a:extLst>
-                <a:ext uri="{909E8E84-426E-40DD-AFC4-6F175D3DCCD1}">
-                  <a14:hiddenFill xmlns:a14="http://schemas.microsoft.com/office/drawing/2010/main">
-                    <a:solidFill>
-                      <a:srgbClr val="FFFFFF"/>
-                    </a:solidFill>
-                  </a14:hiddenFill>
+                <a:ext uri="{28A0092B-C50C-407E-A947-70E740481C1C}">
+                  <a14:useLocalDpi xmlns:a14="http://schemas.microsoft.com/office/drawing/2010/main" val="0"/>
                 </a:ext>
               </a:extLst>
-            </p:spPr>
-          </p:pic>
-          <p:pic>
-            <p:nvPicPr>
-              <p:cNvPr id="8" name="Picture 2">
-                <a:extLst>
-                  <a:ext uri="{FF2B5EF4-FFF2-40B4-BE49-F238E27FC236}">
-                    <a16:creationId xmlns:a16="http://schemas.microsoft.com/office/drawing/2014/main" id="{F856AB24-702F-486A-BD72-DD8A1E1C074C}"/>
-                  </a:ext>
-                </a:extLst>
-              </p:cNvPr>
-              <p:cNvPicPr>
-                <a:picLocks noChangeAspect="1" noChangeArrowheads="1"/>
-              </p:cNvPicPr>
-              <p:nvPr/>
-            </p:nvPicPr>
-            <p:blipFill rotWithShape="1">
-              <a:blip r:embed="rId3">
-                <a:extLst>
-                  <a:ext uri="{28A0092B-C50C-407E-A947-70E740481C1C}">
-                    <a14:useLocalDpi xmlns:a14="http://schemas.microsoft.com/office/drawing/2010/main" val="0"/>
-                  </a:ext>
-                </a:extLst>
-              </a:blip>
-              <a:srcRect l="84776"/>
-              <a:stretch/>
-            </p:blipFill>
-            <p:spPr bwMode="auto">
-              <a:xfrm>
-                <a:off x="3613784" y="1843980"/>
-                <a:ext cx="904875" cy="2628900"/>
-              </a:xfrm>
-              <a:prstGeom prst="rect">
-                <a:avLst/>
-              </a:prstGeom>
-              <a:noFill/>
+            </a:blip>
+            <a:srcRect l="27725" t="2536" r="22756"/>
+            <a:stretch/>
+          </p:blipFill>
+          <p:spPr bwMode="auto">
+            <a:xfrm>
+              <a:off x="670558" y="1910655"/>
+              <a:ext cx="2943226" cy="2562225"/>
+            </a:xfrm>
+            <a:prstGeom prst="rect">
+              <a:avLst/>
+            </a:prstGeom>
+            <a:noFill/>
+            <a:extLst>
+              <a:ext uri="{909E8E84-426E-40DD-AFC4-6F175D3DCCD1}">
+                <a14:hiddenFill xmlns:a14="http://schemas.microsoft.com/office/drawing/2010/main">
+                  <a:solidFill>
+                    <a:srgbClr val="FFFFFF"/>
+                  </a:solidFill>
+                </a14:hiddenFill>
+              </a:ext>
+            </a:extLst>
+          </p:spPr>
+        </p:pic>
+        <p:pic>
+          <p:nvPicPr>
+            <p:cNvPr id="8" name="Picture 2">
               <a:extLst>
-                <a:ext uri="{909E8E84-426E-40DD-AFC4-6F175D3DCCD1}">
-                  <a14:hiddenFill xmlns:a14="http://schemas.microsoft.com/office/drawing/2010/main">
-                    <a:solidFill>
-                      <a:srgbClr val="FFFFFF"/>
-                    </a:solidFill>
-                  </a14:hiddenFill>
+                <a:ext uri="{FF2B5EF4-FFF2-40B4-BE49-F238E27FC236}">
+                  <a16:creationId xmlns:a16="http://schemas.microsoft.com/office/drawing/2014/main" id="{F856AB24-702F-486A-BD72-DD8A1E1C074C}"/>
                 </a:ext>
               </a:extLst>
-            </p:spPr>
-          </p:pic>
-        </p:grpSp>
+            </p:cNvPr>
+            <p:cNvPicPr>
+              <a:picLocks noChangeAspect="1" noChangeArrowheads="1"/>
+            </p:cNvPicPr>
+            <p:nvPr/>
+          </p:nvPicPr>
+          <p:blipFill rotWithShape="1">
+            <a:blip r:embed="rId3">
+              <a:extLst>
+                <a:ext uri="{28A0092B-C50C-407E-A947-70E740481C1C}">
+                  <a14:useLocalDpi xmlns:a14="http://schemas.microsoft.com/office/drawing/2010/main" val="0"/>
+                </a:ext>
+              </a:extLst>
+            </a:blip>
+            <a:srcRect l="84776"/>
+            <a:stretch/>
+          </p:blipFill>
+          <p:spPr bwMode="auto">
+            <a:xfrm>
+              <a:off x="3613784" y="1843980"/>
+              <a:ext cx="904875" cy="2628900"/>
+            </a:xfrm>
+            <a:prstGeom prst="rect">
+              <a:avLst/>
+            </a:prstGeom>
+            <a:noFill/>
+            <a:extLst>
+              <a:ext uri="{909E8E84-426E-40DD-AFC4-6F175D3DCCD1}">
+                <a14:hiddenFill xmlns:a14="http://schemas.microsoft.com/office/drawing/2010/main">
+                  <a:solidFill>
+                    <a:srgbClr val="FFFFFF"/>
+                  </a:solidFill>
+                </a14:hiddenFill>
+              </a:ext>
+            </a:extLst>
+          </p:spPr>
+        </p:pic>
+      </p:grpSp>
+      <p:sp>
+        <p:nvSpPr>
+          <p:cNvPr id="4" name="Oval 3">
+            <a:extLst>
+              <a:ext uri="{FF2B5EF4-FFF2-40B4-BE49-F238E27FC236}">
+                <a16:creationId xmlns:a16="http://schemas.microsoft.com/office/drawing/2014/main" id="{02A6CE59-7C74-4474-8406-6AA894EC9C00}"/>
+              </a:ext>
+            </a:extLst>
+          </p:cNvPr>
+          <p:cNvSpPr/>
+          <p:nvPr/>
+        </p:nvSpPr>
+        <p:spPr>
+          <a:xfrm>
+            <a:off x="1947295" y="2772614"/>
+            <a:ext cx="1478831" cy="1478831"/>
+          </a:xfrm>
+          <a:prstGeom prst="ellipse">
+            <a:avLst/>
+          </a:prstGeom>
+          <a:noFill/>
+          <a:ln w="38100">
+            <a:solidFill>
+              <a:schemeClr val="tx1">
+                <a:alpha val="60000"/>
+              </a:schemeClr>
+            </a:solidFill>
+          </a:ln>
+        </p:spPr>
+        <p:style>
+          <a:lnRef idx="2">
+            <a:schemeClr val="accent1">
+              <a:shade val="50000"/>
+            </a:schemeClr>
+          </a:lnRef>
+          <a:fillRef idx="1">
+            <a:schemeClr val="accent1"/>
+          </a:fillRef>
+          <a:effectRef idx="0">
+            <a:schemeClr val="accent1"/>
+          </a:effectRef>
+          <a:fontRef idx="minor">
+            <a:schemeClr val="lt1"/>
+          </a:fontRef>
+        </p:style>
+        <p:txBody>
+          <a:bodyPr rtlCol="0" anchor="ctr"/>
+          <a:lstStyle/>
+          <a:p>
+            <a:pPr algn="ctr"/>
+            <a:endParaRPr lang="en-US"/>
+          </a:p>
+        </p:txBody>
+      </p:sp>
+      <p:grpSp>
+        <p:nvGrpSpPr>
+          <p:cNvPr id="5" name="Group 4">
+            <a:extLst>
+              <a:ext uri="{FF2B5EF4-FFF2-40B4-BE49-F238E27FC236}">
+                <a16:creationId xmlns:a16="http://schemas.microsoft.com/office/drawing/2014/main" id="{EADA7F49-3315-4F4B-B8DC-9FD74378F7E7}"/>
+              </a:ext>
+            </a:extLst>
+          </p:cNvPr>
+          <p:cNvGrpSpPr/>
+          <p:nvPr/>
+        </p:nvGrpSpPr>
+        <p:grpSpPr>
+          <a:xfrm>
+            <a:off x="7282851" y="2861208"/>
+            <a:ext cx="1509188" cy="2859504"/>
+            <a:chOff x="6655416" y="2030349"/>
+            <a:chExt cx="1509188" cy="2859504"/>
+          </a:xfrm>
+        </p:grpSpPr>
         <p:sp>
           <p:nvSpPr>
-            <p:cNvPr id="4" name="Oval 3">
+            <p:cNvPr id="11" name="Oval 10">
               <a:extLst>
                 <a:ext uri="{FF2B5EF4-FFF2-40B4-BE49-F238E27FC236}">
-                  <a16:creationId xmlns:a16="http://schemas.microsoft.com/office/drawing/2014/main" id="{02A6CE59-7C74-4474-8406-6AA894EC9C00}"/>
+                  <a16:creationId xmlns:a16="http://schemas.microsoft.com/office/drawing/2014/main" id="{A9470E78-D30D-42A9-8AAB-B948D2EEFD73}"/>
                 </a:ext>
               </a:extLst>
             </p:cNvPr>
@@ -11697,18 +12093,18 @@
             <p:nvPr/>
           </p:nvSpPr>
           <p:spPr>
-            <a:xfrm>
-              <a:off x="1459630" y="2691259"/>
-              <a:ext cx="1231492" cy="1231492"/>
+            <a:xfrm rot="18970562">
+              <a:off x="6655416" y="3646797"/>
+              <a:ext cx="728574" cy="1243056"/>
             </a:xfrm>
             <a:prstGeom prst="ellipse">
               <a:avLst/>
             </a:prstGeom>
             <a:noFill/>
-            <a:ln w="38100">
+            <a:ln w="28575">
               <a:solidFill>
                 <a:schemeClr val="tx1">
-                  <a:alpha val="60000"/>
+                  <a:alpha val="65000"/>
                 </a:schemeClr>
               </a:solidFill>
             </a:ln>
@@ -11738,189 +12134,321 @@
             </a:p>
           </p:txBody>
         </p:sp>
-        <p:grpSp>
-          <p:nvGrpSpPr>
-            <p:cNvPr id="5" name="Group 4">
+        <p:sp>
+          <p:nvSpPr>
+            <p:cNvPr id="12" name="Oval 11">
               <a:extLst>
                 <a:ext uri="{FF2B5EF4-FFF2-40B4-BE49-F238E27FC236}">
-                  <a16:creationId xmlns:a16="http://schemas.microsoft.com/office/drawing/2014/main" id="{EADA7F49-3315-4F4B-B8DC-9FD74378F7E7}"/>
+                  <a16:creationId xmlns:a16="http://schemas.microsoft.com/office/drawing/2014/main" id="{DFAD8FCC-D8A8-4901-A7B8-5043C6304420}"/>
                 </a:ext>
               </a:extLst>
             </p:cNvPr>
-            <p:cNvGrpSpPr/>
+            <p:cNvSpPr/>
             <p:nvPr/>
-          </p:nvGrpSpPr>
-          <p:grpSpPr>
+          </p:nvSpPr>
+          <p:spPr>
+            <a:xfrm rot="18970562">
+              <a:off x="6874055" y="2659501"/>
+              <a:ext cx="728574" cy="1243056"/>
+            </a:xfrm>
+            <a:prstGeom prst="ellipse">
+              <a:avLst/>
+            </a:prstGeom>
+            <a:noFill/>
+            <a:ln w="28575">
+              <a:solidFill>
+                <a:schemeClr val="tx1">
+                  <a:alpha val="65000"/>
+                </a:schemeClr>
+              </a:solidFill>
+            </a:ln>
+          </p:spPr>
+          <p:style>
+            <a:lnRef idx="2">
+              <a:schemeClr val="accent1">
+                <a:shade val="50000"/>
+              </a:schemeClr>
+            </a:lnRef>
+            <a:fillRef idx="1">
+              <a:schemeClr val="accent1"/>
+            </a:fillRef>
+            <a:effectRef idx="0">
+              <a:schemeClr val="accent1"/>
+            </a:effectRef>
+            <a:fontRef idx="minor">
+              <a:schemeClr val="lt1"/>
+            </a:fontRef>
+          </p:style>
+          <p:txBody>
+            <a:bodyPr rtlCol="0" anchor="ctr"/>
+            <a:lstStyle/>
+            <a:p>
+              <a:pPr algn="ctr"/>
+              <a:endParaRPr lang="en-US"/>
+            </a:p>
+          </p:txBody>
+        </p:sp>
+        <p:sp>
+          <p:nvSpPr>
+            <p:cNvPr id="13" name="Oval 12">
+              <a:extLst>
+                <a:ext uri="{FF2B5EF4-FFF2-40B4-BE49-F238E27FC236}">
+                  <a16:creationId xmlns:a16="http://schemas.microsoft.com/office/drawing/2014/main" id="{6E0D2767-1766-43DC-9877-529CCD053B8C}"/>
+                </a:ext>
+              </a:extLst>
+            </p:cNvPr>
+            <p:cNvSpPr/>
+            <p:nvPr/>
+          </p:nvSpPr>
+          <p:spPr>
+            <a:xfrm rot="18970562">
+              <a:off x="7436030" y="2030349"/>
+              <a:ext cx="728574" cy="1243056"/>
+            </a:xfrm>
+            <a:prstGeom prst="ellipse">
+              <a:avLst/>
+            </a:prstGeom>
+            <a:noFill/>
+            <a:ln w="28575">
+              <a:solidFill>
+                <a:schemeClr val="tx1">
+                  <a:alpha val="65000"/>
+                </a:schemeClr>
+              </a:solidFill>
+            </a:ln>
+          </p:spPr>
+          <p:style>
+            <a:lnRef idx="2">
+              <a:schemeClr val="accent1">
+                <a:shade val="50000"/>
+              </a:schemeClr>
+            </a:lnRef>
+            <a:fillRef idx="1">
+              <a:schemeClr val="accent1"/>
+            </a:fillRef>
+            <a:effectRef idx="0">
+              <a:schemeClr val="accent1"/>
+            </a:effectRef>
+            <a:fontRef idx="minor">
+              <a:schemeClr val="lt1"/>
+            </a:fontRef>
+          </p:style>
+          <p:txBody>
+            <a:bodyPr rtlCol="0" anchor="ctr"/>
+            <a:lstStyle/>
+            <a:p>
+              <a:pPr algn="ctr"/>
+              <a:endParaRPr lang="en-US"/>
+            </a:p>
+          </p:txBody>
+        </p:sp>
+      </p:grpSp>
+      <p:sp>
+        <p:nvSpPr>
+          <p:cNvPr id="17" name="TextBox 16">
+            <a:extLst>
+              <a:ext uri="{FF2B5EF4-FFF2-40B4-BE49-F238E27FC236}">
+                <a16:creationId xmlns:a16="http://schemas.microsoft.com/office/drawing/2014/main" id="{188D1741-A71E-43AA-A57B-0FE180D96BF0}"/>
+              </a:ext>
+            </a:extLst>
+          </p:cNvPr>
+          <p:cNvSpPr txBox="1"/>
+          <p:nvPr/>
+        </p:nvSpPr>
+        <p:spPr>
+          <a:xfrm>
+            <a:off x="1783040" y="1968102"/>
+            <a:ext cx="3872404" cy="338554"/>
+          </a:xfrm>
+          <a:prstGeom prst="rect">
+            <a:avLst/>
+          </a:prstGeom>
+          <a:noFill/>
+        </p:spPr>
+        <p:txBody>
+          <a:bodyPr wrap="square">
+            <a:spAutoFit/>
+          </a:bodyPr>
+          <a:lstStyle/>
+          <a:p>
+            <a:pPr algn="ctr"/>
+            <a:r>
+              <a:rPr lang="en-US" sz="1600" i="0" u="none" strike="noStrike" baseline="0" dirty="0">
+                <a:solidFill>
+                  <a:srgbClr val="000000"/>
+                </a:solidFill>
+              </a:rPr>
+              <a:t>2020</a:t>
+            </a:r>
+            <a:endParaRPr lang="en-US" sz="1600" dirty="0"/>
+          </a:p>
+        </p:txBody>
+      </p:sp>
+      <p:sp>
+        <p:nvSpPr>
+          <p:cNvPr id="18" name="TextBox 17">
+            <a:extLst>
+              <a:ext uri="{FF2B5EF4-FFF2-40B4-BE49-F238E27FC236}">
+                <a16:creationId xmlns:a16="http://schemas.microsoft.com/office/drawing/2014/main" id="{9B683238-E39E-4EEB-BBD7-EE0B6C95FBC8}"/>
+              </a:ext>
+            </a:extLst>
+          </p:cNvPr>
+          <p:cNvSpPr txBox="1"/>
+          <p:nvPr/>
+        </p:nvSpPr>
+        <p:spPr>
+          <a:xfrm>
+            <a:off x="6705501" y="2448398"/>
+            <a:ext cx="3872404" cy="338554"/>
+          </a:xfrm>
+          <a:prstGeom prst="rect">
+            <a:avLst/>
+          </a:prstGeom>
+          <a:noFill/>
+        </p:spPr>
+        <p:txBody>
+          <a:bodyPr wrap="square">
+            <a:spAutoFit/>
+          </a:bodyPr>
+          <a:lstStyle/>
+          <a:p>
+            <a:pPr algn="ctr"/>
+            <a:r>
+              <a:rPr lang="en-US" sz="1600" i="0" u="none" strike="noStrike" baseline="0" dirty="0">
+                <a:solidFill>
+                  <a:srgbClr val="000000"/>
+                </a:solidFill>
+              </a:rPr>
+              <a:t>2020</a:t>
+            </a:r>
+            <a:endParaRPr lang="en-US" sz="1600" dirty="0"/>
+          </a:p>
+        </p:txBody>
+      </p:sp>
+      <p:grpSp>
+        <p:nvGrpSpPr>
+          <p:cNvPr id="20" name="Group 19">
+            <a:extLst>
+              <a:ext uri="{FF2B5EF4-FFF2-40B4-BE49-F238E27FC236}">
+                <a16:creationId xmlns:a16="http://schemas.microsoft.com/office/drawing/2014/main" id="{872DD0AC-DAA7-4E12-AE4A-24030AEB3C41}"/>
+              </a:ext>
+            </a:extLst>
+          </p:cNvPr>
+          <p:cNvGrpSpPr/>
+          <p:nvPr/>
+        </p:nvGrpSpPr>
+        <p:grpSpPr>
+          <a:xfrm>
+            <a:off x="8202800" y="3964749"/>
+            <a:ext cx="1733273" cy="1543399"/>
+            <a:chOff x="8253581" y="3850089"/>
+            <a:chExt cx="1733273" cy="1543399"/>
+          </a:xfrm>
+        </p:grpSpPr>
+        <p:sp>
+          <p:nvSpPr>
+            <p:cNvPr id="16" name="Isosceles Triangle 15">
+              <a:extLst>
+                <a:ext uri="{FF2B5EF4-FFF2-40B4-BE49-F238E27FC236}">
+                  <a16:creationId xmlns:a16="http://schemas.microsoft.com/office/drawing/2014/main" id="{F46FB60D-58B3-4B1F-9828-5E2F584BC52E}"/>
+                </a:ext>
+              </a:extLst>
+            </p:cNvPr>
+            <p:cNvSpPr/>
+            <p:nvPr/>
+          </p:nvSpPr>
+          <p:spPr>
+            <a:xfrm rot="18900000">
+              <a:off x="8253581" y="3850089"/>
+              <a:ext cx="1296167" cy="856966"/>
+            </a:xfrm>
+            <a:prstGeom prst="triangle">
+              <a:avLst/>
+            </a:prstGeom>
+          </p:spPr>
+          <p:style>
+            <a:lnRef idx="2">
+              <a:schemeClr val="accent1">
+                <a:shade val="50000"/>
+              </a:schemeClr>
+            </a:lnRef>
+            <a:fillRef idx="1">
+              <a:schemeClr val="accent1"/>
+            </a:fillRef>
+            <a:effectRef idx="0">
+              <a:schemeClr val="accent1"/>
+            </a:effectRef>
+            <a:fontRef idx="minor">
+              <a:schemeClr val="lt1"/>
+            </a:fontRef>
+          </p:style>
+          <p:txBody>
+            <a:bodyPr rtlCol="0" anchor="ctr"/>
+            <a:lstStyle/>
+            <a:p>
+              <a:pPr algn="ctr"/>
+              <a:endParaRPr lang="en-US"/>
+            </a:p>
+          </p:txBody>
+        </p:sp>
+        <p:pic>
+          <p:nvPicPr>
+            <p:cNvPr id="19" name="Picture 2">
+              <a:extLst>
+                <a:ext uri="{FF2B5EF4-FFF2-40B4-BE49-F238E27FC236}">
+                  <a16:creationId xmlns:a16="http://schemas.microsoft.com/office/drawing/2014/main" id="{1AA9FA6C-B656-4FBF-9F52-5A38FA6C8FA2}"/>
+                </a:ext>
+              </a:extLst>
+            </p:cNvPr>
+            <p:cNvPicPr>
+              <a:picLocks noChangeAspect="1" noChangeArrowheads="1"/>
+            </p:cNvPicPr>
+            <p:nvPr/>
+          </p:nvPicPr>
+          <p:blipFill rotWithShape="1">
+            <a:blip r:embed="rId3">
+              <a:extLst>
+                <a:ext uri="{28A0092B-C50C-407E-A947-70E740481C1C}">
+                  <a14:useLocalDpi xmlns:a14="http://schemas.microsoft.com/office/drawing/2010/main" val="0"/>
+                </a:ext>
+              </a:extLst>
+            </a:blip>
+            <a:srcRect l="32902" t="2802" r="36920" b="28353"/>
+            <a:stretch/>
+          </p:blipFill>
+          <p:spPr bwMode="auto">
             <a:xfrm>
-              <a:off x="6910685" y="2484389"/>
-              <a:ext cx="1509188" cy="2859504"/>
-              <a:chOff x="6655416" y="2030349"/>
-              <a:chExt cx="1509188" cy="2859504"/>
+              <a:off x="8676287" y="4071049"/>
+              <a:ext cx="1310567" cy="1322439"/>
             </a:xfrm>
-          </p:grpSpPr>
-          <p:sp>
-            <p:nvSpPr>
-              <p:cNvPr id="11" name="Oval 10">
-                <a:extLst>
-                  <a:ext uri="{FF2B5EF4-FFF2-40B4-BE49-F238E27FC236}">
-                    <a16:creationId xmlns:a16="http://schemas.microsoft.com/office/drawing/2014/main" id="{A9470E78-D30D-42A9-8AAB-B948D2EEFD73}"/>
-                  </a:ext>
-                </a:extLst>
-              </p:cNvPr>
-              <p:cNvSpPr/>
-              <p:nvPr/>
-            </p:nvSpPr>
-            <p:spPr>
-              <a:xfrm rot="18970562">
-                <a:off x="6655416" y="3646797"/>
-                <a:ext cx="728574" cy="1243056"/>
-              </a:xfrm>
-              <a:prstGeom prst="ellipse">
-                <a:avLst/>
-              </a:prstGeom>
-              <a:noFill/>
-              <a:ln w="28575">
-                <a:solidFill>
-                  <a:schemeClr val="tx1">
-                    <a:alpha val="65000"/>
-                  </a:schemeClr>
-                </a:solidFill>
-              </a:ln>
-            </p:spPr>
-            <p:style>
-              <a:lnRef idx="2">
-                <a:schemeClr val="accent1">
-                  <a:shade val="50000"/>
+            <a:prstGeom prst="flowChartConnector">
+              <a:avLst/>
+            </a:prstGeom>
+            <a:noFill/>
+            <a:ln w="12700">
+              <a:solidFill>
+                <a:schemeClr val="tx1"/>
+              </a:solidFill>
+            </a:ln>
+            <a:effectLst>
+              <a:glow rad="228600">
+                <a:schemeClr val="accent6">
+                  <a:satMod val="175000"/>
+                  <a:alpha val="40000"/>
                 </a:schemeClr>
-              </a:lnRef>
-              <a:fillRef idx="1">
-                <a:schemeClr val="accent1"/>
-              </a:fillRef>
-              <a:effectRef idx="0">
-                <a:schemeClr val="accent1"/>
-              </a:effectRef>
-              <a:fontRef idx="minor">
-                <a:schemeClr val="lt1"/>
-              </a:fontRef>
-            </p:style>
-            <p:txBody>
-              <a:bodyPr rtlCol="0" anchor="ctr"/>
-              <a:lstStyle/>
-              <a:p>
-                <a:pPr algn="ctr"/>
-                <a:endParaRPr lang="en-US"/>
-              </a:p>
-            </p:txBody>
-          </p:sp>
-          <p:sp>
-            <p:nvSpPr>
-              <p:cNvPr id="12" name="Oval 11">
-                <a:extLst>
-                  <a:ext uri="{FF2B5EF4-FFF2-40B4-BE49-F238E27FC236}">
-                    <a16:creationId xmlns:a16="http://schemas.microsoft.com/office/drawing/2014/main" id="{DFAD8FCC-D8A8-4901-A7B8-5043C6304420}"/>
-                  </a:ext>
-                </a:extLst>
-              </p:cNvPr>
-              <p:cNvSpPr/>
-              <p:nvPr/>
-            </p:nvSpPr>
-            <p:spPr>
-              <a:xfrm rot="18970562">
-                <a:off x="6874055" y="2659501"/>
-                <a:ext cx="728574" cy="1243056"/>
-              </a:xfrm>
-              <a:prstGeom prst="ellipse">
-                <a:avLst/>
-              </a:prstGeom>
-              <a:noFill/>
-              <a:ln w="28575">
-                <a:solidFill>
-                  <a:schemeClr val="tx1">
-                    <a:alpha val="65000"/>
-                  </a:schemeClr>
-                </a:solidFill>
-              </a:ln>
-            </p:spPr>
-            <p:style>
-              <a:lnRef idx="2">
-                <a:schemeClr val="accent1">
-                  <a:shade val="50000"/>
-                </a:schemeClr>
-              </a:lnRef>
-              <a:fillRef idx="1">
-                <a:schemeClr val="accent1"/>
-              </a:fillRef>
-              <a:effectRef idx="0">
-                <a:schemeClr val="accent1"/>
-              </a:effectRef>
-              <a:fontRef idx="minor">
-                <a:schemeClr val="lt1"/>
-              </a:fontRef>
-            </p:style>
-            <p:txBody>
-              <a:bodyPr rtlCol="0" anchor="ctr"/>
-              <a:lstStyle/>
-              <a:p>
-                <a:pPr algn="ctr"/>
-                <a:endParaRPr lang="en-US"/>
-              </a:p>
-            </p:txBody>
-          </p:sp>
-          <p:sp>
-            <p:nvSpPr>
-              <p:cNvPr id="13" name="Oval 12">
-                <a:extLst>
-                  <a:ext uri="{FF2B5EF4-FFF2-40B4-BE49-F238E27FC236}">
-                    <a16:creationId xmlns:a16="http://schemas.microsoft.com/office/drawing/2014/main" id="{6E0D2767-1766-43DC-9877-529CCD053B8C}"/>
-                  </a:ext>
-                </a:extLst>
-              </p:cNvPr>
-              <p:cNvSpPr/>
-              <p:nvPr/>
-            </p:nvSpPr>
-            <p:spPr>
-              <a:xfrm rot="18970562">
-                <a:off x="7436030" y="2030349"/>
-                <a:ext cx="728574" cy="1243056"/>
-              </a:xfrm>
-              <a:prstGeom prst="ellipse">
-                <a:avLst/>
-              </a:prstGeom>
-              <a:noFill/>
-              <a:ln w="28575">
-                <a:solidFill>
-                  <a:schemeClr val="tx1">
-                    <a:alpha val="65000"/>
-                  </a:schemeClr>
-                </a:solidFill>
-              </a:ln>
-            </p:spPr>
-            <p:style>
-              <a:lnRef idx="2">
-                <a:schemeClr val="accent1">
-                  <a:shade val="50000"/>
-                </a:schemeClr>
-              </a:lnRef>
-              <a:fillRef idx="1">
-                <a:schemeClr val="accent1"/>
-              </a:fillRef>
-              <a:effectRef idx="0">
-                <a:schemeClr val="accent1"/>
-              </a:effectRef>
-              <a:fontRef idx="minor">
-                <a:schemeClr val="lt1"/>
-              </a:fontRef>
-            </p:style>
-            <p:txBody>
-              <a:bodyPr rtlCol="0" anchor="ctr"/>
-              <a:lstStyle/>
-              <a:p>
-                <a:pPr algn="ctr"/>
-                <a:endParaRPr lang="en-US"/>
-              </a:p>
-            </p:txBody>
-          </p:sp>
-        </p:grpSp>
+              </a:glow>
+            </a:effectLst>
+            <a:extLst>
+              <a:ext uri="{909E8E84-426E-40DD-AFC4-6F175D3DCCD1}">
+                <a14:hiddenFill xmlns:a14="http://schemas.microsoft.com/office/drawing/2010/main">
+                  <a:solidFill>
+                    <a:srgbClr val="FFFFFF"/>
+                  </a:solidFill>
+                </a14:hiddenFill>
+              </a:ext>
+            </a:extLst>
+          </p:spPr>
+        </p:pic>
       </p:grpSp>
     </p:spTree>
     <p:extLst>
@@ -11935,7 +12463,178 @@
 </p:sld>
 </file>
 
-<file path=ppt/slides/slide24.xml><?xml version="1.0" encoding="utf-8"?>
+<file path=ppt/slides/slide2.xml><?xml version="1.0" encoding="utf-8"?>
+<p:sld xmlns:a="http://schemas.openxmlformats.org/drawingml/2006/main" xmlns:r="http://schemas.openxmlformats.org/officeDocument/2006/relationships" xmlns:p="http://schemas.openxmlformats.org/presentationml/2006/main">
+  <p:cSld>
+    <p:spTree>
+      <p:nvGrpSpPr>
+        <p:cNvPr id="1" name=""/>
+        <p:cNvGrpSpPr/>
+        <p:nvPr/>
+      </p:nvGrpSpPr>
+      <p:grpSpPr>
+        <a:xfrm>
+          <a:off x="0" y="0"/>
+          <a:ext cx="0" cy="0"/>
+          <a:chOff x="0" y="0"/>
+          <a:chExt cx="0" cy="0"/>
+        </a:xfrm>
+      </p:grpSpPr>
+      <p:sp>
+        <p:nvSpPr>
+          <p:cNvPr id="2" name="Title 1">
+            <a:extLst>
+              <a:ext uri="{FF2B5EF4-FFF2-40B4-BE49-F238E27FC236}">
+                <a16:creationId xmlns:a16="http://schemas.microsoft.com/office/drawing/2014/main" id="{B0DB5CBE-DFFA-4432-92F8-5639FE300EE5}"/>
+              </a:ext>
+            </a:extLst>
+          </p:cNvPr>
+          <p:cNvSpPr>
+            <a:spLocks noGrp="1"/>
+          </p:cNvSpPr>
+          <p:nvPr>
+            <p:ph type="title"/>
+          </p:nvPr>
+        </p:nvSpPr>
+        <p:spPr/>
+        <p:txBody>
+          <a:bodyPr/>
+          <a:lstStyle/>
+          <a:p>
+            <a:r>
+              <a:rPr lang="en-US" dirty="0"/>
+              <a:t>Overview</a:t>
+            </a:r>
+          </a:p>
+        </p:txBody>
+      </p:sp>
+      <p:sp>
+        <p:nvSpPr>
+          <p:cNvPr id="3" name="Content Placeholder 2">
+            <a:extLst>
+              <a:ext uri="{FF2B5EF4-FFF2-40B4-BE49-F238E27FC236}">
+                <a16:creationId xmlns:a16="http://schemas.microsoft.com/office/drawing/2014/main" id="{D6497D47-5F29-4EDD-853A-BFE2A01FF6FF}"/>
+              </a:ext>
+            </a:extLst>
+          </p:cNvPr>
+          <p:cNvSpPr>
+            <a:spLocks noGrp="1"/>
+          </p:cNvSpPr>
+          <p:nvPr>
+            <p:ph idx="1"/>
+          </p:nvPr>
+        </p:nvSpPr>
+        <p:spPr/>
+        <p:txBody>
+          <a:bodyPr>
+            <a:normAutofit/>
+          </a:bodyPr>
+          <a:lstStyle/>
+          <a:p>
+            <a:r>
+              <a:rPr lang="en-US" dirty="0"/>
+              <a:t>Key facts</a:t>
+            </a:r>
+          </a:p>
+          <a:p>
+            <a:pPr marL="457200" lvl="1" indent="0">
+              <a:buNone/>
+            </a:pPr>
+            <a:r>
+              <a:rPr lang="en-US" dirty="0"/>
+              <a:t>- The infection causes flu-like illness, and occasionally develops into a potentially lethal.</a:t>
+            </a:r>
+            <a:endParaRPr lang="en-US" dirty="0">
+              <a:latin typeface="Times New Roman" panose="02020603050405020304" pitchFamily="18" charset="0"/>
+              <a:cs typeface="Times New Roman" panose="02020603050405020304" pitchFamily="18" charset="0"/>
+            </a:endParaRPr>
+          </a:p>
+          <a:p>
+            <a:pPr marL="457200" lvl="1" indent="0">
+              <a:buNone/>
+            </a:pPr>
+            <a:r>
+              <a:rPr lang="en-US" b="0" i="0" dirty="0">
+                <a:effectLst/>
+              </a:rPr>
+              <a:t>- There is no specific treatment for dengue, </a:t>
+            </a:r>
+            <a:r>
+              <a:rPr lang="en-US" b="0" dirty="0">
+                <a:effectLst/>
+                <a:latin typeface="+mj-lt"/>
+              </a:rPr>
+              <a:t>but early detection and access to proper medical care </a:t>
+            </a:r>
+            <a:r>
+              <a:rPr lang="en-US" b="0" i="0" dirty="0">
+                <a:effectLst/>
+              </a:rPr>
+              <a:t>lowers fatality rates below 1%.</a:t>
+            </a:r>
+            <a:endParaRPr lang="en-US" sz="1600" dirty="0">
+              <a:latin typeface="Times New Roman" panose="02020603050405020304" pitchFamily="18" charset="0"/>
+              <a:cs typeface="Times New Roman" panose="02020603050405020304" pitchFamily="18" charset="0"/>
+            </a:endParaRPr>
+          </a:p>
+          <a:p>
+            <a:r>
+              <a:rPr lang="en-US" dirty="0"/>
+              <a:t>Objectives</a:t>
+            </a:r>
+          </a:p>
+          <a:p>
+            <a:pPr marL="457200" lvl="1" indent="0">
+              <a:buNone/>
+            </a:pPr>
+            <a:r>
+              <a:rPr lang="en-US" dirty="0"/>
+              <a:t>🔮 To predict the number of</a:t>
+            </a:r>
+            <a:r>
+              <a:rPr lang="th-TH" dirty="0"/>
+              <a:t> </a:t>
+            </a:r>
+            <a:r>
+              <a:rPr lang="en-US" dirty="0"/>
+              <a:t>patients by temperature, rainfall, humidity.</a:t>
+            </a:r>
+            <a:endParaRPr lang="th-TH" dirty="0"/>
+          </a:p>
+          <a:p>
+            <a:pPr marL="457200" lvl="1" indent="0">
+              <a:buNone/>
+            </a:pPr>
+            <a:r>
+              <a:rPr lang="en-US" dirty="0"/>
+              <a:t>✨ To cluster the patient into multiple groups of regions.</a:t>
+            </a:r>
+          </a:p>
+          <a:p>
+            <a:pPr marL="457200" lvl="1" indent="0">
+              <a:buNone/>
+            </a:pPr>
+            <a:r>
+              <a:rPr lang="en-US" dirty="0"/>
+              <a:t>📊 To visualize information that is relevant to the data.</a:t>
+            </a:r>
+          </a:p>
+        </p:txBody>
+      </p:sp>
+    </p:spTree>
+    <p:extLst>
+      <p:ext uri="{BB962C8B-B14F-4D97-AF65-F5344CB8AC3E}">
+        <p14:creationId xmlns:p14="http://schemas.microsoft.com/office/powerpoint/2010/main" val="2549193430"/>
+      </p:ext>
+    </p:extLst>
+  </p:cSld>
+  <p:clrMapOvr>
+    <a:masterClrMapping/>
+  </p:clrMapOvr>
+</p:sld>
+</file>
+
+<file path=ppt/slides/slide20.xml><?xml version="1.0" encoding="utf-8"?>
 <p:sld xmlns:a="http://schemas.openxmlformats.org/drawingml/2006/main" xmlns:r="http://schemas.openxmlformats.org/officeDocument/2006/relationships" xmlns:p="http://schemas.openxmlformats.org/presentationml/2006/main">
   <p:cSld>
     <p:spTree>
@@ -12199,7 +12898,7 @@
 </p:sld>
 </file>
 
-<file path=ppt/slides/slide25.xml><?xml version="1.0" encoding="utf-8"?>
+<file path=ppt/slides/slide21.xml><?xml version="1.0" encoding="utf-8"?>
 <p:sld xmlns:a="http://schemas.openxmlformats.org/drawingml/2006/main" xmlns:r="http://schemas.openxmlformats.org/officeDocument/2006/relationships" xmlns:p="http://schemas.openxmlformats.org/presentationml/2006/main">
   <p:cSld>
     <p:spTree>
@@ -12332,7 +13031,7 @@
 </p:sld>
 </file>
 
-<file path=ppt/slides/slide26.xml><?xml version="1.0" encoding="utf-8"?>
+<file path=ppt/slides/slide22.xml><?xml version="1.0" encoding="utf-8"?>
 <p:sld xmlns:a="http://schemas.openxmlformats.org/drawingml/2006/main" xmlns:r="http://schemas.openxmlformats.org/officeDocument/2006/relationships" xmlns:p="http://schemas.openxmlformats.org/presentationml/2006/main">
   <p:cSld>
     <p:spTree>
@@ -12401,7 +13100,7 @@
         </p:spPr>
         <p:txBody>
           <a:bodyPr>
-            <a:normAutofit/>
+            <a:normAutofit lnSpcReduction="10000"/>
           </a:bodyPr>
           <a:lstStyle/>
           <a:p>
@@ -12436,16 +13135,6 @@
           </a:p>
           <a:p>
             <a:r>
-              <a:rPr lang="th-TH" sz="1600" dirty="0"/>
-              <a:t>ไข้เลือดออก: กรมควบคุมโรคเผยผู้ป่วยเพิ่มจากปี 61 เกือบสองเท่า แนะป้องกันยุงกัด-กำจัดยุงลาย</a:t>
-            </a:r>
-            <a:r>
-              <a:rPr lang="en-US" sz="1600" dirty="0"/>
-              <a:t> https://www.bbc.com/thai/48838308</a:t>
-            </a:r>
-          </a:p>
-          <a:p>
-            <a:r>
               <a:rPr lang="en-US" sz="1600" dirty="0">
                 <a:hlinkClick r:id="rId4">
                   <a:extLst>
@@ -12455,9 +13144,23 @@
                   </a:extLst>
                 </a:hlinkClick>
               </a:rPr>
-              <a:t>Fact sheet: Dengue and severe dengue Updated April 2017, World Health Organization.</a:t>
-            </a:r>
-            <a:endParaRPr lang="en-US" sz="1600" dirty="0"/>
+              <a:t>Dengue Fever: The Department of Disease Control reveals that the number of cases has almost doubled from 2018</a:t>
+            </a:r>
+            <a:r>
+              <a:rPr lang="th-TH" sz="1600" dirty="0">
+                <a:hlinkClick r:id="rId4">
+                  <a:extLst>
+                    <a:ext uri="{A12FA001-AC4F-418D-AE19-62706E023703}">
+                      <ahyp:hlinkClr xmlns:ahyp="http://schemas.microsoft.com/office/drawing/2018/hyperlinkcolor" val="tx"/>
+                    </a:ext>
+                  </a:extLst>
+                </a:hlinkClick>
+              </a:rPr>
+              <a:t>.</a:t>
+            </a:r>
+            <a:endParaRPr lang="en-US" sz="1600" dirty="0">
+              <a:cs typeface="TH SarabunPSK" panose="020B0500040200020003" pitchFamily="34" charset="-34"/>
+            </a:endParaRPr>
           </a:p>
           <a:p>
             <a:r>
@@ -12470,11 +13173,26 @@
                   </a:extLst>
                 </a:hlinkClick>
               </a:rPr>
+              <a:t>Fact sheet: Dengue and severe dengue Updated April 2017, World Health Organization.</a:t>
+            </a:r>
+            <a:endParaRPr lang="en-US" sz="1600" dirty="0"/>
+          </a:p>
+          <a:p>
+            <a:r>
+              <a:rPr lang="en-US" sz="1600" dirty="0">
+                <a:hlinkClick r:id="rId6">
+                  <a:extLst>
+                    <a:ext uri="{A12FA001-AC4F-418D-AE19-62706E023703}">
+                      <ahyp:hlinkClr xmlns:ahyp="http://schemas.microsoft.com/office/drawing/2018/hyperlinkcolor" val="tx"/>
+                    </a:ext>
+                  </a:extLst>
+                </a:hlinkClick>
+              </a:rPr>
               <a:t>Ecological biology and mosquito control in Thailand.</a:t>
             </a:r>
             <a:r>
               <a:rPr lang="th-TH" sz="1600" dirty="0">
-                <a:hlinkClick r:id="rId5">
+                <a:hlinkClick r:id="rId6">
                   <a:extLst>
                     <a:ext uri="{A12FA001-AC4F-418D-AE19-62706E023703}">
                       <ahyp:hlinkClr xmlns:ahyp="http://schemas.microsoft.com/office/drawing/2018/hyperlinkcolor" val="tx"/>
@@ -12486,7 +13204,7 @@
             </a:r>
             <a:r>
               <a:rPr lang="en-US" sz="1600" dirty="0">
-                <a:hlinkClick r:id="rId5">
+                <a:hlinkClick r:id="rId6">
                   <a:extLst>
                     <a:ext uri="{A12FA001-AC4F-418D-AE19-62706E023703}">
                       <ahyp:hlinkClr xmlns:ahyp="http://schemas.microsoft.com/office/drawing/2018/hyperlinkcolor" val="tx"/>
@@ -12770,7 +13488,7 @@
 </p:sld>
 </file>
 
-<file path=ppt/slides/slide27.xml><?xml version="1.0" encoding="utf-8"?>
+<file path=ppt/slides/slide23.xml><?xml version="1.0" encoding="utf-8"?>
 <p:sld xmlns:a="http://schemas.openxmlformats.org/drawingml/2006/main" xmlns:r="http://schemas.openxmlformats.org/officeDocument/2006/relationships" xmlns:p="http://schemas.openxmlformats.org/presentationml/2006/main">
   <p:cSld>
     <p:bg>
@@ -13822,7 +14540,7 @@
           <p:cNvPr id="2" name="Title 1">
             <a:extLst>
               <a:ext uri="{FF2B5EF4-FFF2-40B4-BE49-F238E27FC236}">
-                <a16:creationId xmlns:a16="http://schemas.microsoft.com/office/drawing/2014/main" id="{765EBF66-776B-44CD-B84A-5B13AE020C97}"/>
+                <a16:creationId xmlns:a16="http://schemas.microsoft.com/office/drawing/2014/main" id="{7B5AF8A3-688C-4433-B27C-1BC216F81801}"/>
               </a:ext>
             </a:extLst>
           </p:cNvPr>
@@ -13842,15 +14560,55 @@
               <a:rPr lang="en-US" dirty="0"/>
               <a:t>Data preprocessing</a:t>
             </a:r>
+            <a:r>
+              <a:rPr lang="en-US" sz="4400" dirty="0"/>
+              <a:t>🧹</a:t>
+            </a:r>
+            <a:endParaRPr lang="en-US" dirty="0"/>
+          </a:p>
+        </p:txBody>
+      </p:sp>
+      <p:sp>
+        <p:nvSpPr>
+          <p:cNvPr id="6" name="Content Placeholder 2">
+            <a:extLst>
+              <a:ext uri="{FF2B5EF4-FFF2-40B4-BE49-F238E27FC236}">
+                <a16:creationId xmlns:a16="http://schemas.microsoft.com/office/drawing/2014/main" id="{2CB017C7-D5AC-43F3-B369-F7E14A201B1D}"/>
+              </a:ext>
+            </a:extLst>
+          </p:cNvPr>
+          <p:cNvSpPr>
+            <a:spLocks noGrp="1"/>
+          </p:cNvSpPr>
+          <p:nvPr>
+            <p:ph idx="1"/>
+          </p:nvPr>
+        </p:nvSpPr>
+        <p:spPr>
+          <a:xfrm>
+            <a:off x="838200" y="1825625"/>
+            <a:ext cx="10515600" cy="4351338"/>
+          </a:xfrm>
+        </p:spPr>
+        <p:txBody>
+          <a:bodyPr>
+            <a:normAutofit/>
+          </a:bodyPr>
+          <a:lstStyle/>
+          <a:p>
+            <a:r>
+              <a:rPr lang="en-US" dirty="0"/>
+              <a:t>Challenge of THAI datasets</a:t>
+            </a:r>
           </a:p>
         </p:txBody>
       </p:sp>
       <p:grpSp>
         <p:nvGrpSpPr>
-          <p:cNvPr id="3" name="Group 2">
+          <p:cNvPr id="5" name="Group 4">
             <a:extLst>
               <a:ext uri="{FF2B5EF4-FFF2-40B4-BE49-F238E27FC236}">
-                <a16:creationId xmlns:a16="http://schemas.microsoft.com/office/drawing/2014/main" id="{A330E872-DA82-4811-9368-3243EF2FAE75}"/>
+                <a16:creationId xmlns:a16="http://schemas.microsoft.com/office/drawing/2014/main" id="{FDCE9582-79C6-4F2D-B80A-8F68B05BAF9C}"/>
               </a:ext>
             </a:extLst>
           </p:cNvPr>
@@ -13859,18 +14617,84 @@
         </p:nvGrpSpPr>
         <p:grpSpPr>
           <a:xfrm>
-            <a:off x="1156605" y="2155779"/>
-            <a:ext cx="10091779" cy="2546441"/>
-            <a:chOff x="1156605" y="2556212"/>
-            <a:chExt cx="10091779" cy="2546441"/>
+            <a:off x="838200" y="2754665"/>
+            <a:ext cx="5929330" cy="3013112"/>
+            <a:chOff x="2176445" y="2392715"/>
+            <a:chExt cx="7839109" cy="3983606"/>
           </a:xfrm>
         </p:grpSpPr>
+        <p:pic>
+          <p:nvPicPr>
+            <p:cNvPr id="4" name="Picture 3">
+              <a:extLst>
+                <a:ext uri="{FF2B5EF4-FFF2-40B4-BE49-F238E27FC236}">
+                  <a16:creationId xmlns:a16="http://schemas.microsoft.com/office/drawing/2014/main" id="{FA336E43-B01D-4E2B-8418-3DDA812749A1}"/>
+                </a:ext>
+              </a:extLst>
+            </p:cNvPr>
+            <p:cNvPicPr>
+              <a:picLocks noChangeAspect="1"/>
+            </p:cNvPicPr>
+            <p:nvPr/>
+          </p:nvPicPr>
+          <p:blipFill rotWithShape="1">
+            <a:blip r:embed="rId2"/>
+            <a:srcRect l="3784" r="15706"/>
+            <a:stretch/>
+          </p:blipFill>
+          <p:spPr>
+            <a:xfrm>
+              <a:off x="2905760" y="2392715"/>
+              <a:ext cx="6380480" cy="1295587"/>
+            </a:xfrm>
+            <a:prstGeom prst="rect">
+              <a:avLst/>
+            </a:prstGeom>
+          </p:spPr>
+        </p:pic>
+        <p:pic>
+          <p:nvPicPr>
+            <p:cNvPr id="8" name="Picture 7">
+              <a:extLst>
+                <a:ext uri="{FF2B5EF4-FFF2-40B4-BE49-F238E27FC236}">
+                  <a16:creationId xmlns:a16="http://schemas.microsoft.com/office/drawing/2014/main" id="{E11ED4B9-2491-46D7-8060-0AEDFD2778AB}"/>
+                </a:ext>
+              </a:extLst>
+            </p:cNvPr>
+            <p:cNvPicPr>
+              <a:picLocks noChangeAspect="1"/>
+            </p:cNvPicPr>
+            <p:nvPr/>
+          </p:nvPicPr>
+          <p:blipFill rotWithShape="1">
+            <a:blip r:embed="rId3"/>
+            <a:srcRect l="17255" r="28737"/>
+            <a:stretch/>
+          </p:blipFill>
+          <p:spPr>
+            <a:xfrm>
+              <a:off x="2176445" y="4782742"/>
+              <a:ext cx="7839109" cy="1593579"/>
+            </a:xfrm>
+            <a:prstGeom prst="rect">
+              <a:avLst/>
+            </a:prstGeom>
+            <a:effectLst>
+              <a:glow rad="63500">
+                <a:schemeClr val="accent5">
+                  <a:satMod val="175000"/>
+                  <a:alpha val="40000"/>
+                </a:schemeClr>
+              </a:glow>
+            </a:effectLst>
+          </p:spPr>
+        </p:pic>
         <p:grpSp>
           <p:nvGrpSpPr>
-            <p:cNvPr id="5" name="Group 4">
+            <p:cNvPr id="3" name="Group 2">
               <a:extLst>
                 <a:ext uri="{FF2B5EF4-FFF2-40B4-BE49-F238E27FC236}">
-                  <a16:creationId xmlns:a16="http://schemas.microsoft.com/office/drawing/2014/main" id="{B5832450-4DAE-48AC-8729-D74DB02D3730}"/>
+                  <a16:creationId xmlns:a16="http://schemas.microsoft.com/office/drawing/2014/main" id="{DEBBCE47-3E9D-42A7-BE8E-30BE0C3D171E}"/>
                 </a:ext>
               </a:extLst>
             </p:cNvPr>
@@ -13879,18 +14703,18 @@
           </p:nvGrpSpPr>
           <p:grpSpPr>
             <a:xfrm>
-              <a:off x="1156605" y="3062634"/>
-              <a:ext cx="1480000" cy="1480000"/>
-              <a:chOff x="4814921" y="653186"/>
-              <a:chExt cx="2462033" cy="2462034"/>
+              <a:off x="3561441" y="4001293"/>
+              <a:ext cx="5069119" cy="631438"/>
+              <a:chOff x="3965361" y="3950068"/>
+              <a:chExt cx="5069119" cy="631438"/>
             </a:xfrm>
           </p:grpSpPr>
           <p:sp>
             <p:nvSpPr>
-              <p:cNvPr id="6" name="Oval 5">
+              <p:cNvPr id="10" name="Equals 9">
                 <a:extLst>
                   <a:ext uri="{FF2B5EF4-FFF2-40B4-BE49-F238E27FC236}">
-                    <a16:creationId xmlns:a16="http://schemas.microsoft.com/office/drawing/2014/main" id="{50F958EC-BEB2-4591-8535-6C043747678E}"/>
+                    <a16:creationId xmlns:a16="http://schemas.microsoft.com/office/drawing/2014/main" id="{7ED340C0-61F5-45AD-BF21-BAA21BC85AE8}"/>
                   </a:ext>
                 </a:extLst>
               </p:cNvPr>
@@ -13899,336 +14723,15 @@
             </p:nvSpPr>
             <p:spPr>
               <a:xfrm>
-                <a:off x="4814921" y="653186"/>
-                <a:ext cx="2462033" cy="2462034"/>
+                <a:off x="3965361" y="3950068"/>
+                <a:ext cx="631437" cy="631437"/>
               </a:xfrm>
-              <a:prstGeom prst="ellipse">
+              <a:prstGeom prst="downArrow">
                 <a:avLst/>
               </a:prstGeom>
-            </p:spPr>
-            <p:style>
-              <a:lnRef idx="2">
-                <a:schemeClr val="dk1">
-                  <a:shade val="80000"/>
-                  <a:hueOff val="0"/>
-                  <a:satOff val="0"/>
-                  <a:lumOff val="0"/>
-                  <a:alphaOff val="0"/>
-                </a:schemeClr>
-              </a:lnRef>
-              <a:fillRef idx="1">
-                <a:schemeClr val="lt1">
-                  <a:hueOff val="0"/>
-                  <a:satOff val="0"/>
-                  <a:lumOff val="0"/>
-                  <a:alphaOff val="0"/>
-                </a:schemeClr>
-              </a:fillRef>
-              <a:effectRef idx="0">
-                <a:schemeClr val="lt1">
-                  <a:hueOff val="0"/>
-                  <a:satOff val="0"/>
-                  <a:lumOff val="0"/>
-                  <a:alphaOff val="0"/>
-                </a:schemeClr>
-              </a:effectRef>
-              <a:fontRef idx="minor">
-                <a:schemeClr val="dk1">
-                  <a:hueOff val="0"/>
-                  <a:satOff val="0"/>
-                  <a:lumOff val="0"/>
-                  <a:alphaOff val="0"/>
-                </a:schemeClr>
-              </a:fontRef>
-            </p:style>
-          </p:sp>
-          <p:sp>
-            <p:nvSpPr>
-              <p:cNvPr id="7" name="Oval 4">
-                <a:extLst>
-                  <a:ext uri="{FF2B5EF4-FFF2-40B4-BE49-F238E27FC236}">
-                    <a16:creationId xmlns:a16="http://schemas.microsoft.com/office/drawing/2014/main" id="{6C8D6689-4F48-4B67-8BB9-C6552D2778E7}"/>
-                  </a:ext>
-                </a:extLst>
-              </p:cNvPr>
-              <p:cNvSpPr txBox="1"/>
-              <p:nvPr/>
-            </p:nvSpPr>
-            <p:spPr>
-              <a:xfrm>
-                <a:off x="5175477" y="1013743"/>
-                <a:ext cx="1740920" cy="1740921"/>
-              </a:xfrm>
-              <a:prstGeom prst="rect">
-                <a:avLst/>
-              </a:prstGeom>
-            </p:spPr>
-            <p:style>
-              <a:lnRef idx="0">
-                <a:scrgbClr r="0" g="0" b="0"/>
-              </a:lnRef>
-              <a:fillRef idx="0">
-                <a:scrgbClr r="0" g="0" b="0"/>
-              </a:fillRef>
-              <a:effectRef idx="0">
-                <a:scrgbClr r="0" g="0" b="0"/>
-              </a:effectRef>
-              <a:fontRef idx="minor">
-                <a:schemeClr val="dk1">
-                  <a:hueOff val="0"/>
-                  <a:satOff val="0"/>
-                  <a:lumOff val="0"/>
-                  <a:alphaOff val="0"/>
-                </a:schemeClr>
-              </a:fontRef>
-            </p:style>
-            <p:txBody>
-              <a:bodyPr spcFirstLastPara="0" vert="horz" wrap="square" lIns="20320" tIns="20320" rIns="20320" bIns="20320" numCol="1" spcCol="1270" anchor="ctr" anchorCtr="0">
-                <a:noAutofit/>
-              </a:bodyPr>
-              <a:lstStyle/>
-              <a:p>
-                <a:pPr marL="0" lvl="0" indent="0" algn="ctr" defTabSz="711200">
-                  <a:lnSpc>
-                    <a:spcPct val="90000"/>
-                  </a:lnSpc>
-                  <a:spcBef>
-                    <a:spcPct val="0"/>
-                  </a:spcBef>
-                  <a:spcAft>
-                    <a:spcPct val="35000"/>
-                  </a:spcAft>
-                  <a:buNone/>
-                </a:pPr>
-                <a:r>
-                  <a:rPr lang="en-US" sz="2400" dirty="0"/>
-                  <a:t>👐🏽</a:t>
-                </a:r>
-                <a:endParaRPr lang="en-US" sz="2400" kern="1200" dirty="0"/>
-              </a:p>
-              <a:p>
-                <a:pPr marL="0" lvl="0" indent="0" algn="ctr" defTabSz="711200">
-                  <a:lnSpc>
-                    <a:spcPct val="90000"/>
-                  </a:lnSpc>
-                  <a:spcBef>
-                    <a:spcPct val="0"/>
-                  </a:spcBef>
-                  <a:spcAft>
-                    <a:spcPct val="35000"/>
-                  </a:spcAft>
-                  <a:buNone/>
-                </a:pPr>
-                <a:r>
-                  <a:rPr lang="en-US" sz="1600" dirty="0"/>
-                  <a:t>Collecting</a:t>
-                </a:r>
-                <a:endParaRPr lang="en-US" sz="1600" kern="1200" dirty="0"/>
-              </a:p>
-            </p:txBody>
-          </p:sp>
-        </p:grpSp>
-        <p:grpSp>
-          <p:nvGrpSpPr>
-            <p:cNvPr id="8" name="Group 7">
-              <a:extLst>
-                <a:ext uri="{FF2B5EF4-FFF2-40B4-BE49-F238E27FC236}">
-                  <a16:creationId xmlns:a16="http://schemas.microsoft.com/office/drawing/2014/main" id="{E71E5EF2-5CB7-4728-B38F-4559A98064D2}"/>
-                </a:ext>
-              </a:extLst>
-            </p:cNvPr>
-            <p:cNvGrpSpPr/>
-            <p:nvPr/>
-          </p:nvGrpSpPr>
-          <p:grpSpPr>
-            <a:xfrm>
-              <a:off x="3285754" y="2959223"/>
-              <a:ext cx="1818210" cy="1818210"/>
-              <a:chOff x="5165363" y="1086807"/>
-              <a:chExt cx="2462033" cy="2462033"/>
-            </a:xfrm>
-          </p:grpSpPr>
-          <p:sp>
-            <p:nvSpPr>
-              <p:cNvPr id="9" name="Oval 8">
-                <a:extLst>
-                  <a:ext uri="{FF2B5EF4-FFF2-40B4-BE49-F238E27FC236}">
-                    <a16:creationId xmlns:a16="http://schemas.microsoft.com/office/drawing/2014/main" id="{12FA4AC0-A606-4700-8912-F95CE18507E1}"/>
-                  </a:ext>
-                </a:extLst>
-              </p:cNvPr>
-              <p:cNvSpPr/>
-              <p:nvPr/>
-            </p:nvSpPr>
-            <p:spPr>
-              <a:xfrm>
-                <a:off x="5165363" y="1086807"/>
-                <a:ext cx="2462033" cy="2462033"/>
-              </a:xfrm>
-              <a:prstGeom prst="ellipse">
-                <a:avLst/>
-              </a:prstGeom>
-            </p:spPr>
-            <p:style>
-              <a:lnRef idx="2">
-                <a:schemeClr val="dk1">
-                  <a:shade val="80000"/>
-                  <a:hueOff val="0"/>
-                  <a:satOff val="0"/>
-                  <a:lumOff val="0"/>
-                  <a:alphaOff val="0"/>
-                </a:schemeClr>
-              </a:lnRef>
-              <a:fillRef idx="1">
-                <a:schemeClr val="lt1">
-                  <a:hueOff val="0"/>
-                  <a:satOff val="0"/>
-                  <a:lumOff val="0"/>
-                  <a:alphaOff val="0"/>
-                </a:schemeClr>
-              </a:fillRef>
-              <a:effectRef idx="0">
-                <a:schemeClr val="lt1">
-                  <a:hueOff val="0"/>
-                  <a:satOff val="0"/>
-                  <a:lumOff val="0"/>
-                  <a:alphaOff val="0"/>
-                </a:schemeClr>
-              </a:effectRef>
-              <a:fontRef idx="minor">
-                <a:schemeClr val="dk1">
-                  <a:hueOff val="0"/>
-                  <a:satOff val="0"/>
-                  <a:lumOff val="0"/>
-                  <a:alphaOff val="0"/>
-                </a:schemeClr>
-              </a:fontRef>
-            </p:style>
-          </p:sp>
-          <p:sp>
-            <p:nvSpPr>
-              <p:cNvPr id="10" name="Oval 4">
-                <a:extLst>
-                  <a:ext uri="{FF2B5EF4-FFF2-40B4-BE49-F238E27FC236}">
-                    <a16:creationId xmlns:a16="http://schemas.microsoft.com/office/drawing/2014/main" id="{B1BBFA59-13E1-453B-B98A-95269EED1CA5}"/>
-                  </a:ext>
-                </a:extLst>
-              </p:cNvPr>
-              <p:cNvSpPr txBox="1"/>
-              <p:nvPr/>
-            </p:nvSpPr>
-            <p:spPr>
-              <a:xfrm>
-                <a:off x="5525919" y="1447364"/>
-                <a:ext cx="1740921" cy="1740920"/>
-              </a:xfrm>
-              <a:prstGeom prst="rect">
-                <a:avLst/>
-              </a:prstGeom>
-            </p:spPr>
-            <p:style>
-              <a:lnRef idx="0">
-                <a:scrgbClr r="0" g="0" b="0"/>
-              </a:lnRef>
-              <a:fillRef idx="0">
-                <a:scrgbClr r="0" g="0" b="0"/>
-              </a:fillRef>
-              <a:effectRef idx="0">
-                <a:scrgbClr r="0" g="0" b="0"/>
-              </a:effectRef>
-              <a:fontRef idx="minor">
-                <a:schemeClr val="dk1">
-                  <a:hueOff val="0"/>
-                  <a:satOff val="0"/>
-                  <a:lumOff val="0"/>
-                  <a:alphaOff val="0"/>
-                </a:schemeClr>
-              </a:fontRef>
-            </p:style>
-            <p:txBody>
-              <a:bodyPr spcFirstLastPara="0" vert="horz" wrap="square" lIns="20320" tIns="20320" rIns="20320" bIns="20320" numCol="1" spcCol="1270" anchor="ctr" anchorCtr="0">
-                <a:noAutofit/>
-              </a:bodyPr>
-              <a:lstStyle/>
-              <a:p>
-                <a:pPr marL="0" lvl="0" indent="0" algn="ctr" defTabSz="711200">
-                  <a:lnSpc>
-                    <a:spcPct val="90000"/>
-                  </a:lnSpc>
-                  <a:spcBef>
-                    <a:spcPct val="0"/>
-                  </a:spcBef>
-                  <a:spcAft>
-                    <a:spcPct val="35000"/>
-                  </a:spcAft>
-                  <a:buNone/>
-                </a:pPr>
-                <a:r>
-                  <a:rPr lang="en-US" sz="2400" kern="1200" dirty="0"/>
-                  <a:t>✔</a:t>
-                </a:r>
-              </a:p>
-              <a:p>
-                <a:pPr marL="0" lvl="0" indent="0" algn="ctr" defTabSz="711200">
-                  <a:lnSpc>
-                    <a:spcPct val="90000"/>
-                  </a:lnSpc>
-                  <a:spcBef>
-                    <a:spcPct val="0"/>
-                  </a:spcBef>
-                  <a:spcAft>
-                    <a:spcPct val="35000"/>
-                  </a:spcAft>
-                  <a:buNone/>
-                </a:pPr>
-                <a:r>
-                  <a:rPr lang="en-US" sz="1600" kern="1200" dirty="0"/>
-                  <a:t>Features selection</a:t>
-                </a:r>
-              </a:p>
-            </p:txBody>
-          </p:sp>
-        </p:grpSp>
-        <p:grpSp>
-          <p:nvGrpSpPr>
-            <p:cNvPr id="16" name="Group 15">
-              <a:extLst>
-                <a:ext uri="{FF2B5EF4-FFF2-40B4-BE49-F238E27FC236}">
-                  <a16:creationId xmlns:a16="http://schemas.microsoft.com/office/drawing/2014/main" id="{7CB81C2A-E647-4DD8-9A0D-E093C5991C0B}"/>
-                </a:ext>
-              </a:extLst>
-            </p:cNvPr>
-            <p:cNvGrpSpPr/>
-            <p:nvPr/>
-          </p:nvGrpSpPr>
-          <p:grpSpPr>
-            <a:xfrm>
-              <a:off x="2848478" y="3697221"/>
-              <a:ext cx="264427" cy="264427"/>
-              <a:chOff x="1587404" y="2577119"/>
-              <a:chExt cx="264427" cy="264427"/>
-            </a:xfrm>
-          </p:grpSpPr>
-          <p:sp>
-            <p:nvSpPr>
-              <p:cNvPr id="17" name="Plus Sign 16">
-                <a:extLst>
-                  <a:ext uri="{FF2B5EF4-FFF2-40B4-BE49-F238E27FC236}">
-                    <a16:creationId xmlns:a16="http://schemas.microsoft.com/office/drawing/2014/main" id="{9CBAAFCA-6EEC-400B-86D4-DB5CBD6C7C46}"/>
-                  </a:ext>
-                </a:extLst>
-              </p:cNvPr>
-              <p:cNvSpPr/>
-              <p:nvPr/>
-            </p:nvSpPr>
-            <p:spPr>
-              <a:xfrm>
-                <a:off x="1587404" y="2577119"/>
-                <a:ext cx="264427" cy="264427"/>
-              </a:xfrm>
-              <a:prstGeom prst="rightArrow">
-                <a:avLst/>
-              </a:prstGeom>
+              <a:solidFill>
+                <a:srgbClr val="C00000"/>
+              </a:solidFill>
             </p:spPr>
             <p:style>
               <a:lnRef idx="0">
@@ -14268,681 +14771,250 @@
               </a:fontRef>
             </p:style>
           </p:sp>
-          <p:sp>
-            <p:nvSpPr>
-              <p:cNvPr id="18" name="Plus Sign 4">
+          <p:pic>
+            <p:nvPicPr>
+              <p:cNvPr id="13" name="Picture 12">
                 <a:extLst>
                   <a:ext uri="{FF2B5EF4-FFF2-40B4-BE49-F238E27FC236}">
-                    <a16:creationId xmlns:a16="http://schemas.microsoft.com/office/drawing/2014/main" id="{B99EC8D4-D13F-4284-905E-4691E6F18FD4}"/>
+                    <a16:creationId xmlns:a16="http://schemas.microsoft.com/office/drawing/2014/main" id="{3F4C8692-64F2-43DE-A230-8C6AD9123C5A}"/>
                   </a:ext>
                 </a:extLst>
               </p:cNvPr>
-              <p:cNvSpPr txBox="1"/>
+              <p:cNvPicPr>
+                <a:picLocks noChangeAspect="1"/>
+              </p:cNvPicPr>
               <p:nvPr/>
-            </p:nvSpPr>
+            </p:nvPicPr>
+            <p:blipFill rotWithShape="1">
+              <a:blip r:embed="rId4"/>
+              <a:srcRect l="11743" t="-2794" b="676"/>
+              <a:stretch/>
+            </p:blipFill>
             <p:spPr>
               <a:xfrm>
-                <a:off x="1622454" y="2678236"/>
-                <a:ext cx="194327" cy="62193"/>
-              </a:xfrm>
-              <a:prstGeom prst="rightArrow">
-                <a:avLst/>
-              </a:prstGeom>
-            </p:spPr>
-            <p:style>
-              <a:lnRef idx="0">
-                <a:scrgbClr r="0" g="0" b="0"/>
-              </a:lnRef>
-              <a:fillRef idx="0">
-                <a:scrgbClr r="0" g="0" b="0"/>
-              </a:fillRef>
-              <a:effectRef idx="0">
-                <a:scrgbClr r="0" g="0" b="0"/>
-              </a:effectRef>
-              <a:fontRef idx="minor">
-                <a:schemeClr val="dk1">
-                  <a:hueOff val="0"/>
-                  <a:satOff val="0"/>
-                  <a:lumOff val="0"/>
-                  <a:alphaOff val="0"/>
-                </a:schemeClr>
-              </a:fontRef>
-            </p:style>
-            <p:txBody>
-              <a:bodyPr spcFirstLastPara="0" vert="horz" wrap="square" lIns="0" tIns="0" rIns="0" bIns="0" numCol="1" spcCol="1270" anchor="ctr" anchorCtr="0">
-                <a:noAutofit/>
-              </a:bodyPr>
-              <a:lstStyle/>
-              <a:p>
-                <a:pPr marL="0" lvl="0" indent="0" algn="ctr" defTabSz="488950">
-                  <a:lnSpc>
-                    <a:spcPct val="90000"/>
-                  </a:lnSpc>
-                  <a:spcBef>
-                    <a:spcPct val="0"/>
-                  </a:spcBef>
-                  <a:spcAft>
-                    <a:spcPct val="35000"/>
-                  </a:spcAft>
-                  <a:buNone/>
-                </a:pPr>
-                <a:endParaRPr lang="en-US" sz="1100" kern="1200"/>
-              </a:p>
-            </p:txBody>
-          </p:sp>
-        </p:grpSp>
-        <p:grpSp>
-          <p:nvGrpSpPr>
-            <p:cNvPr id="12" name="Group 11">
-              <a:extLst>
-                <a:ext uri="{FF2B5EF4-FFF2-40B4-BE49-F238E27FC236}">
-                  <a16:creationId xmlns:a16="http://schemas.microsoft.com/office/drawing/2014/main" id="{A3286860-6491-44B9-9583-4482A6BC3310}"/>
-                </a:ext>
-              </a:extLst>
-            </p:cNvPr>
-            <p:cNvGrpSpPr/>
-            <p:nvPr/>
-          </p:nvGrpSpPr>
-          <p:grpSpPr>
-            <a:xfrm>
-              <a:off x="5442283" y="3697220"/>
-              <a:ext cx="264427" cy="264427"/>
-              <a:chOff x="1587404" y="2577119"/>
-              <a:chExt cx="264427" cy="264427"/>
-            </a:xfrm>
-          </p:grpSpPr>
-          <p:sp>
-            <p:nvSpPr>
-              <p:cNvPr id="13" name="Plus Sign 16">
-                <a:extLst>
-                  <a:ext uri="{FF2B5EF4-FFF2-40B4-BE49-F238E27FC236}">
-                    <a16:creationId xmlns:a16="http://schemas.microsoft.com/office/drawing/2014/main" id="{F4D72915-F390-437A-8768-4F5FB9749290}"/>
-                  </a:ext>
-                </a:extLst>
-              </p:cNvPr>
-              <p:cNvSpPr/>
-              <p:nvPr/>
-            </p:nvSpPr>
-            <p:spPr>
-              <a:xfrm>
-                <a:off x="1587404" y="2577119"/>
-                <a:ext cx="264427" cy="264427"/>
-              </a:xfrm>
-              <a:prstGeom prst="rightArrow">
-                <a:avLst/>
-              </a:prstGeom>
-            </p:spPr>
-            <p:style>
-              <a:lnRef idx="0">
-                <a:schemeClr val="dk1">
-                  <a:tint val="60000"/>
-                  <a:hueOff val="0"/>
-                  <a:satOff val="0"/>
-                  <a:lumOff val="0"/>
-                  <a:alphaOff val="0"/>
-                </a:schemeClr>
-              </a:lnRef>
-              <a:fillRef idx="1">
-                <a:schemeClr val="dk1">
-                  <a:tint val="60000"/>
-                  <a:hueOff val="0"/>
-                  <a:satOff val="0"/>
-                  <a:lumOff val="0"/>
-                  <a:alphaOff val="0"/>
-                </a:schemeClr>
-              </a:fillRef>
-              <a:effectRef idx="0">
-                <a:schemeClr val="dk1">
-                  <a:tint val="60000"/>
-                  <a:hueOff val="0"/>
-                  <a:satOff val="0"/>
-                  <a:lumOff val="0"/>
-                  <a:alphaOff val="0"/>
-                </a:schemeClr>
-              </a:effectRef>
-              <a:fontRef idx="minor">
-                <a:schemeClr val="dk1">
-                  <a:hueOff val="0"/>
-                  <a:satOff val="0"/>
-                  <a:lumOff val="0"/>
-                  <a:alphaOff val="0"/>
-                </a:schemeClr>
-              </a:fontRef>
-            </p:style>
-          </p:sp>
-          <p:sp>
-            <p:nvSpPr>
-              <p:cNvPr id="14" name="Plus Sign 4">
-                <a:extLst>
-                  <a:ext uri="{FF2B5EF4-FFF2-40B4-BE49-F238E27FC236}">
-                    <a16:creationId xmlns:a16="http://schemas.microsoft.com/office/drawing/2014/main" id="{558160C0-B544-4B8A-8F37-07B30DCBE424}"/>
-                  </a:ext>
-                </a:extLst>
-              </p:cNvPr>
-              <p:cNvSpPr txBox="1"/>
-              <p:nvPr/>
-            </p:nvSpPr>
-            <p:spPr>
-              <a:xfrm>
-                <a:off x="1622454" y="2678236"/>
-                <a:ext cx="194327" cy="62193"/>
-              </a:xfrm>
-              <a:prstGeom prst="rightArrow">
-                <a:avLst/>
-              </a:prstGeom>
-            </p:spPr>
-            <p:style>
-              <a:lnRef idx="0">
-                <a:scrgbClr r="0" g="0" b="0"/>
-              </a:lnRef>
-              <a:fillRef idx="0">
-                <a:scrgbClr r="0" g="0" b="0"/>
-              </a:fillRef>
-              <a:effectRef idx="0">
-                <a:scrgbClr r="0" g="0" b="0"/>
-              </a:effectRef>
-              <a:fontRef idx="minor">
-                <a:schemeClr val="dk1">
-                  <a:hueOff val="0"/>
-                  <a:satOff val="0"/>
-                  <a:lumOff val="0"/>
-                  <a:alphaOff val="0"/>
-                </a:schemeClr>
-              </a:fontRef>
-            </p:style>
-            <p:txBody>
-              <a:bodyPr spcFirstLastPara="0" vert="horz" wrap="square" lIns="0" tIns="0" rIns="0" bIns="0" numCol="1" spcCol="1270" anchor="ctr" anchorCtr="0">
-                <a:noAutofit/>
-              </a:bodyPr>
-              <a:lstStyle/>
-              <a:p>
-                <a:pPr marL="0" lvl="0" indent="0" algn="ctr" defTabSz="488950">
-                  <a:lnSpc>
-                    <a:spcPct val="90000"/>
-                  </a:lnSpc>
-                  <a:spcBef>
-                    <a:spcPct val="0"/>
-                  </a:spcBef>
-                  <a:spcAft>
-                    <a:spcPct val="35000"/>
-                  </a:spcAft>
-                  <a:buNone/>
-                </a:pPr>
-                <a:endParaRPr lang="en-US" sz="1100" kern="1200"/>
-              </a:p>
-            </p:txBody>
-          </p:sp>
-        </p:grpSp>
-        <p:grpSp>
-          <p:nvGrpSpPr>
-            <p:cNvPr id="15" name="Group 14">
-              <a:extLst>
-                <a:ext uri="{FF2B5EF4-FFF2-40B4-BE49-F238E27FC236}">
-                  <a16:creationId xmlns:a16="http://schemas.microsoft.com/office/drawing/2014/main" id="{FCCFD5A6-FDBE-4B7B-9C60-303744B2866D}"/>
-                </a:ext>
-              </a:extLst>
-            </p:cNvPr>
-            <p:cNvGrpSpPr/>
-            <p:nvPr/>
-          </p:nvGrpSpPr>
-          <p:grpSpPr>
-            <a:xfrm>
-              <a:off x="8701943" y="2556212"/>
-              <a:ext cx="2546441" cy="2546441"/>
-              <a:chOff x="5665375" y="1478316"/>
-              <a:chExt cx="2462033" cy="2462033"/>
-            </a:xfrm>
-          </p:grpSpPr>
-          <p:sp>
-            <p:nvSpPr>
-              <p:cNvPr id="19" name="Oval 18">
-                <a:extLst>
-                  <a:ext uri="{FF2B5EF4-FFF2-40B4-BE49-F238E27FC236}">
-                    <a16:creationId xmlns:a16="http://schemas.microsoft.com/office/drawing/2014/main" id="{2CAF7B69-8DD6-4B5E-B70E-6DE672CCC654}"/>
-                  </a:ext>
-                </a:extLst>
-              </p:cNvPr>
-              <p:cNvSpPr/>
-              <p:nvPr/>
-            </p:nvSpPr>
-            <p:spPr>
-              <a:xfrm>
-                <a:off x="5665375" y="1478316"/>
-                <a:ext cx="2462033" cy="2462033"/>
-              </a:xfrm>
-              <a:prstGeom prst="ellipse">
-                <a:avLst/>
-              </a:prstGeom>
-            </p:spPr>
-            <p:style>
-              <a:lnRef idx="2">
-                <a:schemeClr val="dk1">
-                  <a:shade val="80000"/>
-                  <a:hueOff val="0"/>
-                  <a:satOff val="0"/>
-                  <a:lumOff val="0"/>
-                  <a:alphaOff val="0"/>
-                </a:schemeClr>
-              </a:lnRef>
-              <a:fillRef idx="1">
-                <a:schemeClr val="lt1">
-                  <a:hueOff val="0"/>
-                  <a:satOff val="0"/>
-                  <a:lumOff val="0"/>
-                  <a:alphaOff val="0"/>
-                </a:schemeClr>
-              </a:fillRef>
-              <a:effectRef idx="0">
-                <a:schemeClr val="lt1">
-                  <a:hueOff val="0"/>
-                  <a:satOff val="0"/>
-                  <a:lumOff val="0"/>
-                  <a:alphaOff val="0"/>
-                </a:schemeClr>
-              </a:effectRef>
-              <a:fontRef idx="minor">
-                <a:schemeClr val="dk1">
-                  <a:hueOff val="0"/>
-                  <a:satOff val="0"/>
-                  <a:lumOff val="0"/>
-                  <a:alphaOff val="0"/>
-                </a:schemeClr>
-              </a:fontRef>
-            </p:style>
-          </p:sp>
-          <p:sp>
-            <p:nvSpPr>
-              <p:cNvPr id="20" name="Oval 4">
-                <a:extLst>
-                  <a:ext uri="{FF2B5EF4-FFF2-40B4-BE49-F238E27FC236}">
-                    <a16:creationId xmlns:a16="http://schemas.microsoft.com/office/drawing/2014/main" id="{D190C052-272C-47B7-8890-8BCFAECCE3A5}"/>
-                  </a:ext>
-                </a:extLst>
-              </p:cNvPr>
-              <p:cNvSpPr txBox="1"/>
-              <p:nvPr/>
-            </p:nvSpPr>
-            <p:spPr>
-              <a:xfrm>
-                <a:off x="5954517" y="1838871"/>
-                <a:ext cx="1883748" cy="1740920"/>
+                <a:off x="4918205" y="3950069"/>
+                <a:ext cx="4116275" cy="631437"/>
               </a:xfrm>
               <a:prstGeom prst="rect">
                 <a:avLst/>
               </a:prstGeom>
+              <a:effectLst>
+                <a:glow rad="228600">
+                  <a:schemeClr val="accent6">
+                    <a:satMod val="175000"/>
+                    <a:alpha val="40000"/>
+                  </a:schemeClr>
+                </a:glow>
+              </a:effectLst>
             </p:spPr>
-            <p:style>
-              <a:lnRef idx="0">
-                <a:scrgbClr r="0" g="0" b="0"/>
-              </a:lnRef>
-              <a:fillRef idx="0">
-                <a:scrgbClr r="0" g="0" b="0"/>
-              </a:fillRef>
-              <a:effectRef idx="0">
-                <a:scrgbClr r="0" g="0" b="0"/>
-              </a:effectRef>
-              <a:fontRef idx="minor">
-                <a:schemeClr val="dk1">
-                  <a:hueOff val="0"/>
-                  <a:satOff val="0"/>
-                  <a:lumOff val="0"/>
-                  <a:alphaOff val="0"/>
-                </a:schemeClr>
-              </a:fontRef>
-            </p:style>
-            <p:txBody>
-              <a:bodyPr spcFirstLastPara="0" vert="horz" wrap="square" lIns="20320" tIns="20320" rIns="20320" bIns="20320" numCol="1" spcCol="1270" anchor="ctr" anchorCtr="0">
-                <a:noAutofit/>
-              </a:bodyPr>
-              <a:lstStyle/>
-              <a:p>
-                <a:pPr marL="0" lvl="0" indent="0" algn="ctr" defTabSz="711200">
-                  <a:lnSpc>
-                    <a:spcPct val="90000"/>
-                  </a:lnSpc>
-                  <a:spcBef>
-                    <a:spcPct val="0"/>
-                  </a:spcBef>
-                  <a:spcAft>
-                    <a:spcPct val="35000"/>
-                  </a:spcAft>
-                  <a:buNone/>
-                </a:pPr>
-                <a:r>
-                  <a:rPr lang="en-US" sz="2800" kern="1200" dirty="0"/>
-                  <a:t>🎁</a:t>
-                </a:r>
-              </a:p>
-              <a:p>
-                <a:pPr marL="0" lvl="0" indent="0" algn="ctr" defTabSz="711200">
-                  <a:lnSpc>
-                    <a:spcPct val="90000"/>
-                  </a:lnSpc>
-                  <a:spcBef>
-                    <a:spcPct val="0"/>
-                  </a:spcBef>
-                  <a:spcAft>
-                    <a:spcPct val="35000"/>
-                  </a:spcAft>
-                  <a:buNone/>
-                </a:pPr>
-                <a:r>
-                  <a:rPr lang="en-US" sz="1600" kern="1200" dirty="0"/>
-                  <a:t>Preparation</a:t>
-                </a:r>
-              </a:p>
-            </p:txBody>
-          </p:sp>
-        </p:grpSp>
-        <p:grpSp>
-          <p:nvGrpSpPr>
-            <p:cNvPr id="24" name="Group 23">
-              <a:extLst>
-                <a:ext uri="{FF2B5EF4-FFF2-40B4-BE49-F238E27FC236}">
-                  <a16:creationId xmlns:a16="http://schemas.microsoft.com/office/drawing/2014/main" id="{35D82D81-74A6-4B75-BA14-094B8FB3A3C8}"/>
-                </a:ext>
-              </a:extLst>
-            </p:cNvPr>
-            <p:cNvGrpSpPr/>
-            <p:nvPr/>
-          </p:nvGrpSpPr>
-          <p:grpSpPr>
-            <a:xfrm>
-              <a:off x="8262005" y="3697220"/>
-              <a:ext cx="264427" cy="264427"/>
-              <a:chOff x="1587404" y="2577119"/>
-              <a:chExt cx="264427" cy="264427"/>
-            </a:xfrm>
-          </p:grpSpPr>
-          <p:sp>
-            <p:nvSpPr>
-              <p:cNvPr id="25" name="Plus Sign 16">
-                <a:extLst>
-                  <a:ext uri="{FF2B5EF4-FFF2-40B4-BE49-F238E27FC236}">
-                    <a16:creationId xmlns:a16="http://schemas.microsoft.com/office/drawing/2014/main" id="{752415D3-4CD2-4695-B8A0-4341A3140441}"/>
-                  </a:ext>
-                </a:extLst>
-              </p:cNvPr>
-              <p:cNvSpPr/>
-              <p:nvPr/>
-            </p:nvSpPr>
-            <p:spPr>
-              <a:xfrm>
-                <a:off x="1587404" y="2577119"/>
-                <a:ext cx="264427" cy="264427"/>
-              </a:xfrm>
-              <a:prstGeom prst="rightArrow">
-                <a:avLst/>
-              </a:prstGeom>
-            </p:spPr>
-            <p:style>
-              <a:lnRef idx="0">
-                <a:schemeClr val="dk1">
-                  <a:tint val="60000"/>
-                  <a:hueOff val="0"/>
-                  <a:satOff val="0"/>
-                  <a:lumOff val="0"/>
-                  <a:alphaOff val="0"/>
-                </a:schemeClr>
-              </a:lnRef>
-              <a:fillRef idx="1">
-                <a:schemeClr val="dk1">
-                  <a:tint val="60000"/>
-                  <a:hueOff val="0"/>
-                  <a:satOff val="0"/>
-                  <a:lumOff val="0"/>
-                  <a:alphaOff val="0"/>
-                </a:schemeClr>
-              </a:fillRef>
-              <a:effectRef idx="0">
-                <a:schemeClr val="dk1">
-                  <a:tint val="60000"/>
-                  <a:hueOff val="0"/>
-                  <a:satOff val="0"/>
-                  <a:lumOff val="0"/>
-                  <a:alphaOff val="0"/>
-                </a:schemeClr>
-              </a:effectRef>
-              <a:fontRef idx="minor">
-                <a:schemeClr val="dk1">
-                  <a:hueOff val="0"/>
-                  <a:satOff val="0"/>
-                  <a:lumOff val="0"/>
-                  <a:alphaOff val="0"/>
-                </a:schemeClr>
-              </a:fontRef>
-            </p:style>
-          </p:sp>
-          <p:sp>
-            <p:nvSpPr>
-              <p:cNvPr id="26" name="Plus Sign 4">
-                <a:extLst>
-                  <a:ext uri="{FF2B5EF4-FFF2-40B4-BE49-F238E27FC236}">
-                    <a16:creationId xmlns:a16="http://schemas.microsoft.com/office/drawing/2014/main" id="{6B5DCD5C-491F-42A3-927E-986A9C817850}"/>
-                  </a:ext>
-                </a:extLst>
-              </p:cNvPr>
-              <p:cNvSpPr txBox="1"/>
-              <p:nvPr/>
-            </p:nvSpPr>
-            <p:spPr>
-              <a:xfrm>
-                <a:off x="1622454" y="2678236"/>
-                <a:ext cx="194327" cy="62193"/>
-              </a:xfrm>
-              <a:prstGeom prst="rightArrow">
-                <a:avLst/>
-              </a:prstGeom>
-            </p:spPr>
-            <p:style>
-              <a:lnRef idx="0">
-                <a:scrgbClr r="0" g="0" b="0"/>
-              </a:lnRef>
-              <a:fillRef idx="0">
-                <a:scrgbClr r="0" g="0" b="0"/>
-              </a:fillRef>
-              <a:effectRef idx="0">
-                <a:scrgbClr r="0" g="0" b="0"/>
-              </a:effectRef>
-              <a:fontRef idx="minor">
-                <a:schemeClr val="dk1">
-                  <a:hueOff val="0"/>
-                  <a:satOff val="0"/>
-                  <a:lumOff val="0"/>
-                  <a:alphaOff val="0"/>
-                </a:schemeClr>
-              </a:fontRef>
-            </p:style>
-            <p:txBody>
-              <a:bodyPr spcFirstLastPara="0" vert="horz" wrap="square" lIns="0" tIns="0" rIns="0" bIns="0" numCol="1" spcCol="1270" anchor="ctr" anchorCtr="0">
-                <a:noAutofit/>
-              </a:bodyPr>
-              <a:lstStyle/>
-              <a:p>
-                <a:pPr marL="0" lvl="0" indent="0" algn="ctr" defTabSz="488950">
-                  <a:lnSpc>
-                    <a:spcPct val="90000"/>
-                  </a:lnSpc>
-                  <a:spcBef>
-                    <a:spcPct val="0"/>
-                  </a:spcBef>
-                  <a:spcAft>
-                    <a:spcPct val="35000"/>
-                  </a:spcAft>
-                  <a:buNone/>
-                </a:pPr>
-                <a:endParaRPr lang="en-US" sz="1100" kern="1200"/>
-              </a:p>
-            </p:txBody>
-          </p:sp>
-        </p:grpSp>
-        <p:grpSp>
-          <p:nvGrpSpPr>
-            <p:cNvPr id="31" name="Group 30">
-              <a:extLst>
-                <a:ext uri="{FF2B5EF4-FFF2-40B4-BE49-F238E27FC236}">
-                  <a16:creationId xmlns:a16="http://schemas.microsoft.com/office/drawing/2014/main" id="{39DEC803-E0D2-4D9C-9EB3-611D40F2DC44}"/>
-                </a:ext>
-              </a:extLst>
-            </p:cNvPr>
-            <p:cNvGrpSpPr/>
-            <p:nvPr/>
-          </p:nvGrpSpPr>
-          <p:grpSpPr>
-            <a:xfrm>
-              <a:off x="5885532" y="2764739"/>
-              <a:ext cx="2129391" cy="2129391"/>
-              <a:chOff x="5665375" y="1478316"/>
-              <a:chExt cx="2462033" cy="2462033"/>
-            </a:xfrm>
-          </p:grpSpPr>
-          <p:sp>
-            <p:nvSpPr>
-              <p:cNvPr id="32" name="Oval 31">
-                <a:extLst>
-                  <a:ext uri="{FF2B5EF4-FFF2-40B4-BE49-F238E27FC236}">
-                    <a16:creationId xmlns:a16="http://schemas.microsoft.com/office/drawing/2014/main" id="{B58DF7C2-1F71-426A-8136-C0DEB8B49597}"/>
-                  </a:ext>
-                </a:extLst>
-              </p:cNvPr>
-              <p:cNvSpPr/>
-              <p:nvPr/>
-            </p:nvSpPr>
-            <p:spPr>
-              <a:xfrm>
-                <a:off x="5665375" y="1478316"/>
-                <a:ext cx="2462033" cy="2462033"/>
-              </a:xfrm>
-              <a:prstGeom prst="ellipse">
-                <a:avLst/>
-              </a:prstGeom>
-            </p:spPr>
-            <p:style>
-              <a:lnRef idx="2">
-                <a:schemeClr val="dk1">
-                  <a:shade val="80000"/>
-                  <a:hueOff val="0"/>
-                  <a:satOff val="0"/>
-                  <a:lumOff val="0"/>
-                  <a:alphaOff val="0"/>
-                </a:schemeClr>
-              </a:lnRef>
-              <a:fillRef idx="1">
-                <a:schemeClr val="lt1">
-                  <a:hueOff val="0"/>
-                  <a:satOff val="0"/>
-                  <a:lumOff val="0"/>
-                  <a:alphaOff val="0"/>
-                </a:schemeClr>
-              </a:fillRef>
-              <a:effectRef idx="0">
-                <a:schemeClr val="lt1">
-                  <a:hueOff val="0"/>
-                  <a:satOff val="0"/>
-                  <a:lumOff val="0"/>
-                  <a:alphaOff val="0"/>
-                </a:schemeClr>
-              </a:effectRef>
-              <a:fontRef idx="minor">
-                <a:schemeClr val="dk1">
-                  <a:hueOff val="0"/>
-                  <a:satOff val="0"/>
-                  <a:lumOff val="0"/>
-                  <a:alphaOff val="0"/>
-                </a:schemeClr>
-              </a:fontRef>
-            </p:style>
-          </p:sp>
-          <p:sp>
-            <p:nvSpPr>
-              <p:cNvPr id="33" name="Oval 4">
-                <a:extLst>
-                  <a:ext uri="{FF2B5EF4-FFF2-40B4-BE49-F238E27FC236}">
-                    <a16:creationId xmlns:a16="http://schemas.microsoft.com/office/drawing/2014/main" id="{940362A5-AA80-465B-8F9F-1E80408B033F}"/>
-                  </a:ext>
-                </a:extLst>
-              </p:cNvPr>
-              <p:cNvSpPr txBox="1"/>
-              <p:nvPr/>
-            </p:nvSpPr>
-            <p:spPr>
-              <a:xfrm>
-                <a:off x="6025931" y="1838872"/>
-                <a:ext cx="1740921" cy="1740921"/>
-              </a:xfrm>
-              <a:prstGeom prst="rect">
-                <a:avLst/>
-              </a:prstGeom>
-            </p:spPr>
-            <p:style>
-              <a:lnRef idx="0">
-                <a:scrgbClr r="0" g="0" b="0"/>
-              </a:lnRef>
-              <a:fillRef idx="0">
-                <a:scrgbClr r="0" g="0" b="0"/>
-              </a:fillRef>
-              <a:effectRef idx="0">
-                <a:scrgbClr r="0" g="0" b="0"/>
-              </a:effectRef>
-              <a:fontRef idx="minor">
-                <a:schemeClr val="dk1">
-                  <a:hueOff val="0"/>
-                  <a:satOff val="0"/>
-                  <a:lumOff val="0"/>
-                  <a:alphaOff val="0"/>
-                </a:schemeClr>
-              </a:fontRef>
-            </p:style>
-            <p:txBody>
-              <a:bodyPr spcFirstLastPara="0" vert="horz" wrap="square" lIns="20320" tIns="20320" rIns="20320" bIns="20320" numCol="1" spcCol="1270" anchor="ctr" anchorCtr="0">
-                <a:noAutofit/>
-              </a:bodyPr>
-              <a:lstStyle/>
-              <a:p>
-                <a:pPr marL="0" lvl="0" indent="0" algn="ctr" defTabSz="711200">
-                  <a:lnSpc>
-                    <a:spcPct val="90000"/>
-                  </a:lnSpc>
-                  <a:spcBef>
-                    <a:spcPct val="0"/>
-                  </a:spcBef>
-                  <a:spcAft>
-                    <a:spcPct val="35000"/>
-                  </a:spcAft>
-                  <a:buNone/>
-                </a:pPr>
-                <a:r>
-                  <a:rPr lang="en-US" sz="2400" dirty="0"/>
-                  <a:t>🧹</a:t>
-                </a:r>
-                <a:endParaRPr lang="en-US" sz="2400" kern="1200" dirty="0"/>
-              </a:p>
-              <a:p>
-                <a:pPr marL="0" lvl="0" indent="0" algn="ctr" defTabSz="711200">
-                  <a:lnSpc>
-                    <a:spcPct val="90000"/>
-                  </a:lnSpc>
-                  <a:spcBef>
-                    <a:spcPct val="0"/>
-                  </a:spcBef>
-                  <a:spcAft>
-                    <a:spcPct val="35000"/>
-                  </a:spcAft>
-                  <a:buNone/>
-                </a:pPr>
-                <a:r>
-                  <a:rPr lang="en-US" sz="1600" kern="1200" dirty="0"/>
-                  <a:t>Cleaning</a:t>
-                </a:r>
-              </a:p>
-            </p:txBody>
-          </p:sp>
+          </p:pic>
         </p:grpSp>
       </p:grpSp>
+      <p:sp>
+        <p:nvSpPr>
+          <p:cNvPr id="12" name="TextBox 11">
+            <a:extLst>
+              <a:ext uri="{FF2B5EF4-FFF2-40B4-BE49-F238E27FC236}">
+                <a16:creationId xmlns:a16="http://schemas.microsoft.com/office/drawing/2014/main" id="{EEBB801E-97D4-4F9A-A32F-699F83BEC554}"/>
+              </a:ext>
+            </a:extLst>
+          </p:cNvPr>
+          <p:cNvSpPr txBox="1"/>
+          <p:nvPr/>
+        </p:nvSpPr>
+        <p:spPr>
+          <a:xfrm>
+            <a:off x="2858071" y="5831668"/>
+            <a:ext cx="1889588" cy="338554"/>
+          </a:xfrm>
+          <a:prstGeom prst="rect">
+            <a:avLst/>
+          </a:prstGeom>
+          <a:noFill/>
+        </p:spPr>
+        <p:txBody>
+          <a:bodyPr wrap="square" rtlCol="0">
+            <a:spAutoFit/>
+          </a:bodyPr>
+          <a:lstStyle/>
+          <a:p>
+            <a:pPr algn="ctr"/>
+            <a:r>
+              <a:rPr lang="en-US" sz="1600" dirty="0"/>
+              <a:t>Rename column</a:t>
+            </a:r>
+          </a:p>
+        </p:txBody>
+      </p:sp>
+      <p:pic>
+        <p:nvPicPr>
+          <p:cNvPr id="14" name="Picture 13">
+            <a:extLst>
+              <a:ext uri="{FF2B5EF4-FFF2-40B4-BE49-F238E27FC236}">
+                <a16:creationId xmlns:a16="http://schemas.microsoft.com/office/drawing/2014/main" id="{E216ADDC-C48D-4C89-B6AB-C7FF948DE0C0}"/>
+              </a:ext>
+            </a:extLst>
+          </p:cNvPr>
+          <p:cNvPicPr>
+            <a:picLocks noChangeAspect="1"/>
+          </p:cNvPicPr>
+          <p:nvPr/>
+        </p:nvPicPr>
+        <p:blipFill>
+          <a:blip r:embed="rId5"/>
+          <a:stretch>
+            <a:fillRect/>
+          </a:stretch>
+        </p:blipFill>
+        <p:spPr>
+          <a:xfrm>
+            <a:off x="7956905" y="2754665"/>
+            <a:ext cx="1123967" cy="2387093"/>
+          </a:xfrm>
+          <a:prstGeom prst="rect">
+            <a:avLst/>
+          </a:prstGeom>
+        </p:spPr>
+      </p:pic>
+      <p:pic>
+        <p:nvPicPr>
+          <p:cNvPr id="15" name="Picture 14">
+            <a:extLst>
+              <a:ext uri="{FF2B5EF4-FFF2-40B4-BE49-F238E27FC236}">
+                <a16:creationId xmlns:a16="http://schemas.microsoft.com/office/drawing/2014/main" id="{4BE58139-F9A6-42D4-BB45-C1A32BBF6909}"/>
+              </a:ext>
+            </a:extLst>
+          </p:cNvPr>
+          <p:cNvPicPr>
+            <a:picLocks noChangeAspect="1"/>
+          </p:cNvPicPr>
+          <p:nvPr/>
+        </p:nvPicPr>
+        <p:blipFill>
+          <a:blip r:embed="rId6"/>
+          <a:stretch>
+            <a:fillRect/>
+          </a:stretch>
+        </p:blipFill>
+        <p:spPr>
+          <a:xfrm>
+            <a:off x="9919053" y="2754665"/>
+            <a:ext cx="647719" cy="2389859"/>
+          </a:xfrm>
+          <a:prstGeom prst="rect">
+            <a:avLst/>
+          </a:prstGeom>
+          <a:effectLst>
+            <a:glow rad="63500">
+              <a:schemeClr val="accent5">
+                <a:satMod val="175000"/>
+                <a:alpha val="40000"/>
+              </a:schemeClr>
+            </a:glow>
+          </a:effectLst>
+        </p:spPr>
+      </p:pic>
+      <p:sp>
+        <p:nvSpPr>
+          <p:cNvPr id="17" name="TextBox 16">
+            <a:extLst>
+              <a:ext uri="{FF2B5EF4-FFF2-40B4-BE49-F238E27FC236}">
+                <a16:creationId xmlns:a16="http://schemas.microsoft.com/office/drawing/2014/main" id="{7CB265A9-9754-49B9-9460-0D1DE871BD42}"/>
+              </a:ext>
+            </a:extLst>
+          </p:cNvPr>
+          <p:cNvSpPr txBox="1"/>
+          <p:nvPr/>
+        </p:nvSpPr>
+        <p:spPr>
+          <a:xfrm>
+            <a:off x="8746716" y="5189383"/>
+            <a:ext cx="1456575" cy="338554"/>
+          </a:xfrm>
+          <a:prstGeom prst="rect">
+            <a:avLst/>
+          </a:prstGeom>
+          <a:noFill/>
+        </p:spPr>
+        <p:txBody>
+          <a:bodyPr wrap="square" rtlCol="0">
+            <a:spAutoFit/>
+          </a:bodyPr>
+          <a:lstStyle/>
+          <a:p>
+            <a:r>
+              <a:rPr lang="en-US" sz="1600" dirty="0"/>
+              <a:t>Extract year</a:t>
+            </a:r>
+          </a:p>
+        </p:txBody>
+      </p:sp>
+      <p:sp>
+        <p:nvSpPr>
+          <p:cNvPr id="19" name="Equals 9">
+            <a:extLst>
+              <a:ext uri="{FF2B5EF4-FFF2-40B4-BE49-F238E27FC236}">
+                <a16:creationId xmlns:a16="http://schemas.microsoft.com/office/drawing/2014/main" id="{3BFF2C95-A16E-48A2-A4AC-43D0C5118793}"/>
+              </a:ext>
+            </a:extLst>
+          </p:cNvPr>
+          <p:cNvSpPr/>
+          <p:nvPr/>
+        </p:nvSpPr>
+        <p:spPr>
+          <a:xfrm rot="16200000">
+            <a:off x="9261160" y="3796448"/>
+            <a:ext cx="477605" cy="477605"/>
+          </a:xfrm>
+          <a:prstGeom prst="downArrow">
+            <a:avLst/>
+          </a:prstGeom>
+          <a:solidFill>
+            <a:srgbClr val="C00000"/>
+          </a:solidFill>
+        </p:spPr>
+        <p:style>
+          <a:lnRef idx="0">
+            <a:schemeClr val="dk1">
+              <a:tint val="60000"/>
+              <a:hueOff val="0"/>
+              <a:satOff val="0"/>
+              <a:lumOff val="0"/>
+              <a:alphaOff val="0"/>
+            </a:schemeClr>
+          </a:lnRef>
+          <a:fillRef idx="1">
+            <a:schemeClr val="dk1">
+              <a:tint val="60000"/>
+              <a:hueOff val="0"/>
+              <a:satOff val="0"/>
+              <a:lumOff val="0"/>
+              <a:alphaOff val="0"/>
+            </a:schemeClr>
+          </a:fillRef>
+          <a:effectRef idx="0">
+            <a:schemeClr val="dk1">
+              <a:tint val="60000"/>
+              <a:hueOff val="0"/>
+              <a:satOff val="0"/>
+              <a:lumOff val="0"/>
+              <a:alphaOff val="0"/>
+            </a:schemeClr>
+          </a:effectRef>
+          <a:fontRef idx="minor">
+            <a:schemeClr val="dk1">
+              <a:hueOff val="0"/>
+              <a:satOff val="0"/>
+              <a:lumOff val="0"/>
+              <a:alphaOff val="0"/>
+            </a:schemeClr>
+          </a:fontRef>
+        </p:style>
+      </p:sp>
     </p:spTree>
     <p:extLst>
       <p:ext uri="{BB962C8B-B14F-4D97-AF65-F5344CB8AC3E}">
-        <p14:creationId xmlns:p14="http://schemas.microsoft.com/office/powerpoint/2010/main" val="3940567905"/>
+        <p14:creationId xmlns:p14="http://schemas.microsoft.com/office/powerpoint/2010/main" val="212424170"/>
       </p:ext>
     </p:extLst>
   </p:cSld>
@@ -15015,7 +15087,7 @@
         </p:nvSpPr>
         <p:spPr>
           <a:xfrm>
-            <a:off x="838200" y="1825625"/>
+            <a:off x="838200" y="1778000"/>
             <a:ext cx="10515600" cy="4351338"/>
           </a:xfrm>
         </p:spPr>
@@ -15027,83 +15099,17 @@
           <a:p>
             <a:r>
               <a:rPr lang="en-US" dirty="0"/>
-              <a:t>Challenge of THAI datasets</a:t>
+              <a:t>Count number of patient by “Year”</a:t>
             </a:r>
           </a:p>
         </p:txBody>
       </p:sp>
-      <p:pic>
-        <p:nvPicPr>
-          <p:cNvPr id="4" name="Picture 3">
+      <p:grpSp>
+        <p:nvGrpSpPr>
+          <p:cNvPr id="7" name="Group 6">
             <a:extLst>
               <a:ext uri="{FF2B5EF4-FFF2-40B4-BE49-F238E27FC236}">
-                <a16:creationId xmlns:a16="http://schemas.microsoft.com/office/drawing/2014/main" id="{FA336E43-B01D-4E2B-8418-3DDA812749A1}"/>
-              </a:ext>
-            </a:extLst>
-          </p:cNvPr>
-          <p:cNvPicPr>
-            <a:picLocks noChangeAspect="1"/>
-          </p:cNvPicPr>
-          <p:nvPr/>
-        </p:nvPicPr>
-        <p:blipFill rotWithShape="1">
-          <a:blip r:embed="rId2"/>
-          <a:srcRect l="3784" r="15706"/>
-          <a:stretch/>
-        </p:blipFill>
-        <p:spPr>
-          <a:xfrm>
-            <a:off x="2905760" y="2392715"/>
-            <a:ext cx="6380480" cy="1295587"/>
-          </a:xfrm>
-          <a:prstGeom prst="rect">
-            <a:avLst/>
-          </a:prstGeom>
-        </p:spPr>
-      </p:pic>
-      <p:pic>
-        <p:nvPicPr>
-          <p:cNvPr id="8" name="Picture 7">
-            <a:extLst>
-              <a:ext uri="{FF2B5EF4-FFF2-40B4-BE49-F238E27FC236}">
-                <a16:creationId xmlns:a16="http://schemas.microsoft.com/office/drawing/2014/main" id="{E11ED4B9-2491-46D7-8060-0AEDFD2778AB}"/>
-              </a:ext>
-            </a:extLst>
-          </p:cNvPr>
-          <p:cNvPicPr>
-            <a:picLocks noChangeAspect="1"/>
-          </p:cNvPicPr>
-          <p:nvPr/>
-        </p:nvPicPr>
-        <p:blipFill rotWithShape="1">
-          <a:blip r:embed="rId3"/>
-          <a:srcRect l="17255" r="28737"/>
-          <a:stretch/>
-        </p:blipFill>
-        <p:spPr>
-          <a:xfrm>
-            <a:off x="2176445" y="4782742"/>
-            <a:ext cx="7839109" cy="1593579"/>
-          </a:xfrm>
-          <a:prstGeom prst="rect">
-            <a:avLst/>
-          </a:prstGeom>
-          <a:effectLst>
-            <a:glow rad="63500">
-              <a:schemeClr val="accent5">
-                <a:satMod val="175000"/>
-                <a:alpha val="40000"/>
-              </a:schemeClr>
-            </a:glow>
-          </a:effectLst>
-        </p:spPr>
-      </p:pic>
-      <p:grpSp>
-        <p:nvGrpSpPr>
-          <p:cNvPr id="3" name="Group 2">
-            <a:extLst>
-              <a:ext uri="{FF2B5EF4-FFF2-40B4-BE49-F238E27FC236}">
-                <a16:creationId xmlns:a16="http://schemas.microsoft.com/office/drawing/2014/main" id="{DEBBCE47-3E9D-42A7-BE8E-30BE0C3D171E}"/>
+                <a16:creationId xmlns:a16="http://schemas.microsoft.com/office/drawing/2014/main" id="{7B76346B-5544-4D8B-991E-03E04634AD81}"/>
               </a:ext>
             </a:extLst>
           </p:cNvPr>
@@ -15112,165 +15118,18 @@
         </p:nvGrpSpPr>
         <p:grpSpPr>
           <a:xfrm>
-            <a:off x="3561440" y="4001294"/>
-            <a:ext cx="5069120" cy="631437"/>
-            <a:chOff x="3965360" y="3950069"/>
-            <a:chExt cx="5069120" cy="631437"/>
+            <a:off x="1104900" y="3174725"/>
+            <a:ext cx="4028076" cy="2433919"/>
+            <a:chOff x="1420224" y="1027906"/>
+            <a:chExt cx="6209301" cy="3751899"/>
           </a:xfrm>
         </p:grpSpPr>
-        <p:grpSp>
-          <p:nvGrpSpPr>
-            <p:cNvPr id="9" name="Group 8">
+        <p:pic>
+          <p:nvPicPr>
+            <p:cNvPr id="4" name="Picture 3">
               <a:extLst>
                 <a:ext uri="{FF2B5EF4-FFF2-40B4-BE49-F238E27FC236}">
-                  <a16:creationId xmlns:a16="http://schemas.microsoft.com/office/drawing/2014/main" id="{87F3E5B6-9761-4508-BDCA-6141237B192A}"/>
-                </a:ext>
-              </a:extLst>
-            </p:cNvPr>
-            <p:cNvGrpSpPr/>
-            <p:nvPr/>
-          </p:nvGrpSpPr>
-          <p:grpSpPr>
-            <a:xfrm>
-              <a:off x="3965360" y="3950069"/>
-              <a:ext cx="631437" cy="631437"/>
-              <a:chOff x="5363927" y="2577119"/>
-              <a:chExt cx="264427" cy="264427"/>
-            </a:xfrm>
-            <a:solidFill>
-              <a:srgbClr val="C00000"/>
-            </a:solidFill>
-          </p:grpSpPr>
-          <p:sp>
-            <p:nvSpPr>
-              <p:cNvPr id="10" name="Equals 9">
-                <a:extLst>
-                  <a:ext uri="{FF2B5EF4-FFF2-40B4-BE49-F238E27FC236}">
-                    <a16:creationId xmlns:a16="http://schemas.microsoft.com/office/drawing/2014/main" id="{7ED340C0-61F5-45AD-BF21-BAA21BC85AE8}"/>
-                  </a:ext>
-                </a:extLst>
-              </p:cNvPr>
-              <p:cNvSpPr/>
-              <p:nvPr/>
-            </p:nvSpPr>
-            <p:spPr>
-              <a:xfrm>
-                <a:off x="5363927" y="2577119"/>
-                <a:ext cx="264427" cy="264427"/>
-              </a:xfrm>
-              <a:prstGeom prst="downArrow">
-                <a:avLst/>
-              </a:prstGeom>
-              <a:grpFill/>
-            </p:spPr>
-            <p:style>
-              <a:lnRef idx="0">
-                <a:schemeClr val="dk1">
-                  <a:tint val="60000"/>
-                  <a:hueOff val="0"/>
-                  <a:satOff val="0"/>
-                  <a:lumOff val="0"/>
-                  <a:alphaOff val="0"/>
-                </a:schemeClr>
-              </a:lnRef>
-              <a:fillRef idx="1">
-                <a:schemeClr val="dk1">
-                  <a:tint val="60000"/>
-                  <a:hueOff val="0"/>
-                  <a:satOff val="0"/>
-                  <a:lumOff val="0"/>
-                  <a:alphaOff val="0"/>
-                </a:schemeClr>
-              </a:fillRef>
-              <a:effectRef idx="0">
-                <a:schemeClr val="dk1">
-                  <a:tint val="60000"/>
-                  <a:hueOff val="0"/>
-                  <a:satOff val="0"/>
-                  <a:lumOff val="0"/>
-                  <a:alphaOff val="0"/>
-                </a:schemeClr>
-              </a:effectRef>
-              <a:fontRef idx="minor">
-                <a:schemeClr val="dk1">
-                  <a:hueOff val="0"/>
-                  <a:satOff val="0"/>
-                  <a:lumOff val="0"/>
-                  <a:alphaOff val="0"/>
-                </a:schemeClr>
-              </a:fontRef>
-            </p:style>
-          </p:sp>
-          <p:sp>
-            <p:nvSpPr>
-              <p:cNvPr id="11" name="Equals 4">
-                <a:extLst>
-                  <a:ext uri="{FF2B5EF4-FFF2-40B4-BE49-F238E27FC236}">
-                    <a16:creationId xmlns:a16="http://schemas.microsoft.com/office/drawing/2014/main" id="{7B3F60BA-ED5B-4B9E-BC6E-53DC85425D94}"/>
-                  </a:ext>
-                </a:extLst>
-              </p:cNvPr>
-              <p:cNvSpPr txBox="1"/>
-              <p:nvPr/>
-            </p:nvSpPr>
-            <p:spPr>
-              <a:xfrm>
-                <a:off x="5398977" y="2631591"/>
-                <a:ext cx="194327" cy="155483"/>
-              </a:xfrm>
-              <a:prstGeom prst="downArrow">
-                <a:avLst/>
-              </a:prstGeom>
-              <a:grpFill/>
-            </p:spPr>
-            <p:style>
-              <a:lnRef idx="0">
-                <a:scrgbClr r="0" g="0" b="0"/>
-              </a:lnRef>
-              <a:fillRef idx="0">
-                <a:scrgbClr r="0" g="0" b="0"/>
-              </a:fillRef>
-              <a:effectRef idx="0">
-                <a:scrgbClr r="0" g="0" b="0"/>
-              </a:effectRef>
-              <a:fontRef idx="minor">
-                <a:schemeClr val="dk1">
-                  <a:hueOff val="0"/>
-                  <a:satOff val="0"/>
-                  <a:lumOff val="0"/>
-                  <a:alphaOff val="0"/>
-                </a:schemeClr>
-              </a:fontRef>
-            </p:style>
-            <p:txBody>
-              <a:bodyPr spcFirstLastPara="0" vert="horz" wrap="square" lIns="0" tIns="0" rIns="0" bIns="0" numCol="1" spcCol="1270" anchor="ctr" anchorCtr="0">
-                <a:noAutofit/>
-              </a:bodyPr>
-              <a:lstStyle/>
-              <a:p>
-                <a:pPr marL="0" lvl="0" indent="0" algn="ctr" defTabSz="488950">
-                  <a:lnSpc>
-                    <a:spcPct val="90000"/>
-                  </a:lnSpc>
-                  <a:spcBef>
-                    <a:spcPct val="0"/>
-                  </a:spcBef>
-                  <a:spcAft>
-                    <a:spcPct val="35000"/>
-                  </a:spcAft>
-                  <a:buNone/>
-                </a:pPr>
-                <a:endParaRPr lang="en-US" sz="1100" kern="1200"/>
-              </a:p>
-            </p:txBody>
-          </p:sp>
-        </p:grpSp>
-        <p:pic>
-          <p:nvPicPr>
-            <p:cNvPr id="13" name="Picture 12">
-              <a:extLst>
-                <a:ext uri="{FF2B5EF4-FFF2-40B4-BE49-F238E27FC236}">
-                  <a16:creationId xmlns:a16="http://schemas.microsoft.com/office/drawing/2014/main" id="{3F4C8692-64F2-43DE-A230-8C6AD9123C5A}"/>
+                  <a16:creationId xmlns:a16="http://schemas.microsoft.com/office/drawing/2014/main" id="{3AB79317-8ED0-43C4-B6EF-4329AA6A9682}"/>
                 </a:ext>
               </a:extLst>
             </p:cNvPr>
@@ -15280,33 +15139,232 @@
             <p:nvPr/>
           </p:nvPicPr>
           <p:blipFill rotWithShape="1">
-            <a:blip r:embed="rId4"/>
-            <a:srcRect l="11743" t="-2794" b="676"/>
+            <a:blip r:embed="rId2"/>
+            <a:srcRect t="80923" r="26029"/>
             <a:stretch/>
           </p:blipFill>
           <p:spPr>
             <a:xfrm>
-              <a:off x="4918205" y="3950069"/>
-              <a:ext cx="4116275" cy="631437"/>
+              <a:off x="1420224" y="3775870"/>
+              <a:ext cx="6209301" cy="1003935"/>
             </a:xfrm>
             <a:prstGeom prst="rect">
               <a:avLst/>
             </a:prstGeom>
-            <a:effectLst>
-              <a:glow rad="228600">
-                <a:schemeClr val="accent6">
-                  <a:satMod val="175000"/>
-                  <a:alpha val="40000"/>
-                </a:schemeClr>
-              </a:glow>
-            </a:effectLst>
+          </p:spPr>
+        </p:pic>
+        <p:pic>
+          <p:nvPicPr>
+            <p:cNvPr id="11" name="Picture 10">
+              <a:extLst>
+                <a:ext uri="{FF2B5EF4-FFF2-40B4-BE49-F238E27FC236}">
+                  <a16:creationId xmlns:a16="http://schemas.microsoft.com/office/drawing/2014/main" id="{E5ABF104-168F-408F-B891-57DD593DB952}"/>
+                </a:ext>
+              </a:extLst>
+            </p:cNvPr>
+            <p:cNvPicPr>
+              <a:picLocks noChangeAspect="1"/>
+            </p:cNvPicPr>
+            <p:nvPr/>
+          </p:nvPicPr>
+          <p:blipFill rotWithShape="1">
+            <a:blip r:embed="rId2"/>
+            <a:srcRect r="26029" b="47783"/>
+            <a:stretch/>
+          </p:blipFill>
+          <p:spPr>
+            <a:xfrm>
+              <a:off x="1420224" y="1027906"/>
+              <a:ext cx="6209301" cy="2747964"/>
+            </a:xfrm>
+            <a:prstGeom prst="rect">
+              <a:avLst/>
+            </a:prstGeom>
           </p:spPr>
         </p:pic>
       </p:grpSp>
+      <p:grpSp>
+        <p:nvGrpSpPr>
+          <p:cNvPr id="8" name="Group 7">
+            <a:extLst>
+              <a:ext uri="{FF2B5EF4-FFF2-40B4-BE49-F238E27FC236}">
+                <a16:creationId xmlns:a16="http://schemas.microsoft.com/office/drawing/2014/main" id="{15533B57-D1B6-4557-8148-4BE675980A4F}"/>
+              </a:ext>
+            </a:extLst>
+          </p:cNvPr>
+          <p:cNvGrpSpPr/>
+          <p:nvPr/>
+        </p:nvGrpSpPr>
+        <p:grpSpPr>
+          <a:xfrm>
+            <a:off x="6114392" y="2535960"/>
+            <a:ext cx="4374411" cy="3483840"/>
+            <a:chOff x="7266775" y="1443876"/>
+            <a:chExt cx="4649600" cy="3703004"/>
+          </a:xfrm>
+          <a:effectLst>
+            <a:glow rad="228600">
+              <a:schemeClr val="accent4">
+                <a:satMod val="175000"/>
+                <a:alpha val="40000"/>
+              </a:schemeClr>
+            </a:glow>
+          </a:effectLst>
+        </p:grpSpPr>
+        <p:pic>
+          <p:nvPicPr>
+            <p:cNvPr id="9" name="Picture 8">
+              <a:extLst>
+                <a:ext uri="{FF2B5EF4-FFF2-40B4-BE49-F238E27FC236}">
+                  <a16:creationId xmlns:a16="http://schemas.microsoft.com/office/drawing/2014/main" id="{9C077DD4-33AA-46ED-9DE7-3EF7FE5EC8BE}"/>
+                </a:ext>
+              </a:extLst>
+            </p:cNvPr>
+            <p:cNvPicPr>
+              <a:picLocks noChangeAspect="1"/>
+            </p:cNvPicPr>
+            <p:nvPr/>
+          </p:nvPicPr>
+          <p:blipFill rotWithShape="1">
+            <a:blip r:embed="rId3"/>
+            <a:srcRect t="91797" r="15329" b="-772"/>
+            <a:stretch/>
+          </p:blipFill>
+          <p:spPr>
+            <a:xfrm>
+              <a:off x="7266775" y="4669382"/>
+              <a:ext cx="4648200" cy="477498"/>
+            </a:xfrm>
+            <a:prstGeom prst="rect">
+              <a:avLst/>
+            </a:prstGeom>
+          </p:spPr>
+        </p:pic>
+        <p:pic>
+          <p:nvPicPr>
+            <p:cNvPr id="10" name="Picture 9">
+              <a:extLst>
+                <a:ext uri="{FF2B5EF4-FFF2-40B4-BE49-F238E27FC236}">
+                  <a16:creationId xmlns:a16="http://schemas.microsoft.com/office/drawing/2014/main" id="{EF7F050F-B4AF-4CA5-9212-7064C639B34E}"/>
+                </a:ext>
+              </a:extLst>
+            </p:cNvPr>
+            <p:cNvPicPr>
+              <a:picLocks noChangeAspect="1"/>
+            </p:cNvPicPr>
+            <p:nvPr/>
+          </p:nvPicPr>
+          <p:blipFill rotWithShape="1">
+            <a:blip r:embed="rId3"/>
+            <a:srcRect l="12552" t="44884" r="2776" b="23875"/>
+            <a:stretch/>
+          </p:blipFill>
+          <p:spPr>
+            <a:xfrm>
+              <a:off x="7268175" y="3048000"/>
+              <a:ext cx="4648200" cy="1661859"/>
+            </a:xfrm>
+            <a:prstGeom prst="rect">
+              <a:avLst/>
+            </a:prstGeom>
+          </p:spPr>
+        </p:pic>
+        <p:pic>
+          <p:nvPicPr>
+            <p:cNvPr id="12" name="Picture 11">
+              <a:extLst>
+                <a:ext uri="{FF2B5EF4-FFF2-40B4-BE49-F238E27FC236}">
+                  <a16:creationId xmlns:a16="http://schemas.microsoft.com/office/drawing/2014/main" id="{0F9B1E2D-68FE-4D2E-828F-49622F422D81}"/>
+                </a:ext>
+              </a:extLst>
+            </p:cNvPr>
+            <p:cNvPicPr>
+              <a:picLocks noChangeAspect="1"/>
+            </p:cNvPicPr>
+            <p:nvPr/>
+          </p:nvPicPr>
+          <p:blipFill rotWithShape="1">
+            <a:blip r:embed="rId3"/>
+            <a:srcRect l="12725" r="2776" b="68949"/>
+            <a:stretch/>
+          </p:blipFill>
+          <p:spPr>
+            <a:xfrm>
+              <a:off x="7267575" y="1443876"/>
+              <a:ext cx="4638676" cy="1651749"/>
+            </a:xfrm>
+            <a:prstGeom prst="rect">
+              <a:avLst/>
+            </a:prstGeom>
+          </p:spPr>
+        </p:pic>
+      </p:grpSp>
+      <p:sp>
+        <p:nvSpPr>
+          <p:cNvPr id="13" name="Equals 9">
+            <a:extLst>
+              <a:ext uri="{FF2B5EF4-FFF2-40B4-BE49-F238E27FC236}">
+                <a16:creationId xmlns:a16="http://schemas.microsoft.com/office/drawing/2014/main" id="{ECA5053D-5318-44B1-AD00-C9A82E4AD426}"/>
+              </a:ext>
+            </a:extLst>
+          </p:cNvPr>
+          <p:cNvSpPr/>
+          <p:nvPr/>
+        </p:nvSpPr>
+        <p:spPr>
+          <a:xfrm rot="16200000">
+            <a:off x="5309040" y="3851146"/>
+            <a:ext cx="477605" cy="477605"/>
+          </a:xfrm>
+          <a:prstGeom prst="downArrow">
+            <a:avLst/>
+          </a:prstGeom>
+          <a:solidFill>
+            <a:srgbClr val="C00000"/>
+          </a:solidFill>
+        </p:spPr>
+        <p:style>
+          <a:lnRef idx="0">
+            <a:schemeClr val="dk1">
+              <a:tint val="60000"/>
+              <a:hueOff val="0"/>
+              <a:satOff val="0"/>
+              <a:lumOff val="0"/>
+              <a:alphaOff val="0"/>
+            </a:schemeClr>
+          </a:lnRef>
+          <a:fillRef idx="1">
+            <a:schemeClr val="dk1">
+              <a:tint val="60000"/>
+              <a:hueOff val="0"/>
+              <a:satOff val="0"/>
+              <a:lumOff val="0"/>
+              <a:alphaOff val="0"/>
+            </a:schemeClr>
+          </a:fillRef>
+          <a:effectRef idx="0">
+            <a:schemeClr val="dk1">
+              <a:tint val="60000"/>
+              <a:hueOff val="0"/>
+              <a:satOff val="0"/>
+              <a:lumOff val="0"/>
+              <a:alphaOff val="0"/>
+            </a:schemeClr>
+          </a:effectRef>
+          <a:fontRef idx="minor">
+            <a:schemeClr val="dk1">
+              <a:hueOff val="0"/>
+              <a:satOff val="0"/>
+              <a:lumOff val="0"/>
+              <a:alphaOff val="0"/>
+            </a:schemeClr>
+          </a:fontRef>
+        </p:style>
+      </p:sp>
     </p:spTree>
     <p:extLst>
       <p:ext uri="{BB962C8B-B14F-4D97-AF65-F5344CB8AC3E}">
-        <p14:creationId xmlns:p14="http://schemas.microsoft.com/office/powerpoint/2010/main" val="212424170"/>
+        <p14:creationId xmlns:p14="http://schemas.microsoft.com/office/powerpoint/2010/main" val="319577151"/>
       </p:ext>
     </p:extLst>
   </p:cSld>
@@ -15391,23 +15449,17 @@
           <a:p>
             <a:r>
               <a:rPr lang="en-US" dirty="0"/>
-              <a:t>Challenge of THAI datasets</a:t>
-            </a:r>
-          </a:p>
-          <a:p>
-            <a:r>
-              <a:rPr lang="en-US" dirty="0"/>
-              <a:t>Count number of patient by “Year”</a:t>
+              <a:t>Convert wide data type to long data type</a:t>
             </a:r>
           </a:p>
         </p:txBody>
       </p:sp>
       <p:pic>
         <p:nvPicPr>
-          <p:cNvPr id="5" name="Picture 4">
+          <p:cNvPr id="4" name="Picture 3">
             <a:extLst>
               <a:ext uri="{FF2B5EF4-FFF2-40B4-BE49-F238E27FC236}">
-                <a16:creationId xmlns:a16="http://schemas.microsoft.com/office/drawing/2014/main" id="{D79145BE-0312-4745-BE03-07682F8D3F2E}"/>
+                <a16:creationId xmlns:a16="http://schemas.microsoft.com/office/drawing/2014/main" id="{D00947B7-0439-4C60-A700-DEB4727B2FF2}"/>
               </a:ext>
             </a:extLst>
           </p:cNvPr>
@@ -15424,8 +15476,93 @@
         </p:blipFill>
         <p:spPr>
           <a:xfrm>
-            <a:off x="1485882" y="3865476"/>
-            <a:ext cx="1123967" cy="2387093"/>
+            <a:off x="2085911" y="3264576"/>
+            <a:ext cx="3314764" cy="2159236"/>
+          </a:xfrm>
+          <a:prstGeom prst="rect">
+            <a:avLst/>
+          </a:prstGeom>
+        </p:spPr>
+      </p:pic>
+      <p:sp>
+        <p:nvSpPr>
+          <p:cNvPr id="5" name="Rectangle: Rounded Corners 4">
+            <a:extLst>
+              <a:ext uri="{FF2B5EF4-FFF2-40B4-BE49-F238E27FC236}">
+                <a16:creationId xmlns:a16="http://schemas.microsoft.com/office/drawing/2014/main" id="{60730F31-E307-4D54-BE06-414A8E6243C0}"/>
+              </a:ext>
+            </a:extLst>
+          </p:cNvPr>
+          <p:cNvSpPr/>
+          <p:nvPr/>
+        </p:nvSpPr>
+        <p:spPr>
+          <a:xfrm>
+            <a:off x="3295650" y="3158215"/>
+            <a:ext cx="2152650" cy="471448"/>
+          </a:xfrm>
+          <a:prstGeom prst="roundRect">
+            <a:avLst>
+              <a:gd name="adj" fmla="val 50000"/>
+            </a:avLst>
+          </a:prstGeom>
+          <a:noFill/>
+          <a:ln w="28575">
+            <a:solidFill>
+              <a:srgbClr val="C00000">
+                <a:alpha val="65000"/>
+              </a:srgbClr>
+            </a:solidFill>
+          </a:ln>
+        </p:spPr>
+        <p:style>
+          <a:lnRef idx="2">
+            <a:schemeClr val="accent1">
+              <a:shade val="50000"/>
+            </a:schemeClr>
+          </a:lnRef>
+          <a:fillRef idx="1">
+            <a:schemeClr val="accent1"/>
+          </a:fillRef>
+          <a:effectRef idx="0">
+            <a:schemeClr val="accent1"/>
+          </a:effectRef>
+          <a:fontRef idx="minor">
+            <a:schemeClr val="lt1"/>
+          </a:fontRef>
+        </p:style>
+        <p:txBody>
+          <a:bodyPr rtlCol="0" anchor="ctr"/>
+          <a:lstStyle/>
+          <a:p>
+            <a:pPr algn="ctr"/>
+            <a:endParaRPr lang="en-US"/>
+          </a:p>
+        </p:txBody>
+      </p:sp>
+      <p:pic>
+        <p:nvPicPr>
+          <p:cNvPr id="11" name="Picture 10">
+            <a:extLst>
+              <a:ext uri="{FF2B5EF4-FFF2-40B4-BE49-F238E27FC236}">
+                <a16:creationId xmlns:a16="http://schemas.microsoft.com/office/drawing/2014/main" id="{975C90CF-818D-49F7-97AA-A48502C0EEBD}"/>
+              </a:ext>
+            </a:extLst>
+          </p:cNvPr>
+          <p:cNvPicPr>
+            <a:picLocks noChangeAspect="1"/>
+          </p:cNvPicPr>
+          <p:nvPr/>
+        </p:nvPicPr>
+        <p:blipFill rotWithShape="1">
+          <a:blip r:embed="rId3"/>
+          <a:srcRect t="45913"/>
+          <a:stretch/>
+        </p:blipFill>
+        <p:spPr>
+          <a:xfrm>
+            <a:off x="5616215" y="4229894"/>
+            <a:ext cx="826092" cy="890469"/>
           </a:xfrm>
           <a:prstGeom prst="rect">
             <a:avLst/>
@@ -15434,10 +15571,10 @@
       </p:pic>
       <p:pic>
         <p:nvPicPr>
-          <p:cNvPr id="12" name="Picture 11">
+          <p:cNvPr id="13" name="Picture 12">
             <a:extLst>
               <a:ext uri="{FF2B5EF4-FFF2-40B4-BE49-F238E27FC236}">
-                <a16:creationId xmlns:a16="http://schemas.microsoft.com/office/drawing/2014/main" id="{7B95BFEB-550E-4137-B7BE-F7809F73EE0D}"/>
+                <a16:creationId xmlns:a16="http://schemas.microsoft.com/office/drawing/2014/main" id="{8B81D10C-7095-47B2-B295-4458EC320482}"/>
               </a:ext>
             </a:extLst>
           </p:cNvPr>
@@ -15446,16 +15583,15 @@
           </p:cNvPicPr>
           <p:nvPr/>
         </p:nvPicPr>
-        <p:blipFill>
-          <a:blip r:embed="rId3"/>
-          <a:stretch>
-            <a:fillRect/>
-          </a:stretch>
+        <p:blipFill rotWithShape="1">
+          <a:blip r:embed="rId4"/>
+          <a:srcRect l="17087"/>
+          <a:stretch/>
         </p:blipFill>
         <p:spPr>
           <a:xfrm>
-            <a:off x="3448030" y="3865476"/>
-            <a:ext cx="647719" cy="2389859"/>
+            <a:off x="6829459" y="2793864"/>
+            <a:ext cx="2304986" cy="3825745"/>
           </a:xfrm>
           <a:prstGeom prst="rect">
             <a:avLst/>
@@ -15464,75 +15600,66 @@
       </p:pic>
       <p:sp>
         <p:nvSpPr>
-          <p:cNvPr id="15" name="Equals 4">
+          <p:cNvPr id="14" name="Rectangle: Rounded Corners 13">
             <a:extLst>
               <a:ext uri="{FF2B5EF4-FFF2-40B4-BE49-F238E27FC236}">
-                <a16:creationId xmlns:a16="http://schemas.microsoft.com/office/drawing/2014/main" id="{8DFB079C-C907-4273-94BC-8456CC4F2E2D}"/>
+                <a16:creationId xmlns:a16="http://schemas.microsoft.com/office/drawing/2014/main" id="{17C42CCD-5627-4884-B042-7EDDB6321512}"/>
               </a:ext>
             </a:extLst>
           </p:cNvPr>
-          <p:cNvSpPr txBox="1"/>
+          <p:cNvSpPr/>
           <p:nvPr/>
         </p:nvSpPr>
         <p:spPr>
-          <a:xfrm rot="16200000">
-            <a:off x="2849420" y="4915386"/>
-            <a:ext cx="359039" cy="287271"/>
+          <a:xfrm rot="5400000">
+            <a:off x="6223197" y="4394133"/>
+            <a:ext cx="3825746" cy="625209"/>
           </a:xfrm>
-          <a:prstGeom prst="downArrow">
-            <a:avLst/>
+          <a:prstGeom prst="roundRect">
+            <a:avLst>
+              <a:gd name="adj" fmla="val 30194"/>
+            </a:avLst>
           </a:prstGeom>
-          <a:solidFill>
-            <a:srgbClr val="C00000"/>
-          </a:solidFill>
+          <a:noFill/>
+          <a:ln w="28575">
+            <a:solidFill>
+              <a:srgbClr val="C00000">
+                <a:alpha val="65000"/>
+              </a:srgbClr>
+            </a:solidFill>
+          </a:ln>
         </p:spPr>
         <p:style>
-          <a:lnRef idx="0">
-            <a:scrgbClr r="0" g="0" b="0"/>
+          <a:lnRef idx="2">
+            <a:schemeClr val="accent1">
+              <a:shade val="50000"/>
+            </a:schemeClr>
           </a:lnRef>
-          <a:fillRef idx="0">
-            <a:scrgbClr r="0" g="0" b="0"/>
+          <a:fillRef idx="1">
+            <a:schemeClr val="accent1"/>
           </a:fillRef>
           <a:effectRef idx="0">
-            <a:scrgbClr r="0" g="0" b="0"/>
+            <a:schemeClr val="accent1"/>
           </a:effectRef>
           <a:fontRef idx="minor">
-            <a:schemeClr val="dk1">
-              <a:hueOff val="0"/>
-              <a:satOff val="0"/>
-              <a:lumOff val="0"/>
-              <a:alphaOff val="0"/>
-            </a:schemeClr>
+            <a:schemeClr val="lt1"/>
           </a:fontRef>
         </p:style>
         <p:txBody>
-          <a:bodyPr spcFirstLastPara="0" vert="horz" wrap="square" lIns="0" tIns="0" rIns="0" bIns="0" numCol="1" spcCol="1270" anchor="ctr" anchorCtr="0">
-            <a:noAutofit/>
-          </a:bodyPr>
+          <a:bodyPr rtlCol="0" anchor="ctr"/>
           <a:lstStyle/>
           <a:p>
-            <a:pPr marL="0" lvl="0" indent="0" algn="ctr" defTabSz="488950">
-              <a:lnSpc>
-                <a:spcPct val="90000"/>
-              </a:lnSpc>
-              <a:spcBef>
-                <a:spcPct val="0"/>
-              </a:spcBef>
-              <a:spcAft>
-                <a:spcPct val="35000"/>
-              </a:spcAft>
-              <a:buNone/>
-            </a:pPr>
-            <a:endParaRPr lang="en-US" sz="1100" kern="1200"/>
+            <a:pPr algn="ctr"/>
+            <a:endParaRPr lang="en-US"/>
           </a:p>
         </p:txBody>
       </p:sp>
       <p:sp>
         <p:nvSpPr>
-          <p:cNvPr id="18" name="TextBox 17">
+          <p:cNvPr id="16" name="TextBox 15">
             <a:extLst>
               <a:ext uri="{FF2B5EF4-FFF2-40B4-BE49-F238E27FC236}">
-                <a16:creationId xmlns:a16="http://schemas.microsoft.com/office/drawing/2014/main" id="{3485E101-A320-4672-8E48-7C3861AD7A8D}"/>
+                <a16:creationId xmlns:a16="http://schemas.microsoft.com/office/drawing/2014/main" id="{49F213D9-42AA-4C2E-B554-27178B7DDECB}"/>
               </a:ext>
             </a:extLst>
           </p:cNvPr>
@@ -15541,8 +15668,8 @@
         </p:nvSpPr>
         <p:spPr>
           <a:xfrm>
-            <a:off x="2275693" y="6256232"/>
-            <a:ext cx="1456575" cy="369332"/>
+            <a:off x="2085910" y="2779672"/>
+            <a:ext cx="1685989" cy="369332"/>
           </a:xfrm>
           <a:prstGeom prst="rect">
             <a:avLst/>
@@ -15550,57 +15677,24 @@
           <a:noFill/>
         </p:spPr>
         <p:txBody>
-          <a:bodyPr wrap="square" rtlCol="0">
+          <a:bodyPr wrap="square">
             <a:spAutoFit/>
           </a:bodyPr>
           <a:lstStyle/>
           <a:p>
-            <a:r>
-              <a:rPr lang="en-US" dirty="0"/>
-              <a:t>Extract year</a:t>
-            </a:r>
-          </a:p>
-        </p:txBody>
-      </p:sp>
-      <p:sp>
-        <p:nvSpPr>
-          <p:cNvPr id="19" name="TextBox 18">
-            <a:extLst>
-              <a:ext uri="{FF2B5EF4-FFF2-40B4-BE49-F238E27FC236}">
-                <a16:creationId xmlns:a16="http://schemas.microsoft.com/office/drawing/2014/main" id="{A26E91EF-03E0-427F-81B1-8CE4AB0D6274}"/>
-              </a:ext>
-            </a:extLst>
-          </p:cNvPr>
-          <p:cNvSpPr txBox="1"/>
-          <p:nvPr/>
-        </p:nvSpPr>
-        <p:spPr>
-          <a:xfrm>
-            <a:off x="5539912" y="5060406"/>
-            <a:ext cx="1456575" cy="369332"/>
-          </a:xfrm>
-          <a:prstGeom prst="rect">
-            <a:avLst/>
-          </a:prstGeom>
-          <a:noFill/>
-        </p:spPr>
-        <p:txBody>
-          <a:bodyPr wrap="square" rtlCol="0">
-            <a:spAutoFit/>
-          </a:bodyPr>
-          <a:lstStyle/>
-          <a:p>
-            <a:r>
-              <a:rPr lang="en-US" dirty="0"/>
-              <a:t>B.E. to A.D</a:t>
-            </a:r>
+            <a:pPr lvl="0"/>
+            <a:r>
+              <a:rPr lang="en-US" sz="1800" dirty="0"/>
+              <a:t>🌧Rain (days)</a:t>
+            </a:r>
+            <a:endParaRPr lang="en-US" dirty="0"/>
           </a:p>
         </p:txBody>
       </p:sp>
     </p:spTree>
     <p:extLst>
       <p:ext uri="{BB962C8B-B14F-4D97-AF65-F5344CB8AC3E}">
-        <p14:creationId xmlns:p14="http://schemas.microsoft.com/office/powerpoint/2010/main" val="319577151"/>
+        <p14:creationId xmlns:p14="http://schemas.microsoft.com/office/powerpoint/2010/main" val="3170640082"/>
       </p:ext>
     </p:extLst>
   </p:cSld>

--- a/Presentation.pptx
+++ b/Presentation.pptx
@@ -5055,7 +5055,7 @@
           <a:p>
             <a:fld id="{DF7D3DBD-0B5D-4B79-92F9-F17AA9E647F4}" type="datetimeFigureOut">
               <a:rPr lang="en-US" smtClean="0"/>
-              <a:t>10/23/2021</a:t>
+              <a:t>10/24/2021</a:t>
             </a:fld>
             <a:endParaRPr lang="en-US"/>
           </a:p>
@@ -5225,7 +5225,7 @@
           <a:p>
             <a:fld id="{DF7D3DBD-0B5D-4B79-92F9-F17AA9E647F4}" type="datetimeFigureOut">
               <a:rPr lang="en-US" smtClean="0"/>
-              <a:t>10/23/2021</a:t>
+              <a:t>10/24/2021</a:t>
             </a:fld>
             <a:endParaRPr lang="en-US"/>
           </a:p>
@@ -5405,7 +5405,7 @@
           <a:p>
             <a:fld id="{DF7D3DBD-0B5D-4B79-92F9-F17AA9E647F4}" type="datetimeFigureOut">
               <a:rPr lang="en-US" smtClean="0"/>
-              <a:t>10/23/2021</a:t>
+              <a:t>10/24/2021</a:t>
             </a:fld>
             <a:endParaRPr lang="en-US"/>
           </a:p>
@@ -5575,7 +5575,7 @@
           <a:p>
             <a:fld id="{DF7D3DBD-0B5D-4B79-92F9-F17AA9E647F4}" type="datetimeFigureOut">
               <a:rPr lang="en-US" smtClean="0"/>
-              <a:t>10/23/2021</a:t>
+              <a:t>10/24/2021</a:t>
             </a:fld>
             <a:endParaRPr lang="en-US"/>
           </a:p>
@@ -5821,7 +5821,7 @@
           <a:p>
             <a:fld id="{DF7D3DBD-0B5D-4B79-92F9-F17AA9E647F4}" type="datetimeFigureOut">
               <a:rPr lang="en-US" smtClean="0"/>
-              <a:t>10/23/2021</a:t>
+              <a:t>10/24/2021</a:t>
             </a:fld>
             <a:endParaRPr lang="en-US"/>
           </a:p>
@@ -6053,7 +6053,7 @@
           <a:p>
             <a:fld id="{DF7D3DBD-0B5D-4B79-92F9-F17AA9E647F4}" type="datetimeFigureOut">
               <a:rPr lang="en-US" smtClean="0"/>
-              <a:t>10/23/2021</a:t>
+              <a:t>10/24/2021</a:t>
             </a:fld>
             <a:endParaRPr lang="en-US"/>
           </a:p>
@@ -6420,7 +6420,7 @@
           <a:p>
             <a:fld id="{DF7D3DBD-0B5D-4B79-92F9-F17AA9E647F4}" type="datetimeFigureOut">
               <a:rPr lang="en-US" smtClean="0"/>
-              <a:t>10/23/2021</a:t>
+              <a:t>10/24/2021</a:t>
             </a:fld>
             <a:endParaRPr lang="en-US"/>
           </a:p>
@@ -6538,7 +6538,7 @@
           <a:p>
             <a:fld id="{DF7D3DBD-0B5D-4B79-92F9-F17AA9E647F4}" type="datetimeFigureOut">
               <a:rPr lang="en-US" smtClean="0"/>
-              <a:t>10/23/2021</a:t>
+              <a:t>10/24/2021</a:t>
             </a:fld>
             <a:endParaRPr lang="en-US"/>
           </a:p>
@@ -6633,7 +6633,7 @@
           <a:p>
             <a:fld id="{DF7D3DBD-0B5D-4B79-92F9-F17AA9E647F4}" type="datetimeFigureOut">
               <a:rPr lang="en-US" smtClean="0"/>
-              <a:t>10/23/2021</a:t>
+              <a:t>10/24/2021</a:t>
             </a:fld>
             <a:endParaRPr lang="en-US"/>
           </a:p>
@@ -6910,7 +6910,7 @@
           <a:p>
             <a:fld id="{DF7D3DBD-0B5D-4B79-92F9-F17AA9E647F4}" type="datetimeFigureOut">
               <a:rPr lang="en-US" smtClean="0"/>
-              <a:t>10/23/2021</a:t>
+              <a:t>10/24/2021</a:t>
             </a:fld>
             <a:endParaRPr lang="en-US"/>
           </a:p>
@@ -7167,7 +7167,7 @@
           <a:p>
             <a:fld id="{DF7D3DBD-0B5D-4B79-92F9-F17AA9E647F4}" type="datetimeFigureOut">
               <a:rPr lang="en-US" smtClean="0"/>
-              <a:t>10/23/2021</a:t>
+              <a:t>10/24/2021</a:t>
             </a:fld>
             <a:endParaRPr lang="en-US"/>
           </a:p>
@@ -7380,7 +7380,7 @@
           <a:p>
             <a:fld id="{DF7D3DBD-0B5D-4B79-92F9-F17AA9E647F4}" type="datetimeFigureOut">
               <a:rPr lang="en-US" smtClean="0"/>
-              <a:t>10/23/2021</a:t>
+              <a:t>10/24/2021</a:t>
             </a:fld>
             <a:endParaRPr lang="en-US"/>
           </a:p>
@@ -7862,7 +7862,35 @@
                 <a:latin typeface="Bahnschrift SemiBold" panose="020B0502040204020203" pitchFamily="34" charset="0"/>
                 <a:cs typeface="Aharoni" panose="02010803020104030203" pitchFamily="2" charset="-79"/>
               </a:rPr>
-              <a:t>🦟 Study in dengue patients and age of group in Thailand between 2016 to 2020</a:t>
+              <a:t>🦟</a:t>
+            </a:r>
+            <a:r>
+              <a:rPr lang="th-TH" dirty="0">
+                <a:latin typeface="Bahnschrift SemiBold" panose="020B0502040204020203" pitchFamily="34" charset="0"/>
+                <a:cs typeface="Aharoni" panose="02010803020104030203" pitchFamily="2" charset="-79"/>
+              </a:rPr>
+              <a:t> </a:t>
+            </a:r>
+            <a:r>
+              <a:rPr lang="en-US" dirty="0">
+                <a:latin typeface="Bahnschrift SemiBold" panose="020B0502040204020203" pitchFamily="34" charset="0"/>
+                <a:cs typeface="Aharoni" panose="02010803020104030203" pitchFamily="2" charset="-79"/>
+              </a:rPr>
+              <a:t>Dengue patient estimation and visualization from weather data using simple linear regression</a:t>
+            </a:r>
+            <a:r>
+              <a:rPr lang="th-TH" dirty="0">
+                <a:latin typeface="Bahnschrift SemiBold" panose="020B0502040204020203" pitchFamily="34" charset="0"/>
+                <a:cs typeface="Aharoni" panose="02010803020104030203" pitchFamily="2" charset="-79"/>
+              </a:rPr>
+              <a:t> </a:t>
+            </a:r>
+            <a:r>
+              <a:rPr lang="en-US" dirty="0">
+                <a:latin typeface="Bahnschrift SemiBold" panose="020B0502040204020203" pitchFamily="34" charset="0"/>
+                <a:cs typeface="Aharoni" panose="02010803020104030203" pitchFamily="2" charset="-79"/>
+              </a:rPr>
+              <a:t>between 2016 to 2020</a:t>
             </a:r>
           </a:p>
         </p:txBody>
@@ -11672,6 +11700,228 @@
           <a:chExt cx="0" cy="0"/>
         </a:xfrm>
       </p:grpSpPr>
+      <p:grpSp>
+        <p:nvGrpSpPr>
+          <p:cNvPr id="23" name="Group 22">
+            <a:extLst>
+              <a:ext uri="{FF2B5EF4-FFF2-40B4-BE49-F238E27FC236}">
+                <a16:creationId xmlns:a16="http://schemas.microsoft.com/office/drawing/2014/main" id="{EC8FF0CA-9263-488A-A2D8-BF1BC24B0942}"/>
+              </a:ext>
+            </a:extLst>
+          </p:cNvPr>
+          <p:cNvGrpSpPr/>
+          <p:nvPr/>
+        </p:nvGrpSpPr>
+        <p:grpSpPr>
+          <a:xfrm>
+            <a:off x="1305876" y="2212352"/>
+            <a:ext cx="4558015" cy="3039789"/>
+            <a:chOff x="227798" y="1698005"/>
+            <a:chExt cx="5384417" cy="3590925"/>
+          </a:xfrm>
+        </p:grpSpPr>
+        <p:pic>
+          <p:nvPicPr>
+            <p:cNvPr id="1028" name="Picture 4">
+              <a:extLst>
+                <a:ext uri="{FF2B5EF4-FFF2-40B4-BE49-F238E27FC236}">
+                  <a16:creationId xmlns:a16="http://schemas.microsoft.com/office/drawing/2014/main" id="{57BF0C58-D24C-4706-A79E-90A5EED1B65D}"/>
+                </a:ext>
+              </a:extLst>
+            </p:cNvPr>
+            <p:cNvPicPr>
+              <a:picLocks noChangeAspect="1" noChangeArrowheads="1"/>
+            </p:cNvPicPr>
+            <p:nvPr/>
+          </p:nvPicPr>
+          <p:blipFill rotWithShape="1">
+            <a:blip r:embed="rId2">
+              <a:extLst>
+                <a:ext uri="{28A0092B-C50C-407E-A947-70E740481C1C}">
+                  <a14:useLocalDpi xmlns:a14="http://schemas.microsoft.com/office/drawing/2010/main" val="0"/>
+                </a:ext>
+              </a:extLst>
+            </a:blip>
+            <a:srcRect l="20646" t="4208" r="32723" b="3840"/>
+            <a:stretch/>
+          </p:blipFill>
+          <p:spPr bwMode="auto">
+            <a:xfrm>
+              <a:off x="227798" y="1698005"/>
+              <a:ext cx="4064015" cy="3590925"/>
+            </a:xfrm>
+            <a:prstGeom prst="rect">
+              <a:avLst/>
+            </a:prstGeom>
+            <a:noFill/>
+            <a:extLst>
+              <a:ext uri="{909E8E84-426E-40DD-AFC4-6F175D3DCCD1}">
+                <a14:hiddenFill xmlns:a14="http://schemas.microsoft.com/office/drawing/2010/main">
+                  <a:solidFill>
+                    <a:srgbClr val="FFFFFF"/>
+                  </a:solidFill>
+                </a14:hiddenFill>
+              </a:ext>
+            </a:extLst>
+          </p:spPr>
+        </p:pic>
+        <p:pic>
+          <p:nvPicPr>
+            <p:cNvPr id="35" name="Picture 4">
+              <a:extLst>
+                <a:ext uri="{FF2B5EF4-FFF2-40B4-BE49-F238E27FC236}">
+                  <a16:creationId xmlns:a16="http://schemas.microsoft.com/office/drawing/2014/main" id="{33163CFC-8698-4C2C-AADB-012A70A81075}"/>
+                </a:ext>
+              </a:extLst>
+            </p:cNvPr>
+            <p:cNvPicPr>
+              <a:picLocks noChangeAspect="1" noChangeArrowheads="1"/>
+            </p:cNvPicPr>
+            <p:nvPr/>
+          </p:nvPicPr>
+          <p:blipFill rotWithShape="1">
+            <a:blip r:embed="rId2">
+              <a:extLst>
+                <a:ext uri="{28A0092B-C50C-407E-A947-70E740481C1C}">
+                  <a14:useLocalDpi xmlns:a14="http://schemas.microsoft.com/office/drawing/2010/main" val="0"/>
+                </a:ext>
+              </a:extLst>
+            </a:blip>
+            <a:srcRect l="85046" t="4208" b="3840"/>
+            <a:stretch/>
+          </p:blipFill>
+          <p:spPr bwMode="auto">
+            <a:xfrm>
+              <a:off x="4308923" y="1698005"/>
+              <a:ext cx="1303292" cy="3590925"/>
+            </a:xfrm>
+            <a:prstGeom prst="rect">
+              <a:avLst/>
+            </a:prstGeom>
+            <a:noFill/>
+            <a:extLst>
+              <a:ext uri="{909E8E84-426E-40DD-AFC4-6F175D3DCCD1}">
+                <a14:hiddenFill xmlns:a14="http://schemas.microsoft.com/office/drawing/2010/main">
+                  <a:solidFill>
+                    <a:srgbClr val="FFFFFF"/>
+                  </a:solidFill>
+                </a14:hiddenFill>
+              </a:ext>
+            </a:extLst>
+          </p:spPr>
+        </p:pic>
+      </p:grpSp>
+      <p:grpSp>
+        <p:nvGrpSpPr>
+          <p:cNvPr id="14" name="Group 13">
+            <a:extLst>
+              <a:ext uri="{FF2B5EF4-FFF2-40B4-BE49-F238E27FC236}">
+                <a16:creationId xmlns:a16="http://schemas.microsoft.com/office/drawing/2014/main" id="{90B43BF4-BE12-44EA-9829-29D5E060497E}"/>
+              </a:ext>
+            </a:extLst>
+          </p:cNvPr>
+          <p:cNvGrpSpPr/>
+          <p:nvPr/>
+        </p:nvGrpSpPr>
+        <p:grpSpPr>
+          <a:xfrm>
+            <a:off x="6362736" y="2167826"/>
+            <a:ext cx="4861931" cy="2819091"/>
+            <a:chOff x="161911" y="789849"/>
+            <a:chExt cx="6296289" cy="3650774"/>
+          </a:xfrm>
+        </p:grpSpPr>
+        <p:pic>
+          <p:nvPicPr>
+            <p:cNvPr id="1026" name="Picture 2">
+              <a:extLst>
+                <a:ext uri="{FF2B5EF4-FFF2-40B4-BE49-F238E27FC236}">
+                  <a16:creationId xmlns:a16="http://schemas.microsoft.com/office/drawing/2014/main" id="{8C7C7CAD-5172-4D46-AF90-28326DC44976}"/>
+                </a:ext>
+              </a:extLst>
+            </p:cNvPr>
+            <p:cNvPicPr>
+              <a:picLocks noChangeAspect="1" noChangeArrowheads="1"/>
+            </p:cNvPicPr>
+            <p:nvPr/>
+          </p:nvPicPr>
+          <p:blipFill rotWithShape="1">
+            <a:blip r:embed="rId3">
+              <a:extLst>
+                <a:ext uri="{28A0092B-C50C-407E-A947-70E740481C1C}">
+                  <a14:useLocalDpi xmlns:a14="http://schemas.microsoft.com/office/drawing/2010/main" val="0"/>
+                </a:ext>
+              </a:extLst>
+            </a:blip>
+            <a:srcRect l="88049" t="5118" b="3840"/>
+            <a:stretch/>
+          </p:blipFill>
+          <p:spPr bwMode="auto">
+            <a:xfrm>
+              <a:off x="5415510" y="789849"/>
+              <a:ext cx="1042690" cy="3650774"/>
+            </a:xfrm>
+            <a:prstGeom prst="rect">
+              <a:avLst/>
+            </a:prstGeom>
+            <a:noFill/>
+            <a:extLst>
+              <a:ext uri="{909E8E84-426E-40DD-AFC4-6F175D3DCCD1}">
+                <a14:hiddenFill xmlns:a14="http://schemas.microsoft.com/office/drawing/2010/main">
+                  <a:solidFill>
+                    <a:srgbClr val="FFFFFF"/>
+                  </a:solidFill>
+                </a14:hiddenFill>
+              </a:ext>
+            </a:extLst>
+          </p:spPr>
+        </p:pic>
+        <p:pic>
+          <p:nvPicPr>
+            <p:cNvPr id="22" name="Picture 2">
+              <a:extLst>
+                <a:ext uri="{FF2B5EF4-FFF2-40B4-BE49-F238E27FC236}">
+                  <a16:creationId xmlns:a16="http://schemas.microsoft.com/office/drawing/2014/main" id="{A959BE47-515B-422C-B085-F60CE97000AE}"/>
+                </a:ext>
+              </a:extLst>
+            </p:cNvPr>
+            <p:cNvPicPr>
+              <a:picLocks noChangeAspect="1" noChangeArrowheads="1"/>
+            </p:cNvPicPr>
+            <p:nvPr/>
+          </p:nvPicPr>
+          <p:blipFill rotWithShape="1">
+            <a:blip r:embed="rId3">
+              <a:extLst>
+                <a:ext uri="{28A0092B-C50C-407E-A947-70E740481C1C}">
+                  <a14:useLocalDpi xmlns:a14="http://schemas.microsoft.com/office/drawing/2010/main" val="0"/>
+                </a:ext>
+              </a:extLst>
+            </a:blip>
+            <a:srcRect l="14750" t="5118" r="24929" b="3840"/>
+            <a:stretch/>
+          </p:blipFill>
+          <p:spPr bwMode="auto">
+            <a:xfrm>
+              <a:off x="161911" y="789849"/>
+              <a:ext cx="5262973" cy="3650774"/>
+            </a:xfrm>
+            <a:prstGeom prst="rect">
+              <a:avLst/>
+            </a:prstGeom>
+            <a:noFill/>
+            <a:extLst>
+              <a:ext uri="{909E8E84-426E-40DD-AFC4-6F175D3DCCD1}">
+                <a14:hiddenFill xmlns:a14="http://schemas.microsoft.com/office/drawing/2010/main">
+                  <a:solidFill>
+                    <a:srgbClr val="FFFFFF"/>
+                  </a:solidFill>
+                </a14:hiddenFill>
+              </a:ext>
+            </a:extLst>
+          </p:spPr>
+        </p:pic>
+      </p:grpSp>
       <p:sp>
         <p:nvSpPr>
           <p:cNvPr id="2" name="Title 1">
@@ -11700,119 +11950,6 @@
           </a:p>
         </p:txBody>
       </p:sp>
-      <p:grpSp>
-        <p:nvGrpSpPr>
-          <p:cNvPr id="9" name="Group 8">
-            <a:extLst>
-              <a:ext uri="{FF2B5EF4-FFF2-40B4-BE49-F238E27FC236}">
-                <a16:creationId xmlns:a16="http://schemas.microsoft.com/office/drawing/2014/main" id="{CC8EB70E-0BC2-4848-9FEE-1990CC4F61E2}"/>
-              </a:ext>
-            </a:extLst>
-          </p:cNvPr>
-          <p:cNvGrpSpPr/>
-          <p:nvPr/>
-        </p:nvGrpSpPr>
-        <p:grpSpPr>
-          <a:xfrm>
-            <a:off x="6351869" y="2782073"/>
-            <a:ext cx="4579669" cy="2845347"/>
-            <a:chOff x="5755480" y="1929837"/>
-            <a:chExt cx="4579669" cy="2845347"/>
-          </a:xfrm>
-        </p:grpSpPr>
-        <p:pic>
-          <p:nvPicPr>
-            <p:cNvPr id="10" name="Picture 4">
-              <a:extLst>
-                <a:ext uri="{FF2B5EF4-FFF2-40B4-BE49-F238E27FC236}">
-                  <a16:creationId xmlns:a16="http://schemas.microsoft.com/office/drawing/2014/main" id="{CCFDC783-2425-4B8D-89E2-DEDCD1E3EB77}"/>
-                </a:ext>
-              </a:extLst>
-            </p:cNvPr>
-            <p:cNvPicPr>
-              <a:picLocks noChangeAspect="1" noChangeArrowheads="1"/>
-            </p:cNvPicPr>
-            <p:nvPr/>
-          </p:nvPicPr>
-          <p:blipFill rotWithShape="1">
-            <a:blip r:embed="rId2">
-              <a:alphaModFix/>
-              <a:extLst>
-                <a:ext uri="{28A0092B-C50C-407E-A947-70E740481C1C}">
-                  <a14:useLocalDpi xmlns:a14="http://schemas.microsoft.com/office/drawing/2010/main" val="0"/>
-                </a:ext>
-              </a:extLst>
-            </a:blip>
-            <a:srcRect l="21313" t="3029" r="22917" b="6620"/>
-            <a:stretch/>
-          </p:blipFill>
-          <p:spPr bwMode="auto">
-            <a:xfrm>
-              <a:off x="5755480" y="1929837"/>
-              <a:ext cx="3790004" cy="2824028"/>
-            </a:xfrm>
-            <a:prstGeom prst="rect">
-              <a:avLst/>
-            </a:prstGeom>
-            <a:noFill/>
-            <a:extLst>
-              <a:ext uri="{909E8E84-426E-40DD-AFC4-6F175D3DCCD1}">
-                <a14:hiddenFill xmlns:a14="http://schemas.microsoft.com/office/drawing/2010/main">
-                  <a:solidFill>
-                    <a:srgbClr val="FFFFFF"/>
-                  </a:solidFill>
-                </a14:hiddenFill>
-              </a:ext>
-            </a:extLst>
-          </p:spPr>
-        </p:pic>
-        <p:pic>
-          <p:nvPicPr>
-            <p:cNvPr id="15" name="Picture 4">
-              <a:extLst>
-                <a:ext uri="{FF2B5EF4-FFF2-40B4-BE49-F238E27FC236}">
-                  <a16:creationId xmlns:a16="http://schemas.microsoft.com/office/drawing/2014/main" id="{A9B310FD-8528-41F4-A39D-9924FC18C0D9}"/>
-                </a:ext>
-              </a:extLst>
-            </p:cNvPr>
-            <p:cNvPicPr>
-              <a:picLocks noChangeAspect="1" noChangeArrowheads="1"/>
-            </p:cNvPicPr>
-            <p:nvPr/>
-          </p:nvPicPr>
-          <p:blipFill rotWithShape="1">
-            <a:blip r:embed="rId2">
-              <a:alphaModFix/>
-              <a:extLst>
-                <a:ext uri="{28A0092B-C50C-407E-A947-70E740481C1C}">
-                  <a14:useLocalDpi xmlns:a14="http://schemas.microsoft.com/office/drawing/2010/main" val="0"/>
-                </a:ext>
-              </a:extLst>
-            </a:blip>
-            <a:srcRect l="88242" t="1045" b="6620"/>
-            <a:stretch/>
-          </p:blipFill>
-          <p:spPr bwMode="auto">
-            <a:xfrm>
-              <a:off x="9547400" y="1929837"/>
-              <a:ext cx="787749" cy="2845347"/>
-            </a:xfrm>
-            <a:prstGeom prst="rect">
-              <a:avLst/>
-            </a:prstGeom>
-            <a:noFill/>
-            <a:extLst>
-              <a:ext uri="{909E8E84-426E-40DD-AFC4-6F175D3DCCD1}">
-                <a14:hiddenFill xmlns:a14="http://schemas.microsoft.com/office/drawing/2010/main">
-                  <a:solidFill>
-                    <a:srgbClr val="FFFFFF"/>
-                  </a:solidFill>
-                </a14:hiddenFill>
-              </a:ext>
-            </a:extLst>
-          </p:spPr>
-        </p:pic>
-      </p:grpSp>
       <p:sp>
         <p:nvSpPr>
           <p:cNvPr id="6" name="TextBox 5">
@@ -11827,7 +11964,7 @@
         </p:nvSpPr>
         <p:spPr>
           <a:xfrm>
-            <a:off x="1783040" y="5691901"/>
+            <a:off x="1379250" y="5322750"/>
             <a:ext cx="3872404" cy="338554"/>
           </a:xfrm>
           <a:prstGeom prst="rect">
@@ -11868,7 +12005,7 @@
         </p:nvSpPr>
         <p:spPr>
           <a:xfrm>
-            <a:off x="7624840" y="5722581"/>
+            <a:off x="7624840" y="5103456"/>
             <a:ext cx="2033726" cy="338554"/>
           </a:xfrm>
           <a:prstGeom prst="rect">
@@ -11892,171 +12029,6 @@
               <a:t>Rainfall in Thailand</a:t>
             </a:r>
             <a:endParaRPr lang="en-US" sz="1600" dirty="0"/>
-          </a:p>
-        </p:txBody>
-      </p:sp>
-      <p:grpSp>
-        <p:nvGrpSpPr>
-          <p:cNvPr id="3" name="Group 2">
-            <a:extLst>
-              <a:ext uri="{FF2B5EF4-FFF2-40B4-BE49-F238E27FC236}">
-                <a16:creationId xmlns:a16="http://schemas.microsoft.com/office/drawing/2014/main" id="{B62521EA-02BF-4C98-BF80-9D08F7136CF2}"/>
-              </a:ext>
-            </a:extLst>
-          </p:cNvPr>
-          <p:cNvGrpSpPr/>
-          <p:nvPr/>
-        </p:nvGrpSpPr>
-        <p:grpSpPr>
-          <a:xfrm>
-            <a:off x="1241635" y="2220798"/>
-            <a:ext cx="4955215" cy="3385245"/>
-            <a:chOff x="670558" y="1843980"/>
-            <a:chExt cx="3848101" cy="2628900"/>
-          </a:xfrm>
-        </p:grpSpPr>
-        <p:pic>
-          <p:nvPicPr>
-            <p:cNvPr id="5122" name="Picture 2">
-              <a:extLst>
-                <a:ext uri="{FF2B5EF4-FFF2-40B4-BE49-F238E27FC236}">
-                  <a16:creationId xmlns:a16="http://schemas.microsoft.com/office/drawing/2014/main" id="{2B94123E-F882-4836-9D5E-F77B8CFCF5BE}"/>
-                </a:ext>
-              </a:extLst>
-            </p:cNvPr>
-            <p:cNvPicPr>
-              <a:picLocks noChangeAspect="1" noChangeArrowheads="1"/>
-            </p:cNvPicPr>
-            <p:nvPr/>
-          </p:nvPicPr>
-          <p:blipFill rotWithShape="1">
-            <a:blip r:embed="rId3">
-              <a:extLst>
-                <a:ext uri="{28A0092B-C50C-407E-A947-70E740481C1C}">
-                  <a14:useLocalDpi xmlns:a14="http://schemas.microsoft.com/office/drawing/2010/main" val="0"/>
-                </a:ext>
-              </a:extLst>
-            </a:blip>
-            <a:srcRect l="27725" t="2536" r="22756"/>
-            <a:stretch/>
-          </p:blipFill>
-          <p:spPr bwMode="auto">
-            <a:xfrm>
-              <a:off x="670558" y="1910655"/>
-              <a:ext cx="2943226" cy="2562225"/>
-            </a:xfrm>
-            <a:prstGeom prst="rect">
-              <a:avLst/>
-            </a:prstGeom>
-            <a:noFill/>
-            <a:extLst>
-              <a:ext uri="{909E8E84-426E-40DD-AFC4-6F175D3DCCD1}">
-                <a14:hiddenFill xmlns:a14="http://schemas.microsoft.com/office/drawing/2010/main">
-                  <a:solidFill>
-                    <a:srgbClr val="FFFFFF"/>
-                  </a:solidFill>
-                </a14:hiddenFill>
-              </a:ext>
-            </a:extLst>
-          </p:spPr>
-        </p:pic>
-        <p:pic>
-          <p:nvPicPr>
-            <p:cNvPr id="8" name="Picture 2">
-              <a:extLst>
-                <a:ext uri="{FF2B5EF4-FFF2-40B4-BE49-F238E27FC236}">
-                  <a16:creationId xmlns:a16="http://schemas.microsoft.com/office/drawing/2014/main" id="{F856AB24-702F-486A-BD72-DD8A1E1C074C}"/>
-                </a:ext>
-              </a:extLst>
-            </p:cNvPr>
-            <p:cNvPicPr>
-              <a:picLocks noChangeAspect="1" noChangeArrowheads="1"/>
-            </p:cNvPicPr>
-            <p:nvPr/>
-          </p:nvPicPr>
-          <p:blipFill rotWithShape="1">
-            <a:blip r:embed="rId3">
-              <a:extLst>
-                <a:ext uri="{28A0092B-C50C-407E-A947-70E740481C1C}">
-                  <a14:useLocalDpi xmlns:a14="http://schemas.microsoft.com/office/drawing/2010/main" val="0"/>
-                </a:ext>
-              </a:extLst>
-            </a:blip>
-            <a:srcRect l="84776"/>
-            <a:stretch/>
-          </p:blipFill>
-          <p:spPr bwMode="auto">
-            <a:xfrm>
-              <a:off x="3613784" y="1843980"/>
-              <a:ext cx="904875" cy="2628900"/>
-            </a:xfrm>
-            <a:prstGeom prst="rect">
-              <a:avLst/>
-            </a:prstGeom>
-            <a:noFill/>
-            <a:extLst>
-              <a:ext uri="{909E8E84-426E-40DD-AFC4-6F175D3DCCD1}">
-                <a14:hiddenFill xmlns:a14="http://schemas.microsoft.com/office/drawing/2010/main">
-                  <a:solidFill>
-                    <a:srgbClr val="FFFFFF"/>
-                  </a:solidFill>
-                </a14:hiddenFill>
-              </a:ext>
-            </a:extLst>
-          </p:spPr>
-        </p:pic>
-      </p:grpSp>
-      <p:sp>
-        <p:nvSpPr>
-          <p:cNvPr id="4" name="Oval 3">
-            <a:extLst>
-              <a:ext uri="{FF2B5EF4-FFF2-40B4-BE49-F238E27FC236}">
-                <a16:creationId xmlns:a16="http://schemas.microsoft.com/office/drawing/2014/main" id="{02A6CE59-7C74-4474-8406-6AA894EC9C00}"/>
-              </a:ext>
-            </a:extLst>
-          </p:cNvPr>
-          <p:cNvSpPr/>
-          <p:nvPr/>
-        </p:nvSpPr>
-        <p:spPr>
-          <a:xfrm>
-            <a:off x="1947295" y="2772614"/>
-            <a:ext cx="1478831" cy="1478831"/>
-          </a:xfrm>
-          <a:prstGeom prst="ellipse">
-            <a:avLst/>
-          </a:prstGeom>
-          <a:noFill/>
-          <a:ln w="38100">
-            <a:solidFill>
-              <a:schemeClr val="tx1">
-                <a:alpha val="60000"/>
-              </a:schemeClr>
-            </a:solidFill>
-          </a:ln>
-        </p:spPr>
-        <p:style>
-          <a:lnRef idx="2">
-            <a:schemeClr val="accent1">
-              <a:shade val="50000"/>
-            </a:schemeClr>
-          </a:lnRef>
-          <a:fillRef idx="1">
-            <a:schemeClr val="accent1"/>
-          </a:fillRef>
-          <a:effectRef idx="0">
-            <a:schemeClr val="accent1"/>
-          </a:effectRef>
-          <a:fontRef idx="minor">
-            <a:schemeClr val="lt1"/>
-          </a:fontRef>
-        </p:style>
-        <p:txBody>
-          <a:bodyPr rtlCol="0" anchor="ctr"/>
-          <a:lstStyle/>
-          <a:p>
-            <a:pPr algn="ctr"/>
-            <a:endParaRPr lang="en-US"/>
           </a:p>
         </p:txBody>
       </p:sp>
@@ -12074,10 +12046,10 @@
         </p:nvGrpSpPr>
         <p:grpSpPr>
           <a:xfrm>
-            <a:off x="7282851" y="2861208"/>
-            <a:ext cx="1509188" cy="2859504"/>
-            <a:chOff x="6655416" y="2030349"/>
-            <a:chExt cx="1509188" cy="2859504"/>
+            <a:off x="7602774" y="2213984"/>
+            <a:ext cx="1490138" cy="2840454"/>
+            <a:chOff x="6655416" y="2049399"/>
+            <a:chExt cx="1490138" cy="2840454"/>
           </a:xfrm>
         </p:grpSpPr>
         <p:sp>
@@ -12202,7 +12174,7 @@
           </p:nvSpPr>
           <p:spPr>
             <a:xfrm rot="18970562">
-              <a:off x="7436030" y="2030349"/>
+              <a:off x="7416980" y="2049399"/>
               <a:ext cx="728574" cy="1243056"/>
             </a:xfrm>
             <a:prstGeom prst="ellipse">
@@ -12257,7 +12229,7 @@
         </p:nvSpPr>
         <p:spPr>
           <a:xfrm>
-            <a:off x="1783040" y="1968102"/>
+            <a:off x="1372586" y="1873798"/>
             <a:ext cx="3872404" cy="338554"/>
           </a:xfrm>
           <a:prstGeom prst="rect">
@@ -12278,7 +12250,7 @@
                   <a:srgbClr val="000000"/>
                 </a:solidFill>
               </a:rPr>
-              <a:t>2020</a:t>
+              <a:t>2019</a:t>
             </a:r>
             <a:endParaRPr lang="en-US" sz="1600" dirty="0"/>
           </a:p>
@@ -12298,7 +12270,7 @@
         </p:nvSpPr>
         <p:spPr>
           <a:xfrm>
-            <a:off x="6705501" y="2448398"/>
+            <a:off x="6705501" y="1821955"/>
             <a:ext cx="3872404" cy="338554"/>
           </a:xfrm>
           <a:prstGeom prst="rect">
@@ -12314,142 +12286,71 @@
           <a:p>
             <a:pPr algn="ctr"/>
             <a:r>
-              <a:rPr lang="en-US" sz="1600" i="0" u="none" strike="noStrike" baseline="0" dirty="0">
+              <a:rPr lang="en-US" sz="1600" dirty="0">
                 <a:solidFill>
                   <a:srgbClr val="000000"/>
                 </a:solidFill>
               </a:rPr>
-              <a:t>2020</a:t>
+              <a:t>2019</a:t>
             </a:r>
             <a:endParaRPr lang="en-US" sz="1600" dirty="0"/>
           </a:p>
         </p:txBody>
       </p:sp>
-      <p:grpSp>
-        <p:nvGrpSpPr>
-          <p:cNvPr id="20" name="Group 19">
+      <p:sp>
+        <p:nvSpPr>
+          <p:cNvPr id="32" name="Oval 31">
             <a:extLst>
               <a:ext uri="{FF2B5EF4-FFF2-40B4-BE49-F238E27FC236}">
-                <a16:creationId xmlns:a16="http://schemas.microsoft.com/office/drawing/2014/main" id="{872DD0AC-DAA7-4E12-AE4A-24030AEB3C41}"/>
+                <a16:creationId xmlns:a16="http://schemas.microsoft.com/office/drawing/2014/main" id="{DBDB3217-2517-4E18-BF8A-310A7419BCCD}"/>
               </a:ext>
             </a:extLst>
           </p:cNvPr>
-          <p:cNvGrpSpPr/>
+          <p:cNvSpPr/>
           <p:nvPr/>
-        </p:nvGrpSpPr>
-        <p:grpSpPr>
-          <a:xfrm>
-            <a:off x="8202800" y="3964749"/>
-            <a:ext cx="1733273" cy="1543399"/>
-            <a:chOff x="8253581" y="3850089"/>
-            <a:chExt cx="1733273" cy="1543399"/>
+        </p:nvSpPr>
+        <p:spPr>
+          <a:xfrm rot="14400000">
+            <a:off x="2782680" y="3092943"/>
+            <a:ext cx="585253" cy="998528"/>
           </a:xfrm>
-        </p:grpSpPr>
-        <p:sp>
-          <p:nvSpPr>
-            <p:cNvPr id="16" name="Isosceles Triangle 15">
-              <a:extLst>
-                <a:ext uri="{FF2B5EF4-FFF2-40B4-BE49-F238E27FC236}">
-                  <a16:creationId xmlns:a16="http://schemas.microsoft.com/office/drawing/2014/main" id="{F46FB60D-58B3-4B1F-9828-5E2F584BC52E}"/>
-                </a:ext>
-              </a:extLst>
-            </p:cNvPr>
-            <p:cNvSpPr/>
-            <p:nvPr/>
-          </p:nvSpPr>
-          <p:spPr>
-            <a:xfrm rot="18900000">
-              <a:off x="8253581" y="3850089"/>
-              <a:ext cx="1296167" cy="856966"/>
-            </a:xfrm>
-            <a:prstGeom prst="triangle">
-              <a:avLst/>
-            </a:prstGeom>
-          </p:spPr>
-          <p:style>
-            <a:lnRef idx="2">
-              <a:schemeClr val="accent1">
-                <a:shade val="50000"/>
+          <a:prstGeom prst="ellipse">
+            <a:avLst/>
+          </a:prstGeom>
+          <a:noFill/>
+          <a:ln w="28575">
+            <a:solidFill>
+              <a:schemeClr val="tx1">
+                <a:alpha val="65000"/>
               </a:schemeClr>
-            </a:lnRef>
-            <a:fillRef idx="1">
-              <a:schemeClr val="accent1"/>
-            </a:fillRef>
-            <a:effectRef idx="0">
-              <a:schemeClr val="accent1"/>
-            </a:effectRef>
-            <a:fontRef idx="minor">
-              <a:schemeClr val="lt1"/>
-            </a:fontRef>
-          </p:style>
-          <p:txBody>
-            <a:bodyPr rtlCol="0" anchor="ctr"/>
-            <a:lstStyle/>
-            <a:p>
-              <a:pPr algn="ctr"/>
-              <a:endParaRPr lang="en-US"/>
-            </a:p>
-          </p:txBody>
-        </p:sp>
-        <p:pic>
-          <p:nvPicPr>
-            <p:cNvPr id="19" name="Picture 2">
-              <a:extLst>
-                <a:ext uri="{FF2B5EF4-FFF2-40B4-BE49-F238E27FC236}">
-                  <a16:creationId xmlns:a16="http://schemas.microsoft.com/office/drawing/2014/main" id="{1AA9FA6C-B656-4FBF-9F52-5A38FA6C8FA2}"/>
-                </a:ext>
-              </a:extLst>
-            </p:cNvPr>
-            <p:cNvPicPr>
-              <a:picLocks noChangeAspect="1" noChangeArrowheads="1"/>
-            </p:cNvPicPr>
-            <p:nvPr/>
-          </p:nvPicPr>
-          <p:blipFill rotWithShape="1">
-            <a:blip r:embed="rId3">
-              <a:extLst>
-                <a:ext uri="{28A0092B-C50C-407E-A947-70E740481C1C}">
-                  <a14:useLocalDpi xmlns:a14="http://schemas.microsoft.com/office/drawing/2010/main" val="0"/>
-                </a:ext>
-              </a:extLst>
-            </a:blip>
-            <a:srcRect l="32902" t="2802" r="36920" b="28353"/>
-            <a:stretch/>
-          </p:blipFill>
-          <p:spPr bwMode="auto">
-            <a:xfrm>
-              <a:off x="8676287" y="4071049"/>
-              <a:ext cx="1310567" cy="1322439"/>
-            </a:xfrm>
-            <a:prstGeom prst="flowChartConnector">
-              <a:avLst/>
-            </a:prstGeom>
-            <a:noFill/>
-            <a:ln w="12700">
-              <a:solidFill>
-                <a:schemeClr val="tx1"/>
-              </a:solidFill>
-            </a:ln>
-            <a:effectLst>
-              <a:glow rad="228600">
-                <a:schemeClr val="accent6">
-                  <a:satMod val="175000"/>
-                  <a:alpha val="40000"/>
-                </a:schemeClr>
-              </a:glow>
-            </a:effectLst>
-            <a:extLst>
-              <a:ext uri="{909E8E84-426E-40DD-AFC4-6F175D3DCCD1}">
-                <a14:hiddenFill xmlns:a14="http://schemas.microsoft.com/office/drawing/2010/main">
-                  <a:solidFill>
-                    <a:srgbClr val="FFFFFF"/>
-                  </a:solidFill>
-                </a14:hiddenFill>
-              </a:ext>
-            </a:extLst>
-          </p:spPr>
-        </p:pic>
-      </p:grpSp>
+            </a:solidFill>
+          </a:ln>
+        </p:spPr>
+        <p:style>
+          <a:lnRef idx="2">
+            <a:schemeClr val="accent1">
+              <a:shade val="50000"/>
+            </a:schemeClr>
+          </a:lnRef>
+          <a:fillRef idx="1">
+            <a:schemeClr val="accent1"/>
+          </a:fillRef>
+          <a:effectRef idx="0">
+            <a:schemeClr val="accent1"/>
+          </a:effectRef>
+          <a:fontRef idx="minor">
+            <a:schemeClr val="lt1"/>
+          </a:fontRef>
+        </p:style>
+        <p:txBody>
+          <a:bodyPr rtlCol="0" anchor="ctr"/>
+          <a:lstStyle/>
+          <a:p>
+            <a:pPr algn="ctr"/>
+            <a:endParaRPr lang="en-US"/>
+          </a:p>
+        </p:txBody>
+      </p:sp>
     </p:spTree>
     <p:extLst>
       <p:ext uri="{BB962C8B-B14F-4D97-AF65-F5344CB8AC3E}">
